--- a/Image Segmentation of Concrete Roads.pptx
+++ b/Image Segmentation of Concrete Roads.pptx
@@ -264,7 +264,7 @@
           <a:p>
             <a:fld id="{62D47A6F-3EBE-4C73-A7AD-6A61AF5187C9}" type="datetimeFigureOut">
               <a:rPr lang="zh-TW" altLang="en-US" smtClean="0"/>
-              <a:t>2024/10/21</a:t>
+              <a:t>2024/10/23</a:t>
             </a:fld>
             <a:endParaRPr lang="zh-TW" altLang="en-US"/>
           </a:p>
@@ -464,7 +464,7 @@
           <a:p>
             <a:fld id="{62D47A6F-3EBE-4C73-A7AD-6A61AF5187C9}" type="datetimeFigureOut">
               <a:rPr lang="zh-TW" altLang="en-US" smtClean="0"/>
-              <a:t>2024/10/21</a:t>
+              <a:t>2024/10/23</a:t>
             </a:fld>
             <a:endParaRPr lang="zh-TW" altLang="en-US"/>
           </a:p>
@@ -674,7 +674,7 @@
           <a:p>
             <a:fld id="{62D47A6F-3EBE-4C73-A7AD-6A61AF5187C9}" type="datetimeFigureOut">
               <a:rPr lang="zh-TW" altLang="en-US" smtClean="0"/>
-              <a:t>2024/10/21</a:t>
+              <a:t>2024/10/23</a:t>
             </a:fld>
             <a:endParaRPr lang="zh-TW" altLang="en-US"/>
           </a:p>
@@ -874,7 +874,7 @@
           <a:p>
             <a:fld id="{62D47A6F-3EBE-4C73-A7AD-6A61AF5187C9}" type="datetimeFigureOut">
               <a:rPr lang="zh-TW" altLang="en-US" smtClean="0"/>
-              <a:t>2024/10/21</a:t>
+              <a:t>2024/10/23</a:t>
             </a:fld>
             <a:endParaRPr lang="zh-TW" altLang="en-US"/>
           </a:p>
@@ -1150,7 +1150,7 @@
           <a:p>
             <a:fld id="{62D47A6F-3EBE-4C73-A7AD-6A61AF5187C9}" type="datetimeFigureOut">
               <a:rPr lang="zh-TW" altLang="en-US" smtClean="0"/>
-              <a:t>2024/10/21</a:t>
+              <a:t>2024/10/23</a:t>
             </a:fld>
             <a:endParaRPr lang="zh-TW" altLang="en-US"/>
           </a:p>
@@ -1418,7 +1418,7 @@
           <a:p>
             <a:fld id="{62D47A6F-3EBE-4C73-A7AD-6A61AF5187C9}" type="datetimeFigureOut">
               <a:rPr lang="zh-TW" altLang="en-US" smtClean="0"/>
-              <a:t>2024/10/21</a:t>
+              <a:t>2024/10/23</a:t>
             </a:fld>
             <a:endParaRPr lang="zh-TW" altLang="en-US"/>
           </a:p>
@@ -1833,7 +1833,7 @@
           <a:p>
             <a:fld id="{62D47A6F-3EBE-4C73-A7AD-6A61AF5187C9}" type="datetimeFigureOut">
               <a:rPr lang="zh-TW" altLang="en-US" smtClean="0"/>
-              <a:t>2024/10/21</a:t>
+              <a:t>2024/10/23</a:t>
             </a:fld>
             <a:endParaRPr lang="zh-TW" altLang="en-US"/>
           </a:p>
@@ -1975,7 +1975,7 @@
           <a:p>
             <a:fld id="{62D47A6F-3EBE-4C73-A7AD-6A61AF5187C9}" type="datetimeFigureOut">
               <a:rPr lang="zh-TW" altLang="en-US" smtClean="0"/>
-              <a:t>2024/10/21</a:t>
+              <a:t>2024/10/23</a:t>
             </a:fld>
             <a:endParaRPr lang="zh-TW" altLang="en-US"/>
           </a:p>
@@ -2088,7 +2088,7 @@
           <a:p>
             <a:fld id="{62D47A6F-3EBE-4C73-A7AD-6A61AF5187C9}" type="datetimeFigureOut">
               <a:rPr lang="zh-TW" altLang="en-US" smtClean="0"/>
-              <a:t>2024/10/21</a:t>
+              <a:t>2024/10/23</a:t>
             </a:fld>
             <a:endParaRPr lang="zh-TW" altLang="en-US"/>
           </a:p>
@@ -2401,7 +2401,7 @@
           <a:p>
             <a:fld id="{62D47A6F-3EBE-4C73-A7AD-6A61AF5187C9}" type="datetimeFigureOut">
               <a:rPr lang="zh-TW" altLang="en-US" smtClean="0"/>
-              <a:t>2024/10/21</a:t>
+              <a:t>2024/10/23</a:t>
             </a:fld>
             <a:endParaRPr lang="zh-TW" altLang="en-US"/>
           </a:p>
@@ -2690,7 +2690,7 @@
           <a:p>
             <a:fld id="{62D47A6F-3EBE-4C73-A7AD-6A61AF5187C9}" type="datetimeFigureOut">
               <a:rPr lang="zh-TW" altLang="en-US" smtClean="0"/>
-              <a:t>2024/10/21</a:t>
+              <a:t>2024/10/23</a:t>
             </a:fld>
             <a:endParaRPr lang="zh-TW" altLang="en-US"/>
           </a:p>
@@ -2933,7 +2933,7 @@
           <a:p>
             <a:fld id="{62D47A6F-3EBE-4C73-A7AD-6A61AF5187C9}" type="datetimeFigureOut">
               <a:rPr lang="zh-TW" altLang="en-US" smtClean="0"/>
-              <a:t>2024/10/21</a:t>
+              <a:t>2024/10/23</a:t>
             </a:fld>
             <a:endParaRPr lang="zh-TW" altLang="en-US"/>
           </a:p>
@@ -3450,7 +3450,12 @@
             <p:ph type="title"/>
           </p:nvPr>
         </p:nvSpPr>
-        <p:spPr/>
+        <p:spPr>
+          <a:xfrm>
+            <a:off x="838199" y="365125"/>
+            <a:ext cx="10515600" cy="1325563"/>
+          </a:xfrm>
+        </p:spPr>
         <p:txBody>
           <a:bodyPr/>
           <a:lstStyle/>
@@ -3481,15 +3486,19 @@
         </p:nvSpPr>
         <p:spPr>
           <a:xfrm>
-            <a:off x="838200" y="1825625"/>
-            <a:ext cx="10515600" cy="4351338"/>
+            <a:off x="838199" y="1825625"/>
+            <a:ext cx="9964271" cy="4351338"/>
           </a:xfrm>
         </p:spPr>
         <p:txBody>
           <a:bodyPr/>
           <a:lstStyle/>
           <a:p>
-            <a:pPr lvl="1"/>
+            <a:pPr lvl="1">
+              <a:lnSpc>
+                <a:spcPct val="200000"/>
+              </a:lnSpc>
+            </a:pPr>
             <a:r>
               <a:rPr lang="zh-TW" altLang="en-US" dirty="0"/>
               <a:t>馬路分割</a:t>
@@ -3497,20 +3506,35 @@
             <a:endParaRPr lang="en-US" altLang="zh-TW" dirty="0"/>
           </a:p>
           <a:p>
-            <a:pPr lvl="1"/>
+            <a:pPr lvl="1">
+              <a:lnSpc>
+                <a:spcPct val="200000"/>
+              </a:lnSpc>
+            </a:pPr>
             <a:r>
               <a:rPr lang="zh-TW" altLang="en-US" dirty="0"/>
-              <a:t>圖片是 </a:t>
+              <a:t>使用</a:t>
             </a:r>
             <a:r>
               <a:rPr lang="en-US" altLang="zh-TW" dirty="0"/>
-              <a:t>perspective drawing</a:t>
+              <a:t>LBP</a:t>
             </a:r>
             <a:r>
               <a:rPr lang="zh-TW" altLang="en-US" dirty="0"/>
-              <a:t> 類</a:t>
-            </a:r>
-            <a:endParaRPr lang="en-US" altLang="zh-TW" dirty="0"/>
+              <a:t>和</a:t>
+            </a:r>
+            <a:r>
+              <a:rPr lang="en-US" altLang="zh-TW" dirty="0"/>
+              <a:t>BFS</a:t>
+            </a:r>
+            <a:r>
+              <a:rPr lang="zh-TW" altLang="en-US" dirty="0"/>
+              <a:t>或</a:t>
+            </a:r>
+            <a:r>
+              <a:rPr lang="en-US" altLang="zh-TW" dirty="0"/>
+              <a:t>DFS</a:t>
+            </a:r>
           </a:p>
         </p:txBody>
       </p:sp>
@@ -3562,7 +3586,7 @@
         </p:nvSpPr>
         <p:spPr>
           <a:xfrm>
-            <a:off x="838200" y="365125"/>
+            <a:off x="488576" y="427878"/>
             <a:ext cx="10515600" cy="1325563"/>
           </a:xfrm>
         </p:spPr>
@@ -3592,8 +3616,8 @@
         </p:nvSpPr>
         <p:spPr>
           <a:xfrm>
-            <a:off x="3729565" y="1530347"/>
-            <a:ext cx="2243666" cy="618066"/>
+            <a:off x="174063" y="4878174"/>
+            <a:ext cx="1985188" cy="618066"/>
           </a:xfrm>
           <a:prstGeom prst="rect">
             <a:avLst/>
@@ -3622,11 +3646,11 @@
             <a:pPr algn="ctr"/>
             <a:r>
               <a:rPr lang="zh-TW" altLang="en-US" dirty="0"/>
-              <a:t>抓邊找</a:t>
+              <a:t>抓邊 </a:t>
             </a:r>
             <a:r>
               <a:rPr lang="en-US" altLang="zh-TW" dirty="0"/>
-              <a:t>ROI</a:t>
+              <a:t>(Sobel)</a:t>
             </a:r>
             <a:endParaRPr lang="zh-TW" altLang="en-US" dirty="0"/>
           </a:p>
@@ -3646,7 +3670,7 @@
         </p:nvSpPr>
         <p:spPr>
           <a:xfrm>
-            <a:off x="6096000" y="1530347"/>
+            <a:off x="2399427" y="3720848"/>
             <a:ext cx="2243666" cy="618066"/>
           </a:xfrm>
           <a:prstGeom prst="rect">
@@ -3682,15 +3706,23 @@
               <a:rPr lang="zh-TW" altLang="en-US" dirty="0"/>
               <a:t>計算</a:t>
             </a:r>
-          </a:p>
-        </p:txBody>
-      </p:sp>
-      <p:sp>
-        <p:nvSpPr>
-          <p:cNvPr id="26" name="Rectangle 25">
-            <a:extLst>
-              <a:ext uri="{FF2B5EF4-FFF2-40B4-BE49-F238E27FC236}">
-                <a16:creationId xmlns:a16="http://schemas.microsoft.com/office/drawing/2014/main" id="{F0333BA8-D868-4833-9752-F21BA9A240B5}"/>
+            <a:r>
+              <a:rPr lang="en-US" altLang="zh-TW" dirty="0"/>
+              <a:t>Sobel</a:t>
+            </a:r>
+            <a:r>
+              <a:rPr lang="zh-TW" altLang="en-US" dirty="0"/>
+              <a:t>結果的紋路</a:t>
+            </a:r>
+          </a:p>
+        </p:txBody>
+      </p:sp>
+      <p:sp>
+        <p:nvSpPr>
+          <p:cNvPr id="27" name="Rectangle 26">
+            <a:extLst>
+              <a:ext uri="{FF2B5EF4-FFF2-40B4-BE49-F238E27FC236}">
+                <a16:creationId xmlns:a16="http://schemas.microsoft.com/office/drawing/2014/main" id="{35F8F078-9CA8-4AC6-BEAF-8EAA6BF8ACE9}"/>
               </a:ext>
             </a:extLst>
           </p:cNvPr>
@@ -3699,8 +3731,8 @@
         </p:nvSpPr>
         <p:spPr>
           <a:xfrm>
-            <a:off x="4974167" y="2317747"/>
-            <a:ext cx="2243666" cy="618066"/>
+            <a:off x="10713099" y="3727695"/>
+            <a:ext cx="1165136" cy="618066"/>
           </a:xfrm>
           <a:prstGeom prst="rect">
             <a:avLst/>
@@ -3728,22 +3760,18 @@
           <a:p>
             <a:pPr algn="ctr"/>
             <a:r>
-              <a:rPr lang="en-US" altLang="zh-TW" dirty="0"/>
-              <a:t>ROI</a:t>
-            </a:r>
-            <a:r>
               <a:rPr lang="zh-TW" altLang="en-US" dirty="0"/>
-              <a:t>中心點</a:t>
-            </a:r>
-          </a:p>
-        </p:txBody>
-      </p:sp>
-      <p:sp>
-        <p:nvSpPr>
-          <p:cNvPr id="27" name="Rectangle 26">
-            <a:extLst>
-              <a:ext uri="{FF2B5EF4-FFF2-40B4-BE49-F238E27FC236}">
-                <a16:creationId xmlns:a16="http://schemas.microsoft.com/office/drawing/2014/main" id="{35F8F078-9CA8-4AC6-BEAF-8EAA6BF8ACE9}"/>
+              <a:t>上色</a:t>
+            </a:r>
+          </a:p>
+        </p:txBody>
+      </p:sp>
+      <p:sp>
+        <p:nvSpPr>
+          <p:cNvPr id="28" name="Rectangle 27">
+            <a:extLst>
+              <a:ext uri="{FF2B5EF4-FFF2-40B4-BE49-F238E27FC236}">
+                <a16:creationId xmlns:a16="http://schemas.microsoft.com/office/drawing/2014/main" id="{0194A11E-4E6C-4E82-8900-DA2B7E229212}"/>
               </a:ext>
             </a:extLst>
           </p:cNvPr>
@@ -3752,7 +3780,7 @@
         </p:nvSpPr>
         <p:spPr>
           <a:xfrm>
-            <a:off x="4974167" y="3155948"/>
+            <a:off x="7720002" y="3719911"/>
             <a:ext cx="2243666" cy="618066"/>
           </a:xfrm>
           <a:prstGeom prst="rect">
@@ -3782,22 +3810,17 @@
             <a:pPr algn="ctr"/>
             <a:r>
               <a:rPr lang="zh-TW" altLang="en-US" dirty="0"/>
-              <a:t>中心點</a:t>
-            </a:r>
-            <a:r>
-              <a:rPr lang="en-US" altLang="zh-TW" dirty="0"/>
-              <a:t>kernel LBP histogram</a:t>
-            </a:r>
-            <a:endParaRPr lang="zh-TW" altLang="en-US" dirty="0"/>
-          </a:p>
-        </p:txBody>
-      </p:sp>
-      <p:sp>
-        <p:nvSpPr>
-          <p:cNvPr id="28" name="Rectangle 27">
-            <a:extLst>
-              <a:ext uri="{FF2B5EF4-FFF2-40B4-BE49-F238E27FC236}">
-                <a16:creationId xmlns:a16="http://schemas.microsoft.com/office/drawing/2014/main" id="{0194A11E-4E6C-4E82-8900-DA2B7E229212}"/>
+              <a:t>馬路搜尋</a:t>
+            </a:r>
+          </a:p>
+        </p:txBody>
+      </p:sp>
+      <p:sp>
+        <p:nvSpPr>
+          <p:cNvPr id="29" name="Rectangle 28">
+            <a:extLst>
+              <a:ext uri="{FF2B5EF4-FFF2-40B4-BE49-F238E27FC236}">
+                <a16:creationId xmlns:a16="http://schemas.microsoft.com/office/drawing/2014/main" id="{1FDF0E32-EA4F-4E27-9904-33BCFC02D9A0}"/>
               </a:ext>
             </a:extLst>
           </p:cNvPr>
@@ -3806,7 +3829,7 @@
         </p:nvSpPr>
         <p:spPr>
           <a:xfrm>
-            <a:off x="4974167" y="3994149"/>
+            <a:off x="8553724" y="4916641"/>
             <a:ext cx="2243666" cy="618066"/>
           </a:xfrm>
           <a:prstGeom prst="rect">
@@ -3835,19 +3858,34 @@
           <a:p>
             <a:pPr algn="ctr"/>
             <a:r>
+              <a:rPr lang="zh-TW" altLang="en-US" dirty="0"/>
+              <a:t>計算</a:t>
+            </a:r>
+            <a:r>
               <a:rPr lang="en-US" altLang="zh-TW" dirty="0"/>
-              <a:t>Breadth first search</a:t>
-            </a:r>
-            <a:endParaRPr lang="zh-TW" altLang="en-US" dirty="0"/>
-          </a:p>
-        </p:txBody>
-      </p:sp>
-      <p:sp>
-        <p:nvSpPr>
-          <p:cNvPr id="29" name="Rectangle 28">
-            <a:extLst>
-              <a:ext uri="{FF2B5EF4-FFF2-40B4-BE49-F238E27FC236}">
-                <a16:creationId xmlns:a16="http://schemas.microsoft.com/office/drawing/2014/main" id="{1FDF0E32-EA4F-4E27-9904-33BCFC02D9A0}"/>
+              <a:t>hist</a:t>
+            </a:r>
+            <a:r>
+              <a:rPr lang="zh-TW" altLang="en-US" dirty="0"/>
+              <a:t> </a:t>
+            </a:r>
+            <a:r>
+              <a:rPr lang="en-US" altLang="zh-TW" dirty="0"/>
+              <a:t>top N </a:t>
+            </a:r>
+            <a:r>
+              <a:rPr lang="zh-TW" altLang="en-US" dirty="0"/>
+              <a:t>距離</a:t>
+            </a:r>
+          </a:p>
+        </p:txBody>
+      </p:sp>
+      <p:sp>
+        <p:nvSpPr>
+          <p:cNvPr id="31" name="Rectangle 30">
+            <a:extLst>
+              <a:ext uri="{FF2B5EF4-FFF2-40B4-BE49-F238E27FC236}">
+                <a16:creationId xmlns:a16="http://schemas.microsoft.com/office/drawing/2014/main" id="{851E0469-AF54-4417-AF90-5E89292F642C}"/>
               </a:ext>
             </a:extLst>
           </p:cNvPr>
@@ -3856,8 +3894,8 @@
         </p:nvSpPr>
         <p:spPr>
           <a:xfrm>
-            <a:off x="4974167" y="4815421"/>
-            <a:ext cx="2243666" cy="618066"/>
+            <a:off x="5037800" y="5703732"/>
+            <a:ext cx="2243662" cy="618066"/>
           </a:xfrm>
           <a:prstGeom prst="rect">
             <a:avLst/>
@@ -3885,19 +3923,34 @@
           <a:p>
             <a:pPr algn="ctr"/>
             <a:r>
+              <a:rPr lang="zh-TW" altLang="en-US" dirty="0"/>
+              <a:t>取</a:t>
+            </a:r>
+            <a:r>
               <a:rPr lang="en-US" altLang="zh-TW" dirty="0"/>
-              <a:t>Threshold</a:t>
-            </a:r>
-            <a:endParaRPr lang="zh-TW" altLang="en-US" dirty="0"/>
-          </a:p>
-        </p:txBody>
-      </p:sp>
-      <p:sp>
-        <p:nvSpPr>
-          <p:cNvPr id="31" name="Rectangle 30">
-            <a:extLst>
-              <a:ext uri="{FF2B5EF4-FFF2-40B4-BE49-F238E27FC236}">
-                <a16:creationId xmlns:a16="http://schemas.microsoft.com/office/drawing/2014/main" id="{851E0469-AF54-4417-AF90-5E89292F642C}"/>
+              <a:t>hist</a:t>
+            </a:r>
+            <a:r>
+              <a:rPr lang="zh-TW" altLang="en-US" dirty="0"/>
+              <a:t>前</a:t>
+            </a:r>
+            <a:r>
+              <a:rPr lang="en-US" altLang="zh-TW" dirty="0"/>
+              <a:t>N</a:t>
+            </a:r>
+            <a:r>
+              <a:rPr lang="zh-TW" altLang="en-US" dirty="0"/>
+              <a:t>元素最高</a:t>
+            </a:r>
+          </a:p>
+        </p:txBody>
+      </p:sp>
+      <p:sp>
+        <p:nvSpPr>
+          <p:cNvPr id="10" name="Rectangle 9">
+            <a:extLst>
+              <a:ext uri="{FF2B5EF4-FFF2-40B4-BE49-F238E27FC236}">
+                <a16:creationId xmlns:a16="http://schemas.microsoft.com/office/drawing/2014/main" id="{60847CBB-A3A6-4DA6-B58F-7D4CA395B3BC}"/>
               </a:ext>
             </a:extLst>
           </p:cNvPr>
@@ -3906,8 +3959,8 @@
         </p:nvSpPr>
         <p:spPr>
           <a:xfrm>
-            <a:off x="4974167" y="5636693"/>
-            <a:ext cx="2243666" cy="618066"/>
+            <a:off x="4624543" y="1528112"/>
+            <a:ext cx="2243666" cy="852388"/>
           </a:xfrm>
           <a:prstGeom prst="rect">
             <a:avLst/>
@@ -3935,13 +3988,845 @@
           <a:p>
             <a:pPr algn="ctr"/>
             <a:r>
+              <a:rPr lang="zh-TW" altLang="en-US" dirty="0"/>
+              <a:t>馬路分割</a:t>
+            </a:r>
+          </a:p>
+        </p:txBody>
+      </p:sp>
+      <p:cxnSp>
+        <p:nvCxnSpPr>
+          <p:cNvPr id="6" name="Connector: Elbow 5">
+            <a:extLst>
+              <a:ext uri="{FF2B5EF4-FFF2-40B4-BE49-F238E27FC236}">
+                <a16:creationId xmlns:a16="http://schemas.microsoft.com/office/drawing/2014/main" id="{5A1CAAE4-868D-4833-AC78-3AFFEA88A408}"/>
+              </a:ext>
+            </a:extLst>
+          </p:cNvPr>
+          <p:cNvCxnSpPr>
+            <a:cxnSpLocks/>
+            <a:stCxn id="10" idx="2"/>
+            <a:endCxn id="19" idx="0"/>
+          </p:cNvCxnSpPr>
+          <p:nvPr/>
+        </p:nvCxnSpPr>
+        <p:spPr>
+          <a:xfrm rot="5400000">
+            <a:off x="2786343" y="760815"/>
+            <a:ext cx="1340348" cy="4579719"/>
+          </a:xfrm>
+          <a:prstGeom prst="bentConnector3">
+            <a:avLst>
+              <a:gd name="adj1" fmla="val 50000"/>
+            </a:avLst>
+          </a:prstGeom>
+          <a:ln w="28575">
+            <a:solidFill>
+              <a:schemeClr val="tx1"/>
+            </a:solidFill>
+            <a:tailEnd type="triangle"/>
+          </a:ln>
+        </p:spPr>
+        <p:style>
+          <a:lnRef idx="1">
+            <a:schemeClr val="accent1"/>
+          </a:lnRef>
+          <a:fillRef idx="0">
+            <a:schemeClr val="accent1"/>
+          </a:fillRef>
+          <a:effectRef idx="0">
+            <a:schemeClr val="accent1"/>
+          </a:effectRef>
+          <a:fontRef idx="minor">
+            <a:schemeClr val="tx1"/>
+          </a:fontRef>
+        </p:style>
+      </p:cxnSp>
+      <p:sp>
+        <p:nvSpPr>
+          <p:cNvPr id="19" name="Rectangle 18">
+            <a:extLst>
+              <a:ext uri="{FF2B5EF4-FFF2-40B4-BE49-F238E27FC236}">
+                <a16:creationId xmlns:a16="http://schemas.microsoft.com/office/drawing/2014/main" id="{B6290EDF-5EF2-47E7-9FFE-41B69A333D0F}"/>
+              </a:ext>
+            </a:extLst>
+          </p:cNvPr>
+          <p:cNvSpPr/>
+          <p:nvPr/>
+        </p:nvSpPr>
+        <p:spPr>
+          <a:xfrm>
+            <a:off x="174063" y="3720848"/>
+            <a:ext cx="1985188" cy="618066"/>
+          </a:xfrm>
+          <a:prstGeom prst="rect">
+            <a:avLst/>
+          </a:prstGeom>
+        </p:spPr>
+        <p:style>
+          <a:lnRef idx="2">
+            <a:schemeClr val="accent5">
+              <a:shade val="50000"/>
+            </a:schemeClr>
+          </a:lnRef>
+          <a:fillRef idx="1">
+            <a:schemeClr val="accent5"/>
+          </a:fillRef>
+          <a:effectRef idx="0">
+            <a:schemeClr val="accent5"/>
+          </a:effectRef>
+          <a:fontRef idx="minor">
+            <a:schemeClr val="lt1"/>
+          </a:fontRef>
+        </p:style>
+        <p:txBody>
+          <a:bodyPr rtlCol="0" anchor="ctr"/>
+          <a:lstStyle/>
+          <a:p>
+            <a:pPr algn="ctr"/>
+            <a:r>
+              <a:rPr lang="zh-TW" altLang="en-US" dirty="0"/>
+              <a:t>前處理</a:t>
+            </a:r>
+          </a:p>
+        </p:txBody>
+      </p:sp>
+      <p:cxnSp>
+        <p:nvCxnSpPr>
+          <p:cNvPr id="22" name="Straight Arrow Connector 21">
+            <a:extLst>
+              <a:ext uri="{FF2B5EF4-FFF2-40B4-BE49-F238E27FC236}">
+                <a16:creationId xmlns:a16="http://schemas.microsoft.com/office/drawing/2014/main" id="{1AD54F72-2A70-469C-9336-0762C55E0BF5}"/>
+              </a:ext>
+            </a:extLst>
+          </p:cNvPr>
+          <p:cNvCxnSpPr>
+            <a:stCxn id="19" idx="2"/>
+            <a:endCxn id="24" idx="0"/>
+          </p:cNvCxnSpPr>
+          <p:nvPr/>
+        </p:nvCxnSpPr>
+        <p:spPr>
+          <a:xfrm>
+            <a:off x="1166657" y="4338914"/>
+            <a:ext cx="0" cy="539260"/>
+          </a:xfrm>
+          <a:prstGeom prst="straightConnector1">
+            <a:avLst/>
+          </a:prstGeom>
+          <a:ln w="28575">
+            <a:solidFill>
+              <a:schemeClr val="tx1"/>
+            </a:solidFill>
+            <a:tailEnd type="triangle"/>
+          </a:ln>
+        </p:spPr>
+        <p:style>
+          <a:lnRef idx="1">
+            <a:schemeClr val="accent1"/>
+          </a:lnRef>
+          <a:fillRef idx="0">
+            <a:schemeClr val="accent1"/>
+          </a:fillRef>
+          <a:effectRef idx="0">
+            <a:schemeClr val="accent1"/>
+          </a:effectRef>
+          <a:fontRef idx="minor">
+            <a:schemeClr val="tx1"/>
+          </a:fontRef>
+        </p:style>
+      </p:cxnSp>
+      <p:cxnSp>
+        <p:nvCxnSpPr>
+          <p:cNvPr id="36" name="Connector: Elbow 35">
+            <a:extLst>
+              <a:ext uri="{FF2B5EF4-FFF2-40B4-BE49-F238E27FC236}">
+                <a16:creationId xmlns:a16="http://schemas.microsoft.com/office/drawing/2014/main" id="{681376B8-B122-43AE-BDFC-98CFA5F212A7}"/>
+              </a:ext>
+            </a:extLst>
+          </p:cNvPr>
+          <p:cNvCxnSpPr>
+            <a:cxnSpLocks/>
+            <a:stCxn id="10" idx="2"/>
+            <a:endCxn id="25" idx="0"/>
+          </p:cNvCxnSpPr>
+          <p:nvPr/>
+        </p:nvCxnSpPr>
+        <p:spPr>
+          <a:xfrm rot="5400000">
+            <a:off x="3963644" y="1938116"/>
+            <a:ext cx="1340348" cy="2225116"/>
+          </a:xfrm>
+          <a:prstGeom prst="bentConnector3">
+            <a:avLst>
+              <a:gd name="adj1" fmla="val 50000"/>
+            </a:avLst>
+          </a:prstGeom>
+          <a:ln w="28575">
+            <a:solidFill>
+              <a:schemeClr val="tx1"/>
+            </a:solidFill>
+            <a:tailEnd type="triangle"/>
+          </a:ln>
+        </p:spPr>
+        <p:style>
+          <a:lnRef idx="1">
+            <a:schemeClr val="accent1"/>
+          </a:lnRef>
+          <a:fillRef idx="0">
+            <a:schemeClr val="accent1"/>
+          </a:fillRef>
+          <a:effectRef idx="0">
+            <a:schemeClr val="accent1"/>
+          </a:effectRef>
+          <a:fontRef idx="minor">
+            <a:schemeClr val="tx1"/>
+          </a:fontRef>
+        </p:style>
+      </p:cxnSp>
+      <p:sp>
+        <p:nvSpPr>
+          <p:cNvPr id="41" name="Rectangle 40">
+            <a:extLst>
+              <a:ext uri="{FF2B5EF4-FFF2-40B4-BE49-F238E27FC236}">
+                <a16:creationId xmlns:a16="http://schemas.microsoft.com/office/drawing/2014/main" id="{FE763125-3B1E-4DD7-A1C0-F9B063EC5445}"/>
+              </a:ext>
+            </a:extLst>
+          </p:cNvPr>
+          <p:cNvSpPr/>
+          <p:nvPr/>
+        </p:nvSpPr>
+        <p:spPr>
+          <a:xfrm>
+            <a:off x="5037800" y="3719911"/>
+            <a:ext cx="2243666" cy="618066"/>
+          </a:xfrm>
+          <a:prstGeom prst="rect">
+            <a:avLst/>
+          </a:prstGeom>
+        </p:spPr>
+        <p:style>
+          <a:lnRef idx="2">
+            <a:schemeClr val="accent5">
+              <a:shade val="50000"/>
+            </a:schemeClr>
+          </a:lnRef>
+          <a:fillRef idx="1">
+            <a:schemeClr val="accent5"/>
+          </a:fillRef>
+          <a:effectRef idx="0">
+            <a:schemeClr val="accent5"/>
+          </a:effectRef>
+          <a:fontRef idx="minor">
+            <a:schemeClr val="lt1"/>
+          </a:fontRef>
+        </p:style>
+        <p:txBody>
+          <a:bodyPr rtlCol="0" anchor="ctr"/>
+          <a:lstStyle/>
+          <a:p>
+            <a:pPr algn="ctr"/>
+            <a:r>
+              <a:rPr lang="zh-TW" altLang="en-US" dirty="0"/>
+              <a:t>紋路統計 </a:t>
+            </a:r>
+            <a:r>
               <a:rPr lang="en-US" altLang="zh-TW" dirty="0"/>
-              <a:t>Labeling</a:t>
+              <a:t>(histogram)</a:t>
             </a:r>
             <a:endParaRPr lang="zh-TW" altLang="en-US" dirty="0"/>
           </a:p>
         </p:txBody>
       </p:sp>
+      <p:cxnSp>
+        <p:nvCxnSpPr>
+          <p:cNvPr id="43" name="Connector: Elbow 42">
+            <a:extLst>
+              <a:ext uri="{FF2B5EF4-FFF2-40B4-BE49-F238E27FC236}">
+                <a16:creationId xmlns:a16="http://schemas.microsoft.com/office/drawing/2014/main" id="{1BE21781-5841-41A9-B1C4-5E6C1CFB308B}"/>
+              </a:ext>
+            </a:extLst>
+          </p:cNvPr>
+          <p:cNvCxnSpPr>
+            <a:cxnSpLocks/>
+            <a:stCxn id="10" idx="2"/>
+            <a:endCxn id="41" idx="0"/>
+          </p:cNvCxnSpPr>
+          <p:nvPr/>
+        </p:nvCxnSpPr>
+        <p:spPr>
+          <a:xfrm rot="16200000" flipH="1">
+            <a:off x="5283299" y="2843576"/>
+            <a:ext cx="1339411" cy="413257"/>
+          </a:xfrm>
+          <a:prstGeom prst="bentConnector3">
+            <a:avLst>
+              <a:gd name="adj1" fmla="val 50000"/>
+            </a:avLst>
+          </a:prstGeom>
+          <a:ln w="28575">
+            <a:solidFill>
+              <a:schemeClr val="tx1"/>
+            </a:solidFill>
+            <a:tailEnd type="triangle"/>
+          </a:ln>
+        </p:spPr>
+        <p:style>
+          <a:lnRef idx="1">
+            <a:schemeClr val="accent1"/>
+          </a:lnRef>
+          <a:fillRef idx="0">
+            <a:schemeClr val="accent1"/>
+          </a:fillRef>
+          <a:effectRef idx="0">
+            <a:schemeClr val="accent1"/>
+          </a:effectRef>
+          <a:fontRef idx="minor">
+            <a:schemeClr val="tx1"/>
+          </a:fontRef>
+        </p:style>
+      </p:cxnSp>
+      <p:cxnSp>
+        <p:nvCxnSpPr>
+          <p:cNvPr id="49" name="Connector: Elbow 48">
+            <a:extLst>
+              <a:ext uri="{FF2B5EF4-FFF2-40B4-BE49-F238E27FC236}">
+                <a16:creationId xmlns:a16="http://schemas.microsoft.com/office/drawing/2014/main" id="{1FE4C6C4-D62D-4CA6-8CEC-5E33587678BB}"/>
+              </a:ext>
+            </a:extLst>
+          </p:cNvPr>
+          <p:cNvCxnSpPr>
+            <a:cxnSpLocks/>
+            <a:stCxn id="10" idx="2"/>
+            <a:endCxn id="28" idx="0"/>
+          </p:cNvCxnSpPr>
+          <p:nvPr/>
+        </p:nvCxnSpPr>
+        <p:spPr>
+          <a:xfrm rot="16200000" flipH="1">
+            <a:off x="6624400" y="1502475"/>
+            <a:ext cx="1339411" cy="3095459"/>
+          </a:xfrm>
+          <a:prstGeom prst="bentConnector3">
+            <a:avLst>
+              <a:gd name="adj1" fmla="val 50000"/>
+            </a:avLst>
+          </a:prstGeom>
+          <a:ln w="28575">
+            <a:solidFill>
+              <a:schemeClr val="tx1"/>
+            </a:solidFill>
+            <a:tailEnd type="triangle"/>
+          </a:ln>
+        </p:spPr>
+        <p:style>
+          <a:lnRef idx="1">
+            <a:schemeClr val="accent1"/>
+          </a:lnRef>
+          <a:fillRef idx="0">
+            <a:schemeClr val="accent1"/>
+          </a:fillRef>
+          <a:effectRef idx="0">
+            <a:schemeClr val="accent1"/>
+          </a:effectRef>
+          <a:fontRef idx="minor">
+            <a:schemeClr val="tx1"/>
+          </a:fontRef>
+        </p:style>
+      </p:cxnSp>
+      <p:sp>
+        <p:nvSpPr>
+          <p:cNvPr id="55" name="Rectangle 54">
+            <a:extLst>
+              <a:ext uri="{FF2B5EF4-FFF2-40B4-BE49-F238E27FC236}">
+                <a16:creationId xmlns:a16="http://schemas.microsoft.com/office/drawing/2014/main" id="{757F239F-F800-48E5-A32C-6D3A9192AB93}"/>
+              </a:ext>
+            </a:extLst>
+          </p:cNvPr>
+          <p:cNvSpPr/>
+          <p:nvPr/>
+        </p:nvSpPr>
+        <p:spPr>
+          <a:xfrm>
+            <a:off x="7676171" y="4916642"/>
+            <a:ext cx="670120" cy="618066"/>
+          </a:xfrm>
+          <a:prstGeom prst="rect">
+            <a:avLst/>
+          </a:prstGeom>
+        </p:spPr>
+        <p:style>
+          <a:lnRef idx="2">
+            <a:schemeClr val="accent5">
+              <a:shade val="50000"/>
+            </a:schemeClr>
+          </a:lnRef>
+          <a:fillRef idx="1">
+            <a:schemeClr val="accent5"/>
+          </a:fillRef>
+          <a:effectRef idx="0">
+            <a:schemeClr val="accent5"/>
+          </a:effectRef>
+          <a:fontRef idx="minor">
+            <a:schemeClr val="lt1"/>
+          </a:fontRef>
+        </p:style>
+        <p:txBody>
+          <a:bodyPr rtlCol="0" anchor="ctr"/>
+          <a:lstStyle/>
+          <a:p>
+            <a:pPr algn="ctr"/>
+            <a:r>
+              <a:rPr lang="en-US" altLang="zh-TW" dirty="0"/>
+              <a:t>BFS</a:t>
+            </a:r>
+            <a:endParaRPr lang="zh-TW" altLang="en-US" dirty="0"/>
+          </a:p>
+        </p:txBody>
+      </p:sp>
+      <p:cxnSp>
+        <p:nvCxnSpPr>
+          <p:cNvPr id="56" name="Connector: Elbow 55">
+            <a:extLst>
+              <a:ext uri="{FF2B5EF4-FFF2-40B4-BE49-F238E27FC236}">
+                <a16:creationId xmlns:a16="http://schemas.microsoft.com/office/drawing/2014/main" id="{E4B5AEE5-39BE-4858-867D-C2E45DD5D64C}"/>
+              </a:ext>
+            </a:extLst>
+          </p:cNvPr>
+          <p:cNvCxnSpPr>
+            <a:cxnSpLocks/>
+            <a:stCxn id="28" idx="2"/>
+            <a:endCxn id="55" idx="0"/>
+          </p:cNvCxnSpPr>
+          <p:nvPr/>
+        </p:nvCxnSpPr>
+        <p:spPr>
+          <a:xfrm rot="5400000">
+            <a:off x="8137201" y="4212007"/>
+            <a:ext cx="578665" cy="830604"/>
+          </a:xfrm>
+          <a:prstGeom prst="bentConnector3">
+            <a:avLst>
+              <a:gd name="adj1" fmla="val 50000"/>
+            </a:avLst>
+          </a:prstGeom>
+          <a:ln w="28575">
+            <a:solidFill>
+              <a:schemeClr val="tx1"/>
+            </a:solidFill>
+            <a:tailEnd type="triangle"/>
+          </a:ln>
+        </p:spPr>
+        <p:style>
+          <a:lnRef idx="1">
+            <a:schemeClr val="accent1"/>
+          </a:lnRef>
+          <a:fillRef idx="0">
+            <a:schemeClr val="accent1"/>
+          </a:fillRef>
+          <a:effectRef idx="0">
+            <a:schemeClr val="accent1"/>
+          </a:effectRef>
+          <a:fontRef idx="minor">
+            <a:schemeClr val="tx1"/>
+          </a:fontRef>
+        </p:style>
+      </p:cxnSp>
+      <p:cxnSp>
+        <p:nvCxnSpPr>
+          <p:cNvPr id="62" name="Straight Arrow Connector 61">
+            <a:extLst>
+              <a:ext uri="{FF2B5EF4-FFF2-40B4-BE49-F238E27FC236}">
+                <a16:creationId xmlns:a16="http://schemas.microsoft.com/office/drawing/2014/main" id="{B0C52F5F-F384-4146-BA11-DE76D3CA24F5}"/>
+              </a:ext>
+            </a:extLst>
+          </p:cNvPr>
+          <p:cNvCxnSpPr>
+            <a:cxnSpLocks/>
+            <a:stCxn id="41" idx="2"/>
+            <a:endCxn id="81" idx="0"/>
+          </p:cNvCxnSpPr>
+          <p:nvPr/>
+        </p:nvCxnSpPr>
+        <p:spPr>
+          <a:xfrm flipH="1">
+            <a:off x="6159631" y="4337977"/>
+            <a:ext cx="2" cy="373845"/>
+          </a:xfrm>
+          <a:prstGeom prst="straightConnector1">
+            <a:avLst/>
+          </a:prstGeom>
+          <a:ln w="28575">
+            <a:solidFill>
+              <a:schemeClr val="tx1"/>
+            </a:solidFill>
+            <a:tailEnd type="triangle"/>
+          </a:ln>
+        </p:spPr>
+        <p:style>
+          <a:lnRef idx="1">
+            <a:schemeClr val="accent1"/>
+          </a:lnRef>
+          <a:fillRef idx="0">
+            <a:schemeClr val="accent1"/>
+          </a:fillRef>
+          <a:effectRef idx="0">
+            <a:schemeClr val="accent1"/>
+          </a:effectRef>
+          <a:fontRef idx="minor">
+            <a:schemeClr val="tx1"/>
+          </a:fontRef>
+        </p:style>
+      </p:cxnSp>
+      <p:sp>
+        <p:nvSpPr>
+          <p:cNvPr id="81" name="Rectangle 80">
+            <a:extLst>
+              <a:ext uri="{FF2B5EF4-FFF2-40B4-BE49-F238E27FC236}">
+                <a16:creationId xmlns:a16="http://schemas.microsoft.com/office/drawing/2014/main" id="{D8D244EF-4256-4681-AAFA-7665C236390C}"/>
+              </a:ext>
+            </a:extLst>
+          </p:cNvPr>
+          <p:cNvSpPr/>
+          <p:nvPr/>
+        </p:nvSpPr>
+        <p:spPr>
+          <a:xfrm>
+            <a:off x="5037800" y="4711822"/>
+            <a:ext cx="2243662" cy="618066"/>
+          </a:xfrm>
+          <a:prstGeom prst="rect">
+            <a:avLst/>
+          </a:prstGeom>
+        </p:spPr>
+        <p:style>
+          <a:lnRef idx="2">
+            <a:schemeClr val="accent5">
+              <a:shade val="50000"/>
+            </a:schemeClr>
+          </a:lnRef>
+          <a:fillRef idx="1">
+            <a:schemeClr val="accent5"/>
+          </a:fillRef>
+          <a:effectRef idx="0">
+            <a:schemeClr val="accent5"/>
+          </a:effectRef>
+          <a:fontRef idx="minor">
+            <a:schemeClr val="lt1"/>
+          </a:fontRef>
+        </p:style>
+        <p:txBody>
+          <a:bodyPr rtlCol="0" anchor="ctr"/>
+          <a:lstStyle/>
+          <a:p>
+            <a:pPr algn="ctr"/>
+            <a:r>
+              <a:rPr lang="en-US" altLang="zh-TW" dirty="0"/>
+              <a:t>Sort</a:t>
+            </a:r>
+            <a:r>
+              <a:rPr lang="zh-TW" altLang="en-US" dirty="0"/>
+              <a:t> </a:t>
+            </a:r>
+            <a:r>
+              <a:rPr lang="en-US" altLang="zh-TW" dirty="0"/>
+              <a:t>hist</a:t>
+            </a:r>
+            <a:r>
+              <a:rPr lang="zh-TW" altLang="en-US" dirty="0"/>
+              <a:t> 的元素最高</a:t>
+            </a:r>
+          </a:p>
+        </p:txBody>
+      </p:sp>
+      <p:cxnSp>
+        <p:nvCxnSpPr>
+          <p:cNvPr id="84" name="Straight Arrow Connector 83">
+            <a:extLst>
+              <a:ext uri="{FF2B5EF4-FFF2-40B4-BE49-F238E27FC236}">
+                <a16:creationId xmlns:a16="http://schemas.microsoft.com/office/drawing/2014/main" id="{24046D0B-D33A-4CD8-8907-001123409DF1}"/>
+              </a:ext>
+            </a:extLst>
+          </p:cNvPr>
+          <p:cNvCxnSpPr>
+            <a:cxnSpLocks/>
+            <a:stCxn id="81" idx="2"/>
+            <a:endCxn id="31" idx="0"/>
+          </p:cNvCxnSpPr>
+          <p:nvPr/>
+        </p:nvCxnSpPr>
+        <p:spPr>
+          <a:xfrm>
+            <a:off x="6159631" y="5329888"/>
+            <a:ext cx="0" cy="373844"/>
+          </a:xfrm>
+          <a:prstGeom prst="straightConnector1">
+            <a:avLst/>
+          </a:prstGeom>
+          <a:ln w="28575">
+            <a:solidFill>
+              <a:schemeClr val="tx1"/>
+            </a:solidFill>
+            <a:tailEnd type="triangle"/>
+          </a:ln>
+        </p:spPr>
+        <p:style>
+          <a:lnRef idx="1">
+            <a:schemeClr val="accent1"/>
+          </a:lnRef>
+          <a:fillRef idx="0">
+            <a:schemeClr val="accent1"/>
+          </a:fillRef>
+          <a:effectRef idx="0">
+            <a:schemeClr val="accent1"/>
+          </a:effectRef>
+          <a:fontRef idx="minor">
+            <a:schemeClr val="tx1"/>
+          </a:fontRef>
+        </p:style>
+      </p:cxnSp>
+      <p:cxnSp>
+        <p:nvCxnSpPr>
+          <p:cNvPr id="109" name="Connector: Elbow 108">
+            <a:extLst>
+              <a:ext uri="{FF2B5EF4-FFF2-40B4-BE49-F238E27FC236}">
+                <a16:creationId xmlns:a16="http://schemas.microsoft.com/office/drawing/2014/main" id="{2821458F-6FCA-47C9-985D-F62236245139}"/>
+              </a:ext>
+            </a:extLst>
+          </p:cNvPr>
+          <p:cNvCxnSpPr>
+            <a:cxnSpLocks/>
+          </p:cNvCxnSpPr>
+          <p:nvPr/>
+        </p:nvCxnSpPr>
+        <p:spPr>
+          <a:xfrm rot="5400000">
+            <a:off x="8137201" y="4212008"/>
+            <a:ext cx="578665" cy="830604"/>
+          </a:xfrm>
+          <a:prstGeom prst="bentConnector3">
+            <a:avLst>
+              <a:gd name="adj1" fmla="val 50000"/>
+            </a:avLst>
+          </a:prstGeom>
+          <a:ln w="28575">
+            <a:solidFill>
+              <a:schemeClr val="tx1"/>
+            </a:solidFill>
+            <a:tailEnd type="triangle"/>
+          </a:ln>
+        </p:spPr>
+        <p:style>
+          <a:lnRef idx="1">
+            <a:schemeClr val="accent1"/>
+          </a:lnRef>
+          <a:fillRef idx="0">
+            <a:schemeClr val="accent1"/>
+          </a:fillRef>
+          <a:effectRef idx="0">
+            <a:schemeClr val="accent1"/>
+          </a:effectRef>
+          <a:fontRef idx="minor">
+            <a:schemeClr val="tx1"/>
+          </a:fontRef>
+        </p:style>
+      </p:cxnSp>
+      <p:cxnSp>
+        <p:nvCxnSpPr>
+          <p:cNvPr id="111" name="Connector: Elbow 110">
+            <a:extLst>
+              <a:ext uri="{FF2B5EF4-FFF2-40B4-BE49-F238E27FC236}">
+                <a16:creationId xmlns:a16="http://schemas.microsoft.com/office/drawing/2014/main" id="{4461CAC6-61CB-4335-AE6D-5D1904D3DF18}"/>
+              </a:ext>
+            </a:extLst>
+          </p:cNvPr>
+          <p:cNvCxnSpPr>
+            <a:cxnSpLocks/>
+            <a:stCxn id="28" idx="2"/>
+            <a:endCxn id="29" idx="0"/>
+          </p:cNvCxnSpPr>
+          <p:nvPr/>
+        </p:nvCxnSpPr>
+        <p:spPr>
+          <a:xfrm rot="16200000" flipH="1">
+            <a:off x="8969364" y="4210448"/>
+            <a:ext cx="578664" cy="833722"/>
+          </a:xfrm>
+          <a:prstGeom prst="bentConnector3">
+            <a:avLst>
+              <a:gd name="adj1" fmla="val 50000"/>
+            </a:avLst>
+          </a:prstGeom>
+          <a:ln w="28575">
+            <a:solidFill>
+              <a:schemeClr val="tx1"/>
+            </a:solidFill>
+            <a:tailEnd type="triangle"/>
+          </a:ln>
+        </p:spPr>
+        <p:style>
+          <a:lnRef idx="1">
+            <a:schemeClr val="accent1"/>
+          </a:lnRef>
+          <a:fillRef idx="0">
+            <a:schemeClr val="accent1"/>
+          </a:fillRef>
+          <a:effectRef idx="0">
+            <a:schemeClr val="accent1"/>
+          </a:effectRef>
+          <a:fontRef idx="minor">
+            <a:schemeClr val="tx1"/>
+          </a:fontRef>
+        </p:style>
+      </p:cxnSp>
+      <p:sp>
+        <p:nvSpPr>
+          <p:cNvPr id="115" name="Rectangle 114">
+            <a:extLst>
+              <a:ext uri="{FF2B5EF4-FFF2-40B4-BE49-F238E27FC236}">
+                <a16:creationId xmlns:a16="http://schemas.microsoft.com/office/drawing/2014/main" id="{88227769-DFE2-417F-9B7F-FE946A3406B1}"/>
+              </a:ext>
+            </a:extLst>
+          </p:cNvPr>
+          <p:cNvSpPr/>
+          <p:nvPr/>
+        </p:nvSpPr>
+        <p:spPr>
+          <a:xfrm>
+            <a:off x="8553724" y="5703732"/>
+            <a:ext cx="2243666" cy="618066"/>
+          </a:xfrm>
+          <a:prstGeom prst="rect">
+            <a:avLst/>
+          </a:prstGeom>
+        </p:spPr>
+        <p:style>
+          <a:lnRef idx="2">
+            <a:schemeClr val="accent5">
+              <a:shade val="50000"/>
+            </a:schemeClr>
+          </a:lnRef>
+          <a:fillRef idx="1">
+            <a:schemeClr val="accent5"/>
+          </a:fillRef>
+          <a:effectRef idx="0">
+            <a:schemeClr val="accent5"/>
+          </a:effectRef>
+          <a:fontRef idx="minor">
+            <a:schemeClr val="lt1"/>
+          </a:fontRef>
+        </p:style>
+        <p:txBody>
+          <a:bodyPr rtlCol="0" anchor="ctr"/>
+          <a:lstStyle/>
+          <a:p>
+            <a:pPr algn="ctr"/>
+            <a:r>
+              <a:rPr lang="zh-TW" altLang="en-US" dirty="0"/>
+              <a:t>距離是否超過</a:t>
+            </a:r>
+            <a:r>
+              <a:rPr lang="en-US" altLang="zh-TW" dirty="0"/>
+              <a:t>threshold</a:t>
+            </a:r>
+            <a:endParaRPr lang="zh-TW" altLang="en-US" dirty="0"/>
+          </a:p>
+        </p:txBody>
+      </p:sp>
+      <p:cxnSp>
+        <p:nvCxnSpPr>
+          <p:cNvPr id="117" name="Straight Arrow Connector 116">
+            <a:extLst>
+              <a:ext uri="{FF2B5EF4-FFF2-40B4-BE49-F238E27FC236}">
+                <a16:creationId xmlns:a16="http://schemas.microsoft.com/office/drawing/2014/main" id="{F0E57192-148A-4197-8A05-AAB437A231DA}"/>
+              </a:ext>
+            </a:extLst>
+          </p:cNvPr>
+          <p:cNvCxnSpPr>
+            <a:cxnSpLocks/>
+            <a:stCxn id="29" idx="2"/>
+            <a:endCxn id="115" idx="0"/>
+          </p:cNvCxnSpPr>
+          <p:nvPr/>
+        </p:nvCxnSpPr>
+        <p:spPr>
+          <a:xfrm>
+            <a:off x="9675557" y="5534707"/>
+            <a:ext cx="0" cy="169025"/>
+          </a:xfrm>
+          <a:prstGeom prst="straightConnector1">
+            <a:avLst/>
+          </a:prstGeom>
+          <a:ln w="28575">
+            <a:solidFill>
+              <a:schemeClr val="tx1"/>
+            </a:solidFill>
+            <a:tailEnd type="triangle"/>
+          </a:ln>
+        </p:spPr>
+        <p:style>
+          <a:lnRef idx="1">
+            <a:schemeClr val="accent1"/>
+          </a:lnRef>
+          <a:fillRef idx="0">
+            <a:schemeClr val="accent1"/>
+          </a:fillRef>
+          <a:effectRef idx="0">
+            <a:schemeClr val="accent1"/>
+          </a:effectRef>
+          <a:fontRef idx="minor">
+            <a:schemeClr val="tx1"/>
+          </a:fontRef>
+        </p:style>
+      </p:cxnSp>
+      <p:cxnSp>
+        <p:nvCxnSpPr>
+          <p:cNvPr id="120" name="Connector: Elbow 119">
+            <a:extLst>
+              <a:ext uri="{FF2B5EF4-FFF2-40B4-BE49-F238E27FC236}">
+                <a16:creationId xmlns:a16="http://schemas.microsoft.com/office/drawing/2014/main" id="{5FF575A9-C470-4BCD-850A-63BA04E32426}"/>
+              </a:ext>
+            </a:extLst>
+          </p:cNvPr>
+          <p:cNvCxnSpPr>
+            <a:cxnSpLocks/>
+            <a:stCxn id="10" idx="2"/>
+            <a:endCxn id="27" idx="0"/>
+          </p:cNvCxnSpPr>
+          <p:nvPr/>
+        </p:nvCxnSpPr>
+        <p:spPr>
+          <a:xfrm rot="16200000" flipH="1">
+            <a:off x="7847424" y="279451"/>
+            <a:ext cx="1347195" cy="5549291"/>
+          </a:xfrm>
+          <a:prstGeom prst="bentConnector3">
+            <a:avLst>
+              <a:gd name="adj1" fmla="val 50000"/>
+            </a:avLst>
+          </a:prstGeom>
+          <a:ln w="28575">
+            <a:solidFill>
+              <a:schemeClr val="tx1"/>
+            </a:solidFill>
+            <a:tailEnd type="triangle"/>
+          </a:ln>
+        </p:spPr>
+        <p:style>
+          <a:lnRef idx="1">
+            <a:schemeClr val="accent1"/>
+          </a:lnRef>
+          <a:fillRef idx="0">
+            <a:schemeClr val="accent1"/>
+          </a:fillRef>
+          <a:effectRef idx="0">
+            <a:schemeClr val="accent1"/>
+          </a:effectRef>
+          <a:fontRef idx="minor">
+            <a:schemeClr val="tx1"/>
+          </a:fontRef>
+        </p:style>
+      </p:cxnSp>
     </p:spTree>
     <p:extLst>
       <p:ext uri="{BB962C8B-B14F-4D97-AF65-F5344CB8AC3E}">
@@ -5543,8 +6428,8 @@
           </a:p>
         </p:txBody>
       </p:sp>
-      <mc:AlternateContent xmlns:mc="http://schemas.openxmlformats.org/markup-compatibility/2006">
-        <mc:Choice xmlns:a14="http://schemas.microsoft.com/office/drawing/2010/main" Requires="a14">
+      <mc:AlternateContent xmlns:mc="http://schemas.openxmlformats.org/markup-compatibility/2006" xmlns:a14="http://schemas.microsoft.com/office/drawing/2010/main">
+        <mc:Choice Requires="a14">
           <p:sp>
             <p:nvSpPr>
               <p:cNvPr id="100" name="TextBox 99">
@@ -5702,7 +6587,7 @@
             </p:txBody>
           </p:sp>
         </mc:Choice>
-        <mc:Fallback>
+        <mc:Fallback xmlns="">
           <p:sp>
             <p:nvSpPr>
               <p:cNvPr id="100" name="TextBox 99">

--- a/Image Segmentation of Concrete Roads.pptx
+++ b/Image Segmentation of Concrete Roads.pptx
@@ -264,7 +264,7 @@
           <a:p>
             <a:fld id="{62D47A6F-3EBE-4C73-A7AD-6A61AF5187C9}" type="datetimeFigureOut">
               <a:rPr lang="zh-TW" altLang="en-US" smtClean="0"/>
-              <a:t>2024/10/23</a:t>
+              <a:t>2024/10/24</a:t>
             </a:fld>
             <a:endParaRPr lang="zh-TW" altLang="en-US"/>
           </a:p>
@@ -464,7 +464,7 @@
           <a:p>
             <a:fld id="{62D47A6F-3EBE-4C73-A7AD-6A61AF5187C9}" type="datetimeFigureOut">
               <a:rPr lang="zh-TW" altLang="en-US" smtClean="0"/>
-              <a:t>2024/10/23</a:t>
+              <a:t>2024/10/24</a:t>
             </a:fld>
             <a:endParaRPr lang="zh-TW" altLang="en-US"/>
           </a:p>
@@ -674,7 +674,7 @@
           <a:p>
             <a:fld id="{62D47A6F-3EBE-4C73-A7AD-6A61AF5187C9}" type="datetimeFigureOut">
               <a:rPr lang="zh-TW" altLang="en-US" smtClean="0"/>
-              <a:t>2024/10/23</a:t>
+              <a:t>2024/10/24</a:t>
             </a:fld>
             <a:endParaRPr lang="zh-TW" altLang="en-US"/>
           </a:p>
@@ -874,7 +874,7 @@
           <a:p>
             <a:fld id="{62D47A6F-3EBE-4C73-A7AD-6A61AF5187C9}" type="datetimeFigureOut">
               <a:rPr lang="zh-TW" altLang="en-US" smtClean="0"/>
-              <a:t>2024/10/23</a:t>
+              <a:t>2024/10/24</a:t>
             </a:fld>
             <a:endParaRPr lang="zh-TW" altLang="en-US"/>
           </a:p>
@@ -1150,7 +1150,7 @@
           <a:p>
             <a:fld id="{62D47A6F-3EBE-4C73-A7AD-6A61AF5187C9}" type="datetimeFigureOut">
               <a:rPr lang="zh-TW" altLang="en-US" smtClean="0"/>
-              <a:t>2024/10/23</a:t>
+              <a:t>2024/10/24</a:t>
             </a:fld>
             <a:endParaRPr lang="zh-TW" altLang="en-US"/>
           </a:p>
@@ -1418,7 +1418,7 @@
           <a:p>
             <a:fld id="{62D47A6F-3EBE-4C73-A7AD-6A61AF5187C9}" type="datetimeFigureOut">
               <a:rPr lang="zh-TW" altLang="en-US" smtClean="0"/>
-              <a:t>2024/10/23</a:t>
+              <a:t>2024/10/24</a:t>
             </a:fld>
             <a:endParaRPr lang="zh-TW" altLang="en-US"/>
           </a:p>
@@ -1833,7 +1833,7 @@
           <a:p>
             <a:fld id="{62D47A6F-3EBE-4C73-A7AD-6A61AF5187C9}" type="datetimeFigureOut">
               <a:rPr lang="zh-TW" altLang="en-US" smtClean="0"/>
-              <a:t>2024/10/23</a:t>
+              <a:t>2024/10/24</a:t>
             </a:fld>
             <a:endParaRPr lang="zh-TW" altLang="en-US"/>
           </a:p>
@@ -1975,7 +1975,7 @@
           <a:p>
             <a:fld id="{62D47A6F-3EBE-4C73-A7AD-6A61AF5187C9}" type="datetimeFigureOut">
               <a:rPr lang="zh-TW" altLang="en-US" smtClean="0"/>
-              <a:t>2024/10/23</a:t>
+              <a:t>2024/10/24</a:t>
             </a:fld>
             <a:endParaRPr lang="zh-TW" altLang="en-US"/>
           </a:p>
@@ -2088,7 +2088,7 @@
           <a:p>
             <a:fld id="{62D47A6F-3EBE-4C73-A7AD-6A61AF5187C9}" type="datetimeFigureOut">
               <a:rPr lang="zh-TW" altLang="en-US" smtClean="0"/>
-              <a:t>2024/10/23</a:t>
+              <a:t>2024/10/24</a:t>
             </a:fld>
             <a:endParaRPr lang="zh-TW" altLang="en-US"/>
           </a:p>
@@ -2401,7 +2401,7 @@
           <a:p>
             <a:fld id="{62D47A6F-3EBE-4C73-A7AD-6A61AF5187C9}" type="datetimeFigureOut">
               <a:rPr lang="zh-TW" altLang="en-US" smtClean="0"/>
-              <a:t>2024/10/23</a:t>
+              <a:t>2024/10/24</a:t>
             </a:fld>
             <a:endParaRPr lang="zh-TW" altLang="en-US"/>
           </a:p>
@@ -2690,7 +2690,7 @@
           <a:p>
             <a:fld id="{62D47A6F-3EBE-4C73-A7AD-6A61AF5187C9}" type="datetimeFigureOut">
               <a:rPr lang="zh-TW" altLang="en-US" smtClean="0"/>
-              <a:t>2024/10/23</a:t>
+              <a:t>2024/10/24</a:t>
             </a:fld>
             <a:endParaRPr lang="zh-TW" altLang="en-US"/>
           </a:p>
@@ -2933,7 +2933,7 @@
           <a:p>
             <a:fld id="{62D47A6F-3EBE-4C73-A7AD-6A61AF5187C9}" type="datetimeFigureOut">
               <a:rPr lang="zh-TW" altLang="en-US" smtClean="0"/>
-              <a:t>2024/10/23</a:t>
+              <a:t>2024/10/24</a:t>
             </a:fld>
             <a:endParaRPr lang="zh-TW" altLang="en-US"/>
           </a:p>
@@ -3894,7 +3894,7 @@
         </p:nvSpPr>
         <p:spPr>
           <a:xfrm>
-            <a:off x="5037800" y="5703732"/>
+            <a:off x="7890057" y="1279648"/>
             <a:ext cx="2243662" cy="618066"/>
           </a:xfrm>
           <a:prstGeom prst="rect">
@@ -4432,52 +4432,6 @@
           </a:fontRef>
         </p:style>
       </p:cxnSp>
-      <p:cxnSp>
-        <p:nvCxnSpPr>
-          <p:cNvPr id="62" name="Straight Arrow Connector 61">
-            <a:extLst>
-              <a:ext uri="{FF2B5EF4-FFF2-40B4-BE49-F238E27FC236}">
-                <a16:creationId xmlns:a16="http://schemas.microsoft.com/office/drawing/2014/main" id="{B0C52F5F-F384-4146-BA11-DE76D3CA24F5}"/>
-              </a:ext>
-            </a:extLst>
-          </p:cNvPr>
-          <p:cNvCxnSpPr>
-            <a:cxnSpLocks/>
-            <a:stCxn id="41" idx="2"/>
-            <a:endCxn id="81" idx="0"/>
-          </p:cNvCxnSpPr>
-          <p:nvPr/>
-        </p:nvCxnSpPr>
-        <p:spPr>
-          <a:xfrm flipH="1">
-            <a:off x="6159631" y="4337977"/>
-            <a:ext cx="2" cy="373845"/>
-          </a:xfrm>
-          <a:prstGeom prst="straightConnector1">
-            <a:avLst/>
-          </a:prstGeom>
-          <a:ln w="28575">
-            <a:solidFill>
-              <a:schemeClr val="tx1"/>
-            </a:solidFill>
-            <a:tailEnd type="triangle"/>
-          </a:ln>
-        </p:spPr>
-        <p:style>
-          <a:lnRef idx="1">
-            <a:schemeClr val="accent1"/>
-          </a:lnRef>
-          <a:fillRef idx="0">
-            <a:schemeClr val="accent1"/>
-          </a:fillRef>
-          <a:effectRef idx="0">
-            <a:schemeClr val="accent1"/>
-          </a:effectRef>
-          <a:fontRef idx="minor">
-            <a:schemeClr val="tx1"/>
-          </a:fontRef>
-        </p:style>
-      </p:cxnSp>
       <p:sp>
         <p:nvSpPr>
           <p:cNvPr id="81" name="Rectangle 80">
@@ -4492,7 +4446,7 @@
         </p:nvSpPr>
         <p:spPr>
           <a:xfrm>
-            <a:off x="5037800" y="4711822"/>
+            <a:off x="7890057" y="287738"/>
             <a:ext cx="2243662" cy="618066"/>
           </a:xfrm>
           <a:prstGeom prst="rect">
@@ -4557,7 +4511,7 @@
         </p:nvCxnSpPr>
         <p:spPr>
           <a:xfrm>
-            <a:off x="6159631" y="5329888"/>
+            <a:off x="9011888" y="905804"/>
             <a:ext cx="0" cy="373844"/>
           </a:xfrm>
           <a:prstGeom prst="straightConnector1">
@@ -5573,7 +5527,7 @@
         <p:spPr>
           <a:xfrm>
             <a:off x="4435149" y="3616919"/>
-            <a:ext cx="1051658" cy="276999"/>
+            <a:ext cx="1051658" cy="646331"/>
           </a:xfrm>
           <a:prstGeom prst="rect">
             <a:avLst/>
@@ -5587,10 +5541,18 @@
           <a:lstStyle/>
           <a:p>
             <a:r>
-              <a:rPr lang="en-US" altLang="zh-TW" sz="1200" dirty="0"/>
-              <a:t>LBP Array</a:t>
-            </a:r>
-            <a:endParaRPr lang="zh-TW" altLang="en-US" sz="1200" dirty="0"/>
+              <a:rPr lang="en-US" altLang="zh-TW" sz="1200" dirty="0">
+                <a:highlight>
+                  <a:srgbClr val="FFFF00"/>
+                </a:highlight>
+              </a:rPr>
+              <a:t>Complete Image LBP Array</a:t>
+            </a:r>
+            <a:endParaRPr lang="zh-TW" altLang="en-US" sz="1200" dirty="0">
+              <a:highlight>
+                <a:srgbClr val="FFFF00"/>
+              </a:highlight>
+            </a:endParaRPr>
           </a:p>
         </p:txBody>
       </p:sp>
@@ -7298,6 +7260,54 @@
           </a:fontRef>
         </p:style>
       </p:cxnSp>
+      <p:sp>
+        <p:nvSpPr>
+          <p:cNvPr id="2" name="文字方塊 1">
+            <a:extLst>
+              <a:ext uri="{FF2B5EF4-FFF2-40B4-BE49-F238E27FC236}">
+                <a16:creationId xmlns:a16="http://schemas.microsoft.com/office/drawing/2014/main" id="{184A824D-E62B-4A06-8583-9FC920FFC33E}"/>
+              </a:ext>
+            </a:extLst>
+          </p:cNvPr>
+          <p:cNvSpPr txBox="1"/>
+          <p:nvPr/>
+        </p:nvSpPr>
+        <p:spPr>
+          <a:xfrm>
+            <a:off x="2759978" y="6551802"/>
+            <a:ext cx="2788378" cy="369332"/>
+          </a:xfrm>
+          <a:prstGeom prst="rect">
+            <a:avLst/>
+          </a:prstGeom>
+          <a:noFill/>
+        </p:spPr>
+        <p:txBody>
+          <a:bodyPr wrap="square" rtlCol="0">
+            <a:spAutoFit/>
+          </a:bodyPr>
+          <a:lstStyle/>
+          <a:p>
+            <a:r>
+              <a:rPr lang="zh-TW" altLang="en-US" dirty="0"/>
+              <a:t>先做整張</a:t>
+            </a:r>
+            <a:r>
+              <a:rPr lang="en-US" altLang="zh-TW" dirty="0"/>
+              <a:t>LBP</a:t>
+            </a:r>
+            <a:r>
+              <a:rPr lang="zh-TW" altLang="en-US" dirty="0"/>
+              <a:t>再做</a:t>
+            </a:r>
+            <a:r>
+              <a:rPr lang="en-US" altLang="zh-TW" dirty="0"/>
+              <a:t>BFS</a:t>
+            </a:r>
+            <a:endParaRPr lang="zh-TW" altLang="en-US" dirty="0"/>
+          </a:p>
+        </p:txBody>
+      </p:sp>
     </p:spTree>
     <p:extLst>
       <p:ext uri="{BB962C8B-B14F-4D97-AF65-F5344CB8AC3E}">

--- a/Image Segmentation of Concrete Roads.pptx
+++ b/Image Segmentation of Concrete Roads.pptx
@@ -9,6 +9,11 @@
     <p:sldId id="259" r:id="rId3"/>
     <p:sldId id="257" r:id="rId4"/>
     <p:sldId id="261" r:id="rId5"/>
+    <p:sldId id="262" r:id="rId6"/>
+    <p:sldId id="263" r:id="rId7"/>
+    <p:sldId id="264" r:id="rId8"/>
+    <p:sldId id="266" r:id="rId9"/>
+    <p:sldId id="265" r:id="rId10"/>
   </p:sldIdLst>
   <p:sldSz cx="12192000" cy="6858000"/>
   <p:notesSz cx="6858000" cy="9144000"/>
@@ -264,7 +269,7 @@
           <a:p>
             <a:fld id="{62D47A6F-3EBE-4C73-A7AD-6A61AF5187C9}" type="datetimeFigureOut">
               <a:rPr lang="zh-TW" altLang="en-US" smtClean="0"/>
-              <a:t>2024/10/24</a:t>
+              <a:t>2024/10/29</a:t>
             </a:fld>
             <a:endParaRPr lang="zh-TW" altLang="en-US"/>
           </a:p>
@@ -464,7 +469,7 @@
           <a:p>
             <a:fld id="{62D47A6F-3EBE-4C73-A7AD-6A61AF5187C9}" type="datetimeFigureOut">
               <a:rPr lang="zh-TW" altLang="en-US" smtClean="0"/>
-              <a:t>2024/10/24</a:t>
+              <a:t>2024/10/29</a:t>
             </a:fld>
             <a:endParaRPr lang="zh-TW" altLang="en-US"/>
           </a:p>
@@ -674,7 +679,7 @@
           <a:p>
             <a:fld id="{62D47A6F-3EBE-4C73-A7AD-6A61AF5187C9}" type="datetimeFigureOut">
               <a:rPr lang="zh-TW" altLang="en-US" smtClean="0"/>
-              <a:t>2024/10/24</a:t>
+              <a:t>2024/10/29</a:t>
             </a:fld>
             <a:endParaRPr lang="zh-TW" altLang="en-US"/>
           </a:p>
@@ -874,7 +879,7 @@
           <a:p>
             <a:fld id="{62D47A6F-3EBE-4C73-A7AD-6A61AF5187C9}" type="datetimeFigureOut">
               <a:rPr lang="zh-TW" altLang="en-US" smtClean="0"/>
-              <a:t>2024/10/24</a:t>
+              <a:t>2024/10/29</a:t>
             </a:fld>
             <a:endParaRPr lang="zh-TW" altLang="en-US"/>
           </a:p>
@@ -1150,7 +1155,7 @@
           <a:p>
             <a:fld id="{62D47A6F-3EBE-4C73-A7AD-6A61AF5187C9}" type="datetimeFigureOut">
               <a:rPr lang="zh-TW" altLang="en-US" smtClean="0"/>
-              <a:t>2024/10/24</a:t>
+              <a:t>2024/10/29</a:t>
             </a:fld>
             <a:endParaRPr lang="zh-TW" altLang="en-US"/>
           </a:p>
@@ -1418,7 +1423,7 @@
           <a:p>
             <a:fld id="{62D47A6F-3EBE-4C73-A7AD-6A61AF5187C9}" type="datetimeFigureOut">
               <a:rPr lang="zh-TW" altLang="en-US" smtClean="0"/>
-              <a:t>2024/10/24</a:t>
+              <a:t>2024/10/29</a:t>
             </a:fld>
             <a:endParaRPr lang="zh-TW" altLang="en-US"/>
           </a:p>
@@ -1833,7 +1838,7 @@
           <a:p>
             <a:fld id="{62D47A6F-3EBE-4C73-A7AD-6A61AF5187C9}" type="datetimeFigureOut">
               <a:rPr lang="zh-TW" altLang="en-US" smtClean="0"/>
-              <a:t>2024/10/24</a:t>
+              <a:t>2024/10/29</a:t>
             </a:fld>
             <a:endParaRPr lang="zh-TW" altLang="en-US"/>
           </a:p>
@@ -1975,7 +1980,7 @@
           <a:p>
             <a:fld id="{62D47A6F-3EBE-4C73-A7AD-6A61AF5187C9}" type="datetimeFigureOut">
               <a:rPr lang="zh-TW" altLang="en-US" smtClean="0"/>
-              <a:t>2024/10/24</a:t>
+              <a:t>2024/10/29</a:t>
             </a:fld>
             <a:endParaRPr lang="zh-TW" altLang="en-US"/>
           </a:p>
@@ -2088,7 +2093,7 @@
           <a:p>
             <a:fld id="{62D47A6F-3EBE-4C73-A7AD-6A61AF5187C9}" type="datetimeFigureOut">
               <a:rPr lang="zh-TW" altLang="en-US" smtClean="0"/>
-              <a:t>2024/10/24</a:t>
+              <a:t>2024/10/29</a:t>
             </a:fld>
             <a:endParaRPr lang="zh-TW" altLang="en-US"/>
           </a:p>
@@ -2401,7 +2406,7 @@
           <a:p>
             <a:fld id="{62D47A6F-3EBE-4C73-A7AD-6A61AF5187C9}" type="datetimeFigureOut">
               <a:rPr lang="zh-TW" altLang="en-US" smtClean="0"/>
-              <a:t>2024/10/24</a:t>
+              <a:t>2024/10/29</a:t>
             </a:fld>
             <a:endParaRPr lang="zh-TW" altLang="en-US"/>
           </a:p>
@@ -2690,7 +2695,7 @@
           <a:p>
             <a:fld id="{62D47A6F-3EBE-4C73-A7AD-6A61AF5187C9}" type="datetimeFigureOut">
               <a:rPr lang="zh-TW" altLang="en-US" smtClean="0"/>
-              <a:t>2024/10/24</a:t>
+              <a:t>2024/10/29</a:t>
             </a:fld>
             <a:endParaRPr lang="zh-TW" altLang="en-US"/>
           </a:p>
@@ -2933,7 +2938,7 @@
           <a:p>
             <a:fld id="{62D47A6F-3EBE-4C73-A7AD-6A61AF5187C9}" type="datetimeFigureOut">
               <a:rPr lang="zh-TW" altLang="en-US" smtClean="0"/>
-              <a:t>2024/10/24</a:t>
+              <a:t>2024/10/29</a:t>
             </a:fld>
             <a:endParaRPr lang="zh-TW" altLang="en-US"/>
           </a:p>
@@ -3400,7 +3405,15 @@
           <a:bodyPr/>
           <a:lstStyle/>
           <a:p>
-            <a:endParaRPr lang="zh-TW" altLang="en-US"/>
+            <a:r>
+              <a:rPr lang="zh-TW" altLang="en-US" dirty="0"/>
+              <a:t>吳永保 </a:t>
+            </a:r>
+            <a:r>
+              <a:rPr lang="en-US" altLang="zh-TW" dirty="0"/>
+              <a:t>C110137112</a:t>
+            </a:r>
+            <a:endParaRPr lang="zh-TW" altLang="en-US" dirty="0"/>
           </a:p>
         </p:txBody>
       </p:sp>
@@ -3586,7 +3599,7 @@
         </p:nvSpPr>
         <p:spPr>
           <a:xfrm>
-            <a:off x="488576" y="427878"/>
+            <a:off x="488576" y="-3210"/>
             <a:ext cx="10515600" cy="1325563"/>
           </a:xfrm>
         </p:spPr>
@@ -3616,8 +3629,8 @@
         </p:nvSpPr>
         <p:spPr>
           <a:xfrm>
-            <a:off x="174063" y="4878174"/>
-            <a:ext cx="1985188" cy="618066"/>
+            <a:off x="2032542" y="3676904"/>
+            <a:ext cx="1440000" cy="618066"/>
           </a:xfrm>
           <a:prstGeom prst="rect">
             <a:avLst/>
@@ -3646,8 +3659,12 @@
             <a:pPr algn="ctr"/>
             <a:r>
               <a:rPr lang="zh-TW" altLang="en-US" dirty="0"/>
-              <a:t>抓邊 </a:t>
-            </a:r>
+              <a:t>抓邊</a:t>
+            </a:r>
+            <a:endParaRPr lang="en-US" altLang="zh-TW" dirty="0"/>
+          </a:p>
+          <a:p>
+            <a:pPr algn="ctr"/>
             <a:r>
               <a:rPr lang="en-US" altLang="zh-TW" dirty="0"/>
               <a:t>(Sobel)</a:t>
@@ -3670,8 +3687,8 @@
         </p:nvSpPr>
         <p:spPr>
           <a:xfrm>
-            <a:off x="2399427" y="3720848"/>
-            <a:ext cx="2243666" cy="618066"/>
+            <a:off x="2981557" y="2518641"/>
+            <a:ext cx="1440000" cy="618066"/>
           </a:xfrm>
           <a:prstGeom prst="rect">
             <a:avLst/>
@@ -3699,21 +3716,18 @@
           <a:p>
             <a:pPr algn="ctr"/>
             <a:r>
+              <a:rPr lang="zh-TW" altLang="en-US" dirty="0"/>
+              <a:t>紋路</a:t>
+            </a:r>
+            <a:endParaRPr lang="en-US" altLang="zh-TW" dirty="0"/>
+          </a:p>
+          <a:p>
+            <a:pPr algn="ctr"/>
+            <a:r>
               <a:rPr lang="en-US" altLang="zh-TW" dirty="0"/>
-              <a:t>LBP</a:t>
-            </a:r>
-            <a:r>
-              <a:rPr lang="zh-TW" altLang="en-US" dirty="0"/>
-              <a:t>計算</a:t>
-            </a:r>
-            <a:r>
-              <a:rPr lang="en-US" altLang="zh-TW" dirty="0"/>
-              <a:t>Sobel</a:t>
-            </a:r>
-            <a:r>
-              <a:rPr lang="zh-TW" altLang="en-US" dirty="0"/>
-              <a:t>結果的紋路</a:t>
-            </a:r>
+              <a:t>(LBP)</a:t>
+            </a:r>
+            <a:endParaRPr lang="zh-TW" altLang="en-US" dirty="0"/>
           </a:p>
         </p:txBody>
       </p:sp>
@@ -3731,7 +3745,7 @@
         </p:nvSpPr>
         <p:spPr>
           <a:xfrm>
-            <a:off x="10713099" y="3727695"/>
+            <a:off x="9839040" y="2526425"/>
             <a:ext cx="1165136" cy="618066"/>
           </a:xfrm>
           <a:prstGeom prst="rect">
@@ -3763,6 +3777,15 @@
               <a:rPr lang="zh-TW" altLang="en-US" dirty="0"/>
               <a:t>上色</a:t>
             </a:r>
+            <a:endParaRPr lang="en-US" altLang="zh-TW" dirty="0"/>
+          </a:p>
+          <a:p>
+            <a:pPr algn="ctr"/>
+            <a:r>
+              <a:rPr lang="en-US" altLang="zh-TW" dirty="0"/>
+              <a:t>(Labeling)</a:t>
+            </a:r>
+            <a:endParaRPr lang="zh-TW" altLang="en-US" dirty="0"/>
           </a:p>
         </p:txBody>
       </p:sp>
@@ -3780,8 +3803,8 @@
         </p:nvSpPr>
         <p:spPr>
           <a:xfrm>
-            <a:off x="7720002" y="3719911"/>
-            <a:ext cx="2243666" cy="618066"/>
+            <a:off x="4671156" y="2518641"/>
+            <a:ext cx="1440000" cy="618066"/>
           </a:xfrm>
           <a:prstGeom prst="rect">
             <a:avLst/>
@@ -3829,8 +3852,8 @@
         </p:nvSpPr>
         <p:spPr>
           <a:xfrm>
-            <a:off x="8553724" y="4916641"/>
-            <a:ext cx="2243666" cy="618066"/>
+            <a:off x="6603814" y="3676902"/>
+            <a:ext cx="1440000" cy="900000"/>
           </a:xfrm>
           <a:prstGeom prst="rect">
             <a:avLst/>
@@ -3859,33 +3882,45 @@
             <a:pPr algn="ctr"/>
             <a:r>
               <a:rPr lang="zh-TW" altLang="en-US" dirty="0"/>
-              <a:t>計算</a:t>
+              <a:t>值方圖前</a:t>
             </a:r>
             <a:r>
               <a:rPr lang="en-US" altLang="zh-TW" dirty="0"/>
-              <a:t>hist</a:t>
+              <a:t>N</a:t>
             </a:r>
             <a:r>
               <a:rPr lang="zh-TW" altLang="en-US" dirty="0"/>
-              <a:t> </a:t>
+              <a:t>大 </a:t>
             </a:r>
             <a:r>
               <a:rPr lang="en-US" altLang="zh-TW" dirty="0"/>
-              <a:t>top N </a:t>
-            </a:r>
-            <a:r>
-              <a:rPr lang="zh-TW" altLang="en-US" dirty="0"/>
-              <a:t>距離</a:t>
-            </a:r>
-          </a:p>
-        </p:txBody>
-      </p:sp>
-      <p:sp>
-        <p:nvSpPr>
-          <p:cNvPr id="31" name="Rectangle 30">
-            <a:extLst>
-              <a:ext uri="{FF2B5EF4-FFF2-40B4-BE49-F238E27FC236}">
-                <a16:creationId xmlns:a16="http://schemas.microsoft.com/office/drawing/2014/main" id="{851E0469-AF54-4417-AF90-5E89292F642C}"/>
+              <a:t>(Mode)</a:t>
+            </a:r>
+          </a:p>
+          <a:p>
+            <a:pPr algn="ctr"/>
+            <a:r>
+              <a:rPr lang="en-US" altLang="zh-TW" dirty="0"/>
+              <a:t>(</a:t>
+            </a:r>
+            <a:r>
+              <a:rPr lang="en-US" altLang="zh-TW" dirty="0" err="1"/>
+              <a:t>hist_top_n</a:t>
+            </a:r>
+            <a:r>
+              <a:rPr lang="en-US" altLang="zh-TW" dirty="0"/>
+              <a:t>)</a:t>
+            </a:r>
+            <a:endParaRPr lang="zh-TW" altLang="en-US" dirty="0"/>
+          </a:p>
+        </p:txBody>
+      </p:sp>
+      <p:sp>
+        <p:nvSpPr>
+          <p:cNvPr id="10" name="Rectangle 9">
+            <a:extLst>
+              <a:ext uri="{FF2B5EF4-FFF2-40B4-BE49-F238E27FC236}">
+                <a16:creationId xmlns:a16="http://schemas.microsoft.com/office/drawing/2014/main" id="{60847CBB-A3A6-4DA6-B58F-7D4CA395B3BC}"/>
               </a:ext>
             </a:extLst>
           </p:cNvPr>
@@ -3894,8 +3929,8 @@
         </p:nvSpPr>
         <p:spPr>
           <a:xfrm>
-            <a:off x="7890057" y="1279648"/>
-            <a:ext cx="2243662" cy="618066"/>
+            <a:off x="5692824" y="326842"/>
+            <a:ext cx="2243666" cy="852388"/>
           </a:xfrm>
           <a:prstGeom prst="rect">
             <a:avLst/>
@@ -3924,33 +3959,65 @@
             <a:pPr algn="ctr"/>
             <a:r>
               <a:rPr lang="zh-TW" altLang="en-US" dirty="0"/>
-              <a:t>取</a:t>
-            </a:r>
-            <a:r>
-              <a:rPr lang="en-US" altLang="zh-TW" dirty="0"/>
-              <a:t>hist</a:t>
-            </a:r>
-            <a:r>
-              <a:rPr lang="zh-TW" altLang="en-US" dirty="0"/>
-              <a:t>前</a:t>
-            </a:r>
-            <a:r>
-              <a:rPr lang="en-US" altLang="zh-TW" dirty="0"/>
-              <a:t>N</a:t>
-            </a:r>
-            <a:r>
-              <a:rPr lang="zh-TW" altLang="en-US" dirty="0"/>
-              <a:t>元素最高</a:t>
-            </a:r>
-          </a:p>
-        </p:txBody>
-      </p:sp>
-      <p:sp>
-        <p:nvSpPr>
-          <p:cNvPr id="10" name="Rectangle 9">
-            <a:extLst>
-              <a:ext uri="{FF2B5EF4-FFF2-40B4-BE49-F238E27FC236}">
-                <a16:creationId xmlns:a16="http://schemas.microsoft.com/office/drawing/2014/main" id="{60847CBB-A3A6-4DA6-B58F-7D4CA395B3BC}"/>
+              <a:t>馬路分割</a:t>
+            </a:r>
+          </a:p>
+        </p:txBody>
+      </p:sp>
+      <p:cxnSp>
+        <p:nvCxnSpPr>
+          <p:cNvPr id="6" name="Connector: Elbow 5">
+            <a:extLst>
+              <a:ext uri="{FF2B5EF4-FFF2-40B4-BE49-F238E27FC236}">
+                <a16:creationId xmlns:a16="http://schemas.microsoft.com/office/drawing/2014/main" id="{5A1CAAE4-868D-4833-AC78-3AFFEA88A408}"/>
+              </a:ext>
+            </a:extLst>
+          </p:cNvPr>
+          <p:cNvCxnSpPr>
+            <a:cxnSpLocks/>
+            <a:stCxn id="10" idx="2"/>
+            <a:endCxn id="19" idx="0"/>
+          </p:cNvCxnSpPr>
+          <p:nvPr/>
+        </p:nvCxnSpPr>
+        <p:spPr>
+          <a:xfrm rot="5400000">
+            <a:off x="3718327" y="-576752"/>
+            <a:ext cx="1340348" cy="4852313"/>
+          </a:xfrm>
+          <a:prstGeom prst="bentConnector3">
+            <a:avLst>
+              <a:gd name="adj1" fmla="val 50000"/>
+            </a:avLst>
+          </a:prstGeom>
+          <a:ln w="28575">
+            <a:solidFill>
+              <a:schemeClr val="tx1"/>
+            </a:solidFill>
+            <a:tailEnd type="triangle"/>
+          </a:ln>
+        </p:spPr>
+        <p:style>
+          <a:lnRef idx="1">
+            <a:schemeClr val="accent1"/>
+          </a:lnRef>
+          <a:fillRef idx="0">
+            <a:schemeClr val="accent1"/>
+          </a:fillRef>
+          <a:effectRef idx="0">
+            <a:schemeClr val="accent1"/>
+          </a:effectRef>
+          <a:fontRef idx="minor">
+            <a:schemeClr val="tx1"/>
+          </a:fontRef>
+        </p:style>
+      </p:cxnSp>
+      <p:sp>
+        <p:nvSpPr>
+          <p:cNvPr id="19" name="Rectangle 18">
+            <a:extLst>
+              <a:ext uri="{FF2B5EF4-FFF2-40B4-BE49-F238E27FC236}">
+                <a16:creationId xmlns:a16="http://schemas.microsoft.com/office/drawing/2014/main" id="{B6290EDF-5EF2-47E7-9FFE-41B69A333D0F}"/>
               </a:ext>
             </a:extLst>
           </p:cNvPr>
@@ -3959,8 +4026,8 @@
         </p:nvSpPr>
         <p:spPr>
           <a:xfrm>
-            <a:off x="4624543" y="1528112"/>
-            <a:ext cx="2243666" cy="852388"/>
+            <a:off x="1242344" y="2519578"/>
+            <a:ext cx="1440000" cy="618066"/>
           </a:xfrm>
           <a:prstGeom prst="rect">
             <a:avLst/>
@@ -3989,31 +4056,31 @@
             <a:pPr algn="ctr"/>
             <a:r>
               <a:rPr lang="zh-TW" altLang="en-US" dirty="0"/>
-              <a:t>馬路分割</a:t>
+              <a:t>前處理</a:t>
             </a:r>
           </a:p>
         </p:txBody>
       </p:sp>
       <p:cxnSp>
         <p:nvCxnSpPr>
-          <p:cNvPr id="6" name="Connector: Elbow 5">
-            <a:extLst>
-              <a:ext uri="{FF2B5EF4-FFF2-40B4-BE49-F238E27FC236}">
-                <a16:creationId xmlns:a16="http://schemas.microsoft.com/office/drawing/2014/main" id="{5A1CAAE4-868D-4833-AC78-3AFFEA88A408}"/>
+          <p:cNvPr id="36" name="Connector: Elbow 35">
+            <a:extLst>
+              <a:ext uri="{FF2B5EF4-FFF2-40B4-BE49-F238E27FC236}">
+                <a16:creationId xmlns:a16="http://schemas.microsoft.com/office/drawing/2014/main" id="{681376B8-B122-43AE-BDFC-98CFA5F212A7}"/>
               </a:ext>
             </a:extLst>
           </p:cNvPr>
           <p:cNvCxnSpPr>
             <a:cxnSpLocks/>
             <a:stCxn id="10" idx="2"/>
-            <a:endCxn id="19" idx="0"/>
+            <a:endCxn id="25" idx="0"/>
           </p:cNvCxnSpPr>
           <p:nvPr/>
         </p:nvCxnSpPr>
         <p:spPr>
           <a:xfrm rot="5400000">
-            <a:off x="2786343" y="760815"/>
-            <a:ext cx="1340348" cy="4579719"/>
+            <a:off x="4588402" y="292385"/>
+            <a:ext cx="1339411" cy="3113100"/>
           </a:xfrm>
           <a:prstGeom prst="bentConnector3">
             <a:avLst>
@@ -4044,10 +4111,10 @@
       </p:cxnSp>
       <p:sp>
         <p:nvSpPr>
-          <p:cNvPr id="19" name="Rectangle 18">
-            <a:extLst>
-              <a:ext uri="{FF2B5EF4-FFF2-40B4-BE49-F238E27FC236}">
-                <a16:creationId xmlns:a16="http://schemas.microsoft.com/office/drawing/2014/main" id="{B6290EDF-5EF2-47E7-9FFE-41B69A333D0F}"/>
+          <p:cNvPr id="41" name="Rectangle 40">
+            <a:extLst>
+              <a:ext uri="{FF2B5EF4-FFF2-40B4-BE49-F238E27FC236}">
+                <a16:creationId xmlns:a16="http://schemas.microsoft.com/office/drawing/2014/main" id="{FE763125-3B1E-4DD7-A1C0-F9B063EC5445}"/>
               </a:ext>
             </a:extLst>
           </p:cNvPr>
@@ -4056,8 +4123,8 @@
         </p:nvSpPr>
         <p:spPr>
           <a:xfrm>
-            <a:off x="174063" y="3720848"/>
-            <a:ext cx="1985188" cy="618066"/>
+            <a:off x="7011629" y="2518641"/>
+            <a:ext cx="2243666" cy="618066"/>
           </a:xfrm>
           <a:prstGeom prst="rect">
             <a:avLst/>
@@ -4086,76 +4153,40 @@
             <a:pPr algn="ctr"/>
             <a:r>
               <a:rPr lang="zh-TW" altLang="en-US" dirty="0"/>
-              <a:t>前處理</a:t>
-            </a:r>
+              <a:t>紋路統計值方圖</a:t>
+            </a:r>
+            <a:endParaRPr lang="en-US" altLang="zh-TW" dirty="0"/>
+          </a:p>
+          <a:p>
+            <a:pPr algn="ctr"/>
+            <a:r>
+              <a:rPr lang="en-US" altLang="zh-TW" dirty="0"/>
+              <a:t>(Histogram)</a:t>
+            </a:r>
+            <a:endParaRPr lang="zh-TW" altLang="en-US" dirty="0"/>
           </a:p>
         </p:txBody>
       </p:sp>
       <p:cxnSp>
         <p:nvCxnSpPr>
-          <p:cNvPr id="22" name="Straight Arrow Connector 21">
-            <a:extLst>
-              <a:ext uri="{FF2B5EF4-FFF2-40B4-BE49-F238E27FC236}">
-                <a16:creationId xmlns:a16="http://schemas.microsoft.com/office/drawing/2014/main" id="{1AD54F72-2A70-469C-9336-0762C55E0BF5}"/>
+          <p:cNvPr id="43" name="Connector: Elbow 42">
+            <a:extLst>
+              <a:ext uri="{FF2B5EF4-FFF2-40B4-BE49-F238E27FC236}">
+                <a16:creationId xmlns:a16="http://schemas.microsoft.com/office/drawing/2014/main" id="{1BE21781-5841-41A9-B1C4-5E6C1CFB308B}"/>
               </a:ext>
             </a:extLst>
           </p:cNvPr>
           <p:cNvCxnSpPr>
-            <a:stCxn id="19" idx="2"/>
-            <a:endCxn id="24" idx="0"/>
+            <a:cxnSpLocks/>
+            <a:stCxn id="10" idx="2"/>
+            <a:endCxn id="41" idx="0"/>
           </p:cNvCxnSpPr>
           <p:nvPr/>
         </p:nvCxnSpPr>
         <p:spPr>
-          <a:xfrm>
-            <a:off x="1166657" y="4338914"/>
-            <a:ext cx="0" cy="539260"/>
-          </a:xfrm>
-          <a:prstGeom prst="straightConnector1">
-            <a:avLst/>
-          </a:prstGeom>
-          <a:ln w="28575">
-            <a:solidFill>
-              <a:schemeClr val="tx1"/>
-            </a:solidFill>
-            <a:tailEnd type="triangle"/>
-          </a:ln>
-        </p:spPr>
-        <p:style>
-          <a:lnRef idx="1">
-            <a:schemeClr val="accent1"/>
-          </a:lnRef>
-          <a:fillRef idx="0">
-            <a:schemeClr val="accent1"/>
-          </a:fillRef>
-          <a:effectRef idx="0">
-            <a:schemeClr val="accent1"/>
-          </a:effectRef>
-          <a:fontRef idx="minor">
-            <a:schemeClr val="tx1"/>
-          </a:fontRef>
-        </p:style>
-      </p:cxnSp>
-      <p:cxnSp>
-        <p:nvCxnSpPr>
-          <p:cNvPr id="36" name="Connector: Elbow 35">
-            <a:extLst>
-              <a:ext uri="{FF2B5EF4-FFF2-40B4-BE49-F238E27FC236}">
-                <a16:creationId xmlns:a16="http://schemas.microsoft.com/office/drawing/2014/main" id="{681376B8-B122-43AE-BDFC-98CFA5F212A7}"/>
-              </a:ext>
-            </a:extLst>
-          </p:cNvPr>
-          <p:cNvCxnSpPr>
-            <a:cxnSpLocks/>
-            <a:stCxn id="10" idx="2"/>
-            <a:endCxn id="25" idx="0"/>
-          </p:cNvCxnSpPr>
-          <p:nvPr/>
-        </p:nvCxnSpPr>
-        <p:spPr>
-          <a:xfrm rot="5400000">
-            <a:off x="3963644" y="1938116"/>
-            <a:ext cx="1340348" cy="2225116"/>
+          <a:xfrm rot="16200000" flipH="1">
+            <a:off x="6804354" y="1189532"/>
+            <a:ext cx="1339411" cy="1318805"/>
           </a:xfrm>
           <a:prstGeom prst="bentConnector3">
             <a:avLst>
@@ -4184,12 +4215,60 @@
           </a:fontRef>
         </p:style>
       </p:cxnSp>
-      <p:sp>
-        <p:nvSpPr>
-          <p:cNvPr id="41" name="Rectangle 40">
-            <a:extLst>
-              <a:ext uri="{FF2B5EF4-FFF2-40B4-BE49-F238E27FC236}">
-                <a16:creationId xmlns:a16="http://schemas.microsoft.com/office/drawing/2014/main" id="{FE763125-3B1E-4DD7-A1C0-F9B063EC5445}"/>
+      <p:cxnSp>
+        <p:nvCxnSpPr>
+          <p:cNvPr id="49" name="Connector: Elbow 48">
+            <a:extLst>
+              <a:ext uri="{FF2B5EF4-FFF2-40B4-BE49-F238E27FC236}">
+                <a16:creationId xmlns:a16="http://schemas.microsoft.com/office/drawing/2014/main" id="{1FE4C6C4-D62D-4CA6-8CEC-5E33587678BB}"/>
+              </a:ext>
+            </a:extLst>
+          </p:cNvPr>
+          <p:cNvCxnSpPr>
+            <a:cxnSpLocks/>
+            <a:stCxn id="10" idx="2"/>
+            <a:endCxn id="28" idx="0"/>
+          </p:cNvCxnSpPr>
+          <p:nvPr/>
+        </p:nvCxnSpPr>
+        <p:spPr>
+          <a:xfrm rot="5400000">
+            <a:off x="5433202" y="1137185"/>
+            <a:ext cx="1339411" cy="1423501"/>
+          </a:xfrm>
+          <a:prstGeom prst="bentConnector3">
+            <a:avLst>
+              <a:gd name="adj1" fmla="val 50000"/>
+            </a:avLst>
+          </a:prstGeom>
+          <a:ln w="28575">
+            <a:solidFill>
+              <a:schemeClr val="tx1"/>
+            </a:solidFill>
+            <a:tailEnd type="triangle"/>
+          </a:ln>
+        </p:spPr>
+        <p:style>
+          <a:lnRef idx="1">
+            <a:schemeClr val="accent1"/>
+          </a:lnRef>
+          <a:fillRef idx="0">
+            <a:schemeClr val="accent1"/>
+          </a:fillRef>
+          <a:effectRef idx="0">
+            <a:schemeClr val="accent1"/>
+          </a:effectRef>
+          <a:fontRef idx="minor">
+            <a:schemeClr val="tx1"/>
+          </a:fontRef>
+        </p:style>
+      </p:cxnSp>
+      <p:sp>
+        <p:nvSpPr>
+          <p:cNvPr id="55" name="Rectangle 54">
+            <a:extLst>
+              <a:ext uri="{FF2B5EF4-FFF2-40B4-BE49-F238E27FC236}">
+                <a16:creationId xmlns:a16="http://schemas.microsoft.com/office/drawing/2014/main" id="{757F239F-F800-48E5-A32C-6D3A9192AB93}"/>
               </a:ext>
             </a:extLst>
           </p:cNvPr>
@@ -4198,8 +4277,8 @@
         </p:nvSpPr>
         <p:spPr>
           <a:xfrm>
-            <a:off x="5037800" y="3719911"/>
-            <a:ext cx="2243666" cy="618066"/>
+            <a:off x="4671156" y="3676904"/>
+            <a:ext cx="1440000" cy="618066"/>
           </a:xfrm>
           <a:prstGeom prst="rect">
             <a:avLst/>
@@ -4228,118 +4307,22 @@
             <a:pPr algn="ctr"/>
             <a:r>
               <a:rPr lang="zh-TW" altLang="en-US" dirty="0"/>
-              <a:t>紋路統計 </a:t>
+              <a:t>廣先搜尋</a:t>
             </a:r>
             <a:r>
               <a:rPr lang="en-US" altLang="zh-TW" dirty="0"/>
-              <a:t>(histogram)</a:t>
+              <a:t>(BFS)</a:t>
             </a:r>
             <a:endParaRPr lang="zh-TW" altLang="en-US" dirty="0"/>
           </a:p>
         </p:txBody>
       </p:sp>
-      <p:cxnSp>
-        <p:nvCxnSpPr>
-          <p:cNvPr id="43" name="Connector: Elbow 42">
-            <a:extLst>
-              <a:ext uri="{FF2B5EF4-FFF2-40B4-BE49-F238E27FC236}">
-                <a16:creationId xmlns:a16="http://schemas.microsoft.com/office/drawing/2014/main" id="{1BE21781-5841-41A9-B1C4-5E6C1CFB308B}"/>
-              </a:ext>
-            </a:extLst>
-          </p:cNvPr>
-          <p:cNvCxnSpPr>
-            <a:cxnSpLocks/>
-            <a:stCxn id="10" idx="2"/>
-            <a:endCxn id="41" idx="0"/>
-          </p:cNvCxnSpPr>
-          <p:nvPr/>
-        </p:nvCxnSpPr>
-        <p:spPr>
-          <a:xfrm rot="16200000" flipH="1">
-            <a:off x="5283299" y="2843576"/>
-            <a:ext cx="1339411" cy="413257"/>
-          </a:xfrm>
-          <a:prstGeom prst="bentConnector3">
-            <a:avLst>
-              <a:gd name="adj1" fmla="val 50000"/>
-            </a:avLst>
-          </a:prstGeom>
-          <a:ln w="28575">
-            <a:solidFill>
-              <a:schemeClr val="tx1"/>
-            </a:solidFill>
-            <a:tailEnd type="triangle"/>
-          </a:ln>
-        </p:spPr>
-        <p:style>
-          <a:lnRef idx="1">
-            <a:schemeClr val="accent1"/>
-          </a:lnRef>
-          <a:fillRef idx="0">
-            <a:schemeClr val="accent1"/>
-          </a:fillRef>
-          <a:effectRef idx="0">
-            <a:schemeClr val="accent1"/>
-          </a:effectRef>
-          <a:fontRef idx="minor">
-            <a:schemeClr val="tx1"/>
-          </a:fontRef>
-        </p:style>
-      </p:cxnSp>
-      <p:cxnSp>
-        <p:nvCxnSpPr>
-          <p:cNvPr id="49" name="Connector: Elbow 48">
-            <a:extLst>
-              <a:ext uri="{FF2B5EF4-FFF2-40B4-BE49-F238E27FC236}">
-                <a16:creationId xmlns:a16="http://schemas.microsoft.com/office/drawing/2014/main" id="{1FE4C6C4-D62D-4CA6-8CEC-5E33587678BB}"/>
-              </a:ext>
-            </a:extLst>
-          </p:cNvPr>
-          <p:cNvCxnSpPr>
-            <a:cxnSpLocks/>
-            <a:stCxn id="10" idx="2"/>
-            <a:endCxn id="28" idx="0"/>
-          </p:cNvCxnSpPr>
-          <p:nvPr/>
-        </p:nvCxnSpPr>
-        <p:spPr>
-          <a:xfrm rot="16200000" flipH="1">
-            <a:off x="6624400" y="1502475"/>
-            <a:ext cx="1339411" cy="3095459"/>
-          </a:xfrm>
-          <a:prstGeom prst="bentConnector3">
-            <a:avLst>
-              <a:gd name="adj1" fmla="val 50000"/>
-            </a:avLst>
-          </a:prstGeom>
-          <a:ln w="28575">
-            <a:solidFill>
-              <a:schemeClr val="tx1"/>
-            </a:solidFill>
-            <a:tailEnd type="triangle"/>
-          </a:ln>
-        </p:spPr>
-        <p:style>
-          <a:lnRef idx="1">
-            <a:schemeClr val="accent1"/>
-          </a:lnRef>
-          <a:fillRef idx="0">
-            <a:schemeClr val="accent1"/>
-          </a:fillRef>
-          <a:effectRef idx="0">
-            <a:schemeClr val="accent1"/>
-          </a:effectRef>
-          <a:fontRef idx="minor">
-            <a:schemeClr val="tx1"/>
-          </a:fontRef>
-        </p:style>
-      </p:cxnSp>
-      <p:sp>
-        <p:nvSpPr>
-          <p:cNvPr id="55" name="Rectangle 54">
-            <a:extLst>
-              <a:ext uri="{FF2B5EF4-FFF2-40B4-BE49-F238E27FC236}">
-                <a16:creationId xmlns:a16="http://schemas.microsoft.com/office/drawing/2014/main" id="{757F239F-F800-48E5-A32C-6D3A9192AB93}"/>
+      <p:sp>
+        <p:nvSpPr>
+          <p:cNvPr id="81" name="Rectangle 80">
+            <a:extLst>
+              <a:ext uri="{FF2B5EF4-FFF2-40B4-BE49-F238E27FC236}">
+                <a16:creationId xmlns:a16="http://schemas.microsoft.com/office/drawing/2014/main" id="{D8D244EF-4256-4681-AAFA-7665C236390C}"/>
               </a:ext>
             </a:extLst>
           </p:cNvPr>
@@ -4348,8 +4331,8 @@
         </p:nvSpPr>
         <p:spPr>
           <a:xfrm>
-            <a:off x="7676171" y="4916642"/>
-            <a:ext cx="670120" cy="618066"/>
+            <a:off x="5774328" y="5060704"/>
+            <a:ext cx="1440000" cy="900000"/>
           </a:xfrm>
           <a:prstGeom prst="rect">
             <a:avLst/>
@@ -4377,8 +4360,24 @@
           <a:p>
             <a:pPr algn="ctr"/>
             <a:r>
+              <a:rPr lang="zh-TW" altLang="en-US" dirty="0"/>
+              <a:t>值方圖排列</a:t>
+            </a:r>
+            <a:endParaRPr lang="en-US" altLang="zh-TW" dirty="0"/>
+          </a:p>
+          <a:p>
+            <a:pPr algn="ctr"/>
+            <a:r>
               <a:rPr lang="en-US" altLang="zh-TW" dirty="0"/>
-              <a:t>BFS</a:t>
+              <a:t>(</a:t>
+            </a:r>
+            <a:r>
+              <a:rPr lang="en-US" altLang="zh-TW" dirty="0" err="1"/>
+              <a:t>sort_hist</a:t>
+            </a:r>
+            <a:r>
+              <a:rPr lang="en-US" altLang="zh-TW" dirty="0"/>
+              <a:t>)</a:t>
             </a:r>
             <a:endParaRPr lang="zh-TW" altLang="en-US" dirty="0"/>
           </a:p>
@@ -4386,24 +4385,24 @@
       </p:sp>
       <p:cxnSp>
         <p:nvCxnSpPr>
-          <p:cNvPr id="56" name="Connector: Elbow 55">
-            <a:extLst>
-              <a:ext uri="{FF2B5EF4-FFF2-40B4-BE49-F238E27FC236}">
-                <a16:creationId xmlns:a16="http://schemas.microsoft.com/office/drawing/2014/main" id="{E4B5AEE5-39BE-4858-867D-C2E45DD5D64C}"/>
+          <p:cNvPr id="109" name="Connector: Elbow 108">
+            <a:extLst>
+              <a:ext uri="{FF2B5EF4-FFF2-40B4-BE49-F238E27FC236}">
+                <a16:creationId xmlns:a16="http://schemas.microsoft.com/office/drawing/2014/main" id="{2821458F-6FCA-47C9-985D-F62236245139}"/>
               </a:ext>
             </a:extLst>
           </p:cNvPr>
           <p:cNvCxnSpPr>
             <a:cxnSpLocks/>
-            <a:stCxn id="28" idx="2"/>
-            <a:endCxn id="55" idx="0"/>
+            <a:stCxn id="41" idx="2"/>
+            <a:endCxn id="29" idx="0"/>
           </p:cNvCxnSpPr>
           <p:nvPr/>
         </p:nvCxnSpPr>
         <p:spPr>
           <a:xfrm rot="5400000">
-            <a:off x="8137201" y="4212007"/>
-            <a:ext cx="578665" cy="830604"/>
+            <a:off x="7458541" y="3001980"/>
+            <a:ext cx="540195" cy="809648"/>
           </a:xfrm>
           <a:prstGeom prst="bentConnector3">
             <a:avLst>
@@ -4434,10 +4433,10 @@
       </p:cxnSp>
       <p:sp>
         <p:nvSpPr>
-          <p:cNvPr id="81" name="Rectangle 80">
-            <a:extLst>
-              <a:ext uri="{FF2B5EF4-FFF2-40B4-BE49-F238E27FC236}">
-                <a16:creationId xmlns:a16="http://schemas.microsoft.com/office/drawing/2014/main" id="{D8D244EF-4256-4681-AAFA-7665C236390C}"/>
+          <p:cNvPr id="115" name="Rectangle 114">
+            <a:extLst>
+              <a:ext uri="{FF2B5EF4-FFF2-40B4-BE49-F238E27FC236}">
+                <a16:creationId xmlns:a16="http://schemas.microsoft.com/office/drawing/2014/main" id="{88227769-DFE2-417F-9B7F-FE946A3406B1}"/>
               </a:ext>
             </a:extLst>
           </p:cNvPr>
@@ -4446,8 +4445,8 @@
         </p:nvSpPr>
         <p:spPr>
           <a:xfrm>
-            <a:off x="7890057" y="287738"/>
-            <a:ext cx="2243662" cy="618066"/>
+            <a:off x="8242948" y="3676904"/>
+            <a:ext cx="1440000" cy="895096"/>
           </a:xfrm>
           <a:prstGeom prst="rect">
             <a:avLst/>
@@ -4475,88 +4474,53 @@
           <a:p>
             <a:pPr algn="ctr"/>
             <a:r>
-              <a:rPr lang="en-US" altLang="zh-TW" dirty="0"/>
-              <a:t>Sort</a:t>
-            </a:r>
-            <a:r>
-              <a:rPr lang="zh-TW" altLang="en-US" dirty="0"/>
-              <a:t> </a:t>
-            </a:r>
-            <a:r>
-              <a:rPr lang="en-US" altLang="zh-TW" dirty="0"/>
-              <a:t>hist</a:t>
-            </a:r>
-            <a:r>
-              <a:rPr lang="zh-TW" altLang="en-US" dirty="0"/>
-              <a:t> 的元素最高</a:t>
-            </a:r>
+              <a:rPr lang="en-US" altLang="zh-TW" sz="1600" dirty="0"/>
+              <a:t>Mode </a:t>
+            </a:r>
+            <a:r>
+              <a:rPr lang="zh-TW" altLang="en-US" sz="1600" dirty="0"/>
+              <a:t>距離比對</a:t>
+            </a:r>
+            <a:endParaRPr lang="en-US" altLang="zh-TW" sz="1600" dirty="0"/>
+          </a:p>
+          <a:p>
+            <a:pPr algn="ctr"/>
+            <a:r>
+              <a:rPr lang="en-US" altLang="zh-TW" sz="1600" dirty="0"/>
+              <a:t>(</a:t>
+            </a:r>
+            <a:r>
+              <a:rPr lang="en-US" altLang="zh-TW" sz="1600" dirty="0" err="1"/>
+              <a:t>dist_compare</a:t>
+            </a:r>
+            <a:r>
+              <a:rPr lang="en-US" altLang="zh-TW" sz="1600" dirty="0"/>
+              <a:t>)</a:t>
+            </a:r>
+            <a:endParaRPr lang="zh-TW" altLang="en-US" sz="1600" dirty="0"/>
           </a:p>
         </p:txBody>
       </p:sp>
       <p:cxnSp>
         <p:nvCxnSpPr>
-          <p:cNvPr id="84" name="Straight Arrow Connector 83">
-            <a:extLst>
-              <a:ext uri="{FF2B5EF4-FFF2-40B4-BE49-F238E27FC236}">
-                <a16:creationId xmlns:a16="http://schemas.microsoft.com/office/drawing/2014/main" id="{24046D0B-D33A-4CD8-8907-001123409DF1}"/>
+          <p:cNvPr id="120" name="Connector: Elbow 119">
+            <a:extLst>
+              <a:ext uri="{FF2B5EF4-FFF2-40B4-BE49-F238E27FC236}">
+                <a16:creationId xmlns:a16="http://schemas.microsoft.com/office/drawing/2014/main" id="{5FF575A9-C470-4BCD-850A-63BA04E32426}"/>
               </a:ext>
             </a:extLst>
           </p:cNvPr>
           <p:cNvCxnSpPr>
             <a:cxnSpLocks/>
-            <a:stCxn id="81" idx="2"/>
-            <a:endCxn id="31" idx="0"/>
+            <a:stCxn id="10" idx="2"/>
+            <a:endCxn id="27" idx="0"/>
           </p:cNvCxnSpPr>
           <p:nvPr/>
         </p:nvCxnSpPr>
         <p:spPr>
-          <a:xfrm>
-            <a:off x="9011888" y="905804"/>
-            <a:ext cx="0" cy="373844"/>
-          </a:xfrm>
-          <a:prstGeom prst="straightConnector1">
-            <a:avLst/>
-          </a:prstGeom>
-          <a:ln w="28575">
-            <a:solidFill>
-              <a:schemeClr val="tx1"/>
-            </a:solidFill>
-            <a:tailEnd type="triangle"/>
-          </a:ln>
-        </p:spPr>
-        <p:style>
-          <a:lnRef idx="1">
-            <a:schemeClr val="accent1"/>
-          </a:lnRef>
-          <a:fillRef idx="0">
-            <a:schemeClr val="accent1"/>
-          </a:fillRef>
-          <a:effectRef idx="0">
-            <a:schemeClr val="accent1"/>
-          </a:effectRef>
-          <a:fontRef idx="minor">
-            <a:schemeClr val="tx1"/>
-          </a:fontRef>
-        </p:style>
-      </p:cxnSp>
-      <p:cxnSp>
-        <p:nvCxnSpPr>
-          <p:cNvPr id="109" name="Connector: Elbow 108">
-            <a:extLst>
-              <a:ext uri="{FF2B5EF4-FFF2-40B4-BE49-F238E27FC236}">
-                <a16:creationId xmlns:a16="http://schemas.microsoft.com/office/drawing/2014/main" id="{2821458F-6FCA-47C9-985D-F62236245139}"/>
-              </a:ext>
-            </a:extLst>
-          </p:cNvPr>
-          <p:cNvCxnSpPr>
-            <a:cxnSpLocks/>
-          </p:cNvCxnSpPr>
-          <p:nvPr/>
-        </p:nvCxnSpPr>
-        <p:spPr>
-          <a:xfrm rot="5400000">
-            <a:off x="8137201" y="4212008"/>
-            <a:ext cx="578665" cy="830604"/>
+          <a:xfrm rot="16200000" flipH="1">
+            <a:off x="7944535" y="49351"/>
+            <a:ext cx="1347195" cy="3606951"/>
           </a:xfrm>
           <a:prstGeom prst="bentConnector3">
             <a:avLst>
@@ -4587,24 +4551,70 @@
       </p:cxnSp>
       <p:cxnSp>
         <p:nvCxnSpPr>
-          <p:cNvPr id="111" name="Connector: Elbow 110">
-            <a:extLst>
-              <a:ext uri="{FF2B5EF4-FFF2-40B4-BE49-F238E27FC236}">
-                <a16:creationId xmlns:a16="http://schemas.microsoft.com/office/drawing/2014/main" id="{4461CAC6-61CB-4335-AE6D-5D1904D3DF18}"/>
+          <p:cNvPr id="45" name="Straight Arrow Connector 44">
+            <a:extLst>
+              <a:ext uri="{FF2B5EF4-FFF2-40B4-BE49-F238E27FC236}">
+                <a16:creationId xmlns:a16="http://schemas.microsoft.com/office/drawing/2014/main" id="{F2EC815F-26A7-4859-8A44-F1D95A61D878}"/>
               </a:ext>
             </a:extLst>
           </p:cNvPr>
           <p:cNvCxnSpPr>
             <a:cxnSpLocks/>
             <a:stCxn id="28" idx="2"/>
-            <a:endCxn id="29" idx="0"/>
+            <a:endCxn id="55" idx="0"/>
           </p:cNvCxnSpPr>
           <p:nvPr/>
         </p:nvCxnSpPr>
         <p:spPr>
+          <a:xfrm>
+            <a:off x="5391156" y="3136707"/>
+            <a:ext cx="0" cy="540197"/>
+          </a:xfrm>
+          <a:prstGeom prst="straightConnector1">
+            <a:avLst/>
+          </a:prstGeom>
+          <a:ln w="28575">
+            <a:solidFill>
+              <a:schemeClr val="tx1"/>
+            </a:solidFill>
+            <a:tailEnd type="triangle"/>
+          </a:ln>
+        </p:spPr>
+        <p:style>
+          <a:lnRef idx="1">
+            <a:schemeClr val="accent1"/>
+          </a:lnRef>
+          <a:fillRef idx="0">
+            <a:schemeClr val="accent1"/>
+          </a:fillRef>
+          <a:effectRef idx="0">
+            <a:schemeClr val="accent1"/>
+          </a:effectRef>
+          <a:fontRef idx="minor">
+            <a:schemeClr val="tx1"/>
+          </a:fontRef>
+        </p:style>
+      </p:cxnSp>
+      <p:cxnSp>
+        <p:nvCxnSpPr>
+          <p:cNvPr id="54" name="Connector: Elbow 53">
+            <a:extLst>
+              <a:ext uri="{FF2B5EF4-FFF2-40B4-BE49-F238E27FC236}">
+                <a16:creationId xmlns:a16="http://schemas.microsoft.com/office/drawing/2014/main" id="{22E40CD1-FDD5-4C66-806D-F4612E5CFC06}"/>
+              </a:ext>
+            </a:extLst>
+          </p:cNvPr>
+          <p:cNvCxnSpPr>
+            <a:cxnSpLocks/>
+            <a:stCxn id="41" idx="2"/>
+            <a:endCxn id="115" idx="0"/>
+          </p:cNvCxnSpPr>
+          <p:nvPr/>
+        </p:nvCxnSpPr>
+        <p:spPr>
           <a:xfrm rot="16200000" flipH="1">
-            <a:off x="8969364" y="4210448"/>
-            <a:ext cx="578664" cy="833722"/>
+            <a:off x="8278107" y="2992062"/>
+            <a:ext cx="540197" cy="829486"/>
           </a:xfrm>
           <a:prstGeom prst="bentConnector3">
             <a:avLst>
@@ -4633,12 +4643,60 @@
           </a:fontRef>
         </p:style>
       </p:cxnSp>
-      <p:sp>
-        <p:nvSpPr>
-          <p:cNvPr id="115" name="Rectangle 114">
-            <a:extLst>
-              <a:ext uri="{FF2B5EF4-FFF2-40B4-BE49-F238E27FC236}">
-                <a16:creationId xmlns:a16="http://schemas.microsoft.com/office/drawing/2014/main" id="{88227769-DFE2-417F-9B7F-FE946A3406B1}"/>
+      <p:cxnSp>
+        <p:nvCxnSpPr>
+          <p:cNvPr id="66" name="Connector: Elbow 65">
+            <a:extLst>
+              <a:ext uri="{FF2B5EF4-FFF2-40B4-BE49-F238E27FC236}">
+                <a16:creationId xmlns:a16="http://schemas.microsoft.com/office/drawing/2014/main" id="{D4E96257-C7F5-45D6-BC48-CF5F347C6FE6}"/>
+              </a:ext>
+            </a:extLst>
+          </p:cNvPr>
+          <p:cNvCxnSpPr>
+            <a:cxnSpLocks/>
+            <a:stCxn id="29" idx="2"/>
+            <a:endCxn id="81" idx="0"/>
+          </p:cNvCxnSpPr>
+          <p:nvPr/>
+        </p:nvCxnSpPr>
+        <p:spPr>
+          <a:xfrm rot="5400000">
+            <a:off x="6667170" y="4404060"/>
+            <a:ext cx="483802" cy="829486"/>
+          </a:xfrm>
+          <a:prstGeom prst="bentConnector3">
+            <a:avLst>
+              <a:gd name="adj1" fmla="val 50000"/>
+            </a:avLst>
+          </a:prstGeom>
+          <a:ln w="28575">
+            <a:solidFill>
+              <a:schemeClr val="tx1"/>
+            </a:solidFill>
+            <a:tailEnd type="triangle"/>
+          </a:ln>
+        </p:spPr>
+        <p:style>
+          <a:lnRef idx="1">
+            <a:schemeClr val="accent1"/>
+          </a:lnRef>
+          <a:fillRef idx="0">
+            <a:schemeClr val="accent1"/>
+          </a:fillRef>
+          <a:effectRef idx="0">
+            <a:schemeClr val="accent1"/>
+          </a:effectRef>
+          <a:fontRef idx="minor">
+            <a:schemeClr val="tx1"/>
+          </a:fontRef>
+        </p:style>
+      </p:cxnSp>
+      <p:sp>
+        <p:nvSpPr>
+          <p:cNvPr id="71" name="Rectangle 70">
+            <a:extLst>
+              <a:ext uri="{FF2B5EF4-FFF2-40B4-BE49-F238E27FC236}">
+                <a16:creationId xmlns:a16="http://schemas.microsoft.com/office/drawing/2014/main" id="{B3AC97DC-B15C-4265-A376-21D2707D7072}"/>
               </a:ext>
             </a:extLst>
           </p:cNvPr>
@@ -4647,8 +4705,8 @@
         </p:nvSpPr>
         <p:spPr>
           <a:xfrm>
-            <a:off x="8553724" y="5703732"/>
-            <a:ext cx="2243666" cy="618066"/>
+            <a:off x="7413462" y="5060704"/>
+            <a:ext cx="1440000" cy="900000"/>
           </a:xfrm>
           <a:prstGeom prst="rect">
             <a:avLst/>
@@ -4677,11 +4735,39 @@
             <a:pPr algn="ctr"/>
             <a:r>
               <a:rPr lang="zh-TW" altLang="en-US" dirty="0"/>
-              <a:t>距離是否超過</a:t>
+              <a:t>前</a:t>
             </a:r>
             <a:r>
               <a:rPr lang="en-US" altLang="zh-TW" dirty="0"/>
-              <a:t>threshold</a:t>
+              <a:t>N</a:t>
+            </a:r>
+            <a:r>
+              <a:rPr lang="zh-TW" altLang="en-US" dirty="0"/>
+              <a:t> </a:t>
+            </a:r>
+            <a:r>
+              <a:rPr lang="en-US" altLang="zh-TW" dirty="0"/>
+              <a:t>Mode</a:t>
+            </a:r>
+            <a:r>
+              <a:rPr lang="zh-TW" altLang="en-US" dirty="0"/>
+              <a:t> 距離</a:t>
+            </a:r>
+            <a:endParaRPr lang="en-US" altLang="zh-TW" dirty="0"/>
+          </a:p>
+          <a:p>
+            <a:pPr algn="ctr"/>
+            <a:r>
+              <a:rPr lang="en-US" altLang="zh-TW" dirty="0"/>
+              <a:t>(</a:t>
+            </a:r>
+            <a:r>
+              <a:rPr lang="en-US" altLang="zh-TW" dirty="0" err="1"/>
+              <a:t>count_dist</a:t>
+            </a:r>
+            <a:r>
+              <a:rPr lang="en-US" altLang="zh-TW" dirty="0"/>
+              <a:t>)</a:t>
             </a:r>
             <a:endParaRPr lang="zh-TW" altLang="en-US" dirty="0"/>
           </a:p>
@@ -4689,27 +4775,29 @@
       </p:sp>
       <p:cxnSp>
         <p:nvCxnSpPr>
-          <p:cNvPr id="117" name="Straight Arrow Connector 116">
-            <a:extLst>
-              <a:ext uri="{FF2B5EF4-FFF2-40B4-BE49-F238E27FC236}">
-                <a16:creationId xmlns:a16="http://schemas.microsoft.com/office/drawing/2014/main" id="{F0E57192-148A-4197-8A05-AAB437A231DA}"/>
+          <p:cNvPr id="72" name="Connector: Elbow 71">
+            <a:extLst>
+              <a:ext uri="{FF2B5EF4-FFF2-40B4-BE49-F238E27FC236}">
+                <a16:creationId xmlns:a16="http://schemas.microsoft.com/office/drawing/2014/main" id="{02F7FB69-EC37-4EE6-9129-5D51C54AA1E3}"/>
               </a:ext>
             </a:extLst>
           </p:cNvPr>
           <p:cNvCxnSpPr>
             <a:cxnSpLocks/>
             <a:stCxn id="29" idx="2"/>
-            <a:endCxn id="115" idx="0"/>
+            <a:endCxn id="71" idx="0"/>
           </p:cNvCxnSpPr>
           <p:nvPr/>
         </p:nvCxnSpPr>
         <p:spPr>
-          <a:xfrm>
-            <a:off x="9675557" y="5534707"/>
-            <a:ext cx="0" cy="169025"/>
-          </a:xfrm>
-          <a:prstGeom prst="straightConnector1">
-            <a:avLst/>
+          <a:xfrm rot="16200000" flipH="1">
+            <a:off x="7486737" y="4413979"/>
+            <a:ext cx="483802" cy="809648"/>
+          </a:xfrm>
+          <a:prstGeom prst="bentConnector3">
+            <a:avLst>
+              <a:gd name="adj1" fmla="val 50000"/>
+            </a:avLst>
           </a:prstGeom>
           <a:ln w="28575">
             <a:solidFill>
@@ -4735,24 +4823,130 @@
       </p:cxnSp>
       <p:cxnSp>
         <p:nvCxnSpPr>
-          <p:cNvPr id="120" name="Connector: Elbow 119">
-            <a:extLst>
-              <a:ext uri="{FF2B5EF4-FFF2-40B4-BE49-F238E27FC236}">
-                <a16:creationId xmlns:a16="http://schemas.microsoft.com/office/drawing/2014/main" id="{5FF575A9-C470-4BCD-850A-63BA04E32426}"/>
+          <p:cNvPr id="80" name="Connector: Elbow 79">
+            <a:extLst>
+              <a:ext uri="{FF2B5EF4-FFF2-40B4-BE49-F238E27FC236}">
+                <a16:creationId xmlns:a16="http://schemas.microsoft.com/office/drawing/2014/main" id="{5B95D257-35E4-4049-AC05-6A862EB6DAD2}"/>
               </a:ext>
             </a:extLst>
           </p:cNvPr>
           <p:cNvCxnSpPr>
             <a:cxnSpLocks/>
-            <a:stCxn id="10" idx="2"/>
-            <a:endCxn id="27" idx="0"/>
+            <a:stCxn id="19" idx="2"/>
+            <a:endCxn id="24" idx="0"/>
           </p:cNvCxnSpPr>
           <p:nvPr/>
         </p:nvCxnSpPr>
         <p:spPr>
           <a:xfrm rot="16200000" flipH="1">
-            <a:off x="7847424" y="279451"/>
-            <a:ext cx="1347195" cy="5549291"/>
+            <a:off x="2087813" y="3012175"/>
+            <a:ext cx="539260" cy="790198"/>
+          </a:xfrm>
+          <a:prstGeom prst="bentConnector3">
+            <a:avLst>
+              <a:gd name="adj1" fmla="val 50000"/>
+            </a:avLst>
+          </a:prstGeom>
+          <a:ln w="28575">
+            <a:solidFill>
+              <a:schemeClr val="tx1"/>
+            </a:solidFill>
+            <a:tailEnd type="triangle"/>
+          </a:ln>
+        </p:spPr>
+        <p:style>
+          <a:lnRef idx="1">
+            <a:schemeClr val="accent1"/>
+          </a:lnRef>
+          <a:fillRef idx="0">
+            <a:schemeClr val="accent1"/>
+          </a:fillRef>
+          <a:effectRef idx="0">
+            <a:schemeClr val="accent1"/>
+          </a:effectRef>
+          <a:fontRef idx="minor">
+            <a:schemeClr val="tx1"/>
+          </a:fontRef>
+        </p:style>
+      </p:cxnSp>
+      <p:sp>
+        <p:nvSpPr>
+          <p:cNvPr id="83" name="Rectangle 82">
+            <a:extLst>
+              <a:ext uri="{FF2B5EF4-FFF2-40B4-BE49-F238E27FC236}">
+                <a16:creationId xmlns:a16="http://schemas.microsoft.com/office/drawing/2014/main" id="{F8A1B120-F393-4842-A471-B3278D0AC8C2}"/>
+              </a:ext>
+            </a:extLst>
+          </p:cNvPr>
+          <p:cNvSpPr/>
+          <p:nvPr/>
+        </p:nvSpPr>
+        <p:spPr>
+          <a:xfrm>
+            <a:off x="407074" y="3678934"/>
+            <a:ext cx="1440000" cy="618066"/>
+          </a:xfrm>
+          <a:prstGeom prst="rect">
+            <a:avLst/>
+          </a:prstGeom>
+        </p:spPr>
+        <p:style>
+          <a:lnRef idx="2">
+            <a:schemeClr val="accent5">
+              <a:shade val="50000"/>
+            </a:schemeClr>
+          </a:lnRef>
+          <a:fillRef idx="1">
+            <a:schemeClr val="accent5"/>
+          </a:fillRef>
+          <a:effectRef idx="0">
+            <a:schemeClr val="accent5"/>
+          </a:effectRef>
+          <a:fontRef idx="minor">
+            <a:schemeClr val="lt1"/>
+          </a:fontRef>
+        </p:style>
+        <p:txBody>
+          <a:bodyPr rtlCol="0" anchor="ctr"/>
+          <a:lstStyle/>
+          <a:p>
+            <a:pPr algn="ctr"/>
+            <a:r>
+              <a:rPr lang="zh-TW" altLang="en-US" dirty="0"/>
+              <a:t>灰階</a:t>
+            </a:r>
+            <a:endParaRPr lang="en-US" altLang="zh-TW" dirty="0"/>
+          </a:p>
+          <a:p>
+            <a:pPr algn="ctr"/>
+            <a:r>
+              <a:rPr lang="en-US" altLang="zh-TW" dirty="0"/>
+              <a:t>(Grayscale)</a:t>
+            </a:r>
+            <a:endParaRPr lang="zh-TW" altLang="en-US" dirty="0"/>
+          </a:p>
+        </p:txBody>
+      </p:sp>
+      <p:cxnSp>
+        <p:nvCxnSpPr>
+          <p:cNvPr id="86" name="Connector: Elbow 85">
+            <a:extLst>
+              <a:ext uri="{FF2B5EF4-FFF2-40B4-BE49-F238E27FC236}">
+                <a16:creationId xmlns:a16="http://schemas.microsoft.com/office/drawing/2014/main" id="{CC676E60-46DC-465D-9887-3294ADD6DCF3}"/>
+              </a:ext>
+            </a:extLst>
+          </p:cNvPr>
+          <p:cNvCxnSpPr>
+            <a:cxnSpLocks/>
+            <a:stCxn id="19" idx="2"/>
+            <a:endCxn id="83" idx="0"/>
+          </p:cNvCxnSpPr>
+          <p:nvPr/>
+        </p:nvCxnSpPr>
+        <p:spPr>
+          <a:xfrm rot="5400000">
+            <a:off x="1274064" y="2990654"/>
+            <a:ext cx="541290" cy="835270"/>
           </a:xfrm>
           <a:prstGeom prst="bentConnector3">
             <a:avLst>
@@ -4813,194 +5007,6 @@
       </p:grpSpPr>
       <p:sp>
         <p:nvSpPr>
-          <p:cNvPr id="123" name="TextBox 122">
-            <a:extLst>
-              <a:ext uri="{FF2B5EF4-FFF2-40B4-BE49-F238E27FC236}">
-                <a16:creationId xmlns:a16="http://schemas.microsoft.com/office/drawing/2014/main" id="{B36EACDE-308A-4B31-A072-34C025963FCD}"/>
-              </a:ext>
-            </a:extLst>
-          </p:cNvPr>
-          <p:cNvSpPr txBox="1"/>
-          <p:nvPr/>
-        </p:nvSpPr>
-        <p:spPr>
-          <a:xfrm>
-            <a:off x="2459961" y="1726234"/>
-            <a:ext cx="2269555" cy="276999"/>
-          </a:xfrm>
-          <a:prstGeom prst="rect">
-            <a:avLst/>
-          </a:prstGeom>
-          <a:noFill/>
-        </p:spPr>
-        <p:txBody>
-          <a:bodyPr wrap="square" rtlCol="0">
-            <a:spAutoFit/>
-          </a:bodyPr>
-          <a:lstStyle/>
-          <a:p>
-            <a:r>
-              <a:rPr lang="en-US" altLang="zh-TW" sz="1200" dirty="0"/>
-              <a:t>Sobel Kernel Size</a:t>
-            </a:r>
-            <a:endParaRPr lang="zh-TW" altLang="en-US" sz="1200" dirty="0"/>
-          </a:p>
-        </p:txBody>
-      </p:sp>
-      <p:sp>
-        <p:nvSpPr>
-          <p:cNvPr id="124" name="TextBox 123">
-            <a:extLst>
-              <a:ext uri="{FF2B5EF4-FFF2-40B4-BE49-F238E27FC236}">
-                <a16:creationId xmlns:a16="http://schemas.microsoft.com/office/drawing/2014/main" id="{28CA57A1-AEF7-4B3B-AE19-752AEBF45152}"/>
-              </a:ext>
-            </a:extLst>
-          </p:cNvPr>
-          <p:cNvSpPr txBox="1"/>
-          <p:nvPr/>
-        </p:nvSpPr>
-        <p:spPr>
-          <a:xfrm>
-            <a:off x="2454438" y="1966711"/>
-            <a:ext cx="827672" cy="276999"/>
-          </a:xfrm>
-          <a:prstGeom prst="rect">
-            <a:avLst/>
-          </a:prstGeom>
-          <a:noFill/>
-        </p:spPr>
-        <p:txBody>
-          <a:bodyPr wrap="square" rtlCol="0">
-            <a:spAutoFit/>
-          </a:bodyPr>
-          <a:lstStyle/>
-          <a:p>
-            <a:r>
-              <a:rPr lang="en-US" altLang="zh-TW" sz="1200" dirty="0"/>
-              <a:t>BFS Stride</a:t>
-            </a:r>
-            <a:endParaRPr lang="zh-TW" altLang="en-US" sz="1200" dirty="0"/>
-          </a:p>
-        </p:txBody>
-      </p:sp>
-      <p:sp>
-        <p:nvSpPr>
-          <p:cNvPr id="127" name="TextBox 126">
-            <a:extLst>
-              <a:ext uri="{FF2B5EF4-FFF2-40B4-BE49-F238E27FC236}">
-                <a16:creationId xmlns:a16="http://schemas.microsoft.com/office/drawing/2014/main" id="{66F336EC-A77E-4B43-B760-845EF2348977}"/>
-              </a:ext>
-            </a:extLst>
-          </p:cNvPr>
-          <p:cNvSpPr txBox="1"/>
-          <p:nvPr/>
-        </p:nvSpPr>
-        <p:spPr>
-          <a:xfrm>
-            <a:off x="2454438" y="2229342"/>
-            <a:ext cx="1337736" cy="276999"/>
-          </a:xfrm>
-          <a:prstGeom prst="rect">
-            <a:avLst/>
-          </a:prstGeom>
-          <a:noFill/>
-        </p:spPr>
-        <p:txBody>
-          <a:bodyPr wrap="square" rtlCol="0">
-            <a:spAutoFit/>
-          </a:bodyPr>
-          <a:lstStyle/>
-          <a:p>
-            <a:r>
-              <a:rPr lang="en-US" altLang="zh-TW" sz="1200" dirty="0"/>
-              <a:t>Kernel</a:t>
-            </a:r>
-            <a:r>
-              <a:rPr lang="zh-TW" altLang="en-US" sz="1200" dirty="0"/>
-              <a:t> </a:t>
-            </a:r>
-            <a:r>
-              <a:rPr lang="en-US" altLang="zh-TW" sz="1200" dirty="0"/>
-              <a:t>Size N</a:t>
-            </a:r>
-            <a:endParaRPr lang="zh-TW" altLang="en-US" sz="1200" dirty="0"/>
-          </a:p>
-        </p:txBody>
-      </p:sp>
-      <p:sp>
-        <p:nvSpPr>
-          <p:cNvPr id="128" name="TextBox 127">
-            <a:extLst>
-              <a:ext uri="{FF2B5EF4-FFF2-40B4-BE49-F238E27FC236}">
-                <a16:creationId xmlns:a16="http://schemas.microsoft.com/office/drawing/2014/main" id="{204BBAC0-3021-4DE3-BC4B-D59B1D51BC5C}"/>
-              </a:ext>
-            </a:extLst>
-          </p:cNvPr>
-          <p:cNvSpPr txBox="1"/>
-          <p:nvPr/>
-        </p:nvSpPr>
-        <p:spPr>
-          <a:xfrm>
-            <a:off x="2454438" y="2468963"/>
-            <a:ext cx="1097813" cy="276999"/>
-          </a:xfrm>
-          <a:prstGeom prst="rect">
-            <a:avLst/>
-          </a:prstGeom>
-          <a:noFill/>
-        </p:spPr>
-        <p:txBody>
-          <a:bodyPr wrap="square" rtlCol="0">
-            <a:spAutoFit/>
-          </a:bodyPr>
-          <a:lstStyle/>
-          <a:p>
-            <a:r>
-              <a:rPr lang="en-US" altLang="zh-TW" sz="1200" dirty="0"/>
-              <a:t>Threshold</a:t>
-            </a:r>
-            <a:endParaRPr lang="zh-TW" altLang="en-US" sz="1200" dirty="0"/>
-          </a:p>
-        </p:txBody>
-      </p:sp>
-      <p:sp>
-        <p:nvSpPr>
-          <p:cNvPr id="136" name="TextBox 135">
-            <a:extLst>
-              <a:ext uri="{FF2B5EF4-FFF2-40B4-BE49-F238E27FC236}">
-                <a16:creationId xmlns:a16="http://schemas.microsoft.com/office/drawing/2014/main" id="{CCAE6C29-BE2F-4633-AD04-18E30E8A273F}"/>
-              </a:ext>
-            </a:extLst>
-          </p:cNvPr>
-          <p:cNvSpPr txBox="1"/>
-          <p:nvPr/>
-        </p:nvSpPr>
-        <p:spPr>
-          <a:xfrm>
-            <a:off x="2454328" y="1514523"/>
-            <a:ext cx="2269555" cy="276999"/>
-          </a:xfrm>
-          <a:prstGeom prst="rect">
-            <a:avLst/>
-          </a:prstGeom>
-          <a:noFill/>
-        </p:spPr>
-        <p:txBody>
-          <a:bodyPr wrap="square" rtlCol="0">
-            <a:spAutoFit/>
-          </a:bodyPr>
-          <a:lstStyle/>
-          <a:p>
-            <a:r>
-              <a:rPr lang="en-US" altLang="zh-TW" sz="1200" dirty="0"/>
-              <a:t>S</a:t>
-            </a:r>
-            <a:endParaRPr lang="zh-TW" altLang="en-US" sz="1200" dirty="0"/>
-          </a:p>
-        </p:txBody>
-      </p:sp>
-      <p:sp>
-        <p:nvSpPr>
           <p:cNvPr id="4" name="Rectangle 3">
             <a:extLst>
               <a:ext uri="{FF2B5EF4-FFF2-40B4-BE49-F238E27FC236}">
@@ -5013,8 +5019,8 @@
         </p:nvSpPr>
         <p:spPr>
           <a:xfrm>
-            <a:off x="980995" y="3237982"/>
-            <a:ext cx="1329265" cy="896378"/>
+            <a:off x="2544103" y="3382775"/>
+            <a:ext cx="1008000" cy="648000"/>
           </a:xfrm>
           <a:prstGeom prst="rect">
             <a:avLst/>
@@ -5062,8 +5068,8 @@
         </p:nvSpPr>
         <p:spPr>
           <a:xfrm>
-            <a:off x="3139996" y="3237985"/>
-            <a:ext cx="1329265" cy="896378"/>
+            <a:off x="5869853" y="3382774"/>
+            <a:ext cx="1008000" cy="648000"/>
           </a:xfrm>
           <a:prstGeom prst="rect">
             <a:avLst/>
@@ -5091,18 +5097,18 @@
           <a:p>
             <a:pPr algn="ctr"/>
             <a:r>
-              <a:rPr lang="en-US" altLang="zh-TW" dirty="0"/>
-              <a:t>LBP Algorithm</a:t>
-            </a:r>
-          </a:p>
-        </p:txBody>
-      </p:sp>
-      <p:sp>
-        <p:nvSpPr>
-          <p:cNvPr id="6" name="Rectangle 5">
-            <a:extLst>
-              <a:ext uri="{FF2B5EF4-FFF2-40B4-BE49-F238E27FC236}">
-                <a16:creationId xmlns:a16="http://schemas.microsoft.com/office/drawing/2014/main" id="{2F2A6E28-F555-4589-A05F-6B7EEBE7A436}"/>
+              <a:rPr lang="en-US" altLang="zh-TW" sz="1600" dirty="0"/>
+              <a:t>LBP</a:t>
+            </a:r>
+          </a:p>
+        </p:txBody>
+      </p:sp>
+      <p:sp>
+        <p:nvSpPr>
+          <p:cNvPr id="8" name="Rectangle 7">
+            <a:extLst>
+              <a:ext uri="{FF2B5EF4-FFF2-40B4-BE49-F238E27FC236}">
+                <a16:creationId xmlns:a16="http://schemas.microsoft.com/office/drawing/2014/main" id="{ED3A9EA6-FB28-4D69-9E87-D5F4FC2355AD}"/>
               </a:ext>
             </a:extLst>
           </p:cNvPr>
@@ -5111,8 +5117,8 @@
         </p:nvSpPr>
         <p:spPr>
           <a:xfrm>
-            <a:off x="7678833" y="3198711"/>
-            <a:ext cx="1329265" cy="896374"/>
+            <a:off x="1145065" y="4623433"/>
+            <a:ext cx="1008000" cy="648000"/>
           </a:xfrm>
           <a:prstGeom prst="rect">
             <a:avLst/>
@@ -5140,32 +5146,913 @@
           <a:p>
             <a:pPr algn="ctr"/>
             <a:r>
-              <a:rPr lang="en-US" altLang="zh-TW" dirty="0"/>
-              <a:t>Histogram</a:t>
-            </a:r>
-          </a:p>
-        </p:txBody>
-      </p:sp>
-      <p:sp>
-        <p:nvSpPr>
-          <p:cNvPr id="7" name="Rectangle 6">
-            <a:extLst>
-              <a:ext uri="{FF2B5EF4-FFF2-40B4-BE49-F238E27FC236}">
-                <a16:creationId xmlns:a16="http://schemas.microsoft.com/office/drawing/2014/main" id="{53382C9C-8A08-43D9-BB2D-9F48C14647D2}"/>
-              </a:ext>
-            </a:extLst>
-          </p:cNvPr>
-          <p:cNvSpPr/>
+              <a:rPr lang="en-US" altLang="zh-TW" sz="1400" dirty="0" err="1"/>
+              <a:t>count_dist</a:t>
+            </a:r>
+            <a:endParaRPr lang="en-US" altLang="zh-TW" sz="1400" dirty="0"/>
+          </a:p>
+        </p:txBody>
+      </p:sp>
+      <p:pic>
+        <p:nvPicPr>
+          <p:cNvPr id="23" name="Picture 22">
+            <a:extLst>
+              <a:ext uri="{FF2B5EF4-FFF2-40B4-BE49-F238E27FC236}">
+                <a16:creationId xmlns:a16="http://schemas.microsoft.com/office/drawing/2014/main" id="{BA2B030E-9FDB-4819-9689-A080918F97CD}"/>
+              </a:ext>
+            </a:extLst>
+          </p:cNvPr>
+          <p:cNvPicPr>
+            <a:picLocks noChangeAspect="1"/>
+          </p:cNvPicPr>
           <p:nvPr/>
-        </p:nvSpPr>
-        <p:spPr>
-          <a:xfrm>
-            <a:off x="10050096" y="3198708"/>
-            <a:ext cx="1329265" cy="896374"/>
+        </p:nvPicPr>
+        <p:blipFill>
+          <a:blip r:embed="rId2"/>
+          <a:stretch>
+            <a:fillRect/>
+          </a:stretch>
+        </p:blipFill>
+        <p:spPr>
+          <a:xfrm>
+            <a:off x="2222477" y="3308753"/>
+            <a:ext cx="359720" cy="280440"/>
           </a:xfrm>
           <a:prstGeom prst="rect">
             <a:avLst/>
           </a:prstGeom>
+        </p:spPr>
+      </p:pic>
+      <p:sp>
+        <p:nvSpPr>
+          <p:cNvPr id="28" name="TextBox 27">
+            <a:extLst>
+              <a:ext uri="{FF2B5EF4-FFF2-40B4-BE49-F238E27FC236}">
+                <a16:creationId xmlns:a16="http://schemas.microsoft.com/office/drawing/2014/main" id="{D85C1262-2B06-4484-B773-8E7F91DC6B26}"/>
+              </a:ext>
+            </a:extLst>
+          </p:cNvPr>
+          <p:cNvSpPr txBox="1"/>
+          <p:nvPr/>
+        </p:nvSpPr>
+        <p:spPr>
+          <a:xfrm>
+            <a:off x="2027841" y="3062813"/>
+            <a:ext cx="2269555" cy="276999"/>
+          </a:xfrm>
+          <a:prstGeom prst="rect">
+            <a:avLst/>
+          </a:prstGeom>
+          <a:noFill/>
+        </p:spPr>
+        <p:txBody>
+          <a:bodyPr wrap="square" rtlCol="0">
+            <a:spAutoFit/>
+          </a:bodyPr>
+          <a:lstStyle/>
+          <a:p>
+            <a:r>
+              <a:rPr lang="en-US" altLang="zh-TW" sz="1200" dirty="0"/>
+              <a:t>Sobel Kernel Size</a:t>
+            </a:r>
+            <a:endParaRPr lang="zh-TW" altLang="en-US" sz="1200" dirty="0"/>
+          </a:p>
+        </p:txBody>
+      </p:sp>
+      <p:grpSp>
+        <p:nvGrpSpPr>
+          <p:cNvPr id="15" name="Group 14">
+            <a:extLst>
+              <a:ext uri="{FF2B5EF4-FFF2-40B4-BE49-F238E27FC236}">
+                <a16:creationId xmlns:a16="http://schemas.microsoft.com/office/drawing/2014/main" id="{855C46C2-98B7-4E66-8366-3DE68ACEDF9D}"/>
+              </a:ext>
+            </a:extLst>
+          </p:cNvPr>
+          <p:cNvGrpSpPr/>
+          <p:nvPr/>
+        </p:nvGrpSpPr>
+        <p:grpSpPr>
+          <a:xfrm>
+            <a:off x="1656111" y="3900161"/>
+            <a:ext cx="1212517" cy="345062"/>
+            <a:chOff x="741476" y="3260412"/>
+            <a:chExt cx="1702263" cy="345062"/>
+          </a:xfrm>
+        </p:grpSpPr>
+        <p:cxnSp>
+          <p:nvCxnSpPr>
+            <p:cNvPr id="11" name="Straight Arrow Connector 10">
+              <a:extLst>
+                <a:ext uri="{FF2B5EF4-FFF2-40B4-BE49-F238E27FC236}">
+                  <a16:creationId xmlns:a16="http://schemas.microsoft.com/office/drawing/2014/main" id="{F1607EDC-9401-4CAC-BA2D-87C6790E9880}"/>
+                </a:ext>
+              </a:extLst>
+            </p:cNvPr>
+            <p:cNvCxnSpPr>
+              <a:cxnSpLocks/>
+            </p:cNvCxnSpPr>
+            <p:nvPr/>
+          </p:nvCxnSpPr>
+          <p:spPr>
+            <a:xfrm>
+              <a:off x="1422570" y="3260412"/>
+              <a:ext cx="588648" cy="0"/>
+            </a:xfrm>
+            <a:prstGeom prst="straightConnector1">
+              <a:avLst/>
+            </a:prstGeom>
+            <a:ln w="38100">
+              <a:solidFill>
+                <a:srgbClr val="0070C0"/>
+              </a:solidFill>
+              <a:tailEnd type="triangle"/>
+            </a:ln>
+          </p:spPr>
+          <p:style>
+            <a:lnRef idx="1">
+              <a:schemeClr val="accent1"/>
+            </a:lnRef>
+            <a:fillRef idx="0">
+              <a:schemeClr val="accent1"/>
+            </a:fillRef>
+            <a:effectRef idx="0">
+              <a:schemeClr val="accent1"/>
+            </a:effectRef>
+            <a:fontRef idx="minor">
+              <a:schemeClr val="tx1"/>
+            </a:fontRef>
+          </p:style>
+        </p:cxnSp>
+        <p:sp>
+          <p:nvSpPr>
+            <p:cNvPr id="30" name="TextBox 29">
+              <a:extLst>
+                <a:ext uri="{FF2B5EF4-FFF2-40B4-BE49-F238E27FC236}">
+                  <a16:creationId xmlns:a16="http://schemas.microsoft.com/office/drawing/2014/main" id="{BC2BF97E-D781-4E87-BDB4-A89F7A66F029}"/>
+                </a:ext>
+              </a:extLst>
+            </p:cNvPr>
+            <p:cNvSpPr txBox="1"/>
+            <p:nvPr/>
+          </p:nvSpPr>
+          <p:spPr>
+            <a:xfrm>
+              <a:off x="741476" y="3328475"/>
+              <a:ext cx="1702263" cy="276999"/>
+            </a:xfrm>
+            <a:prstGeom prst="rect">
+              <a:avLst/>
+            </a:prstGeom>
+            <a:noFill/>
+          </p:spPr>
+          <p:txBody>
+            <a:bodyPr wrap="square" rtlCol="0">
+              <a:spAutoFit/>
+            </a:bodyPr>
+            <a:lstStyle/>
+            <a:p>
+              <a:r>
+                <a:rPr lang="en-US" altLang="zh-TW" sz="1200" dirty="0"/>
+                <a:t>Grayscale Image</a:t>
+              </a:r>
+            </a:p>
+          </p:txBody>
+        </p:sp>
+      </p:grpSp>
+      <p:grpSp>
+        <p:nvGrpSpPr>
+          <p:cNvPr id="19" name="Group 18">
+            <a:extLst>
+              <a:ext uri="{FF2B5EF4-FFF2-40B4-BE49-F238E27FC236}">
+                <a16:creationId xmlns:a16="http://schemas.microsoft.com/office/drawing/2014/main" id="{6ECC5D85-43B1-4B6A-9FCE-5AE408C23E89}"/>
+              </a:ext>
+            </a:extLst>
+          </p:cNvPr>
+          <p:cNvGrpSpPr/>
+          <p:nvPr/>
+        </p:nvGrpSpPr>
+        <p:grpSpPr>
+          <a:xfrm>
+            <a:off x="3452773" y="3935223"/>
+            <a:ext cx="1051658" cy="296446"/>
+            <a:chOff x="2676772" y="3295474"/>
+            <a:chExt cx="1051658" cy="296446"/>
+          </a:xfrm>
+        </p:grpSpPr>
+        <p:cxnSp>
+          <p:nvCxnSpPr>
+            <p:cNvPr id="24" name="Straight Arrow Connector 23">
+              <a:extLst>
+                <a:ext uri="{FF2B5EF4-FFF2-40B4-BE49-F238E27FC236}">
+                  <a16:creationId xmlns:a16="http://schemas.microsoft.com/office/drawing/2014/main" id="{0D27FA63-F8F3-482A-B653-642080FE423B}"/>
+                </a:ext>
+              </a:extLst>
+            </p:cNvPr>
+            <p:cNvCxnSpPr>
+              <a:cxnSpLocks/>
+            </p:cNvCxnSpPr>
+            <p:nvPr/>
+          </p:nvCxnSpPr>
+          <p:spPr>
+            <a:xfrm>
+              <a:off x="2777997" y="3295474"/>
+              <a:ext cx="758703" cy="0"/>
+            </a:xfrm>
+            <a:prstGeom prst="straightConnector1">
+              <a:avLst/>
+            </a:prstGeom>
+            <a:ln w="38100">
+              <a:solidFill>
+                <a:srgbClr val="0070C0"/>
+              </a:solidFill>
+              <a:tailEnd type="triangle"/>
+            </a:ln>
+          </p:spPr>
+          <p:style>
+            <a:lnRef idx="1">
+              <a:schemeClr val="accent1"/>
+            </a:lnRef>
+            <a:fillRef idx="0">
+              <a:schemeClr val="accent1"/>
+            </a:fillRef>
+            <a:effectRef idx="0">
+              <a:schemeClr val="accent1"/>
+            </a:effectRef>
+            <a:fontRef idx="minor">
+              <a:schemeClr val="tx1"/>
+            </a:fontRef>
+          </p:style>
+        </p:cxnSp>
+        <p:sp>
+          <p:nvSpPr>
+            <p:cNvPr id="31" name="TextBox 30">
+              <a:extLst>
+                <a:ext uri="{FF2B5EF4-FFF2-40B4-BE49-F238E27FC236}">
+                  <a16:creationId xmlns:a16="http://schemas.microsoft.com/office/drawing/2014/main" id="{3592105E-F229-4296-A194-5FEB917B022A}"/>
+                </a:ext>
+              </a:extLst>
+            </p:cNvPr>
+            <p:cNvSpPr txBox="1"/>
+            <p:nvPr/>
+          </p:nvSpPr>
+          <p:spPr>
+            <a:xfrm>
+              <a:off x="2676772" y="3314921"/>
+              <a:ext cx="1051658" cy="276999"/>
+            </a:xfrm>
+            <a:prstGeom prst="rect">
+              <a:avLst/>
+            </a:prstGeom>
+            <a:noFill/>
+          </p:spPr>
+          <p:txBody>
+            <a:bodyPr wrap="square" rtlCol="0">
+              <a:spAutoFit/>
+            </a:bodyPr>
+            <a:lstStyle/>
+            <a:p>
+              <a:r>
+                <a:rPr lang="en-US" altLang="zh-TW" sz="1200" dirty="0"/>
+                <a:t>Sobel Image</a:t>
+              </a:r>
+              <a:endParaRPr lang="zh-TW" altLang="en-US" sz="1200" dirty="0"/>
+            </a:p>
+          </p:txBody>
+        </p:sp>
+      </p:grpSp>
+      <p:grpSp>
+        <p:nvGrpSpPr>
+          <p:cNvPr id="13" name="Group 12">
+            <a:extLst>
+              <a:ext uri="{FF2B5EF4-FFF2-40B4-BE49-F238E27FC236}">
+                <a16:creationId xmlns:a16="http://schemas.microsoft.com/office/drawing/2014/main" id="{99DD6E50-714A-45F3-A2EE-DC355D652F4D}"/>
+              </a:ext>
+            </a:extLst>
+          </p:cNvPr>
+          <p:cNvGrpSpPr/>
+          <p:nvPr/>
+        </p:nvGrpSpPr>
+        <p:grpSpPr>
+          <a:xfrm>
+            <a:off x="6846442" y="3935223"/>
+            <a:ext cx="798737" cy="502485"/>
+            <a:chOff x="5921053" y="3295474"/>
+            <a:chExt cx="798737" cy="502485"/>
+          </a:xfrm>
+        </p:grpSpPr>
+        <p:cxnSp>
+          <p:nvCxnSpPr>
+            <p:cNvPr id="33" name="Straight Arrow Connector 32">
+              <a:extLst>
+                <a:ext uri="{FF2B5EF4-FFF2-40B4-BE49-F238E27FC236}">
+                  <a16:creationId xmlns:a16="http://schemas.microsoft.com/office/drawing/2014/main" id="{7EDA9F99-B45B-41D7-9A7A-2A76AD46BBC6}"/>
+                </a:ext>
+              </a:extLst>
+            </p:cNvPr>
+            <p:cNvCxnSpPr>
+              <a:cxnSpLocks/>
+            </p:cNvCxnSpPr>
+            <p:nvPr/>
+          </p:nvCxnSpPr>
+          <p:spPr>
+            <a:xfrm>
+              <a:off x="5965664" y="3295474"/>
+              <a:ext cx="606594" cy="0"/>
+            </a:xfrm>
+            <a:prstGeom prst="straightConnector1">
+              <a:avLst/>
+            </a:prstGeom>
+            <a:ln w="38100">
+              <a:solidFill>
+                <a:srgbClr val="0070C0"/>
+              </a:solidFill>
+              <a:tailEnd type="triangle"/>
+            </a:ln>
+          </p:spPr>
+          <p:style>
+            <a:lnRef idx="1">
+              <a:schemeClr val="accent1"/>
+            </a:lnRef>
+            <a:fillRef idx="0">
+              <a:schemeClr val="accent1"/>
+            </a:fillRef>
+            <a:effectRef idx="0">
+              <a:schemeClr val="accent1"/>
+            </a:effectRef>
+            <a:fontRef idx="minor">
+              <a:schemeClr val="tx1"/>
+            </a:fontRef>
+          </p:style>
+        </p:cxnSp>
+        <p:sp>
+          <p:nvSpPr>
+            <p:cNvPr id="35" name="TextBox 34">
+              <a:extLst>
+                <a:ext uri="{FF2B5EF4-FFF2-40B4-BE49-F238E27FC236}">
+                  <a16:creationId xmlns:a16="http://schemas.microsoft.com/office/drawing/2014/main" id="{8151ED0C-8E49-4CFA-9531-A2A841F4A31A}"/>
+                </a:ext>
+              </a:extLst>
+            </p:cNvPr>
+            <p:cNvSpPr txBox="1"/>
+            <p:nvPr/>
+          </p:nvSpPr>
+          <p:spPr>
+            <a:xfrm>
+              <a:off x="5921053" y="3336294"/>
+              <a:ext cx="798737" cy="461665"/>
+            </a:xfrm>
+            <a:prstGeom prst="rect">
+              <a:avLst/>
+            </a:prstGeom>
+            <a:noFill/>
+          </p:spPr>
+          <p:txBody>
+            <a:bodyPr wrap="square" rtlCol="0">
+              <a:spAutoFit/>
+            </a:bodyPr>
+            <a:lstStyle/>
+            <a:p>
+              <a:r>
+                <a:rPr lang="en-US" altLang="zh-TW" sz="1200" dirty="0"/>
+                <a:t>LBP Array [N,N]</a:t>
+              </a:r>
+              <a:endParaRPr lang="zh-TW" altLang="en-US" sz="1200" dirty="0"/>
+            </a:p>
+          </p:txBody>
+        </p:sp>
+      </p:grpSp>
+      <p:pic>
+        <p:nvPicPr>
+          <p:cNvPr id="46" name="Picture 45">
+            <a:extLst>
+              <a:ext uri="{FF2B5EF4-FFF2-40B4-BE49-F238E27FC236}">
+                <a16:creationId xmlns:a16="http://schemas.microsoft.com/office/drawing/2014/main" id="{94A002C0-6EAA-45DE-9C35-041FBC06229A}"/>
+              </a:ext>
+            </a:extLst>
+          </p:cNvPr>
+          <p:cNvPicPr>
+            <a:picLocks noChangeAspect="1"/>
+          </p:cNvPicPr>
+          <p:nvPr/>
+        </p:nvPicPr>
+        <p:blipFill>
+          <a:blip r:embed="rId3"/>
+          <a:stretch>
+            <a:fillRect/>
+          </a:stretch>
+        </p:blipFill>
+        <p:spPr>
+          <a:xfrm>
+            <a:off x="3633597" y="3090455"/>
+            <a:ext cx="756255" cy="514187"/>
+          </a:xfrm>
+          <a:prstGeom prst="rect">
+            <a:avLst/>
+          </a:prstGeom>
+        </p:spPr>
+      </p:pic>
+      <p:sp>
+        <p:nvSpPr>
+          <p:cNvPr id="47" name="TextBox 46">
+            <a:extLst>
+              <a:ext uri="{FF2B5EF4-FFF2-40B4-BE49-F238E27FC236}">
+                <a16:creationId xmlns:a16="http://schemas.microsoft.com/office/drawing/2014/main" id="{55593095-55CC-47C3-9B76-11A8FB97F450}"/>
+              </a:ext>
+            </a:extLst>
+          </p:cNvPr>
+          <p:cNvSpPr txBox="1"/>
+          <p:nvPr/>
+        </p:nvSpPr>
+        <p:spPr>
+          <a:xfrm>
+            <a:off x="3485029" y="2828236"/>
+            <a:ext cx="827672" cy="276999"/>
+          </a:xfrm>
+          <a:prstGeom prst="rect">
+            <a:avLst/>
+          </a:prstGeom>
+          <a:noFill/>
+        </p:spPr>
+        <p:txBody>
+          <a:bodyPr wrap="square" rtlCol="0">
+            <a:spAutoFit/>
+          </a:bodyPr>
+          <a:lstStyle/>
+          <a:p>
+            <a:r>
+              <a:rPr lang="en-US" altLang="zh-TW" sz="1200" dirty="0"/>
+              <a:t>BFS Stride</a:t>
+            </a:r>
+            <a:endParaRPr lang="zh-TW" altLang="en-US" sz="1200" dirty="0"/>
+          </a:p>
+        </p:txBody>
+      </p:sp>
+      <p:pic>
+        <p:nvPicPr>
+          <p:cNvPr id="48" name="Picture 47">
+            <a:extLst>
+              <a:ext uri="{FF2B5EF4-FFF2-40B4-BE49-F238E27FC236}">
+                <a16:creationId xmlns:a16="http://schemas.microsoft.com/office/drawing/2014/main" id="{0F228E88-B8D6-414A-9401-82A445806DAE}"/>
+              </a:ext>
+            </a:extLst>
+          </p:cNvPr>
+          <p:cNvPicPr>
+            <a:picLocks noChangeAspect="1"/>
+          </p:cNvPicPr>
+          <p:nvPr/>
+        </p:nvPicPr>
+        <p:blipFill>
+          <a:blip r:embed="rId4"/>
+          <a:stretch>
+            <a:fillRect/>
+          </a:stretch>
+        </p:blipFill>
+        <p:spPr>
+          <a:xfrm>
+            <a:off x="3801568" y="3229867"/>
+            <a:ext cx="530397" cy="524301"/>
+          </a:xfrm>
+          <a:prstGeom prst="rect">
+            <a:avLst/>
+          </a:prstGeom>
+        </p:spPr>
+      </p:pic>
+      <p:sp>
+        <p:nvSpPr>
+          <p:cNvPr id="49" name="TextBox 48">
+            <a:extLst>
+              <a:ext uri="{FF2B5EF4-FFF2-40B4-BE49-F238E27FC236}">
+                <a16:creationId xmlns:a16="http://schemas.microsoft.com/office/drawing/2014/main" id="{0E07E764-0263-41E8-B994-0B36A4B2E131}"/>
+              </a:ext>
+            </a:extLst>
+          </p:cNvPr>
+          <p:cNvSpPr txBox="1"/>
+          <p:nvPr/>
+        </p:nvSpPr>
+        <p:spPr>
+          <a:xfrm>
+            <a:off x="3801568" y="3088496"/>
+            <a:ext cx="1337736" cy="276999"/>
+          </a:xfrm>
+          <a:prstGeom prst="rect">
+            <a:avLst/>
+          </a:prstGeom>
+          <a:noFill/>
+        </p:spPr>
+        <p:txBody>
+          <a:bodyPr wrap="square" rtlCol="0">
+            <a:spAutoFit/>
+          </a:bodyPr>
+          <a:lstStyle/>
+          <a:p>
+            <a:r>
+              <a:rPr lang="en-US" altLang="zh-TW" sz="1200" dirty="0"/>
+              <a:t>Kernel</a:t>
+            </a:r>
+            <a:r>
+              <a:rPr lang="zh-TW" altLang="en-US" sz="1200" dirty="0"/>
+              <a:t> </a:t>
+            </a:r>
+            <a:r>
+              <a:rPr lang="en-US" altLang="zh-TW" sz="1200" dirty="0"/>
+              <a:t>Size N</a:t>
+            </a:r>
+            <a:endParaRPr lang="zh-TW" altLang="en-US" sz="1200" dirty="0"/>
+          </a:p>
+        </p:txBody>
+      </p:sp>
+      <p:cxnSp>
+        <p:nvCxnSpPr>
+          <p:cNvPr id="50" name="Connector: Elbow 49">
+            <a:extLst>
+              <a:ext uri="{FF2B5EF4-FFF2-40B4-BE49-F238E27FC236}">
+                <a16:creationId xmlns:a16="http://schemas.microsoft.com/office/drawing/2014/main" id="{DB5E1072-8D26-4F98-A71F-2577C6CAB862}"/>
+              </a:ext>
+            </a:extLst>
+          </p:cNvPr>
+          <p:cNvCxnSpPr>
+            <a:cxnSpLocks/>
+            <a:endCxn id="8" idx="1"/>
+          </p:cNvCxnSpPr>
+          <p:nvPr/>
+        </p:nvCxnSpPr>
+        <p:spPr>
+          <a:xfrm rot="10800000" flipV="1">
+            <a:off x="1145065" y="4388613"/>
+            <a:ext cx="10615248" cy="558820"/>
+          </a:xfrm>
+          <a:prstGeom prst="bentConnector3">
+            <a:avLst>
+              <a:gd name="adj1" fmla="val 102154"/>
+            </a:avLst>
+          </a:prstGeom>
+          <a:ln w="38100">
+            <a:solidFill>
+              <a:srgbClr val="0070C0"/>
+            </a:solidFill>
+            <a:tailEnd type="triangle"/>
+          </a:ln>
+        </p:spPr>
+        <p:style>
+          <a:lnRef idx="1">
+            <a:schemeClr val="accent1"/>
+          </a:lnRef>
+          <a:fillRef idx="0">
+            <a:schemeClr val="accent1"/>
+          </a:fillRef>
+          <a:effectRef idx="0">
+            <a:schemeClr val="accent1"/>
+          </a:effectRef>
+          <a:fontRef idx="minor">
+            <a:schemeClr val="tx1"/>
+          </a:fontRef>
+        </p:style>
+      </p:cxnSp>
+      <p:grpSp>
+        <p:nvGrpSpPr>
+          <p:cNvPr id="10" name="Group 9">
+            <a:extLst>
+              <a:ext uri="{FF2B5EF4-FFF2-40B4-BE49-F238E27FC236}">
+                <a16:creationId xmlns:a16="http://schemas.microsoft.com/office/drawing/2014/main" id="{85B3056F-2B91-4BBF-8580-88507261EE32}"/>
+              </a:ext>
+            </a:extLst>
+          </p:cNvPr>
+          <p:cNvGrpSpPr/>
+          <p:nvPr/>
+        </p:nvGrpSpPr>
+        <p:grpSpPr>
+          <a:xfrm>
+            <a:off x="5260908" y="3941482"/>
+            <a:ext cx="956469" cy="311560"/>
+            <a:chOff x="6696666" y="3880469"/>
+            <a:chExt cx="1337736" cy="311560"/>
+          </a:xfrm>
+        </p:grpSpPr>
+        <p:cxnSp>
+          <p:nvCxnSpPr>
+            <p:cNvPr id="57" name="Straight Arrow Connector 56">
+              <a:extLst>
+                <a:ext uri="{FF2B5EF4-FFF2-40B4-BE49-F238E27FC236}">
+                  <a16:creationId xmlns:a16="http://schemas.microsoft.com/office/drawing/2014/main" id="{1EEEC336-CEE7-4BF8-9956-06C42C61CC91}"/>
+                </a:ext>
+              </a:extLst>
+            </p:cNvPr>
+            <p:cNvCxnSpPr>
+              <a:cxnSpLocks/>
+            </p:cNvCxnSpPr>
+            <p:nvPr/>
+          </p:nvCxnSpPr>
+          <p:spPr>
+            <a:xfrm>
+              <a:off x="6764968" y="3880469"/>
+              <a:ext cx="767559" cy="0"/>
+            </a:xfrm>
+            <a:prstGeom prst="straightConnector1">
+              <a:avLst/>
+            </a:prstGeom>
+            <a:ln w="38100">
+              <a:solidFill>
+                <a:srgbClr val="0070C0"/>
+              </a:solidFill>
+              <a:tailEnd type="triangle"/>
+            </a:ln>
+          </p:spPr>
+          <p:style>
+            <a:lnRef idx="1">
+              <a:schemeClr val="accent1"/>
+            </a:lnRef>
+            <a:fillRef idx="0">
+              <a:schemeClr val="accent1"/>
+            </a:fillRef>
+            <a:effectRef idx="0">
+              <a:schemeClr val="accent1"/>
+            </a:effectRef>
+            <a:fontRef idx="minor">
+              <a:schemeClr val="tx1"/>
+            </a:fontRef>
+          </p:style>
+        </p:cxnSp>
+        <p:sp>
+          <p:nvSpPr>
+            <p:cNvPr id="60" name="TextBox 59">
+              <a:extLst>
+                <a:ext uri="{FF2B5EF4-FFF2-40B4-BE49-F238E27FC236}">
+                  <a16:creationId xmlns:a16="http://schemas.microsoft.com/office/drawing/2014/main" id="{BDC88130-8D06-4CBA-A3E3-F31F66EE5ACF}"/>
+                </a:ext>
+              </a:extLst>
+            </p:cNvPr>
+            <p:cNvSpPr txBox="1"/>
+            <p:nvPr/>
+          </p:nvSpPr>
+          <p:spPr>
+            <a:xfrm>
+              <a:off x="6696666" y="3915030"/>
+              <a:ext cx="1337736" cy="276999"/>
+            </a:xfrm>
+            <a:prstGeom prst="rect">
+              <a:avLst/>
+            </a:prstGeom>
+            <a:noFill/>
+          </p:spPr>
+          <p:txBody>
+            <a:bodyPr wrap="square" rtlCol="0">
+              <a:spAutoFit/>
+            </a:bodyPr>
+            <a:lstStyle/>
+            <a:p>
+              <a:r>
+                <a:rPr lang="en-US" altLang="zh-TW" sz="1200" dirty="0"/>
+                <a:t>N x N matrices</a:t>
+              </a:r>
+              <a:endParaRPr lang="zh-TW" altLang="en-US" sz="1200" dirty="0"/>
+            </a:p>
+          </p:txBody>
+        </p:sp>
+      </p:grpSp>
+      <p:grpSp>
+        <p:nvGrpSpPr>
+          <p:cNvPr id="36" name="Group 35">
+            <a:extLst>
+              <a:ext uri="{FF2B5EF4-FFF2-40B4-BE49-F238E27FC236}">
+                <a16:creationId xmlns:a16="http://schemas.microsoft.com/office/drawing/2014/main" id="{2CBCD9E4-A721-4F63-9355-40E114ECB8C0}"/>
+              </a:ext>
+            </a:extLst>
+          </p:cNvPr>
+          <p:cNvGrpSpPr/>
+          <p:nvPr/>
+        </p:nvGrpSpPr>
+        <p:grpSpPr>
+          <a:xfrm>
+            <a:off x="11394088" y="3868894"/>
+            <a:ext cx="330552" cy="519718"/>
+            <a:chOff x="11394088" y="2274609"/>
+            <a:chExt cx="330552" cy="519718"/>
+          </a:xfrm>
+        </p:grpSpPr>
+        <p:cxnSp>
+          <p:nvCxnSpPr>
+            <p:cNvPr id="71" name="Straight Connector 70">
+              <a:extLst>
+                <a:ext uri="{FF2B5EF4-FFF2-40B4-BE49-F238E27FC236}">
+                  <a16:creationId xmlns:a16="http://schemas.microsoft.com/office/drawing/2014/main" id="{E6169CE9-8FAE-46AC-80BC-814ADB733D3C}"/>
+                </a:ext>
+              </a:extLst>
+            </p:cNvPr>
+            <p:cNvCxnSpPr>
+              <a:cxnSpLocks/>
+            </p:cNvCxnSpPr>
+            <p:nvPr/>
+          </p:nvCxnSpPr>
+          <p:spPr>
+            <a:xfrm>
+              <a:off x="11394088" y="2291208"/>
+              <a:ext cx="330552" cy="0"/>
+            </a:xfrm>
+            <a:prstGeom prst="line">
+              <a:avLst/>
+            </a:prstGeom>
+            <a:ln w="38100">
+              <a:solidFill>
+                <a:srgbClr val="0070C0"/>
+              </a:solidFill>
+            </a:ln>
+          </p:spPr>
+          <p:style>
+            <a:lnRef idx="1">
+              <a:schemeClr val="accent1"/>
+            </a:lnRef>
+            <a:fillRef idx="0">
+              <a:schemeClr val="accent1"/>
+            </a:fillRef>
+            <a:effectRef idx="0">
+              <a:schemeClr val="accent1"/>
+            </a:effectRef>
+            <a:fontRef idx="minor">
+              <a:schemeClr val="tx1"/>
+            </a:fontRef>
+          </p:style>
+        </p:cxnSp>
+        <p:cxnSp>
+          <p:nvCxnSpPr>
+            <p:cNvPr id="73" name="Straight Connector 72">
+              <a:extLst>
+                <a:ext uri="{FF2B5EF4-FFF2-40B4-BE49-F238E27FC236}">
+                  <a16:creationId xmlns:a16="http://schemas.microsoft.com/office/drawing/2014/main" id="{7129F807-58F5-41E5-9DE5-01A62828B21B}"/>
+                </a:ext>
+              </a:extLst>
+            </p:cNvPr>
+            <p:cNvCxnSpPr>
+              <a:cxnSpLocks/>
+            </p:cNvCxnSpPr>
+            <p:nvPr/>
+          </p:nvCxnSpPr>
+          <p:spPr>
+            <a:xfrm flipV="1">
+              <a:off x="11724640" y="2274609"/>
+              <a:ext cx="0" cy="519718"/>
+            </a:xfrm>
+            <a:prstGeom prst="line">
+              <a:avLst/>
+            </a:prstGeom>
+            <a:ln w="38100">
+              <a:solidFill>
+                <a:srgbClr val="0070C0"/>
+              </a:solidFill>
+            </a:ln>
+          </p:spPr>
+          <p:style>
+            <a:lnRef idx="1">
+              <a:schemeClr val="accent1"/>
+            </a:lnRef>
+            <a:fillRef idx="0">
+              <a:schemeClr val="accent1"/>
+            </a:fillRef>
+            <a:effectRef idx="0">
+              <a:schemeClr val="accent1"/>
+            </a:effectRef>
+            <a:fontRef idx="minor">
+              <a:schemeClr val="tx1"/>
+            </a:fontRef>
+          </p:style>
+        </p:cxnSp>
+      </p:grpSp>
+      <p:cxnSp>
+        <p:nvCxnSpPr>
+          <p:cNvPr id="114" name="Straight Arrow Connector 113">
+            <a:extLst>
+              <a:ext uri="{FF2B5EF4-FFF2-40B4-BE49-F238E27FC236}">
+                <a16:creationId xmlns:a16="http://schemas.microsoft.com/office/drawing/2014/main" id="{4CFE2F39-209A-4FE6-930E-72C37DE1D220}"/>
+              </a:ext>
+            </a:extLst>
+          </p:cNvPr>
+          <p:cNvCxnSpPr>
+            <a:cxnSpLocks/>
+          </p:cNvCxnSpPr>
+          <p:nvPr/>
+        </p:nvCxnSpPr>
+        <p:spPr>
+          <a:xfrm>
+            <a:off x="5548356" y="5094283"/>
+            <a:ext cx="1035324" cy="0"/>
+          </a:xfrm>
+          <a:prstGeom prst="straightConnector1">
+            <a:avLst/>
+          </a:prstGeom>
+          <a:ln w="38100">
+            <a:solidFill>
+              <a:srgbClr val="0070C0"/>
+            </a:solidFill>
+            <a:tailEnd type="triangle"/>
+          </a:ln>
+        </p:spPr>
+        <p:style>
+          <a:lnRef idx="1">
+            <a:schemeClr val="accent1"/>
+          </a:lnRef>
+          <a:fillRef idx="0">
+            <a:schemeClr val="accent1"/>
+          </a:fillRef>
+          <a:effectRef idx="0">
+            <a:schemeClr val="accent1"/>
+          </a:effectRef>
+          <a:fontRef idx="minor">
+            <a:schemeClr val="tx1"/>
+          </a:fontRef>
+        </p:style>
+      </p:cxnSp>
+      <p:sp>
+        <p:nvSpPr>
+          <p:cNvPr id="117" name="TextBox 116">
+            <a:extLst>
+              <a:ext uri="{FF2B5EF4-FFF2-40B4-BE49-F238E27FC236}">
+                <a16:creationId xmlns:a16="http://schemas.microsoft.com/office/drawing/2014/main" id="{4C22E6D6-2107-424E-B845-FCB82496BFD2}"/>
+              </a:ext>
+            </a:extLst>
+          </p:cNvPr>
+          <p:cNvSpPr txBox="1"/>
+          <p:nvPr/>
+        </p:nvSpPr>
+        <p:spPr>
+          <a:xfrm>
+            <a:off x="5663271" y="4810500"/>
+            <a:ext cx="1051658" cy="276999"/>
+          </a:xfrm>
+          <a:prstGeom prst="rect">
+            <a:avLst/>
+          </a:prstGeom>
+          <a:noFill/>
+        </p:spPr>
+        <p:txBody>
+          <a:bodyPr wrap="square" rtlCol="0">
+            <a:spAutoFit/>
+          </a:bodyPr>
+          <a:lstStyle/>
+          <a:p>
+            <a:r>
+              <a:rPr lang="en-US" altLang="zh-TW" sz="1200" dirty="0"/>
+              <a:t>Result Image</a:t>
+            </a:r>
+            <a:endParaRPr lang="zh-TW" altLang="en-US" sz="1200" dirty="0"/>
+          </a:p>
+        </p:txBody>
+      </p:sp>
+      <p:sp>
+        <p:nvSpPr>
+          <p:cNvPr id="118" name="Title 1">
+            <a:extLst>
+              <a:ext uri="{FF2B5EF4-FFF2-40B4-BE49-F238E27FC236}">
+                <a16:creationId xmlns:a16="http://schemas.microsoft.com/office/drawing/2014/main" id="{09E024C2-5287-472F-9DB1-DB137478AA64}"/>
+              </a:ext>
+            </a:extLst>
+          </p:cNvPr>
+          <p:cNvSpPr>
+            <a:spLocks noGrp="1"/>
+          </p:cNvSpPr>
+          <p:nvPr>
+            <p:ph type="title"/>
+          </p:nvPr>
+        </p:nvSpPr>
+        <p:spPr>
+          <a:xfrm>
+            <a:off x="838200" y="7836"/>
+            <a:ext cx="10515600" cy="1325563"/>
+          </a:xfrm>
+        </p:spPr>
+        <p:txBody>
+          <a:bodyPr/>
+          <a:lstStyle/>
+          <a:p>
+            <a:r>
+              <a:rPr lang="en-US" altLang="zh-TW" dirty="0"/>
+              <a:t>Architecture Diagram</a:t>
+            </a:r>
+            <a:endParaRPr lang="zh-TW" altLang="en-US" dirty="0"/>
+          </a:p>
+        </p:txBody>
+      </p:sp>
+      <p:sp>
+        <p:nvSpPr>
+          <p:cNvPr id="119" name="Rectangle 118">
+            <a:extLst>
+              <a:ext uri="{FF2B5EF4-FFF2-40B4-BE49-F238E27FC236}">
+                <a16:creationId xmlns:a16="http://schemas.microsoft.com/office/drawing/2014/main" id="{B508BFA8-D5BC-4F31-AF35-01DF5F984D52}"/>
+              </a:ext>
+            </a:extLst>
+          </p:cNvPr>
+          <p:cNvSpPr/>
+          <p:nvPr/>
+        </p:nvSpPr>
+        <p:spPr>
+          <a:xfrm>
+            <a:off x="468619" y="1732513"/>
+            <a:ext cx="1329265" cy="785552"/>
+          </a:xfrm>
+          <a:prstGeom prst="rect">
+            <a:avLst/>
+          </a:prstGeom>
+          <a:solidFill>
+            <a:srgbClr val="92D050"/>
+          </a:solidFill>
         </p:spPr>
         <p:style>
           <a:lnRef idx="2">
@@ -5189,18 +6076,64 @@
           <a:p>
             <a:pPr algn="ctr"/>
             <a:r>
-              <a:rPr lang="en-US" altLang="zh-TW" dirty="0"/>
-              <a:t>Sort &amp; Get S Mode</a:t>
-            </a:r>
-          </a:p>
-        </p:txBody>
-      </p:sp>
-      <p:sp>
-        <p:nvSpPr>
-          <p:cNvPr id="8" name="Rectangle 7">
-            <a:extLst>
-              <a:ext uri="{FF2B5EF4-FFF2-40B4-BE49-F238E27FC236}">
-                <a16:creationId xmlns:a16="http://schemas.microsoft.com/office/drawing/2014/main" id="{ED3A9EA6-FB28-4D69-9E87-D5F4FC2355AD}"/>
+              <a:rPr lang="en-US" altLang="zh-TW"/>
+              <a:t>Param Setting</a:t>
+            </a:r>
+            <a:endParaRPr lang="en-US" altLang="zh-TW" dirty="0"/>
+          </a:p>
+        </p:txBody>
+      </p:sp>
+      <p:cxnSp>
+        <p:nvCxnSpPr>
+          <p:cNvPr id="135" name="Straight Arrow Connector 134">
+            <a:extLst>
+              <a:ext uri="{FF2B5EF4-FFF2-40B4-BE49-F238E27FC236}">
+                <a16:creationId xmlns:a16="http://schemas.microsoft.com/office/drawing/2014/main" id="{4B19AD8C-231C-4DA2-890E-F7C3AA4619B1}"/>
+              </a:ext>
+            </a:extLst>
+          </p:cNvPr>
+          <p:cNvCxnSpPr>
+            <a:cxnSpLocks/>
+            <a:stCxn id="119" idx="3"/>
+          </p:cNvCxnSpPr>
+          <p:nvPr/>
+        </p:nvCxnSpPr>
+        <p:spPr>
+          <a:xfrm>
+            <a:off x="1797884" y="2125289"/>
+            <a:ext cx="762144" cy="0"/>
+          </a:xfrm>
+          <a:prstGeom prst="straightConnector1">
+            <a:avLst/>
+          </a:prstGeom>
+          <a:ln w="57150">
+            <a:solidFill>
+              <a:srgbClr val="FF0000"/>
+            </a:solidFill>
+            <a:tailEnd type="triangle"/>
+          </a:ln>
+        </p:spPr>
+        <p:style>
+          <a:lnRef idx="1">
+            <a:schemeClr val="accent1"/>
+          </a:lnRef>
+          <a:fillRef idx="0">
+            <a:schemeClr val="accent1"/>
+          </a:fillRef>
+          <a:effectRef idx="0">
+            <a:schemeClr val="accent1"/>
+          </a:effectRef>
+          <a:fontRef idx="minor">
+            <a:schemeClr val="tx1"/>
+          </a:fontRef>
+        </p:style>
+      </p:cxnSp>
+      <p:sp>
+        <p:nvSpPr>
+          <p:cNvPr id="61" name="Rectangle 60">
+            <a:extLst>
+              <a:ext uri="{FF2B5EF4-FFF2-40B4-BE49-F238E27FC236}">
+                <a16:creationId xmlns:a16="http://schemas.microsoft.com/office/drawing/2014/main" id="{54811C73-E04E-4711-A48C-675EB3340805}"/>
               </a:ext>
             </a:extLst>
           </p:cNvPr>
@@ -5209,8 +6142,8 @@
         </p:nvSpPr>
         <p:spPr>
           <a:xfrm>
-            <a:off x="951075" y="5113410"/>
-            <a:ext cx="1329265" cy="896373"/>
+            <a:off x="4290431" y="3382775"/>
+            <a:ext cx="1008000" cy="648000"/>
           </a:xfrm>
           <a:prstGeom prst="rect">
             <a:avLst/>
@@ -5239,445 +6172,17 @@
             <a:pPr algn="ctr"/>
             <a:r>
               <a:rPr lang="en-US" altLang="zh-TW" dirty="0"/>
-              <a:t>1-norm Distance</a:t>
-            </a:r>
-          </a:p>
-        </p:txBody>
-      </p:sp>
-      <p:cxnSp>
-        <p:nvCxnSpPr>
-          <p:cNvPr id="11" name="Straight Arrow Connector 10">
-            <a:extLst>
-              <a:ext uri="{FF2B5EF4-FFF2-40B4-BE49-F238E27FC236}">
-                <a16:creationId xmlns:a16="http://schemas.microsoft.com/office/drawing/2014/main" id="{F1607EDC-9401-4CAC-BA2D-87C6790E9880}"/>
-              </a:ext>
-            </a:extLst>
-          </p:cNvPr>
-          <p:cNvCxnSpPr/>
-          <p:nvPr/>
-        </p:nvCxnSpPr>
-        <p:spPr>
-          <a:xfrm>
-            <a:off x="396794" y="3906303"/>
-            <a:ext cx="584201" cy="0"/>
-          </a:xfrm>
-          <a:prstGeom prst="straightConnector1">
-            <a:avLst/>
-          </a:prstGeom>
-          <a:ln w="38100">
-            <a:solidFill>
-              <a:srgbClr val="0070C0"/>
-            </a:solidFill>
-            <a:tailEnd type="triangle"/>
-          </a:ln>
-        </p:spPr>
-        <p:style>
-          <a:lnRef idx="1">
-            <a:schemeClr val="accent1"/>
-          </a:lnRef>
-          <a:fillRef idx="0">
-            <a:schemeClr val="accent1"/>
-          </a:fillRef>
-          <a:effectRef idx="0">
-            <a:schemeClr val="accent1"/>
-          </a:effectRef>
-          <a:fontRef idx="minor">
-            <a:schemeClr val="tx1"/>
-          </a:fontRef>
-        </p:style>
-      </p:cxnSp>
-      <p:pic>
-        <p:nvPicPr>
-          <p:cNvPr id="23" name="Picture 22">
-            <a:extLst>
-              <a:ext uri="{FF2B5EF4-FFF2-40B4-BE49-F238E27FC236}">
-                <a16:creationId xmlns:a16="http://schemas.microsoft.com/office/drawing/2014/main" id="{BA2B030E-9FDB-4819-9689-A080918F97CD}"/>
-              </a:ext>
-            </a:extLst>
-          </p:cNvPr>
-          <p:cNvPicPr>
-            <a:picLocks noChangeAspect="1"/>
-          </p:cNvPicPr>
-          <p:nvPr/>
-        </p:nvPicPr>
-        <p:blipFill>
-          <a:blip r:embed="rId2"/>
-          <a:stretch>
-            <a:fillRect/>
-          </a:stretch>
-        </p:blipFill>
-        <p:spPr>
-          <a:xfrm>
-            <a:off x="356578" y="3237984"/>
-            <a:ext cx="705827" cy="280440"/>
-          </a:xfrm>
-          <a:prstGeom prst="rect">
-            <a:avLst/>
-          </a:prstGeom>
-        </p:spPr>
-      </p:pic>
-      <p:cxnSp>
-        <p:nvCxnSpPr>
-          <p:cNvPr id="24" name="Straight Arrow Connector 23">
-            <a:extLst>
-              <a:ext uri="{FF2B5EF4-FFF2-40B4-BE49-F238E27FC236}">
-                <a16:creationId xmlns:a16="http://schemas.microsoft.com/office/drawing/2014/main" id="{0D27FA63-F8F3-482A-B653-642080FE423B}"/>
-              </a:ext>
-            </a:extLst>
-          </p:cNvPr>
-          <p:cNvCxnSpPr>
-            <a:cxnSpLocks/>
-          </p:cNvCxnSpPr>
-          <p:nvPr/>
-        </p:nvCxnSpPr>
-        <p:spPr>
-          <a:xfrm>
-            <a:off x="2310260" y="3906303"/>
-            <a:ext cx="829736" cy="0"/>
-          </a:xfrm>
-          <a:prstGeom prst="straightConnector1">
-            <a:avLst/>
-          </a:prstGeom>
-          <a:ln w="38100">
-            <a:solidFill>
-              <a:srgbClr val="0070C0"/>
-            </a:solidFill>
-            <a:tailEnd type="triangle"/>
-          </a:ln>
-        </p:spPr>
-        <p:style>
-          <a:lnRef idx="1">
-            <a:schemeClr val="accent1"/>
-          </a:lnRef>
-          <a:fillRef idx="0">
-            <a:schemeClr val="accent1"/>
-          </a:fillRef>
-          <a:effectRef idx="0">
-            <a:schemeClr val="accent1"/>
-          </a:effectRef>
-          <a:fontRef idx="minor">
-            <a:schemeClr val="tx1"/>
-          </a:fontRef>
-        </p:style>
-      </p:cxnSp>
-      <p:sp>
-        <p:nvSpPr>
-          <p:cNvPr id="28" name="TextBox 27">
-            <a:extLst>
-              <a:ext uri="{FF2B5EF4-FFF2-40B4-BE49-F238E27FC236}">
-                <a16:creationId xmlns:a16="http://schemas.microsoft.com/office/drawing/2014/main" id="{D85C1262-2B06-4484-B773-8E7F91DC6B26}"/>
-              </a:ext>
-            </a:extLst>
-          </p:cNvPr>
-          <p:cNvSpPr txBox="1"/>
-          <p:nvPr/>
-        </p:nvSpPr>
-        <p:spPr>
-          <a:xfrm>
-            <a:off x="0" y="2992044"/>
-            <a:ext cx="2269555" cy="276999"/>
-          </a:xfrm>
-          <a:prstGeom prst="rect">
-            <a:avLst/>
-          </a:prstGeom>
-          <a:noFill/>
-        </p:spPr>
-        <p:txBody>
-          <a:bodyPr wrap="square" rtlCol="0">
-            <a:spAutoFit/>
-          </a:bodyPr>
-          <a:lstStyle/>
-          <a:p>
-            <a:r>
-              <a:rPr lang="en-US" altLang="zh-TW" sz="1200" dirty="0"/>
-              <a:t>Sobel Kernel Size</a:t>
-            </a:r>
-            <a:endParaRPr lang="zh-TW" altLang="en-US" sz="1200" dirty="0"/>
-          </a:p>
-        </p:txBody>
-      </p:sp>
-      <p:sp>
-        <p:nvSpPr>
-          <p:cNvPr id="30" name="TextBox 29">
-            <a:extLst>
-              <a:ext uri="{FF2B5EF4-FFF2-40B4-BE49-F238E27FC236}">
-                <a16:creationId xmlns:a16="http://schemas.microsoft.com/office/drawing/2014/main" id="{BC2BF97E-D781-4E87-BDB4-A89F7A66F029}"/>
-              </a:ext>
-            </a:extLst>
-          </p:cNvPr>
-          <p:cNvSpPr txBox="1"/>
-          <p:nvPr/>
-        </p:nvSpPr>
-        <p:spPr>
-          <a:xfrm>
-            <a:off x="30609" y="3616920"/>
-            <a:ext cx="1051658" cy="276999"/>
-          </a:xfrm>
-          <a:prstGeom prst="rect">
-            <a:avLst/>
-          </a:prstGeom>
-          <a:noFill/>
-        </p:spPr>
-        <p:txBody>
-          <a:bodyPr wrap="square" rtlCol="0">
-            <a:spAutoFit/>
-          </a:bodyPr>
-          <a:lstStyle/>
-          <a:p>
-            <a:r>
-              <a:rPr lang="en-US" altLang="zh-TW" sz="1200" dirty="0"/>
-              <a:t>Input Image</a:t>
-            </a:r>
-            <a:endParaRPr lang="zh-TW" altLang="en-US" sz="1200" dirty="0"/>
-          </a:p>
-        </p:txBody>
-      </p:sp>
-      <p:sp>
-        <p:nvSpPr>
-          <p:cNvPr id="31" name="TextBox 30">
-            <a:extLst>
-              <a:ext uri="{FF2B5EF4-FFF2-40B4-BE49-F238E27FC236}">
-                <a16:creationId xmlns:a16="http://schemas.microsoft.com/office/drawing/2014/main" id="{3592105E-F229-4296-A194-5FEB917B022A}"/>
-              </a:ext>
-            </a:extLst>
-          </p:cNvPr>
-          <p:cNvSpPr txBox="1"/>
-          <p:nvPr/>
-        </p:nvSpPr>
-        <p:spPr>
-          <a:xfrm>
-            <a:off x="2268255" y="3622490"/>
-            <a:ext cx="1051658" cy="276999"/>
-          </a:xfrm>
-          <a:prstGeom prst="rect">
-            <a:avLst/>
-          </a:prstGeom>
-          <a:noFill/>
-        </p:spPr>
-        <p:txBody>
-          <a:bodyPr wrap="square" rtlCol="0">
-            <a:spAutoFit/>
-          </a:bodyPr>
-          <a:lstStyle/>
-          <a:p>
-            <a:r>
-              <a:rPr lang="en-US" altLang="zh-TW" sz="1200" dirty="0"/>
-              <a:t>Sobel Image</a:t>
-            </a:r>
-            <a:endParaRPr lang="zh-TW" altLang="en-US" sz="1200" dirty="0"/>
-          </a:p>
-        </p:txBody>
-      </p:sp>
-      <p:cxnSp>
-        <p:nvCxnSpPr>
-          <p:cNvPr id="33" name="Straight Arrow Connector 32">
-            <a:extLst>
-              <a:ext uri="{FF2B5EF4-FFF2-40B4-BE49-F238E27FC236}">
-                <a16:creationId xmlns:a16="http://schemas.microsoft.com/office/drawing/2014/main" id="{7EDA9F99-B45B-41D7-9A7A-2A76AD46BBC6}"/>
-              </a:ext>
-            </a:extLst>
-          </p:cNvPr>
-          <p:cNvCxnSpPr>
-            <a:cxnSpLocks/>
-          </p:cNvCxnSpPr>
-          <p:nvPr/>
-        </p:nvCxnSpPr>
-        <p:spPr>
-          <a:xfrm>
-            <a:off x="4469261" y="3893919"/>
-            <a:ext cx="984636" cy="0"/>
-          </a:xfrm>
-          <a:prstGeom prst="straightConnector1">
-            <a:avLst/>
-          </a:prstGeom>
-          <a:ln w="38100">
-            <a:solidFill>
-              <a:srgbClr val="0070C0"/>
-            </a:solidFill>
-            <a:tailEnd type="triangle"/>
-          </a:ln>
-        </p:spPr>
-        <p:style>
-          <a:lnRef idx="1">
-            <a:schemeClr val="accent1"/>
-          </a:lnRef>
-          <a:fillRef idx="0">
-            <a:schemeClr val="accent1"/>
-          </a:fillRef>
-          <a:effectRef idx="0">
-            <a:schemeClr val="accent1"/>
-          </a:effectRef>
-          <a:fontRef idx="minor">
-            <a:schemeClr val="tx1"/>
-          </a:fontRef>
-        </p:style>
-      </p:cxnSp>
-      <p:sp>
-        <p:nvSpPr>
-          <p:cNvPr id="35" name="TextBox 34">
-            <a:extLst>
-              <a:ext uri="{FF2B5EF4-FFF2-40B4-BE49-F238E27FC236}">
-                <a16:creationId xmlns:a16="http://schemas.microsoft.com/office/drawing/2014/main" id="{8151ED0C-8E49-4CFA-9531-A2A841F4A31A}"/>
-              </a:ext>
-            </a:extLst>
-          </p:cNvPr>
-          <p:cNvSpPr txBox="1"/>
-          <p:nvPr/>
-        </p:nvSpPr>
-        <p:spPr>
-          <a:xfrm>
-            <a:off x="4435149" y="3616919"/>
-            <a:ext cx="1051658" cy="646331"/>
-          </a:xfrm>
-          <a:prstGeom prst="rect">
-            <a:avLst/>
-          </a:prstGeom>
-          <a:noFill/>
-        </p:spPr>
-        <p:txBody>
-          <a:bodyPr wrap="square" rtlCol="0">
-            <a:spAutoFit/>
-          </a:bodyPr>
-          <a:lstStyle/>
-          <a:p>
-            <a:r>
-              <a:rPr lang="en-US" altLang="zh-TW" sz="1200" dirty="0">
-                <a:highlight>
-                  <a:srgbClr val="FFFF00"/>
-                </a:highlight>
-              </a:rPr>
-              <a:t>Complete Image LBP Array</a:t>
-            </a:r>
-            <a:endParaRPr lang="zh-TW" altLang="en-US" sz="1200" dirty="0">
-              <a:highlight>
-                <a:srgbClr val="FFFF00"/>
-              </a:highlight>
-            </a:endParaRPr>
-          </a:p>
-        </p:txBody>
-      </p:sp>
-      <p:cxnSp>
-        <p:nvCxnSpPr>
-          <p:cNvPr id="37" name="Straight Arrow Connector 36">
-            <a:extLst>
-              <a:ext uri="{FF2B5EF4-FFF2-40B4-BE49-F238E27FC236}">
-                <a16:creationId xmlns:a16="http://schemas.microsoft.com/office/drawing/2014/main" id="{033C8EFA-17FD-4664-A97D-327B19B4BC1C}"/>
-              </a:ext>
-            </a:extLst>
-          </p:cNvPr>
-          <p:cNvCxnSpPr>
-            <a:cxnSpLocks/>
-          </p:cNvCxnSpPr>
-          <p:nvPr/>
-        </p:nvCxnSpPr>
-        <p:spPr>
-          <a:xfrm>
-            <a:off x="9008098" y="3880155"/>
-            <a:ext cx="1041998" cy="0"/>
-          </a:xfrm>
-          <a:prstGeom prst="straightConnector1">
-            <a:avLst/>
-          </a:prstGeom>
-          <a:ln w="38100">
-            <a:solidFill>
-              <a:srgbClr val="0070C0"/>
-            </a:solidFill>
-            <a:tailEnd type="triangle"/>
-          </a:ln>
-        </p:spPr>
-        <p:style>
-          <a:lnRef idx="1">
-            <a:schemeClr val="accent1"/>
-          </a:lnRef>
-          <a:fillRef idx="0">
-            <a:schemeClr val="accent1"/>
-          </a:fillRef>
-          <a:effectRef idx="0">
-            <a:schemeClr val="accent1"/>
-          </a:effectRef>
-          <a:fontRef idx="minor">
-            <a:schemeClr val="tx1"/>
-          </a:fontRef>
-        </p:style>
-      </p:cxnSp>
-      <p:sp>
-        <p:nvSpPr>
-          <p:cNvPr id="38" name="TextBox 37">
-            <a:extLst>
-              <a:ext uri="{FF2B5EF4-FFF2-40B4-BE49-F238E27FC236}">
-                <a16:creationId xmlns:a16="http://schemas.microsoft.com/office/drawing/2014/main" id="{87D6088B-2B58-4851-8C4D-0761F53C9D40}"/>
-              </a:ext>
-            </a:extLst>
-          </p:cNvPr>
-          <p:cNvSpPr txBox="1"/>
-          <p:nvPr/>
-        </p:nvSpPr>
-        <p:spPr>
-          <a:xfrm>
-            <a:off x="9003268" y="3230844"/>
-            <a:ext cx="1051658" cy="646331"/>
-          </a:xfrm>
-          <a:prstGeom prst="rect">
-            <a:avLst/>
-          </a:prstGeom>
-          <a:noFill/>
-        </p:spPr>
-        <p:txBody>
-          <a:bodyPr wrap="square" rtlCol="0">
-            <a:spAutoFit/>
-          </a:bodyPr>
-          <a:lstStyle/>
-          <a:p>
-            <a:r>
-              <a:rPr lang="en-US" altLang="zh-TW" sz="1200" dirty="0"/>
-              <a:t>LBP Histograms [256]</a:t>
-            </a:r>
-            <a:endParaRPr lang="zh-TW" altLang="en-US" sz="1200" dirty="0"/>
-          </a:p>
-        </p:txBody>
-      </p:sp>
-      <p:sp>
-        <p:nvSpPr>
-          <p:cNvPr id="41" name="TextBox 40">
-            <a:extLst>
-              <a:ext uri="{FF2B5EF4-FFF2-40B4-BE49-F238E27FC236}">
-                <a16:creationId xmlns:a16="http://schemas.microsoft.com/office/drawing/2014/main" id="{784E0028-B38D-4B69-8B88-020DE4E2D4AA}"/>
-              </a:ext>
-            </a:extLst>
-          </p:cNvPr>
-          <p:cNvSpPr txBox="1"/>
-          <p:nvPr/>
-        </p:nvSpPr>
-        <p:spPr>
-          <a:xfrm>
-            <a:off x="5548356" y="5768211"/>
-            <a:ext cx="1337736" cy="276999"/>
-          </a:xfrm>
-          <a:prstGeom prst="rect">
-            <a:avLst/>
-          </a:prstGeom>
-          <a:noFill/>
-        </p:spPr>
-        <p:txBody>
-          <a:bodyPr wrap="square" rtlCol="0">
-            <a:spAutoFit/>
-          </a:bodyPr>
-          <a:lstStyle/>
-          <a:p>
-            <a:r>
-              <a:rPr lang="en-US" altLang="zh-TW" sz="1200" dirty="0"/>
-              <a:t>Kernel Location</a:t>
-            </a:r>
-            <a:endParaRPr lang="zh-TW" altLang="en-US" sz="1200" dirty="0"/>
-          </a:p>
-        </p:txBody>
-      </p:sp>
-      <p:sp>
-        <p:nvSpPr>
-          <p:cNvPr id="45" name="Rectangle 44">
-            <a:extLst>
-              <a:ext uri="{FF2B5EF4-FFF2-40B4-BE49-F238E27FC236}">
-                <a16:creationId xmlns:a16="http://schemas.microsoft.com/office/drawing/2014/main" id="{72D49ADD-F224-4852-BF94-D8D4C6D90463}"/>
+              <a:t>BFS</a:t>
+            </a:r>
+          </a:p>
+        </p:txBody>
+      </p:sp>
+      <p:sp>
+        <p:nvSpPr>
+          <p:cNvPr id="63" name="Rectangle 62">
+            <a:extLst>
+              <a:ext uri="{FF2B5EF4-FFF2-40B4-BE49-F238E27FC236}">
+                <a16:creationId xmlns:a16="http://schemas.microsoft.com/office/drawing/2014/main" id="{5D5C7866-46A2-40E5-A5B0-7E7CEBE3CFD8}"/>
               </a:ext>
             </a:extLst>
           </p:cNvPr>
@@ -5686,8 +6191,8 @@
         </p:nvSpPr>
         <p:spPr>
           <a:xfrm>
-            <a:off x="5435703" y="3198707"/>
-            <a:ext cx="1329265" cy="896378"/>
+            <a:off x="7486052" y="3365495"/>
+            <a:ext cx="1008000" cy="648000"/>
           </a:xfrm>
           <a:prstGeom prst="rect">
             <a:avLst/>
@@ -5715,572 +6220,18 @@
           <a:p>
             <a:pPr algn="ctr"/>
             <a:r>
-              <a:rPr lang="en-US" altLang="zh-TW" dirty="0"/>
-              <a:t>BFS</a:t>
-            </a:r>
-          </a:p>
-        </p:txBody>
-      </p:sp>
-      <p:pic>
-        <p:nvPicPr>
-          <p:cNvPr id="46" name="Picture 45">
-            <a:extLst>
-              <a:ext uri="{FF2B5EF4-FFF2-40B4-BE49-F238E27FC236}">
-                <a16:creationId xmlns:a16="http://schemas.microsoft.com/office/drawing/2014/main" id="{94A002C0-6EAA-45DE-9C35-041FBC06229A}"/>
-              </a:ext>
-            </a:extLst>
-          </p:cNvPr>
-          <p:cNvPicPr>
-            <a:picLocks noChangeAspect="1"/>
-          </p:cNvPicPr>
-          <p:nvPr/>
-        </p:nvPicPr>
-        <p:blipFill>
-          <a:blip r:embed="rId3"/>
-          <a:stretch>
-            <a:fillRect/>
-          </a:stretch>
-        </p:blipFill>
-        <p:spPr>
-          <a:xfrm>
-            <a:off x="4767006" y="3014541"/>
-            <a:ext cx="756255" cy="514187"/>
-          </a:xfrm>
-          <a:prstGeom prst="rect">
-            <a:avLst/>
-          </a:prstGeom>
-        </p:spPr>
-      </p:pic>
-      <p:sp>
-        <p:nvSpPr>
-          <p:cNvPr id="47" name="TextBox 46">
-            <a:extLst>
-              <a:ext uri="{FF2B5EF4-FFF2-40B4-BE49-F238E27FC236}">
-                <a16:creationId xmlns:a16="http://schemas.microsoft.com/office/drawing/2014/main" id="{55593095-55CC-47C3-9B76-11A8FB97F450}"/>
-              </a:ext>
-            </a:extLst>
-          </p:cNvPr>
-          <p:cNvSpPr txBox="1"/>
-          <p:nvPr/>
-        </p:nvSpPr>
-        <p:spPr>
-          <a:xfrm>
-            <a:off x="4618438" y="2752322"/>
-            <a:ext cx="827672" cy="276999"/>
-          </a:xfrm>
-          <a:prstGeom prst="rect">
-            <a:avLst/>
-          </a:prstGeom>
-          <a:noFill/>
-        </p:spPr>
-        <p:txBody>
-          <a:bodyPr wrap="square" rtlCol="0">
-            <a:spAutoFit/>
-          </a:bodyPr>
-          <a:lstStyle/>
-          <a:p>
-            <a:r>
-              <a:rPr lang="en-US" altLang="zh-TW" sz="1200" dirty="0"/>
-              <a:t>BFS Stride</a:t>
-            </a:r>
-            <a:endParaRPr lang="zh-TW" altLang="en-US" sz="1200" dirty="0"/>
-          </a:p>
-        </p:txBody>
-      </p:sp>
-      <p:pic>
-        <p:nvPicPr>
-          <p:cNvPr id="48" name="Picture 47">
-            <a:extLst>
-              <a:ext uri="{FF2B5EF4-FFF2-40B4-BE49-F238E27FC236}">
-                <a16:creationId xmlns:a16="http://schemas.microsoft.com/office/drawing/2014/main" id="{0F228E88-B8D6-414A-9401-82A445806DAE}"/>
-              </a:ext>
-            </a:extLst>
-          </p:cNvPr>
-          <p:cNvPicPr>
-            <a:picLocks noChangeAspect="1"/>
-          </p:cNvPicPr>
-          <p:nvPr/>
-        </p:nvPicPr>
-        <p:blipFill>
-          <a:blip r:embed="rId4"/>
-          <a:stretch>
-            <a:fillRect/>
-          </a:stretch>
-        </p:blipFill>
-        <p:spPr>
-          <a:xfrm>
-            <a:off x="4934977" y="3153953"/>
-            <a:ext cx="530397" cy="524301"/>
-          </a:xfrm>
-          <a:prstGeom prst="rect">
-            <a:avLst/>
-          </a:prstGeom>
-        </p:spPr>
-      </p:pic>
-      <p:sp>
-        <p:nvSpPr>
-          <p:cNvPr id="49" name="TextBox 48">
-            <a:extLst>
-              <a:ext uri="{FF2B5EF4-FFF2-40B4-BE49-F238E27FC236}">
-                <a16:creationId xmlns:a16="http://schemas.microsoft.com/office/drawing/2014/main" id="{0E07E764-0263-41E8-B994-0B36A4B2E131}"/>
-              </a:ext>
-            </a:extLst>
-          </p:cNvPr>
-          <p:cNvSpPr txBox="1"/>
-          <p:nvPr/>
-        </p:nvSpPr>
-        <p:spPr>
-          <a:xfrm>
-            <a:off x="4842442" y="2921796"/>
-            <a:ext cx="1337736" cy="276999"/>
-          </a:xfrm>
-          <a:prstGeom prst="rect">
-            <a:avLst/>
-          </a:prstGeom>
-          <a:noFill/>
-        </p:spPr>
-        <p:txBody>
-          <a:bodyPr wrap="square" rtlCol="0">
-            <a:spAutoFit/>
-          </a:bodyPr>
-          <a:lstStyle/>
-          <a:p>
-            <a:r>
-              <a:rPr lang="en-US" altLang="zh-TW" sz="1200" dirty="0"/>
-              <a:t>Kernel</a:t>
-            </a:r>
-            <a:r>
-              <a:rPr lang="zh-TW" altLang="en-US" sz="1200" dirty="0"/>
-              <a:t> </a:t>
-            </a:r>
-            <a:r>
-              <a:rPr lang="en-US" altLang="zh-TW" sz="1200" dirty="0"/>
-              <a:t>Size N</a:t>
-            </a:r>
-            <a:endParaRPr lang="zh-TW" altLang="en-US" sz="1200" dirty="0"/>
-          </a:p>
-        </p:txBody>
-      </p:sp>
-      <p:cxnSp>
-        <p:nvCxnSpPr>
-          <p:cNvPr id="50" name="Connector: Elbow 49">
-            <a:extLst>
-              <a:ext uri="{FF2B5EF4-FFF2-40B4-BE49-F238E27FC236}">
-                <a16:creationId xmlns:a16="http://schemas.microsoft.com/office/drawing/2014/main" id="{DB5E1072-8D26-4F98-A71F-2577C6CAB862}"/>
-              </a:ext>
-            </a:extLst>
-          </p:cNvPr>
-          <p:cNvCxnSpPr>
-            <a:cxnSpLocks/>
-          </p:cNvCxnSpPr>
-          <p:nvPr/>
-        </p:nvCxnSpPr>
-        <p:spPr>
-          <a:xfrm rot="10800000" flipV="1">
-            <a:off x="951076" y="4290728"/>
-            <a:ext cx="10901772" cy="1051781"/>
-          </a:xfrm>
-          <a:prstGeom prst="bentConnector3">
-            <a:avLst>
-              <a:gd name="adj1" fmla="val 103588"/>
-            </a:avLst>
-          </a:prstGeom>
-          <a:ln w="38100">
-            <a:solidFill>
-              <a:srgbClr val="0070C0"/>
-            </a:solidFill>
-            <a:tailEnd type="triangle"/>
-          </a:ln>
-        </p:spPr>
-        <p:style>
-          <a:lnRef idx="1">
-            <a:schemeClr val="accent1"/>
-          </a:lnRef>
-          <a:fillRef idx="0">
-            <a:schemeClr val="accent1"/>
-          </a:fillRef>
-          <a:effectRef idx="0">
-            <a:schemeClr val="accent1"/>
-          </a:effectRef>
-          <a:fontRef idx="minor">
-            <a:schemeClr val="tx1"/>
-          </a:fontRef>
-        </p:style>
-      </p:cxnSp>
-      <p:cxnSp>
-        <p:nvCxnSpPr>
-          <p:cNvPr id="57" name="Straight Arrow Connector 56">
-            <a:extLst>
-              <a:ext uri="{FF2B5EF4-FFF2-40B4-BE49-F238E27FC236}">
-                <a16:creationId xmlns:a16="http://schemas.microsoft.com/office/drawing/2014/main" id="{1EEEC336-CEE7-4BF8-9956-06C42C61CC91}"/>
-              </a:ext>
-            </a:extLst>
-          </p:cNvPr>
-          <p:cNvCxnSpPr>
-            <a:cxnSpLocks/>
-          </p:cNvCxnSpPr>
-          <p:nvPr/>
-        </p:nvCxnSpPr>
-        <p:spPr>
-          <a:xfrm>
-            <a:off x="6764968" y="3880469"/>
-            <a:ext cx="913865" cy="0"/>
-          </a:xfrm>
-          <a:prstGeom prst="straightConnector1">
-            <a:avLst/>
-          </a:prstGeom>
-          <a:ln w="38100">
-            <a:solidFill>
-              <a:srgbClr val="0070C0"/>
-            </a:solidFill>
-            <a:tailEnd type="triangle"/>
-          </a:ln>
-        </p:spPr>
-        <p:style>
-          <a:lnRef idx="1">
-            <a:schemeClr val="accent1"/>
-          </a:lnRef>
-          <a:fillRef idx="0">
-            <a:schemeClr val="accent1"/>
-          </a:fillRef>
-          <a:effectRef idx="0">
-            <a:schemeClr val="accent1"/>
-          </a:effectRef>
-          <a:fontRef idx="minor">
-            <a:schemeClr val="tx1"/>
-          </a:fontRef>
-        </p:style>
-      </p:cxnSp>
-      <p:sp>
-        <p:nvSpPr>
-          <p:cNvPr id="60" name="TextBox 59">
-            <a:extLst>
-              <a:ext uri="{FF2B5EF4-FFF2-40B4-BE49-F238E27FC236}">
-                <a16:creationId xmlns:a16="http://schemas.microsoft.com/office/drawing/2014/main" id="{BDC88130-8D06-4CBA-A3E3-F31F66EE5ACF}"/>
-              </a:ext>
-            </a:extLst>
-          </p:cNvPr>
-          <p:cNvSpPr txBox="1"/>
-          <p:nvPr/>
-        </p:nvSpPr>
-        <p:spPr>
-          <a:xfrm>
-            <a:off x="6696666" y="3601905"/>
-            <a:ext cx="1337736" cy="276999"/>
-          </a:xfrm>
-          <a:prstGeom prst="rect">
-            <a:avLst/>
-          </a:prstGeom>
-          <a:noFill/>
-        </p:spPr>
-        <p:txBody>
-          <a:bodyPr wrap="square" rtlCol="0">
-            <a:spAutoFit/>
-          </a:bodyPr>
-          <a:lstStyle/>
-          <a:p>
-            <a:r>
-              <a:rPr lang="en-US" altLang="zh-TW" sz="1200" dirty="0"/>
-              <a:t>N x N matrices</a:t>
-            </a:r>
-            <a:endParaRPr lang="zh-TW" altLang="en-US" sz="1200" dirty="0"/>
-          </a:p>
-        </p:txBody>
-      </p:sp>
-      <p:cxnSp>
-        <p:nvCxnSpPr>
-          <p:cNvPr id="71" name="Straight Connector 70">
-            <a:extLst>
-              <a:ext uri="{FF2B5EF4-FFF2-40B4-BE49-F238E27FC236}">
-                <a16:creationId xmlns:a16="http://schemas.microsoft.com/office/drawing/2014/main" id="{E6169CE9-8FAE-46AC-80BC-814ADB733D3C}"/>
-              </a:ext>
-            </a:extLst>
-          </p:cNvPr>
-          <p:cNvCxnSpPr>
-            <a:cxnSpLocks/>
-          </p:cNvCxnSpPr>
-          <p:nvPr/>
-        </p:nvCxnSpPr>
-        <p:spPr>
-          <a:xfrm>
-            <a:off x="11379361" y="3416103"/>
-            <a:ext cx="473487" cy="0"/>
-          </a:xfrm>
-          <a:prstGeom prst="line">
-            <a:avLst/>
-          </a:prstGeom>
-          <a:ln w="38100">
-            <a:solidFill>
-              <a:srgbClr val="0070C0"/>
-            </a:solidFill>
-          </a:ln>
-        </p:spPr>
-        <p:style>
-          <a:lnRef idx="1">
-            <a:schemeClr val="accent1"/>
-          </a:lnRef>
-          <a:fillRef idx="0">
-            <a:schemeClr val="accent1"/>
-          </a:fillRef>
-          <a:effectRef idx="0">
-            <a:schemeClr val="accent1"/>
-          </a:effectRef>
-          <a:fontRef idx="minor">
-            <a:schemeClr val="tx1"/>
-          </a:fontRef>
-        </p:style>
-      </p:cxnSp>
-      <p:cxnSp>
-        <p:nvCxnSpPr>
-          <p:cNvPr id="73" name="Straight Connector 72">
-            <a:extLst>
-              <a:ext uri="{FF2B5EF4-FFF2-40B4-BE49-F238E27FC236}">
-                <a16:creationId xmlns:a16="http://schemas.microsoft.com/office/drawing/2014/main" id="{7129F807-58F5-41E5-9DE5-01A62828B21B}"/>
-              </a:ext>
-            </a:extLst>
-          </p:cNvPr>
-          <p:cNvCxnSpPr>
-            <a:cxnSpLocks/>
-          </p:cNvCxnSpPr>
-          <p:nvPr/>
-        </p:nvCxnSpPr>
-        <p:spPr>
-          <a:xfrm flipV="1">
-            <a:off x="11852848" y="3416103"/>
-            <a:ext cx="0" cy="874624"/>
-          </a:xfrm>
-          <a:prstGeom prst="line">
-            <a:avLst/>
-          </a:prstGeom>
-          <a:ln w="38100">
-            <a:solidFill>
-              <a:srgbClr val="0070C0"/>
-            </a:solidFill>
-          </a:ln>
-        </p:spPr>
-        <p:style>
-          <a:lnRef idx="1">
-            <a:schemeClr val="accent1"/>
-          </a:lnRef>
-          <a:fillRef idx="0">
-            <a:schemeClr val="accent1"/>
-          </a:fillRef>
-          <a:effectRef idx="0">
-            <a:schemeClr val="accent1"/>
-          </a:effectRef>
-          <a:fontRef idx="minor">
-            <a:schemeClr val="tx1"/>
-          </a:fontRef>
-        </p:style>
-      </p:cxnSp>
-      <p:cxnSp>
-        <p:nvCxnSpPr>
-          <p:cNvPr id="76" name="Straight Connector 75">
-            <a:extLst>
-              <a:ext uri="{FF2B5EF4-FFF2-40B4-BE49-F238E27FC236}">
-                <a16:creationId xmlns:a16="http://schemas.microsoft.com/office/drawing/2014/main" id="{1DE777B6-8988-4351-B3ED-7E23161769D3}"/>
-              </a:ext>
-            </a:extLst>
-          </p:cNvPr>
-          <p:cNvCxnSpPr>
-            <a:cxnSpLocks/>
-          </p:cNvCxnSpPr>
-          <p:nvPr/>
-        </p:nvCxnSpPr>
-        <p:spPr>
-          <a:xfrm>
-            <a:off x="11379361" y="3590751"/>
-            <a:ext cx="675837" cy="0"/>
-          </a:xfrm>
-          <a:prstGeom prst="line">
-            <a:avLst/>
-          </a:prstGeom>
-          <a:ln w="38100">
-            <a:solidFill>
-              <a:srgbClr val="0070C0"/>
-            </a:solidFill>
-          </a:ln>
-        </p:spPr>
-        <p:style>
-          <a:lnRef idx="1">
-            <a:schemeClr val="accent1"/>
-          </a:lnRef>
-          <a:fillRef idx="0">
-            <a:schemeClr val="accent1"/>
-          </a:fillRef>
-          <a:effectRef idx="0">
-            <a:schemeClr val="accent1"/>
-          </a:effectRef>
-          <a:fontRef idx="minor">
-            <a:schemeClr val="tx1"/>
-          </a:fontRef>
-        </p:style>
-      </p:cxnSp>
-      <p:cxnSp>
-        <p:nvCxnSpPr>
-          <p:cNvPr id="77" name="Straight Connector 76">
-            <a:extLst>
-              <a:ext uri="{FF2B5EF4-FFF2-40B4-BE49-F238E27FC236}">
-                <a16:creationId xmlns:a16="http://schemas.microsoft.com/office/drawing/2014/main" id="{DADF2483-3590-48F9-B54E-18849A7D2DE8}"/>
-              </a:ext>
-            </a:extLst>
-          </p:cNvPr>
-          <p:cNvCxnSpPr>
-            <a:cxnSpLocks/>
-          </p:cNvCxnSpPr>
-          <p:nvPr/>
-        </p:nvCxnSpPr>
-        <p:spPr>
-          <a:xfrm flipV="1">
-            <a:off x="12055198" y="3590751"/>
-            <a:ext cx="0" cy="1131205"/>
-          </a:xfrm>
-          <a:prstGeom prst="line">
-            <a:avLst/>
-          </a:prstGeom>
-          <a:ln w="38100">
-            <a:solidFill>
-              <a:srgbClr val="0070C0"/>
-            </a:solidFill>
-          </a:ln>
-        </p:spPr>
-        <p:style>
-          <a:lnRef idx="1">
-            <a:schemeClr val="accent1"/>
-          </a:lnRef>
-          <a:fillRef idx="0">
-            <a:schemeClr val="accent1"/>
-          </a:fillRef>
-          <a:effectRef idx="0">
-            <a:schemeClr val="accent1"/>
-          </a:effectRef>
-          <a:fontRef idx="minor">
-            <a:schemeClr val="tx1"/>
-          </a:fontRef>
-        </p:style>
-      </p:cxnSp>
-      <p:cxnSp>
-        <p:nvCxnSpPr>
-          <p:cNvPr id="86" name="Connector: Elbow 85">
-            <a:extLst>
-              <a:ext uri="{FF2B5EF4-FFF2-40B4-BE49-F238E27FC236}">
-                <a16:creationId xmlns:a16="http://schemas.microsoft.com/office/drawing/2014/main" id="{48FC66EB-DF4D-4AFF-9DEA-768E2B368AE7}"/>
-              </a:ext>
-            </a:extLst>
-          </p:cNvPr>
-          <p:cNvCxnSpPr>
-            <a:cxnSpLocks/>
-          </p:cNvCxnSpPr>
-          <p:nvPr/>
-        </p:nvCxnSpPr>
-        <p:spPr>
-          <a:xfrm rot="10800000" flipV="1">
-            <a:off x="942698" y="4721957"/>
-            <a:ext cx="11112501" cy="1027445"/>
-          </a:xfrm>
-          <a:prstGeom prst="bentConnector3">
-            <a:avLst>
-              <a:gd name="adj1" fmla="val 105337"/>
-            </a:avLst>
-          </a:prstGeom>
-          <a:ln w="38100">
-            <a:solidFill>
-              <a:srgbClr val="0070C0"/>
-            </a:solidFill>
-            <a:tailEnd type="triangle"/>
-          </a:ln>
-        </p:spPr>
-        <p:style>
-          <a:lnRef idx="1">
-            <a:schemeClr val="accent1"/>
-          </a:lnRef>
-          <a:fillRef idx="0">
-            <a:schemeClr val="accent1"/>
-          </a:fillRef>
-          <a:effectRef idx="0">
-            <a:schemeClr val="accent1"/>
-          </a:effectRef>
-          <a:fontRef idx="minor">
-            <a:schemeClr val="tx1"/>
-          </a:fontRef>
-        </p:style>
-      </p:cxnSp>
-      <p:sp>
-        <p:nvSpPr>
-          <p:cNvPr id="94" name="TextBox 93">
-            <a:extLst>
-              <a:ext uri="{FF2B5EF4-FFF2-40B4-BE49-F238E27FC236}">
-                <a16:creationId xmlns:a16="http://schemas.microsoft.com/office/drawing/2014/main" id="{C8B655CD-D3C2-4887-9F42-05632D544D9F}"/>
-              </a:ext>
-            </a:extLst>
-          </p:cNvPr>
-          <p:cNvSpPr txBox="1"/>
-          <p:nvPr/>
-        </p:nvSpPr>
-        <p:spPr>
-          <a:xfrm>
-            <a:off x="2310259" y="4256168"/>
-            <a:ext cx="2215813" cy="276999"/>
-          </a:xfrm>
-          <a:prstGeom prst="rect">
-            <a:avLst/>
-          </a:prstGeom>
-          <a:noFill/>
-        </p:spPr>
-        <p:txBody>
-          <a:bodyPr wrap="square" rtlCol="0">
-            <a:spAutoFit/>
-          </a:bodyPr>
-          <a:lstStyle/>
-          <a:p>
-            <a:r>
-              <a:rPr lang="en-US" altLang="zh-TW" sz="1200" dirty="0"/>
-              <a:t>Current Top 3 Mode [S,2]</a:t>
-            </a:r>
-          </a:p>
-        </p:txBody>
-      </p:sp>
-      <p:sp>
-        <p:nvSpPr>
-          <p:cNvPr id="95" name="TextBox 94">
-            <a:extLst>
-              <a:ext uri="{FF2B5EF4-FFF2-40B4-BE49-F238E27FC236}">
-                <a16:creationId xmlns:a16="http://schemas.microsoft.com/office/drawing/2014/main" id="{5D5EBF99-FB24-47E2-83DA-C108FA042BA8}"/>
-              </a:ext>
-            </a:extLst>
-          </p:cNvPr>
-          <p:cNvSpPr txBox="1"/>
-          <p:nvPr/>
-        </p:nvSpPr>
-        <p:spPr>
-          <a:xfrm>
-            <a:off x="2310260" y="4695835"/>
-            <a:ext cx="2215813" cy="276999"/>
-          </a:xfrm>
-          <a:prstGeom prst="rect">
-            <a:avLst/>
-          </a:prstGeom>
-          <a:noFill/>
-        </p:spPr>
-        <p:txBody>
-          <a:bodyPr wrap="square" rtlCol="0">
-            <a:spAutoFit/>
-          </a:bodyPr>
-          <a:lstStyle/>
-          <a:p>
-            <a:r>
-              <a:rPr lang="en-US" altLang="zh-TW" sz="1200" dirty="0"/>
-              <a:t>Previous Top 3 Mode [S,2]</a:t>
-            </a:r>
-          </a:p>
-        </p:txBody>
-      </p:sp>
-      <p:sp>
-        <p:nvSpPr>
-          <p:cNvPr id="96" name="Rectangle 95">
-            <a:extLst>
-              <a:ext uri="{FF2B5EF4-FFF2-40B4-BE49-F238E27FC236}">
-                <a16:creationId xmlns:a16="http://schemas.microsoft.com/office/drawing/2014/main" id="{7ADF2299-0EA0-48BB-8860-B16BECABAE80}"/>
+              <a:rPr lang="en-US" altLang="zh-TW" sz="1400" dirty="0"/>
+              <a:t>Histogram</a:t>
+            </a:r>
+          </a:p>
+        </p:txBody>
+      </p:sp>
+      <p:sp>
+        <p:nvSpPr>
+          <p:cNvPr id="79" name="Rectangle 78">
+            <a:extLst>
+              <a:ext uri="{FF2B5EF4-FFF2-40B4-BE49-F238E27FC236}">
+                <a16:creationId xmlns:a16="http://schemas.microsoft.com/office/drawing/2014/main" id="{725E3AEE-CDBF-41A9-A60F-E9C1652A411C}"/>
               </a:ext>
             </a:extLst>
           </p:cNvPr>
@@ -6289,8 +6240,8 @@
         </p:nvSpPr>
         <p:spPr>
           <a:xfrm>
-            <a:off x="4146225" y="5113409"/>
-            <a:ext cx="1329265" cy="896373"/>
+            <a:off x="1133252" y="3347252"/>
+            <a:ext cx="1008000" cy="648000"/>
           </a:xfrm>
           <a:prstGeom prst="rect">
             <a:avLst/>
@@ -6318,18 +6269,118 @@
           <a:p>
             <a:pPr algn="ctr"/>
             <a:r>
-              <a:rPr lang="en-US" altLang="zh-TW" dirty="0"/>
-              <a:t>Compare Distance Difference</a:t>
-            </a:r>
-          </a:p>
-        </p:txBody>
-      </p:sp>
+              <a:rPr lang="en-US" altLang="zh-TW" sz="1600" dirty="0"/>
+              <a:t>Grayscale</a:t>
+            </a:r>
+          </a:p>
+        </p:txBody>
+      </p:sp>
+      <p:grpSp>
+        <p:nvGrpSpPr>
+          <p:cNvPr id="80" name="Group 79">
+            <a:extLst>
+              <a:ext uri="{FF2B5EF4-FFF2-40B4-BE49-F238E27FC236}">
+                <a16:creationId xmlns:a16="http://schemas.microsoft.com/office/drawing/2014/main" id="{7C600345-85C0-4870-BC4A-CA28930D7DF7}"/>
+              </a:ext>
+            </a:extLst>
+          </p:cNvPr>
+          <p:cNvGrpSpPr/>
+          <p:nvPr/>
+        </p:nvGrpSpPr>
+        <p:grpSpPr>
+          <a:xfrm>
+            <a:off x="271726" y="3900161"/>
+            <a:ext cx="1242866" cy="388718"/>
+            <a:chOff x="1141084" y="3260412"/>
+            <a:chExt cx="1242866" cy="388718"/>
+          </a:xfrm>
+        </p:grpSpPr>
+        <p:cxnSp>
+          <p:nvCxnSpPr>
+            <p:cNvPr id="81" name="Straight Arrow Connector 80">
+              <a:extLst>
+                <a:ext uri="{FF2B5EF4-FFF2-40B4-BE49-F238E27FC236}">
+                  <a16:creationId xmlns:a16="http://schemas.microsoft.com/office/drawing/2014/main" id="{1FAD3C41-3C7A-47FE-BA32-B543C28ED438}"/>
+                </a:ext>
+              </a:extLst>
+            </p:cNvPr>
+            <p:cNvCxnSpPr>
+              <a:cxnSpLocks/>
+            </p:cNvCxnSpPr>
+            <p:nvPr/>
+          </p:nvCxnSpPr>
+          <p:spPr>
+            <a:xfrm>
+              <a:off x="1365251" y="3260412"/>
+              <a:ext cx="645966" cy="0"/>
+            </a:xfrm>
+            <a:prstGeom prst="straightConnector1">
+              <a:avLst/>
+            </a:prstGeom>
+            <a:ln w="38100">
+              <a:solidFill>
+                <a:srgbClr val="0070C0"/>
+              </a:solidFill>
+              <a:tailEnd type="triangle"/>
+            </a:ln>
+          </p:spPr>
+          <p:style>
+            <a:lnRef idx="1">
+              <a:schemeClr val="accent1"/>
+            </a:lnRef>
+            <a:fillRef idx="0">
+              <a:schemeClr val="accent1"/>
+            </a:fillRef>
+            <a:effectRef idx="0">
+              <a:schemeClr val="accent1"/>
+            </a:effectRef>
+            <a:fontRef idx="minor">
+              <a:schemeClr val="tx1"/>
+            </a:fontRef>
+          </p:style>
+        </p:cxnSp>
+        <p:sp>
+          <p:nvSpPr>
+            <p:cNvPr id="82" name="TextBox 81">
+              <a:extLst>
+                <a:ext uri="{FF2B5EF4-FFF2-40B4-BE49-F238E27FC236}">
+                  <a16:creationId xmlns:a16="http://schemas.microsoft.com/office/drawing/2014/main" id="{FE9FB731-BCD6-452F-B4E0-306859D2F2B7}"/>
+                </a:ext>
+              </a:extLst>
+            </p:cNvPr>
+            <p:cNvSpPr txBox="1"/>
+            <p:nvPr/>
+          </p:nvSpPr>
+          <p:spPr>
+            <a:xfrm>
+              <a:off x="1141084" y="3372131"/>
+              <a:ext cx="1242866" cy="276999"/>
+            </a:xfrm>
+            <a:prstGeom prst="rect">
+              <a:avLst/>
+            </a:prstGeom>
+            <a:noFill/>
+          </p:spPr>
+          <p:txBody>
+            <a:bodyPr wrap="square" rtlCol="0">
+              <a:spAutoFit/>
+            </a:bodyPr>
+            <a:lstStyle/>
+            <a:p>
+              <a:r>
+                <a:rPr lang="en-US" altLang="zh-TW" sz="1200" dirty="0"/>
+                <a:t>Input Image[L,W]</a:t>
+              </a:r>
+            </a:p>
+          </p:txBody>
+        </p:sp>
+      </p:grpSp>
       <p:pic>
         <p:nvPicPr>
-          <p:cNvPr id="97" name="Picture 96">
-            <a:extLst>
-              <a:ext uri="{FF2B5EF4-FFF2-40B4-BE49-F238E27FC236}">
-                <a16:creationId xmlns:a16="http://schemas.microsoft.com/office/drawing/2014/main" id="{56E8D564-F528-4E1B-9117-7EEAB9C0F81C}"/>
+          <p:cNvPr id="87" name="Picture 86">
+            <a:extLst>
+              <a:ext uri="{FF2B5EF4-FFF2-40B4-BE49-F238E27FC236}">
+                <a16:creationId xmlns:a16="http://schemas.microsoft.com/office/drawing/2014/main" id="{C405CFCA-8A75-481A-8312-1A2B1EB3A6E7}"/>
               </a:ext>
             </a:extLst>
           </p:cNvPr>
@@ -6339,15 +6390,15 @@
           <p:nvPr/>
         </p:nvPicPr>
         <p:blipFill>
-          <a:blip r:embed="rId4"/>
+          <a:blip r:embed="rId3"/>
           <a:stretch>
             <a:fillRect/>
           </a:stretch>
         </p:blipFill>
         <p:spPr>
           <a:xfrm>
-            <a:off x="9578933" y="2877156"/>
-            <a:ext cx="530397" cy="524301"/>
+            <a:off x="5455843" y="3062813"/>
+            <a:ext cx="504305" cy="514187"/>
           </a:xfrm>
           <a:prstGeom prst="rect">
             <a:avLst/>
@@ -6356,10 +6407,10 @@
       </p:pic>
       <p:sp>
         <p:nvSpPr>
-          <p:cNvPr id="98" name="TextBox 97">
-            <a:extLst>
-              <a:ext uri="{FF2B5EF4-FFF2-40B4-BE49-F238E27FC236}">
-                <a16:creationId xmlns:a16="http://schemas.microsoft.com/office/drawing/2014/main" id="{4AFFD503-DFBE-44A9-99B8-8276EFDF98E6}"/>
+          <p:cNvPr id="88" name="TextBox 87">
+            <a:extLst>
+              <a:ext uri="{FF2B5EF4-FFF2-40B4-BE49-F238E27FC236}">
+                <a16:creationId xmlns:a16="http://schemas.microsoft.com/office/drawing/2014/main" id="{D16232BC-4F8A-40FC-8D37-C4330A1840C3}"/>
               </a:ext>
             </a:extLst>
           </p:cNvPr>
@@ -6368,8 +6419,8 @@
         </p:nvSpPr>
         <p:spPr>
           <a:xfrm>
-            <a:off x="9430295" y="2638296"/>
-            <a:ext cx="827672" cy="276999"/>
+            <a:off x="5254237" y="2810949"/>
+            <a:ext cx="956469" cy="276999"/>
           </a:xfrm>
           <a:prstGeom prst="rect">
             <a:avLst/>
@@ -6384,375 +6435,18 @@
           <a:p>
             <a:r>
               <a:rPr lang="en-US" altLang="zh-TW" sz="1200" dirty="0"/>
-              <a:t>S</a:t>
+              <a:t>LBP Kernel</a:t>
             </a:r>
             <a:endParaRPr lang="zh-TW" altLang="en-US" sz="1200" dirty="0"/>
           </a:p>
         </p:txBody>
       </p:sp>
-      <mc:AlternateContent xmlns:mc="http://schemas.openxmlformats.org/markup-compatibility/2006" xmlns:a14="http://schemas.microsoft.com/office/drawing/2010/main">
-        <mc:Choice Requires="a14">
-          <p:sp>
-            <p:nvSpPr>
-              <p:cNvPr id="100" name="TextBox 99">
-                <a:extLst>
-                  <a:ext uri="{FF2B5EF4-FFF2-40B4-BE49-F238E27FC236}">
-                    <a16:creationId xmlns:a16="http://schemas.microsoft.com/office/drawing/2014/main" id="{30BFBFCC-0DA9-4C3E-94F5-4C1F233DD938}"/>
-                  </a:ext>
-                </a:extLst>
-              </p:cNvPr>
-              <p:cNvSpPr txBox="1"/>
-              <p:nvPr/>
-            </p:nvSpPr>
-            <p:spPr>
-              <a:xfrm>
-                <a:off x="2180175" y="5751169"/>
-                <a:ext cx="1919642" cy="534698"/>
-              </a:xfrm>
-              <a:prstGeom prst="rect">
-                <a:avLst/>
-              </a:prstGeom>
-              <a:noFill/>
-            </p:spPr>
-            <p:txBody>
-              <a:bodyPr wrap="square">
-                <a:spAutoFit/>
-              </a:bodyPr>
-              <a:lstStyle/>
-              <a:p>
-                <a:pPr/>
-                <a14:m>
-                  <m:oMathPara xmlns:m="http://schemas.openxmlformats.org/officeDocument/2006/math">
-                    <m:oMathParaPr>
-                      <m:jc m:val="centerGroup"/>
-                    </m:oMathParaPr>
-                    <m:oMath xmlns:m="http://schemas.openxmlformats.org/officeDocument/2006/math">
-                      <m:nary>
-                        <m:naryPr>
-                          <m:chr m:val="∑"/>
-                          <m:limLoc m:val="subSup"/>
-                          <m:grow m:val="on"/>
-                          <m:ctrlPr>
-                            <a:rPr lang="zh-TW" altLang="en-US" sz="1400" i="1" smtClean="0">
-                              <a:latin typeface="Cambria Math" panose="02040503050406030204" pitchFamily="18" charset="0"/>
-                            </a:rPr>
-                          </m:ctrlPr>
-                        </m:naryPr>
-                        <m:sub>
-                          <m:r>
-                            <a:rPr lang="zh-TW" altLang="en-US" sz="1400" i="1">
-                              <a:latin typeface="Cambria Math" panose="02040503050406030204" pitchFamily="18" charset="0"/>
-                            </a:rPr>
-                            <m:t>𝑖</m:t>
-                          </m:r>
-                          <m:r>
-                            <a:rPr lang="zh-TW" altLang="en-US" sz="1400" i="0">
-                              <a:latin typeface="Cambria Math" panose="02040503050406030204" pitchFamily="18" charset="0"/>
-                            </a:rPr>
-                            <m:t>=0</m:t>
-                          </m:r>
-                        </m:sub>
-                        <m:sup>
-                          <m:r>
-                            <a:rPr lang="zh-TW" altLang="en-US" sz="1400" i="1">
-                              <a:latin typeface="Cambria Math" panose="02040503050406030204" pitchFamily="18" charset="0"/>
-                            </a:rPr>
-                            <m:t>𝑆</m:t>
-                          </m:r>
-                        </m:sup>
-                        <m:e>
-                          <m:d>
-                            <m:dPr>
-                              <m:begChr m:val="|"/>
-                              <m:endChr m:val="|"/>
-                              <m:ctrlPr>
-                                <a:rPr lang="zh-TW" altLang="en-US" sz="1400" i="1">
-                                  <a:solidFill>
-                                    <a:srgbClr val="836967"/>
-                                  </a:solidFill>
-                                  <a:latin typeface="Cambria Math" panose="02040503050406030204" pitchFamily="18" charset="0"/>
-                                </a:rPr>
-                              </m:ctrlPr>
-                            </m:dPr>
-                            <m:e>
-                              <m:sSub>
-                                <m:sSubPr>
-                                  <m:ctrlPr>
-                                    <a:rPr lang="zh-TW" altLang="en-US" sz="1400" i="1">
-                                      <a:solidFill>
-                                        <a:srgbClr val="836967"/>
-                                      </a:solidFill>
-                                      <a:latin typeface="Cambria Math" panose="02040503050406030204" pitchFamily="18" charset="0"/>
-                                    </a:rPr>
-                                  </m:ctrlPr>
-                                </m:sSubPr>
-                                <m:e>
-                                  <m:r>
-                                    <a:rPr lang="zh-TW" altLang="en-US" sz="1400" i="1">
-                                      <a:latin typeface="Cambria Math" panose="02040503050406030204" pitchFamily="18" charset="0"/>
-                                    </a:rPr>
-                                    <m:t>𝑣</m:t>
-                                  </m:r>
-                                </m:e>
-                                <m:sub>
-                                  <m:r>
-                                    <a:rPr lang="zh-TW" altLang="en-US" sz="1400" i="1">
-                                      <a:latin typeface="Cambria Math" panose="02040503050406030204" pitchFamily="18" charset="0"/>
-                                    </a:rPr>
-                                    <m:t>𝑖</m:t>
-                                  </m:r>
-                                </m:sub>
-                              </m:sSub>
-                              <m:r>
-                                <a:rPr lang="zh-TW" altLang="en-US" sz="1400" i="0">
-                                  <a:latin typeface="Cambria Math" panose="02040503050406030204" pitchFamily="18" charset="0"/>
-                                </a:rPr>
-                                <m:t>′−</m:t>
-                              </m:r>
-                              <m:sSub>
-                                <m:sSubPr>
-                                  <m:ctrlPr>
-                                    <a:rPr lang="zh-TW" altLang="en-US" sz="1400" i="1">
-                                      <a:solidFill>
-                                        <a:srgbClr val="836967"/>
-                                      </a:solidFill>
-                                      <a:latin typeface="Cambria Math" panose="02040503050406030204" pitchFamily="18" charset="0"/>
-                                    </a:rPr>
-                                  </m:ctrlPr>
-                                </m:sSubPr>
-                                <m:e>
-                                  <m:r>
-                                    <a:rPr lang="zh-TW" altLang="en-US" sz="1400" i="1">
-                                      <a:latin typeface="Cambria Math" panose="02040503050406030204" pitchFamily="18" charset="0"/>
-                                    </a:rPr>
-                                    <m:t>𝑣</m:t>
-                                  </m:r>
-                                </m:e>
-                                <m:sub>
-                                  <m:r>
-                                    <a:rPr lang="zh-TW" altLang="en-US" sz="1400" i="1">
-                                      <a:latin typeface="Cambria Math" panose="02040503050406030204" pitchFamily="18" charset="0"/>
-                                    </a:rPr>
-                                    <m:t>𝑖</m:t>
-                                  </m:r>
-                                </m:sub>
-                              </m:sSub>
-                            </m:e>
-                          </m:d>
-                        </m:e>
-                      </m:nary>
-                    </m:oMath>
-                  </m:oMathPara>
-                </a14:m>
-                <a:endParaRPr lang="zh-TW" altLang="en-US" sz="1400" dirty="0"/>
-              </a:p>
-            </p:txBody>
-          </p:sp>
-        </mc:Choice>
-        <mc:Fallback xmlns="">
-          <p:sp>
-            <p:nvSpPr>
-              <p:cNvPr id="100" name="TextBox 99">
-                <a:extLst>
-                  <a:ext uri="{FF2B5EF4-FFF2-40B4-BE49-F238E27FC236}">
-                    <a16:creationId xmlns:a16="http://schemas.microsoft.com/office/drawing/2014/main" id="{30BFBFCC-0DA9-4C3E-94F5-4C1F233DD938}"/>
-                  </a:ext>
-                </a:extLst>
-              </p:cNvPr>
-              <p:cNvSpPr txBox="1">
-                <a:spLocks noRot="1" noChangeAspect="1" noMove="1" noResize="1" noEditPoints="1" noAdjustHandles="1" noChangeArrowheads="1" noChangeShapeType="1" noTextEdit="1"/>
-              </p:cNvSpPr>
-              <p:nvPr/>
-            </p:nvSpPr>
-            <p:spPr>
-              <a:xfrm>
-                <a:off x="2180175" y="5751169"/>
-                <a:ext cx="1919642" cy="534698"/>
-              </a:xfrm>
-              <a:prstGeom prst="rect">
-                <a:avLst/>
-              </a:prstGeom>
-              <a:blipFill>
-                <a:blip r:embed="rId5"/>
-                <a:stretch>
-                  <a:fillRect l="-14603" t="-132955" r="-1270" b="-205682"/>
-                </a:stretch>
-              </a:blipFill>
-            </p:spPr>
-            <p:txBody>
-              <a:bodyPr/>
-              <a:lstStyle/>
-              <a:p>
-                <a:r>
-                  <a:rPr lang="zh-TW" altLang="en-US">
-                    <a:noFill/>
-                  </a:rPr>
-                  <a:t> </a:t>
-                </a:r>
-              </a:p>
-            </p:txBody>
-          </p:sp>
-        </mc:Fallback>
-      </mc:AlternateContent>
-      <p:cxnSp>
-        <p:nvCxnSpPr>
-          <p:cNvPr id="103" name="Straight Arrow Connector 102">
-            <a:extLst>
-              <a:ext uri="{FF2B5EF4-FFF2-40B4-BE49-F238E27FC236}">
-                <a16:creationId xmlns:a16="http://schemas.microsoft.com/office/drawing/2014/main" id="{C66AA057-3ACF-4188-ACA3-DC76A7B35AF9}"/>
-              </a:ext>
-            </a:extLst>
-          </p:cNvPr>
-          <p:cNvCxnSpPr>
-            <a:cxnSpLocks/>
-          </p:cNvCxnSpPr>
-          <p:nvPr/>
-        </p:nvCxnSpPr>
-        <p:spPr>
-          <a:xfrm>
-            <a:off x="2280340" y="5744300"/>
-            <a:ext cx="1884771" cy="0"/>
-          </a:xfrm>
-          <a:prstGeom prst="straightConnector1">
-            <a:avLst/>
-          </a:prstGeom>
-          <a:ln w="38100">
-            <a:solidFill>
-              <a:srgbClr val="0070C0"/>
-            </a:solidFill>
-            <a:tailEnd type="triangle"/>
-          </a:ln>
-        </p:spPr>
-        <p:style>
-          <a:lnRef idx="1">
-            <a:schemeClr val="accent1"/>
-          </a:lnRef>
-          <a:fillRef idx="0">
-            <a:schemeClr val="accent1"/>
-          </a:fillRef>
-          <a:effectRef idx="0">
-            <a:schemeClr val="accent1"/>
-          </a:effectRef>
-          <a:fontRef idx="minor">
-            <a:schemeClr val="tx1"/>
-          </a:fontRef>
-        </p:style>
-      </p:cxnSp>
-      <p:pic>
-        <p:nvPicPr>
-          <p:cNvPr id="105" name="Picture 104">
-            <a:extLst>
-              <a:ext uri="{FF2B5EF4-FFF2-40B4-BE49-F238E27FC236}">
-                <a16:creationId xmlns:a16="http://schemas.microsoft.com/office/drawing/2014/main" id="{C6809B43-FFF5-4EE9-BE97-D47B4967F47B}"/>
-              </a:ext>
-            </a:extLst>
-          </p:cNvPr>
-          <p:cNvPicPr>
-            <a:picLocks noChangeAspect="1"/>
-          </p:cNvPicPr>
-          <p:nvPr/>
-        </p:nvPicPr>
-        <p:blipFill rotWithShape="1">
-          <a:blip r:embed="rId3"/>
-          <a:srcRect t="58473"/>
-          <a:stretch/>
-        </p:blipFill>
-        <p:spPr>
-          <a:xfrm>
-            <a:off x="3473585" y="5239658"/>
-            <a:ext cx="756255" cy="358336"/>
-          </a:xfrm>
-          <a:prstGeom prst="rect">
-            <a:avLst/>
-          </a:prstGeom>
-        </p:spPr>
-      </p:pic>
-      <p:sp>
-        <p:nvSpPr>
-          <p:cNvPr id="106" name="TextBox 105">
-            <a:extLst>
-              <a:ext uri="{FF2B5EF4-FFF2-40B4-BE49-F238E27FC236}">
-                <a16:creationId xmlns:a16="http://schemas.microsoft.com/office/drawing/2014/main" id="{6A3AA946-537A-4A4D-B746-E9A28DF70D33}"/>
-              </a:ext>
-            </a:extLst>
-          </p:cNvPr>
-          <p:cNvSpPr txBox="1"/>
-          <p:nvPr/>
-        </p:nvSpPr>
-        <p:spPr>
-          <a:xfrm>
-            <a:off x="3129076" y="5009104"/>
-            <a:ext cx="1097813" cy="276999"/>
-          </a:xfrm>
-          <a:prstGeom prst="rect">
-            <a:avLst/>
-          </a:prstGeom>
-          <a:noFill/>
-        </p:spPr>
-        <p:txBody>
-          <a:bodyPr wrap="square" rtlCol="0">
-            <a:spAutoFit/>
-          </a:bodyPr>
-          <a:lstStyle/>
-          <a:p>
-            <a:r>
-              <a:rPr lang="en-US" altLang="zh-TW" sz="1200" dirty="0"/>
-              <a:t>Threshold</a:t>
-            </a:r>
-            <a:endParaRPr lang="zh-TW" altLang="en-US" sz="1200" dirty="0"/>
-          </a:p>
-        </p:txBody>
-      </p:sp>
-      <p:cxnSp>
-        <p:nvCxnSpPr>
-          <p:cNvPr id="108" name="Straight Arrow Connector 107">
-            <a:extLst>
-              <a:ext uri="{FF2B5EF4-FFF2-40B4-BE49-F238E27FC236}">
-                <a16:creationId xmlns:a16="http://schemas.microsoft.com/office/drawing/2014/main" id="{FD0F76BF-BD0E-47AC-800F-37DA7CC83F76}"/>
-              </a:ext>
-            </a:extLst>
-          </p:cNvPr>
-          <p:cNvCxnSpPr>
-            <a:cxnSpLocks/>
-          </p:cNvCxnSpPr>
-          <p:nvPr/>
-        </p:nvCxnSpPr>
-        <p:spPr>
-          <a:xfrm>
-            <a:off x="5475490" y="5751169"/>
-            <a:ext cx="1239439" cy="0"/>
-          </a:xfrm>
-          <a:prstGeom prst="straightConnector1">
-            <a:avLst/>
-          </a:prstGeom>
-          <a:ln w="38100">
-            <a:solidFill>
-              <a:srgbClr val="0070C0"/>
-            </a:solidFill>
-            <a:tailEnd type="triangle"/>
-          </a:ln>
-        </p:spPr>
-        <p:style>
-          <a:lnRef idx="1">
-            <a:schemeClr val="accent1"/>
-          </a:lnRef>
-          <a:fillRef idx="0">
-            <a:schemeClr val="accent1"/>
-          </a:fillRef>
-          <a:effectRef idx="0">
-            <a:schemeClr val="accent1"/>
-          </a:effectRef>
-          <a:fontRef idx="minor">
-            <a:schemeClr val="tx1"/>
-          </a:fontRef>
-        </p:style>
-      </p:cxnSp>
-      <p:sp>
-        <p:nvSpPr>
-          <p:cNvPr id="110" name="Rectangle 109">
-            <a:extLst>
-              <a:ext uri="{FF2B5EF4-FFF2-40B4-BE49-F238E27FC236}">
-                <a16:creationId xmlns:a16="http://schemas.microsoft.com/office/drawing/2014/main" id="{ED0425C6-BC15-4DE7-99B6-4A82EA0BCBE0}"/>
+      <p:sp>
+        <p:nvSpPr>
+          <p:cNvPr id="90" name="Rectangle 89">
+            <a:extLst>
+              <a:ext uri="{FF2B5EF4-FFF2-40B4-BE49-F238E27FC236}">
+                <a16:creationId xmlns:a16="http://schemas.microsoft.com/office/drawing/2014/main" id="{F04858BB-F09D-4915-BF7D-0050E7F5DAB8}"/>
               </a:ext>
             </a:extLst>
           </p:cNvPr>
@@ -6761,8 +6455,8 @@
         </p:nvSpPr>
         <p:spPr>
           <a:xfrm>
-            <a:off x="6723307" y="5122140"/>
-            <a:ext cx="1329265" cy="896378"/>
+            <a:off x="8919457" y="3347738"/>
+            <a:ext cx="1008000" cy="648000"/>
           </a:xfrm>
           <a:prstGeom prst="rect">
             <a:avLst/>
@@ -6790,60 +6484,150 @@
           <a:p>
             <a:pPr algn="ctr"/>
             <a:r>
-              <a:rPr lang="en-US" altLang="zh-TW" dirty="0"/>
-              <a:t>Labeling</a:t>
-            </a:r>
-          </a:p>
-        </p:txBody>
-      </p:sp>
-      <p:cxnSp>
-        <p:nvCxnSpPr>
-          <p:cNvPr id="112" name="Straight Arrow Connector 111">
-            <a:extLst>
-              <a:ext uri="{FF2B5EF4-FFF2-40B4-BE49-F238E27FC236}">
-                <a16:creationId xmlns:a16="http://schemas.microsoft.com/office/drawing/2014/main" id="{5AF925DB-4B8B-4F60-BE39-4DB4709B80DC}"/>
-              </a:ext>
-            </a:extLst>
-          </p:cNvPr>
-          <p:cNvCxnSpPr/>
+              <a:rPr lang="en-US" altLang="zh-TW" sz="1400" dirty="0" err="1"/>
+              <a:t>sort_hist</a:t>
+            </a:r>
+            <a:endParaRPr lang="en-US" altLang="zh-TW" sz="1400" dirty="0"/>
+          </a:p>
+        </p:txBody>
+      </p:sp>
+      <p:grpSp>
+        <p:nvGrpSpPr>
+          <p:cNvPr id="91" name="Group 90">
+            <a:extLst>
+              <a:ext uri="{FF2B5EF4-FFF2-40B4-BE49-F238E27FC236}">
+                <a16:creationId xmlns:a16="http://schemas.microsoft.com/office/drawing/2014/main" id="{8757C6DC-6232-4732-88F8-4CD29A76468D}"/>
+              </a:ext>
+            </a:extLst>
+          </p:cNvPr>
+          <p:cNvGrpSpPr/>
           <p:nvPr/>
-        </p:nvCxnSpPr>
-        <p:spPr>
-          <a:xfrm>
-            <a:off x="6139106" y="5457879"/>
-            <a:ext cx="584201" cy="0"/>
-          </a:xfrm>
-          <a:prstGeom prst="straightConnector1">
+        </p:nvGrpSpPr>
+        <p:grpSpPr>
+          <a:xfrm>
+            <a:off x="8318005" y="3918871"/>
+            <a:ext cx="798736" cy="317819"/>
+            <a:chOff x="5719819" y="3295474"/>
+            <a:chExt cx="1132051" cy="317819"/>
+          </a:xfrm>
+        </p:grpSpPr>
+        <p:cxnSp>
+          <p:nvCxnSpPr>
+            <p:cNvPr id="92" name="Straight Arrow Connector 91">
+              <a:extLst>
+                <a:ext uri="{FF2B5EF4-FFF2-40B4-BE49-F238E27FC236}">
+                  <a16:creationId xmlns:a16="http://schemas.microsoft.com/office/drawing/2014/main" id="{A2806BB6-4B0E-4020-BAF1-3F3749914BE3}"/>
+                </a:ext>
+              </a:extLst>
+            </p:cNvPr>
+            <p:cNvCxnSpPr>
+              <a:cxnSpLocks/>
+            </p:cNvCxnSpPr>
+            <p:nvPr/>
+          </p:nvCxnSpPr>
+          <p:spPr>
+            <a:xfrm>
+              <a:off x="5965664" y="3295474"/>
+              <a:ext cx="606594" cy="0"/>
+            </a:xfrm>
+            <a:prstGeom prst="straightConnector1">
+              <a:avLst/>
+            </a:prstGeom>
+            <a:ln w="38100">
+              <a:solidFill>
+                <a:srgbClr val="0070C0"/>
+              </a:solidFill>
+              <a:tailEnd type="triangle"/>
+            </a:ln>
+          </p:spPr>
+          <p:style>
+            <a:lnRef idx="1">
+              <a:schemeClr val="accent1"/>
+            </a:lnRef>
+            <a:fillRef idx="0">
+              <a:schemeClr val="accent1"/>
+            </a:fillRef>
+            <a:effectRef idx="0">
+              <a:schemeClr val="accent1"/>
+            </a:effectRef>
+            <a:fontRef idx="minor">
+              <a:schemeClr val="tx1"/>
+            </a:fontRef>
+          </p:style>
+        </p:cxnSp>
+        <p:sp>
+          <p:nvSpPr>
+            <p:cNvPr id="93" name="TextBox 92">
+              <a:extLst>
+                <a:ext uri="{FF2B5EF4-FFF2-40B4-BE49-F238E27FC236}">
+                  <a16:creationId xmlns:a16="http://schemas.microsoft.com/office/drawing/2014/main" id="{1A765B98-DBBF-40D6-83CF-1515FBB45682}"/>
+                </a:ext>
+              </a:extLst>
+            </p:cNvPr>
+            <p:cNvSpPr txBox="1"/>
+            <p:nvPr/>
+          </p:nvSpPr>
+          <p:spPr>
+            <a:xfrm>
+              <a:off x="5719819" y="3336294"/>
+              <a:ext cx="1132051" cy="276999"/>
+            </a:xfrm>
+            <a:prstGeom prst="rect">
+              <a:avLst/>
+            </a:prstGeom>
+            <a:noFill/>
+          </p:spPr>
+          <p:txBody>
+            <a:bodyPr wrap="square" rtlCol="0">
+              <a:spAutoFit/>
+            </a:bodyPr>
+            <a:lstStyle/>
+            <a:p>
+              <a:r>
+                <a:rPr lang="en-US" altLang="zh-TW" sz="1200" dirty="0"/>
+                <a:t>Hist[256]</a:t>
+              </a:r>
+              <a:endParaRPr lang="zh-TW" altLang="en-US" sz="1200" dirty="0"/>
+            </a:p>
+          </p:txBody>
+        </p:sp>
+      </p:grpSp>
+      <p:pic>
+        <p:nvPicPr>
+          <p:cNvPr id="99" name="Picture 98">
+            <a:extLst>
+              <a:ext uri="{FF2B5EF4-FFF2-40B4-BE49-F238E27FC236}">
+                <a16:creationId xmlns:a16="http://schemas.microsoft.com/office/drawing/2014/main" id="{6F2A150D-E5E3-4D58-AA8B-58A89CD7D329}"/>
+              </a:ext>
+            </a:extLst>
+          </p:cNvPr>
+          <p:cNvPicPr>
+            <a:picLocks noChangeAspect="1"/>
+          </p:cNvPicPr>
+          <p:nvPr/>
+        </p:nvPicPr>
+        <p:blipFill>
+          <a:blip r:embed="rId3"/>
+          <a:stretch>
+            <a:fillRect/>
+          </a:stretch>
+        </p:blipFill>
+        <p:spPr>
+          <a:xfrm>
+            <a:off x="10079567" y="3127723"/>
+            <a:ext cx="327170" cy="435771"/>
+          </a:xfrm>
+          <a:prstGeom prst="rect">
             <a:avLst/>
           </a:prstGeom>
-          <a:ln w="38100">
-            <a:solidFill>
-              <a:srgbClr val="0070C0"/>
-            </a:solidFill>
-            <a:tailEnd type="triangle"/>
-          </a:ln>
-        </p:spPr>
-        <p:style>
-          <a:lnRef idx="1">
-            <a:schemeClr val="accent1"/>
-          </a:lnRef>
-          <a:fillRef idx="0">
-            <a:schemeClr val="accent1"/>
-          </a:fillRef>
-          <a:effectRef idx="0">
-            <a:schemeClr val="accent1"/>
-          </a:effectRef>
-          <a:fontRef idx="minor">
-            <a:schemeClr val="tx1"/>
-          </a:fontRef>
-        </p:style>
-      </p:cxnSp>
-      <p:sp>
-        <p:nvSpPr>
-          <p:cNvPr id="113" name="TextBox 112">
-            <a:extLst>
-              <a:ext uri="{FF2B5EF4-FFF2-40B4-BE49-F238E27FC236}">
-                <a16:creationId xmlns:a16="http://schemas.microsoft.com/office/drawing/2014/main" id="{90E61F71-D4F7-4580-9105-E6DC2E476172}"/>
+        </p:spPr>
+      </p:pic>
+      <p:sp>
+        <p:nvSpPr>
+          <p:cNvPr id="102" name="TextBox 101">
+            <a:extLst>
+              <a:ext uri="{FF2B5EF4-FFF2-40B4-BE49-F238E27FC236}">
+                <a16:creationId xmlns:a16="http://schemas.microsoft.com/office/drawing/2014/main" id="{40B8F33B-5743-4E49-B69D-C92AC0B0BA17}"/>
               </a:ext>
             </a:extLst>
           </p:cNvPr>
@@ -6852,8 +6636,8 @@
         </p:nvSpPr>
         <p:spPr>
           <a:xfrm>
-            <a:off x="5713310" y="5152621"/>
-            <a:ext cx="1051658" cy="276999"/>
+            <a:off x="9936390" y="2898811"/>
+            <a:ext cx="309927" cy="276999"/>
           </a:xfrm>
           <a:prstGeom prst="rect">
             <a:avLst/>
@@ -6868,149 +6652,32 @@
           <a:p>
             <a:r>
               <a:rPr lang="en-US" altLang="zh-TW" sz="1200" dirty="0"/>
-              <a:t>Input Image</a:t>
+              <a:t>N</a:t>
             </a:r>
             <a:endParaRPr lang="zh-TW" altLang="en-US" sz="1200" dirty="0"/>
           </a:p>
         </p:txBody>
       </p:sp>
-      <p:cxnSp>
-        <p:nvCxnSpPr>
-          <p:cNvPr id="114" name="Straight Arrow Connector 113">
-            <a:extLst>
-              <a:ext uri="{FF2B5EF4-FFF2-40B4-BE49-F238E27FC236}">
-                <a16:creationId xmlns:a16="http://schemas.microsoft.com/office/drawing/2014/main" id="{4CFE2F39-209A-4FE6-930E-72C37DE1D220}"/>
-              </a:ext>
-            </a:extLst>
-          </p:cNvPr>
-          <p:cNvCxnSpPr>
-            <a:cxnSpLocks/>
-          </p:cNvCxnSpPr>
+      <p:sp>
+        <p:nvSpPr>
+          <p:cNvPr id="104" name="Rectangle 103">
+            <a:extLst>
+              <a:ext uri="{FF2B5EF4-FFF2-40B4-BE49-F238E27FC236}">
+                <a16:creationId xmlns:a16="http://schemas.microsoft.com/office/drawing/2014/main" id="{C2B65362-6A8D-4FFB-B3FB-C0D33A9902D3}"/>
+              </a:ext>
+            </a:extLst>
+          </p:cNvPr>
+          <p:cNvSpPr/>
           <p:nvPr/>
-        </p:nvCxnSpPr>
-        <p:spPr>
-          <a:xfrm>
-            <a:off x="8052572" y="5751169"/>
-            <a:ext cx="1463473" cy="0"/>
-          </a:xfrm>
-          <a:prstGeom prst="straightConnector1">
-            <a:avLst/>
-          </a:prstGeom>
-          <a:ln w="38100">
-            <a:solidFill>
-              <a:srgbClr val="0070C0"/>
-            </a:solidFill>
-            <a:tailEnd type="triangle"/>
-          </a:ln>
-        </p:spPr>
-        <p:style>
-          <a:lnRef idx="1">
-            <a:schemeClr val="accent1"/>
-          </a:lnRef>
-          <a:fillRef idx="0">
-            <a:schemeClr val="accent1"/>
-          </a:fillRef>
-          <a:effectRef idx="0">
-            <a:schemeClr val="accent1"/>
-          </a:effectRef>
-          <a:fontRef idx="minor">
-            <a:schemeClr val="tx1"/>
-          </a:fontRef>
-        </p:style>
-      </p:cxnSp>
-      <p:sp>
-        <p:nvSpPr>
-          <p:cNvPr id="117" name="TextBox 116">
-            <a:extLst>
-              <a:ext uri="{FF2B5EF4-FFF2-40B4-BE49-F238E27FC236}">
-                <a16:creationId xmlns:a16="http://schemas.microsoft.com/office/drawing/2014/main" id="{4C22E6D6-2107-424E-B845-FCB82496BFD2}"/>
-              </a:ext>
-            </a:extLst>
-          </p:cNvPr>
-          <p:cNvSpPr txBox="1"/>
-          <p:nvPr/>
-        </p:nvSpPr>
-        <p:spPr>
-          <a:xfrm>
-            <a:off x="8701694" y="5435507"/>
-            <a:ext cx="1051658" cy="276999"/>
+        </p:nvSpPr>
+        <p:spPr>
+          <a:xfrm>
+            <a:off x="10345800" y="3347713"/>
+            <a:ext cx="1008000" cy="648000"/>
           </a:xfrm>
           <a:prstGeom prst="rect">
             <a:avLst/>
           </a:prstGeom>
-          <a:noFill/>
-        </p:spPr>
-        <p:txBody>
-          <a:bodyPr wrap="square" rtlCol="0">
-            <a:spAutoFit/>
-          </a:bodyPr>
-          <a:lstStyle/>
-          <a:p>
-            <a:r>
-              <a:rPr lang="en-US" altLang="zh-TW" sz="1200" dirty="0"/>
-              <a:t>Result Image</a:t>
-            </a:r>
-            <a:endParaRPr lang="zh-TW" altLang="en-US" sz="1200" dirty="0"/>
-          </a:p>
-        </p:txBody>
-      </p:sp>
-      <p:sp>
-        <p:nvSpPr>
-          <p:cNvPr id="118" name="Title 1">
-            <a:extLst>
-              <a:ext uri="{FF2B5EF4-FFF2-40B4-BE49-F238E27FC236}">
-                <a16:creationId xmlns:a16="http://schemas.microsoft.com/office/drawing/2014/main" id="{09E024C2-5287-472F-9DB1-DB137478AA64}"/>
-              </a:ext>
-            </a:extLst>
-          </p:cNvPr>
-          <p:cNvSpPr>
-            <a:spLocks noGrp="1"/>
-          </p:cNvSpPr>
-          <p:nvPr>
-            <p:ph type="title"/>
-          </p:nvPr>
-        </p:nvSpPr>
-        <p:spPr>
-          <a:xfrm>
-            <a:off x="838200" y="365125"/>
-            <a:ext cx="10515600" cy="1325563"/>
-          </a:xfrm>
-        </p:spPr>
-        <p:txBody>
-          <a:bodyPr/>
-          <a:lstStyle/>
-          <a:p>
-            <a:r>
-              <a:rPr lang="en-US" altLang="zh-TW" dirty="0"/>
-              <a:t>Design Block</a:t>
-            </a:r>
-            <a:endParaRPr lang="zh-TW" altLang="en-US" dirty="0"/>
-          </a:p>
-        </p:txBody>
-      </p:sp>
-      <p:sp>
-        <p:nvSpPr>
-          <p:cNvPr id="119" name="Rectangle 118">
-            <a:extLst>
-              <a:ext uri="{FF2B5EF4-FFF2-40B4-BE49-F238E27FC236}">
-                <a16:creationId xmlns:a16="http://schemas.microsoft.com/office/drawing/2014/main" id="{B508BFA8-D5BC-4F31-AF35-01DF5F984D52}"/>
-              </a:ext>
-            </a:extLst>
-          </p:cNvPr>
-          <p:cNvSpPr/>
-          <p:nvPr/>
-        </p:nvSpPr>
-        <p:spPr>
-          <a:xfrm>
-            <a:off x="1134777" y="1685763"/>
-            <a:ext cx="1329265" cy="1136127"/>
-          </a:xfrm>
-          <a:prstGeom prst="rect">
-            <a:avLst/>
-          </a:prstGeom>
-          <a:solidFill>
-            <a:srgbClr val="92D050"/>
-          </a:solidFill>
         </p:spPr>
         <p:style>
           <a:lnRef idx="2">
@@ -7034,18 +6701,372 @@
           <a:p>
             <a:pPr algn="ctr"/>
             <a:r>
-              <a:rPr lang="en-US" altLang="zh-TW" dirty="0"/>
-              <a:t>Param Setting</a:t>
-            </a:r>
+              <a:rPr lang="en-US" altLang="zh-TW" sz="1400" dirty="0" err="1"/>
+              <a:t>hist_top_n</a:t>
+            </a:r>
+            <a:endParaRPr lang="en-US" altLang="zh-TW" sz="1400" dirty="0"/>
+          </a:p>
+        </p:txBody>
+      </p:sp>
+      <p:grpSp>
+        <p:nvGrpSpPr>
+          <p:cNvPr id="107" name="Group 106">
+            <a:extLst>
+              <a:ext uri="{FF2B5EF4-FFF2-40B4-BE49-F238E27FC236}">
+                <a16:creationId xmlns:a16="http://schemas.microsoft.com/office/drawing/2014/main" id="{2D9D084E-F27F-48F5-825D-5E24ABB20637}"/>
+              </a:ext>
+            </a:extLst>
+          </p:cNvPr>
+          <p:cNvGrpSpPr/>
+          <p:nvPr/>
+        </p:nvGrpSpPr>
+        <p:grpSpPr>
+          <a:xfrm>
+            <a:off x="9753502" y="3895507"/>
+            <a:ext cx="798736" cy="317819"/>
+            <a:chOff x="5719819" y="3295474"/>
+            <a:chExt cx="1132051" cy="317819"/>
+          </a:xfrm>
+        </p:grpSpPr>
+        <p:cxnSp>
+          <p:nvCxnSpPr>
+            <p:cNvPr id="109" name="Straight Arrow Connector 108">
+              <a:extLst>
+                <a:ext uri="{FF2B5EF4-FFF2-40B4-BE49-F238E27FC236}">
+                  <a16:creationId xmlns:a16="http://schemas.microsoft.com/office/drawing/2014/main" id="{64DF7FEC-4D43-4FA2-88E9-23F6E04D19C8}"/>
+                </a:ext>
+              </a:extLst>
+            </p:cNvPr>
+            <p:cNvCxnSpPr>
+              <a:cxnSpLocks/>
+            </p:cNvCxnSpPr>
+            <p:nvPr/>
+          </p:nvCxnSpPr>
+          <p:spPr>
+            <a:xfrm>
+              <a:off x="5965664" y="3295474"/>
+              <a:ext cx="606594" cy="0"/>
+            </a:xfrm>
+            <a:prstGeom prst="straightConnector1">
+              <a:avLst/>
+            </a:prstGeom>
+            <a:ln w="38100">
+              <a:solidFill>
+                <a:srgbClr val="0070C0"/>
+              </a:solidFill>
+              <a:tailEnd type="triangle"/>
+            </a:ln>
+          </p:spPr>
+          <p:style>
+            <a:lnRef idx="1">
+              <a:schemeClr val="accent1"/>
+            </a:lnRef>
+            <a:fillRef idx="0">
+              <a:schemeClr val="accent1"/>
+            </a:fillRef>
+            <a:effectRef idx="0">
+              <a:schemeClr val="accent1"/>
+            </a:effectRef>
+            <a:fontRef idx="minor">
+              <a:schemeClr val="tx1"/>
+            </a:fontRef>
+          </p:style>
+        </p:cxnSp>
+        <p:sp>
+          <p:nvSpPr>
+            <p:cNvPr id="111" name="TextBox 110">
+              <a:extLst>
+                <a:ext uri="{FF2B5EF4-FFF2-40B4-BE49-F238E27FC236}">
+                  <a16:creationId xmlns:a16="http://schemas.microsoft.com/office/drawing/2014/main" id="{C839D49C-39B0-496A-B206-54F2E1D303D6}"/>
+                </a:ext>
+              </a:extLst>
+            </p:cNvPr>
+            <p:cNvSpPr txBox="1"/>
+            <p:nvPr/>
+          </p:nvSpPr>
+          <p:spPr>
+            <a:xfrm>
+              <a:off x="5719819" y="3336294"/>
+              <a:ext cx="1132051" cy="276999"/>
+            </a:xfrm>
+            <a:prstGeom prst="rect">
+              <a:avLst/>
+            </a:prstGeom>
+            <a:noFill/>
+          </p:spPr>
+          <p:txBody>
+            <a:bodyPr wrap="square" rtlCol="0">
+              <a:spAutoFit/>
+            </a:bodyPr>
+            <a:lstStyle/>
+            <a:p>
+              <a:r>
+                <a:rPr lang="en-US" altLang="zh-TW" sz="1200" dirty="0"/>
+                <a:t>Hist[256]</a:t>
+              </a:r>
+              <a:endParaRPr lang="zh-TW" altLang="en-US" sz="1200" dirty="0"/>
+            </a:p>
+          </p:txBody>
+        </p:sp>
+      </p:grpSp>
+      <p:sp>
+        <p:nvSpPr>
+          <p:cNvPr id="174" name="TextBox 173">
+            <a:extLst>
+              <a:ext uri="{FF2B5EF4-FFF2-40B4-BE49-F238E27FC236}">
+                <a16:creationId xmlns:a16="http://schemas.microsoft.com/office/drawing/2014/main" id="{CC306A6F-81E6-475A-8B05-668FB7729C87}"/>
+              </a:ext>
+            </a:extLst>
+          </p:cNvPr>
+          <p:cNvSpPr txBox="1"/>
+          <p:nvPr/>
+        </p:nvSpPr>
+        <p:spPr>
+          <a:xfrm>
+            <a:off x="293047" y="5007641"/>
+            <a:ext cx="1051658" cy="276999"/>
+          </a:xfrm>
+          <a:prstGeom prst="rect">
+            <a:avLst/>
+          </a:prstGeom>
+          <a:noFill/>
+        </p:spPr>
+        <p:txBody>
+          <a:bodyPr wrap="square" rtlCol="0">
+            <a:spAutoFit/>
+          </a:bodyPr>
+          <a:lstStyle/>
+          <a:p>
+            <a:r>
+              <a:rPr lang="en-US" altLang="zh-TW" sz="1200" dirty="0"/>
+              <a:t>Mode [N,2]</a:t>
+            </a:r>
+          </a:p>
+        </p:txBody>
+      </p:sp>
+      <p:sp>
+        <p:nvSpPr>
+          <p:cNvPr id="175" name="Rectangle 174">
+            <a:extLst>
+              <a:ext uri="{FF2B5EF4-FFF2-40B4-BE49-F238E27FC236}">
+                <a16:creationId xmlns:a16="http://schemas.microsoft.com/office/drawing/2014/main" id="{E2A9BC29-0B33-4266-8BBA-C6204FA5AF57}"/>
+              </a:ext>
+            </a:extLst>
+          </p:cNvPr>
+          <p:cNvSpPr/>
+          <p:nvPr/>
+        </p:nvSpPr>
+        <p:spPr>
+          <a:xfrm>
+            <a:off x="2560544" y="4617223"/>
+            <a:ext cx="1241024" cy="648000"/>
+          </a:xfrm>
+          <a:prstGeom prst="rect">
+            <a:avLst/>
+          </a:prstGeom>
+        </p:spPr>
+        <p:style>
+          <a:lnRef idx="2">
+            <a:schemeClr val="accent5">
+              <a:shade val="50000"/>
+            </a:schemeClr>
+          </a:lnRef>
+          <a:fillRef idx="1">
+            <a:schemeClr val="accent5"/>
+          </a:fillRef>
+          <a:effectRef idx="0">
+            <a:schemeClr val="accent5"/>
+          </a:effectRef>
+          <a:fontRef idx="minor">
+            <a:schemeClr val="lt1"/>
+          </a:fontRef>
+        </p:style>
+        <p:txBody>
+          <a:bodyPr rtlCol="0" anchor="ctr"/>
+          <a:lstStyle/>
+          <a:p>
+            <a:pPr algn="ctr"/>
+            <a:r>
+              <a:rPr lang="en-US" altLang="zh-TW" sz="1400" dirty="0" err="1"/>
+              <a:t>dist_compare</a:t>
+            </a:r>
+            <a:endParaRPr lang="en-US" altLang="zh-TW" sz="1400" dirty="0"/>
+          </a:p>
+        </p:txBody>
+      </p:sp>
+      <p:grpSp>
+        <p:nvGrpSpPr>
+          <p:cNvPr id="176" name="Group 175">
+            <a:extLst>
+              <a:ext uri="{FF2B5EF4-FFF2-40B4-BE49-F238E27FC236}">
+                <a16:creationId xmlns:a16="http://schemas.microsoft.com/office/drawing/2014/main" id="{05EBFF9D-72C1-47AA-888D-75B7EEC014DC}"/>
+              </a:ext>
+            </a:extLst>
+          </p:cNvPr>
+          <p:cNvGrpSpPr/>
+          <p:nvPr/>
+        </p:nvGrpSpPr>
+        <p:grpSpPr>
+          <a:xfrm>
+            <a:off x="2141252" y="5119744"/>
+            <a:ext cx="635864" cy="309787"/>
+            <a:chOff x="2775661" y="3295474"/>
+            <a:chExt cx="635864" cy="309787"/>
+          </a:xfrm>
+        </p:grpSpPr>
+        <p:cxnSp>
+          <p:nvCxnSpPr>
+            <p:cNvPr id="177" name="Straight Arrow Connector 176">
+              <a:extLst>
+                <a:ext uri="{FF2B5EF4-FFF2-40B4-BE49-F238E27FC236}">
+                  <a16:creationId xmlns:a16="http://schemas.microsoft.com/office/drawing/2014/main" id="{F4E3F911-9686-4FB4-A4DF-D9AD2CAEA732}"/>
+                </a:ext>
+              </a:extLst>
+            </p:cNvPr>
+            <p:cNvCxnSpPr>
+              <a:cxnSpLocks/>
+            </p:cNvCxnSpPr>
+            <p:nvPr/>
+          </p:nvCxnSpPr>
+          <p:spPr>
+            <a:xfrm>
+              <a:off x="2777997" y="3295474"/>
+              <a:ext cx="400515" cy="0"/>
+            </a:xfrm>
+            <a:prstGeom prst="straightConnector1">
+              <a:avLst/>
+            </a:prstGeom>
+            <a:ln w="38100">
+              <a:solidFill>
+                <a:srgbClr val="0070C0"/>
+              </a:solidFill>
+              <a:tailEnd type="triangle"/>
+            </a:ln>
+          </p:spPr>
+          <p:style>
+            <a:lnRef idx="1">
+              <a:schemeClr val="accent1"/>
+            </a:lnRef>
+            <a:fillRef idx="0">
+              <a:schemeClr val="accent1"/>
+            </a:fillRef>
+            <a:effectRef idx="0">
+              <a:schemeClr val="accent1"/>
+            </a:effectRef>
+            <a:fontRef idx="minor">
+              <a:schemeClr val="tx1"/>
+            </a:fontRef>
+          </p:style>
+        </p:cxnSp>
+        <p:sp>
+          <p:nvSpPr>
+            <p:cNvPr id="178" name="TextBox 177">
+              <a:extLst>
+                <a:ext uri="{FF2B5EF4-FFF2-40B4-BE49-F238E27FC236}">
+                  <a16:creationId xmlns:a16="http://schemas.microsoft.com/office/drawing/2014/main" id="{C00A7964-02A5-43F9-A7F9-9D81343FD27E}"/>
+                </a:ext>
+              </a:extLst>
+            </p:cNvPr>
+            <p:cNvSpPr txBox="1"/>
+            <p:nvPr/>
+          </p:nvSpPr>
+          <p:spPr>
+            <a:xfrm>
+              <a:off x="2775661" y="3328262"/>
+              <a:ext cx="635864" cy="276999"/>
+            </a:xfrm>
+            <a:prstGeom prst="rect">
+              <a:avLst/>
+            </a:prstGeom>
+            <a:noFill/>
+          </p:spPr>
+          <p:txBody>
+            <a:bodyPr wrap="square" rtlCol="0">
+              <a:spAutoFit/>
+            </a:bodyPr>
+            <a:lstStyle/>
+            <a:p>
+              <a:r>
+                <a:rPr lang="en-US" altLang="zh-TW" sz="1200" dirty="0" err="1"/>
+                <a:t>Dist</a:t>
+              </a:r>
+              <a:endParaRPr lang="zh-TW" altLang="en-US" sz="1200" dirty="0"/>
+            </a:p>
+          </p:txBody>
+        </p:sp>
+      </p:grpSp>
+      <p:pic>
+        <p:nvPicPr>
+          <p:cNvPr id="179" name="Picture 178">
+            <a:extLst>
+              <a:ext uri="{FF2B5EF4-FFF2-40B4-BE49-F238E27FC236}">
+                <a16:creationId xmlns:a16="http://schemas.microsoft.com/office/drawing/2014/main" id="{C4480E10-5F35-4D14-AF49-D5459AB5B293}"/>
+              </a:ext>
+            </a:extLst>
+          </p:cNvPr>
+          <p:cNvPicPr>
+            <a:picLocks noChangeAspect="1"/>
+          </p:cNvPicPr>
+          <p:nvPr/>
+        </p:nvPicPr>
+        <p:blipFill>
+          <a:blip r:embed="rId2"/>
+          <a:stretch>
+            <a:fillRect/>
+          </a:stretch>
+        </p:blipFill>
+        <p:spPr>
+          <a:xfrm>
+            <a:off x="2216890" y="4638097"/>
+            <a:ext cx="359720" cy="280440"/>
+          </a:xfrm>
+          <a:prstGeom prst="rect">
+            <a:avLst/>
+          </a:prstGeom>
+        </p:spPr>
+      </p:pic>
+      <p:sp>
+        <p:nvSpPr>
+          <p:cNvPr id="180" name="TextBox 179">
+            <a:extLst>
+              <a:ext uri="{FF2B5EF4-FFF2-40B4-BE49-F238E27FC236}">
+                <a16:creationId xmlns:a16="http://schemas.microsoft.com/office/drawing/2014/main" id="{664B917D-5DFC-471E-9657-1DDFB7F7057D}"/>
+              </a:ext>
+            </a:extLst>
+          </p:cNvPr>
+          <p:cNvSpPr txBox="1"/>
+          <p:nvPr/>
+        </p:nvSpPr>
+        <p:spPr>
+          <a:xfrm>
+            <a:off x="2022254" y="4392157"/>
+            <a:ext cx="2269555" cy="276999"/>
+          </a:xfrm>
+          <a:prstGeom prst="rect">
+            <a:avLst/>
+          </a:prstGeom>
+          <a:noFill/>
+        </p:spPr>
+        <p:txBody>
+          <a:bodyPr wrap="square" rtlCol="0">
+            <a:spAutoFit/>
+          </a:bodyPr>
+          <a:lstStyle/>
+          <a:p>
+            <a:r>
+              <a:rPr lang="en-US" altLang="zh-TW" sz="1200" dirty="0"/>
+              <a:t>Threshold</a:t>
+            </a:r>
+            <a:endParaRPr lang="zh-TW" altLang="en-US" sz="1200" dirty="0"/>
           </a:p>
         </p:txBody>
       </p:sp>
       <p:cxnSp>
         <p:nvCxnSpPr>
-          <p:cNvPr id="121" name="Straight Arrow Connector 120">
-            <a:extLst>
-              <a:ext uri="{FF2B5EF4-FFF2-40B4-BE49-F238E27FC236}">
-                <a16:creationId xmlns:a16="http://schemas.microsoft.com/office/drawing/2014/main" id="{49A46E5F-0BEA-4E68-9562-951B1B54522E}"/>
+          <p:cNvPr id="181" name="Straight Arrow Connector 180">
+            <a:extLst>
+              <a:ext uri="{FF2B5EF4-FFF2-40B4-BE49-F238E27FC236}">
+                <a16:creationId xmlns:a16="http://schemas.microsoft.com/office/drawing/2014/main" id="{CC28693B-B9A0-49C5-A3C7-82F42028DF9E}"/>
               </a:ext>
             </a:extLst>
           </p:cNvPr>
@@ -7056,15 +7077,380 @@
         </p:nvCxnSpPr>
         <p:spPr>
           <a:xfrm>
-            <a:off x="2464042" y="1982174"/>
-            <a:ext cx="829736" cy="0"/>
+            <a:off x="3801568" y="5094283"/>
+            <a:ext cx="724504" cy="0"/>
           </a:xfrm>
           <a:prstGeom prst="straightConnector1">
             <a:avLst/>
           </a:prstGeom>
           <a:ln w="38100">
             <a:solidFill>
-              <a:srgbClr val="FF0000"/>
+              <a:srgbClr val="0070C0"/>
+            </a:solidFill>
+            <a:tailEnd type="triangle"/>
+          </a:ln>
+        </p:spPr>
+        <p:style>
+          <a:lnRef idx="1">
+            <a:schemeClr val="accent1"/>
+          </a:lnRef>
+          <a:fillRef idx="0">
+            <a:schemeClr val="accent1"/>
+          </a:fillRef>
+          <a:effectRef idx="0">
+            <a:schemeClr val="accent1"/>
+          </a:effectRef>
+          <a:fontRef idx="minor">
+            <a:schemeClr val="tx1"/>
+          </a:fontRef>
+        </p:style>
+      </p:cxnSp>
+      <p:sp>
+        <p:nvSpPr>
+          <p:cNvPr id="182" name="TextBox 181">
+            <a:extLst>
+              <a:ext uri="{FF2B5EF4-FFF2-40B4-BE49-F238E27FC236}">
+                <a16:creationId xmlns:a16="http://schemas.microsoft.com/office/drawing/2014/main" id="{5859EAF4-54BB-43AC-A946-21AE89C2444C}"/>
+              </a:ext>
+            </a:extLst>
+          </p:cNvPr>
+          <p:cNvSpPr txBox="1"/>
+          <p:nvPr/>
+        </p:nvSpPr>
+        <p:spPr>
+          <a:xfrm>
+            <a:off x="3781884" y="5144859"/>
+            <a:ext cx="889175" cy="276999"/>
+          </a:xfrm>
+          <a:prstGeom prst="rect">
+            <a:avLst/>
+          </a:prstGeom>
+          <a:noFill/>
+        </p:spPr>
+        <p:txBody>
+          <a:bodyPr wrap="square" rtlCol="0">
+            <a:spAutoFit/>
+          </a:bodyPr>
+          <a:lstStyle/>
+          <a:p>
+            <a:r>
+              <a:rPr lang="en-US" altLang="zh-TW" sz="1200" dirty="0"/>
+              <a:t>Mask[L,W]</a:t>
+            </a:r>
+            <a:endParaRPr lang="zh-TW" altLang="en-US" sz="1200" dirty="0"/>
+          </a:p>
+        </p:txBody>
+      </p:sp>
+      <p:sp>
+        <p:nvSpPr>
+          <p:cNvPr id="183" name="Rectangle 182">
+            <a:extLst>
+              <a:ext uri="{FF2B5EF4-FFF2-40B4-BE49-F238E27FC236}">
+                <a16:creationId xmlns:a16="http://schemas.microsoft.com/office/drawing/2014/main" id="{11B9B09E-38A7-4F34-890A-F9562592AEA9}"/>
+              </a:ext>
+            </a:extLst>
+          </p:cNvPr>
+          <p:cNvSpPr/>
+          <p:nvPr/>
+        </p:nvSpPr>
+        <p:spPr>
+          <a:xfrm>
+            <a:off x="4533901" y="4609504"/>
+            <a:ext cx="1008000" cy="648000"/>
+          </a:xfrm>
+          <a:prstGeom prst="rect">
+            <a:avLst/>
+          </a:prstGeom>
+        </p:spPr>
+        <p:style>
+          <a:lnRef idx="2">
+            <a:schemeClr val="accent5">
+              <a:shade val="50000"/>
+            </a:schemeClr>
+          </a:lnRef>
+          <a:fillRef idx="1">
+            <a:schemeClr val="accent5"/>
+          </a:fillRef>
+          <a:effectRef idx="0">
+            <a:schemeClr val="accent5"/>
+          </a:effectRef>
+          <a:fontRef idx="minor">
+            <a:schemeClr val="lt1"/>
+          </a:fontRef>
+        </p:style>
+        <p:txBody>
+          <a:bodyPr rtlCol="0" anchor="ctr"/>
+          <a:lstStyle/>
+          <a:p>
+            <a:pPr algn="ctr"/>
+            <a:r>
+              <a:rPr lang="en-US" altLang="zh-TW" dirty="0"/>
+              <a:t>Labeling</a:t>
+            </a:r>
+            <a:endParaRPr lang="zh-TW" altLang="en-US" dirty="0"/>
+          </a:p>
+        </p:txBody>
+      </p:sp>
+    </p:spTree>
+    <p:extLst>
+      <p:ext uri="{BB962C8B-B14F-4D97-AF65-F5344CB8AC3E}">
+        <p14:creationId xmlns:p14="http://schemas.microsoft.com/office/powerpoint/2010/main" val="4286049701"/>
+      </p:ext>
+    </p:extLst>
+  </p:cSld>
+  <p:clrMapOvr>
+    <a:masterClrMapping/>
+  </p:clrMapOvr>
+</p:sld>
+</file>
+
+<file path=ppt/slides/slide5.xml><?xml version="1.0" encoding="utf-8"?>
+<p:sld xmlns:a="http://schemas.openxmlformats.org/drawingml/2006/main" xmlns:r="http://schemas.openxmlformats.org/officeDocument/2006/relationships" xmlns:p="http://schemas.openxmlformats.org/presentationml/2006/main">
+  <p:cSld>
+    <p:spTree>
+      <p:nvGrpSpPr>
+        <p:cNvPr id="1" name=""/>
+        <p:cNvGrpSpPr/>
+        <p:nvPr/>
+      </p:nvGrpSpPr>
+      <p:grpSpPr>
+        <a:xfrm>
+          <a:off x="0" y="0"/>
+          <a:ext cx="0" cy="0"/>
+          <a:chOff x="0" y="0"/>
+          <a:chExt cx="0" cy="0"/>
+        </a:xfrm>
+      </p:grpSpPr>
+      <p:sp>
+        <p:nvSpPr>
+          <p:cNvPr id="2" name="Title 1">
+            <a:extLst>
+              <a:ext uri="{FF2B5EF4-FFF2-40B4-BE49-F238E27FC236}">
+                <a16:creationId xmlns:a16="http://schemas.microsoft.com/office/drawing/2014/main" id="{6109BDC0-3EBE-4F40-9EE5-934362D1707B}"/>
+              </a:ext>
+            </a:extLst>
+          </p:cNvPr>
+          <p:cNvSpPr>
+            <a:spLocks noGrp="1"/>
+          </p:cNvSpPr>
+          <p:nvPr>
+            <p:ph type="title"/>
+          </p:nvPr>
+        </p:nvSpPr>
+        <p:spPr>
+          <a:xfrm>
+            <a:off x="838200" y="9525"/>
+            <a:ext cx="3640667" cy="1325563"/>
+          </a:xfrm>
+        </p:spPr>
+        <p:txBody>
+          <a:bodyPr/>
+          <a:lstStyle/>
+          <a:p>
+            <a:r>
+              <a:rPr lang="en-US" altLang="zh-TW" dirty="0"/>
+              <a:t>Flowchart</a:t>
+            </a:r>
+            <a:endParaRPr lang="zh-TW" altLang="en-US" dirty="0"/>
+          </a:p>
+        </p:txBody>
+      </p:sp>
+      <p:sp>
+        <p:nvSpPr>
+          <p:cNvPr id="4" name="Rectangle 3">
+            <a:extLst>
+              <a:ext uri="{FF2B5EF4-FFF2-40B4-BE49-F238E27FC236}">
+                <a16:creationId xmlns:a16="http://schemas.microsoft.com/office/drawing/2014/main" id="{8301004C-80D1-44C9-9C00-597481C06110}"/>
+              </a:ext>
+            </a:extLst>
+          </p:cNvPr>
+          <p:cNvSpPr/>
+          <p:nvPr/>
+        </p:nvSpPr>
+        <p:spPr>
+          <a:xfrm>
+            <a:off x="4504267" y="174857"/>
+            <a:ext cx="2880000" cy="288000"/>
+          </a:xfrm>
+          <a:prstGeom prst="rect">
+            <a:avLst/>
+          </a:prstGeom>
+        </p:spPr>
+        <p:style>
+          <a:lnRef idx="2">
+            <a:schemeClr val="accent1">
+              <a:shade val="50000"/>
+            </a:schemeClr>
+          </a:lnRef>
+          <a:fillRef idx="1">
+            <a:schemeClr val="accent1"/>
+          </a:fillRef>
+          <a:effectRef idx="0">
+            <a:schemeClr val="accent1"/>
+          </a:effectRef>
+          <a:fontRef idx="minor">
+            <a:schemeClr val="lt1"/>
+          </a:fontRef>
+        </p:style>
+        <p:txBody>
+          <a:bodyPr rtlCol="0" anchor="ctr"/>
+          <a:lstStyle/>
+          <a:p>
+            <a:pPr algn="ctr"/>
+            <a:r>
+              <a:rPr lang="zh-TW" altLang="en-US" sz="1600" dirty="0"/>
+              <a:t>開始 </a:t>
+            </a:r>
+            <a:r>
+              <a:rPr lang="en-US" altLang="zh-TW" sz="1600" dirty="0"/>
+              <a:t>(</a:t>
+            </a:r>
+            <a:r>
+              <a:rPr lang="zh-TW" altLang="en-US" sz="1600" dirty="0"/>
+              <a:t>原圖輸入</a:t>
+            </a:r>
+            <a:r>
+              <a:rPr lang="en-US" altLang="zh-TW" sz="1600" dirty="0"/>
+              <a:t>)</a:t>
+            </a:r>
+          </a:p>
+        </p:txBody>
+      </p:sp>
+      <p:sp>
+        <p:nvSpPr>
+          <p:cNvPr id="5" name="Rectangle 4">
+            <a:extLst>
+              <a:ext uri="{FF2B5EF4-FFF2-40B4-BE49-F238E27FC236}">
+                <a16:creationId xmlns:a16="http://schemas.microsoft.com/office/drawing/2014/main" id="{797FDEB7-DE47-4FC0-9EF1-6070F5F8E577}"/>
+              </a:ext>
+            </a:extLst>
+          </p:cNvPr>
+          <p:cNvSpPr/>
+          <p:nvPr/>
+        </p:nvSpPr>
+        <p:spPr>
+          <a:xfrm>
+            <a:off x="4504267" y="647284"/>
+            <a:ext cx="2880000" cy="288000"/>
+          </a:xfrm>
+          <a:prstGeom prst="rect">
+            <a:avLst/>
+          </a:prstGeom>
+        </p:spPr>
+        <p:style>
+          <a:lnRef idx="2">
+            <a:schemeClr val="accent1">
+              <a:shade val="50000"/>
+            </a:schemeClr>
+          </a:lnRef>
+          <a:fillRef idx="1">
+            <a:schemeClr val="accent1"/>
+          </a:fillRef>
+          <a:effectRef idx="0">
+            <a:schemeClr val="accent1"/>
+          </a:effectRef>
+          <a:fontRef idx="minor">
+            <a:schemeClr val="lt1"/>
+          </a:fontRef>
+        </p:style>
+        <p:txBody>
+          <a:bodyPr rtlCol="0" anchor="ctr"/>
+          <a:lstStyle/>
+          <a:p>
+            <a:pPr algn="ctr"/>
+            <a:r>
+              <a:rPr lang="en-US" altLang="zh-TW" sz="1600" dirty="0"/>
+              <a:t>Grayscale</a:t>
+            </a:r>
+            <a:r>
+              <a:rPr lang="zh-TW" altLang="en-US" sz="1600" dirty="0"/>
+              <a:t>處理</a:t>
+            </a:r>
+            <a:endParaRPr lang="en-US" altLang="zh-TW" sz="1600" dirty="0"/>
+          </a:p>
+        </p:txBody>
+      </p:sp>
+      <p:sp>
+        <p:nvSpPr>
+          <p:cNvPr id="8" name="Rectangle 7">
+            <a:extLst>
+              <a:ext uri="{FF2B5EF4-FFF2-40B4-BE49-F238E27FC236}">
+                <a16:creationId xmlns:a16="http://schemas.microsoft.com/office/drawing/2014/main" id="{ECA18C2B-DED5-4C83-8580-ADA401DDE0A9}"/>
+              </a:ext>
+            </a:extLst>
+          </p:cNvPr>
+          <p:cNvSpPr/>
+          <p:nvPr/>
+        </p:nvSpPr>
+        <p:spPr>
+          <a:xfrm>
+            <a:off x="4504267" y="1119712"/>
+            <a:ext cx="2880000" cy="288000"/>
+          </a:xfrm>
+          <a:prstGeom prst="rect">
+            <a:avLst/>
+          </a:prstGeom>
+        </p:spPr>
+        <p:style>
+          <a:lnRef idx="2">
+            <a:schemeClr val="accent1">
+              <a:shade val="50000"/>
+            </a:schemeClr>
+          </a:lnRef>
+          <a:fillRef idx="1">
+            <a:schemeClr val="accent1"/>
+          </a:fillRef>
+          <a:effectRef idx="0">
+            <a:schemeClr val="accent1"/>
+          </a:effectRef>
+          <a:fontRef idx="minor">
+            <a:schemeClr val="lt1"/>
+          </a:fontRef>
+        </p:style>
+        <p:txBody>
+          <a:bodyPr rtlCol="0" anchor="ctr"/>
+          <a:lstStyle/>
+          <a:p>
+            <a:pPr algn="ctr"/>
+            <a:r>
+              <a:rPr lang="en-US" altLang="zh-TW" sz="1600" dirty="0"/>
+              <a:t>Sobel</a:t>
+            </a:r>
+            <a:r>
+              <a:rPr lang="zh-TW" altLang="en-US" sz="1600" dirty="0"/>
+              <a:t>處理</a:t>
+            </a:r>
+            <a:endParaRPr lang="en-US" altLang="zh-TW" sz="1600" dirty="0"/>
+          </a:p>
+        </p:txBody>
+      </p:sp>
+      <p:cxnSp>
+        <p:nvCxnSpPr>
+          <p:cNvPr id="11" name="Straight Arrow Connector 10">
+            <a:extLst>
+              <a:ext uri="{FF2B5EF4-FFF2-40B4-BE49-F238E27FC236}">
+                <a16:creationId xmlns:a16="http://schemas.microsoft.com/office/drawing/2014/main" id="{EB2026F7-0D05-4483-A5A5-6FCE1830CFD0}"/>
+              </a:ext>
+            </a:extLst>
+          </p:cNvPr>
+          <p:cNvCxnSpPr>
+            <a:cxnSpLocks/>
+            <a:stCxn id="4" idx="2"/>
+            <a:endCxn id="5" idx="0"/>
+          </p:cNvCxnSpPr>
+          <p:nvPr/>
+        </p:nvCxnSpPr>
+        <p:spPr>
+          <a:xfrm>
+            <a:off x="5944267" y="462857"/>
+            <a:ext cx="0" cy="184427"/>
+          </a:xfrm>
+          <a:prstGeom prst="straightConnector1">
+            <a:avLst/>
+          </a:prstGeom>
+          <a:ln w="38100">
+            <a:solidFill>
+              <a:srgbClr val="0070C0"/>
             </a:solidFill>
             <a:tailEnd type="triangle"/>
           </a:ln>
@@ -7086,10 +7472,526 @@
       </p:cxnSp>
       <p:cxnSp>
         <p:nvCxnSpPr>
-          <p:cNvPr id="122" name="Straight Arrow Connector 121">
-            <a:extLst>
-              <a:ext uri="{FF2B5EF4-FFF2-40B4-BE49-F238E27FC236}">
-                <a16:creationId xmlns:a16="http://schemas.microsoft.com/office/drawing/2014/main" id="{5B527FD3-6F54-41D6-B332-9CFF73B6D1A3}"/>
+          <p:cNvPr id="14" name="Straight Arrow Connector 13">
+            <a:extLst>
+              <a:ext uri="{FF2B5EF4-FFF2-40B4-BE49-F238E27FC236}">
+                <a16:creationId xmlns:a16="http://schemas.microsoft.com/office/drawing/2014/main" id="{E03CBC6F-6C43-4099-9738-77B5AAB360F9}"/>
+              </a:ext>
+            </a:extLst>
+          </p:cNvPr>
+          <p:cNvCxnSpPr>
+            <a:cxnSpLocks/>
+            <a:stCxn id="5" idx="2"/>
+            <a:endCxn id="8" idx="0"/>
+          </p:cNvCxnSpPr>
+          <p:nvPr/>
+        </p:nvCxnSpPr>
+        <p:spPr>
+          <a:xfrm>
+            <a:off x="5944267" y="935284"/>
+            <a:ext cx="0" cy="184428"/>
+          </a:xfrm>
+          <a:prstGeom prst="straightConnector1">
+            <a:avLst/>
+          </a:prstGeom>
+          <a:ln w="38100">
+            <a:solidFill>
+              <a:srgbClr val="0070C0"/>
+            </a:solidFill>
+            <a:tailEnd type="triangle"/>
+          </a:ln>
+        </p:spPr>
+        <p:style>
+          <a:lnRef idx="1">
+            <a:schemeClr val="accent1"/>
+          </a:lnRef>
+          <a:fillRef idx="0">
+            <a:schemeClr val="accent1"/>
+          </a:fillRef>
+          <a:effectRef idx="0">
+            <a:schemeClr val="accent1"/>
+          </a:effectRef>
+          <a:fontRef idx="minor">
+            <a:schemeClr val="tx1"/>
+          </a:fontRef>
+        </p:style>
+      </p:cxnSp>
+      <p:sp>
+        <p:nvSpPr>
+          <p:cNvPr id="15" name="Rectangle 14">
+            <a:extLst>
+              <a:ext uri="{FF2B5EF4-FFF2-40B4-BE49-F238E27FC236}">
+                <a16:creationId xmlns:a16="http://schemas.microsoft.com/office/drawing/2014/main" id="{CBEBB8EE-6B4C-48D8-A6E6-4F9172B3E65B}"/>
+              </a:ext>
+            </a:extLst>
+          </p:cNvPr>
+          <p:cNvSpPr/>
+          <p:nvPr/>
+        </p:nvSpPr>
+        <p:spPr>
+          <a:xfrm>
+            <a:off x="4504267" y="2667877"/>
+            <a:ext cx="2880000" cy="288000"/>
+          </a:xfrm>
+          <a:prstGeom prst="rect">
+            <a:avLst/>
+          </a:prstGeom>
+        </p:spPr>
+        <p:style>
+          <a:lnRef idx="2">
+            <a:schemeClr val="accent1">
+              <a:shade val="50000"/>
+            </a:schemeClr>
+          </a:lnRef>
+          <a:fillRef idx="1">
+            <a:schemeClr val="accent1"/>
+          </a:fillRef>
+          <a:effectRef idx="0">
+            <a:schemeClr val="accent1"/>
+          </a:effectRef>
+          <a:fontRef idx="minor">
+            <a:schemeClr val="lt1"/>
+          </a:fontRef>
+        </p:style>
+        <p:txBody>
+          <a:bodyPr rtlCol="0" anchor="ctr"/>
+          <a:lstStyle/>
+          <a:p>
+            <a:pPr algn="ctr"/>
+            <a:r>
+              <a:rPr lang="zh-TW" altLang="en-US" sz="1600" dirty="0"/>
+              <a:t>取</a:t>
+            </a:r>
+            <a:r>
+              <a:rPr lang="en-US" altLang="zh-TW" sz="1600" dirty="0" err="1"/>
+              <a:t>big_kernel</a:t>
+            </a:r>
+            <a:r>
+              <a:rPr lang="en-US" altLang="zh-TW" sz="1600" dirty="0"/>
+              <a:t>[</a:t>
+            </a:r>
+            <a:r>
+              <a:rPr lang="en-US" altLang="zh-TW" sz="1600" dirty="0" err="1"/>
+              <a:t>i,j</a:t>
+            </a:r>
+            <a:r>
+              <a:rPr lang="en-US" altLang="zh-TW" sz="1600" dirty="0"/>
+              <a:t>]</a:t>
+            </a:r>
+          </a:p>
+        </p:txBody>
+      </p:sp>
+      <p:cxnSp>
+        <p:nvCxnSpPr>
+          <p:cNvPr id="16" name="Straight Arrow Connector 15">
+            <a:extLst>
+              <a:ext uri="{FF2B5EF4-FFF2-40B4-BE49-F238E27FC236}">
+                <a16:creationId xmlns:a16="http://schemas.microsoft.com/office/drawing/2014/main" id="{88B520D8-C19E-4428-B4C7-230387247968}"/>
+              </a:ext>
+            </a:extLst>
+          </p:cNvPr>
+          <p:cNvCxnSpPr>
+            <a:cxnSpLocks/>
+            <a:stCxn id="8" idx="2"/>
+            <a:endCxn id="23" idx="0"/>
+          </p:cNvCxnSpPr>
+          <p:nvPr/>
+        </p:nvCxnSpPr>
+        <p:spPr>
+          <a:xfrm>
+            <a:off x="5944267" y="1407712"/>
+            <a:ext cx="0" cy="729438"/>
+          </a:xfrm>
+          <a:prstGeom prst="straightConnector1">
+            <a:avLst/>
+          </a:prstGeom>
+          <a:ln w="38100">
+            <a:solidFill>
+              <a:srgbClr val="0070C0"/>
+            </a:solidFill>
+            <a:tailEnd type="triangle"/>
+          </a:ln>
+        </p:spPr>
+        <p:style>
+          <a:lnRef idx="1">
+            <a:schemeClr val="accent1"/>
+          </a:lnRef>
+          <a:fillRef idx="0">
+            <a:schemeClr val="accent1"/>
+          </a:fillRef>
+          <a:effectRef idx="0">
+            <a:schemeClr val="accent1"/>
+          </a:effectRef>
+          <a:fontRef idx="minor">
+            <a:schemeClr val="tx1"/>
+          </a:fontRef>
+        </p:style>
+      </p:cxnSp>
+      <p:sp>
+        <p:nvSpPr>
+          <p:cNvPr id="23" name="Rectangle 22">
+            <a:extLst>
+              <a:ext uri="{FF2B5EF4-FFF2-40B4-BE49-F238E27FC236}">
+                <a16:creationId xmlns:a16="http://schemas.microsoft.com/office/drawing/2014/main" id="{2DAFC887-9AA2-4755-80A1-C77E6A4CB936}"/>
+              </a:ext>
+            </a:extLst>
+          </p:cNvPr>
+          <p:cNvSpPr/>
+          <p:nvPr/>
+        </p:nvSpPr>
+        <p:spPr>
+          <a:xfrm>
+            <a:off x="4504267" y="2137150"/>
+            <a:ext cx="2880000" cy="288000"/>
+          </a:xfrm>
+          <a:prstGeom prst="rect">
+            <a:avLst/>
+          </a:prstGeom>
+        </p:spPr>
+        <p:style>
+          <a:lnRef idx="2">
+            <a:schemeClr val="accent1">
+              <a:shade val="50000"/>
+            </a:schemeClr>
+          </a:lnRef>
+          <a:fillRef idx="1">
+            <a:schemeClr val="accent1"/>
+          </a:fillRef>
+          <a:effectRef idx="0">
+            <a:schemeClr val="accent1"/>
+          </a:effectRef>
+          <a:fontRef idx="minor">
+            <a:schemeClr val="lt1"/>
+          </a:fontRef>
+        </p:style>
+        <p:txBody>
+          <a:bodyPr rtlCol="0" anchor="ctr"/>
+          <a:lstStyle/>
+          <a:p>
+            <a:pPr algn="ctr"/>
+            <a:r>
+              <a:rPr lang="zh-TW" altLang="en-US" sz="1600" dirty="0"/>
+              <a:t>取</a:t>
+            </a:r>
+            <a:r>
+              <a:rPr lang="en-US" altLang="zh-TW" sz="1600" dirty="0" err="1"/>
+              <a:t>big_kernel</a:t>
+            </a:r>
+            <a:r>
+              <a:rPr lang="en-US" altLang="zh-TW" sz="1600" dirty="0"/>
+              <a:t> (N</a:t>
+            </a:r>
+            <a:r>
+              <a:rPr lang="zh-TW" altLang="en-US" sz="1600" dirty="0"/>
+              <a:t> </a:t>
+            </a:r>
+            <a:r>
+              <a:rPr lang="en-US" altLang="zh-TW" sz="1600" dirty="0"/>
+              <a:t>x N Matrices)</a:t>
+            </a:r>
+          </a:p>
+        </p:txBody>
+      </p:sp>
+      <p:cxnSp>
+        <p:nvCxnSpPr>
+          <p:cNvPr id="26" name="Straight Arrow Connector 25">
+            <a:extLst>
+              <a:ext uri="{FF2B5EF4-FFF2-40B4-BE49-F238E27FC236}">
+                <a16:creationId xmlns:a16="http://schemas.microsoft.com/office/drawing/2014/main" id="{1E27B449-149E-43CD-B91D-ADA0B19DACC2}"/>
+              </a:ext>
+            </a:extLst>
+          </p:cNvPr>
+          <p:cNvCxnSpPr>
+            <a:cxnSpLocks/>
+            <a:stCxn id="23" idx="2"/>
+            <a:endCxn id="15" idx="0"/>
+          </p:cNvCxnSpPr>
+          <p:nvPr/>
+        </p:nvCxnSpPr>
+        <p:spPr>
+          <a:xfrm>
+            <a:off x="5944267" y="2425150"/>
+            <a:ext cx="0" cy="242727"/>
+          </a:xfrm>
+          <a:prstGeom prst="straightConnector1">
+            <a:avLst/>
+          </a:prstGeom>
+          <a:ln w="38100">
+            <a:solidFill>
+              <a:srgbClr val="0070C0"/>
+            </a:solidFill>
+            <a:tailEnd type="triangle"/>
+          </a:ln>
+        </p:spPr>
+        <p:style>
+          <a:lnRef idx="1">
+            <a:schemeClr val="accent1"/>
+          </a:lnRef>
+          <a:fillRef idx="0">
+            <a:schemeClr val="accent1"/>
+          </a:fillRef>
+          <a:effectRef idx="0">
+            <a:schemeClr val="accent1"/>
+          </a:effectRef>
+          <a:fontRef idx="minor">
+            <a:schemeClr val="tx1"/>
+          </a:fontRef>
+        </p:style>
+      </p:cxnSp>
+      <p:sp>
+        <p:nvSpPr>
+          <p:cNvPr id="52" name="Rectangle 51">
+            <a:extLst>
+              <a:ext uri="{FF2B5EF4-FFF2-40B4-BE49-F238E27FC236}">
+                <a16:creationId xmlns:a16="http://schemas.microsoft.com/office/drawing/2014/main" id="{7DA376BD-5F67-457B-B8BF-E49532F0A01C}"/>
+              </a:ext>
+            </a:extLst>
+          </p:cNvPr>
+          <p:cNvSpPr/>
+          <p:nvPr/>
+        </p:nvSpPr>
+        <p:spPr>
+          <a:xfrm>
+            <a:off x="4504267" y="3167615"/>
+            <a:ext cx="2880000" cy="288000"/>
+          </a:xfrm>
+          <a:prstGeom prst="rect">
+            <a:avLst/>
+          </a:prstGeom>
+        </p:spPr>
+        <p:style>
+          <a:lnRef idx="2">
+            <a:schemeClr val="accent1">
+              <a:shade val="50000"/>
+            </a:schemeClr>
+          </a:lnRef>
+          <a:fillRef idx="1">
+            <a:schemeClr val="accent1"/>
+          </a:fillRef>
+          <a:effectRef idx="0">
+            <a:schemeClr val="accent1"/>
+          </a:effectRef>
+          <a:fontRef idx="minor">
+            <a:schemeClr val="lt1"/>
+          </a:fontRef>
+        </p:style>
+        <p:txBody>
+          <a:bodyPr rtlCol="0" anchor="ctr"/>
+          <a:lstStyle/>
+          <a:p>
+            <a:pPr algn="ctr"/>
+            <a:r>
+              <a:rPr lang="en-US" altLang="zh-TW" sz="1600" dirty="0"/>
+              <a:t>LBP</a:t>
+            </a:r>
+          </a:p>
+        </p:txBody>
+      </p:sp>
+      <p:cxnSp>
+        <p:nvCxnSpPr>
+          <p:cNvPr id="53" name="Straight Arrow Connector 52">
+            <a:extLst>
+              <a:ext uri="{FF2B5EF4-FFF2-40B4-BE49-F238E27FC236}">
+                <a16:creationId xmlns:a16="http://schemas.microsoft.com/office/drawing/2014/main" id="{03B17416-3FF9-4801-AE2A-30124331616B}"/>
+              </a:ext>
+            </a:extLst>
+          </p:cNvPr>
+          <p:cNvCxnSpPr>
+            <a:cxnSpLocks/>
+            <a:stCxn id="15" idx="2"/>
+            <a:endCxn id="52" idx="0"/>
+          </p:cNvCxnSpPr>
+          <p:nvPr/>
+        </p:nvCxnSpPr>
+        <p:spPr>
+          <a:xfrm>
+            <a:off x="5944267" y="2955877"/>
+            <a:ext cx="0" cy="211738"/>
+          </a:xfrm>
+          <a:prstGeom prst="straightConnector1">
+            <a:avLst/>
+          </a:prstGeom>
+          <a:ln w="38100">
+            <a:solidFill>
+              <a:srgbClr val="0070C0"/>
+            </a:solidFill>
+            <a:tailEnd type="triangle"/>
+          </a:ln>
+        </p:spPr>
+        <p:style>
+          <a:lnRef idx="1">
+            <a:schemeClr val="accent1"/>
+          </a:lnRef>
+          <a:fillRef idx="0">
+            <a:schemeClr val="accent1"/>
+          </a:fillRef>
+          <a:effectRef idx="0">
+            <a:schemeClr val="accent1"/>
+          </a:effectRef>
+          <a:fontRef idx="minor">
+            <a:schemeClr val="tx1"/>
+          </a:fontRef>
+        </p:style>
+      </p:cxnSp>
+      <p:sp>
+        <p:nvSpPr>
+          <p:cNvPr id="55" name="Rectangle 54">
+            <a:extLst>
+              <a:ext uri="{FF2B5EF4-FFF2-40B4-BE49-F238E27FC236}">
+                <a16:creationId xmlns:a16="http://schemas.microsoft.com/office/drawing/2014/main" id="{51C18D14-183A-4C6D-A8B3-1833631A2BFB}"/>
+              </a:ext>
+            </a:extLst>
+          </p:cNvPr>
+          <p:cNvSpPr/>
+          <p:nvPr/>
+        </p:nvSpPr>
+        <p:spPr>
+          <a:xfrm>
+            <a:off x="4504267" y="3658141"/>
+            <a:ext cx="2880000" cy="288000"/>
+          </a:xfrm>
+          <a:prstGeom prst="rect">
+            <a:avLst/>
+          </a:prstGeom>
+        </p:spPr>
+        <p:style>
+          <a:lnRef idx="2">
+            <a:schemeClr val="accent1">
+              <a:shade val="50000"/>
+            </a:schemeClr>
+          </a:lnRef>
+          <a:fillRef idx="1">
+            <a:schemeClr val="accent1"/>
+          </a:fillRef>
+          <a:effectRef idx="0">
+            <a:schemeClr val="accent1"/>
+          </a:effectRef>
+          <a:fontRef idx="minor">
+            <a:schemeClr val="lt1"/>
+          </a:fontRef>
+        </p:style>
+        <p:txBody>
+          <a:bodyPr rtlCol="0" anchor="ctr"/>
+          <a:lstStyle/>
+          <a:p>
+            <a:pPr algn="ctr"/>
+            <a:r>
+              <a:rPr lang="zh-TW" altLang="en-US" sz="1600" dirty="0"/>
+              <a:t>加到</a:t>
+            </a:r>
+            <a:r>
+              <a:rPr lang="en-US" altLang="zh-TW" sz="1600" dirty="0"/>
+              <a:t>Histogram</a:t>
+            </a:r>
+          </a:p>
+        </p:txBody>
+      </p:sp>
+      <p:cxnSp>
+        <p:nvCxnSpPr>
+          <p:cNvPr id="56" name="Straight Arrow Connector 55">
+            <a:extLst>
+              <a:ext uri="{FF2B5EF4-FFF2-40B4-BE49-F238E27FC236}">
+                <a16:creationId xmlns:a16="http://schemas.microsoft.com/office/drawing/2014/main" id="{3D5C4F36-821C-4DA3-B749-8F918E0A9F29}"/>
+              </a:ext>
+            </a:extLst>
+          </p:cNvPr>
+          <p:cNvCxnSpPr>
+            <a:cxnSpLocks/>
+            <a:stCxn id="52" idx="2"/>
+            <a:endCxn id="55" idx="0"/>
+          </p:cNvCxnSpPr>
+          <p:nvPr/>
+        </p:nvCxnSpPr>
+        <p:spPr>
+          <a:xfrm>
+            <a:off x="5944267" y="3455615"/>
+            <a:ext cx="0" cy="202526"/>
+          </a:xfrm>
+          <a:prstGeom prst="straightConnector1">
+            <a:avLst/>
+          </a:prstGeom>
+          <a:ln w="38100">
+            <a:solidFill>
+              <a:srgbClr val="0070C0"/>
+            </a:solidFill>
+            <a:tailEnd type="triangle"/>
+          </a:ln>
+        </p:spPr>
+        <p:style>
+          <a:lnRef idx="1">
+            <a:schemeClr val="accent1"/>
+          </a:lnRef>
+          <a:fillRef idx="0">
+            <a:schemeClr val="accent1"/>
+          </a:fillRef>
+          <a:effectRef idx="0">
+            <a:schemeClr val="accent1"/>
+          </a:effectRef>
+          <a:fontRef idx="minor">
+            <a:schemeClr val="tx1"/>
+          </a:fontRef>
+        </p:style>
+      </p:cxnSp>
+      <p:sp>
+        <p:nvSpPr>
+          <p:cNvPr id="83" name="Flowchart: Decision 82">
+            <a:extLst>
+              <a:ext uri="{FF2B5EF4-FFF2-40B4-BE49-F238E27FC236}">
+                <a16:creationId xmlns:a16="http://schemas.microsoft.com/office/drawing/2014/main" id="{92C009E0-7CD8-4022-86C7-20B3A1EA2FFC}"/>
+              </a:ext>
+            </a:extLst>
+          </p:cNvPr>
+          <p:cNvSpPr/>
+          <p:nvPr/>
+        </p:nvSpPr>
+        <p:spPr>
+          <a:xfrm>
+            <a:off x="4673601" y="4148667"/>
+            <a:ext cx="2540000" cy="575733"/>
+          </a:xfrm>
+          <a:prstGeom prst="flowChartDecision">
+            <a:avLst/>
+          </a:prstGeom>
+        </p:spPr>
+        <p:style>
+          <a:lnRef idx="2">
+            <a:schemeClr val="accent1">
+              <a:shade val="50000"/>
+            </a:schemeClr>
+          </a:lnRef>
+          <a:fillRef idx="1">
+            <a:schemeClr val="accent1"/>
+          </a:fillRef>
+          <a:effectRef idx="0">
+            <a:schemeClr val="accent1"/>
+          </a:effectRef>
+          <a:fontRef idx="minor">
+            <a:schemeClr val="lt1"/>
+          </a:fontRef>
+        </p:style>
+        <p:txBody>
+          <a:bodyPr rtlCol="0" anchor="ctr"/>
+          <a:lstStyle/>
+          <a:p>
+            <a:pPr algn="ctr"/>
+            <a:r>
+              <a:rPr lang="en-US" altLang="zh-TW" sz="1200" dirty="0" err="1"/>
+              <a:t>i</a:t>
+            </a:r>
+            <a:r>
+              <a:rPr lang="en-US" altLang="zh-TW" sz="1200" dirty="0"/>
+              <a:t> or j &gt;= N?</a:t>
+            </a:r>
+            <a:endParaRPr lang="zh-TW" altLang="en-US" sz="1200" dirty="0"/>
+          </a:p>
+        </p:txBody>
+      </p:sp>
+      <p:cxnSp>
+        <p:nvCxnSpPr>
+          <p:cNvPr id="114" name="Straight Arrow Connector 113">
+            <a:extLst>
+              <a:ext uri="{FF2B5EF4-FFF2-40B4-BE49-F238E27FC236}">
+                <a16:creationId xmlns:a16="http://schemas.microsoft.com/office/drawing/2014/main" id="{234A46B4-49EB-429C-9E4B-C738F8710E54}"/>
               </a:ext>
             </a:extLst>
           </p:cNvPr>
@@ -7100,15 +8002,15 @@
         </p:nvCxnSpPr>
         <p:spPr>
           <a:xfrm>
-            <a:off x="2464042" y="2229342"/>
-            <a:ext cx="829736" cy="0"/>
+            <a:off x="5944268" y="3946141"/>
+            <a:ext cx="0" cy="202526"/>
           </a:xfrm>
           <a:prstGeom prst="straightConnector1">
             <a:avLst/>
           </a:prstGeom>
           <a:ln w="38100">
             <a:solidFill>
-              <a:srgbClr val="FF0000"/>
+              <a:srgbClr val="0070C0"/>
             </a:solidFill>
             <a:tailEnd type="triangle"/>
           </a:ln>
@@ -7130,29 +8032,175 @@
       </p:cxnSp>
       <p:cxnSp>
         <p:nvCxnSpPr>
-          <p:cNvPr id="125" name="Straight Arrow Connector 124">
-            <a:extLst>
-              <a:ext uri="{FF2B5EF4-FFF2-40B4-BE49-F238E27FC236}">
-                <a16:creationId xmlns:a16="http://schemas.microsoft.com/office/drawing/2014/main" id="{FB4CD218-6A6E-4DC0-A11B-9D233DEC10CB}"/>
+          <p:cNvPr id="116" name="Connector: Elbow 115">
+            <a:extLst>
+              <a:ext uri="{FF2B5EF4-FFF2-40B4-BE49-F238E27FC236}">
+                <a16:creationId xmlns:a16="http://schemas.microsoft.com/office/drawing/2014/main" id="{787BE3D5-1968-4CC9-804D-CA1DB449C006}"/>
               </a:ext>
             </a:extLst>
           </p:cNvPr>
           <p:cNvCxnSpPr>
             <a:cxnSpLocks/>
+            <a:stCxn id="83" idx="3"/>
+            <a:endCxn id="125" idx="2"/>
           </p:cNvCxnSpPr>
           <p:nvPr/>
         </p:nvCxnSpPr>
         <p:spPr>
-          <a:xfrm>
-            <a:off x="2466438" y="2495852"/>
-            <a:ext cx="829736" cy="0"/>
-          </a:xfrm>
-          <a:prstGeom prst="straightConnector1">
+          <a:xfrm flipV="1">
+            <a:off x="7213601" y="3451009"/>
+            <a:ext cx="861630" cy="985525"/>
+          </a:xfrm>
+          <a:prstGeom prst="bentConnector2">
             <a:avLst/>
           </a:prstGeom>
           <a:ln w="38100">
             <a:solidFill>
-              <a:srgbClr val="FF0000"/>
+              <a:srgbClr val="0070C0"/>
+            </a:solidFill>
+            <a:tailEnd type="triangle"/>
+          </a:ln>
+        </p:spPr>
+        <p:style>
+          <a:lnRef idx="1">
+            <a:schemeClr val="accent1"/>
+          </a:lnRef>
+          <a:fillRef idx="0">
+            <a:schemeClr val="accent1"/>
+          </a:fillRef>
+          <a:effectRef idx="0">
+            <a:schemeClr val="accent1"/>
+          </a:effectRef>
+          <a:fontRef idx="minor">
+            <a:schemeClr val="tx1"/>
+          </a:fontRef>
+        </p:style>
+      </p:cxnSp>
+      <p:sp>
+        <p:nvSpPr>
+          <p:cNvPr id="118" name="TextBox 117">
+            <a:extLst>
+              <a:ext uri="{FF2B5EF4-FFF2-40B4-BE49-F238E27FC236}">
+                <a16:creationId xmlns:a16="http://schemas.microsoft.com/office/drawing/2014/main" id="{240DCC93-E6BC-462E-9983-E2F578BF46F4}"/>
+              </a:ext>
+            </a:extLst>
+          </p:cNvPr>
+          <p:cNvSpPr txBox="1"/>
+          <p:nvPr/>
+        </p:nvSpPr>
+        <p:spPr>
+          <a:xfrm>
+            <a:off x="7384267" y="4436533"/>
+            <a:ext cx="840699" cy="338554"/>
+          </a:xfrm>
+          <a:prstGeom prst="rect">
+            <a:avLst/>
+          </a:prstGeom>
+          <a:noFill/>
+        </p:spPr>
+        <p:txBody>
+          <a:bodyPr wrap="square" rtlCol="0">
+            <a:spAutoFit/>
+          </a:bodyPr>
+          <a:lstStyle/>
+          <a:p>
+            <a:r>
+              <a:rPr lang="en-US" altLang="zh-TW" sz="1600" dirty="0"/>
+              <a:t>false</a:t>
+            </a:r>
+            <a:endParaRPr lang="zh-TW" altLang="en-US" sz="1600" dirty="0"/>
+          </a:p>
+        </p:txBody>
+      </p:sp>
+      <p:sp>
+        <p:nvSpPr>
+          <p:cNvPr id="125" name="Rectangle 124">
+            <a:extLst>
+              <a:ext uri="{FF2B5EF4-FFF2-40B4-BE49-F238E27FC236}">
+                <a16:creationId xmlns:a16="http://schemas.microsoft.com/office/drawing/2014/main" id="{0CCB0D99-BDB1-4EF3-8854-CE97CC8CE263}"/>
+              </a:ext>
+            </a:extLst>
+          </p:cNvPr>
+          <p:cNvSpPr/>
+          <p:nvPr/>
+        </p:nvSpPr>
+        <p:spPr>
+          <a:xfrm>
+            <a:off x="7568397" y="3163009"/>
+            <a:ext cx="1013668" cy="288000"/>
+          </a:xfrm>
+          <a:prstGeom prst="rect">
+            <a:avLst/>
+          </a:prstGeom>
+        </p:spPr>
+        <p:style>
+          <a:lnRef idx="2">
+            <a:schemeClr val="accent1">
+              <a:shade val="50000"/>
+            </a:schemeClr>
+          </a:lnRef>
+          <a:fillRef idx="1">
+            <a:schemeClr val="accent1"/>
+          </a:fillRef>
+          <a:effectRef idx="0">
+            <a:schemeClr val="accent1"/>
+          </a:effectRef>
+          <a:fontRef idx="minor">
+            <a:schemeClr val="lt1"/>
+          </a:fontRef>
+        </p:style>
+        <p:txBody>
+          <a:bodyPr rtlCol="0" anchor="ctr"/>
+          <a:lstStyle/>
+          <a:p>
+            <a:pPr algn="ctr"/>
+            <a:r>
+              <a:rPr lang="zh-TW" altLang="en-US" sz="1600" dirty="0"/>
+              <a:t> </a:t>
+            </a:r>
+            <a:r>
+              <a:rPr lang="en-US" altLang="zh-TW" sz="1600" dirty="0" err="1"/>
+              <a:t>i</a:t>
+            </a:r>
+            <a:r>
+              <a:rPr lang="en-US" altLang="zh-TW" sz="1600" dirty="0"/>
+              <a:t>++ or </a:t>
+            </a:r>
+            <a:r>
+              <a:rPr lang="en-US" altLang="zh-TW" sz="1600" dirty="0" err="1"/>
+              <a:t>j++</a:t>
+            </a:r>
+            <a:endParaRPr lang="en-US" altLang="zh-TW" sz="1600" dirty="0"/>
+          </a:p>
+        </p:txBody>
+      </p:sp>
+      <p:cxnSp>
+        <p:nvCxnSpPr>
+          <p:cNvPr id="127" name="Connector: Elbow 126">
+            <a:extLst>
+              <a:ext uri="{FF2B5EF4-FFF2-40B4-BE49-F238E27FC236}">
+                <a16:creationId xmlns:a16="http://schemas.microsoft.com/office/drawing/2014/main" id="{81C56CF0-9324-4161-8D95-0283801F479A}"/>
+              </a:ext>
+            </a:extLst>
+          </p:cNvPr>
+          <p:cNvCxnSpPr>
+            <a:cxnSpLocks/>
+            <a:stCxn id="125" idx="0"/>
+            <a:endCxn id="15" idx="3"/>
+          </p:cNvCxnSpPr>
+          <p:nvPr/>
+        </p:nvCxnSpPr>
+        <p:spPr>
+          <a:xfrm rot="16200000" flipV="1">
+            <a:off x="7554183" y="2641961"/>
+            <a:ext cx="351132" cy="690964"/>
+          </a:xfrm>
+          <a:prstGeom prst="bentConnector2">
+            <a:avLst/>
+          </a:prstGeom>
+          <a:ln w="38100">
+            <a:solidFill>
+              <a:srgbClr val="0070C0"/>
             </a:solidFill>
             <a:tailEnd type="triangle"/>
           </a:ln>
@@ -7177,7 +8225,7 @@
           <p:cNvPr id="130" name="Straight Arrow Connector 129">
             <a:extLst>
               <a:ext uri="{FF2B5EF4-FFF2-40B4-BE49-F238E27FC236}">
-                <a16:creationId xmlns:a16="http://schemas.microsoft.com/office/drawing/2014/main" id="{84BDD69A-80E3-42A6-A4FE-3D349652A311}"/>
+                <a16:creationId xmlns:a16="http://schemas.microsoft.com/office/drawing/2014/main" id="{399D71FB-DF62-41B6-8CCA-3FA09D500032}"/>
               </a:ext>
             </a:extLst>
           </p:cNvPr>
@@ -7187,16 +8235,16 @@
           <p:nvPr/>
         </p:nvCxnSpPr>
         <p:spPr>
-          <a:xfrm flipV="1">
-            <a:off x="2461767" y="2729166"/>
-            <a:ext cx="822407" cy="1"/>
+          <a:xfrm>
+            <a:off x="5943601" y="4724400"/>
+            <a:ext cx="0" cy="245533"/>
           </a:xfrm>
           <a:prstGeom prst="straightConnector1">
             <a:avLst/>
           </a:prstGeom>
           <a:ln w="38100">
             <a:solidFill>
-              <a:srgbClr val="FF0000"/>
+              <a:srgbClr val="0070C0"/>
             </a:solidFill>
             <a:tailEnd type="triangle"/>
           </a:ln>
@@ -7216,56 +8264,203 @@
           </a:fontRef>
         </p:style>
       </p:cxnSp>
-      <p:cxnSp>
-        <p:nvCxnSpPr>
-          <p:cNvPr id="135" name="Straight Arrow Connector 134">
-            <a:extLst>
-              <a:ext uri="{FF2B5EF4-FFF2-40B4-BE49-F238E27FC236}">
-                <a16:creationId xmlns:a16="http://schemas.microsoft.com/office/drawing/2014/main" id="{4B19AD8C-231C-4DA2-890E-F7C3AA4619B1}"/>
-              </a:ext>
-            </a:extLst>
-          </p:cNvPr>
-          <p:cNvCxnSpPr>
-            <a:cxnSpLocks/>
-          </p:cNvCxnSpPr>
+      <p:sp>
+        <p:nvSpPr>
+          <p:cNvPr id="133" name="Flowchart: Decision 132">
+            <a:extLst>
+              <a:ext uri="{FF2B5EF4-FFF2-40B4-BE49-F238E27FC236}">
+                <a16:creationId xmlns:a16="http://schemas.microsoft.com/office/drawing/2014/main" id="{1236B1A6-DC3E-4D5B-9F7A-DFC465EA623A}"/>
+              </a:ext>
+            </a:extLst>
+          </p:cNvPr>
+          <p:cNvSpPr/>
           <p:nvPr/>
-        </p:nvCxnSpPr>
-        <p:spPr>
-          <a:xfrm flipV="1">
-            <a:off x="2469565" y="1755984"/>
-            <a:ext cx="822407" cy="1"/>
-          </a:xfrm>
-          <a:prstGeom prst="straightConnector1">
+        </p:nvSpPr>
+        <p:spPr>
+          <a:xfrm>
+            <a:off x="4673601" y="4982633"/>
+            <a:ext cx="2540000" cy="575733"/>
+          </a:xfrm>
+          <a:prstGeom prst="flowChartDecision">
             <a:avLst/>
           </a:prstGeom>
-          <a:ln w="38100">
-            <a:solidFill>
-              <a:srgbClr val="FF0000"/>
-            </a:solidFill>
-            <a:tailEnd type="triangle"/>
-          </a:ln>
         </p:spPr>
         <p:style>
-          <a:lnRef idx="1">
-            <a:schemeClr val="accent1"/>
+          <a:lnRef idx="2">
+            <a:schemeClr val="accent1">
+              <a:shade val="50000"/>
+            </a:schemeClr>
           </a:lnRef>
-          <a:fillRef idx="0">
+          <a:fillRef idx="1">
             <a:schemeClr val="accent1"/>
           </a:fillRef>
           <a:effectRef idx="0">
             <a:schemeClr val="accent1"/>
           </a:effectRef>
           <a:fontRef idx="minor">
-            <a:schemeClr val="tx1"/>
+            <a:schemeClr val="lt1"/>
           </a:fontRef>
         </p:style>
-      </p:cxnSp>
-      <p:sp>
-        <p:nvSpPr>
-          <p:cNvPr id="2" name="文字方塊 1">
-            <a:extLst>
-              <a:ext uri="{FF2B5EF4-FFF2-40B4-BE49-F238E27FC236}">
-                <a16:creationId xmlns:a16="http://schemas.microsoft.com/office/drawing/2014/main" id="{184A824D-E62B-4A06-8583-9FC920FFC33E}"/>
+        <p:txBody>
+          <a:bodyPr rtlCol="0" anchor="ctr"/>
+          <a:lstStyle/>
+          <a:p>
+            <a:pPr algn="ctr"/>
+            <a:r>
+              <a:rPr lang="en-US" altLang="zh-TW" sz="1200" dirty="0" err="1"/>
+              <a:t>i</a:t>
+            </a:r>
+            <a:r>
+              <a:rPr lang="en-US" altLang="zh-TW" sz="1200" dirty="0"/>
+              <a:t> or j &gt;= N?</a:t>
+            </a:r>
+            <a:endParaRPr lang="zh-TW" altLang="en-US" sz="1200" dirty="0"/>
+          </a:p>
+        </p:txBody>
+      </p:sp>
+    </p:spTree>
+    <p:extLst>
+      <p:ext uri="{BB962C8B-B14F-4D97-AF65-F5344CB8AC3E}">
+        <p14:creationId xmlns:p14="http://schemas.microsoft.com/office/powerpoint/2010/main" val="1209422496"/>
+      </p:ext>
+    </p:extLst>
+  </p:cSld>
+  <p:clrMapOvr>
+    <a:masterClrMapping/>
+  </p:clrMapOvr>
+</p:sld>
+</file>
+
+<file path=ppt/slides/slide6.xml><?xml version="1.0" encoding="utf-8"?>
+<p:sld xmlns:a="http://schemas.openxmlformats.org/drawingml/2006/main" xmlns:r="http://schemas.openxmlformats.org/officeDocument/2006/relationships" xmlns:p="http://schemas.openxmlformats.org/presentationml/2006/main">
+  <p:cSld>
+    <p:spTree>
+      <p:nvGrpSpPr>
+        <p:cNvPr id="1" name=""/>
+        <p:cNvGrpSpPr/>
+        <p:nvPr/>
+      </p:nvGrpSpPr>
+      <p:grpSpPr>
+        <a:xfrm>
+          <a:off x="0" y="0"/>
+          <a:ext cx="0" cy="0"/>
+          <a:chOff x="0" y="0"/>
+          <a:chExt cx="0" cy="0"/>
+        </a:xfrm>
+      </p:grpSpPr>
+      <p:sp>
+        <p:nvSpPr>
+          <p:cNvPr id="2" name="Title 1">
+            <a:extLst>
+              <a:ext uri="{FF2B5EF4-FFF2-40B4-BE49-F238E27FC236}">
+                <a16:creationId xmlns:a16="http://schemas.microsoft.com/office/drawing/2014/main" id="{E5D2891B-F272-4498-BEBE-DE4BC2C6506E}"/>
+              </a:ext>
+            </a:extLst>
+          </p:cNvPr>
+          <p:cNvSpPr>
+            <a:spLocks noGrp="1"/>
+          </p:cNvSpPr>
+          <p:nvPr>
+            <p:ph type="title"/>
+          </p:nvPr>
+        </p:nvSpPr>
+        <p:spPr>
+          <a:xfrm>
+            <a:off x="838200" y="18255"/>
+            <a:ext cx="10515600" cy="1325563"/>
+          </a:xfrm>
+        </p:spPr>
+        <p:txBody>
+          <a:bodyPr/>
+          <a:lstStyle/>
+          <a:p>
+            <a:r>
+              <a:rPr lang="en-US" altLang="zh-TW" dirty="0"/>
+              <a:t>API structure</a:t>
+            </a:r>
+            <a:endParaRPr lang="zh-TW" altLang="en-US" dirty="0"/>
+          </a:p>
+        </p:txBody>
+      </p:sp>
+      <p:sp>
+        <p:nvSpPr>
+          <p:cNvPr id="5" name="Content Placeholder 4">
+            <a:extLst>
+              <a:ext uri="{FF2B5EF4-FFF2-40B4-BE49-F238E27FC236}">
+                <a16:creationId xmlns:a16="http://schemas.microsoft.com/office/drawing/2014/main" id="{8EAB92C2-B7FD-4C97-80EC-B8EBC7A487F3}"/>
+              </a:ext>
+            </a:extLst>
+          </p:cNvPr>
+          <p:cNvSpPr>
+            <a:spLocks noGrp="1"/>
+          </p:cNvSpPr>
+          <p:nvPr>
+            <p:ph idx="1"/>
+          </p:nvPr>
+        </p:nvSpPr>
+        <p:spPr>
+          <a:xfrm>
+            <a:off x="838200" y="1009837"/>
+            <a:ext cx="10515600" cy="4351338"/>
+          </a:xfrm>
+        </p:spPr>
+        <p:txBody>
+          <a:bodyPr/>
+          <a:lstStyle/>
+          <a:p>
+            <a:r>
+              <a:rPr lang="en-US" altLang="zh-TW" dirty="0" err="1"/>
+              <a:t>Get_kernel</a:t>
+            </a:r>
+            <a:endParaRPr lang="en-US" altLang="zh-TW" dirty="0"/>
+          </a:p>
+          <a:p>
+            <a:pPr lvl="1"/>
+            <a:r>
+              <a:rPr lang="en-US" altLang="zh-TW" dirty="0"/>
+              <a:t>Input: (u8 array) </a:t>
+            </a:r>
+            <a:r>
+              <a:rPr lang="en-US" altLang="zh-TW" dirty="0" err="1"/>
+              <a:t>Sobel_Image</a:t>
+            </a:r>
+            <a:endParaRPr lang="en-US" altLang="zh-TW" dirty="0"/>
+          </a:p>
+          <a:p>
+            <a:pPr lvl="1"/>
+            <a:r>
+              <a:rPr lang="en-US" altLang="zh-TW" dirty="0"/>
+              <a:t>Output: (u8 array[</a:t>
+            </a:r>
+            <a:r>
+              <a:rPr lang="en-US" altLang="zh-TW" dirty="0" err="1"/>
+              <a:t>k,k</a:t>
+            </a:r>
+            <a:r>
+              <a:rPr lang="en-US" altLang="zh-TW" dirty="0"/>
+              <a:t>]) </a:t>
+            </a:r>
+            <a:r>
+              <a:rPr lang="en-US" altLang="zh-TW" dirty="0" err="1"/>
+              <a:t>Kernel_Array</a:t>
+            </a:r>
+            <a:endParaRPr lang="en-US" altLang="zh-TW" dirty="0"/>
+          </a:p>
+          <a:p>
+            <a:pPr lvl="1"/>
+            <a:r>
+              <a:rPr lang="en-US" altLang="zh-TW" dirty="0"/>
+              <a:t>Parameters: (u8) Kernel Size (k), (u8) Kernel Center[X,Y] (c[2])</a:t>
+            </a:r>
+          </a:p>
+        </p:txBody>
+      </p:sp>
+      <p:sp>
+        <p:nvSpPr>
+          <p:cNvPr id="16" name="TextBox 15">
+            <a:extLst>
+              <a:ext uri="{FF2B5EF4-FFF2-40B4-BE49-F238E27FC236}">
+                <a16:creationId xmlns:a16="http://schemas.microsoft.com/office/drawing/2014/main" id="{48892B65-2F8B-4E53-807E-272D24ED76DB}"/>
               </a:ext>
             </a:extLst>
           </p:cNvPr>
@@ -7274,8 +8469,8 @@
         </p:nvSpPr>
         <p:spPr>
           <a:xfrm>
-            <a:off x="2759978" y="6551802"/>
-            <a:ext cx="2788378" cy="369332"/>
+            <a:off x="1752600" y="3064237"/>
+            <a:ext cx="6096000" cy="369332"/>
           </a:xfrm>
           <a:prstGeom prst="rect">
             <a:avLst/>
@@ -7283,35 +8478,543 @@
           <a:noFill/>
         </p:spPr>
         <p:txBody>
-          <a:bodyPr wrap="square" rtlCol="0">
+          <a:bodyPr wrap="square">
             <a:spAutoFit/>
           </a:bodyPr>
           <a:lstStyle/>
           <a:p>
             <a:r>
-              <a:rPr lang="zh-TW" altLang="en-US" dirty="0"/>
-              <a:t>先做整張</a:t>
-            </a:r>
-            <a:r>
               <a:rPr lang="en-US" altLang="zh-TW" dirty="0"/>
-              <a:t>LBP</a:t>
-            </a:r>
-            <a:r>
-              <a:rPr lang="zh-TW" altLang="en-US" dirty="0"/>
-              <a:t>再做</a:t>
-            </a:r>
-            <a:r>
-              <a:rPr lang="en-US" altLang="zh-TW" dirty="0"/>
-              <a:t>BFS</a:t>
-            </a:r>
-            <a:endParaRPr lang="zh-TW" altLang="en-US" dirty="0"/>
-          </a:p>
-        </p:txBody>
-      </p:sp>
+              <a:t>Pseudocode:</a:t>
+            </a:r>
+          </a:p>
+        </p:txBody>
+      </p:sp>
+      <p:pic>
+        <p:nvPicPr>
+          <p:cNvPr id="18" name="Picture 17">
+            <a:extLst>
+              <a:ext uri="{FF2B5EF4-FFF2-40B4-BE49-F238E27FC236}">
+                <a16:creationId xmlns:a16="http://schemas.microsoft.com/office/drawing/2014/main" id="{886A960A-2CBA-427B-8384-9162E47BB24D}"/>
+              </a:ext>
+            </a:extLst>
+          </p:cNvPr>
+          <p:cNvPicPr>
+            <a:picLocks noChangeAspect="1"/>
+          </p:cNvPicPr>
+          <p:nvPr/>
+        </p:nvPicPr>
+        <p:blipFill>
+          <a:blip r:embed="rId2"/>
+          <a:stretch>
+            <a:fillRect/>
+          </a:stretch>
+        </p:blipFill>
+        <p:spPr>
+          <a:xfrm>
+            <a:off x="1752600" y="3558988"/>
+            <a:ext cx="7607361" cy="1321487"/>
+          </a:xfrm>
+          <a:prstGeom prst="rect">
+            <a:avLst/>
+          </a:prstGeom>
+        </p:spPr>
+      </p:pic>
     </p:spTree>
     <p:extLst>
       <p:ext uri="{BB962C8B-B14F-4D97-AF65-F5344CB8AC3E}">
-        <p14:creationId xmlns:p14="http://schemas.microsoft.com/office/powerpoint/2010/main" val="4286049701"/>
+        <p14:creationId xmlns:p14="http://schemas.microsoft.com/office/powerpoint/2010/main" val="3652483277"/>
+      </p:ext>
+    </p:extLst>
+  </p:cSld>
+  <p:clrMapOvr>
+    <a:masterClrMapping/>
+  </p:clrMapOvr>
+</p:sld>
+</file>
+
+<file path=ppt/slides/slide7.xml><?xml version="1.0" encoding="utf-8"?>
+<p:sld xmlns:a="http://schemas.openxmlformats.org/drawingml/2006/main" xmlns:r="http://schemas.openxmlformats.org/officeDocument/2006/relationships" xmlns:p="http://schemas.openxmlformats.org/presentationml/2006/main">
+  <p:cSld>
+    <p:spTree>
+      <p:nvGrpSpPr>
+        <p:cNvPr id="1" name=""/>
+        <p:cNvGrpSpPr/>
+        <p:nvPr/>
+      </p:nvGrpSpPr>
+      <p:grpSpPr>
+        <a:xfrm>
+          <a:off x="0" y="0"/>
+          <a:ext cx="0" cy="0"/>
+          <a:chOff x="0" y="0"/>
+          <a:chExt cx="0" cy="0"/>
+        </a:xfrm>
+      </p:grpSpPr>
+      <p:sp>
+        <p:nvSpPr>
+          <p:cNvPr id="2" name="Title 1">
+            <a:extLst>
+              <a:ext uri="{FF2B5EF4-FFF2-40B4-BE49-F238E27FC236}">
+                <a16:creationId xmlns:a16="http://schemas.microsoft.com/office/drawing/2014/main" id="{E5D2891B-F272-4498-BEBE-DE4BC2C6506E}"/>
+              </a:ext>
+            </a:extLst>
+          </p:cNvPr>
+          <p:cNvSpPr>
+            <a:spLocks noGrp="1"/>
+          </p:cNvSpPr>
+          <p:nvPr>
+            <p:ph type="title"/>
+          </p:nvPr>
+        </p:nvSpPr>
+        <p:spPr>
+          <a:xfrm>
+            <a:off x="838200" y="18255"/>
+            <a:ext cx="10515600" cy="1325563"/>
+          </a:xfrm>
+        </p:spPr>
+        <p:txBody>
+          <a:bodyPr/>
+          <a:lstStyle/>
+          <a:p>
+            <a:r>
+              <a:rPr lang="en-US" altLang="zh-TW" dirty="0"/>
+              <a:t>API structure</a:t>
+            </a:r>
+            <a:endParaRPr lang="zh-TW" altLang="en-US" dirty="0"/>
+          </a:p>
+        </p:txBody>
+      </p:sp>
+      <p:sp>
+        <p:nvSpPr>
+          <p:cNvPr id="5" name="Content Placeholder 4">
+            <a:extLst>
+              <a:ext uri="{FF2B5EF4-FFF2-40B4-BE49-F238E27FC236}">
+                <a16:creationId xmlns:a16="http://schemas.microsoft.com/office/drawing/2014/main" id="{8EAB92C2-B7FD-4C97-80EC-B8EBC7A487F3}"/>
+              </a:ext>
+            </a:extLst>
+          </p:cNvPr>
+          <p:cNvSpPr>
+            <a:spLocks noGrp="1"/>
+          </p:cNvSpPr>
+          <p:nvPr>
+            <p:ph idx="1"/>
+          </p:nvPr>
+        </p:nvSpPr>
+        <p:spPr>
+          <a:xfrm>
+            <a:off x="838200" y="1066781"/>
+            <a:ext cx="10515600" cy="4351338"/>
+          </a:xfrm>
+        </p:spPr>
+        <p:txBody>
+          <a:bodyPr/>
+          <a:lstStyle/>
+          <a:p>
+            <a:r>
+              <a:rPr lang="en-US" altLang="zh-TW" dirty="0" err="1"/>
+              <a:t>Get_LBP</a:t>
+            </a:r>
+            <a:endParaRPr lang="en-US" altLang="zh-TW" dirty="0"/>
+          </a:p>
+          <a:p>
+            <a:pPr lvl="1"/>
+            <a:r>
+              <a:rPr lang="en-US" altLang="zh-TW" dirty="0"/>
+              <a:t>Input: (u8 array[</a:t>
+            </a:r>
+            <a:r>
+              <a:rPr lang="en-US" altLang="zh-TW" dirty="0" err="1"/>
+              <a:t>k,k</a:t>
+            </a:r>
+            <a:r>
+              <a:rPr lang="en-US" altLang="zh-TW" dirty="0"/>
+              <a:t>]) </a:t>
+            </a:r>
+            <a:r>
+              <a:rPr lang="en-US" altLang="zh-TW" dirty="0" err="1"/>
+              <a:t>Kernel_Array</a:t>
+            </a:r>
+            <a:endParaRPr lang="en-US" altLang="zh-TW" dirty="0"/>
+          </a:p>
+          <a:p>
+            <a:pPr lvl="1"/>
+            <a:r>
+              <a:rPr lang="en-US" altLang="zh-TW" dirty="0"/>
+              <a:t>Output: (u8 array[256]) </a:t>
+            </a:r>
+            <a:r>
+              <a:rPr lang="en-US" altLang="zh-TW" dirty="0" err="1"/>
+              <a:t>LBP_Histogram</a:t>
+            </a:r>
+            <a:endParaRPr lang="en-US" altLang="zh-TW" dirty="0"/>
+          </a:p>
+          <a:p>
+            <a:pPr lvl="1"/>
+            <a:r>
+              <a:rPr lang="en-US" altLang="zh-TW" dirty="0"/>
+              <a:t>Parameters: (u8) radius</a:t>
+            </a:r>
+          </a:p>
+          <a:p>
+            <a:pPr lvl="2"/>
+            <a:endParaRPr lang="en-US" altLang="zh-TW" dirty="0"/>
+          </a:p>
+        </p:txBody>
+      </p:sp>
+      <p:sp>
+        <p:nvSpPr>
+          <p:cNvPr id="6" name="TextBox 5">
+            <a:extLst>
+              <a:ext uri="{FF2B5EF4-FFF2-40B4-BE49-F238E27FC236}">
+                <a16:creationId xmlns:a16="http://schemas.microsoft.com/office/drawing/2014/main" id="{29F0A3BD-184B-45C7-8DB5-98E6D350FD77}"/>
+              </a:ext>
+            </a:extLst>
+          </p:cNvPr>
+          <p:cNvSpPr txBox="1"/>
+          <p:nvPr/>
+        </p:nvSpPr>
+        <p:spPr>
+          <a:xfrm>
+            <a:off x="1264024" y="2919284"/>
+            <a:ext cx="7727576" cy="646331"/>
+          </a:xfrm>
+          <a:prstGeom prst="rect">
+            <a:avLst/>
+          </a:prstGeom>
+          <a:noFill/>
+        </p:spPr>
+        <p:txBody>
+          <a:bodyPr wrap="square">
+            <a:spAutoFit/>
+          </a:bodyPr>
+          <a:lstStyle/>
+          <a:p>
+            <a:r>
+              <a:rPr lang="en-US" altLang="zh-TW" dirty="0"/>
+              <a:t>Pseudocode:</a:t>
+            </a:r>
+          </a:p>
+          <a:p>
+            <a:endParaRPr lang="en-US" altLang="zh-TW" dirty="0"/>
+          </a:p>
+        </p:txBody>
+      </p:sp>
+      <p:pic>
+        <p:nvPicPr>
+          <p:cNvPr id="9" name="Picture 8">
+            <a:extLst>
+              <a:ext uri="{FF2B5EF4-FFF2-40B4-BE49-F238E27FC236}">
+                <a16:creationId xmlns:a16="http://schemas.microsoft.com/office/drawing/2014/main" id="{9ADC238F-305C-49AC-9FF9-7E89AEF894AE}"/>
+              </a:ext>
+            </a:extLst>
+          </p:cNvPr>
+          <p:cNvPicPr>
+            <a:picLocks noChangeAspect="1"/>
+          </p:cNvPicPr>
+          <p:nvPr/>
+        </p:nvPicPr>
+        <p:blipFill>
+          <a:blip r:embed="rId2"/>
+          <a:stretch>
+            <a:fillRect/>
+          </a:stretch>
+        </p:blipFill>
+        <p:spPr>
+          <a:xfrm>
+            <a:off x="1264024" y="3242449"/>
+            <a:ext cx="5773270" cy="3506752"/>
+          </a:xfrm>
+          <a:prstGeom prst="rect">
+            <a:avLst/>
+          </a:prstGeom>
+        </p:spPr>
+      </p:pic>
+    </p:spTree>
+    <p:extLst>
+      <p:ext uri="{BB962C8B-B14F-4D97-AF65-F5344CB8AC3E}">
+        <p14:creationId xmlns:p14="http://schemas.microsoft.com/office/powerpoint/2010/main" val="2155432633"/>
+      </p:ext>
+    </p:extLst>
+  </p:cSld>
+  <p:clrMapOvr>
+    <a:masterClrMapping/>
+  </p:clrMapOvr>
+</p:sld>
+</file>
+
+<file path=ppt/slides/slide8.xml><?xml version="1.0" encoding="utf-8"?>
+<p:sld xmlns:a="http://schemas.openxmlformats.org/drawingml/2006/main" xmlns:r="http://schemas.openxmlformats.org/officeDocument/2006/relationships" xmlns:p="http://schemas.openxmlformats.org/presentationml/2006/main">
+  <p:cSld>
+    <p:spTree>
+      <p:nvGrpSpPr>
+        <p:cNvPr id="1" name=""/>
+        <p:cNvGrpSpPr/>
+        <p:nvPr/>
+      </p:nvGrpSpPr>
+      <p:grpSpPr>
+        <a:xfrm>
+          <a:off x="0" y="0"/>
+          <a:ext cx="0" cy="0"/>
+          <a:chOff x="0" y="0"/>
+          <a:chExt cx="0" cy="0"/>
+        </a:xfrm>
+      </p:grpSpPr>
+      <p:sp>
+        <p:nvSpPr>
+          <p:cNvPr id="2" name="Title 1">
+            <a:extLst>
+              <a:ext uri="{FF2B5EF4-FFF2-40B4-BE49-F238E27FC236}">
+                <a16:creationId xmlns:a16="http://schemas.microsoft.com/office/drawing/2014/main" id="{E5D2891B-F272-4498-BEBE-DE4BC2C6506E}"/>
+              </a:ext>
+            </a:extLst>
+          </p:cNvPr>
+          <p:cNvSpPr>
+            <a:spLocks noGrp="1"/>
+          </p:cNvSpPr>
+          <p:nvPr>
+            <p:ph type="title"/>
+          </p:nvPr>
+        </p:nvSpPr>
+        <p:spPr>
+          <a:xfrm>
+            <a:off x="838200" y="18255"/>
+            <a:ext cx="10515600" cy="1325563"/>
+          </a:xfrm>
+        </p:spPr>
+        <p:txBody>
+          <a:bodyPr/>
+          <a:lstStyle/>
+          <a:p>
+            <a:r>
+              <a:rPr lang="en-US" altLang="zh-TW" dirty="0"/>
+              <a:t>API structure</a:t>
+            </a:r>
+            <a:endParaRPr lang="zh-TW" altLang="en-US" dirty="0"/>
+          </a:p>
+        </p:txBody>
+      </p:sp>
+      <p:sp>
+        <p:nvSpPr>
+          <p:cNvPr id="5" name="Content Placeholder 4">
+            <a:extLst>
+              <a:ext uri="{FF2B5EF4-FFF2-40B4-BE49-F238E27FC236}">
+                <a16:creationId xmlns:a16="http://schemas.microsoft.com/office/drawing/2014/main" id="{8EAB92C2-B7FD-4C97-80EC-B8EBC7A487F3}"/>
+              </a:ext>
+            </a:extLst>
+          </p:cNvPr>
+          <p:cNvSpPr>
+            <a:spLocks noGrp="1"/>
+          </p:cNvSpPr>
+          <p:nvPr>
+            <p:ph idx="1"/>
+          </p:nvPr>
+        </p:nvSpPr>
+        <p:spPr>
+          <a:xfrm>
+            <a:off x="838200" y="1066781"/>
+            <a:ext cx="10515600" cy="1992509"/>
+          </a:xfrm>
+        </p:spPr>
+        <p:txBody>
+          <a:bodyPr>
+            <a:normAutofit/>
+          </a:bodyPr>
+          <a:lstStyle/>
+          <a:p>
+            <a:r>
+              <a:rPr lang="en-US" altLang="zh-TW" dirty="0" err="1"/>
+              <a:t>Add_to_histogram</a:t>
+            </a:r>
+            <a:endParaRPr lang="en-US" altLang="zh-TW" dirty="0"/>
+          </a:p>
+          <a:p>
+            <a:pPr lvl="1"/>
+            <a:r>
+              <a:rPr lang="en-US" altLang="zh-TW" dirty="0"/>
+              <a:t>Input: (u8) </a:t>
+            </a:r>
+            <a:r>
+              <a:rPr lang="en-US" altLang="zh-TW" dirty="0" err="1"/>
+              <a:t>LBP_Value</a:t>
+            </a:r>
+            <a:r>
+              <a:rPr lang="en-US" altLang="zh-TW" dirty="0"/>
+              <a:t>, (u8[256]) </a:t>
+            </a:r>
+            <a:r>
+              <a:rPr lang="en-US" altLang="zh-TW" dirty="0" err="1"/>
+              <a:t>LBP_Hist</a:t>
+            </a:r>
+            <a:endParaRPr lang="en-US" altLang="zh-TW" dirty="0"/>
+          </a:p>
+          <a:p>
+            <a:pPr lvl="1"/>
+            <a:r>
+              <a:rPr lang="en-US" altLang="zh-TW" dirty="0"/>
+              <a:t>Output: None</a:t>
+            </a:r>
+          </a:p>
+          <a:p>
+            <a:pPr lvl="1"/>
+            <a:r>
+              <a:rPr lang="en-US" altLang="zh-TW" dirty="0"/>
+              <a:t>Parameters: None</a:t>
+            </a:r>
+          </a:p>
+        </p:txBody>
+      </p:sp>
+      <p:sp>
+        <p:nvSpPr>
+          <p:cNvPr id="6" name="TextBox 5">
+            <a:extLst>
+              <a:ext uri="{FF2B5EF4-FFF2-40B4-BE49-F238E27FC236}">
+                <a16:creationId xmlns:a16="http://schemas.microsoft.com/office/drawing/2014/main" id="{29F0A3BD-184B-45C7-8DB5-98E6D350FD77}"/>
+              </a:ext>
+            </a:extLst>
+          </p:cNvPr>
+          <p:cNvSpPr txBox="1"/>
+          <p:nvPr/>
+        </p:nvSpPr>
+        <p:spPr>
+          <a:xfrm>
+            <a:off x="1264024" y="3059290"/>
+            <a:ext cx="7727576" cy="646331"/>
+          </a:xfrm>
+          <a:prstGeom prst="rect">
+            <a:avLst/>
+          </a:prstGeom>
+          <a:noFill/>
+        </p:spPr>
+        <p:txBody>
+          <a:bodyPr wrap="square">
+            <a:spAutoFit/>
+          </a:bodyPr>
+          <a:lstStyle/>
+          <a:p>
+            <a:r>
+              <a:rPr lang="en-US" altLang="zh-TW" dirty="0"/>
+              <a:t>Pseudocode:</a:t>
+            </a:r>
+          </a:p>
+          <a:p>
+            <a:endParaRPr lang="en-US" altLang="zh-TW" dirty="0"/>
+          </a:p>
+        </p:txBody>
+      </p:sp>
+      <p:pic>
+        <p:nvPicPr>
+          <p:cNvPr id="4" name="Picture 3">
+            <a:extLst>
+              <a:ext uri="{FF2B5EF4-FFF2-40B4-BE49-F238E27FC236}">
+                <a16:creationId xmlns:a16="http://schemas.microsoft.com/office/drawing/2014/main" id="{89464B99-7A84-4056-B6A9-7F8DCED72193}"/>
+              </a:ext>
+            </a:extLst>
+          </p:cNvPr>
+          <p:cNvPicPr>
+            <a:picLocks noChangeAspect="1"/>
+          </p:cNvPicPr>
+          <p:nvPr/>
+        </p:nvPicPr>
+        <p:blipFill>
+          <a:blip r:embed="rId2"/>
+          <a:stretch>
+            <a:fillRect/>
+          </a:stretch>
+        </p:blipFill>
+        <p:spPr>
+          <a:xfrm>
+            <a:off x="1264023" y="3476258"/>
+            <a:ext cx="8561755" cy="746117"/>
+          </a:xfrm>
+          <a:prstGeom prst="rect">
+            <a:avLst/>
+          </a:prstGeom>
+        </p:spPr>
+      </p:pic>
+    </p:spTree>
+    <p:extLst>
+      <p:ext uri="{BB962C8B-B14F-4D97-AF65-F5344CB8AC3E}">
+        <p14:creationId xmlns:p14="http://schemas.microsoft.com/office/powerpoint/2010/main" val="1281354304"/>
+      </p:ext>
+    </p:extLst>
+  </p:cSld>
+  <p:clrMapOvr>
+    <a:masterClrMapping/>
+  </p:clrMapOvr>
+</p:sld>
+</file>
+
+<file path=ppt/slides/slide9.xml><?xml version="1.0" encoding="utf-8"?>
+<p:sld xmlns:a="http://schemas.openxmlformats.org/drawingml/2006/main" xmlns:r="http://schemas.openxmlformats.org/officeDocument/2006/relationships" xmlns:p="http://schemas.openxmlformats.org/presentationml/2006/main">
+  <p:cSld>
+    <p:spTree>
+      <p:nvGrpSpPr>
+        <p:cNvPr id="1" name=""/>
+        <p:cNvGrpSpPr/>
+        <p:nvPr/>
+      </p:nvGrpSpPr>
+      <p:grpSpPr>
+        <a:xfrm>
+          <a:off x="0" y="0"/>
+          <a:ext cx="0" cy="0"/>
+          <a:chOff x="0" y="0"/>
+          <a:chExt cx="0" cy="0"/>
+        </a:xfrm>
+      </p:grpSpPr>
+      <p:sp>
+        <p:nvSpPr>
+          <p:cNvPr id="2" name="Title 1">
+            <a:extLst>
+              <a:ext uri="{FF2B5EF4-FFF2-40B4-BE49-F238E27FC236}">
+                <a16:creationId xmlns:a16="http://schemas.microsoft.com/office/drawing/2014/main" id="{7D72B325-C384-49D9-8DC2-D0535A68D0D1}"/>
+              </a:ext>
+            </a:extLst>
+          </p:cNvPr>
+          <p:cNvSpPr>
+            <a:spLocks noGrp="1"/>
+          </p:cNvSpPr>
+          <p:nvPr>
+            <p:ph type="title"/>
+          </p:nvPr>
+        </p:nvSpPr>
+        <p:spPr/>
+        <p:txBody>
+          <a:bodyPr/>
+          <a:lstStyle/>
+          <a:p>
+            <a:endParaRPr lang="zh-TW" altLang="en-US"/>
+          </a:p>
+        </p:txBody>
+      </p:sp>
+      <p:sp>
+        <p:nvSpPr>
+          <p:cNvPr id="3" name="Content Placeholder 2">
+            <a:extLst>
+              <a:ext uri="{FF2B5EF4-FFF2-40B4-BE49-F238E27FC236}">
+                <a16:creationId xmlns:a16="http://schemas.microsoft.com/office/drawing/2014/main" id="{95219A84-C074-463F-B464-67F9041828BB}"/>
+              </a:ext>
+            </a:extLst>
+          </p:cNvPr>
+          <p:cNvSpPr>
+            <a:spLocks noGrp="1"/>
+          </p:cNvSpPr>
+          <p:nvPr>
+            <p:ph idx="1"/>
+          </p:nvPr>
+        </p:nvSpPr>
+        <p:spPr/>
+        <p:txBody>
+          <a:bodyPr/>
+          <a:lstStyle/>
+          <a:p>
+            <a:endParaRPr lang="zh-TW" altLang="en-US"/>
+          </a:p>
+        </p:txBody>
+      </p:sp>
+    </p:spTree>
+    <p:extLst>
+      <p:ext uri="{BB962C8B-B14F-4D97-AF65-F5344CB8AC3E}">
+        <p14:creationId xmlns:p14="http://schemas.microsoft.com/office/powerpoint/2010/main" val="1216768020"/>
       </p:ext>
     </p:extLst>
   </p:cSld>

--- a/Image Segmentation of Concrete Roads.pptx
+++ b/Image Segmentation of Concrete Roads.pptx
@@ -11,9 +11,11 @@
     <p:sldId id="261" r:id="rId5"/>
     <p:sldId id="262" r:id="rId6"/>
     <p:sldId id="263" r:id="rId7"/>
-    <p:sldId id="264" r:id="rId8"/>
-    <p:sldId id="266" r:id="rId9"/>
-    <p:sldId id="265" r:id="rId10"/>
+    <p:sldId id="270" r:id="rId8"/>
+    <p:sldId id="264" r:id="rId9"/>
+    <p:sldId id="266" r:id="rId10"/>
+    <p:sldId id="267" r:id="rId11"/>
+    <p:sldId id="268" r:id="rId12"/>
   </p:sldIdLst>
   <p:sldSz cx="12192000" cy="6858000"/>
   <p:notesSz cx="6858000" cy="9144000"/>
@@ -118,6 +120,118 @@
     </p:ext>
   </p:extLst>
 </p:presentation>
+</file>
+
+<file path=ppt/ink/ink1.xml><?xml version="1.0" encoding="utf-8"?>
+<inkml:ink xmlns:inkml="http://www.w3.org/2003/InkML">
+  <inkml:definitions>
+    <inkml:context xml:id="ctx0">
+      <inkml:inkSource xml:id="inkSrc0">
+        <inkml:traceFormat>
+          <inkml:channel name="X" type="integer" min="-2.14748E9" max="2.14748E9" units="cm"/>
+          <inkml:channel name="Y" type="integer" min="-2.14748E9" max="2.14748E9" units="cm"/>
+          <inkml:channel name="F" type="integer" max="32767" units="dev"/>
+        </inkml:traceFormat>
+        <inkml:channelProperties>
+          <inkml:channelProperty channel="X" name="resolution" value="1000" units="1/cm"/>
+          <inkml:channelProperty channel="Y" name="resolution" value="1000" units="1/cm"/>
+          <inkml:channelProperty channel="F" name="resolution" value="0" units="1/dev"/>
+        </inkml:channelProperties>
+      </inkml:inkSource>
+      <inkml:timestamp xml:id="ts0" timeString="2024-10-29T14:32:42.356"/>
+    </inkml:context>
+    <inkml:brush xml:id="br0">
+      <inkml:brushProperty name="width" value="0.1" units="cm"/>
+      <inkml:brushProperty name="height" value="0.1" units="cm"/>
+      <inkml:brushProperty name="color" value="#CC0066"/>
+    </inkml:brush>
+  </inkml:definitions>
+  <inkml:trace contextRef="#ctx0" brushRef="#br0">1 1 24575,'25'0'0,"17"0"0,40 4 0,31 10 0,59 15 0,57 11 0,43 12 0,57 22 0,14 8-3276,-26-7 3267,-45-12 9,-57-16-727,-55-17 727,-52-12 0,-44-15 0,-33-7-4179</inkml:trace>
+</inkml:ink>
+</file>
+
+<file path=ppt/ink/ink2.xml><?xml version="1.0" encoding="utf-8"?>
+<inkml:ink xmlns:inkml="http://www.w3.org/2003/InkML">
+  <inkml:definitions>
+    <inkml:context xml:id="ctx0">
+      <inkml:inkSource xml:id="inkSrc0">
+        <inkml:traceFormat>
+          <inkml:channel name="X" type="integer" min="-2.14748E9" max="2.14748E9" units="cm"/>
+          <inkml:channel name="Y" type="integer" min="-2.14748E9" max="2.14748E9" units="cm"/>
+          <inkml:channel name="F" type="integer" max="32767" units="dev"/>
+        </inkml:traceFormat>
+        <inkml:channelProperties>
+          <inkml:channelProperty channel="X" name="resolution" value="1000" units="1/cm"/>
+          <inkml:channelProperty channel="Y" name="resolution" value="1000" units="1/cm"/>
+          <inkml:channelProperty channel="F" name="resolution" value="0" units="1/dev"/>
+        </inkml:channelProperties>
+      </inkml:inkSource>
+      <inkml:timestamp xml:id="ts0" timeString="2024-10-29T14:32:42.969"/>
+    </inkml:context>
+    <inkml:brush xml:id="br0">
+      <inkml:brushProperty name="width" value="0.1" units="cm"/>
+      <inkml:brushProperty name="height" value="0.1" units="cm"/>
+      <inkml:brushProperty name="color" value="#CC0066"/>
+    </inkml:brush>
+  </inkml:definitions>
+  <inkml:trace contextRef="#ctx0" brushRef="#br0">84 0 24575,'6'1'0,"0"0"0,-1 0 0,1 0 0,-1 1 0,1 0 0,-1 0 0,1 0 0,7 5 0,1 0 0,33 17 0,-3 2 0,0 2 0,48 40 0,115 113 0,-156-134 0,-48-44 0,1 0 0,-1 0 0,0 0 0,1 0 0,-1 1 0,4 7 0,-6-11 0,-1 1 0,0-1 0,0 1 0,0-1 0,1 1 0,-1-1 0,0 1 0,0-1 0,0 1 0,0-1 0,0 1 0,0-1 0,0 1 0,0-1 0,0 1 0,0-1 0,0 1 0,0 0 0,-1-1 0,1 1 0,0-1 0,-1 1 0,1 0 0,-1 0 0,0 0 0,0-1 0,0 1 0,0 0 0,0-1 0,0 1 0,0 0 0,0-1 0,0 1 0,0-1 0,0 0 0,0 1 0,0-1 0,-2 0 0,-104 19 69,53-11-1742,-54 15 1,87-17 711,-34 11-435,-75 31 0,116-42 1468,0 1 0,1 0 0,0 0 0,0 2 0,1 0 0,0 0 0,1 1 0,0 0 0,0 1-1,-15 20 1,23-25 519,-1 0 0,1 0-1,0 1 1,1-1-1,-1 1 1,-2 12 0,2 5-6679</inkml:trace>
+</inkml:ink>
+</file>
+
+<file path=ppt/ink/ink3.xml><?xml version="1.0" encoding="utf-8"?>
+<inkml:ink xmlns:inkml="http://www.w3.org/2003/InkML">
+  <inkml:definitions>
+    <inkml:context xml:id="ctx0">
+      <inkml:inkSource xml:id="inkSrc0">
+        <inkml:traceFormat>
+          <inkml:channel name="X" type="integer" min="-2.14748E9" max="2.14748E9" units="cm"/>
+          <inkml:channel name="Y" type="integer" min="-2.14748E9" max="2.14748E9" units="cm"/>
+          <inkml:channel name="F" type="integer" max="32767" units="dev"/>
+        </inkml:traceFormat>
+        <inkml:channelProperties>
+          <inkml:channelProperty channel="X" name="resolution" value="1000" units="1/cm"/>
+          <inkml:channelProperty channel="Y" name="resolution" value="1000" units="1/cm"/>
+          <inkml:channelProperty channel="F" name="resolution" value="0" units="1/dev"/>
+        </inkml:channelProperties>
+      </inkml:inkSource>
+      <inkml:timestamp xml:id="ts0" timeString="2024-10-29T14:35:09.018"/>
+    </inkml:context>
+    <inkml:brush xml:id="br0">
+      <inkml:brushProperty name="width" value="0.1" units="cm"/>
+      <inkml:brushProperty name="height" value="0.1" units="cm"/>
+      <inkml:brushProperty name="color" value="#CC0066"/>
+    </inkml:brush>
+  </inkml:definitions>
+  <inkml:trace contextRef="#ctx0" brushRef="#br0">2 1 24575,'60'0'0,"41"0"0,93 4 0,75 10 0,142 15 0,133 11 0,105 12 0,133 22 0,35 8-3276,-61-7 3267,-109-12 9,-134-16-727,-134-17 727,-121-12 0,-105-15 0,-78-7-4179</inkml:trace>
+</inkml:ink>
+</file>
+
+<file path=ppt/ink/ink4.xml><?xml version="1.0" encoding="utf-8"?>
+<inkml:ink xmlns:inkml="http://www.w3.org/2003/InkML">
+  <inkml:definitions>
+    <inkml:context xml:id="ctx0">
+      <inkml:inkSource xml:id="inkSrc0">
+        <inkml:traceFormat>
+          <inkml:channel name="X" type="integer" min="-2.14748E9" max="2.14748E9" units="cm"/>
+          <inkml:channel name="Y" type="integer" min="-2.14748E9" max="2.14748E9" units="cm"/>
+          <inkml:channel name="F" type="integer" max="32767" units="dev"/>
+        </inkml:traceFormat>
+        <inkml:channelProperties>
+          <inkml:channelProperty channel="X" name="resolution" value="1000" units="1/cm"/>
+          <inkml:channelProperty channel="Y" name="resolution" value="1000" units="1/cm"/>
+          <inkml:channelProperty channel="F" name="resolution" value="0" units="1/dev"/>
+        </inkml:channelProperties>
+      </inkml:inkSource>
+      <inkml:timestamp xml:id="ts0" timeString="2024-10-29T14:35:09.019"/>
+    </inkml:context>
+    <inkml:brush xml:id="br0">
+      <inkml:brushProperty name="width" value="0.1" units="cm"/>
+      <inkml:brushProperty name="height" value="0.1" units="cm"/>
+      <inkml:brushProperty name="color" value="#CC0066"/>
+    </inkml:brush>
+  </inkml:definitions>
+  <inkml:trace contextRef="#ctx0" brushRef="#br0">200 0 24575,'14'1'0,"0"0"0,-1 0 0,1 0 0,-1 1 0,0 0 0,0 0 0,-1 0 0,21 5 0,1 0 0,75 17 0,-2 2 0,-2 2 0,113 40 0,275 113 0,-372-134 0,-113-44 0,0 0 0,1 0 0,-1 0 0,-1 0 0,0 1 0,11 7 0,-17-11 0,0 1 0,-1-1 0,1 1 0,-1-1 0,1 1 0,-1-1 0,0 1 0,0-1 0,1 1 0,-1-1 0,0 1 0,0-1 0,0 1 0,0-1 0,0 1 0,-1-1 0,1 1 0,0 0 0,-1-1 0,1 1 0,-1-1 0,0 1 0,-1 0 0,0 0 0,0 0 0,0-1 0,0 1 0,0 0 0,-1-1 0,1 1 0,-1 0 0,1-1 0,-1 1 0,1-1 0,-1 0 0,0 1 0,1-1 0,-4 0 0,-250 19 69,128-11-1742,-130 15 1,210-17 711,-85 11-435,-176 31 0,276-42 1468,1 1 0,0 0 0,1 0 0,1 2 0,0 0 0,2 0 0,1 1 0,0 0 0,2 1-1,-36 20 1,52-25 519,1 0 0,1 0-1,0 1 1,1-1-1,0 1 1,-6 12 0,4 5-6679</inkml:trace>
+</inkml:ink>
 </file>
 
 <file path=ppt/slideLayouts/slideLayout1.xml><?xml version="1.0" encoding="utf-8"?>
@@ -3430,6 +3544,439 @@
 </p:sld>
 </file>
 
+<file path=ppt/slides/slide10.xml><?xml version="1.0" encoding="utf-8"?>
+<p:sld xmlns:a="http://schemas.openxmlformats.org/drawingml/2006/main" xmlns:r="http://schemas.openxmlformats.org/officeDocument/2006/relationships" xmlns:p="http://schemas.openxmlformats.org/presentationml/2006/main">
+  <p:cSld>
+    <p:spTree>
+      <p:nvGrpSpPr>
+        <p:cNvPr id="1" name=""/>
+        <p:cNvGrpSpPr/>
+        <p:nvPr/>
+      </p:nvGrpSpPr>
+      <p:grpSpPr>
+        <a:xfrm>
+          <a:off x="0" y="0"/>
+          <a:ext cx="0" cy="0"/>
+          <a:chOff x="0" y="0"/>
+          <a:chExt cx="0" cy="0"/>
+        </a:xfrm>
+      </p:grpSpPr>
+      <p:sp>
+        <p:nvSpPr>
+          <p:cNvPr id="2" name="Title 1">
+            <a:extLst>
+              <a:ext uri="{FF2B5EF4-FFF2-40B4-BE49-F238E27FC236}">
+                <a16:creationId xmlns:a16="http://schemas.microsoft.com/office/drawing/2014/main" id="{E5D2891B-F272-4498-BEBE-DE4BC2C6506E}"/>
+              </a:ext>
+            </a:extLst>
+          </p:cNvPr>
+          <p:cNvSpPr>
+            <a:spLocks noGrp="1"/>
+          </p:cNvSpPr>
+          <p:nvPr>
+            <p:ph type="title"/>
+          </p:nvPr>
+        </p:nvSpPr>
+        <p:spPr>
+          <a:xfrm>
+            <a:off x="838200" y="18255"/>
+            <a:ext cx="10515600" cy="1325563"/>
+          </a:xfrm>
+        </p:spPr>
+        <p:txBody>
+          <a:bodyPr/>
+          <a:lstStyle/>
+          <a:p>
+            <a:r>
+              <a:rPr lang="en-US" altLang="zh-TW" dirty="0"/>
+              <a:t>API structure</a:t>
+            </a:r>
+            <a:endParaRPr lang="zh-TW" altLang="en-US" dirty="0"/>
+          </a:p>
+        </p:txBody>
+      </p:sp>
+      <p:sp>
+        <p:nvSpPr>
+          <p:cNvPr id="5" name="Content Placeholder 4">
+            <a:extLst>
+              <a:ext uri="{FF2B5EF4-FFF2-40B4-BE49-F238E27FC236}">
+                <a16:creationId xmlns:a16="http://schemas.microsoft.com/office/drawing/2014/main" id="{8EAB92C2-B7FD-4C97-80EC-B8EBC7A487F3}"/>
+              </a:ext>
+            </a:extLst>
+          </p:cNvPr>
+          <p:cNvSpPr>
+            <a:spLocks noGrp="1"/>
+          </p:cNvSpPr>
+          <p:nvPr>
+            <p:ph idx="1"/>
+          </p:nvPr>
+        </p:nvSpPr>
+        <p:spPr>
+          <a:xfrm>
+            <a:off x="838200" y="1066782"/>
+            <a:ext cx="10515600" cy="1766066"/>
+          </a:xfrm>
+        </p:spPr>
+        <p:txBody>
+          <a:bodyPr>
+            <a:normAutofit/>
+          </a:bodyPr>
+          <a:lstStyle/>
+          <a:p>
+            <a:r>
+              <a:rPr lang="en-US" altLang="zh-TW" dirty="0" err="1"/>
+              <a:t>count_dist</a:t>
+            </a:r>
+            <a:endParaRPr lang="en-US" altLang="zh-TW" dirty="0"/>
+          </a:p>
+          <a:p>
+            <a:pPr lvl="1"/>
+            <a:r>
+              <a:rPr lang="en-US" altLang="zh-TW" dirty="0"/>
+              <a:t>Input: (u8) LBP_Mode_n0[N,2], (u8) LBP_Mode_n1[N,2]</a:t>
+            </a:r>
+          </a:p>
+          <a:p>
+            <a:pPr lvl="1"/>
+            <a:r>
+              <a:rPr lang="en-US" altLang="zh-TW" dirty="0"/>
+              <a:t>Output: (u16) </a:t>
+            </a:r>
+            <a:r>
+              <a:rPr lang="en-US" altLang="zh-TW" dirty="0" err="1"/>
+              <a:t>dist</a:t>
+            </a:r>
+            <a:endParaRPr lang="en-US" altLang="zh-TW" dirty="0"/>
+          </a:p>
+          <a:p>
+            <a:pPr lvl="1"/>
+            <a:r>
+              <a:rPr lang="en-US" altLang="zh-TW" dirty="0"/>
+              <a:t>Parameters: None</a:t>
+            </a:r>
+          </a:p>
+        </p:txBody>
+      </p:sp>
+      <p:sp>
+        <p:nvSpPr>
+          <p:cNvPr id="6" name="TextBox 5">
+            <a:extLst>
+              <a:ext uri="{FF2B5EF4-FFF2-40B4-BE49-F238E27FC236}">
+                <a16:creationId xmlns:a16="http://schemas.microsoft.com/office/drawing/2014/main" id="{29F0A3BD-184B-45C7-8DB5-98E6D350FD77}"/>
+              </a:ext>
+            </a:extLst>
+          </p:cNvPr>
+          <p:cNvSpPr txBox="1"/>
+          <p:nvPr/>
+        </p:nvSpPr>
+        <p:spPr>
+          <a:xfrm>
+            <a:off x="1264024" y="2718290"/>
+            <a:ext cx="7727576" cy="646331"/>
+          </a:xfrm>
+          <a:prstGeom prst="rect">
+            <a:avLst/>
+          </a:prstGeom>
+          <a:noFill/>
+        </p:spPr>
+        <p:txBody>
+          <a:bodyPr wrap="square">
+            <a:spAutoFit/>
+          </a:bodyPr>
+          <a:lstStyle/>
+          <a:p>
+            <a:r>
+              <a:rPr lang="en-US" altLang="zh-TW" dirty="0"/>
+              <a:t>Pseudocode:</a:t>
+            </a:r>
+          </a:p>
+          <a:p>
+            <a:endParaRPr lang="en-US" altLang="zh-TW" dirty="0"/>
+          </a:p>
+        </p:txBody>
+      </p:sp>
+      <p:pic>
+        <p:nvPicPr>
+          <p:cNvPr id="10" name="Picture 9">
+            <a:extLst>
+              <a:ext uri="{FF2B5EF4-FFF2-40B4-BE49-F238E27FC236}">
+                <a16:creationId xmlns:a16="http://schemas.microsoft.com/office/drawing/2014/main" id="{69DAA39D-7EE9-4AC4-8D4E-4ACF7DC14EAE}"/>
+              </a:ext>
+            </a:extLst>
+          </p:cNvPr>
+          <p:cNvPicPr>
+            <a:picLocks noChangeAspect="1"/>
+          </p:cNvPicPr>
+          <p:nvPr/>
+        </p:nvPicPr>
+        <p:blipFill>
+          <a:blip r:embed="rId2"/>
+          <a:stretch>
+            <a:fillRect/>
+          </a:stretch>
+        </p:blipFill>
+        <p:spPr>
+          <a:xfrm>
+            <a:off x="1264024" y="3041454"/>
+            <a:ext cx="8158534" cy="2247721"/>
+          </a:xfrm>
+          <a:prstGeom prst="rect">
+            <a:avLst/>
+          </a:prstGeom>
+        </p:spPr>
+      </p:pic>
+    </p:spTree>
+    <p:extLst>
+      <p:ext uri="{BB962C8B-B14F-4D97-AF65-F5344CB8AC3E}">
+        <p14:creationId xmlns:p14="http://schemas.microsoft.com/office/powerpoint/2010/main" val="1017137951"/>
+      </p:ext>
+    </p:extLst>
+  </p:cSld>
+  <p:clrMapOvr>
+    <a:masterClrMapping/>
+  </p:clrMapOvr>
+</p:sld>
+</file>
+
+<file path=ppt/slides/slide11.xml><?xml version="1.0" encoding="utf-8"?>
+<p:sld xmlns:a="http://schemas.openxmlformats.org/drawingml/2006/main" xmlns:r="http://schemas.openxmlformats.org/officeDocument/2006/relationships" xmlns:p="http://schemas.openxmlformats.org/presentationml/2006/main">
+  <p:cSld>
+    <p:spTree>
+      <p:nvGrpSpPr>
+        <p:cNvPr id="1" name=""/>
+        <p:cNvGrpSpPr/>
+        <p:nvPr/>
+      </p:nvGrpSpPr>
+      <p:grpSpPr>
+        <a:xfrm>
+          <a:off x="0" y="0"/>
+          <a:ext cx="0" cy="0"/>
+          <a:chOff x="0" y="0"/>
+          <a:chExt cx="0" cy="0"/>
+        </a:xfrm>
+      </p:grpSpPr>
+      <p:sp>
+        <p:nvSpPr>
+          <p:cNvPr id="2" name="Title 1">
+            <a:extLst>
+              <a:ext uri="{FF2B5EF4-FFF2-40B4-BE49-F238E27FC236}">
+                <a16:creationId xmlns:a16="http://schemas.microsoft.com/office/drawing/2014/main" id="{E5D2891B-F272-4498-BEBE-DE4BC2C6506E}"/>
+              </a:ext>
+            </a:extLst>
+          </p:cNvPr>
+          <p:cNvSpPr>
+            <a:spLocks noGrp="1"/>
+          </p:cNvSpPr>
+          <p:nvPr>
+            <p:ph type="title"/>
+          </p:nvPr>
+        </p:nvSpPr>
+        <p:spPr>
+          <a:xfrm>
+            <a:off x="838200" y="18255"/>
+            <a:ext cx="10515600" cy="1325563"/>
+          </a:xfrm>
+        </p:spPr>
+        <p:txBody>
+          <a:bodyPr/>
+          <a:lstStyle/>
+          <a:p>
+            <a:r>
+              <a:rPr lang="en-US" altLang="zh-TW" dirty="0"/>
+              <a:t>API structure</a:t>
+            </a:r>
+            <a:endParaRPr lang="zh-TW" altLang="en-US" dirty="0"/>
+          </a:p>
+        </p:txBody>
+      </p:sp>
+      <p:sp>
+        <p:nvSpPr>
+          <p:cNvPr id="5" name="Content Placeholder 4">
+            <a:extLst>
+              <a:ext uri="{FF2B5EF4-FFF2-40B4-BE49-F238E27FC236}">
+                <a16:creationId xmlns:a16="http://schemas.microsoft.com/office/drawing/2014/main" id="{8EAB92C2-B7FD-4C97-80EC-B8EBC7A487F3}"/>
+              </a:ext>
+            </a:extLst>
+          </p:cNvPr>
+          <p:cNvSpPr>
+            <a:spLocks noGrp="1"/>
+          </p:cNvSpPr>
+          <p:nvPr>
+            <p:ph idx="1"/>
+          </p:nvPr>
+        </p:nvSpPr>
+        <p:spPr>
+          <a:xfrm>
+            <a:off x="376518" y="1066782"/>
+            <a:ext cx="11438964" cy="1766066"/>
+          </a:xfrm>
+        </p:spPr>
+        <p:txBody>
+          <a:bodyPr>
+            <a:normAutofit/>
+          </a:bodyPr>
+          <a:lstStyle/>
+          <a:p>
+            <a:r>
+              <a:rPr lang="en-US" altLang="zh-TW" dirty="0" err="1"/>
+              <a:t>dist_compare</a:t>
+            </a:r>
+            <a:endParaRPr lang="en-US" altLang="zh-TW" dirty="0"/>
+          </a:p>
+          <a:p>
+            <a:pPr lvl="1"/>
+            <a:r>
+              <a:rPr lang="en-US" altLang="zh-TW" dirty="0"/>
+              <a:t>Input: (u16) </a:t>
+            </a:r>
+            <a:r>
+              <a:rPr lang="en-US" altLang="zh-TW" dirty="0" err="1"/>
+              <a:t>dist</a:t>
+            </a:r>
+            <a:r>
+              <a:rPr lang="en-US" altLang="zh-TW" dirty="0"/>
+              <a:t>, (u8) Mask[L,W], (u16) </a:t>
+            </a:r>
+            <a:r>
+              <a:rPr lang="en-US" altLang="zh-TW" dirty="0" err="1"/>
+              <a:t>isRoad</a:t>
+            </a:r>
+            <a:endParaRPr lang="en-US" altLang="zh-TW" dirty="0"/>
+          </a:p>
+          <a:p>
+            <a:pPr lvl="1"/>
+            <a:r>
+              <a:rPr lang="en-US" altLang="zh-TW" dirty="0"/>
+              <a:t>Output: (u16) </a:t>
+            </a:r>
+            <a:r>
+              <a:rPr lang="en-US" altLang="zh-TW" dirty="0" err="1"/>
+              <a:t>isRoad</a:t>
+            </a:r>
+            <a:endParaRPr lang="en-US" altLang="zh-TW" dirty="0"/>
+          </a:p>
+          <a:p>
+            <a:pPr lvl="1"/>
+            <a:r>
+              <a:rPr lang="en-US" altLang="zh-TW" dirty="0"/>
+              <a:t>Parameters: (u8) </a:t>
+            </a:r>
+            <a:r>
+              <a:rPr lang="en-US" altLang="zh-TW" dirty="0" err="1"/>
+              <a:t>start_x</a:t>
+            </a:r>
+            <a:r>
+              <a:rPr lang="en-US" altLang="zh-TW" dirty="0"/>
+              <a:t>, (u8) </a:t>
+            </a:r>
+            <a:r>
+              <a:rPr lang="en-US" altLang="zh-TW" dirty="0" err="1"/>
+              <a:t>start_y</a:t>
+            </a:r>
+            <a:r>
+              <a:rPr lang="en-US" altLang="zh-TW" dirty="0"/>
+              <a:t>, (u8) </a:t>
+            </a:r>
+            <a:r>
+              <a:rPr lang="en-US" altLang="zh-TW" dirty="0" err="1"/>
+              <a:t>end_x</a:t>
+            </a:r>
+            <a:r>
+              <a:rPr lang="en-US" altLang="zh-TW" dirty="0"/>
+              <a:t>, (u8) </a:t>
+            </a:r>
+            <a:r>
+              <a:rPr lang="en-US" altLang="zh-TW" dirty="0" err="1"/>
+              <a:t>end_y</a:t>
+            </a:r>
+            <a:r>
+              <a:rPr lang="en-US" altLang="zh-TW" dirty="0"/>
+              <a:t>, (u16) Threshold</a:t>
+            </a:r>
+          </a:p>
+        </p:txBody>
+      </p:sp>
+      <p:sp>
+        <p:nvSpPr>
+          <p:cNvPr id="6" name="TextBox 5">
+            <a:extLst>
+              <a:ext uri="{FF2B5EF4-FFF2-40B4-BE49-F238E27FC236}">
+                <a16:creationId xmlns:a16="http://schemas.microsoft.com/office/drawing/2014/main" id="{29F0A3BD-184B-45C7-8DB5-98E6D350FD77}"/>
+              </a:ext>
+            </a:extLst>
+          </p:cNvPr>
+          <p:cNvSpPr txBox="1"/>
+          <p:nvPr/>
+        </p:nvSpPr>
+        <p:spPr>
+          <a:xfrm>
+            <a:off x="1264024" y="2718290"/>
+            <a:ext cx="7727576" cy="646331"/>
+          </a:xfrm>
+          <a:prstGeom prst="rect">
+            <a:avLst/>
+          </a:prstGeom>
+          <a:noFill/>
+        </p:spPr>
+        <p:txBody>
+          <a:bodyPr wrap="square">
+            <a:spAutoFit/>
+          </a:bodyPr>
+          <a:lstStyle/>
+          <a:p>
+            <a:r>
+              <a:rPr lang="en-US" altLang="zh-TW" dirty="0"/>
+              <a:t>Pseudocode:</a:t>
+            </a:r>
+          </a:p>
+          <a:p>
+            <a:endParaRPr lang="en-US" altLang="zh-TW" dirty="0"/>
+          </a:p>
+        </p:txBody>
+      </p:sp>
+      <p:pic>
+        <p:nvPicPr>
+          <p:cNvPr id="11" name="Picture 10">
+            <a:extLst>
+              <a:ext uri="{FF2B5EF4-FFF2-40B4-BE49-F238E27FC236}">
+                <a16:creationId xmlns:a16="http://schemas.microsoft.com/office/drawing/2014/main" id="{3A72012A-8C27-46CF-B1F0-77ACEE409B51}"/>
+              </a:ext>
+            </a:extLst>
+          </p:cNvPr>
+          <p:cNvPicPr>
+            <a:picLocks noChangeAspect="1"/>
+          </p:cNvPicPr>
+          <p:nvPr/>
+        </p:nvPicPr>
+        <p:blipFill>
+          <a:blip r:embed="rId2"/>
+          <a:stretch>
+            <a:fillRect/>
+          </a:stretch>
+        </p:blipFill>
+        <p:spPr>
+          <a:xfrm>
+            <a:off x="1264024" y="3041454"/>
+            <a:ext cx="9264864" cy="2552521"/>
+          </a:xfrm>
+          <a:prstGeom prst="rect">
+            <a:avLst/>
+          </a:prstGeom>
+        </p:spPr>
+      </p:pic>
+    </p:spTree>
+    <p:extLst>
+      <p:ext uri="{BB962C8B-B14F-4D97-AF65-F5344CB8AC3E}">
+        <p14:creationId xmlns:p14="http://schemas.microsoft.com/office/powerpoint/2010/main" val="133067467"/>
+      </p:ext>
+    </p:extLst>
+  </p:cSld>
+  <p:clrMapOvr>
+    <a:masterClrMapping/>
+  </p:clrMapOvr>
+</p:sld>
+</file>
+
 <file path=ppt/slides/slide2.xml><?xml version="1.0" encoding="utf-8"?>
 <p:sld xmlns:a="http://schemas.openxmlformats.org/drawingml/2006/main" xmlns:r="http://schemas.openxmlformats.org/officeDocument/2006/relationships" xmlns:p="http://schemas.openxmlformats.org/presentationml/2006/main">
   <p:cSld>
@@ -5916,86 +6463,6 @@
           </p:style>
         </p:cxnSp>
       </p:grpSp>
-      <p:cxnSp>
-        <p:nvCxnSpPr>
-          <p:cNvPr id="114" name="Straight Arrow Connector 113">
-            <a:extLst>
-              <a:ext uri="{FF2B5EF4-FFF2-40B4-BE49-F238E27FC236}">
-                <a16:creationId xmlns:a16="http://schemas.microsoft.com/office/drawing/2014/main" id="{4CFE2F39-209A-4FE6-930E-72C37DE1D220}"/>
-              </a:ext>
-            </a:extLst>
-          </p:cNvPr>
-          <p:cNvCxnSpPr>
-            <a:cxnSpLocks/>
-          </p:cNvCxnSpPr>
-          <p:nvPr/>
-        </p:nvCxnSpPr>
-        <p:spPr>
-          <a:xfrm>
-            <a:off x="5548356" y="5094283"/>
-            <a:ext cx="1035324" cy="0"/>
-          </a:xfrm>
-          <a:prstGeom prst="straightConnector1">
-            <a:avLst/>
-          </a:prstGeom>
-          <a:ln w="38100">
-            <a:solidFill>
-              <a:srgbClr val="0070C0"/>
-            </a:solidFill>
-            <a:tailEnd type="triangle"/>
-          </a:ln>
-        </p:spPr>
-        <p:style>
-          <a:lnRef idx="1">
-            <a:schemeClr val="accent1"/>
-          </a:lnRef>
-          <a:fillRef idx="0">
-            <a:schemeClr val="accent1"/>
-          </a:fillRef>
-          <a:effectRef idx="0">
-            <a:schemeClr val="accent1"/>
-          </a:effectRef>
-          <a:fontRef idx="minor">
-            <a:schemeClr val="tx1"/>
-          </a:fontRef>
-        </p:style>
-      </p:cxnSp>
-      <p:sp>
-        <p:nvSpPr>
-          <p:cNvPr id="117" name="TextBox 116">
-            <a:extLst>
-              <a:ext uri="{FF2B5EF4-FFF2-40B4-BE49-F238E27FC236}">
-                <a16:creationId xmlns:a16="http://schemas.microsoft.com/office/drawing/2014/main" id="{4C22E6D6-2107-424E-B845-FCB82496BFD2}"/>
-              </a:ext>
-            </a:extLst>
-          </p:cNvPr>
-          <p:cNvSpPr txBox="1"/>
-          <p:nvPr/>
-        </p:nvSpPr>
-        <p:spPr>
-          <a:xfrm>
-            <a:off x="5663271" y="4810500"/>
-            <a:ext cx="1051658" cy="276999"/>
-          </a:xfrm>
-          <a:prstGeom prst="rect">
-            <a:avLst/>
-          </a:prstGeom>
-          <a:noFill/>
-        </p:spPr>
-        <p:txBody>
-          <a:bodyPr wrap="square" rtlCol="0">
-            <a:spAutoFit/>
-          </a:bodyPr>
-          <a:lstStyle/>
-          <a:p>
-            <a:r>
-              <a:rPr lang="en-US" altLang="zh-TW" sz="1200" dirty="0"/>
-              <a:t>Result Image</a:t>
-            </a:r>
-            <a:endParaRPr lang="zh-TW" altLang="en-US" sz="1200" dirty="0"/>
-          </a:p>
-        </p:txBody>
-      </p:sp>
       <p:sp>
         <p:nvSpPr>
           <p:cNvPr id="118" name="Title 1">
@@ -6823,8 +7290,8 @@
         </p:nvSpPr>
         <p:spPr>
           <a:xfrm>
-            <a:off x="293047" y="5007641"/>
-            <a:ext cx="1051658" cy="276999"/>
+            <a:off x="54553" y="5014032"/>
+            <a:ext cx="1464516" cy="276999"/>
           </a:xfrm>
           <a:prstGeom prst="rect">
             <a:avLst/>
@@ -6839,8 +7306,9 @@
           <a:p>
             <a:r>
               <a:rPr lang="en-US" altLang="zh-TW" sz="1200" dirty="0"/>
-              <a:t>Mode [N,2]</a:t>
-            </a:r>
+              <a:t>LBP_Mode_n1[N,2]</a:t>
+            </a:r>
+            <a:endParaRPr lang="en-US" altLang="zh-TW" sz="1000" dirty="0"/>
           </a:p>
         </p:txBody>
       </p:sp>
@@ -7119,8 +7587,8 @@
         </p:nvSpPr>
         <p:spPr>
           <a:xfrm>
-            <a:off x="3781884" y="5144859"/>
-            <a:ext cx="889175" cy="276999"/>
+            <a:off x="3819733" y="4822131"/>
+            <a:ext cx="1636110" cy="276999"/>
           </a:xfrm>
           <a:prstGeom prst="rect">
             <a:avLst/>
@@ -7135,62 +7603,113 @@
           <a:p>
             <a:r>
               <a:rPr lang="en-US" altLang="zh-TW" sz="1200" dirty="0"/>
-              <a:t>Mask[L,W]</a:t>
+              <a:t>Image Result Mask[L,W]</a:t>
             </a:r>
             <a:endParaRPr lang="zh-TW" altLang="en-US" sz="1200" dirty="0"/>
           </a:p>
         </p:txBody>
       </p:sp>
-      <p:sp>
-        <p:nvSpPr>
-          <p:cNvPr id="183" name="Rectangle 182">
-            <a:extLst>
-              <a:ext uri="{FF2B5EF4-FFF2-40B4-BE49-F238E27FC236}">
-                <a16:creationId xmlns:a16="http://schemas.microsoft.com/office/drawing/2014/main" id="{11B9B09E-38A7-4F34-890A-F9562592AEA9}"/>
-              </a:ext>
-            </a:extLst>
-          </p:cNvPr>
-          <p:cNvSpPr/>
-          <p:nvPr/>
-        </p:nvSpPr>
-        <p:spPr>
-          <a:xfrm>
-            <a:off x="4533901" y="4609504"/>
-            <a:ext cx="1008000" cy="648000"/>
-          </a:xfrm>
-          <a:prstGeom prst="rect">
-            <a:avLst/>
-          </a:prstGeom>
-        </p:spPr>
-        <p:style>
-          <a:lnRef idx="2">
-            <a:schemeClr val="accent5">
-              <a:shade val="50000"/>
-            </a:schemeClr>
-          </a:lnRef>
-          <a:fillRef idx="1">
-            <a:schemeClr val="accent5"/>
-          </a:fillRef>
-          <a:effectRef idx="0">
-            <a:schemeClr val="accent5"/>
-          </a:effectRef>
-          <a:fontRef idx="minor">
-            <a:schemeClr val="lt1"/>
-          </a:fontRef>
-        </p:style>
-        <p:txBody>
-          <a:bodyPr rtlCol="0" anchor="ctr"/>
-          <a:lstStyle/>
-          <a:p>
-            <a:pPr algn="ctr"/>
-            <a:r>
-              <a:rPr lang="en-US" altLang="zh-TW" dirty="0"/>
-              <a:t>Labeling</a:t>
-            </a:r>
-            <a:endParaRPr lang="zh-TW" altLang="en-US" dirty="0"/>
-          </a:p>
-        </p:txBody>
-      </p:sp>
+      <p:grpSp>
+        <p:nvGrpSpPr>
+          <p:cNvPr id="64" name="Group 63">
+            <a:extLst>
+              <a:ext uri="{FF2B5EF4-FFF2-40B4-BE49-F238E27FC236}">
+                <a16:creationId xmlns:a16="http://schemas.microsoft.com/office/drawing/2014/main" id="{CB47365E-C99D-449D-A029-8F0283EB4825}"/>
+              </a:ext>
+            </a:extLst>
+          </p:cNvPr>
+          <p:cNvGrpSpPr/>
+          <p:nvPr/>
+        </p:nvGrpSpPr>
+        <p:grpSpPr>
+          <a:xfrm>
+            <a:off x="125513" y="4478723"/>
+            <a:ext cx="1393183" cy="283039"/>
+            <a:chOff x="994871" y="2977373"/>
+            <a:chExt cx="1393183" cy="283039"/>
+          </a:xfrm>
+        </p:grpSpPr>
+        <p:cxnSp>
+          <p:nvCxnSpPr>
+            <p:cNvPr id="65" name="Straight Arrow Connector 64">
+              <a:extLst>
+                <a:ext uri="{FF2B5EF4-FFF2-40B4-BE49-F238E27FC236}">
+                  <a16:creationId xmlns:a16="http://schemas.microsoft.com/office/drawing/2014/main" id="{464E4C5B-0805-42D3-9F1E-6BA55C2359E4}"/>
+                </a:ext>
+              </a:extLst>
+            </p:cNvPr>
+            <p:cNvCxnSpPr>
+              <a:cxnSpLocks/>
+            </p:cNvCxnSpPr>
+            <p:nvPr/>
+          </p:nvCxnSpPr>
+          <p:spPr>
+            <a:xfrm>
+              <a:off x="1365251" y="3260412"/>
+              <a:ext cx="645966" cy="0"/>
+            </a:xfrm>
+            <a:prstGeom prst="straightConnector1">
+              <a:avLst/>
+            </a:prstGeom>
+            <a:ln w="38100">
+              <a:solidFill>
+                <a:srgbClr val="0070C0"/>
+              </a:solidFill>
+              <a:tailEnd type="triangle"/>
+            </a:ln>
+          </p:spPr>
+          <p:style>
+            <a:lnRef idx="1">
+              <a:schemeClr val="accent1"/>
+            </a:lnRef>
+            <a:fillRef idx="0">
+              <a:schemeClr val="accent1"/>
+            </a:fillRef>
+            <a:effectRef idx="0">
+              <a:schemeClr val="accent1"/>
+            </a:effectRef>
+            <a:fontRef idx="minor">
+              <a:schemeClr val="tx1"/>
+            </a:fontRef>
+          </p:style>
+        </p:cxnSp>
+        <p:sp>
+          <p:nvSpPr>
+            <p:cNvPr id="66" name="TextBox 65">
+              <a:extLst>
+                <a:ext uri="{FF2B5EF4-FFF2-40B4-BE49-F238E27FC236}">
+                  <a16:creationId xmlns:a16="http://schemas.microsoft.com/office/drawing/2014/main" id="{328B385F-77CB-4067-94E0-6E471A886CCD}"/>
+                </a:ext>
+              </a:extLst>
+            </p:cNvPr>
+            <p:cNvSpPr txBox="1"/>
+            <p:nvPr/>
+          </p:nvSpPr>
+          <p:spPr>
+            <a:xfrm>
+              <a:off x="994871" y="2977373"/>
+              <a:ext cx="1393183" cy="276999"/>
+            </a:xfrm>
+            <a:prstGeom prst="rect">
+              <a:avLst/>
+            </a:prstGeom>
+            <a:noFill/>
+          </p:spPr>
+          <p:txBody>
+            <a:bodyPr wrap="square" rtlCol="0">
+              <a:spAutoFit/>
+            </a:bodyPr>
+            <a:lstStyle/>
+            <a:p>
+              <a:r>
+                <a:rPr lang="en-US" altLang="zh-TW" sz="1200" dirty="0"/>
+                <a:t>LBP_Mode_n0[N,2]</a:t>
+              </a:r>
+              <a:endParaRPr lang="en-US" altLang="zh-TW" sz="1000" dirty="0"/>
+            </a:p>
+          </p:txBody>
+        </p:sp>
+      </p:grpSp>
     </p:spTree>
     <p:extLst>
       <p:ext uri="{BB962C8B-B14F-4D97-AF65-F5344CB8AC3E}">
@@ -7239,7 +7758,7 @@
         </p:nvSpPr>
         <p:spPr>
           <a:xfrm>
-            <a:off x="838200" y="9525"/>
+            <a:off x="4275666" y="9525"/>
             <a:ext cx="3640667" cy="1325563"/>
           </a:xfrm>
         </p:spPr>
@@ -7247,6 +7766,7 @@
           <a:bodyPr/>
           <a:lstStyle/>
           <a:p>
+            <a:pPr algn="ctr"/>
             <a:r>
               <a:rPr lang="en-US" altLang="zh-TW" dirty="0"/>
               <a:t>Flowchart</a:t>
@@ -7269,8 +7789,8 @@
         </p:nvSpPr>
         <p:spPr>
           <a:xfrm>
-            <a:off x="4504267" y="174857"/>
-            <a:ext cx="2880000" cy="288000"/>
+            <a:off x="960883" y="9525"/>
+            <a:ext cx="3726000" cy="288000"/>
           </a:xfrm>
           <a:prstGeom prst="rect">
             <a:avLst/>
@@ -7330,8 +7850,8 @@
         </p:nvSpPr>
         <p:spPr>
           <a:xfrm>
-            <a:off x="4504267" y="647284"/>
-            <a:ext cx="2880000" cy="288000"/>
+            <a:off x="960883" y="481952"/>
+            <a:ext cx="3726000" cy="288000"/>
           </a:xfrm>
           <a:prstGeom prst="rect">
             <a:avLst/>
@@ -7384,8 +7904,8 @@
         </p:nvSpPr>
         <p:spPr>
           <a:xfrm>
-            <a:off x="4504267" y="1119712"/>
-            <a:ext cx="2880000" cy="288000"/>
+            <a:off x="961225" y="954380"/>
+            <a:ext cx="3726648" cy="288000"/>
           </a:xfrm>
           <a:prstGeom prst="rect">
             <a:avLst/>
@@ -7442,7 +7962,7 @@
         </p:nvCxnSpPr>
         <p:spPr>
           <a:xfrm>
-            <a:off x="5944267" y="462857"/>
+            <a:off x="2823883" y="297525"/>
             <a:ext cx="0" cy="184427"/>
           </a:xfrm>
           <a:prstGeom prst="straightConnector1">
@@ -7488,8 +8008,8 @@
         </p:nvCxnSpPr>
         <p:spPr>
           <a:xfrm>
-            <a:off x="5944267" y="935284"/>
-            <a:ext cx="0" cy="184428"/>
+            <a:off x="2823883" y="769952"/>
+            <a:ext cx="666" cy="184428"/>
           </a:xfrm>
           <a:prstGeom prst="straightConnector1">
             <a:avLst/>
@@ -7530,8 +8050,8 @@
         </p:nvSpPr>
         <p:spPr>
           <a:xfrm>
-            <a:off x="4504267" y="2667877"/>
-            <a:ext cx="2880000" cy="288000"/>
+            <a:off x="960231" y="3074678"/>
+            <a:ext cx="3726652" cy="605076"/>
           </a:xfrm>
           <a:prstGeom prst="rect">
             <a:avLst/>
@@ -7559,24 +8079,20 @@
           <a:p>
             <a:pPr algn="ctr"/>
             <a:r>
-              <a:rPr lang="zh-TW" altLang="en-US" sz="1600" dirty="0"/>
-              <a:t>取</a:t>
-            </a:r>
-            <a:r>
               <a:rPr lang="en-US" altLang="zh-TW" sz="1600" dirty="0" err="1"/>
-              <a:t>big_kernel</a:t>
+              <a:t>Get_kernel</a:t>
             </a:r>
             <a:r>
               <a:rPr lang="en-US" altLang="zh-TW" sz="1600" dirty="0"/>
-              <a:t>[</a:t>
+              <a:t>(Sobel, k=</a:t>
             </a:r>
             <a:r>
               <a:rPr lang="en-US" altLang="zh-TW" sz="1600" dirty="0" err="1"/>
-              <a:t>i,j</a:t>
+              <a:t>BFS_kernel_size</a:t>
             </a:r>
             <a:r>
               <a:rPr lang="en-US" altLang="zh-TW" sz="1600" dirty="0"/>
-              <a:t>]</a:t>
+              <a:t>, c=[last index + x, middle index + y])</a:t>
             </a:r>
           </a:p>
         </p:txBody>
@@ -7599,8 +8115,8 @@
         </p:nvCxnSpPr>
         <p:spPr>
           <a:xfrm>
-            <a:off x="5944267" y="1407712"/>
-            <a:ext cx="0" cy="729438"/>
+            <a:off x="2824549" y="1242380"/>
+            <a:ext cx="0" cy="366394"/>
           </a:xfrm>
           <a:prstGeom prst="straightConnector1">
             <a:avLst/>
@@ -7641,8 +8157,8 @@
         </p:nvSpPr>
         <p:spPr>
           <a:xfrm>
-            <a:off x="4504267" y="2137150"/>
-            <a:ext cx="2880000" cy="288000"/>
+            <a:off x="961223" y="1608774"/>
+            <a:ext cx="3726652" cy="288000"/>
           </a:xfrm>
           <a:prstGeom prst="rect">
             <a:avLst/>
@@ -7671,23 +8187,15 @@
             <a:pPr algn="ctr"/>
             <a:r>
               <a:rPr lang="zh-TW" altLang="en-US" sz="1600" dirty="0"/>
-              <a:t>取</a:t>
+              <a:t>宣告</a:t>
             </a:r>
             <a:r>
               <a:rPr lang="en-US" altLang="zh-TW" sz="1600" dirty="0" err="1"/>
-              <a:t>big_kernel</a:t>
+              <a:t>is_road_array</a:t>
             </a:r>
             <a:r>
               <a:rPr lang="en-US" altLang="zh-TW" sz="1600" dirty="0"/>
-              <a:t> (N</a:t>
-            </a:r>
-            <a:r>
-              <a:rPr lang="zh-TW" altLang="en-US" sz="1600" dirty="0"/>
-              <a:t> </a:t>
-            </a:r>
-            <a:r>
-              <a:rPr lang="en-US" altLang="zh-TW" sz="1600" dirty="0"/>
-              <a:t>x N Matrices)</a:t>
+              <a:t> (bool array) = [0,…,0]</a:t>
             </a:r>
           </a:p>
         </p:txBody>
@@ -7704,14 +8212,14 @@
           <p:cNvCxnSpPr>
             <a:cxnSpLocks/>
             <a:stCxn id="23" idx="2"/>
-            <a:endCxn id="15" idx="0"/>
+            <a:endCxn id="83" idx="0"/>
           </p:cNvCxnSpPr>
           <p:nvPr/>
         </p:nvCxnSpPr>
         <p:spPr>
-          <a:xfrm>
-            <a:off x="5944267" y="2425150"/>
-            <a:ext cx="0" cy="242727"/>
+          <a:xfrm flipH="1">
+            <a:off x="2823883" y="1896774"/>
+            <a:ext cx="666" cy="158443"/>
           </a:xfrm>
           <a:prstGeom prst="straightConnector1">
             <a:avLst/>
@@ -7752,8 +8260,8 @@
         </p:nvSpPr>
         <p:spPr>
           <a:xfrm>
-            <a:off x="4504267" y="3167615"/>
-            <a:ext cx="2880000" cy="288000"/>
+            <a:off x="960231" y="3971592"/>
+            <a:ext cx="3726652" cy="390464"/>
           </a:xfrm>
           <a:prstGeom prst="rect">
             <a:avLst/>
@@ -7781,58 +8289,24 @@
           <a:p>
             <a:pPr algn="ctr"/>
             <a:r>
+              <a:rPr lang="en-US" altLang="zh-TW" sz="1600" dirty="0" err="1"/>
+              <a:t>Get_LBP</a:t>
+            </a:r>
+            <a:r>
               <a:rPr lang="en-US" altLang="zh-TW" sz="1600" dirty="0"/>
-              <a:t>LBP</a:t>
-            </a:r>
-          </a:p>
-        </p:txBody>
-      </p:sp>
-      <p:cxnSp>
-        <p:nvCxnSpPr>
-          <p:cNvPr id="53" name="Straight Arrow Connector 52">
-            <a:extLst>
-              <a:ext uri="{FF2B5EF4-FFF2-40B4-BE49-F238E27FC236}">
-                <a16:creationId xmlns:a16="http://schemas.microsoft.com/office/drawing/2014/main" id="{03B17416-3FF9-4801-AE2A-30124331616B}"/>
-              </a:ext>
-            </a:extLst>
-          </p:cNvPr>
-          <p:cNvCxnSpPr>
-            <a:cxnSpLocks/>
-            <a:stCxn id="15" idx="2"/>
-            <a:endCxn id="52" idx="0"/>
-          </p:cNvCxnSpPr>
-          <p:nvPr/>
-        </p:nvCxnSpPr>
-        <p:spPr>
-          <a:xfrm>
-            <a:off x="5944267" y="2955877"/>
-            <a:ext cx="0" cy="211738"/>
-          </a:xfrm>
-          <a:prstGeom prst="straightConnector1">
-            <a:avLst/>
-          </a:prstGeom>
-          <a:ln w="38100">
-            <a:solidFill>
-              <a:srgbClr val="0070C0"/>
-            </a:solidFill>
-            <a:tailEnd type="triangle"/>
-          </a:ln>
-        </p:spPr>
-        <p:style>
-          <a:lnRef idx="1">
-            <a:schemeClr val="accent1"/>
-          </a:lnRef>
-          <a:fillRef idx="0">
-            <a:schemeClr val="accent1"/>
-          </a:fillRef>
-          <a:effectRef idx="0">
-            <a:schemeClr val="accent1"/>
-          </a:effectRef>
-          <a:fontRef idx="minor">
-            <a:schemeClr val="tx1"/>
-          </a:fontRef>
-        </p:style>
-      </p:cxnSp>
+              <a:t>(</a:t>
+            </a:r>
+            <a:r>
+              <a:rPr lang="en-US" altLang="zh-TW" sz="1600" dirty="0" err="1"/>
+              <a:t>kernel.Kernel_array</a:t>
+            </a:r>
+            <a:r>
+              <a:rPr lang="en-US" altLang="zh-TW" sz="1600" dirty="0"/>
+              <a:t>)</a:t>
+            </a:r>
+          </a:p>
+        </p:txBody>
+      </p:sp>
       <p:sp>
         <p:nvSpPr>
           <p:cNvPr id="55" name="Rectangle 54">
@@ -7847,8 +8321,8 @@
         </p:nvSpPr>
         <p:spPr>
           <a:xfrm>
-            <a:off x="4504267" y="3658141"/>
-            <a:ext cx="2880000" cy="288000"/>
+            <a:off x="960233" y="4792046"/>
+            <a:ext cx="3726648" cy="390464"/>
           </a:xfrm>
           <a:prstGeom prst="rect">
             <a:avLst/>
@@ -7876,12 +8350,20 @@
           <a:p>
             <a:pPr algn="ctr"/>
             <a:r>
-              <a:rPr lang="zh-TW" altLang="en-US" sz="1600" dirty="0"/>
-              <a:t>加到</a:t>
+              <a:rPr lang="en-US" altLang="zh-TW" sz="1600" dirty="0" err="1"/>
+              <a:t>sort_N_max_hist</a:t>
             </a:r>
             <a:r>
               <a:rPr lang="en-US" altLang="zh-TW" sz="1600" dirty="0"/>
-              <a:t>Histogram</a:t>
+              <a:t>(</a:t>
+            </a:r>
+            <a:r>
+              <a:rPr lang="en-US" altLang="zh-TW" sz="1600" dirty="0" err="1"/>
+              <a:t>LBP_hist</a:t>
+            </a:r>
+            <a:r>
+              <a:rPr lang="en-US" altLang="zh-TW" sz="1600" dirty="0"/>
+              <a:t>)</a:t>
             </a:r>
           </a:p>
         </p:txBody>
@@ -7897,15 +8379,14 @@
           </p:cNvPr>
           <p:cNvCxnSpPr>
             <a:cxnSpLocks/>
-            <a:stCxn id="52" idx="2"/>
             <a:endCxn id="55" idx="0"/>
           </p:cNvCxnSpPr>
           <p:nvPr/>
         </p:nvCxnSpPr>
         <p:spPr>
           <a:xfrm>
-            <a:off x="5944267" y="3455615"/>
-            <a:ext cx="0" cy="202526"/>
+            <a:off x="2823555" y="4362056"/>
+            <a:ext cx="2" cy="429990"/>
           </a:xfrm>
           <a:prstGeom prst="straightConnector1">
             <a:avLst/>
@@ -7946,8 +8427,8 @@
         </p:nvSpPr>
         <p:spPr>
           <a:xfrm>
-            <a:off x="4673601" y="4148667"/>
-            <a:ext cx="2540000" cy="575733"/>
+            <a:off x="1035235" y="2055217"/>
+            <a:ext cx="3577296" cy="707161"/>
           </a:xfrm>
           <a:prstGeom prst="flowChartDecision">
             <a:avLst/>
@@ -7975,12 +8456,16 @@
           <a:p>
             <a:pPr algn="ctr"/>
             <a:r>
+              <a:rPr lang="en-US" altLang="zh-TW" sz="1200" dirty="0"/>
+              <a:t>(u16) </a:t>
+            </a:r>
+            <a:r>
               <a:rPr lang="en-US" altLang="zh-TW" sz="1200" dirty="0" err="1"/>
-              <a:t>i</a:t>
+              <a:t>is_road_array</a:t>
             </a:r>
             <a:r>
               <a:rPr lang="en-US" altLang="zh-TW" sz="1200" dirty="0"/>
-              <a:t> or j &gt;= N?</a:t>
+              <a:t>== 0?</a:t>
             </a:r>
             <a:endParaRPr lang="zh-TW" altLang="en-US" sz="1200" dirty="0"/>
           </a:p>
@@ -7997,13 +8482,15 @@
           </p:cNvPr>
           <p:cNvCxnSpPr>
             <a:cxnSpLocks/>
+            <a:stCxn id="15" idx="2"/>
+            <a:endCxn id="52" idx="0"/>
           </p:cNvCxnSpPr>
           <p:nvPr/>
         </p:nvCxnSpPr>
         <p:spPr>
           <a:xfrm>
-            <a:off x="5944268" y="3946141"/>
-            <a:ext cx="0" cy="202526"/>
+            <a:off x="2823557" y="3679754"/>
+            <a:ext cx="0" cy="291838"/>
           </a:xfrm>
           <a:prstGeom prst="straightConnector1">
             <a:avLst/>
@@ -8030,52 +8517,6 @@
           </a:fontRef>
         </p:style>
       </p:cxnSp>
-      <p:cxnSp>
-        <p:nvCxnSpPr>
-          <p:cNvPr id="116" name="Connector: Elbow 115">
-            <a:extLst>
-              <a:ext uri="{FF2B5EF4-FFF2-40B4-BE49-F238E27FC236}">
-                <a16:creationId xmlns:a16="http://schemas.microsoft.com/office/drawing/2014/main" id="{787BE3D5-1968-4CC9-804D-CA1DB449C006}"/>
-              </a:ext>
-            </a:extLst>
-          </p:cNvPr>
-          <p:cNvCxnSpPr>
-            <a:cxnSpLocks/>
-            <a:stCxn id="83" idx="3"/>
-            <a:endCxn id="125" idx="2"/>
-          </p:cNvCxnSpPr>
-          <p:nvPr/>
-        </p:nvCxnSpPr>
-        <p:spPr>
-          <a:xfrm flipV="1">
-            <a:off x="7213601" y="3451009"/>
-            <a:ext cx="861630" cy="985525"/>
-          </a:xfrm>
-          <a:prstGeom prst="bentConnector2">
-            <a:avLst/>
-          </a:prstGeom>
-          <a:ln w="38100">
-            <a:solidFill>
-              <a:srgbClr val="0070C0"/>
-            </a:solidFill>
-            <a:tailEnd type="triangle"/>
-          </a:ln>
-        </p:spPr>
-        <p:style>
-          <a:lnRef idx="1">
-            <a:schemeClr val="accent1"/>
-          </a:lnRef>
-          <a:fillRef idx="0">
-            <a:schemeClr val="accent1"/>
-          </a:fillRef>
-          <a:effectRef idx="0">
-            <a:schemeClr val="accent1"/>
-          </a:effectRef>
-          <a:fontRef idx="minor">
-            <a:schemeClr val="tx1"/>
-          </a:fontRef>
-        </p:style>
-      </p:cxnSp>
       <p:sp>
         <p:nvSpPr>
           <p:cNvPr id="118" name="TextBox 117">
@@ -8090,7 +8531,7 @@
         </p:nvSpPr>
         <p:spPr>
           <a:xfrm>
-            <a:off x="7384267" y="4436533"/>
+            <a:off x="2914683" y="2736124"/>
             <a:ext cx="840699" cy="338554"/>
           </a:xfrm>
           <a:prstGeom prst="rect">
@@ -8106,7 +8547,7 @@
           <a:p>
             <a:r>
               <a:rPr lang="en-US" altLang="zh-TW" sz="1600" dirty="0"/>
-              <a:t>false</a:t>
+              <a:t>true</a:t>
             </a:r>
             <a:endParaRPr lang="zh-TW" altLang="en-US" sz="1600" dirty="0"/>
           </a:p>
@@ -8126,8 +8567,8 @@
         </p:nvSpPr>
         <p:spPr>
           <a:xfrm>
-            <a:off x="7568397" y="3163009"/>
-            <a:ext cx="1013668" cy="288000"/>
+            <a:off x="960231" y="5490810"/>
+            <a:ext cx="3726652" cy="390464"/>
           </a:xfrm>
           <a:prstGeom prst="rect">
             <a:avLst/>
@@ -8155,22 +8596,13 @@
           <a:p>
             <a:pPr algn="ctr"/>
             <a:r>
-              <a:rPr lang="zh-TW" altLang="en-US" sz="1600" dirty="0"/>
-              <a:t> </a:t>
-            </a:r>
-            <a:r>
               <a:rPr lang="en-US" altLang="zh-TW" sz="1600" dirty="0" err="1"/>
-              <a:t>i</a:t>
+              <a:t>count_dist</a:t>
             </a:r>
             <a:r>
               <a:rPr lang="en-US" altLang="zh-TW" sz="1600" dirty="0"/>
-              <a:t>++ or </a:t>
-            </a:r>
-            <a:r>
-              <a:rPr lang="en-US" altLang="zh-TW" sz="1600" dirty="0" err="1"/>
-              <a:t>j++</a:t>
-            </a:r>
-            <a:endParaRPr lang="en-US" altLang="zh-TW" sz="1600" dirty="0"/>
+              <a:t>(LBP_mode_n0, LBP_mode_n1)</a:t>
+            </a:r>
           </a:p>
         </p:txBody>
       </p:sp>
@@ -8185,18 +8617,19 @@
           </p:cNvPr>
           <p:cNvCxnSpPr>
             <a:cxnSpLocks/>
-            <a:stCxn id="125" idx="0"/>
             <a:endCxn id="15" idx="3"/>
           </p:cNvCxnSpPr>
           <p:nvPr/>
         </p:nvCxnSpPr>
         <p:spPr>
-          <a:xfrm rot="16200000" flipV="1">
-            <a:off x="7554183" y="2641961"/>
-            <a:ext cx="351132" cy="690964"/>
-          </a:xfrm>
-          <a:prstGeom prst="bentConnector2">
-            <a:avLst/>
+          <a:xfrm flipV="1">
+            <a:off x="2812473" y="3377216"/>
+            <a:ext cx="1874410" cy="1190229"/>
+          </a:xfrm>
+          <a:prstGeom prst="bentConnector3">
+            <a:avLst>
+              <a:gd name="adj1" fmla="val 112196"/>
+            </a:avLst>
           </a:prstGeom>
           <a:ln w="38100">
             <a:solidFill>
@@ -8231,13 +8664,15 @@
           </p:cNvPr>
           <p:cNvCxnSpPr>
             <a:cxnSpLocks/>
+            <a:stCxn id="83" idx="2"/>
+            <a:endCxn id="15" idx="0"/>
           </p:cNvCxnSpPr>
           <p:nvPr/>
         </p:nvCxnSpPr>
         <p:spPr>
-          <a:xfrm>
-            <a:off x="5943601" y="4724400"/>
-            <a:ext cx="0" cy="245533"/>
+          <a:xfrm flipH="1">
+            <a:off x="2823557" y="2762378"/>
+            <a:ext cx="326" cy="312300"/>
           </a:xfrm>
           <a:prstGeom prst="straightConnector1">
             <a:avLst/>
@@ -8266,10 +8701,396 @@
       </p:cxnSp>
       <p:sp>
         <p:nvSpPr>
-          <p:cNvPr id="133" name="Flowchart: Decision 132">
-            <a:extLst>
-              <a:ext uri="{FF2B5EF4-FFF2-40B4-BE49-F238E27FC236}">
-                <a16:creationId xmlns:a16="http://schemas.microsoft.com/office/drawing/2014/main" id="{1236B1A6-DC3E-4D5B-9F7A-DFC465EA623A}"/>
+          <p:cNvPr id="62" name="TextBox 61">
+            <a:extLst>
+              <a:ext uri="{FF2B5EF4-FFF2-40B4-BE49-F238E27FC236}">
+                <a16:creationId xmlns:a16="http://schemas.microsoft.com/office/drawing/2014/main" id="{987EF29C-F6BA-4D16-A361-AA90DF9402C6}"/>
+              </a:ext>
+            </a:extLst>
+          </p:cNvPr>
+          <p:cNvSpPr txBox="1"/>
+          <p:nvPr/>
+        </p:nvSpPr>
+        <p:spPr>
+          <a:xfrm>
+            <a:off x="2914521" y="3633038"/>
+            <a:ext cx="840699" cy="338554"/>
+          </a:xfrm>
+          <a:prstGeom prst="rect">
+            <a:avLst/>
+          </a:prstGeom>
+          <a:noFill/>
+        </p:spPr>
+        <p:txBody>
+          <a:bodyPr wrap="square" rtlCol="0">
+            <a:spAutoFit/>
+          </a:bodyPr>
+          <a:lstStyle/>
+          <a:p>
+            <a:r>
+              <a:rPr lang="en-US" altLang="zh-TW" sz="1600" dirty="0"/>
+              <a:t>kernel</a:t>
+            </a:r>
+            <a:endParaRPr lang="zh-TW" altLang="en-US" sz="1600" dirty="0"/>
+          </a:p>
+        </p:txBody>
+      </p:sp>
+      <p:sp>
+        <p:nvSpPr>
+          <p:cNvPr id="64" name="TextBox 63">
+            <a:extLst>
+              <a:ext uri="{FF2B5EF4-FFF2-40B4-BE49-F238E27FC236}">
+                <a16:creationId xmlns:a16="http://schemas.microsoft.com/office/drawing/2014/main" id="{E3AEF64F-0982-47EE-90C3-AEC2332079BB}"/>
+              </a:ext>
+            </a:extLst>
+          </p:cNvPr>
+          <p:cNvSpPr txBox="1"/>
+          <p:nvPr/>
+        </p:nvSpPr>
+        <p:spPr>
+          <a:xfrm flipH="1">
+            <a:off x="2914521" y="663919"/>
+            <a:ext cx="1255059" cy="369332"/>
+          </a:xfrm>
+          <a:prstGeom prst="rect">
+            <a:avLst/>
+          </a:prstGeom>
+          <a:noFill/>
+        </p:spPr>
+        <p:txBody>
+          <a:bodyPr wrap="square">
+            <a:spAutoFit/>
+          </a:bodyPr>
+          <a:lstStyle/>
+          <a:p>
+            <a:r>
+              <a:rPr lang="en-US" altLang="zh-TW" sz="1800" dirty="0" err="1"/>
+              <a:t>Gray_img</a:t>
+            </a:r>
+            <a:r>
+              <a:rPr lang="en-US" altLang="zh-TW" sz="1800" dirty="0"/>
+              <a:t> </a:t>
+            </a:r>
+            <a:endParaRPr lang="zh-TW" altLang="en-US" dirty="0"/>
+          </a:p>
+        </p:txBody>
+      </p:sp>
+      <p:sp>
+        <p:nvSpPr>
+          <p:cNvPr id="65" name="TextBox 64">
+            <a:extLst>
+              <a:ext uri="{FF2B5EF4-FFF2-40B4-BE49-F238E27FC236}">
+                <a16:creationId xmlns:a16="http://schemas.microsoft.com/office/drawing/2014/main" id="{62F810FF-1A79-4D9C-BCE2-D47C6A4C6F23}"/>
+              </a:ext>
+            </a:extLst>
+          </p:cNvPr>
+          <p:cNvSpPr txBox="1"/>
+          <p:nvPr/>
+        </p:nvSpPr>
+        <p:spPr>
+          <a:xfrm flipH="1">
+            <a:off x="2914521" y="1149922"/>
+            <a:ext cx="1255059" cy="369332"/>
+          </a:xfrm>
+          <a:prstGeom prst="rect">
+            <a:avLst/>
+          </a:prstGeom>
+          <a:noFill/>
+        </p:spPr>
+        <p:txBody>
+          <a:bodyPr wrap="square">
+            <a:spAutoFit/>
+          </a:bodyPr>
+          <a:lstStyle/>
+          <a:p>
+            <a:r>
+              <a:rPr lang="en-US" altLang="zh-TW" sz="1800" dirty="0" err="1"/>
+              <a:t>Sobel_img</a:t>
+            </a:r>
+            <a:r>
+              <a:rPr lang="en-US" altLang="zh-TW" sz="1800" dirty="0"/>
+              <a:t> </a:t>
+            </a:r>
+            <a:endParaRPr lang="zh-TW" altLang="en-US" dirty="0"/>
+          </a:p>
+        </p:txBody>
+      </p:sp>
+      <p:sp>
+        <p:nvSpPr>
+          <p:cNvPr id="66" name="TextBox 65">
+            <a:extLst>
+              <a:ext uri="{FF2B5EF4-FFF2-40B4-BE49-F238E27FC236}">
+                <a16:creationId xmlns:a16="http://schemas.microsoft.com/office/drawing/2014/main" id="{62FF6418-58DC-4429-AB3C-C4C4F53B8254}"/>
+              </a:ext>
+            </a:extLst>
+          </p:cNvPr>
+          <p:cNvSpPr txBox="1"/>
+          <p:nvPr/>
+        </p:nvSpPr>
+        <p:spPr>
+          <a:xfrm flipH="1">
+            <a:off x="2914519" y="175514"/>
+            <a:ext cx="1442327" cy="369332"/>
+          </a:xfrm>
+          <a:prstGeom prst="rect">
+            <a:avLst/>
+          </a:prstGeom>
+          <a:noFill/>
+        </p:spPr>
+        <p:txBody>
+          <a:bodyPr wrap="square">
+            <a:spAutoFit/>
+          </a:bodyPr>
+          <a:lstStyle/>
+          <a:p>
+            <a:r>
+              <a:rPr lang="en-US" altLang="zh-TW" sz="1800" dirty="0" err="1"/>
+              <a:t>Source_img</a:t>
+            </a:r>
+            <a:endParaRPr lang="zh-TW" altLang="en-US" dirty="0"/>
+          </a:p>
+        </p:txBody>
+      </p:sp>
+      <p:sp>
+        <p:nvSpPr>
+          <p:cNvPr id="78" name="TextBox 77">
+            <a:extLst>
+              <a:ext uri="{FF2B5EF4-FFF2-40B4-BE49-F238E27FC236}">
+                <a16:creationId xmlns:a16="http://schemas.microsoft.com/office/drawing/2014/main" id="{EE6ED0D1-96E4-4C2F-9FD7-0F790D781551}"/>
+              </a:ext>
+            </a:extLst>
+          </p:cNvPr>
+          <p:cNvSpPr txBox="1"/>
+          <p:nvPr/>
+        </p:nvSpPr>
+        <p:spPr>
+          <a:xfrm>
+            <a:off x="1650495" y="4311488"/>
+            <a:ext cx="1325787" cy="338554"/>
+          </a:xfrm>
+          <a:prstGeom prst="rect">
+            <a:avLst/>
+          </a:prstGeom>
+          <a:noFill/>
+        </p:spPr>
+        <p:txBody>
+          <a:bodyPr wrap="square" rtlCol="0">
+            <a:spAutoFit/>
+          </a:bodyPr>
+          <a:lstStyle/>
+          <a:p>
+            <a:r>
+              <a:rPr lang="en-US" altLang="zh-TW" sz="1600" dirty="0"/>
+              <a:t>LBP_hist_n0</a:t>
+            </a:r>
+            <a:endParaRPr lang="zh-TW" altLang="en-US" sz="1600" dirty="0"/>
+          </a:p>
+        </p:txBody>
+      </p:sp>
+      <p:cxnSp>
+        <p:nvCxnSpPr>
+          <p:cNvPr id="90" name="Straight Arrow Connector 89">
+            <a:extLst>
+              <a:ext uri="{FF2B5EF4-FFF2-40B4-BE49-F238E27FC236}">
+                <a16:creationId xmlns:a16="http://schemas.microsoft.com/office/drawing/2014/main" id="{0E97F150-6F7A-4B7F-96DD-2B0D2B8A9E1E}"/>
+              </a:ext>
+            </a:extLst>
+          </p:cNvPr>
+          <p:cNvCxnSpPr>
+            <a:cxnSpLocks/>
+            <a:stCxn id="55" idx="2"/>
+            <a:endCxn id="125" idx="0"/>
+          </p:cNvCxnSpPr>
+          <p:nvPr/>
+        </p:nvCxnSpPr>
+        <p:spPr>
+          <a:xfrm>
+            <a:off x="2823557" y="5182510"/>
+            <a:ext cx="0" cy="308300"/>
+          </a:xfrm>
+          <a:prstGeom prst="straightConnector1">
+            <a:avLst/>
+          </a:prstGeom>
+          <a:ln w="38100">
+            <a:solidFill>
+              <a:srgbClr val="0070C0"/>
+            </a:solidFill>
+            <a:tailEnd type="triangle"/>
+          </a:ln>
+        </p:spPr>
+        <p:style>
+          <a:lnRef idx="1">
+            <a:schemeClr val="accent1"/>
+          </a:lnRef>
+          <a:fillRef idx="0">
+            <a:schemeClr val="accent1"/>
+          </a:fillRef>
+          <a:effectRef idx="0">
+            <a:schemeClr val="accent1"/>
+          </a:effectRef>
+          <a:fontRef idx="minor">
+            <a:schemeClr val="tx1"/>
+          </a:fontRef>
+        </p:style>
+      </p:cxnSp>
+      <p:sp>
+        <p:nvSpPr>
+          <p:cNvPr id="97" name="TextBox 96">
+            <a:extLst>
+              <a:ext uri="{FF2B5EF4-FFF2-40B4-BE49-F238E27FC236}">
+                <a16:creationId xmlns:a16="http://schemas.microsoft.com/office/drawing/2014/main" id="{94BB73DC-C0F5-4862-944D-02908B746B04}"/>
+              </a:ext>
+            </a:extLst>
+          </p:cNvPr>
+          <p:cNvSpPr txBox="1"/>
+          <p:nvPr/>
+        </p:nvSpPr>
+        <p:spPr>
+          <a:xfrm>
+            <a:off x="4931580" y="3047501"/>
+            <a:ext cx="1003055" cy="954107"/>
+          </a:xfrm>
+          <a:prstGeom prst="rect">
+            <a:avLst/>
+          </a:prstGeom>
+          <a:noFill/>
+        </p:spPr>
+        <p:txBody>
+          <a:bodyPr wrap="square" rtlCol="0">
+            <a:spAutoFit/>
+          </a:bodyPr>
+          <a:lstStyle/>
+          <a:p>
+            <a:r>
+              <a:rPr lang="en-US" altLang="zh-TW" sz="1400" dirty="0"/>
+              <a:t>Increment and decrement x y</a:t>
+            </a:r>
+            <a:endParaRPr lang="zh-TW" altLang="en-US" sz="1400" dirty="0"/>
+          </a:p>
+        </p:txBody>
+      </p:sp>
+      <p:sp>
+        <p:nvSpPr>
+          <p:cNvPr id="99" name="TextBox 98">
+            <a:extLst>
+              <a:ext uri="{FF2B5EF4-FFF2-40B4-BE49-F238E27FC236}">
+                <a16:creationId xmlns:a16="http://schemas.microsoft.com/office/drawing/2014/main" id="{CEF8B242-F077-4149-9A7B-50A394FEE7C5}"/>
+              </a:ext>
+            </a:extLst>
+          </p:cNvPr>
+          <p:cNvSpPr txBox="1"/>
+          <p:nvPr/>
+        </p:nvSpPr>
+        <p:spPr>
+          <a:xfrm>
+            <a:off x="2834642" y="4318234"/>
+            <a:ext cx="1234828" cy="338554"/>
+          </a:xfrm>
+          <a:prstGeom prst="rect">
+            <a:avLst/>
+          </a:prstGeom>
+          <a:noFill/>
+        </p:spPr>
+        <p:txBody>
+          <a:bodyPr wrap="square" rtlCol="0">
+            <a:spAutoFit/>
+          </a:bodyPr>
+          <a:lstStyle/>
+          <a:p>
+            <a:r>
+              <a:rPr lang="en-US" altLang="zh-TW" sz="1600" dirty="0"/>
+              <a:t>LBP_hist_n1</a:t>
+            </a:r>
+            <a:endParaRPr lang="zh-TW" altLang="en-US" sz="1600" dirty="0"/>
+          </a:p>
+        </p:txBody>
+      </p:sp>
+      <p:sp>
+        <p:nvSpPr>
+          <p:cNvPr id="103" name="TextBox 102">
+            <a:extLst>
+              <a:ext uri="{FF2B5EF4-FFF2-40B4-BE49-F238E27FC236}">
+                <a16:creationId xmlns:a16="http://schemas.microsoft.com/office/drawing/2014/main" id="{BC449207-99A5-488B-83F1-A41179FFA822}"/>
+              </a:ext>
+            </a:extLst>
+          </p:cNvPr>
+          <p:cNvSpPr txBox="1"/>
+          <p:nvPr/>
+        </p:nvSpPr>
+        <p:spPr>
+          <a:xfrm>
+            <a:off x="2834642" y="5136980"/>
+            <a:ext cx="1629780" cy="338554"/>
+          </a:xfrm>
+          <a:prstGeom prst="rect">
+            <a:avLst/>
+          </a:prstGeom>
+          <a:noFill/>
+        </p:spPr>
+        <p:txBody>
+          <a:bodyPr wrap="square" rtlCol="0">
+            <a:spAutoFit/>
+          </a:bodyPr>
+          <a:lstStyle/>
+          <a:p>
+            <a:r>
+              <a:rPr lang="en-US" altLang="zh-TW" sz="1600" dirty="0"/>
+              <a:t>LBP</a:t>
+            </a:r>
+            <a:r>
+              <a:rPr lang="en-US" altLang="zh-TW" sz="1600"/>
+              <a:t>_mode</a:t>
+            </a:r>
+            <a:r>
+              <a:rPr lang="en-US" altLang="zh-TW" sz="1600" dirty="0"/>
+              <a:t>_n1</a:t>
+            </a:r>
+            <a:endParaRPr lang="zh-TW" altLang="en-US" sz="1600" dirty="0"/>
+          </a:p>
+        </p:txBody>
+      </p:sp>
+      <p:sp>
+        <p:nvSpPr>
+          <p:cNvPr id="104" name="TextBox 103">
+            <a:extLst>
+              <a:ext uri="{FF2B5EF4-FFF2-40B4-BE49-F238E27FC236}">
+                <a16:creationId xmlns:a16="http://schemas.microsoft.com/office/drawing/2014/main" id="{F8CD0D8D-0A95-47A2-B7A7-078D8199FB6A}"/>
+              </a:ext>
+            </a:extLst>
+          </p:cNvPr>
+          <p:cNvSpPr txBox="1"/>
+          <p:nvPr/>
+        </p:nvSpPr>
+        <p:spPr>
+          <a:xfrm>
+            <a:off x="1420014" y="5127442"/>
+            <a:ext cx="1629780" cy="338554"/>
+          </a:xfrm>
+          <a:prstGeom prst="rect">
+            <a:avLst/>
+          </a:prstGeom>
+          <a:noFill/>
+        </p:spPr>
+        <p:txBody>
+          <a:bodyPr wrap="square" rtlCol="0">
+            <a:spAutoFit/>
+          </a:bodyPr>
+          <a:lstStyle/>
+          <a:p>
+            <a:r>
+              <a:rPr lang="en-US" altLang="zh-TW" sz="1600" dirty="0"/>
+              <a:t>LBP_mode_n0</a:t>
+            </a:r>
+            <a:endParaRPr lang="zh-TW" altLang="en-US" sz="1600" dirty="0"/>
+          </a:p>
+        </p:txBody>
+      </p:sp>
+      <p:sp>
+        <p:nvSpPr>
+          <p:cNvPr id="106" name="Rectangle 105">
+            <a:extLst>
+              <a:ext uri="{FF2B5EF4-FFF2-40B4-BE49-F238E27FC236}">
+                <a16:creationId xmlns:a16="http://schemas.microsoft.com/office/drawing/2014/main" id="{75930C0C-3DCF-4FA4-A04A-0AFDF7E0B2FE}"/>
               </a:ext>
             </a:extLst>
           </p:cNvPr>
@@ -8278,10 +9099,10 @@
         </p:nvSpPr>
         <p:spPr>
           <a:xfrm>
-            <a:off x="4673601" y="4982633"/>
-            <a:ext cx="2540000" cy="575733"/>
-          </a:xfrm>
-          <a:prstGeom prst="flowChartDecision">
+            <a:off x="960229" y="6088048"/>
+            <a:ext cx="3726652" cy="450632"/>
+          </a:xfrm>
+          <a:prstGeom prst="rect">
             <a:avLst/>
           </a:prstGeom>
         </p:spPr>
@@ -8307,14 +9128,982 @@
           <a:p>
             <a:pPr algn="ctr"/>
             <a:r>
-              <a:rPr lang="en-US" altLang="zh-TW" sz="1200" dirty="0" err="1"/>
-              <a:t>i</a:t>
-            </a:r>
-            <a:r>
-              <a:rPr lang="en-US" altLang="zh-TW" sz="1200" dirty="0"/>
-              <a:t> or j &gt;= N?</a:t>
-            </a:r>
-            <a:endParaRPr lang="zh-TW" altLang="en-US" sz="1200" dirty="0"/>
+              <a:rPr lang="en-US" altLang="zh-TW" sz="1600" dirty="0" err="1"/>
+              <a:t>dist_compare</a:t>
+            </a:r>
+            <a:r>
+              <a:rPr lang="en-US" altLang="zh-TW" sz="1600" dirty="0"/>
+              <a:t>(</a:t>
+            </a:r>
+            <a:r>
+              <a:rPr lang="en-US" altLang="zh-TW" sz="1800" kern="1200" dirty="0" err="1">
+                <a:effectLst/>
+                <a:latin typeface="Calibri" panose="020F0502020204030204" pitchFamily="34" charset="0"/>
+                <a:ea typeface="新細明體" panose="02020500000000000000" pitchFamily="18" charset="-120"/>
+                <a:cs typeface="Times New Roman" panose="02020603050405020304" pitchFamily="18" charset="0"/>
+              </a:rPr>
+              <a:t>dist</a:t>
+            </a:r>
+            <a:r>
+              <a:rPr lang="en-US" altLang="zh-TW" sz="1800" kern="1200" dirty="0">
+                <a:effectLst/>
+                <a:latin typeface="Calibri" panose="020F0502020204030204" pitchFamily="34" charset="0"/>
+                <a:ea typeface="新細明體" panose="02020500000000000000" pitchFamily="18" charset="-120"/>
+                <a:cs typeface="Times New Roman" panose="02020603050405020304" pitchFamily="18" charset="0"/>
+              </a:rPr>
+              <a:t>, *Mask)</a:t>
+            </a:r>
+            <a:endParaRPr lang="en-US" altLang="zh-TW" sz="1600" dirty="0"/>
+          </a:p>
+        </p:txBody>
+      </p:sp>
+      <p:sp>
+        <p:nvSpPr>
+          <p:cNvPr id="112" name="TextBox 111">
+            <a:extLst>
+              <a:ext uri="{FF2B5EF4-FFF2-40B4-BE49-F238E27FC236}">
+                <a16:creationId xmlns:a16="http://schemas.microsoft.com/office/drawing/2014/main" id="{D4FBDF1E-8A73-4A8E-9CF5-716B9EE38315}"/>
+              </a:ext>
+            </a:extLst>
+          </p:cNvPr>
+          <p:cNvSpPr txBox="1"/>
+          <p:nvPr/>
+        </p:nvSpPr>
+        <p:spPr>
+          <a:xfrm>
+            <a:off x="2915785" y="5771430"/>
+            <a:ext cx="573743" cy="338554"/>
+          </a:xfrm>
+          <a:prstGeom prst="rect">
+            <a:avLst/>
+          </a:prstGeom>
+          <a:noFill/>
+        </p:spPr>
+        <p:txBody>
+          <a:bodyPr wrap="square" rtlCol="0">
+            <a:spAutoFit/>
+          </a:bodyPr>
+          <a:lstStyle/>
+          <a:p>
+            <a:r>
+              <a:rPr lang="en-US" altLang="zh-TW" sz="1600" dirty="0" err="1"/>
+              <a:t>dist</a:t>
+            </a:r>
+            <a:endParaRPr lang="zh-TW" altLang="en-US" sz="1600" dirty="0"/>
+          </a:p>
+        </p:txBody>
+      </p:sp>
+      <p:sp>
+        <p:nvSpPr>
+          <p:cNvPr id="117" name="Rectangle 116">
+            <a:extLst>
+              <a:ext uri="{FF2B5EF4-FFF2-40B4-BE49-F238E27FC236}">
+                <a16:creationId xmlns:a16="http://schemas.microsoft.com/office/drawing/2014/main" id="{B703F19E-CF5F-41E8-B5CE-480573B19062}"/>
+              </a:ext>
+            </a:extLst>
+          </p:cNvPr>
+          <p:cNvSpPr/>
+          <p:nvPr/>
+        </p:nvSpPr>
+        <p:spPr>
+          <a:xfrm>
+            <a:off x="7737208" y="2213566"/>
+            <a:ext cx="3726652" cy="390464"/>
+          </a:xfrm>
+          <a:prstGeom prst="rect">
+            <a:avLst/>
+          </a:prstGeom>
+        </p:spPr>
+        <p:style>
+          <a:lnRef idx="2">
+            <a:schemeClr val="accent1">
+              <a:shade val="50000"/>
+            </a:schemeClr>
+          </a:lnRef>
+          <a:fillRef idx="1">
+            <a:schemeClr val="accent1"/>
+          </a:fillRef>
+          <a:effectRef idx="0">
+            <a:schemeClr val="accent1"/>
+          </a:effectRef>
+          <a:fontRef idx="minor">
+            <a:schemeClr val="lt1"/>
+          </a:fontRef>
+        </p:style>
+        <p:txBody>
+          <a:bodyPr rtlCol="0" anchor="ctr"/>
+          <a:lstStyle/>
+          <a:p>
+            <a:pPr algn="ctr"/>
+            <a:r>
+              <a:rPr lang="zh-TW" altLang="en-US" sz="1600" dirty="0"/>
+              <a:t>結束</a:t>
+            </a:r>
+            <a:endParaRPr lang="en-US" altLang="zh-TW" sz="1600" dirty="0"/>
+          </a:p>
+        </p:txBody>
+      </p:sp>
+      <p:cxnSp>
+        <p:nvCxnSpPr>
+          <p:cNvPr id="134" name="Straight Arrow Connector 133">
+            <a:extLst>
+              <a:ext uri="{FF2B5EF4-FFF2-40B4-BE49-F238E27FC236}">
+                <a16:creationId xmlns:a16="http://schemas.microsoft.com/office/drawing/2014/main" id="{5B594E7A-CFF6-4378-BD3D-83A80DBE96F8}"/>
+              </a:ext>
+            </a:extLst>
+          </p:cNvPr>
+          <p:cNvCxnSpPr>
+            <a:cxnSpLocks/>
+            <a:stCxn id="125" idx="2"/>
+            <a:endCxn id="106" idx="0"/>
+          </p:cNvCxnSpPr>
+          <p:nvPr/>
+        </p:nvCxnSpPr>
+        <p:spPr>
+          <a:xfrm flipH="1">
+            <a:off x="2823555" y="5881274"/>
+            <a:ext cx="2" cy="206774"/>
+          </a:xfrm>
+          <a:prstGeom prst="straightConnector1">
+            <a:avLst/>
+          </a:prstGeom>
+          <a:ln w="38100">
+            <a:solidFill>
+              <a:srgbClr val="0070C0"/>
+            </a:solidFill>
+            <a:tailEnd type="triangle"/>
+          </a:ln>
+        </p:spPr>
+        <p:style>
+          <a:lnRef idx="1">
+            <a:schemeClr val="accent1"/>
+          </a:lnRef>
+          <a:fillRef idx="0">
+            <a:schemeClr val="accent1"/>
+          </a:fillRef>
+          <a:effectRef idx="0">
+            <a:schemeClr val="accent1"/>
+          </a:effectRef>
+          <a:fontRef idx="minor">
+            <a:schemeClr val="tx1"/>
+          </a:fontRef>
+        </p:style>
+      </p:cxnSp>
+      <p:cxnSp>
+        <p:nvCxnSpPr>
+          <p:cNvPr id="138" name="Connector: Elbow 137">
+            <a:extLst>
+              <a:ext uri="{FF2B5EF4-FFF2-40B4-BE49-F238E27FC236}">
+                <a16:creationId xmlns:a16="http://schemas.microsoft.com/office/drawing/2014/main" id="{9F5CADE7-34FD-45B3-99D7-B7F708C7F395}"/>
+              </a:ext>
+            </a:extLst>
+          </p:cNvPr>
+          <p:cNvCxnSpPr>
+            <a:cxnSpLocks/>
+            <a:stCxn id="106" idx="2"/>
+            <a:endCxn id="83" idx="1"/>
+          </p:cNvCxnSpPr>
+          <p:nvPr/>
+        </p:nvCxnSpPr>
+        <p:spPr>
+          <a:xfrm rot="5400000" flipH="1">
+            <a:off x="-135546" y="3579579"/>
+            <a:ext cx="4129882" cy="1788320"/>
+          </a:xfrm>
+          <a:prstGeom prst="bentConnector4">
+            <a:avLst>
+              <a:gd name="adj1" fmla="val -5535"/>
+              <a:gd name="adj2" fmla="val 116977"/>
+            </a:avLst>
+          </a:prstGeom>
+          <a:ln w="38100">
+            <a:solidFill>
+              <a:srgbClr val="0070C0"/>
+            </a:solidFill>
+            <a:tailEnd type="triangle"/>
+          </a:ln>
+        </p:spPr>
+        <p:style>
+          <a:lnRef idx="1">
+            <a:schemeClr val="accent1"/>
+          </a:lnRef>
+          <a:fillRef idx="0">
+            <a:schemeClr val="accent1"/>
+          </a:fillRef>
+          <a:effectRef idx="0">
+            <a:schemeClr val="accent1"/>
+          </a:effectRef>
+          <a:fontRef idx="minor">
+            <a:schemeClr val="tx1"/>
+          </a:fontRef>
+        </p:style>
+      </p:cxnSp>
+      <p:sp>
+        <p:nvSpPr>
+          <p:cNvPr id="150" name="TextBox 149">
+            <a:extLst>
+              <a:ext uri="{FF2B5EF4-FFF2-40B4-BE49-F238E27FC236}">
+                <a16:creationId xmlns:a16="http://schemas.microsoft.com/office/drawing/2014/main" id="{515FADF7-95BD-4B21-A512-2AF5C550A747}"/>
+              </a:ext>
+            </a:extLst>
+          </p:cNvPr>
+          <p:cNvSpPr txBox="1"/>
+          <p:nvPr/>
+        </p:nvSpPr>
+        <p:spPr>
+          <a:xfrm>
+            <a:off x="699319" y="6440405"/>
+            <a:ext cx="1446480" cy="338554"/>
+          </a:xfrm>
+          <a:prstGeom prst="rect">
+            <a:avLst/>
+          </a:prstGeom>
+          <a:noFill/>
+        </p:spPr>
+        <p:txBody>
+          <a:bodyPr wrap="square" rtlCol="0">
+            <a:spAutoFit/>
+          </a:bodyPr>
+          <a:lstStyle/>
+          <a:p>
+            <a:r>
+              <a:rPr lang="en-US" altLang="zh-TW" sz="1600" dirty="0" err="1"/>
+              <a:t>is_road_array</a:t>
+            </a:r>
+            <a:endParaRPr lang="zh-TW" altLang="en-US" sz="1600" dirty="0"/>
+          </a:p>
+        </p:txBody>
+      </p:sp>
+      <p:cxnSp>
+        <p:nvCxnSpPr>
+          <p:cNvPr id="157" name="Straight Arrow Connector 156">
+            <a:extLst>
+              <a:ext uri="{FF2B5EF4-FFF2-40B4-BE49-F238E27FC236}">
+                <a16:creationId xmlns:a16="http://schemas.microsoft.com/office/drawing/2014/main" id="{8CDBE494-50C7-49EB-B938-652B06A593C5}"/>
+              </a:ext>
+            </a:extLst>
+          </p:cNvPr>
+          <p:cNvCxnSpPr>
+            <a:cxnSpLocks/>
+          </p:cNvCxnSpPr>
+          <p:nvPr/>
+        </p:nvCxnSpPr>
+        <p:spPr>
+          <a:xfrm flipH="1">
+            <a:off x="4686881" y="6355554"/>
+            <a:ext cx="494719" cy="0"/>
+          </a:xfrm>
+          <a:prstGeom prst="straightConnector1">
+            <a:avLst/>
+          </a:prstGeom>
+          <a:ln w="57150">
+            <a:solidFill>
+              <a:srgbClr val="FF0000"/>
+            </a:solidFill>
+            <a:tailEnd type="triangle"/>
+          </a:ln>
+        </p:spPr>
+        <p:style>
+          <a:lnRef idx="1">
+            <a:schemeClr val="accent1"/>
+          </a:lnRef>
+          <a:fillRef idx="0">
+            <a:schemeClr val="accent1"/>
+          </a:fillRef>
+          <a:effectRef idx="0">
+            <a:schemeClr val="accent1"/>
+          </a:effectRef>
+          <a:fontRef idx="minor">
+            <a:schemeClr val="tx1"/>
+          </a:fontRef>
+        </p:style>
+      </p:cxnSp>
+      <p:sp>
+        <p:nvSpPr>
+          <p:cNvPr id="161" name="TextBox 160">
+            <a:extLst>
+              <a:ext uri="{FF2B5EF4-FFF2-40B4-BE49-F238E27FC236}">
+                <a16:creationId xmlns:a16="http://schemas.microsoft.com/office/drawing/2014/main" id="{8289AC47-94A1-445A-8207-2E246A60F1D6}"/>
+              </a:ext>
+            </a:extLst>
+          </p:cNvPr>
+          <p:cNvSpPr txBox="1"/>
+          <p:nvPr/>
+        </p:nvSpPr>
+        <p:spPr>
+          <a:xfrm>
+            <a:off x="5181600" y="5678924"/>
+            <a:ext cx="1788321" cy="1169551"/>
+          </a:xfrm>
+          <a:prstGeom prst="rect">
+            <a:avLst/>
+          </a:prstGeom>
+          <a:noFill/>
+        </p:spPr>
+        <p:txBody>
+          <a:bodyPr wrap="square">
+            <a:spAutoFit/>
+          </a:bodyPr>
+          <a:lstStyle/>
+          <a:p>
+            <a:r>
+              <a:rPr lang="en-US" altLang="zh-TW" sz="1400" kern="1200" dirty="0" err="1">
+                <a:effectLst/>
+                <a:latin typeface="Calibri" panose="020F0502020204030204" pitchFamily="34" charset="0"/>
+                <a:ea typeface="新細明體" panose="02020500000000000000" pitchFamily="18" charset="-120"/>
+                <a:cs typeface="Times New Roman" panose="02020603050405020304" pitchFamily="18" charset="0"/>
+              </a:rPr>
+              <a:t>Kernel.start_x</a:t>
+            </a:r>
+            <a:endParaRPr lang="en-US" altLang="zh-TW" sz="1400" dirty="0">
+              <a:latin typeface="Calibri" panose="020F0502020204030204" pitchFamily="34" charset="0"/>
+              <a:ea typeface="新細明體" panose="02020500000000000000" pitchFamily="18" charset="-120"/>
+              <a:cs typeface="Times New Roman" panose="02020603050405020304" pitchFamily="18" charset="0"/>
+            </a:endParaRPr>
+          </a:p>
+          <a:p>
+            <a:r>
+              <a:rPr lang="en-US" altLang="zh-TW" sz="1400" kern="1200" dirty="0" err="1">
+                <a:effectLst/>
+                <a:latin typeface="Calibri" panose="020F0502020204030204" pitchFamily="34" charset="0"/>
+                <a:ea typeface="新細明體" panose="02020500000000000000" pitchFamily="18" charset="-120"/>
+                <a:cs typeface="Times New Roman" panose="02020603050405020304" pitchFamily="18" charset="0"/>
+              </a:rPr>
+              <a:t>Kernel.start_y</a:t>
+            </a:r>
+            <a:endParaRPr lang="en-US" altLang="zh-TW" sz="1400" kern="1200" dirty="0">
+              <a:effectLst/>
+              <a:latin typeface="Calibri" panose="020F0502020204030204" pitchFamily="34" charset="0"/>
+              <a:ea typeface="新細明體" panose="02020500000000000000" pitchFamily="18" charset="-120"/>
+              <a:cs typeface="Times New Roman" panose="02020603050405020304" pitchFamily="18" charset="0"/>
+            </a:endParaRPr>
+          </a:p>
+          <a:p>
+            <a:r>
+              <a:rPr lang="en-US" altLang="zh-TW" sz="1400" dirty="0" err="1">
+                <a:latin typeface="Calibri" panose="020F0502020204030204" pitchFamily="34" charset="0"/>
+                <a:ea typeface="新細明體" panose="02020500000000000000" pitchFamily="18" charset="-120"/>
+                <a:cs typeface="Times New Roman" panose="02020603050405020304" pitchFamily="18" charset="0"/>
+              </a:rPr>
+              <a:t>Kernel.</a:t>
+            </a:r>
+            <a:r>
+              <a:rPr lang="en-US" altLang="zh-TW" sz="1400" kern="1200" dirty="0" err="1">
+                <a:effectLst/>
+                <a:latin typeface="Calibri" panose="020F0502020204030204" pitchFamily="34" charset="0"/>
+                <a:ea typeface="新細明體" panose="02020500000000000000" pitchFamily="18" charset="-120"/>
+                <a:cs typeface="Times New Roman" panose="02020603050405020304" pitchFamily="18" charset="0"/>
+              </a:rPr>
+              <a:t>end_x</a:t>
+            </a:r>
+            <a:endParaRPr lang="en-US" altLang="zh-TW" sz="1400" dirty="0">
+              <a:latin typeface="Calibri" panose="020F0502020204030204" pitchFamily="34" charset="0"/>
+              <a:ea typeface="新細明體" panose="02020500000000000000" pitchFamily="18" charset="-120"/>
+              <a:cs typeface="Times New Roman" panose="02020603050405020304" pitchFamily="18" charset="0"/>
+            </a:endParaRPr>
+          </a:p>
+          <a:p>
+            <a:r>
+              <a:rPr lang="en-US" altLang="zh-TW" sz="1400" kern="1200" dirty="0" err="1">
+                <a:effectLst/>
+                <a:latin typeface="Calibri" panose="020F0502020204030204" pitchFamily="34" charset="0"/>
+                <a:ea typeface="新細明體" panose="02020500000000000000" pitchFamily="18" charset="-120"/>
+                <a:cs typeface="Times New Roman" panose="02020603050405020304" pitchFamily="18" charset="0"/>
+              </a:rPr>
+              <a:t>Kernel.end_y</a:t>
+            </a:r>
+            <a:endParaRPr lang="en-US" altLang="zh-TW" sz="1400" kern="1200" dirty="0">
+              <a:effectLst/>
+              <a:latin typeface="Calibri" panose="020F0502020204030204" pitchFamily="34" charset="0"/>
+              <a:ea typeface="新細明體" panose="02020500000000000000" pitchFamily="18" charset="-120"/>
+              <a:cs typeface="Times New Roman" panose="02020603050405020304" pitchFamily="18" charset="0"/>
+            </a:endParaRPr>
+          </a:p>
+          <a:p>
+            <a:r>
+              <a:rPr lang="en-US" altLang="zh-TW" sz="1400" dirty="0">
+                <a:latin typeface="Calibri" panose="020F0502020204030204" pitchFamily="34" charset="0"/>
+                <a:ea typeface="新細明體" panose="02020500000000000000" pitchFamily="18" charset="-120"/>
+                <a:cs typeface="Times New Roman" panose="02020603050405020304" pitchFamily="18" charset="0"/>
+              </a:rPr>
+              <a:t>Threshold</a:t>
+            </a:r>
+            <a:endParaRPr lang="zh-TW" altLang="en-US" sz="1400" dirty="0"/>
+          </a:p>
+        </p:txBody>
+      </p:sp>
+      <p:cxnSp>
+        <p:nvCxnSpPr>
+          <p:cNvPr id="164" name="Straight Arrow Connector 163">
+            <a:extLst>
+              <a:ext uri="{FF2B5EF4-FFF2-40B4-BE49-F238E27FC236}">
+                <a16:creationId xmlns:a16="http://schemas.microsoft.com/office/drawing/2014/main" id="{0EA07DD1-9CD1-4249-BB34-67FA82E167DF}"/>
+              </a:ext>
+            </a:extLst>
+          </p:cNvPr>
+          <p:cNvCxnSpPr>
+            <a:cxnSpLocks/>
+          </p:cNvCxnSpPr>
+          <p:nvPr/>
+        </p:nvCxnSpPr>
+        <p:spPr>
+          <a:xfrm flipH="1">
+            <a:off x="4686881" y="4989696"/>
+            <a:ext cx="494719" cy="0"/>
+          </a:xfrm>
+          <a:prstGeom prst="straightConnector1">
+            <a:avLst/>
+          </a:prstGeom>
+          <a:ln w="57150">
+            <a:solidFill>
+              <a:srgbClr val="FF0000"/>
+            </a:solidFill>
+            <a:tailEnd type="triangle"/>
+          </a:ln>
+        </p:spPr>
+        <p:style>
+          <a:lnRef idx="1">
+            <a:schemeClr val="accent1"/>
+          </a:lnRef>
+          <a:fillRef idx="0">
+            <a:schemeClr val="accent1"/>
+          </a:fillRef>
+          <a:effectRef idx="0">
+            <a:schemeClr val="accent1"/>
+          </a:effectRef>
+          <a:fontRef idx="minor">
+            <a:schemeClr val="tx1"/>
+          </a:fontRef>
+        </p:style>
+      </p:cxnSp>
+      <p:sp>
+        <p:nvSpPr>
+          <p:cNvPr id="165" name="TextBox 164">
+            <a:extLst>
+              <a:ext uri="{FF2B5EF4-FFF2-40B4-BE49-F238E27FC236}">
+                <a16:creationId xmlns:a16="http://schemas.microsoft.com/office/drawing/2014/main" id="{AB1C0466-B62C-44E9-967D-B66F6EEC2077}"/>
+              </a:ext>
+            </a:extLst>
+          </p:cNvPr>
+          <p:cNvSpPr txBox="1"/>
+          <p:nvPr/>
+        </p:nvSpPr>
+        <p:spPr>
+          <a:xfrm>
+            <a:off x="5181600" y="4819750"/>
+            <a:ext cx="1788321" cy="307777"/>
+          </a:xfrm>
+          <a:prstGeom prst="rect">
+            <a:avLst/>
+          </a:prstGeom>
+          <a:noFill/>
+        </p:spPr>
+        <p:txBody>
+          <a:bodyPr wrap="square">
+            <a:spAutoFit/>
+          </a:bodyPr>
+          <a:lstStyle/>
+          <a:p>
+            <a:r>
+              <a:rPr lang="en-US" altLang="zh-TW" sz="1400" kern="1200" dirty="0">
+                <a:effectLst/>
+                <a:latin typeface="Calibri" panose="020F0502020204030204" pitchFamily="34" charset="0"/>
+                <a:ea typeface="新細明體" panose="02020500000000000000" pitchFamily="18" charset="-120"/>
+                <a:cs typeface="Times New Roman" panose="02020603050405020304" pitchFamily="18" charset="0"/>
+              </a:rPr>
+              <a:t>N</a:t>
+            </a:r>
+            <a:endParaRPr lang="zh-TW" altLang="en-US" sz="1400" dirty="0"/>
+          </a:p>
+        </p:txBody>
+      </p:sp>
+      <p:cxnSp>
+        <p:nvCxnSpPr>
+          <p:cNvPr id="166" name="Straight Arrow Connector 165">
+            <a:extLst>
+              <a:ext uri="{FF2B5EF4-FFF2-40B4-BE49-F238E27FC236}">
+                <a16:creationId xmlns:a16="http://schemas.microsoft.com/office/drawing/2014/main" id="{696781C8-E9B0-4165-85B2-CD3012E03266}"/>
+              </a:ext>
+            </a:extLst>
+          </p:cNvPr>
+          <p:cNvCxnSpPr>
+            <a:cxnSpLocks/>
+            <a:endCxn id="52" idx="3"/>
+          </p:cNvCxnSpPr>
+          <p:nvPr/>
+        </p:nvCxnSpPr>
+        <p:spPr>
+          <a:xfrm flipH="1">
+            <a:off x="4686883" y="4166824"/>
+            <a:ext cx="494717" cy="0"/>
+          </a:xfrm>
+          <a:prstGeom prst="straightConnector1">
+            <a:avLst/>
+          </a:prstGeom>
+          <a:ln w="57150">
+            <a:solidFill>
+              <a:srgbClr val="FF0000"/>
+            </a:solidFill>
+            <a:tailEnd type="triangle"/>
+          </a:ln>
+        </p:spPr>
+        <p:style>
+          <a:lnRef idx="1">
+            <a:schemeClr val="accent1"/>
+          </a:lnRef>
+          <a:fillRef idx="0">
+            <a:schemeClr val="accent1"/>
+          </a:fillRef>
+          <a:effectRef idx="0">
+            <a:schemeClr val="accent1"/>
+          </a:effectRef>
+          <a:fontRef idx="minor">
+            <a:schemeClr val="tx1"/>
+          </a:fontRef>
+        </p:style>
+      </p:cxnSp>
+      <p:sp>
+        <p:nvSpPr>
+          <p:cNvPr id="174" name="TextBox 173">
+            <a:extLst>
+              <a:ext uri="{FF2B5EF4-FFF2-40B4-BE49-F238E27FC236}">
+                <a16:creationId xmlns:a16="http://schemas.microsoft.com/office/drawing/2014/main" id="{CD7B2A1A-DD3B-4CF9-B90A-A9CD2BD08182}"/>
+              </a:ext>
+            </a:extLst>
+          </p:cNvPr>
+          <p:cNvSpPr txBox="1"/>
+          <p:nvPr/>
+        </p:nvSpPr>
+        <p:spPr>
+          <a:xfrm>
+            <a:off x="5181600" y="4003711"/>
+            <a:ext cx="773893" cy="307777"/>
+          </a:xfrm>
+          <a:prstGeom prst="rect">
+            <a:avLst/>
+          </a:prstGeom>
+          <a:noFill/>
+        </p:spPr>
+        <p:txBody>
+          <a:bodyPr wrap="square">
+            <a:spAutoFit/>
+          </a:bodyPr>
+          <a:lstStyle/>
+          <a:p>
+            <a:r>
+              <a:rPr lang="en-US" altLang="zh-TW" sz="1400" dirty="0"/>
+              <a:t>radius</a:t>
+            </a:r>
+            <a:endParaRPr lang="zh-TW" altLang="en-US" sz="1400" dirty="0"/>
+          </a:p>
+        </p:txBody>
+      </p:sp>
+      <p:cxnSp>
+        <p:nvCxnSpPr>
+          <p:cNvPr id="178" name="Straight Arrow Connector 177">
+            <a:extLst>
+              <a:ext uri="{FF2B5EF4-FFF2-40B4-BE49-F238E27FC236}">
+                <a16:creationId xmlns:a16="http://schemas.microsoft.com/office/drawing/2014/main" id="{7F46ECC0-CFF8-40C5-A4E8-B56D1ED494E5}"/>
+              </a:ext>
+            </a:extLst>
+          </p:cNvPr>
+          <p:cNvCxnSpPr>
+            <a:cxnSpLocks/>
+            <a:stCxn id="83" idx="3"/>
+            <a:endCxn id="117" idx="1"/>
+          </p:cNvCxnSpPr>
+          <p:nvPr/>
+        </p:nvCxnSpPr>
+        <p:spPr>
+          <a:xfrm>
+            <a:off x="4612531" y="2408798"/>
+            <a:ext cx="3124677" cy="0"/>
+          </a:xfrm>
+          <a:prstGeom prst="straightConnector1">
+            <a:avLst/>
+          </a:prstGeom>
+          <a:ln w="38100">
+            <a:solidFill>
+              <a:srgbClr val="0070C0"/>
+            </a:solidFill>
+            <a:tailEnd type="triangle"/>
+          </a:ln>
+        </p:spPr>
+        <p:style>
+          <a:lnRef idx="1">
+            <a:schemeClr val="accent1"/>
+          </a:lnRef>
+          <a:fillRef idx="0">
+            <a:schemeClr val="accent1"/>
+          </a:fillRef>
+          <a:effectRef idx="0">
+            <a:schemeClr val="accent1"/>
+          </a:effectRef>
+          <a:fontRef idx="minor">
+            <a:schemeClr val="tx1"/>
+          </a:fontRef>
+        </p:style>
+      </p:cxnSp>
+      <p:grpSp>
+        <p:nvGrpSpPr>
+          <p:cNvPr id="190" name="Group 189">
+            <a:extLst>
+              <a:ext uri="{FF2B5EF4-FFF2-40B4-BE49-F238E27FC236}">
+                <a16:creationId xmlns:a16="http://schemas.microsoft.com/office/drawing/2014/main" id="{C47030C6-9932-458D-8250-324BFD089C75}"/>
+              </a:ext>
+            </a:extLst>
+          </p:cNvPr>
+          <p:cNvGrpSpPr/>
+          <p:nvPr/>
+        </p:nvGrpSpPr>
+        <p:grpSpPr>
+          <a:xfrm>
+            <a:off x="5965044" y="3453174"/>
+            <a:ext cx="1045080" cy="322200"/>
+            <a:chOff x="6158541" y="3522988"/>
+            <a:chExt cx="1045080" cy="322200"/>
+          </a:xfrm>
+        </p:grpSpPr>
+        <mc:AlternateContent xmlns:mc="http://schemas.openxmlformats.org/markup-compatibility/2006">
+          <mc:Choice xmlns:p14="http://schemas.microsoft.com/office/powerpoint/2010/main" Requires="p14">
+            <p:contentPart p14:bwMode="auto" r:id="rId2">
+              <p14:nvContentPartPr>
+                <p14:cNvPr id="188" name="Ink 187">
+                  <a:extLst>
+                    <a:ext uri="{FF2B5EF4-FFF2-40B4-BE49-F238E27FC236}">
+                      <a16:creationId xmlns:a16="http://schemas.microsoft.com/office/drawing/2014/main" id="{84B4AA2F-275E-4E82-8CC3-400FE065A2DA}"/>
+                    </a:ext>
+                  </a:extLst>
+                </p14:cNvPr>
+                <p14:cNvContentPartPr/>
+                <p14:nvPr/>
+              </p14:nvContentPartPr>
+              <p14:xfrm>
+                <a:off x="6158541" y="3522988"/>
+                <a:ext cx="999360" cy="191880"/>
+              </p14:xfrm>
+            </p:contentPart>
+          </mc:Choice>
+          <mc:Fallback>
+            <p:pic>
+              <p:nvPicPr>
+                <p:cNvPr id="188" name="Ink 187">
+                  <a:extLst>
+                    <a:ext uri="{FF2B5EF4-FFF2-40B4-BE49-F238E27FC236}">
+                      <a16:creationId xmlns:a16="http://schemas.microsoft.com/office/drawing/2014/main" id="{84B4AA2F-275E-4E82-8CC3-400FE065A2DA}"/>
+                    </a:ext>
+                  </a:extLst>
+                </p:cNvPr>
+                <p:cNvPicPr/>
+                <p:nvPr/>
+              </p:nvPicPr>
+              <p:blipFill>
+                <a:blip r:embed="rId3"/>
+                <a:stretch>
+                  <a:fillRect/>
+                </a:stretch>
+              </p:blipFill>
+              <p:spPr>
+                <a:xfrm>
+                  <a:off x="6140901" y="3505348"/>
+                  <a:ext cx="1035000" cy="227520"/>
+                </a:xfrm>
+                <a:prstGeom prst="rect">
+                  <a:avLst/>
+                </a:prstGeom>
+              </p:spPr>
+            </p:pic>
+          </mc:Fallback>
+        </mc:AlternateContent>
+        <mc:AlternateContent xmlns:mc="http://schemas.openxmlformats.org/markup-compatibility/2006">
+          <mc:Choice xmlns:p14="http://schemas.microsoft.com/office/powerpoint/2010/main" Requires="p14">
+            <p:contentPart p14:bwMode="auto" r:id="rId4">
+              <p14:nvContentPartPr>
+                <p14:cNvPr id="189" name="Ink 188">
+                  <a:extLst>
+                    <a:ext uri="{FF2B5EF4-FFF2-40B4-BE49-F238E27FC236}">
+                      <a16:creationId xmlns:a16="http://schemas.microsoft.com/office/drawing/2014/main" id="{C579CBBF-005C-4EBC-A9D7-BA217B4D27F3}"/>
+                    </a:ext>
+                  </a:extLst>
+                </p14:cNvPr>
+                <p14:cNvContentPartPr/>
+                <p14:nvPr/>
+              </p14:nvContentPartPr>
+              <p14:xfrm>
+                <a:off x="6962061" y="3567988"/>
+                <a:ext cx="241560" cy="277200"/>
+              </p14:xfrm>
+            </p:contentPart>
+          </mc:Choice>
+          <mc:Fallback>
+            <p:pic>
+              <p:nvPicPr>
+                <p:cNvPr id="189" name="Ink 188">
+                  <a:extLst>
+                    <a:ext uri="{FF2B5EF4-FFF2-40B4-BE49-F238E27FC236}">
+                      <a16:creationId xmlns:a16="http://schemas.microsoft.com/office/drawing/2014/main" id="{C579CBBF-005C-4EBC-A9D7-BA217B4D27F3}"/>
+                    </a:ext>
+                  </a:extLst>
+                </p:cNvPr>
+                <p:cNvPicPr/>
+                <p:nvPr/>
+              </p:nvPicPr>
+              <p:blipFill>
+                <a:blip r:embed="rId5"/>
+                <a:stretch>
+                  <a:fillRect/>
+                </a:stretch>
+              </p:blipFill>
+              <p:spPr>
+                <a:xfrm>
+                  <a:off x="6944061" y="3549988"/>
+                  <a:ext cx="277200" cy="312840"/>
+                </a:xfrm>
+                <a:prstGeom prst="rect">
+                  <a:avLst/>
+                </a:prstGeom>
+              </p:spPr>
+            </p:pic>
+          </mc:Fallback>
+        </mc:AlternateContent>
+      </p:grpSp>
+      <p:sp>
+        <p:nvSpPr>
+          <p:cNvPr id="191" name="TextBox 190">
+            <a:extLst>
+              <a:ext uri="{FF2B5EF4-FFF2-40B4-BE49-F238E27FC236}">
+                <a16:creationId xmlns:a16="http://schemas.microsoft.com/office/drawing/2014/main" id="{D69A194D-3738-4382-B6DF-614FD963D7E8}"/>
+              </a:ext>
+            </a:extLst>
+          </p:cNvPr>
+          <p:cNvSpPr txBox="1"/>
+          <p:nvPr/>
+        </p:nvSpPr>
+        <p:spPr>
+          <a:xfrm>
+            <a:off x="7050525" y="3490972"/>
+            <a:ext cx="2714321" cy="523220"/>
+          </a:xfrm>
+          <a:prstGeom prst="rect">
+            <a:avLst/>
+          </a:prstGeom>
+          <a:noFill/>
+        </p:spPr>
+        <p:txBody>
+          <a:bodyPr wrap="square" rtlCol="0">
+            <a:spAutoFit/>
+          </a:bodyPr>
+          <a:lstStyle/>
+          <a:p>
+            <a:r>
+              <a:rPr lang="en-US" altLang="zh-TW" sz="1400" dirty="0"/>
+              <a:t>After getting the first LBP, move to surrounding kernel (BFS)</a:t>
+            </a:r>
+            <a:endParaRPr lang="zh-TW" altLang="en-US" sz="1400" dirty="0"/>
+          </a:p>
+        </p:txBody>
+      </p:sp>
+      <p:sp>
+        <p:nvSpPr>
+          <p:cNvPr id="195" name="TextBox 194">
+            <a:extLst>
+              <a:ext uri="{FF2B5EF4-FFF2-40B4-BE49-F238E27FC236}">
+                <a16:creationId xmlns:a16="http://schemas.microsoft.com/office/drawing/2014/main" id="{1E678C31-B890-4640-BF35-1502B7C7D174}"/>
+              </a:ext>
+            </a:extLst>
+          </p:cNvPr>
+          <p:cNvSpPr txBox="1"/>
+          <p:nvPr/>
+        </p:nvSpPr>
+        <p:spPr>
+          <a:xfrm>
+            <a:off x="5047963" y="2089693"/>
+            <a:ext cx="2096071" cy="307777"/>
+          </a:xfrm>
+          <a:prstGeom prst="rect">
+            <a:avLst/>
+          </a:prstGeom>
+          <a:noFill/>
+        </p:spPr>
+        <p:txBody>
+          <a:bodyPr wrap="square">
+            <a:spAutoFit/>
+          </a:bodyPr>
+          <a:lstStyle/>
+          <a:p>
+            <a:pPr algn="ctr"/>
+            <a:r>
+              <a:rPr lang="en-US" altLang="zh-TW" sz="1400" dirty="0"/>
+              <a:t>Image Result Mask[L,W]</a:t>
+            </a:r>
+            <a:endParaRPr lang="zh-TW" altLang="en-US" sz="1400" dirty="0"/>
+          </a:p>
+        </p:txBody>
+      </p:sp>
+      <p:grpSp>
+        <p:nvGrpSpPr>
+          <p:cNvPr id="196" name="Group 195">
+            <a:extLst>
+              <a:ext uri="{FF2B5EF4-FFF2-40B4-BE49-F238E27FC236}">
+                <a16:creationId xmlns:a16="http://schemas.microsoft.com/office/drawing/2014/main" id="{5DD34427-39A7-4D27-988B-04E3E548BA13}"/>
+              </a:ext>
+            </a:extLst>
+          </p:cNvPr>
+          <p:cNvGrpSpPr/>
+          <p:nvPr/>
+        </p:nvGrpSpPr>
+        <p:grpSpPr>
+          <a:xfrm rot="20481870">
+            <a:off x="4598436" y="1740547"/>
+            <a:ext cx="2488952" cy="322200"/>
+            <a:chOff x="6158541" y="3522988"/>
+            <a:chExt cx="1045080" cy="322200"/>
+          </a:xfrm>
+        </p:grpSpPr>
+        <mc:AlternateContent xmlns:mc="http://schemas.openxmlformats.org/markup-compatibility/2006">
+          <mc:Choice xmlns:p14="http://schemas.microsoft.com/office/powerpoint/2010/main" Requires="p14">
+            <p:contentPart p14:bwMode="auto" r:id="rId6">
+              <p14:nvContentPartPr>
+                <p14:cNvPr id="197" name="Ink 196">
+                  <a:extLst>
+                    <a:ext uri="{FF2B5EF4-FFF2-40B4-BE49-F238E27FC236}">
+                      <a16:creationId xmlns:a16="http://schemas.microsoft.com/office/drawing/2014/main" id="{19774CE7-FC41-4505-BDEF-CF03387FE82E}"/>
+                    </a:ext>
+                  </a:extLst>
+                </p14:cNvPr>
+                <p14:cNvContentPartPr/>
+                <p14:nvPr/>
+              </p14:nvContentPartPr>
+              <p14:xfrm>
+                <a:off x="6158541" y="3522988"/>
+                <a:ext cx="999360" cy="191880"/>
+              </p14:xfrm>
+            </p:contentPart>
+          </mc:Choice>
+          <mc:Fallback>
+            <p:pic>
+              <p:nvPicPr>
+                <p:cNvPr id="197" name="Ink 196">
+                  <a:extLst>
+                    <a:ext uri="{FF2B5EF4-FFF2-40B4-BE49-F238E27FC236}">
+                      <a16:creationId xmlns:a16="http://schemas.microsoft.com/office/drawing/2014/main" id="{19774CE7-FC41-4505-BDEF-CF03387FE82E}"/>
+                    </a:ext>
+                  </a:extLst>
+                </p:cNvPr>
+                <p:cNvPicPr/>
+                <p:nvPr/>
+              </p:nvPicPr>
+              <p:blipFill>
+                <a:blip r:embed="rId7"/>
+                <a:stretch>
+                  <a:fillRect/>
+                </a:stretch>
+              </p:blipFill>
+              <p:spPr>
+                <a:xfrm>
+                  <a:off x="6151132" y="3505348"/>
+                  <a:ext cx="1014330" cy="227520"/>
+                </a:xfrm>
+                <a:prstGeom prst="rect">
+                  <a:avLst/>
+                </a:prstGeom>
+              </p:spPr>
+            </p:pic>
+          </mc:Fallback>
+        </mc:AlternateContent>
+        <mc:AlternateContent xmlns:mc="http://schemas.openxmlformats.org/markup-compatibility/2006">
+          <mc:Choice xmlns:p14="http://schemas.microsoft.com/office/powerpoint/2010/main" Requires="p14">
+            <p:contentPart p14:bwMode="auto" r:id="rId8">
+              <p14:nvContentPartPr>
+                <p14:cNvPr id="198" name="Ink 197">
+                  <a:extLst>
+                    <a:ext uri="{FF2B5EF4-FFF2-40B4-BE49-F238E27FC236}">
+                      <a16:creationId xmlns:a16="http://schemas.microsoft.com/office/drawing/2014/main" id="{575A7525-4B44-4D56-A59D-4E47EB014CA6}"/>
+                    </a:ext>
+                  </a:extLst>
+                </p14:cNvPr>
+                <p14:cNvContentPartPr/>
+                <p14:nvPr/>
+              </p14:nvContentPartPr>
+              <p14:xfrm>
+                <a:off x="6962061" y="3567988"/>
+                <a:ext cx="241560" cy="277200"/>
+              </p14:xfrm>
+            </p:contentPart>
+          </mc:Choice>
+          <mc:Fallback>
+            <p:pic>
+              <p:nvPicPr>
+                <p:cNvPr id="198" name="Ink 197">
+                  <a:extLst>
+                    <a:ext uri="{FF2B5EF4-FFF2-40B4-BE49-F238E27FC236}">
+                      <a16:creationId xmlns:a16="http://schemas.microsoft.com/office/drawing/2014/main" id="{575A7525-4B44-4D56-A59D-4E47EB014CA6}"/>
+                    </a:ext>
+                  </a:extLst>
+                </p:cNvPr>
+                <p:cNvPicPr/>
+                <p:nvPr/>
+              </p:nvPicPr>
+              <p:blipFill>
+                <a:blip r:embed="rId9"/>
+                <a:stretch>
+                  <a:fillRect/>
+                </a:stretch>
+              </p:blipFill>
+              <p:spPr>
+                <a:xfrm>
+                  <a:off x="6954498" y="3549988"/>
+                  <a:ext cx="256535" cy="312840"/>
+                </a:xfrm>
+                <a:prstGeom prst="rect">
+                  <a:avLst/>
+                </a:prstGeom>
+              </p:spPr>
+            </p:pic>
+          </mc:Fallback>
+        </mc:AlternateContent>
+      </p:grpSp>
+      <p:sp>
+        <p:nvSpPr>
+          <p:cNvPr id="199" name="TextBox 198">
+            <a:extLst>
+              <a:ext uri="{FF2B5EF4-FFF2-40B4-BE49-F238E27FC236}">
+                <a16:creationId xmlns:a16="http://schemas.microsoft.com/office/drawing/2014/main" id="{3A5B097F-0C17-4B6E-A18D-B2731CB98B8C}"/>
+              </a:ext>
+            </a:extLst>
+          </p:cNvPr>
+          <p:cNvSpPr txBox="1"/>
+          <p:nvPr/>
+        </p:nvSpPr>
+        <p:spPr>
+          <a:xfrm>
+            <a:off x="7147128" y="1232951"/>
+            <a:ext cx="3358641" cy="523220"/>
+          </a:xfrm>
+          <a:prstGeom prst="rect">
+            <a:avLst/>
+          </a:prstGeom>
+          <a:noFill/>
+        </p:spPr>
+        <p:txBody>
+          <a:bodyPr wrap="square" rtlCol="0">
+            <a:spAutoFit/>
+          </a:bodyPr>
+          <a:lstStyle/>
+          <a:p>
+            <a:r>
+              <a:rPr lang="en-US" altLang="zh-TW" sz="1400" dirty="0"/>
+              <a:t>Using u16 </a:t>
+            </a:r>
+            <a:r>
+              <a:rPr lang="en-US" altLang="zh-TW" sz="1400" dirty="0" err="1"/>
+              <a:t>bitshift</a:t>
+            </a:r>
+            <a:r>
+              <a:rPr lang="en-US" altLang="zh-TW" sz="1400" dirty="0"/>
+              <a:t> left OR 1 or 0 to detect whether ALL adjacent kernels in NOT a road</a:t>
+            </a:r>
+            <a:endParaRPr lang="zh-TW" altLang="en-US" sz="1400" dirty="0"/>
           </a:p>
         </p:txBody>
       </p:sp>
@@ -8400,126 +10189,175 @@
         </p:nvSpPr>
         <p:spPr>
           <a:xfrm>
-            <a:off x="838200" y="1009837"/>
-            <a:ext cx="10515600" cy="4351338"/>
-          </a:xfrm>
-        </p:spPr>
-        <p:txBody>
-          <a:bodyPr/>
-          <a:lstStyle/>
-          <a:p>
-            <a:r>
-              <a:rPr lang="en-US" altLang="zh-TW" dirty="0" err="1"/>
+            <a:off x="251012" y="1009837"/>
+            <a:ext cx="11689976" cy="4351338"/>
+          </a:xfrm>
+        </p:spPr>
+        <p:txBody>
+          <a:bodyPr>
+            <a:normAutofit/>
+          </a:bodyPr>
+          <a:lstStyle/>
+          <a:p>
+            <a:pPr marL="0" indent="0">
+              <a:buNone/>
+            </a:pPr>
+            <a:r>
+              <a:rPr lang="en-US" altLang="zh-TW" sz="1800" dirty="0" err="1"/>
+              <a:t>Gray_img</a:t>
+            </a:r>
+            <a:r>
+              <a:rPr lang="en-US" altLang="zh-TW" sz="1800" dirty="0"/>
+              <a:t> = Grayscale(</a:t>
+            </a:r>
+            <a:r>
+              <a:rPr lang="en-US" altLang="zh-TW" sz="1800" dirty="0" err="1"/>
+              <a:t>Source_img</a:t>
+            </a:r>
+            <a:r>
+              <a:rPr lang="en-US" altLang="zh-TW" sz="1800" dirty="0"/>
+              <a:t>)</a:t>
+            </a:r>
+          </a:p>
+          <a:p>
+            <a:pPr marL="0" indent="0">
+              <a:buNone/>
+            </a:pPr>
+            <a:r>
+              <a:rPr lang="en-US" altLang="zh-TW" sz="1800" dirty="0" err="1"/>
+              <a:t>Sobel_img</a:t>
+            </a:r>
+            <a:r>
+              <a:rPr lang="en-US" altLang="zh-TW" sz="1800" dirty="0"/>
+              <a:t> = Sobel(</a:t>
+            </a:r>
+            <a:r>
+              <a:rPr lang="en-US" altLang="zh-TW" sz="1800" dirty="0" err="1"/>
+              <a:t>Gray_img</a:t>
+            </a:r>
+            <a:r>
+              <a:rPr lang="en-US" altLang="zh-TW" sz="1800" dirty="0"/>
+              <a:t>, </a:t>
+            </a:r>
+            <a:r>
+              <a:rPr lang="en-US" altLang="zh-TW" sz="1800" dirty="0" err="1"/>
+              <a:t>Sobel_kernel_size</a:t>
+            </a:r>
+            <a:r>
+              <a:rPr lang="en-US" altLang="zh-TW" sz="1800" dirty="0"/>
+              <a:t>)</a:t>
+            </a:r>
+          </a:p>
+          <a:p>
+            <a:pPr marL="0" indent="0">
+              <a:buNone/>
+            </a:pPr>
+            <a:r>
+              <a:rPr lang="en-US" altLang="zh-TW" sz="1800" dirty="0"/>
+              <a:t>bool[n] </a:t>
+            </a:r>
+            <a:r>
+              <a:rPr lang="en-US" altLang="zh-TW" sz="1800" dirty="0" err="1"/>
+              <a:t>is_road_array</a:t>
+            </a:r>
+            <a:endParaRPr lang="en-US" altLang="zh-TW" sz="1800" dirty="0"/>
+          </a:p>
+          <a:p>
+            <a:pPr marL="0" indent="0">
+              <a:buNone/>
+            </a:pPr>
+            <a:r>
+              <a:rPr lang="en-US" altLang="zh-TW" sz="1800" dirty="0" err="1"/>
+              <a:t>center_x</a:t>
+            </a:r>
+            <a:r>
+              <a:rPr lang="en-US" altLang="zh-TW" sz="1800" dirty="0"/>
+              <a:t>, </a:t>
+            </a:r>
+            <a:r>
+              <a:rPr lang="en-US" altLang="zh-TW" sz="1800" dirty="0" err="1"/>
+              <a:t>center_y</a:t>
+            </a:r>
+            <a:r>
+              <a:rPr lang="en-US" altLang="zh-TW" sz="1800" dirty="0"/>
+              <a:t>  // Kernel center point coordinate)</a:t>
+            </a:r>
+          </a:p>
+          <a:p>
+            <a:pPr marL="0" indent="0">
+              <a:buNone/>
+            </a:pPr>
+            <a:r>
+              <a:rPr lang="en-US" altLang="zh-TW" sz="1800" dirty="0"/>
+              <a:t>While (</a:t>
+            </a:r>
+            <a:r>
+              <a:rPr lang="en-US" altLang="zh-TW" sz="1800" dirty="0" err="1"/>
+              <a:t>is_road_array</a:t>
+            </a:r>
+            <a:r>
+              <a:rPr lang="en-US" altLang="zh-TW" sz="1800" dirty="0"/>
+              <a:t> mapped to u16) is True:</a:t>
+            </a:r>
+          </a:p>
+          <a:p>
+            <a:pPr marL="0" indent="0">
+              <a:buNone/>
+            </a:pPr>
+            <a:r>
+              <a:rPr lang="en-US" altLang="zh-TW" sz="1800" dirty="0"/>
+              <a:t>	kernel = </a:t>
+            </a:r>
+            <a:r>
+              <a:rPr lang="en-US" altLang="zh-TW" sz="1800" dirty="0" err="1"/>
               <a:t>Get_kernel</a:t>
             </a:r>
-            <a:endParaRPr lang="en-US" altLang="zh-TW" dirty="0"/>
-          </a:p>
-          <a:p>
-            <a:pPr lvl="1"/>
-            <a:r>
-              <a:rPr lang="en-US" altLang="zh-TW" dirty="0"/>
-              <a:t>Input: (u8 array) </a:t>
-            </a:r>
-            <a:r>
-              <a:rPr lang="en-US" altLang="zh-TW" dirty="0" err="1"/>
-              <a:t>Sobel_Image</a:t>
-            </a:r>
-            <a:endParaRPr lang="en-US" altLang="zh-TW" dirty="0"/>
-          </a:p>
-          <a:p>
-            <a:pPr lvl="1"/>
-            <a:r>
-              <a:rPr lang="en-US" altLang="zh-TW" dirty="0"/>
-              <a:t>Output: (u8 array[</a:t>
-            </a:r>
-            <a:r>
-              <a:rPr lang="en-US" altLang="zh-TW" dirty="0" err="1"/>
-              <a:t>k,k</a:t>
-            </a:r>
-            <a:r>
-              <a:rPr lang="en-US" altLang="zh-TW" dirty="0"/>
-              <a:t>]) </a:t>
-            </a:r>
-            <a:r>
-              <a:rPr lang="en-US" altLang="zh-TW" dirty="0" err="1"/>
-              <a:t>Kernel_Array</a:t>
-            </a:r>
-            <a:endParaRPr lang="en-US" altLang="zh-TW" dirty="0"/>
-          </a:p>
-          <a:p>
-            <a:pPr lvl="1"/>
-            <a:r>
-              <a:rPr lang="en-US" altLang="zh-TW" dirty="0"/>
-              <a:t>Parameters: (u8) Kernel Size (k), (u8) Kernel Center[X,Y] (c[2])</a:t>
-            </a:r>
-          </a:p>
-        </p:txBody>
-      </p:sp>
-      <p:sp>
-        <p:nvSpPr>
-          <p:cNvPr id="16" name="TextBox 15">
-            <a:extLst>
-              <a:ext uri="{FF2B5EF4-FFF2-40B4-BE49-F238E27FC236}">
-                <a16:creationId xmlns:a16="http://schemas.microsoft.com/office/drawing/2014/main" id="{48892B65-2F8B-4E53-807E-272D24ED76DB}"/>
-              </a:ext>
-            </a:extLst>
-          </p:cNvPr>
-          <p:cNvSpPr txBox="1"/>
-          <p:nvPr/>
-        </p:nvSpPr>
-        <p:spPr>
-          <a:xfrm>
-            <a:off x="1752600" y="3064237"/>
-            <a:ext cx="6096000" cy="369332"/>
-          </a:xfrm>
-          <a:prstGeom prst="rect">
-            <a:avLst/>
-          </a:prstGeom>
-          <a:noFill/>
-        </p:spPr>
-        <p:txBody>
-          <a:bodyPr wrap="square">
-            <a:spAutoFit/>
-          </a:bodyPr>
-          <a:lstStyle/>
-          <a:p>
-            <a:r>
-              <a:rPr lang="en-US" altLang="zh-TW" dirty="0"/>
-              <a:t>Pseudocode:</a:t>
-            </a:r>
-          </a:p>
-        </p:txBody>
-      </p:sp>
-      <p:pic>
-        <p:nvPicPr>
-          <p:cNvPr id="18" name="Picture 17">
-            <a:extLst>
-              <a:ext uri="{FF2B5EF4-FFF2-40B4-BE49-F238E27FC236}">
-                <a16:creationId xmlns:a16="http://schemas.microsoft.com/office/drawing/2014/main" id="{886A960A-2CBA-427B-8384-9162E47BB24D}"/>
-              </a:ext>
-            </a:extLst>
-          </p:cNvPr>
-          <p:cNvPicPr>
-            <a:picLocks noChangeAspect="1"/>
-          </p:cNvPicPr>
-          <p:nvPr/>
-        </p:nvPicPr>
-        <p:blipFill>
-          <a:blip r:embed="rId2"/>
-          <a:stretch>
-            <a:fillRect/>
-          </a:stretch>
-        </p:blipFill>
-        <p:spPr>
-          <a:xfrm>
-            <a:off x="1752600" y="3558988"/>
-            <a:ext cx="7607361" cy="1321487"/>
-          </a:xfrm>
-          <a:prstGeom prst="rect">
-            <a:avLst/>
-          </a:prstGeom>
-        </p:spPr>
-      </p:pic>
+            <a:r>
+              <a:rPr lang="en-US" altLang="zh-TW" sz="1800" dirty="0"/>
+              <a:t>(Sobel, k=</a:t>
+            </a:r>
+            <a:r>
+              <a:rPr lang="en-US" altLang="zh-TW" sz="1800" dirty="0" err="1"/>
+              <a:t>BFS_kernel_size</a:t>
+            </a:r>
+            <a:r>
+              <a:rPr lang="en-US" altLang="zh-TW" sz="1800" dirty="0"/>
+              <a:t>, c=[last index, middle index])</a:t>
+            </a:r>
+          </a:p>
+          <a:p>
+            <a:pPr marL="0" indent="0">
+              <a:buNone/>
+            </a:pPr>
+            <a:r>
+              <a:rPr lang="en-US" altLang="zh-TW" sz="1800" dirty="0"/>
+              <a:t>	</a:t>
+            </a:r>
+            <a:r>
+              <a:rPr lang="en-US" altLang="zh-TW" sz="1800" dirty="0" err="1"/>
+              <a:t>kernel_arr</a:t>
+            </a:r>
+            <a:r>
+              <a:rPr lang="en-US" altLang="zh-TW" sz="1800" dirty="0"/>
+              <a:t> = </a:t>
+            </a:r>
+            <a:r>
+              <a:rPr lang="en-US" altLang="zh-TW" sz="1800" dirty="0" err="1"/>
+              <a:t>kernel.Kernel_Array</a:t>
+            </a:r>
+            <a:endParaRPr lang="en-US" altLang="zh-TW" sz="1800" dirty="0"/>
+          </a:p>
+          <a:p>
+            <a:pPr marL="0" indent="0">
+              <a:buNone/>
+            </a:pPr>
+            <a:r>
+              <a:rPr lang="en-US" altLang="zh-TW" sz="1800" dirty="0"/>
+              <a:t>	</a:t>
+            </a:r>
+          </a:p>
+        </p:txBody>
+      </p:sp>
     </p:spTree>
     <p:extLst>
       <p:ext uri="{BB962C8B-B14F-4D97-AF65-F5344CB8AC3E}">
@@ -8602,8 +10440,8 @@
         </p:nvSpPr>
         <p:spPr>
           <a:xfrm>
-            <a:off x="838200" y="1066781"/>
-            <a:ext cx="10515600" cy="4351338"/>
+            <a:off x="251012" y="1009837"/>
+            <a:ext cx="11689976" cy="4351338"/>
           </a:xfrm>
         </p:spPr>
         <p:txBody>
@@ -8612,7 +10450,7 @@
           <a:p>
             <a:r>
               <a:rPr lang="en-US" altLang="zh-TW" dirty="0" err="1"/>
-              <a:t>Get_LBP</a:t>
+              <a:t>Get_kernel</a:t>
             </a:r>
             <a:endParaRPr lang="en-US" altLang="zh-TW" dirty="0"/>
           </a:p>
@@ -8620,7 +10458,26 @@
             <a:pPr lvl="1"/>
             <a:r>
               <a:rPr lang="en-US" altLang="zh-TW" dirty="0"/>
-              <a:t>Input: (u8 array[</a:t>
+              <a:t>Input: (u8 array) </a:t>
+            </a:r>
+            <a:r>
+              <a:rPr lang="en-US" altLang="zh-TW" dirty="0" err="1"/>
+              <a:t>Sobel_Image</a:t>
+            </a:r>
+            <a:endParaRPr lang="en-US" altLang="zh-TW" dirty="0"/>
+          </a:p>
+          <a:p>
+            <a:pPr lvl="1"/>
+            <a:r>
+              <a:rPr lang="en-US" altLang="zh-TW" dirty="0"/>
+              <a:t>Output: (Struct or Object) Kernel:</a:t>
+            </a:r>
+          </a:p>
+          <a:p>
+            <a:pPr lvl="2"/>
+            <a:r>
+              <a:rPr lang="en-US" altLang="zh-TW" dirty="0"/>
+              <a:t>(u8 array[</a:t>
             </a:r>
             <a:r>
               <a:rPr lang="en-US" altLang="zh-TW" dirty="0" err="1"/>
@@ -8637,36 +10494,68 @@
             <a:endParaRPr lang="en-US" altLang="zh-TW" dirty="0"/>
           </a:p>
           <a:p>
+            <a:pPr lvl="2"/>
+            <a:r>
+              <a:rPr lang="en-US" altLang="zh-TW" dirty="0"/>
+              <a:t>(u8) </a:t>
+            </a:r>
+            <a:r>
+              <a:rPr lang="en-US" altLang="zh-TW" dirty="0" err="1"/>
+              <a:t>start_x</a:t>
+            </a:r>
+            <a:endParaRPr lang="en-US" altLang="zh-TW" dirty="0"/>
+          </a:p>
+          <a:p>
+            <a:pPr lvl="2"/>
+            <a:r>
+              <a:rPr lang="en-US" altLang="zh-TW" dirty="0"/>
+              <a:t>(u8) </a:t>
+            </a:r>
+            <a:r>
+              <a:rPr lang="en-US" altLang="zh-TW" dirty="0" err="1"/>
+              <a:t>start_y</a:t>
+            </a:r>
+            <a:endParaRPr lang="en-US" altLang="zh-TW" dirty="0"/>
+          </a:p>
+          <a:p>
+            <a:pPr lvl="2"/>
+            <a:r>
+              <a:rPr lang="en-US" altLang="zh-TW" dirty="0"/>
+              <a:t>(u8) </a:t>
+            </a:r>
+            <a:r>
+              <a:rPr lang="en-US" altLang="zh-TW" dirty="0" err="1"/>
+              <a:t>end_x</a:t>
+            </a:r>
+            <a:endParaRPr lang="en-US" altLang="zh-TW" dirty="0"/>
+          </a:p>
+          <a:p>
+            <a:pPr lvl="2"/>
+            <a:r>
+              <a:rPr lang="en-US" altLang="zh-TW" dirty="0"/>
+              <a:t>(u8) </a:t>
+            </a:r>
+            <a:r>
+              <a:rPr lang="en-US" altLang="zh-TW" dirty="0" err="1"/>
+              <a:t>end_y</a:t>
+            </a:r>
+            <a:endParaRPr lang="en-US" altLang="zh-TW" dirty="0"/>
+          </a:p>
+          <a:p>
             <a:pPr lvl="1"/>
             <a:r>
               <a:rPr lang="en-US" altLang="zh-TW" dirty="0"/>
-              <a:t>Output: (u8 array[256]) </a:t>
-            </a:r>
-            <a:r>
-              <a:rPr lang="en-US" altLang="zh-TW" dirty="0" err="1"/>
-              <a:t>LBP_Histogram</a:t>
-            </a:r>
-            <a:endParaRPr lang="en-US" altLang="zh-TW" dirty="0"/>
-          </a:p>
-          <a:p>
-            <a:pPr lvl="1"/>
-            <a:r>
-              <a:rPr lang="en-US" altLang="zh-TW" dirty="0"/>
-              <a:t>Parameters: (u8) radius</a:t>
-            </a:r>
-          </a:p>
-          <a:p>
-            <a:pPr lvl="2"/>
-            <a:endParaRPr lang="en-US" altLang="zh-TW" dirty="0"/>
-          </a:p>
-        </p:txBody>
-      </p:sp>
-      <p:sp>
-        <p:nvSpPr>
-          <p:cNvPr id="6" name="TextBox 5">
-            <a:extLst>
-              <a:ext uri="{FF2B5EF4-FFF2-40B4-BE49-F238E27FC236}">
-                <a16:creationId xmlns:a16="http://schemas.microsoft.com/office/drawing/2014/main" id="{29F0A3BD-184B-45C7-8DB5-98E6D350FD77}"/>
+              <a:t>Parameters: (u8) Kernel Size (k), (u8) Kernel Center[X,Y] (c[2])</a:t>
+            </a:r>
+          </a:p>
+        </p:txBody>
+      </p:sp>
+      <p:sp>
+        <p:nvSpPr>
+          <p:cNvPr id="16" name="TextBox 15">
+            <a:extLst>
+              <a:ext uri="{FF2B5EF4-FFF2-40B4-BE49-F238E27FC236}">
+                <a16:creationId xmlns:a16="http://schemas.microsoft.com/office/drawing/2014/main" id="{48892B65-2F8B-4E53-807E-272D24ED76DB}"/>
               </a:ext>
             </a:extLst>
           </p:cNvPr>
@@ -8675,8 +10564,8 @@
         </p:nvSpPr>
         <p:spPr>
           <a:xfrm>
-            <a:off x="1264024" y="2919284"/>
-            <a:ext cx="7727576" cy="646331"/>
+            <a:off x="1752600" y="4536519"/>
+            <a:ext cx="6096000" cy="369332"/>
           </a:xfrm>
           <a:prstGeom prst="rect">
             <a:avLst/>
@@ -8694,17 +10583,14 @@
               <a:t>Pseudocode:</a:t>
             </a:r>
           </a:p>
-          <a:p>
-            <a:endParaRPr lang="en-US" altLang="zh-TW" dirty="0"/>
-          </a:p>
         </p:txBody>
       </p:sp>
       <p:pic>
         <p:nvPicPr>
-          <p:cNvPr id="9" name="Picture 8">
-            <a:extLst>
-              <a:ext uri="{FF2B5EF4-FFF2-40B4-BE49-F238E27FC236}">
-                <a16:creationId xmlns:a16="http://schemas.microsoft.com/office/drawing/2014/main" id="{9ADC238F-305C-49AC-9FF9-7E89AEF894AE}"/>
+          <p:cNvPr id="18" name="Picture 17">
+            <a:extLst>
+              <a:ext uri="{FF2B5EF4-FFF2-40B4-BE49-F238E27FC236}">
+                <a16:creationId xmlns:a16="http://schemas.microsoft.com/office/drawing/2014/main" id="{886A960A-2CBA-427B-8384-9162E47BB24D}"/>
               </a:ext>
             </a:extLst>
           </p:cNvPr>
@@ -8721,8 +10607,8 @@
         </p:blipFill>
         <p:spPr>
           <a:xfrm>
-            <a:off x="1264024" y="3242449"/>
-            <a:ext cx="5773270" cy="3506752"/>
+            <a:off x="1752600" y="5031270"/>
+            <a:ext cx="7607361" cy="1321487"/>
           </a:xfrm>
           <a:prstGeom prst="rect">
             <a:avLst/>
@@ -8732,7 +10618,7 @@
     </p:spTree>
     <p:extLst>
       <p:ext uri="{BB962C8B-B14F-4D97-AF65-F5344CB8AC3E}">
-        <p14:creationId xmlns:p14="http://schemas.microsoft.com/office/powerpoint/2010/main" val="2155432633"/>
+        <p14:creationId xmlns:p14="http://schemas.microsoft.com/office/powerpoint/2010/main" val="246661782"/>
       </p:ext>
     </p:extLst>
   </p:cSld>
@@ -8812,18 +10698,16 @@
         <p:spPr>
           <a:xfrm>
             <a:off x="838200" y="1066781"/>
-            <a:ext cx="10515600" cy="1992509"/>
-          </a:xfrm>
-        </p:spPr>
-        <p:txBody>
-          <a:bodyPr>
-            <a:normAutofit/>
-          </a:bodyPr>
+            <a:ext cx="10515600" cy="4351338"/>
+          </a:xfrm>
+        </p:spPr>
+        <p:txBody>
+          <a:bodyPr/>
           <a:lstStyle/>
           <a:p>
             <a:r>
               <a:rPr lang="en-US" altLang="zh-TW" dirty="0" err="1"/>
-              <a:t>Add_to_histogram</a:t>
+              <a:t>Get_LBP</a:t>
             </a:r>
             <a:endParaRPr lang="en-US" altLang="zh-TW" dirty="0"/>
           </a:p>
@@ -8831,19 +10715,19 @@
             <a:pPr lvl="1"/>
             <a:r>
               <a:rPr lang="en-US" altLang="zh-TW" dirty="0"/>
-              <a:t>Input: (u8) </a:t>
+              <a:t>Input: (u8 array[</a:t>
             </a:r>
             <a:r>
               <a:rPr lang="en-US" altLang="zh-TW" dirty="0" err="1"/>
-              <a:t>LBP_Value</a:t>
+              <a:t>k,k</a:t>
             </a:r>
             <a:r>
               <a:rPr lang="en-US" altLang="zh-TW" dirty="0"/>
-              <a:t>, (u8[256]) </a:t>
+              <a:t>]) </a:t>
             </a:r>
             <a:r>
               <a:rPr lang="en-US" altLang="zh-TW" dirty="0" err="1"/>
-              <a:t>LBP_Hist</a:t>
+              <a:t>Kernel_Array</a:t>
             </a:r>
             <a:endParaRPr lang="en-US" altLang="zh-TW" dirty="0"/>
           </a:p>
@@ -8851,15 +10735,24 @@
             <a:pPr lvl="1"/>
             <a:r>
               <a:rPr lang="en-US" altLang="zh-TW" dirty="0"/>
-              <a:t>Output: None</a:t>
-            </a:r>
+              <a:t>Output: (u8 array[256]) </a:t>
+            </a:r>
+            <a:r>
+              <a:rPr lang="en-US" altLang="zh-TW" dirty="0" err="1"/>
+              <a:t>LBP_Histogram</a:t>
+            </a:r>
+            <a:endParaRPr lang="en-US" altLang="zh-TW" dirty="0"/>
           </a:p>
           <a:p>
             <a:pPr lvl="1"/>
             <a:r>
               <a:rPr lang="en-US" altLang="zh-TW" dirty="0"/>
-              <a:t>Parameters: None</a:t>
-            </a:r>
+              <a:t>Parameters: (u8) radius</a:t>
+            </a:r>
+          </a:p>
+          <a:p>
+            <a:pPr lvl="2"/>
+            <a:endParaRPr lang="en-US" altLang="zh-TW" dirty="0"/>
           </a:p>
         </p:txBody>
       </p:sp>
@@ -8877,7 +10770,7 @@
         </p:nvSpPr>
         <p:spPr>
           <a:xfrm>
-            <a:off x="1264024" y="3059290"/>
+            <a:off x="1264024" y="2919284"/>
             <a:ext cx="7727576" cy="646331"/>
           </a:xfrm>
           <a:prstGeom prst="rect">
@@ -8903,10 +10796,10 @@
       </p:sp>
       <p:pic>
         <p:nvPicPr>
-          <p:cNvPr id="4" name="Picture 3">
-            <a:extLst>
-              <a:ext uri="{FF2B5EF4-FFF2-40B4-BE49-F238E27FC236}">
-                <a16:creationId xmlns:a16="http://schemas.microsoft.com/office/drawing/2014/main" id="{89464B99-7A84-4056-B6A9-7F8DCED72193}"/>
+          <p:cNvPr id="9" name="Picture 8">
+            <a:extLst>
+              <a:ext uri="{FF2B5EF4-FFF2-40B4-BE49-F238E27FC236}">
+                <a16:creationId xmlns:a16="http://schemas.microsoft.com/office/drawing/2014/main" id="{9ADC238F-305C-49AC-9FF9-7E89AEF894AE}"/>
               </a:ext>
             </a:extLst>
           </p:cNvPr>
@@ -8923,8 +10816,8 @@
         </p:blipFill>
         <p:spPr>
           <a:xfrm>
-            <a:off x="1264023" y="3476258"/>
-            <a:ext cx="8561755" cy="746117"/>
+            <a:off x="1264024" y="3242449"/>
+            <a:ext cx="5773270" cy="3506752"/>
           </a:xfrm>
           <a:prstGeom prst="rect">
             <a:avLst/>
@@ -8934,7 +10827,7 @@
     </p:spTree>
     <p:extLst>
       <p:ext uri="{BB962C8B-B14F-4D97-AF65-F5344CB8AC3E}">
-        <p14:creationId xmlns:p14="http://schemas.microsoft.com/office/powerpoint/2010/main" val="1281354304"/>
+        <p14:creationId xmlns:p14="http://schemas.microsoft.com/office/powerpoint/2010/main" val="2155432633"/>
       </p:ext>
     </p:extLst>
   </p:cSld>
@@ -8966,7 +10859,7 @@
           <p:cNvPr id="2" name="Title 1">
             <a:extLst>
               <a:ext uri="{FF2B5EF4-FFF2-40B4-BE49-F238E27FC236}">
-                <a16:creationId xmlns:a16="http://schemas.microsoft.com/office/drawing/2014/main" id="{7D72B325-C384-49D9-8DC2-D0535A68D0D1}"/>
+                <a16:creationId xmlns:a16="http://schemas.microsoft.com/office/drawing/2014/main" id="{E5D2891B-F272-4498-BEBE-DE4BC2C6506E}"/>
               </a:ext>
             </a:extLst>
           </p:cNvPr>
@@ -8977,21 +10870,30 @@
             <p:ph type="title"/>
           </p:nvPr>
         </p:nvSpPr>
-        <p:spPr/>
+        <p:spPr>
+          <a:xfrm>
+            <a:off x="838200" y="18255"/>
+            <a:ext cx="10515600" cy="1325563"/>
+          </a:xfrm>
+        </p:spPr>
         <p:txBody>
           <a:bodyPr/>
           <a:lstStyle/>
           <a:p>
-            <a:endParaRPr lang="zh-TW" altLang="en-US"/>
-          </a:p>
-        </p:txBody>
-      </p:sp>
-      <p:sp>
-        <p:nvSpPr>
-          <p:cNvPr id="3" name="Content Placeholder 2">
-            <a:extLst>
-              <a:ext uri="{FF2B5EF4-FFF2-40B4-BE49-F238E27FC236}">
-                <a16:creationId xmlns:a16="http://schemas.microsoft.com/office/drawing/2014/main" id="{95219A84-C074-463F-B464-67F9041828BB}"/>
+            <a:r>
+              <a:rPr lang="en-US" altLang="zh-TW" dirty="0"/>
+              <a:t>API structure</a:t>
+            </a:r>
+            <a:endParaRPr lang="zh-TW" altLang="en-US" dirty="0"/>
+          </a:p>
+        </p:txBody>
+      </p:sp>
+      <p:sp>
+        <p:nvSpPr>
+          <p:cNvPr id="5" name="Content Placeholder 4">
+            <a:extLst>
+              <a:ext uri="{FF2B5EF4-FFF2-40B4-BE49-F238E27FC236}">
+                <a16:creationId xmlns:a16="http://schemas.microsoft.com/office/drawing/2014/main" id="{8EAB92C2-B7FD-4C97-80EC-B8EBC7A487F3}"/>
               </a:ext>
             </a:extLst>
           </p:cNvPr>
@@ -9002,19 +10904,442 @@
             <p:ph idx="1"/>
           </p:nvPr>
         </p:nvSpPr>
-        <p:spPr/>
-        <p:txBody>
-          <a:bodyPr/>
-          <a:lstStyle/>
-          <a:p>
-            <a:endParaRPr lang="zh-TW" altLang="en-US"/>
-          </a:p>
-        </p:txBody>
-      </p:sp>
+        <p:spPr>
+          <a:xfrm>
+            <a:off x="838200" y="1066782"/>
+            <a:ext cx="10515600" cy="1766066"/>
+          </a:xfrm>
+        </p:spPr>
+        <p:txBody>
+          <a:bodyPr>
+            <a:normAutofit/>
+          </a:bodyPr>
+          <a:lstStyle/>
+          <a:p>
+            <a:r>
+              <a:rPr lang="en-US" altLang="zh-TW" dirty="0" err="1"/>
+              <a:t>Add_to_histogram</a:t>
+            </a:r>
+            <a:endParaRPr lang="en-US" altLang="zh-TW" dirty="0"/>
+          </a:p>
+          <a:p>
+            <a:pPr lvl="1"/>
+            <a:r>
+              <a:rPr lang="en-US" altLang="zh-TW" dirty="0"/>
+              <a:t>Input: (u8) </a:t>
+            </a:r>
+            <a:r>
+              <a:rPr lang="en-US" altLang="zh-TW" dirty="0" err="1"/>
+              <a:t>LBP_Value</a:t>
+            </a:r>
+            <a:r>
+              <a:rPr lang="en-US" altLang="zh-TW" dirty="0"/>
+              <a:t>, (u8[256]) </a:t>
+            </a:r>
+            <a:r>
+              <a:rPr lang="en-US" altLang="zh-TW" dirty="0" err="1"/>
+              <a:t>LBP_Hist</a:t>
+            </a:r>
+            <a:endParaRPr lang="en-US" altLang="zh-TW" dirty="0"/>
+          </a:p>
+          <a:p>
+            <a:pPr lvl="1"/>
+            <a:r>
+              <a:rPr lang="en-US" altLang="zh-TW" dirty="0"/>
+              <a:t>Output: None</a:t>
+            </a:r>
+          </a:p>
+          <a:p>
+            <a:pPr lvl="1"/>
+            <a:r>
+              <a:rPr lang="en-US" altLang="zh-TW" dirty="0"/>
+              <a:t>Parameters: None</a:t>
+            </a:r>
+          </a:p>
+        </p:txBody>
+      </p:sp>
+      <p:sp>
+        <p:nvSpPr>
+          <p:cNvPr id="6" name="TextBox 5">
+            <a:extLst>
+              <a:ext uri="{FF2B5EF4-FFF2-40B4-BE49-F238E27FC236}">
+                <a16:creationId xmlns:a16="http://schemas.microsoft.com/office/drawing/2014/main" id="{29F0A3BD-184B-45C7-8DB5-98E6D350FD77}"/>
+              </a:ext>
+            </a:extLst>
+          </p:cNvPr>
+          <p:cNvSpPr txBox="1"/>
+          <p:nvPr/>
+        </p:nvSpPr>
+        <p:spPr>
+          <a:xfrm>
+            <a:off x="1264024" y="2718290"/>
+            <a:ext cx="7727576" cy="646331"/>
+          </a:xfrm>
+          <a:prstGeom prst="rect">
+            <a:avLst/>
+          </a:prstGeom>
+          <a:noFill/>
+        </p:spPr>
+        <p:txBody>
+          <a:bodyPr wrap="square">
+            <a:spAutoFit/>
+          </a:bodyPr>
+          <a:lstStyle/>
+          <a:p>
+            <a:r>
+              <a:rPr lang="en-US" altLang="zh-TW" dirty="0"/>
+              <a:t>Pseudocode:</a:t>
+            </a:r>
+          </a:p>
+          <a:p>
+            <a:endParaRPr lang="en-US" altLang="zh-TW" dirty="0"/>
+          </a:p>
+        </p:txBody>
+      </p:sp>
+      <p:pic>
+        <p:nvPicPr>
+          <p:cNvPr id="4" name="Picture 3">
+            <a:extLst>
+              <a:ext uri="{FF2B5EF4-FFF2-40B4-BE49-F238E27FC236}">
+                <a16:creationId xmlns:a16="http://schemas.microsoft.com/office/drawing/2014/main" id="{89464B99-7A84-4056-B6A9-7F8DCED72193}"/>
+              </a:ext>
+            </a:extLst>
+          </p:cNvPr>
+          <p:cNvPicPr>
+            <a:picLocks noChangeAspect="1"/>
+          </p:cNvPicPr>
+          <p:nvPr/>
+        </p:nvPicPr>
+        <p:blipFill>
+          <a:blip r:embed="rId2"/>
+          <a:stretch>
+            <a:fillRect/>
+          </a:stretch>
+        </p:blipFill>
+        <p:spPr>
+          <a:xfrm>
+            <a:off x="1264024" y="3044625"/>
+            <a:ext cx="6858000" cy="597643"/>
+          </a:xfrm>
+          <a:prstGeom prst="rect">
+            <a:avLst/>
+          </a:prstGeom>
+        </p:spPr>
+      </p:pic>
+      <p:sp>
+        <p:nvSpPr>
+          <p:cNvPr id="7" name="Content Placeholder 4">
+            <a:extLst>
+              <a:ext uri="{FF2B5EF4-FFF2-40B4-BE49-F238E27FC236}">
+                <a16:creationId xmlns:a16="http://schemas.microsoft.com/office/drawing/2014/main" id="{98EFF68E-E3B9-436B-ABCD-A0716BD76E59}"/>
+              </a:ext>
+            </a:extLst>
+          </p:cNvPr>
+          <p:cNvSpPr txBox="1">
+            <a:spLocks/>
+          </p:cNvSpPr>
+          <p:nvPr/>
+        </p:nvSpPr>
+        <p:spPr>
+          <a:xfrm>
+            <a:off x="6096000" y="3642268"/>
+            <a:ext cx="5689720" cy="1992509"/>
+          </a:xfrm>
+          <a:prstGeom prst="rect">
+            <a:avLst/>
+          </a:prstGeom>
+        </p:spPr>
+        <p:txBody>
+          <a:bodyPr vert="horz" lIns="91440" tIns="45720" rIns="91440" bIns="45720" rtlCol="0">
+            <a:normAutofit/>
+          </a:bodyPr>
+          <a:lstStyle>
+            <a:lvl1pPr marL="228600" indent="-228600" algn="l" defTabSz="914400" rtl="0" eaLnBrk="1" latinLnBrk="0" hangingPunct="1">
+              <a:lnSpc>
+                <a:spcPct val="90000"/>
+              </a:lnSpc>
+              <a:spcBef>
+                <a:spcPts val="1000"/>
+              </a:spcBef>
+              <a:buFont typeface="Arial" panose="020B0604020202020204" pitchFamily="34" charset="0"/>
+              <a:buChar char="•"/>
+              <a:defRPr sz="2800" kern="1200">
+                <a:solidFill>
+                  <a:schemeClr val="tx1"/>
+                </a:solidFill>
+                <a:latin typeface="+mn-lt"/>
+                <a:ea typeface="+mn-ea"/>
+                <a:cs typeface="+mn-cs"/>
+              </a:defRPr>
+            </a:lvl1pPr>
+            <a:lvl2pPr marL="685800" indent="-228600" algn="l" defTabSz="914400" rtl="0" eaLnBrk="1" latinLnBrk="0" hangingPunct="1">
+              <a:lnSpc>
+                <a:spcPct val="90000"/>
+              </a:lnSpc>
+              <a:spcBef>
+                <a:spcPts val="500"/>
+              </a:spcBef>
+              <a:buFont typeface="Arial" panose="020B0604020202020204" pitchFamily="34" charset="0"/>
+              <a:buChar char="•"/>
+              <a:defRPr sz="2400" kern="1200">
+                <a:solidFill>
+                  <a:schemeClr val="tx1"/>
+                </a:solidFill>
+                <a:latin typeface="+mn-lt"/>
+                <a:ea typeface="+mn-ea"/>
+                <a:cs typeface="+mn-cs"/>
+              </a:defRPr>
+            </a:lvl2pPr>
+            <a:lvl3pPr marL="1143000" indent="-228600" algn="l" defTabSz="914400" rtl="0" eaLnBrk="1" latinLnBrk="0" hangingPunct="1">
+              <a:lnSpc>
+                <a:spcPct val="90000"/>
+              </a:lnSpc>
+              <a:spcBef>
+                <a:spcPts val="500"/>
+              </a:spcBef>
+              <a:buFont typeface="Arial" panose="020B0604020202020204" pitchFamily="34" charset="0"/>
+              <a:buChar char="•"/>
+              <a:defRPr sz="2000" kern="1200">
+                <a:solidFill>
+                  <a:schemeClr val="tx1"/>
+                </a:solidFill>
+                <a:latin typeface="+mn-lt"/>
+                <a:ea typeface="+mn-ea"/>
+                <a:cs typeface="+mn-cs"/>
+              </a:defRPr>
+            </a:lvl3pPr>
+            <a:lvl4pPr marL="1600200" indent="-228600" algn="l" defTabSz="914400" rtl="0" eaLnBrk="1" latinLnBrk="0" hangingPunct="1">
+              <a:lnSpc>
+                <a:spcPct val="90000"/>
+              </a:lnSpc>
+              <a:spcBef>
+                <a:spcPts val="500"/>
+              </a:spcBef>
+              <a:buFont typeface="Arial" panose="020B0604020202020204" pitchFamily="34" charset="0"/>
+              <a:buChar char="•"/>
+              <a:defRPr sz="1800" kern="1200">
+                <a:solidFill>
+                  <a:schemeClr val="tx1"/>
+                </a:solidFill>
+                <a:latin typeface="+mn-lt"/>
+                <a:ea typeface="+mn-ea"/>
+                <a:cs typeface="+mn-cs"/>
+              </a:defRPr>
+            </a:lvl4pPr>
+            <a:lvl5pPr marL="2057400" indent="-228600" algn="l" defTabSz="914400" rtl="0" eaLnBrk="1" latinLnBrk="0" hangingPunct="1">
+              <a:lnSpc>
+                <a:spcPct val="90000"/>
+              </a:lnSpc>
+              <a:spcBef>
+                <a:spcPts val="500"/>
+              </a:spcBef>
+              <a:buFont typeface="Arial" panose="020B0604020202020204" pitchFamily="34" charset="0"/>
+              <a:buChar char="•"/>
+              <a:defRPr sz="1800" kern="1200">
+                <a:solidFill>
+                  <a:schemeClr val="tx1"/>
+                </a:solidFill>
+                <a:latin typeface="+mn-lt"/>
+                <a:ea typeface="+mn-ea"/>
+                <a:cs typeface="+mn-cs"/>
+              </a:defRPr>
+            </a:lvl5pPr>
+            <a:lvl6pPr marL="2514600" indent="-228600" algn="l" defTabSz="914400" rtl="0" eaLnBrk="1" latinLnBrk="0" hangingPunct="1">
+              <a:lnSpc>
+                <a:spcPct val="90000"/>
+              </a:lnSpc>
+              <a:spcBef>
+                <a:spcPts val="500"/>
+              </a:spcBef>
+              <a:buFont typeface="Arial" panose="020B0604020202020204" pitchFamily="34" charset="0"/>
+              <a:buChar char="•"/>
+              <a:defRPr sz="1800" kern="1200">
+                <a:solidFill>
+                  <a:schemeClr val="tx1"/>
+                </a:solidFill>
+                <a:latin typeface="+mn-lt"/>
+                <a:ea typeface="+mn-ea"/>
+                <a:cs typeface="+mn-cs"/>
+              </a:defRPr>
+            </a:lvl6pPr>
+            <a:lvl7pPr marL="2971800" indent="-228600" algn="l" defTabSz="914400" rtl="0" eaLnBrk="1" latinLnBrk="0" hangingPunct="1">
+              <a:lnSpc>
+                <a:spcPct val="90000"/>
+              </a:lnSpc>
+              <a:spcBef>
+                <a:spcPts val="500"/>
+              </a:spcBef>
+              <a:buFont typeface="Arial" panose="020B0604020202020204" pitchFamily="34" charset="0"/>
+              <a:buChar char="•"/>
+              <a:defRPr sz="1800" kern="1200">
+                <a:solidFill>
+                  <a:schemeClr val="tx1"/>
+                </a:solidFill>
+                <a:latin typeface="+mn-lt"/>
+                <a:ea typeface="+mn-ea"/>
+                <a:cs typeface="+mn-cs"/>
+              </a:defRPr>
+            </a:lvl7pPr>
+            <a:lvl8pPr marL="3429000" indent="-228600" algn="l" defTabSz="914400" rtl="0" eaLnBrk="1" latinLnBrk="0" hangingPunct="1">
+              <a:lnSpc>
+                <a:spcPct val="90000"/>
+              </a:lnSpc>
+              <a:spcBef>
+                <a:spcPts val="500"/>
+              </a:spcBef>
+              <a:buFont typeface="Arial" panose="020B0604020202020204" pitchFamily="34" charset="0"/>
+              <a:buChar char="•"/>
+              <a:defRPr sz="1800" kern="1200">
+                <a:solidFill>
+                  <a:schemeClr val="tx1"/>
+                </a:solidFill>
+                <a:latin typeface="+mn-lt"/>
+                <a:ea typeface="+mn-ea"/>
+                <a:cs typeface="+mn-cs"/>
+              </a:defRPr>
+            </a:lvl8pPr>
+            <a:lvl9pPr marL="3886200" indent="-228600" algn="l" defTabSz="914400" rtl="0" eaLnBrk="1" latinLnBrk="0" hangingPunct="1">
+              <a:lnSpc>
+                <a:spcPct val="90000"/>
+              </a:lnSpc>
+              <a:spcBef>
+                <a:spcPts val="500"/>
+              </a:spcBef>
+              <a:buFont typeface="Arial" panose="020B0604020202020204" pitchFamily="34" charset="0"/>
+              <a:buChar char="•"/>
+              <a:defRPr sz="1800" kern="1200">
+                <a:solidFill>
+                  <a:schemeClr val="tx1"/>
+                </a:solidFill>
+                <a:latin typeface="+mn-lt"/>
+                <a:ea typeface="+mn-ea"/>
+                <a:cs typeface="+mn-cs"/>
+              </a:defRPr>
+            </a:lvl9pPr>
+          </a:lstStyle>
+          <a:p>
+            <a:r>
+              <a:rPr lang="en-US" altLang="zh-TW" dirty="0" err="1"/>
+              <a:t>sort_N_max_hist</a:t>
+            </a:r>
+            <a:endParaRPr lang="en-US" altLang="zh-TW" dirty="0"/>
+          </a:p>
+          <a:p>
+            <a:pPr lvl="1"/>
+            <a:r>
+              <a:rPr lang="en-US" altLang="zh-TW" dirty="0"/>
+              <a:t>Input: (u8[256]) </a:t>
+            </a:r>
+            <a:r>
+              <a:rPr lang="en-US" altLang="zh-TW" dirty="0" err="1"/>
+              <a:t>LBP_Hist</a:t>
+            </a:r>
+            <a:endParaRPr lang="en-US" altLang="zh-TW" dirty="0"/>
+          </a:p>
+          <a:p>
+            <a:pPr lvl="1"/>
+            <a:r>
+              <a:rPr lang="en-US" altLang="zh-TW" dirty="0"/>
+              <a:t>Output: (u8) </a:t>
+            </a:r>
+            <a:r>
+              <a:rPr lang="en-US" altLang="zh-TW" dirty="0" err="1"/>
+              <a:t>LBP_Mode</a:t>
+            </a:r>
+            <a:r>
+              <a:rPr lang="en-US" altLang="zh-TW" dirty="0"/>
+              <a:t>[N,2]</a:t>
+            </a:r>
+          </a:p>
+          <a:p>
+            <a:pPr lvl="1"/>
+            <a:r>
+              <a:rPr lang="en-US" altLang="zh-TW" dirty="0"/>
+              <a:t>Parameters: (u8)</a:t>
+            </a:r>
+            <a:r>
+              <a:rPr lang="zh-TW" altLang="en-US" dirty="0"/>
+              <a:t> </a:t>
+            </a:r>
+            <a:r>
+              <a:rPr lang="en-US" altLang="zh-TW" dirty="0"/>
+              <a:t>N </a:t>
+            </a:r>
+          </a:p>
+        </p:txBody>
+      </p:sp>
+      <p:sp>
+        <p:nvSpPr>
+          <p:cNvPr id="8" name="TextBox 7">
+            <a:extLst>
+              <a:ext uri="{FF2B5EF4-FFF2-40B4-BE49-F238E27FC236}">
+                <a16:creationId xmlns:a16="http://schemas.microsoft.com/office/drawing/2014/main" id="{3D8AEF32-CA2F-4DEC-AC01-FE5B3824FB5D}"/>
+              </a:ext>
+            </a:extLst>
+          </p:cNvPr>
+          <p:cNvSpPr txBox="1"/>
+          <p:nvPr/>
+        </p:nvSpPr>
+        <p:spPr>
+          <a:xfrm>
+            <a:off x="6521824" y="5221788"/>
+            <a:ext cx="5178764" cy="646331"/>
+          </a:xfrm>
+          <a:prstGeom prst="rect">
+            <a:avLst/>
+          </a:prstGeom>
+          <a:noFill/>
+        </p:spPr>
+        <p:txBody>
+          <a:bodyPr wrap="square">
+            <a:spAutoFit/>
+          </a:bodyPr>
+          <a:lstStyle/>
+          <a:p>
+            <a:r>
+              <a:rPr lang="en-US" altLang="zh-TW" dirty="0"/>
+              <a:t>Pseudocode:</a:t>
+            </a:r>
+          </a:p>
+          <a:p>
+            <a:endParaRPr lang="en-US" altLang="zh-TW" dirty="0"/>
+          </a:p>
+        </p:txBody>
+      </p:sp>
+      <p:pic>
+        <p:nvPicPr>
+          <p:cNvPr id="9" name="Picture 8">
+            <a:extLst>
+              <a:ext uri="{FF2B5EF4-FFF2-40B4-BE49-F238E27FC236}">
+                <a16:creationId xmlns:a16="http://schemas.microsoft.com/office/drawing/2014/main" id="{858F5085-969D-40AA-BF7B-B63B57E6EE45}"/>
+              </a:ext>
+            </a:extLst>
+          </p:cNvPr>
+          <p:cNvPicPr>
+            <a:picLocks noChangeAspect="1"/>
+          </p:cNvPicPr>
+          <p:nvPr/>
+        </p:nvPicPr>
+        <p:blipFill>
+          <a:blip r:embed="rId3"/>
+          <a:stretch>
+            <a:fillRect/>
+          </a:stretch>
+        </p:blipFill>
+        <p:spPr>
+          <a:xfrm>
+            <a:off x="6521824" y="5604793"/>
+            <a:ext cx="5263896" cy="1143000"/>
+          </a:xfrm>
+          <a:prstGeom prst="rect">
+            <a:avLst/>
+          </a:prstGeom>
+        </p:spPr>
+      </p:pic>
     </p:spTree>
     <p:extLst>
       <p:ext uri="{BB962C8B-B14F-4D97-AF65-F5344CB8AC3E}">
-        <p14:creationId xmlns:p14="http://schemas.microsoft.com/office/powerpoint/2010/main" val="1216768020"/>
+        <p14:creationId xmlns:p14="http://schemas.microsoft.com/office/powerpoint/2010/main" val="1281354304"/>
       </p:ext>
     </p:extLst>
   </p:cSld>

--- a/Image Segmentation of Concrete Roads.pptx
+++ b/Image Segmentation of Concrete Roads.pptx
@@ -9,13 +9,15 @@
     <p:sldId id="259" r:id="rId3"/>
     <p:sldId id="257" r:id="rId4"/>
     <p:sldId id="261" r:id="rId5"/>
-    <p:sldId id="262" r:id="rId6"/>
-    <p:sldId id="263" r:id="rId7"/>
-    <p:sldId id="270" r:id="rId8"/>
-    <p:sldId id="264" r:id="rId9"/>
-    <p:sldId id="266" r:id="rId10"/>
-    <p:sldId id="267" r:id="rId11"/>
-    <p:sldId id="268" r:id="rId12"/>
+    <p:sldId id="263" r:id="rId6"/>
+    <p:sldId id="270" r:id="rId7"/>
+    <p:sldId id="264" r:id="rId8"/>
+    <p:sldId id="266" r:id="rId9"/>
+    <p:sldId id="267" r:id="rId10"/>
+    <p:sldId id="268" r:id="rId11"/>
+    <p:sldId id="273" r:id="rId12"/>
+    <p:sldId id="272" r:id="rId13"/>
+    <p:sldId id="271" r:id="rId14"/>
   </p:sldIdLst>
   <p:sldSz cx="12192000" cy="6858000"/>
   <p:notesSz cx="6858000" cy="9144000"/>
@@ -115,6 +117,31 @@
     </a:lvl9pPr>
   </p:defaultTextStyle>
   <p:extLst>
+    <p:ext uri="{521415D9-36F7-43E2-AB2F-B90AF26B5E84}">
+      <p14:sectionLst xmlns:p14="http://schemas.microsoft.com/office/powerpoint/2010/main">
+        <p14:section name="Default Section" id="{82EADB78-6CAB-4B59-8123-C00D5C9EFEAC}">
+          <p14:sldIdLst>
+            <p14:sldId id="256"/>
+            <p14:sldId id="259"/>
+            <p14:sldId id="257"/>
+            <p14:sldId id="261"/>
+            <p14:sldId id="263"/>
+            <p14:sldId id="270"/>
+            <p14:sldId id="264"/>
+            <p14:sldId id="266"/>
+            <p14:sldId id="267"/>
+            <p14:sldId id="268"/>
+          </p14:sldIdLst>
+        </p14:section>
+        <p14:section name="older versions" id="{0D744D20-2BE3-400A-BA01-3FDEC0390A14}">
+          <p14:sldIdLst>
+            <p14:sldId id="273"/>
+            <p14:sldId id="272"/>
+            <p14:sldId id="271"/>
+          </p14:sldIdLst>
+        </p14:section>
+      </p14:sectionLst>
+    </p:ext>
     <p:ext uri="{EFAFB233-063F-42B5-8137-9DF3F51BA10A}">
       <p15:sldGuideLst xmlns:p15="http://schemas.microsoft.com/office/powerpoint/2012/main"/>
     </p:ext>
@@ -383,7 +410,7 @@
           <a:p>
             <a:fld id="{62D47A6F-3EBE-4C73-A7AD-6A61AF5187C9}" type="datetimeFigureOut">
               <a:rPr lang="zh-TW" altLang="en-US" smtClean="0"/>
-              <a:t>2024/10/29</a:t>
+              <a:t>2024/11/13</a:t>
             </a:fld>
             <a:endParaRPr lang="zh-TW" altLang="en-US"/>
           </a:p>
@@ -583,7 +610,7 @@
           <a:p>
             <a:fld id="{62D47A6F-3EBE-4C73-A7AD-6A61AF5187C9}" type="datetimeFigureOut">
               <a:rPr lang="zh-TW" altLang="en-US" smtClean="0"/>
-              <a:t>2024/10/29</a:t>
+              <a:t>2024/11/13</a:t>
             </a:fld>
             <a:endParaRPr lang="zh-TW" altLang="en-US"/>
           </a:p>
@@ -793,7 +820,7 @@
           <a:p>
             <a:fld id="{62D47A6F-3EBE-4C73-A7AD-6A61AF5187C9}" type="datetimeFigureOut">
               <a:rPr lang="zh-TW" altLang="en-US" smtClean="0"/>
-              <a:t>2024/10/29</a:t>
+              <a:t>2024/11/13</a:t>
             </a:fld>
             <a:endParaRPr lang="zh-TW" altLang="en-US"/>
           </a:p>
@@ -993,7 +1020,7 @@
           <a:p>
             <a:fld id="{62D47A6F-3EBE-4C73-A7AD-6A61AF5187C9}" type="datetimeFigureOut">
               <a:rPr lang="zh-TW" altLang="en-US" smtClean="0"/>
-              <a:t>2024/10/29</a:t>
+              <a:t>2024/11/13</a:t>
             </a:fld>
             <a:endParaRPr lang="zh-TW" altLang="en-US"/>
           </a:p>
@@ -1269,7 +1296,7 @@
           <a:p>
             <a:fld id="{62D47A6F-3EBE-4C73-A7AD-6A61AF5187C9}" type="datetimeFigureOut">
               <a:rPr lang="zh-TW" altLang="en-US" smtClean="0"/>
-              <a:t>2024/10/29</a:t>
+              <a:t>2024/11/13</a:t>
             </a:fld>
             <a:endParaRPr lang="zh-TW" altLang="en-US"/>
           </a:p>
@@ -1537,7 +1564,7 @@
           <a:p>
             <a:fld id="{62D47A6F-3EBE-4C73-A7AD-6A61AF5187C9}" type="datetimeFigureOut">
               <a:rPr lang="zh-TW" altLang="en-US" smtClean="0"/>
-              <a:t>2024/10/29</a:t>
+              <a:t>2024/11/13</a:t>
             </a:fld>
             <a:endParaRPr lang="zh-TW" altLang="en-US"/>
           </a:p>
@@ -1952,7 +1979,7 @@
           <a:p>
             <a:fld id="{62D47A6F-3EBE-4C73-A7AD-6A61AF5187C9}" type="datetimeFigureOut">
               <a:rPr lang="zh-TW" altLang="en-US" smtClean="0"/>
-              <a:t>2024/10/29</a:t>
+              <a:t>2024/11/13</a:t>
             </a:fld>
             <a:endParaRPr lang="zh-TW" altLang="en-US"/>
           </a:p>
@@ -2094,7 +2121,7 @@
           <a:p>
             <a:fld id="{62D47A6F-3EBE-4C73-A7AD-6A61AF5187C9}" type="datetimeFigureOut">
               <a:rPr lang="zh-TW" altLang="en-US" smtClean="0"/>
-              <a:t>2024/10/29</a:t>
+              <a:t>2024/11/13</a:t>
             </a:fld>
             <a:endParaRPr lang="zh-TW" altLang="en-US"/>
           </a:p>
@@ -2207,7 +2234,7 @@
           <a:p>
             <a:fld id="{62D47A6F-3EBE-4C73-A7AD-6A61AF5187C9}" type="datetimeFigureOut">
               <a:rPr lang="zh-TW" altLang="en-US" smtClean="0"/>
-              <a:t>2024/10/29</a:t>
+              <a:t>2024/11/13</a:t>
             </a:fld>
             <a:endParaRPr lang="zh-TW" altLang="en-US"/>
           </a:p>
@@ -2520,7 +2547,7 @@
           <a:p>
             <a:fld id="{62D47A6F-3EBE-4C73-A7AD-6A61AF5187C9}" type="datetimeFigureOut">
               <a:rPr lang="zh-TW" altLang="en-US" smtClean="0"/>
-              <a:t>2024/10/29</a:t>
+              <a:t>2024/11/13</a:t>
             </a:fld>
             <a:endParaRPr lang="zh-TW" altLang="en-US"/>
           </a:p>
@@ -2809,7 +2836,7 @@
           <a:p>
             <a:fld id="{62D47A6F-3EBE-4C73-A7AD-6A61AF5187C9}" type="datetimeFigureOut">
               <a:rPr lang="zh-TW" altLang="en-US" smtClean="0"/>
-              <a:t>2024/10/29</a:t>
+              <a:t>2024/11/13</a:t>
             </a:fld>
             <a:endParaRPr lang="zh-TW" altLang="en-US"/>
           </a:p>
@@ -3052,7 +3079,7 @@
           <a:p>
             <a:fld id="{62D47A6F-3EBE-4C73-A7AD-6A61AF5187C9}" type="datetimeFigureOut">
               <a:rPr lang="zh-TW" altLang="en-US" smtClean="0"/>
-              <a:t>2024/10/29</a:t>
+              <a:t>2024/11/13</a:t>
             </a:fld>
             <a:endParaRPr lang="zh-TW" altLang="en-US"/>
           </a:p>
@@ -3613,8 +3640,8 @@
         </p:nvSpPr>
         <p:spPr>
           <a:xfrm>
-            <a:off x="838200" y="1066782"/>
-            <a:ext cx="10515600" cy="1766066"/>
+            <a:off x="376518" y="1066782"/>
+            <a:ext cx="11438964" cy="1766066"/>
           </a:xfrm>
         </p:spPr>
         <p:txBody>
@@ -3625,7 +3652,7 @@
           <a:p>
             <a:r>
               <a:rPr lang="en-US" altLang="zh-TW" dirty="0" err="1"/>
-              <a:t>count_dist</a:t>
+              <a:t>dist_compare</a:t>
             </a:r>
             <a:endParaRPr lang="en-US" altLang="zh-TW" dirty="0"/>
           </a:p>
@@ -3633,8 +3660,21 @@
             <a:pPr lvl="1"/>
             <a:r>
               <a:rPr lang="en-US" altLang="zh-TW" dirty="0"/>
-              <a:t>Input: (u8) LBP_Mode_n0[N,2], (u8) LBP_Mode_n1[N,2]</a:t>
-            </a:r>
+              <a:t>Input: (u16) </a:t>
+            </a:r>
+            <a:r>
+              <a:rPr lang="en-US" altLang="zh-TW" dirty="0" err="1"/>
+              <a:t>dist</a:t>
+            </a:r>
+            <a:r>
+              <a:rPr lang="en-US" altLang="zh-TW" dirty="0"/>
+              <a:t>, (u8) Mask[L,W], (u16) </a:t>
+            </a:r>
+            <a:r>
+              <a:rPr lang="en-US" altLang="zh-TW" dirty="0" err="1"/>
+              <a:t>isRoad</a:t>
+            </a:r>
+            <a:endParaRPr lang="en-US" altLang="zh-TW" dirty="0"/>
           </a:p>
           <a:p>
             <a:pPr lvl="1"/>
@@ -3644,7 +3684,7 @@
             </a:r>
             <a:r>
               <a:rPr lang="en-US" altLang="zh-TW" dirty="0" err="1"/>
-              <a:t>dist</a:t>
+              <a:t>isRoad</a:t>
             </a:r>
             <a:endParaRPr lang="en-US" altLang="zh-TW" dirty="0"/>
           </a:p>
@@ -3652,7 +3692,39 @@
             <a:pPr lvl="1"/>
             <a:r>
               <a:rPr lang="en-US" altLang="zh-TW" dirty="0"/>
-              <a:t>Parameters: None</a:t>
+              <a:t>Parameters: (u8) </a:t>
+            </a:r>
+            <a:r>
+              <a:rPr lang="en-US" altLang="zh-TW" dirty="0" err="1"/>
+              <a:t>start_x</a:t>
+            </a:r>
+            <a:r>
+              <a:rPr lang="en-US" altLang="zh-TW" dirty="0"/>
+              <a:t>, (u8) </a:t>
+            </a:r>
+            <a:r>
+              <a:rPr lang="en-US" altLang="zh-TW" dirty="0" err="1"/>
+              <a:t>start_y</a:t>
+            </a:r>
+            <a:r>
+              <a:rPr lang="en-US" altLang="zh-TW" dirty="0"/>
+              <a:t>, (u8) </a:t>
+            </a:r>
+            <a:r>
+              <a:rPr lang="en-US" altLang="zh-TW" dirty="0" err="1"/>
+              <a:t>end_x</a:t>
+            </a:r>
+            <a:r>
+              <a:rPr lang="en-US" altLang="zh-TW" dirty="0"/>
+              <a:t>, (u8) </a:t>
+            </a:r>
+            <a:r>
+              <a:rPr lang="en-US" altLang="zh-TW" dirty="0" err="1"/>
+              <a:t>end_y</a:t>
+            </a:r>
+            <a:r>
+              <a:rPr lang="en-US" altLang="zh-TW" dirty="0"/>
+              <a:t>, (u16) Threshold</a:t>
             </a:r>
           </a:p>
         </p:txBody>
@@ -3697,10 +3769,10 @@
       </p:sp>
       <p:pic>
         <p:nvPicPr>
-          <p:cNvPr id="10" name="Picture 9">
-            <a:extLst>
-              <a:ext uri="{FF2B5EF4-FFF2-40B4-BE49-F238E27FC236}">
-                <a16:creationId xmlns:a16="http://schemas.microsoft.com/office/drawing/2014/main" id="{69DAA39D-7EE9-4AC4-8D4E-4ACF7DC14EAE}"/>
+          <p:cNvPr id="11" name="Picture 10">
+            <a:extLst>
+              <a:ext uri="{FF2B5EF4-FFF2-40B4-BE49-F238E27FC236}">
+                <a16:creationId xmlns:a16="http://schemas.microsoft.com/office/drawing/2014/main" id="{3A72012A-8C27-46CF-B1F0-77ACEE409B51}"/>
               </a:ext>
             </a:extLst>
           </p:cNvPr>
@@ -3718,7 +3790,7 @@
         <p:spPr>
           <a:xfrm>
             <a:off x="1264024" y="3041454"/>
-            <a:ext cx="8158534" cy="2247721"/>
+            <a:ext cx="9264864" cy="2552521"/>
           </a:xfrm>
           <a:prstGeom prst="rect">
             <a:avLst/>
@@ -3728,7 +3800,7 @@
     </p:spTree>
     <p:extLst>
       <p:ext uri="{BB962C8B-B14F-4D97-AF65-F5344CB8AC3E}">
-        <p14:creationId xmlns:p14="http://schemas.microsoft.com/office/powerpoint/2010/main" val="1017137951"/>
+        <p14:creationId xmlns:p14="http://schemas.microsoft.com/office/powerpoint/2010/main" val="133067467"/>
       </p:ext>
     </p:extLst>
   </p:cSld>
@@ -3760,7 +3832,7 @@
           <p:cNvPr id="2" name="Title 1">
             <a:extLst>
               <a:ext uri="{FF2B5EF4-FFF2-40B4-BE49-F238E27FC236}">
-                <a16:creationId xmlns:a16="http://schemas.microsoft.com/office/drawing/2014/main" id="{E5D2891B-F272-4498-BEBE-DE4BC2C6506E}"/>
+                <a16:creationId xmlns:a16="http://schemas.microsoft.com/office/drawing/2014/main" id="{628A5ECA-475E-49D9-9CA0-46D7F9AD0750}"/>
               </a:ext>
             </a:extLst>
           </p:cNvPr>
@@ -3771,203 +3843,54 @@
             <p:ph type="title"/>
           </p:nvPr>
         </p:nvSpPr>
-        <p:spPr>
-          <a:xfrm>
-            <a:off x="838200" y="18255"/>
-            <a:ext cx="10515600" cy="1325563"/>
-          </a:xfrm>
-        </p:spPr>
+        <p:spPr/>
         <p:txBody>
           <a:bodyPr/>
           <a:lstStyle/>
           <a:p>
-            <a:r>
-              <a:rPr lang="en-US" altLang="zh-TW" dirty="0"/>
-              <a:t>API structure</a:t>
-            </a:r>
             <a:endParaRPr lang="zh-TW" altLang="en-US" dirty="0"/>
           </a:p>
         </p:txBody>
       </p:sp>
-      <p:sp>
-        <p:nvSpPr>
+      <p:pic>
+        <p:nvPicPr>
           <p:cNvPr id="5" name="Content Placeholder 4">
             <a:extLst>
               <a:ext uri="{FF2B5EF4-FFF2-40B4-BE49-F238E27FC236}">
-                <a16:creationId xmlns:a16="http://schemas.microsoft.com/office/drawing/2014/main" id="{8EAB92C2-B7FD-4C97-80EC-B8EBC7A487F3}"/>
-              </a:ext>
-            </a:extLst>
-          </p:cNvPr>
-          <p:cNvSpPr>
-            <a:spLocks noGrp="1"/>
-          </p:cNvSpPr>
+                <a16:creationId xmlns:a16="http://schemas.microsoft.com/office/drawing/2014/main" id="{B142E28D-9E27-47FF-84B2-9704B424103B}"/>
+              </a:ext>
+            </a:extLst>
+          </p:cNvPr>
+          <p:cNvPicPr>
+            <a:picLocks noGrp="1" noChangeAspect="1"/>
+          </p:cNvPicPr>
           <p:nvPr>
             <p:ph idx="1"/>
           </p:nvPr>
-        </p:nvSpPr>
-        <p:spPr>
-          <a:xfrm>
-            <a:off x="376518" y="1066782"/>
-            <a:ext cx="11438964" cy="1766066"/>
-          </a:xfrm>
-        </p:spPr>
-        <p:txBody>
-          <a:bodyPr>
-            <a:normAutofit/>
-          </a:bodyPr>
-          <a:lstStyle/>
-          <a:p>
-            <a:r>
-              <a:rPr lang="en-US" altLang="zh-TW" dirty="0" err="1"/>
-              <a:t>dist_compare</a:t>
-            </a:r>
-            <a:endParaRPr lang="en-US" altLang="zh-TW" dirty="0"/>
-          </a:p>
-          <a:p>
-            <a:pPr lvl="1"/>
-            <a:r>
-              <a:rPr lang="en-US" altLang="zh-TW" dirty="0"/>
-              <a:t>Input: (u16) </a:t>
-            </a:r>
-            <a:r>
-              <a:rPr lang="en-US" altLang="zh-TW" dirty="0" err="1"/>
-              <a:t>dist</a:t>
-            </a:r>
-            <a:r>
-              <a:rPr lang="en-US" altLang="zh-TW" dirty="0"/>
-              <a:t>, (u8) Mask[L,W], (u16) </a:t>
-            </a:r>
-            <a:r>
-              <a:rPr lang="en-US" altLang="zh-TW" dirty="0" err="1"/>
-              <a:t>isRoad</a:t>
-            </a:r>
-            <a:endParaRPr lang="en-US" altLang="zh-TW" dirty="0"/>
-          </a:p>
-          <a:p>
-            <a:pPr lvl="1"/>
-            <a:r>
-              <a:rPr lang="en-US" altLang="zh-TW" dirty="0"/>
-              <a:t>Output: (u16) </a:t>
-            </a:r>
-            <a:r>
-              <a:rPr lang="en-US" altLang="zh-TW" dirty="0" err="1"/>
-              <a:t>isRoad</a:t>
-            </a:r>
-            <a:endParaRPr lang="en-US" altLang="zh-TW" dirty="0"/>
-          </a:p>
-          <a:p>
-            <a:pPr lvl="1"/>
-            <a:r>
-              <a:rPr lang="en-US" altLang="zh-TW" dirty="0"/>
-              <a:t>Parameters: (u8) </a:t>
-            </a:r>
-            <a:r>
-              <a:rPr lang="en-US" altLang="zh-TW" dirty="0" err="1"/>
-              <a:t>start_x</a:t>
-            </a:r>
-            <a:r>
-              <a:rPr lang="en-US" altLang="zh-TW" dirty="0"/>
-              <a:t>, (u8) </a:t>
-            </a:r>
-            <a:r>
-              <a:rPr lang="en-US" altLang="zh-TW" dirty="0" err="1"/>
-              <a:t>start_y</a:t>
-            </a:r>
-            <a:r>
-              <a:rPr lang="en-US" altLang="zh-TW" dirty="0"/>
-              <a:t>, (u8) </a:t>
-            </a:r>
-            <a:r>
-              <a:rPr lang="en-US" altLang="zh-TW" dirty="0" err="1"/>
-              <a:t>end_x</a:t>
-            </a:r>
-            <a:r>
-              <a:rPr lang="en-US" altLang="zh-TW" dirty="0"/>
-              <a:t>, (u8) </a:t>
-            </a:r>
-            <a:r>
-              <a:rPr lang="en-US" altLang="zh-TW" dirty="0" err="1"/>
-              <a:t>end_y</a:t>
-            </a:r>
-            <a:r>
-              <a:rPr lang="en-US" altLang="zh-TW" dirty="0"/>
-              <a:t>, (u16) Threshold</a:t>
-            </a:r>
-          </a:p>
-        </p:txBody>
-      </p:sp>
-      <p:sp>
-        <p:nvSpPr>
-          <p:cNvPr id="6" name="TextBox 5">
-            <a:extLst>
-              <a:ext uri="{FF2B5EF4-FFF2-40B4-BE49-F238E27FC236}">
-                <a16:creationId xmlns:a16="http://schemas.microsoft.com/office/drawing/2014/main" id="{29F0A3BD-184B-45C7-8DB5-98E6D350FD77}"/>
-              </a:ext>
-            </a:extLst>
-          </p:cNvPr>
-          <p:cNvSpPr txBox="1"/>
-          <p:nvPr/>
-        </p:nvSpPr>
-        <p:spPr>
-          <a:xfrm>
-            <a:off x="1264024" y="2718290"/>
-            <a:ext cx="7727576" cy="646331"/>
-          </a:xfrm>
-          <a:prstGeom prst="rect">
-            <a:avLst/>
-          </a:prstGeom>
-          <a:noFill/>
-        </p:spPr>
-        <p:txBody>
-          <a:bodyPr wrap="square">
-            <a:spAutoFit/>
-          </a:bodyPr>
-          <a:lstStyle/>
-          <a:p>
-            <a:r>
-              <a:rPr lang="en-US" altLang="zh-TW" dirty="0"/>
-              <a:t>Pseudocode:</a:t>
-            </a:r>
-          </a:p>
-          <a:p>
-            <a:endParaRPr lang="en-US" altLang="zh-TW" dirty="0"/>
-          </a:p>
-        </p:txBody>
-      </p:sp>
-      <p:pic>
-        <p:nvPicPr>
-          <p:cNvPr id="11" name="Picture 10">
-            <a:extLst>
-              <a:ext uri="{FF2B5EF4-FFF2-40B4-BE49-F238E27FC236}">
-                <a16:creationId xmlns:a16="http://schemas.microsoft.com/office/drawing/2014/main" id="{3A72012A-8C27-46CF-B1F0-77ACEE409B51}"/>
-              </a:ext>
-            </a:extLst>
-          </p:cNvPr>
-          <p:cNvPicPr>
-            <a:picLocks noChangeAspect="1"/>
-          </p:cNvPicPr>
-          <p:nvPr/>
         </p:nvPicPr>
         <p:blipFill>
-          <a:blip r:embed="rId2"/>
+          <a:blip r:embed="rId2">
+            <a:extLst>
+              <a:ext uri="{28A0092B-C50C-407E-A947-70E740481C1C}">
+                <a14:useLocalDpi xmlns:a14="http://schemas.microsoft.com/office/drawing/2010/main" val="0"/>
+              </a:ext>
+            </a:extLst>
+          </a:blip>
           <a:stretch>
             <a:fillRect/>
           </a:stretch>
         </p:blipFill>
         <p:spPr>
           <a:xfrm>
-            <a:off x="1264024" y="3041454"/>
-            <a:ext cx="9264864" cy="2552521"/>
-          </a:xfrm>
-          <a:prstGeom prst="rect">
-            <a:avLst/>
-          </a:prstGeom>
+            <a:off x="2071380" y="1825625"/>
+            <a:ext cx="8049240" cy="4351338"/>
+          </a:xfrm>
         </p:spPr>
       </p:pic>
     </p:spTree>
     <p:extLst>
       <p:ext uri="{BB962C8B-B14F-4D97-AF65-F5344CB8AC3E}">
-        <p14:creationId xmlns:p14="http://schemas.microsoft.com/office/powerpoint/2010/main" val="133067467"/>
+        <p14:creationId xmlns:p14="http://schemas.microsoft.com/office/powerpoint/2010/main" val="3779741789"/>
       </p:ext>
     </p:extLst>
   </p:cSld>
@@ -3977,1565 +3900,7 @@
 </p:sld>
 </file>
 
-<file path=ppt/slides/slide2.xml><?xml version="1.0" encoding="utf-8"?>
-<p:sld xmlns:a="http://schemas.openxmlformats.org/drawingml/2006/main" xmlns:r="http://schemas.openxmlformats.org/officeDocument/2006/relationships" xmlns:p="http://schemas.openxmlformats.org/presentationml/2006/main">
-  <p:cSld>
-    <p:spTree>
-      <p:nvGrpSpPr>
-        <p:cNvPr id="1" name=""/>
-        <p:cNvGrpSpPr/>
-        <p:nvPr/>
-      </p:nvGrpSpPr>
-      <p:grpSpPr>
-        <a:xfrm>
-          <a:off x="0" y="0"/>
-          <a:ext cx="0" cy="0"/>
-          <a:chOff x="0" y="0"/>
-          <a:chExt cx="0" cy="0"/>
-        </a:xfrm>
-      </p:grpSpPr>
-      <p:sp>
-        <p:nvSpPr>
-          <p:cNvPr id="2" name="Title 1">
-            <a:extLst>
-              <a:ext uri="{FF2B5EF4-FFF2-40B4-BE49-F238E27FC236}">
-                <a16:creationId xmlns:a16="http://schemas.microsoft.com/office/drawing/2014/main" id="{0DFA325B-31E5-41DC-93DE-054EDED2BDFE}"/>
-              </a:ext>
-            </a:extLst>
-          </p:cNvPr>
-          <p:cNvSpPr>
-            <a:spLocks noGrp="1"/>
-          </p:cNvSpPr>
-          <p:nvPr>
-            <p:ph type="title"/>
-          </p:nvPr>
-        </p:nvSpPr>
-        <p:spPr>
-          <a:xfrm>
-            <a:off x="838199" y="365125"/>
-            <a:ext cx="10515600" cy="1325563"/>
-          </a:xfrm>
-        </p:spPr>
-        <p:txBody>
-          <a:bodyPr/>
-          <a:lstStyle/>
-          <a:p>
-            <a:r>
-              <a:rPr lang="en-US" altLang="zh-TW" dirty="0"/>
-              <a:t>Requirement</a:t>
-            </a:r>
-            <a:endParaRPr lang="zh-TW" altLang="en-US" dirty="0"/>
-          </a:p>
-        </p:txBody>
-      </p:sp>
-      <p:sp>
-        <p:nvSpPr>
-          <p:cNvPr id="4" name="Content Placeholder 2">
-            <a:extLst>
-              <a:ext uri="{FF2B5EF4-FFF2-40B4-BE49-F238E27FC236}">
-                <a16:creationId xmlns:a16="http://schemas.microsoft.com/office/drawing/2014/main" id="{AC3F8999-EB39-433F-BAB5-22456FE4744A}"/>
-              </a:ext>
-            </a:extLst>
-          </p:cNvPr>
-          <p:cNvSpPr>
-            <a:spLocks noGrp="1"/>
-          </p:cNvSpPr>
-          <p:nvPr>
-            <p:ph idx="1"/>
-          </p:nvPr>
-        </p:nvSpPr>
-        <p:spPr>
-          <a:xfrm>
-            <a:off x="838199" y="1825625"/>
-            <a:ext cx="9964271" cy="4351338"/>
-          </a:xfrm>
-        </p:spPr>
-        <p:txBody>
-          <a:bodyPr/>
-          <a:lstStyle/>
-          <a:p>
-            <a:pPr lvl="1">
-              <a:lnSpc>
-                <a:spcPct val="200000"/>
-              </a:lnSpc>
-            </a:pPr>
-            <a:r>
-              <a:rPr lang="zh-TW" altLang="en-US" dirty="0"/>
-              <a:t>馬路分割</a:t>
-            </a:r>
-            <a:endParaRPr lang="en-US" altLang="zh-TW" dirty="0"/>
-          </a:p>
-          <a:p>
-            <a:pPr lvl="1">
-              <a:lnSpc>
-                <a:spcPct val="200000"/>
-              </a:lnSpc>
-            </a:pPr>
-            <a:r>
-              <a:rPr lang="zh-TW" altLang="en-US" dirty="0"/>
-              <a:t>使用</a:t>
-            </a:r>
-            <a:r>
-              <a:rPr lang="en-US" altLang="zh-TW" dirty="0"/>
-              <a:t>LBP</a:t>
-            </a:r>
-            <a:r>
-              <a:rPr lang="zh-TW" altLang="en-US" dirty="0"/>
-              <a:t>和</a:t>
-            </a:r>
-            <a:r>
-              <a:rPr lang="en-US" altLang="zh-TW" dirty="0"/>
-              <a:t>BFS</a:t>
-            </a:r>
-            <a:r>
-              <a:rPr lang="zh-TW" altLang="en-US" dirty="0"/>
-              <a:t>或</a:t>
-            </a:r>
-            <a:r>
-              <a:rPr lang="en-US" altLang="zh-TW" dirty="0"/>
-              <a:t>DFS</a:t>
-            </a:r>
-          </a:p>
-        </p:txBody>
-      </p:sp>
-    </p:spTree>
-    <p:extLst>
-      <p:ext uri="{BB962C8B-B14F-4D97-AF65-F5344CB8AC3E}">
-        <p14:creationId xmlns:p14="http://schemas.microsoft.com/office/powerpoint/2010/main" val="672167853"/>
-      </p:ext>
-    </p:extLst>
-  </p:cSld>
-  <p:clrMapOvr>
-    <a:masterClrMapping/>
-  </p:clrMapOvr>
-</p:sld>
-</file>
-
-<file path=ppt/slides/slide3.xml><?xml version="1.0" encoding="utf-8"?>
-<p:sld xmlns:a="http://schemas.openxmlformats.org/drawingml/2006/main" xmlns:r="http://schemas.openxmlformats.org/officeDocument/2006/relationships" xmlns:p="http://schemas.openxmlformats.org/presentationml/2006/main">
-  <p:cSld>
-    <p:spTree>
-      <p:nvGrpSpPr>
-        <p:cNvPr id="1" name=""/>
-        <p:cNvGrpSpPr/>
-        <p:nvPr/>
-      </p:nvGrpSpPr>
-      <p:grpSpPr>
-        <a:xfrm>
-          <a:off x="0" y="0"/>
-          <a:ext cx="0" cy="0"/>
-          <a:chOff x="0" y="0"/>
-          <a:chExt cx="0" cy="0"/>
-        </a:xfrm>
-      </p:grpSpPr>
-      <p:sp>
-        <p:nvSpPr>
-          <p:cNvPr id="17" name="Title 1">
-            <a:extLst>
-              <a:ext uri="{FF2B5EF4-FFF2-40B4-BE49-F238E27FC236}">
-                <a16:creationId xmlns:a16="http://schemas.microsoft.com/office/drawing/2014/main" id="{7A478E1C-5D24-43B3-91F2-36D6F0998623}"/>
-              </a:ext>
-            </a:extLst>
-          </p:cNvPr>
-          <p:cNvSpPr>
-            <a:spLocks noGrp="1"/>
-          </p:cNvSpPr>
-          <p:nvPr>
-            <p:ph type="title"/>
-          </p:nvPr>
-        </p:nvSpPr>
-        <p:spPr>
-          <a:xfrm>
-            <a:off x="488576" y="-3210"/>
-            <a:ext cx="10515600" cy="1325563"/>
-          </a:xfrm>
-        </p:spPr>
-        <p:txBody>
-          <a:bodyPr/>
-          <a:lstStyle/>
-          <a:p>
-            <a:r>
-              <a:rPr lang="en-US" altLang="zh-TW" dirty="0"/>
-              <a:t>Breakdown</a:t>
-            </a:r>
-            <a:endParaRPr lang="zh-TW" altLang="en-US" dirty="0"/>
-          </a:p>
-        </p:txBody>
-      </p:sp>
-      <p:sp>
-        <p:nvSpPr>
-          <p:cNvPr id="24" name="Rectangle 23">
-            <a:extLst>
-              <a:ext uri="{FF2B5EF4-FFF2-40B4-BE49-F238E27FC236}">
-                <a16:creationId xmlns:a16="http://schemas.microsoft.com/office/drawing/2014/main" id="{E99D72EA-E656-406B-A49B-C116DB539AC4}"/>
-              </a:ext>
-            </a:extLst>
-          </p:cNvPr>
-          <p:cNvSpPr/>
-          <p:nvPr/>
-        </p:nvSpPr>
-        <p:spPr>
-          <a:xfrm>
-            <a:off x="2032542" y="3676904"/>
-            <a:ext cx="1440000" cy="618066"/>
-          </a:xfrm>
-          <a:prstGeom prst="rect">
-            <a:avLst/>
-          </a:prstGeom>
-        </p:spPr>
-        <p:style>
-          <a:lnRef idx="2">
-            <a:schemeClr val="accent5">
-              <a:shade val="50000"/>
-            </a:schemeClr>
-          </a:lnRef>
-          <a:fillRef idx="1">
-            <a:schemeClr val="accent5"/>
-          </a:fillRef>
-          <a:effectRef idx="0">
-            <a:schemeClr val="accent5"/>
-          </a:effectRef>
-          <a:fontRef idx="minor">
-            <a:schemeClr val="lt1"/>
-          </a:fontRef>
-        </p:style>
-        <p:txBody>
-          <a:bodyPr rtlCol="0" anchor="ctr"/>
-          <a:lstStyle/>
-          <a:p>
-            <a:pPr algn="ctr"/>
-            <a:r>
-              <a:rPr lang="zh-TW" altLang="en-US" dirty="0"/>
-              <a:t>抓邊</a:t>
-            </a:r>
-            <a:endParaRPr lang="en-US" altLang="zh-TW" dirty="0"/>
-          </a:p>
-          <a:p>
-            <a:pPr algn="ctr"/>
-            <a:r>
-              <a:rPr lang="en-US" altLang="zh-TW" dirty="0"/>
-              <a:t>(Sobel)</a:t>
-            </a:r>
-            <a:endParaRPr lang="zh-TW" altLang="en-US" dirty="0"/>
-          </a:p>
-        </p:txBody>
-      </p:sp>
-      <p:sp>
-        <p:nvSpPr>
-          <p:cNvPr id="25" name="Rectangle 24">
-            <a:extLst>
-              <a:ext uri="{FF2B5EF4-FFF2-40B4-BE49-F238E27FC236}">
-                <a16:creationId xmlns:a16="http://schemas.microsoft.com/office/drawing/2014/main" id="{BF222FEF-8B05-4AB8-A4F4-D3A596A76857}"/>
-              </a:ext>
-            </a:extLst>
-          </p:cNvPr>
-          <p:cNvSpPr/>
-          <p:nvPr/>
-        </p:nvSpPr>
-        <p:spPr>
-          <a:xfrm>
-            <a:off x="2981557" y="2518641"/>
-            <a:ext cx="1440000" cy="618066"/>
-          </a:xfrm>
-          <a:prstGeom prst="rect">
-            <a:avLst/>
-          </a:prstGeom>
-        </p:spPr>
-        <p:style>
-          <a:lnRef idx="2">
-            <a:schemeClr val="accent5">
-              <a:shade val="50000"/>
-            </a:schemeClr>
-          </a:lnRef>
-          <a:fillRef idx="1">
-            <a:schemeClr val="accent5"/>
-          </a:fillRef>
-          <a:effectRef idx="0">
-            <a:schemeClr val="accent5"/>
-          </a:effectRef>
-          <a:fontRef idx="minor">
-            <a:schemeClr val="lt1"/>
-          </a:fontRef>
-        </p:style>
-        <p:txBody>
-          <a:bodyPr rtlCol="0" anchor="ctr"/>
-          <a:lstStyle/>
-          <a:p>
-            <a:pPr algn="ctr"/>
-            <a:r>
-              <a:rPr lang="zh-TW" altLang="en-US" dirty="0"/>
-              <a:t>紋路</a:t>
-            </a:r>
-            <a:endParaRPr lang="en-US" altLang="zh-TW" dirty="0"/>
-          </a:p>
-          <a:p>
-            <a:pPr algn="ctr"/>
-            <a:r>
-              <a:rPr lang="en-US" altLang="zh-TW" dirty="0"/>
-              <a:t>(LBP)</a:t>
-            </a:r>
-            <a:endParaRPr lang="zh-TW" altLang="en-US" dirty="0"/>
-          </a:p>
-        </p:txBody>
-      </p:sp>
-      <p:sp>
-        <p:nvSpPr>
-          <p:cNvPr id="27" name="Rectangle 26">
-            <a:extLst>
-              <a:ext uri="{FF2B5EF4-FFF2-40B4-BE49-F238E27FC236}">
-                <a16:creationId xmlns:a16="http://schemas.microsoft.com/office/drawing/2014/main" id="{35F8F078-9CA8-4AC6-BEAF-8EAA6BF8ACE9}"/>
-              </a:ext>
-            </a:extLst>
-          </p:cNvPr>
-          <p:cNvSpPr/>
-          <p:nvPr/>
-        </p:nvSpPr>
-        <p:spPr>
-          <a:xfrm>
-            <a:off x="9839040" y="2526425"/>
-            <a:ext cx="1165136" cy="618066"/>
-          </a:xfrm>
-          <a:prstGeom prst="rect">
-            <a:avLst/>
-          </a:prstGeom>
-        </p:spPr>
-        <p:style>
-          <a:lnRef idx="2">
-            <a:schemeClr val="accent5">
-              <a:shade val="50000"/>
-            </a:schemeClr>
-          </a:lnRef>
-          <a:fillRef idx="1">
-            <a:schemeClr val="accent5"/>
-          </a:fillRef>
-          <a:effectRef idx="0">
-            <a:schemeClr val="accent5"/>
-          </a:effectRef>
-          <a:fontRef idx="minor">
-            <a:schemeClr val="lt1"/>
-          </a:fontRef>
-        </p:style>
-        <p:txBody>
-          <a:bodyPr rtlCol="0" anchor="ctr"/>
-          <a:lstStyle/>
-          <a:p>
-            <a:pPr algn="ctr"/>
-            <a:r>
-              <a:rPr lang="zh-TW" altLang="en-US" dirty="0"/>
-              <a:t>上色</a:t>
-            </a:r>
-            <a:endParaRPr lang="en-US" altLang="zh-TW" dirty="0"/>
-          </a:p>
-          <a:p>
-            <a:pPr algn="ctr"/>
-            <a:r>
-              <a:rPr lang="en-US" altLang="zh-TW" dirty="0"/>
-              <a:t>(Labeling)</a:t>
-            </a:r>
-            <a:endParaRPr lang="zh-TW" altLang="en-US" dirty="0"/>
-          </a:p>
-        </p:txBody>
-      </p:sp>
-      <p:sp>
-        <p:nvSpPr>
-          <p:cNvPr id="28" name="Rectangle 27">
-            <a:extLst>
-              <a:ext uri="{FF2B5EF4-FFF2-40B4-BE49-F238E27FC236}">
-                <a16:creationId xmlns:a16="http://schemas.microsoft.com/office/drawing/2014/main" id="{0194A11E-4E6C-4E82-8900-DA2B7E229212}"/>
-              </a:ext>
-            </a:extLst>
-          </p:cNvPr>
-          <p:cNvSpPr/>
-          <p:nvPr/>
-        </p:nvSpPr>
-        <p:spPr>
-          <a:xfrm>
-            <a:off x="4671156" y="2518641"/>
-            <a:ext cx="1440000" cy="618066"/>
-          </a:xfrm>
-          <a:prstGeom prst="rect">
-            <a:avLst/>
-          </a:prstGeom>
-        </p:spPr>
-        <p:style>
-          <a:lnRef idx="2">
-            <a:schemeClr val="accent5">
-              <a:shade val="50000"/>
-            </a:schemeClr>
-          </a:lnRef>
-          <a:fillRef idx="1">
-            <a:schemeClr val="accent5"/>
-          </a:fillRef>
-          <a:effectRef idx="0">
-            <a:schemeClr val="accent5"/>
-          </a:effectRef>
-          <a:fontRef idx="minor">
-            <a:schemeClr val="lt1"/>
-          </a:fontRef>
-        </p:style>
-        <p:txBody>
-          <a:bodyPr rtlCol="0" anchor="ctr"/>
-          <a:lstStyle/>
-          <a:p>
-            <a:pPr algn="ctr"/>
-            <a:r>
-              <a:rPr lang="zh-TW" altLang="en-US" dirty="0"/>
-              <a:t>馬路搜尋</a:t>
-            </a:r>
-          </a:p>
-        </p:txBody>
-      </p:sp>
-      <p:sp>
-        <p:nvSpPr>
-          <p:cNvPr id="29" name="Rectangle 28">
-            <a:extLst>
-              <a:ext uri="{FF2B5EF4-FFF2-40B4-BE49-F238E27FC236}">
-                <a16:creationId xmlns:a16="http://schemas.microsoft.com/office/drawing/2014/main" id="{1FDF0E32-EA4F-4E27-9904-33BCFC02D9A0}"/>
-              </a:ext>
-            </a:extLst>
-          </p:cNvPr>
-          <p:cNvSpPr/>
-          <p:nvPr/>
-        </p:nvSpPr>
-        <p:spPr>
-          <a:xfrm>
-            <a:off x="6603814" y="3676902"/>
-            <a:ext cx="1440000" cy="900000"/>
-          </a:xfrm>
-          <a:prstGeom prst="rect">
-            <a:avLst/>
-          </a:prstGeom>
-        </p:spPr>
-        <p:style>
-          <a:lnRef idx="2">
-            <a:schemeClr val="accent5">
-              <a:shade val="50000"/>
-            </a:schemeClr>
-          </a:lnRef>
-          <a:fillRef idx="1">
-            <a:schemeClr val="accent5"/>
-          </a:fillRef>
-          <a:effectRef idx="0">
-            <a:schemeClr val="accent5"/>
-          </a:effectRef>
-          <a:fontRef idx="minor">
-            <a:schemeClr val="lt1"/>
-          </a:fontRef>
-        </p:style>
-        <p:txBody>
-          <a:bodyPr rtlCol="0" anchor="ctr"/>
-          <a:lstStyle/>
-          <a:p>
-            <a:pPr algn="ctr"/>
-            <a:r>
-              <a:rPr lang="zh-TW" altLang="en-US" dirty="0"/>
-              <a:t>值方圖前</a:t>
-            </a:r>
-            <a:r>
-              <a:rPr lang="en-US" altLang="zh-TW" dirty="0"/>
-              <a:t>N</a:t>
-            </a:r>
-            <a:r>
-              <a:rPr lang="zh-TW" altLang="en-US" dirty="0"/>
-              <a:t>大 </a:t>
-            </a:r>
-            <a:r>
-              <a:rPr lang="en-US" altLang="zh-TW" dirty="0"/>
-              <a:t>(Mode)</a:t>
-            </a:r>
-          </a:p>
-          <a:p>
-            <a:pPr algn="ctr"/>
-            <a:r>
-              <a:rPr lang="en-US" altLang="zh-TW" dirty="0"/>
-              <a:t>(</a:t>
-            </a:r>
-            <a:r>
-              <a:rPr lang="en-US" altLang="zh-TW" dirty="0" err="1"/>
-              <a:t>hist_top_n</a:t>
-            </a:r>
-            <a:r>
-              <a:rPr lang="en-US" altLang="zh-TW" dirty="0"/>
-              <a:t>)</a:t>
-            </a:r>
-            <a:endParaRPr lang="zh-TW" altLang="en-US" dirty="0"/>
-          </a:p>
-        </p:txBody>
-      </p:sp>
-      <p:sp>
-        <p:nvSpPr>
-          <p:cNvPr id="10" name="Rectangle 9">
-            <a:extLst>
-              <a:ext uri="{FF2B5EF4-FFF2-40B4-BE49-F238E27FC236}">
-                <a16:creationId xmlns:a16="http://schemas.microsoft.com/office/drawing/2014/main" id="{60847CBB-A3A6-4DA6-B58F-7D4CA395B3BC}"/>
-              </a:ext>
-            </a:extLst>
-          </p:cNvPr>
-          <p:cNvSpPr/>
-          <p:nvPr/>
-        </p:nvSpPr>
-        <p:spPr>
-          <a:xfrm>
-            <a:off x="5692824" y="326842"/>
-            <a:ext cx="2243666" cy="852388"/>
-          </a:xfrm>
-          <a:prstGeom prst="rect">
-            <a:avLst/>
-          </a:prstGeom>
-        </p:spPr>
-        <p:style>
-          <a:lnRef idx="2">
-            <a:schemeClr val="accent5">
-              <a:shade val="50000"/>
-            </a:schemeClr>
-          </a:lnRef>
-          <a:fillRef idx="1">
-            <a:schemeClr val="accent5"/>
-          </a:fillRef>
-          <a:effectRef idx="0">
-            <a:schemeClr val="accent5"/>
-          </a:effectRef>
-          <a:fontRef idx="minor">
-            <a:schemeClr val="lt1"/>
-          </a:fontRef>
-        </p:style>
-        <p:txBody>
-          <a:bodyPr rtlCol="0" anchor="ctr"/>
-          <a:lstStyle/>
-          <a:p>
-            <a:pPr algn="ctr"/>
-            <a:r>
-              <a:rPr lang="zh-TW" altLang="en-US" dirty="0"/>
-              <a:t>馬路分割</a:t>
-            </a:r>
-          </a:p>
-        </p:txBody>
-      </p:sp>
-      <p:cxnSp>
-        <p:nvCxnSpPr>
-          <p:cNvPr id="6" name="Connector: Elbow 5">
-            <a:extLst>
-              <a:ext uri="{FF2B5EF4-FFF2-40B4-BE49-F238E27FC236}">
-                <a16:creationId xmlns:a16="http://schemas.microsoft.com/office/drawing/2014/main" id="{5A1CAAE4-868D-4833-AC78-3AFFEA88A408}"/>
-              </a:ext>
-            </a:extLst>
-          </p:cNvPr>
-          <p:cNvCxnSpPr>
-            <a:cxnSpLocks/>
-            <a:stCxn id="10" idx="2"/>
-            <a:endCxn id="19" idx="0"/>
-          </p:cNvCxnSpPr>
-          <p:nvPr/>
-        </p:nvCxnSpPr>
-        <p:spPr>
-          <a:xfrm rot="5400000">
-            <a:off x="3718327" y="-576752"/>
-            <a:ext cx="1340348" cy="4852313"/>
-          </a:xfrm>
-          <a:prstGeom prst="bentConnector3">
-            <a:avLst>
-              <a:gd name="adj1" fmla="val 50000"/>
-            </a:avLst>
-          </a:prstGeom>
-          <a:ln w="28575">
-            <a:solidFill>
-              <a:schemeClr val="tx1"/>
-            </a:solidFill>
-            <a:tailEnd type="triangle"/>
-          </a:ln>
-        </p:spPr>
-        <p:style>
-          <a:lnRef idx="1">
-            <a:schemeClr val="accent1"/>
-          </a:lnRef>
-          <a:fillRef idx="0">
-            <a:schemeClr val="accent1"/>
-          </a:fillRef>
-          <a:effectRef idx="0">
-            <a:schemeClr val="accent1"/>
-          </a:effectRef>
-          <a:fontRef idx="minor">
-            <a:schemeClr val="tx1"/>
-          </a:fontRef>
-        </p:style>
-      </p:cxnSp>
-      <p:sp>
-        <p:nvSpPr>
-          <p:cNvPr id="19" name="Rectangle 18">
-            <a:extLst>
-              <a:ext uri="{FF2B5EF4-FFF2-40B4-BE49-F238E27FC236}">
-                <a16:creationId xmlns:a16="http://schemas.microsoft.com/office/drawing/2014/main" id="{B6290EDF-5EF2-47E7-9FFE-41B69A333D0F}"/>
-              </a:ext>
-            </a:extLst>
-          </p:cNvPr>
-          <p:cNvSpPr/>
-          <p:nvPr/>
-        </p:nvSpPr>
-        <p:spPr>
-          <a:xfrm>
-            <a:off x="1242344" y="2519578"/>
-            <a:ext cx="1440000" cy="618066"/>
-          </a:xfrm>
-          <a:prstGeom prst="rect">
-            <a:avLst/>
-          </a:prstGeom>
-        </p:spPr>
-        <p:style>
-          <a:lnRef idx="2">
-            <a:schemeClr val="accent5">
-              <a:shade val="50000"/>
-            </a:schemeClr>
-          </a:lnRef>
-          <a:fillRef idx="1">
-            <a:schemeClr val="accent5"/>
-          </a:fillRef>
-          <a:effectRef idx="0">
-            <a:schemeClr val="accent5"/>
-          </a:effectRef>
-          <a:fontRef idx="minor">
-            <a:schemeClr val="lt1"/>
-          </a:fontRef>
-        </p:style>
-        <p:txBody>
-          <a:bodyPr rtlCol="0" anchor="ctr"/>
-          <a:lstStyle/>
-          <a:p>
-            <a:pPr algn="ctr"/>
-            <a:r>
-              <a:rPr lang="zh-TW" altLang="en-US" dirty="0"/>
-              <a:t>前處理</a:t>
-            </a:r>
-          </a:p>
-        </p:txBody>
-      </p:sp>
-      <p:cxnSp>
-        <p:nvCxnSpPr>
-          <p:cNvPr id="36" name="Connector: Elbow 35">
-            <a:extLst>
-              <a:ext uri="{FF2B5EF4-FFF2-40B4-BE49-F238E27FC236}">
-                <a16:creationId xmlns:a16="http://schemas.microsoft.com/office/drawing/2014/main" id="{681376B8-B122-43AE-BDFC-98CFA5F212A7}"/>
-              </a:ext>
-            </a:extLst>
-          </p:cNvPr>
-          <p:cNvCxnSpPr>
-            <a:cxnSpLocks/>
-            <a:stCxn id="10" idx="2"/>
-            <a:endCxn id="25" idx="0"/>
-          </p:cNvCxnSpPr>
-          <p:nvPr/>
-        </p:nvCxnSpPr>
-        <p:spPr>
-          <a:xfrm rot="5400000">
-            <a:off x="4588402" y="292385"/>
-            <a:ext cx="1339411" cy="3113100"/>
-          </a:xfrm>
-          <a:prstGeom prst="bentConnector3">
-            <a:avLst>
-              <a:gd name="adj1" fmla="val 50000"/>
-            </a:avLst>
-          </a:prstGeom>
-          <a:ln w="28575">
-            <a:solidFill>
-              <a:schemeClr val="tx1"/>
-            </a:solidFill>
-            <a:tailEnd type="triangle"/>
-          </a:ln>
-        </p:spPr>
-        <p:style>
-          <a:lnRef idx="1">
-            <a:schemeClr val="accent1"/>
-          </a:lnRef>
-          <a:fillRef idx="0">
-            <a:schemeClr val="accent1"/>
-          </a:fillRef>
-          <a:effectRef idx="0">
-            <a:schemeClr val="accent1"/>
-          </a:effectRef>
-          <a:fontRef idx="minor">
-            <a:schemeClr val="tx1"/>
-          </a:fontRef>
-        </p:style>
-      </p:cxnSp>
-      <p:sp>
-        <p:nvSpPr>
-          <p:cNvPr id="41" name="Rectangle 40">
-            <a:extLst>
-              <a:ext uri="{FF2B5EF4-FFF2-40B4-BE49-F238E27FC236}">
-                <a16:creationId xmlns:a16="http://schemas.microsoft.com/office/drawing/2014/main" id="{FE763125-3B1E-4DD7-A1C0-F9B063EC5445}"/>
-              </a:ext>
-            </a:extLst>
-          </p:cNvPr>
-          <p:cNvSpPr/>
-          <p:nvPr/>
-        </p:nvSpPr>
-        <p:spPr>
-          <a:xfrm>
-            <a:off x="7011629" y="2518641"/>
-            <a:ext cx="2243666" cy="618066"/>
-          </a:xfrm>
-          <a:prstGeom prst="rect">
-            <a:avLst/>
-          </a:prstGeom>
-        </p:spPr>
-        <p:style>
-          <a:lnRef idx="2">
-            <a:schemeClr val="accent5">
-              <a:shade val="50000"/>
-            </a:schemeClr>
-          </a:lnRef>
-          <a:fillRef idx="1">
-            <a:schemeClr val="accent5"/>
-          </a:fillRef>
-          <a:effectRef idx="0">
-            <a:schemeClr val="accent5"/>
-          </a:effectRef>
-          <a:fontRef idx="minor">
-            <a:schemeClr val="lt1"/>
-          </a:fontRef>
-        </p:style>
-        <p:txBody>
-          <a:bodyPr rtlCol="0" anchor="ctr"/>
-          <a:lstStyle/>
-          <a:p>
-            <a:pPr algn="ctr"/>
-            <a:r>
-              <a:rPr lang="zh-TW" altLang="en-US" dirty="0"/>
-              <a:t>紋路統計值方圖</a:t>
-            </a:r>
-            <a:endParaRPr lang="en-US" altLang="zh-TW" dirty="0"/>
-          </a:p>
-          <a:p>
-            <a:pPr algn="ctr"/>
-            <a:r>
-              <a:rPr lang="en-US" altLang="zh-TW" dirty="0"/>
-              <a:t>(Histogram)</a:t>
-            </a:r>
-            <a:endParaRPr lang="zh-TW" altLang="en-US" dirty="0"/>
-          </a:p>
-        </p:txBody>
-      </p:sp>
-      <p:cxnSp>
-        <p:nvCxnSpPr>
-          <p:cNvPr id="43" name="Connector: Elbow 42">
-            <a:extLst>
-              <a:ext uri="{FF2B5EF4-FFF2-40B4-BE49-F238E27FC236}">
-                <a16:creationId xmlns:a16="http://schemas.microsoft.com/office/drawing/2014/main" id="{1BE21781-5841-41A9-B1C4-5E6C1CFB308B}"/>
-              </a:ext>
-            </a:extLst>
-          </p:cNvPr>
-          <p:cNvCxnSpPr>
-            <a:cxnSpLocks/>
-            <a:stCxn id="10" idx="2"/>
-            <a:endCxn id="41" idx="0"/>
-          </p:cNvCxnSpPr>
-          <p:nvPr/>
-        </p:nvCxnSpPr>
-        <p:spPr>
-          <a:xfrm rot="16200000" flipH="1">
-            <a:off x="6804354" y="1189532"/>
-            <a:ext cx="1339411" cy="1318805"/>
-          </a:xfrm>
-          <a:prstGeom prst="bentConnector3">
-            <a:avLst>
-              <a:gd name="adj1" fmla="val 50000"/>
-            </a:avLst>
-          </a:prstGeom>
-          <a:ln w="28575">
-            <a:solidFill>
-              <a:schemeClr val="tx1"/>
-            </a:solidFill>
-            <a:tailEnd type="triangle"/>
-          </a:ln>
-        </p:spPr>
-        <p:style>
-          <a:lnRef idx="1">
-            <a:schemeClr val="accent1"/>
-          </a:lnRef>
-          <a:fillRef idx="0">
-            <a:schemeClr val="accent1"/>
-          </a:fillRef>
-          <a:effectRef idx="0">
-            <a:schemeClr val="accent1"/>
-          </a:effectRef>
-          <a:fontRef idx="minor">
-            <a:schemeClr val="tx1"/>
-          </a:fontRef>
-        </p:style>
-      </p:cxnSp>
-      <p:cxnSp>
-        <p:nvCxnSpPr>
-          <p:cNvPr id="49" name="Connector: Elbow 48">
-            <a:extLst>
-              <a:ext uri="{FF2B5EF4-FFF2-40B4-BE49-F238E27FC236}">
-                <a16:creationId xmlns:a16="http://schemas.microsoft.com/office/drawing/2014/main" id="{1FE4C6C4-D62D-4CA6-8CEC-5E33587678BB}"/>
-              </a:ext>
-            </a:extLst>
-          </p:cNvPr>
-          <p:cNvCxnSpPr>
-            <a:cxnSpLocks/>
-            <a:stCxn id="10" idx="2"/>
-            <a:endCxn id="28" idx="0"/>
-          </p:cNvCxnSpPr>
-          <p:nvPr/>
-        </p:nvCxnSpPr>
-        <p:spPr>
-          <a:xfrm rot="5400000">
-            <a:off x="5433202" y="1137185"/>
-            <a:ext cx="1339411" cy="1423501"/>
-          </a:xfrm>
-          <a:prstGeom prst="bentConnector3">
-            <a:avLst>
-              <a:gd name="adj1" fmla="val 50000"/>
-            </a:avLst>
-          </a:prstGeom>
-          <a:ln w="28575">
-            <a:solidFill>
-              <a:schemeClr val="tx1"/>
-            </a:solidFill>
-            <a:tailEnd type="triangle"/>
-          </a:ln>
-        </p:spPr>
-        <p:style>
-          <a:lnRef idx="1">
-            <a:schemeClr val="accent1"/>
-          </a:lnRef>
-          <a:fillRef idx="0">
-            <a:schemeClr val="accent1"/>
-          </a:fillRef>
-          <a:effectRef idx="0">
-            <a:schemeClr val="accent1"/>
-          </a:effectRef>
-          <a:fontRef idx="minor">
-            <a:schemeClr val="tx1"/>
-          </a:fontRef>
-        </p:style>
-      </p:cxnSp>
-      <p:sp>
-        <p:nvSpPr>
-          <p:cNvPr id="55" name="Rectangle 54">
-            <a:extLst>
-              <a:ext uri="{FF2B5EF4-FFF2-40B4-BE49-F238E27FC236}">
-                <a16:creationId xmlns:a16="http://schemas.microsoft.com/office/drawing/2014/main" id="{757F239F-F800-48E5-A32C-6D3A9192AB93}"/>
-              </a:ext>
-            </a:extLst>
-          </p:cNvPr>
-          <p:cNvSpPr/>
-          <p:nvPr/>
-        </p:nvSpPr>
-        <p:spPr>
-          <a:xfrm>
-            <a:off x="4671156" y="3676904"/>
-            <a:ext cx="1440000" cy="618066"/>
-          </a:xfrm>
-          <a:prstGeom prst="rect">
-            <a:avLst/>
-          </a:prstGeom>
-        </p:spPr>
-        <p:style>
-          <a:lnRef idx="2">
-            <a:schemeClr val="accent5">
-              <a:shade val="50000"/>
-            </a:schemeClr>
-          </a:lnRef>
-          <a:fillRef idx="1">
-            <a:schemeClr val="accent5"/>
-          </a:fillRef>
-          <a:effectRef idx="0">
-            <a:schemeClr val="accent5"/>
-          </a:effectRef>
-          <a:fontRef idx="minor">
-            <a:schemeClr val="lt1"/>
-          </a:fontRef>
-        </p:style>
-        <p:txBody>
-          <a:bodyPr rtlCol="0" anchor="ctr"/>
-          <a:lstStyle/>
-          <a:p>
-            <a:pPr algn="ctr"/>
-            <a:r>
-              <a:rPr lang="zh-TW" altLang="en-US" dirty="0"/>
-              <a:t>廣先搜尋</a:t>
-            </a:r>
-            <a:r>
-              <a:rPr lang="en-US" altLang="zh-TW" dirty="0"/>
-              <a:t>(BFS)</a:t>
-            </a:r>
-            <a:endParaRPr lang="zh-TW" altLang="en-US" dirty="0"/>
-          </a:p>
-        </p:txBody>
-      </p:sp>
-      <p:sp>
-        <p:nvSpPr>
-          <p:cNvPr id="81" name="Rectangle 80">
-            <a:extLst>
-              <a:ext uri="{FF2B5EF4-FFF2-40B4-BE49-F238E27FC236}">
-                <a16:creationId xmlns:a16="http://schemas.microsoft.com/office/drawing/2014/main" id="{D8D244EF-4256-4681-AAFA-7665C236390C}"/>
-              </a:ext>
-            </a:extLst>
-          </p:cNvPr>
-          <p:cNvSpPr/>
-          <p:nvPr/>
-        </p:nvSpPr>
-        <p:spPr>
-          <a:xfrm>
-            <a:off x="5774328" y="5060704"/>
-            <a:ext cx="1440000" cy="900000"/>
-          </a:xfrm>
-          <a:prstGeom prst="rect">
-            <a:avLst/>
-          </a:prstGeom>
-        </p:spPr>
-        <p:style>
-          <a:lnRef idx="2">
-            <a:schemeClr val="accent5">
-              <a:shade val="50000"/>
-            </a:schemeClr>
-          </a:lnRef>
-          <a:fillRef idx="1">
-            <a:schemeClr val="accent5"/>
-          </a:fillRef>
-          <a:effectRef idx="0">
-            <a:schemeClr val="accent5"/>
-          </a:effectRef>
-          <a:fontRef idx="minor">
-            <a:schemeClr val="lt1"/>
-          </a:fontRef>
-        </p:style>
-        <p:txBody>
-          <a:bodyPr rtlCol="0" anchor="ctr"/>
-          <a:lstStyle/>
-          <a:p>
-            <a:pPr algn="ctr"/>
-            <a:r>
-              <a:rPr lang="zh-TW" altLang="en-US" dirty="0"/>
-              <a:t>值方圖排列</a:t>
-            </a:r>
-            <a:endParaRPr lang="en-US" altLang="zh-TW" dirty="0"/>
-          </a:p>
-          <a:p>
-            <a:pPr algn="ctr"/>
-            <a:r>
-              <a:rPr lang="en-US" altLang="zh-TW" dirty="0"/>
-              <a:t>(</a:t>
-            </a:r>
-            <a:r>
-              <a:rPr lang="en-US" altLang="zh-TW" dirty="0" err="1"/>
-              <a:t>sort_hist</a:t>
-            </a:r>
-            <a:r>
-              <a:rPr lang="en-US" altLang="zh-TW" dirty="0"/>
-              <a:t>)</a:t>
-            </a:r>
-            <a:endParaRPr lang="zh-TW" altLang="en-US" dirty="0"/>
-          </a:p>
-        </p:txBody>
-      </p:sp>
-      <p:cxnSp>
-        <p:nvCxnSpPr>
-          <p:cNvPr id="109" name="Connector: Elbow 108">
-            <a:extLst>
-              <a:ext uri="{FF2B5EF4-FFF2-40B4-BE49-F238E27FC236}">
-                <a16:creationId xmlns:a16="http://schemas.microsoft.com/office/drawing/2014/main" id="{2821458F-6FCA-47C9-985D-F62236245139}"/>
-              </a:ext>
-            </a:extLst>
-          </p:cNvPr>
-          <p:cNvCxnSpPr>
-            <a:cxnSpLocks/>
-            <a:stCxn id="41" idx="2"/>
-            <a:endCxn id="29" idx="0"/>
-          </p:cNvCxnSpPr>
-          <p:nvPr/>
-        </p:nvCxnSpPr>
-        <p:spPr>
-          <a:xfrm rot="5400000">
-            <a:off x="7458541" y="3001980"/>
-            <a:ext cx="540195" cy="809648"/>
-          </a:xfrm>
-          <a:prstGeom prst="bentConnector3">
-            <a:avLst>
-              <a:gd name="adj1" fmla="val 50000"/>
-            </a:avLst>
-          </a:prstGeom>
-          <a:ln w="28575">
-            <a:solidFill>
-              <a:schemeClr val="tx1"/>
-            </a:solidFill>
-            <a:tailEnd type="triangle"/>
-          </a:ln>
-        </p:spPr>
-        <p:style>
-          <a:lnRef idx="1">
-            <a:schemeClr val="accent1"/>
-          </a:lnRef>
-          <a:fillRef idx="0">
-            <a:schemeClr val="accent1"/>
-          </a:fillRef>
-          <a:effectRef idx="0">
-            <a:schemeClr val="accent1"/>
-          </a:effectRef>
-          <a:fontRef idx="minor">
-            <a:schemeClr val="tx1"/>
-          </a:fontRef>
-        </p:style>
-      </p:cxnSp>
-      <p:sp>
-        <p:nvSpPr>
-          <p:cNvPr id="115" name="Rectangle 114">
-            <a:extLst>
-              <a:ext uri="{FF2B5EF4-FFF2-40B4-BE49-F238E27FC236}">
-                <a16:creationId xmlns:a16="http://schemas.microsoft.com/office/drawing/2014/main" id="{88227769-DFE2-417F-9B7F-FE946A3406B1}"/>
-              </a:ext>
-            </a:extLst>
-          </p:cNvPr>
-          <p:cNvSpPr/>
-          <p:nvPr/>
-        </p:nvSpPr>
-        <p:spPr>
-          <a:xfrm>
-            <a:off x="8242948" y="3676904"/>
-            <a:ext cx="1440000" cy="895096"/>
-          </a:xfrm>
-          <a:prstGeom prst="rect">
-            <a:avLst/>
-          </a:prstGeom>
-        </p:spPr>
-        <p:style>
-          <a:lnRef idx="2">
-            <a:schemeClr val="accent5">
-              <a:shade val="50000"/>
-            </a:schemeClr>
-          </a:lnRef>
-          <a:fillRef idx="1">
-            <a:schemeClr val="accent5"/>
-          </a:fillRef>
-          <a:effectRef idx="0">
-            <a:schemeClr val="accent5"/>
-          </a:effectRef>
-          <a:fontRef idx="minor">
-            <a:schemeClr val="lt1"/>
-          </a:fontRef>
-        </p:style>
-        <p:txBody>
-          <a:bodyPr rtlCol="0" anchor="ctr"/>
-          <a:lstStyle/>
-          <a:p>
-            <a:pPr algn="ctr"/>
-            <a:r>
-              <a:rPr lang="en-US" altLang="zh-TW" sz="1600" dirty="0"/>
-              <a:t>Mode </a:t>
-            </a:r>
-            <a:r>
-              <a:rPr lang="zh-TW" altLang="en-US" sz="1600" dirty="0"/>
-              <a:t>距離比對</a:t>
-            </a:r>
-            <a:endParaRPr lang="en-US" altLang="zh-TW" sz="1600" dirty="0"/>
-          </a:p>
-          <a:p>
-            <a:pPr algn="ctr"/>
-            <a:r>
-              <a:rPr lang="en-US" altLang="zh-TW" sz="1600" dirty="0"/>
-              <a:t>(</a:t>
-            </a:r>
-            <a:r>
-              <a:rPr lang="en-US" altLang="zh-TW" sz="1600" dirty="0" err="1"/>
-              <a:t>dist_compare</a:t>
-            </a:r>
-            <a:r>
-              <a:rPr lang="en-US" altLang="zh-TW" sz="1600" dirty="0"/>
-              <a:t>)</a:t>
-            </a:r>
-            <a:endParaRPr lang="zh-TW" altLang="en-US" sz="1600" dirty="0"/>
-          </a:p>
-        </p:txBody>
-      </p:sp>
-      <p:cxnSp>
-        <p:nvCxnSpPr>
-          <p:cNvPr id="120" name="Connector: Elbow 119">
-            <a:extLst>
-              <a:ext uri="{FF2B5EF4-FFF2-40B4-BE49-F238E27FC236}">
-                <a16:creationId xmlns:a16="http://schemas.microsoft.com/office/drawing/2014/main" id="{5FF575A9-C470-4BCD-850A-63BA04E32426}"/>
-              </a:ext>
-            </a:extLst>
-          </p:cNvPr>
-          <p:cNvCxnSpPr>
-            <a:cxnSpLocks/>
-            <a:stCxn id="10" idx="2"/>
-            <a:endCxn id="27" idx="0"/>
-          </p:cNvCxnSpPr>
-          <p:nvPr/>
-        </p:nvCxnSpPr>
-        <p:spPr>
-          <a:xfrm rot="16200000" flipH="1">
-            <a:off x="7944535" y="49351"/>
-            <a:ext cx="1347195" cy="3606951"/>
-          </a:xfrm>
-          <a:prstGeom prst="bentConnector3">
-            <a:avLst>
-              <a:gd name="adj1" fmla="val 50000"/>
-            </a:avLst>
-          </a:prstGeom>
-          <a:ln w="28575">
-            <a:solidFill>
-              <a:schemeClr val="tx1"/>
-            </a:solidFill>
-            <a:tailEnd type="triangle"/>
-          </a:ln>
-        </p:spPr>
-        <p:style>
-          <a:lnRef idx="1">
-            <a:schemeClr val="accent1"/>
-          </a:lnRef>
-          <a:fillRef idx="0">
-            <a:schemeClr val="accent1"/>
-          </a:fillRef>
-          <a:effectRef idx="0">
-            <a:schemeClr val="accent1"/>
-          </a:effectRef>
-          <a:fontRef idx="minor">
-            <a:schemeClr val="tx1"/>
-          </a:fontRef>
-        </p:style>
-      </p:cxnSp>
-      <p:cxnSp>
-        <p:nvCxnSpPr>
-          <p:cNvPr id="45" name="Straight Arrow Connector 44">
-            <a:extLst>
-              <a:ext uri="{FF2B5EF4-FFF2-40B4-BE49-F238E27FC236}">
-                <a16:creationId xmlns:a16="http://schemas.microsoft.com/office/drawing/2014/main" id="{F2EC815F-26A7-4859-8A44-F1D95A61D878}"/>
-              </a:ext>
-            </a:extLst>
-          </p:cNvPr>
-          <p:cNvCxnSpPr>
-            <a:cxnSpLocks/>
-            <a:stCxn id="28" idx="2"/>
-            <a:endCxn id="55" idx="0"/>
-          </p:cNvCxnSpPr>
-          <p:nvPr/>
-        </p:nvCxnSpPr>
-        <p:spPr>
-          <a:xfrm>
-            <a:off x="5391156" y="3136707"/>
-            <a:ext cx="0" cy="540197"/>
-          </a:xfrm>
-          <a:prstGeom prst="straightConnector1">
-            <a:avLst/>
-          </a:prstGeom>
-          <a:ln w="28575">
-            <a:solidFill>
-              <a:schemeClr val="tx1"/>
-            </a:solidFill>
-            <a:tailEnd type="triangle"/>
-          </a:ln>
-        </p:spPr>
-        <p:style>
-          <a:lnRef idx="1">
-            <a:schemeClr val="accent1"/>
-          </a:lnRef>
-          <a:fillRef idx="0">
-            <a:schemeClr val="accent1"/>
-          </a:fillRef>
-          <a:effectRef idx="0">
-            <a:schemeClr val="accent1"/>
-          </a:effectRef>
-          <a:fontRef idx="minor">
-            <a:schemeClr val="tx1"/>
-          </a:fontRef>
-        </p:style>
-      </p:cxnSp>
-      <p:cxnSp>
-        <p:nvCxnSpPr>
-          <p:cNvPr id="54" name="Connector: Elbow 53">
-            <a:extLst>
-              <a:ext uri="{FF2B5EF4-FFF2-40B4-BE49-F238E27FC236}">
-                <a16:creationId xmlns:a16="http://schemas.microsoft.com/office/drawing/2014/main" id="{22E40CD1-FDD5-4C66-806D-F4612E5CFC06}"/>
-              </a:ext>
-            </a:extLst>
-          </p:cNvPr>
-          <p:cNvCxnSpPr>
-            <a:cxnSpLocks/>
-            <a:stCxn id="41" idx="2"/>
-            <a:endCxn id="115" idx="0"/>
-          </p:cNvCxnSpPr>
-          <p:nvPr/>
-        </p:nvCxnSpPr>
-        <p:spPr>
-          <a:xfrm rot="16200000" flipH="1">
-            <a:off x="8278107" y="2992062"/>
-            <a:ext cx="540197" cy="829486"/>
-          </a:xfrm>
-          <a:prstGeom prst="bentConnector3">
-            <a:avLst>
-              <a:gd name="adj1" fmla="val 50000"/>
-            </a:avLst>
-          </a:prstGeom>
-          <a:ln w="28575">
-            <a:solidFill>
-              <a:schemeClr val="tx1"/>
-            </a:solidFill>
-            <a:tailEnd type="triangle"/>
-          </a:ln>
-        </p:spPr>
-        <p:style>
-          <a:lnRef idx="1">
-            <a:schemeClr val="accent1"/>
-          </a:lnRef>
-          <a:fillRef idx="0">
-            <a:schemeClr val="accent1"/>
-          </a:fillRef>
-          <a:effectRef idx="0">
-            <a:schemeClr val="accent1"/>
-          </a:effectRef>
-          <a:fontRef idx="minor">
-            <a:schemeClr val="tx1"/>
-          </a:fontRef>
-        </p:style>
-      </p:cxnSp>
-      <p:cxnSp>
-        <p:nvCxnSpPr>
-          <p:cNvPr id="66" name="Connector: Elbow 65">
-            <a:extLst>
-              <a:ext uri="{FF2B5EF4-FFF2-40B4-BE49-F238E27FC236}">
-                <a16:creationId xmlns:a16="http://schemas.microsoft.com/office/drawing/2014/main" id="{D4E96257-C7F5-45D6-BC48-CF5F347C6FE6}"/>
-              </a:ext>
-            </a:extLst>
-          </p:cNvPr>
-          <p:cNvCxnSpPr>
-            <a:cxnSpLocks/>
-            <a:stCxn id="29" idx="2"/>
-            <a:endCxn id="81" idx="0"/>
-          </p:cNvCxnSpPr>
-          <p:nvPr/>
-        </p:nvCxnSpPr>
-        <p:spPr>
-          <a:xfrm rot="5400000">
-            <a:off x="6667170" y="4404060"/>
-            <a:ext cx="483802" cy="829486"/>
-          </a:xfrm>
-          <a:prstGeom prst="bentConnector3">
-            <a:avLst>
-              <a:gd name="adj1" fmla="val 50000"/>
-            </a:avLst>
-          </a:prstGeom>
-          <a:ln w="28575">
-            <a:solidFill>
-              <a:schemeClr val="tx1"/>
-            </a:solidFill>
-            <a:tailEnd type="triangle"/>
-          </a:ln>
-        </p:spPr>
-        <p:style>
-          <a:lnRef idx="1">
-            <a:schemeClr val="accent1"/>
-          </a:lnRef>
-          <a:fillRef idx="0">
-            <a:schemeClr val="accent1"/>
-          </a:fillRef>
-          <a:effectRef idx="0">
-            <a:schemeClr val="accent1"/>
-          </a:effectRef>
-          <a:fontRef idx="minor">
-            <a:schemeClr val="tx1"/>
-          </a:fontRef>
-        </p:style>
-      </p:cxnSp>
-      <p:sp>
-        <p:nvSpPr>
-          <p:cNvPr id="71" name="Rectangle 70">
-            <a:extLst>
-              <a:ext uri="{FF2B5EF4-FFF2-40B4-BE49-F238E27FC236}">
-                <a16:creationId xmlns:a16="http://schemas.microsoft.com/office/drawing/2014/main" id="{B3AC97DC-B15C-4265-A376-21D2707D7072}"/>
-              </a:ext>
-            </a:extLst>
-          </p:cNvPr>
-          <p:cNvSpPr/>
-          <p:nvPr/>
-        </p:nvSpPr>
-        <p:spPr>
-          <a:xfrm>
-            <a:off x="7413462" y="5060704"/>
-            <a:ext cx="1440000" cy="900000"/>
-          </a:xfrm>
-          <a:prstGeom prst="rect">
-            <a:avLst/>
-          </a:prstGeom>
-        </p:spPr>
-        <p:style>
-          <a:lnRef idx="2">
-            <a:schemeClr val="accent5">
-              <a:shade val="50000"/>
-            </a:schemeClr>
-          </a:lnRef>
-          <a:fillRef idx="1">
-            <a:schemeClr val="accent5"/>
-          </a:fillRef>
-          <a:effectRef idx="0">
-            <a:schemeClr val="accent5"/>
-          </a:effectRef>
-          <a:fontRef idx="minor">
-            <a:schemeClr val="lt1"/>
-          </a:fontRef>
-        </p:style>
-        <p:txBody>
-          <a:bodyPr rtlCol="0" anchor="ctr"/>
-          <a:lstStyle/>
-          <a:p>
-            <a:pPr algn="ctr"/>
-            <a:r>
-              <a:rPr lang="zh-TW" altLang="en-US" dirty="0"/>
-              <a:t>前</a:t>
-            </a:r>
-            <a:r>
-              <a:rPr lang="en-US" altLang="zh-TW" dirty="0"/>
-              <a:t>N</a:t>
-            </a:r>
-            <a:r>
-              <a:rPr lang="zh-TW" altLang="en-US" dirty="0"/>
-              <a:t> </a:t>
-            </a:r>
-            <a:r>
-              <a:rPr lang="en-US" altLang="zh-TW" dirty="0"/>
-              <a:t>Mode</a:t>
-            </a:r>
-            <a:r>
-              <a:rPr lang="zh-TW" altLang="en-US" dirty="0"/>
-              <a:t> 距離</a:t>
-            </a:r>
-            <a:endParaRPr lang="en-US" altLang="zh-TW" dirty="0"/>
-          </a:p>
-          <a:p>
-            <a:pPr algn="ctr"/>
-            <a:r>
-              <a:rPr lang="en-US" altLang="zh-TW" dirty="0"/>
-              <a:t>(</a:t>
-            </a:r>
-            <a:r>
-              <a:rPr lang="en-US" altLang="zh-TW" dirty="0" err="1"/>
-              <a:t>count_dist</a:t>
-            </a:r>
-            <a:r>
-              <a:rPr lang="en-US" altLang="zh-TW" dirty="0"/>
-              <a:t>)</a:t>
-            </a:r>
-            <a:endParaRPr lang="zh-TW" altLang="en-US" dirty="0"/>
-          </a:p>
-        </p:txBody>
-      </p:sp>
-      <p:cxnSp>
-        <p:nvCxnSpPr>
-          <p:cNvPr id="72" name="Connector: Elbow 71">
-            <a:extLst>
-              <a:ext uri="{FF2B5EF4-FFF2-40B4-BE49-F238E27FC236}">
-                <a16:creationId xmlns:a16="http://schemas.microsoft.com/office/drawing/2014/main" id="{02F7FB69-EC37-4EE6-9129-5D51C54AA1E3}"/>
-              </a:ext>
-            </a:extLst>
-          </p:cNvPr>
-          <p:cNvCxnSpPr>
-            <a:cxnSpLocks/>
-            <a:stCxn id="29" idx="2"/>
-            <a:endCxn id="71" idx="0"/>
-          </p:cNvCxnSpPr>
-          <p:nvPr/>
-        </p:nvCxnSpPr>
-        <p:spPr>
-          <a:xfrm rot="16200000" flipH="1">
-            <a:off x="7486737" y="4413979"/>
-            <a:ext cx="483802" cy="809648"/>
-          </a:xfrm>
-          <a:prstGeom prst="bentConnector3">
-            <a:avLst>
-              <a:gd name="adj1" fmla="val 50000"/>
-            </a:avLst>
-          </a:prstGeom>
-          <a:ln w="28575">
-            <a:solidFill>
-              <a:schemeClr val="tx1"/>
-            </a:solidFill>
-            <a:tailEnd type="triangle"/>
-          </a:ln>
-        </p:spPr>
-        <p:style>
-          <a:lnRef idx="1">
-            <a:schemeClr val="accent1"/>
-          </a:lnRef>
-          <a:fillRef idx="0">
-            <a:schemeClr val="accent1"/>
-          </a:fillRef>
-          <a:effectRef idx="0">
-            <a:schemeClr val="accent1"/>
-          </a:effectRef>
-          <a:fontRef idx="minor">
-            <a:schemeClr val="tx1"/>
-          </a:fontRef>
-        </p:style>
-      </p:cxnSp>
-      <p:cxnSp>
-        <p:nvCxnSpPr>
-          <p:cNvPr id="80" name="Connector: Elbow 79">
-            <a:extLst>
-              <a:ext uri="{FF2B5EF4-FFF2-40B4-BE49-F238E27FC236}">
-                <a16:creationId xmlns:a16="http://schemas.microsoft.com/office/drawing/2014/main" id="{5B95D257-35E4-4049-AC05-6A862EB6DAD2}"/>
-              </a:ext>
-            </a:extLst>
-          </p:cNvPr>
-          <p:cNvCxnSpPr>
-            <a:cxnSpLocks/>
-            <a:stCxn id="19" idx="2"/>
-            <a:endCxn id="24" idx="0"/>
-          </p:cNvCxnSpPr>
-          <p:nvPr/>
-        </p:nvCxnSpPr>
-        <p:spPr>
-          <a:xfrm rot="16200000" flipH="1">
-            <a:off x="2087813" y="3012175"/>
-            <a:ext cx="539260" cy="790198"/>
-          </a:xfrm>
-          <a:prstGeom prst="bentConnector3">
-            <a:avLst>
-              <a:gd name="adj1" fmla="val 50000"/>
-            </a:avLst>
-          </a:prstGeom>
-          <a:ln w="28575">
-            <a:solidFill>
-              <a:schemeClr val="tx1"/>
-            </a:solidFill>
-            <a:tailEnd type="triangle"/>
-          </a:ln>
-        </p:spPr>
-        <p:style>
-          <a:lnRef idx="1">
-            <a:schemeClr val="accent1"/>
-          </a:lnRef>
-          <a:fillRef idx="0">
-            <a:schemeClr val="accent1"/>
-          </a:fillRef>
-          <a:effectRef idx="0">
-            <a:schemeClr val="accent1"/>
-          </a:effectRef>
-          <a:fontRef idx="minor">
-            <a:schemeClr val="tx1"/>
-          </a:fontRef>
-        </p:style>
-      </p:cxnSp>
-      <p:sp>
-        <p:nvSpPr>
-          <p:cNvPr id="83" name="Rectangle 82">
-            <a:extLst>
-              <a:ext uri="{FF2B5EF4-FFF2-40B4-BE49-F238E27FC236}">
-                <a16:creationId xmlns:a16="http://schemas.microsoft.com/office/drawing/2014/main" id="{F8A1B120-F393-4842-A471-B3278D0AC8C2}"/>
-              </a:ext>
-            </a:extLst>
-          </p:cNvPr>
-          <p:cNvSpPr/>
-          <p:nvPr/>
-        </p:nvSpPr>
-        <p:spPr>
-          <a:xfrm>
-            <a:off x="407074" y="3678934"/>
-            <a:ext cx="1440000" cy="618066"/>
-          </a:xfrm>
-          <a:prstGeom prst="rect">
-            <a:avLst/>
-          </a:prstGeom>
-        </p:spPr>
-        <p:style>
-          <a:lnRef idx="2">
-            <a:schemeClr val="accent5">
-              <a:shade val="50000"/>
-            </a:schemeClr>
-          </a:lnRef>
-          <a:fillRef idx="1">
-            <a:schemeClr val="accent5"/>
-          </a:fillRef>
-          <a:effectRef idx="0">
-            <a:schemeClr val="accent5"/>
-          </a:effectRef>
-          <a:fontRef idx="minor">
-            <a:schemeClr val="lt1"/>
-          </a:fontRef>
-        </p:style>
-        <p:txBody>
-          <a:bodyPr rtlCol="0" anchor="ctr"/>
-          <a:lstStyle/>
-          <a:p>
-            <a:pPr algn="ctr"/>
-            <a:r>
-              <a:rPr lang="zh-TW" altLang="en-US" dirty="0"/>
-              <a:t>灰階</a:t>
-            </a:r>
-            <a:endParaRPr lang="en-US" altLang="zh-TW" dirty="0"/>
-          </a:p>
-          <a:p>
-            <a:pPr algn="ctr"/>
-            <a:r>
-              <a:rPr lang="en-US" altLang="zh-TW" dirty="0"/>
-              <a:t>(Grayscale)</a:t>
-            </a:r>
-            <a:endParaRPr lang="zh-TW" altLang="en-US" dirty="0"/>
-          </a:p>
-        </p:txBody>
-      </p:sp>
-      <p:cxnSp>
-        <p:nvCxnSpPr>
-          <p:cNvPr id="86" name="Connector: Elbow 85">
-            <a:extLst>
-              <a:ext uri="{FF2B5EF4-FFF2-40B4-BE49-F238E27FC236}">
-                <a16:creationId xmlns:a16="http://schemas.microsoft.com/office/drawing/2014/main" id="{CC676E60-46DC-465D-9887-3294ADD6DCF3}"/>
-              </a:ext>
-            </a:extLst>
-          </p:cNvPr>
-          <p:cNvCxnSpPr>
-            <a:cxnSpLocks/>
-            <a:stCxn id="19" idx="2"/>
-            <a:endCxn id="83" idx="0"/>
-          </p:cNvCxnSpPr>
-          <p:nvPr/>
-        </p:nvCxnSpPr>
-        <p:spPr>
-          <a:xfrm rot="5400000">
-            <a:off x="1274064" y="2990654"/>
-            <a:ext cx="541290" cy="835270"/>
-          </a:xfrm>
-          <a:prstGeom prst="bentConnector3">
-            <a:avLst>
-              <a:gd name="adj1" fmla="val 50000"/>
-            </a:avLst>
-          </a:prstGeom>
-          <a:ln w="28575">
-            <a:solidFill>
-              <a:schemeClr val="tx1"/>
-            </a:solidFill>
-            <a:tailEnd type="triangle"/>
-          </a:ln>
-        </p:spPr>
-        <p:style>
-          <a:lnRef idx="1">
-            <a:schemeClr val="accent1"/>
-          </a:lnRef>
-          <a:fillRef idx="0">
-            <a:schemeClr val="accent1"/>
-          </a:fillRef>
-          <a:effectRef idx="0">
-            <a:schemeClr val="accent1"/>
-          </a:effectRef>
-          <a:fontRef idx="minor">
-            <a:schemeClr val="tx1"/>
-          </a:fontRef>
-        </p:style>
-      </p:cxnSp>
-    </p:spTree>
-    <p:extLst>
-      <p:ext uri="{BB962C8B-B14F-4D97-AF65-F5344CB8AC3E}">
-        <p14:creationId xmlns:p14="http://schemas.microsoft.com/office/powerpoint/2010/main" val="1395280065"/>
-      </p:ext>
-    </p:extLst>
-  </p:cSld>
-  <p:clrMapOvr>
-    <a:masterClrMapping/>
-  </p:clrMapOvr>
-</p:sld>
-</file>
-
-<file path=ppt/slides/slide4.xml><?xml version="1.0" encoding="utf-8"?>
+<file path=ppt/slides/slide12.xml><?xml version="1.0" encoding="utf-8"?>
 <p:sld xmlns:a="http://schemas.openxmlformats.org/drawingml/2006/main" xmlns:r="http://schemas.openxmlformats.org/officeDocument/2006/relationships" xmlns:p="http://schemas.openxmlformats.org/presentationml/2006/main">
   <p:cSld>
     <p:spTree>
@@ -7713,7 +6078,7 @@
     </p:spTree>
     <p:extLst>
       <p:ext uri="{BB962C8B-B14F-4D97-AF65-F5344CB8AC3E}">
-        <p14:creationId xmlns:p14="http://schemas.microsoft.com/office/powerpoint/2010/main" val="4286049701"/>
+        <p14:creationId xmlns:p14="http://schemas.microsoft.com/office/powerpoint/2010/main" val="1256892051"/>
       </p:ext>
     </p:extLst>
   </p:cSld>
@@ -7723,7 +6088,7 @@
 </p:sld>
 </file>
 
-<file path=ppt/slides/slide5.xml><?xml version="1.0" encoding="utf-8"?>
+<file path=ppt/slides/slide13.xml><?xml version="1.0" encoding="utf-8"?>
 <p:sld xmlns:a="http://schemas.openxmlformats.org/drawingml/2006/main" xmlns:r="http://schemas.openxmlformats.org/officeDocument/2006/relationships" xmlns:p="http://schemas.openxmlformats.org/presentationml/2006/main">
   <p:cSld>
     <p:spTree>
@@ -9764,8 +8129,8 @@
             <a:chExt cx="1045080" cy="322200"/>
           </a:xfrm>
         </p:grpSpPr>
-        <mc:AlternateContent xmlns:mc="http://schemas.openxmlformats.org/markup-compatibility/2006">
-          <mc:Choice xmlns:p14="http://schemas.microsoft.com/office/powerpoint/2010/main" Requires="p14">
+        <mc:AlternateContent xmlns:mc="http://schemas.openxmlformats.org/markup-compatibility/2006" xmlns:p14="http://schemas.microsoft.com/office/powerpoint/2010/main">
+          <mc:Choice Requires="p14">
             <p:contentPart p14:bwMode="auto" r:id="rId2">
               <p14:nvContentPartPr>
                 <p14:cNvPr id="188" name="Ink 187">
@@ -9784,7 +8149,7 @@
               </p14:xfrm>
             </p:contentPart>
           </mc:Choice>
-          <mc:Fallback>
+          <mc:Fallback xmlns="">
             <p:pic>
               <p:nvPicPr>
                 <p:cNvPr id="188" name="Ink 187">
@@ -9815,8 +8180,8 @@
             </p:pic>
           </mc:Fallback>
         </mc:AlternateContent>
-        <mc:AlternateContent xmlns:mc="http://schemas.openxmlformats.org/markup-compatibility/2006">
-          <mc:Choice xmlns:p14="http://schemas.microsoft.com/office/powerpoint/2010/main" Requires="p14">
+        <mc:AlternateContent xmlns:mc="http://schemas.openxmlformats.org/markup-compatibility/2006" xmlns:p14="http://schemas.microsoft.com/office/powerpoint/2010/main">
+          <mc:Choice Requires="p14">
             <p:contentPart p14:bwMode="auto" r:id="rId4">
               <p14:nvContentPartPr>
                 <p14:cNvPr id="189" name="Ink 188">
@@ -9835,7 +8200,7 @@
               </p14:xfrm>
             </p:contentPart>
           </mc:Choice>
-          <mc:Fallback>
+          <mc:Fallback xmlns="">
             <p:pic>
               <p:nvPicPr>
                 <p:cNvPr id="189" name="Ink 188">
@@ -9960,8 +8325,8 @@
             <a:chExt cx="1045080" cy="322200"/>
           </a:xfrm>
         </p:grpSpPr>
-        <mc:AlternateContent xmlns:mc="http://schemas.openxmlformats.org/markup-compatibility/2006">
-          <mc:Choice xmlns:p14="http://schemas.microsoft.com/office/powerpoint/2010/main" Requires="p14">
+        <mc:AlternateContent xmlns:mc="http://schemas.openxmlformats.org/markup-compatibility/2006" xmlns:p14="http://schemas.microsoft.com/office/powerpoint/2010/main">
+          <mc:Choice Requires="p14">
             <p:contentPart p14:bwMode="auto" r:id="rId6">
               <p14:nvContentPartPr>
                 <p14:cNvPr id="197" name="Ink 196">
@@ -9980,7 +8345,7 @@
               </p14:xfrm>
             </p:contentPart>
           </mc:Choice>
-          <mc:Fallback>
+          <mc:Fallback xmlns="">
             <p:pic>
               <p:nvPicPr>
                 <p:cNvPr id="197" name="Ink 196">
@@ -10011,8 +8376,8 @@
             </p:pic>
           </mc:Fallback>
         </mc:AlternateContent>
-        <mc:AlternateContent xmlns:mc="http://schemas.openxmlformats.org/markup-compatibility/2006">
-          <mc:Choice xmlns:p14="http://schemas.microsoft.com/office/powerpoint/2010/main" Requires="p14">
+        <mc:AlternateContent xmlns:mc="http://schemas.openxmlformats.org/markup-compatibility/2006" xmlns:p14="http://schemas.microsoft.com/office/powerpoint/2010/main">
+          <mc:Choice Requires="p14">
             <p:contentPart p14:bwMode="auto" r:id="rId8">
               <p14:nvContentPartPr>
                 <p14:cNvPr id="198" name="Ink 197">
@@ -10031,7 +8396,7 @@
               </p14:xfrm>
             </p:contentPart>
           </mc:Choice>
-          <mc:Fallback>
+          <mc:Fallback xmlns="">
             <p:pic>
               <p:nvPicPr>
                 <p:cNvPr id="198" name="Ink 197">
@@ -10110,7 +8475,3940 @@
     </p:spTree>
     <p:extLst>
       <p:ext uri="{BB962C8B-B14F-4D97-AF65-F5344CB8AC3E}">
-        <p14:creationId xmlns:p14="http://schemas.microsoft.com/office/powerpoint/2010/main" val="1209422496"/>
+        <p14:creationId xmlns:p14="http://schemas.microsoft.com/office/powerpoint/2010/main" val="3144777562"/>
+      </p:ext>
+    </p:extLst>
+  </p:cSld>
+  <p:clrMapOvr>
+    <a:masterClrMapping/>
+  </p:clrMapOvr>
+</p:sld>
+</file>
+
+<file path=ppt/slides/slide2.xml><?xml version="1.0" encoding="utf-8"?>
+<p:sld xmlns:a="http://schemas.openxmlformats.org/drawingml/2006/main" xmlns:r="http://schemas.openxmlformats.org/officeDocument/2006/relationships" xmlns:p="http://schemas.openxmlformats.org/presentationml/2006/main">
+  <p:cSld>
+    <p:spTree>
+      <p:nvGrpSpPr>
+        <p:cNvPr id="1" name=""/>
+        <p:cNvGrpSpPr/>
+        <p:nvPr/>
+      </p:nvGrpSpPr>
+      <p:grpSpPr>
+        <a:xfrm>
+          <a:off x="0" y="0"/>
+          <a:ext cx="0" cy="0"/>
+          <a:chOff x="0" y="0"/>
+          <a:chExt cx="0" cy="0"/>
+        </a:xfrm>
+      </p:grpSpPr>
+      <p:sp>
+        <p:nvSpPr>
+          <p:cNvPr id="2" name="Title 1">
+            <a:extLst>
+              <a:ext uri="{FF2B5EF4-FFF2-40B4-BE49-F238E27FC236}">
+                <a16:creationId xmlns:a16="http://schemas.microsoft.com/office/drawing/2014/main" id="{0DFA325B-31E5-41DC-93DE-054EDED2BDFE}"/>
+              </a:ext>
+            </a:extLst>
+          </p:cNvPr>
+          <p:cNvSpPr>
+            <a:spLocks noGrp="1"/>
+          </p:cNvSpPr>
+          <p:nvPr>
+            <p:ph type="title"/>
+          </p:nvPr>
+        </p:nvSpPr>
+        <p:spPr>
+          <a:xfrm>
+            <a:off x="838199" y="365125"/>
+            <a:ext cx="10515600" cy="1325563"/>
+          </a:xfrm>
+        </p:spPr>
+        <p:txBody>
+          <a:bodyPr/>
+          <a:lstStyle/>
+          <a:p>
+            <a:r>
+              <a:rPr lang="en-US" altLang="zh-TW" dirty="0"/>
+              <a:t>Requirement</a:t>
+            </a:r>
+            <a:endParaRPr lang="zh-TW" altLang="en-US" dirty="0"/>
+          </a:p>
+        </p:txBody>
+      </p:sp>
+      <p:sp>
+        <p:nvSpPr>
+          <p:cNvPr id="4" name="Content Placeholder 2">
+            <a:extLst>
+              <a:ext uri="{FF2B5EF4-FFF2-40B4-BE49-F238E27FC236}">
+                <a16:creationId xmlns:a16="http://schemas.microsoft.com/office/drawing/2014/main" id="{AC3F8999-EB39-433F-BAB5-22456FE4744A}"/>
+              </a:ext>
+            </a:extLst>
+          </p:cNvPr>
+          <p:cNvSpPr>
+            <a:spLocks noGrp="1"/>
+          </p:cNvSpPr>
+          <p:nvPr>
+            <p:ph idx="1"/>
+          </p:nvPr>
+        </p:nvSpPr>
+        <p:spPr>
+          <a:xfrm>
+            <a:off x="838199" y="1825625"/>
+            <a:ext cx="9964271" cy="4351338"/>
+          </a:xfrm>
+        </p:spPr>
+        <p:txBody>
+          <a:bodyPr/>
+          <a:lstStyle/>
+          <a:p>
+            <a:pPr lvl="1">
+              <a:lnSpc>
+                <a:spcPct val="200000"/>
+              </a:lnSpc>
+            </a:pPr>
+            <a:r>
+              <a:rPr lang="zh-TW" altLang="en-US" dirty="0"/>
+              <a:t>馬路分割</a:t>
+            </a:r>
+            <a:endParaRPr lang="en-US" altLang="zh-TW" dirty="0"/>
+          </a:p>
+          <a:p>
+            <a:pPr lvl="1">
+              <a:lnSpc>
+                <a:spcPct val="200000"/>
+              </a:lnSpc>
+            </a:pPr>
+            <a:r>
+              <a:rPr lang="zh-TW" altLang="en-US" dirty="0"/>
+              <a:t>使用</a:t>
+            </a:r>
+            <a:r>
+              <a:rPr lang="en-US" altLang="zh-TW" dirty="0"/>
+              <a:t>LBP</a:t>
+            </a:r>
+            <a:r>
+              <a:rPr lang="zh-TW" altLang="en-US" dirty="0"/>
+              <a:t>和</a:t>
+            </a:r>
+            <a:r>
+              <a:rPr lang="en-US" altLang="zh-TW" dirty="0"/>
+              <a:t>BFS</a:t>
+            </a:r>
+            <a:r>
+              <a:rPr lang="zh-TW" altLang="en-US" dirty="0"/>
+              <a:t>或</a:t>
+            </a:r>
+            <a:r>
+              <a:rPr lang="en-US" altLang="zh-TW" dirty="0"/>
+              <a:t>DFS</a:t>
+            </a:r>
+          </a:p>
+        </p:txBody>
+      </p:sp>
+    </p:spTree>
+    <p:extLst>
+      <p:ext uri="{BB962C8B-B14F-4D97-AF65-F5344CB8AC3E}">
+        <p14:creationId xmlns:p14="http://schemas.microsoft.com/office/powerpoint/2010/main" val="672167853"/>
+      </p:ext>
+    </p:extLst>
+  </p:cSld>
+  <p:clrMapOvr>
+    <a:masterClrMapping/>
+  </p:clrMapOvr>
+</p:sld>
+</file>
+
+<file path=ppt/slides/slide3.xml><?xml version="1.0" encoding="utf-8"?>
+<p:sld xmlns:a="http://schemas.openxmlformats.org/drawingml/2006/main" xmlns:r="http://schemas.openxmlformats.org/officeDocument/2006/relationships" xmlns:p="http://schemas.openxmlformats.org/presentationml/2006/main">
+  <p:cSld>
+    <p:spTree>
+      <p:nvGrpSpPr>
+        <p:cNvPr id="1" name=""/>
+        <p:cNvGrpSpPr/>
+        <p:nvPr/>
+      </p:nvGrpSpPr>
+      <p:grpSpPr>
+        <a:xfrm>
+          <a:off x="0" y="0"/>
+          <a:ext cx="0" cy="0"/>
+          <a:chOff x="0" y="0"/>
+          <a:chExt cx="0" cy="0"/>
+        </a:xfrm>
+      </p:grpSpPr>
+      <p:sp>
+        <p:nvSpPr>
+          <p:cNvPr id="17" name="Title 1">
+            <a:extLst>
+              <a:ext uri="{FF2B5EF4-FFF2-40B4-BE49-F238E27FC236}">
+                <a16:creationId xmlns:a16="http://schemas.microsoft.com/office/drawing/2014/main" id="{7A478E1C-5D24-43B3-91F2-36D6F0998623}"/>
+              </a:ext>
+            </a:extLst>
+          </p:cNvPr>
+          <p:cNvSpPr>
+            <a:spLocks noGrp="1"/>
+          </p:cNvSpPr>
+          <p:nvPr>
+            <p:ph type="title"/>
+          </p:nvPr>
+        </p:nvSpPr>
+        <p:spPr>
+          <a:xfrm>
+            <a:off x="488576" y="-3210"/>
+            <a:ext cx="10515600" cy="1325563"/>
+          </a:xfrm>
+        </p:spPr>
+        <p:txBody>
+          <a:bodyPr/>
+          <a:lstStyle/>
+          <a:p>
+            <a:r>
+              <a:rPr lang="en-US" altLang="zh-TW" dirty="0"/>
+              <a:t>Breakdown</a:t>
+            </a:r>
+            <a:endParaRPr lang="zh-TW" altLang="en-US" dirty="0"/>
+          </a:p>
+        </p:txBody>
+      </p:sp>
+      <p:sp>
+        <p:nvSpPr>
+          <p:cNvPr id="24" name="Rectangle 23">
+            <a:extLst>
+              <a:ext uri="{FF2B5EF4-FFF2-40B4-BE49-F238E27FC236}">
+                <a16:creationId xmlns:a16="http://schemas.microsoft.com/office/drawing/2014/main" id="{E99D72EA-E656-406B-A49B-C116DB539AC4}"/>
+              </a:ext>
+            </a:extLst>
+          </p:cNvPr>
+          <p:cNvSpPr/>
+          <p:nvPr/>
+        </p:nvSpPr>
+        <p:spPr>
+          <a:xfrm>
+            <a:off x="1896515" y="3676904"/>
+            <a:ext cx="1310886" cy="618066"/>
+          </a:xfrm>
+          <a:prstGeom prst="rect">
+            <a:avLst/>
+          </a:prstGeom>
+        </p:spPr>
+        <p:style>
+          <a:lnRef idx="2">
+            <a:schemeClr val="accent5">
+              <a:shade val="50000"/>
+            </a:schemeClr>
+          </a:lnRef>
+          <a:fillRef idx="1">
+            <a:schemeClr val="accent5"/>
+          </a:fillRef>
+          <a:effectRef idx="0">
+            <a:schemeClr val="accent5"/>
+          </a:effectRef>
+          <a:fontRef idx="minor">
+            <a:schemeClr val="lt1"/>
+          </a:fontRef>
+        </p:style>
+        <p:txBody>
+          <a:bodyPr rtlCol="0" anchor="ctr"/>
+          <a:lstStyle/>
+          <a:p>
+            <a:pPr algn="ctr"/>
+            <a:r>
+              <a:rPr lang="zh-TW" altLang="en-US" dirty="0"/>
+              <a:t>抓邊</a:t>
+            </a:r>
+            <a:endParaRPr lang="en-US" altLang="zh-TW" dirty="0"/>
+          </a:p>
+          <a:p>
+            <a:pPr algn="ctr"/>
+            <a:r>
+              <a:rPr lang="en-US" altLang="zh-TW" dirty="0"/>
+              <a:t>(Sobel)</a:t>
+            </a:r>
+            <a:endParaRPr lang="zh-TW" altLang="en-US" dirty="0"/>
+          </a:p>
+        </p:txBody>
+      </p:sp>
+      <p:sp>
+        <p:nvSpPr>
+          <p:cNvPr id="25" name="Rectangle 24">
+            <a:extLst>
+              <a:ext uri="{FF2B5EF4-FFF2-40B4-BE49-F238E27FC236}">
+                <a16:creationId xmlns:a16="http://schemas.microsoft.com/office/drawing/2014/main" id="{BF222FEF-8B05-4AB8-A4F4-D3A596A76857}"/>
+              </a:ext>
+            </a:extLst>
+          </p:cNvPr>
+          <p:cNvSpPr/>
+          <p:nvPr/>
+        </p:nvSpPr>
+        <p:spPr>
+          <a:xfrm>
+            <a:off x="2804218" y="2518641"/>
+            <a:ext cx="1794678" cy="853326"/>
+          </a:xfrm>
+          <a:prstGeom prst="rect">
+            <a:avLst/>
+          </a:prstGeom>
+        </p:spPr>
+        <p:style>
+          <a:lnRef idx="2">
+            <a:schemeClr val="accent5">
+              <a:shade val="50000"/>
+            </a:schemeClr>
+          </a:lnRef>
+          <a:fillRef idx="1">
+            <a:schemeClr val="accent5"/>
+          </a:fillRef>
+          <a:effectRef idx="0">
+            <a:schemeClr val="accent5"/>
+          </a:effectRef>
+          <a:fontRef idx="minor">
+            <a:schemeClr val="lt1"/>
+          </a:fontRef>
+        </p:style>
+        <p:txBody>
+          <a:bodyPr rtlCol="0" anchor="ctr"/>
+          <a:lstStyle/>
+          <a:p>
+            <a:pPr algn="ctr"/>
+            <a:r>
+              <a:rPr lang="zh-TW" altLang="en-US" dirty="0"/>
+              <a:t>紋路</a:t>
+            </a:r>
+            <a:endParaRPr lang="en-US" altLang="zh-TW" dirty="0"/>
+          </a:p>
+          <a:p>
+            <a:pPr algn="ctr"/>
+            <a:r>
+              <a:rPr lang="en-US" altLang="zh-TW" dirty="0"/>
+              <a:t>(</a:t>
+            </a:r>
+            <a:r>
+              <a:rPr lang="en-US" altLang="zh-TW" dirty="0" err="1"/>
+              <a:t>get_lbp_image</a:t>
+            </a:r>
+            <a:r>
+              <a:rPr lang="en-US" altLang="zh-TW" dirty="0"/>
+              <a:t>)</a:t>
+            </a:r>
+          </a:p>
+        </p:txBody>
+      </p:sp>
+      <p:sp>
+        <p:nvSpPr>
+          <p:cNvPr id="27" name="Rectangle 26">
+            <a:extLst>
+              <a:ext uri="{FF2B5EF4-FFF2-40B4-BE49-F238E27FC236}">
+                <a16:creationId xmlns:a16="http://schemas.microsoft.com/office/drawing/2014/main" id="{35F8F078-9CA8-4AC6-BEAF-8EAA6BF8ACE9}"/>
+              </a:ext>
+            </a:extLst>
+          </p:cNvPr>
+          <p:cNvSpPr/>
+          <p:nvPr/>
+        </p:nvSpPr>
+        <p:spPr>
+          <a:xfrm>
+            <a:off x="9839040" y="2526425"/>
+            <a:ext cx="1165136" cy="618066"/>
+          </a:xfrm>
+          <a:prstGeom prst="rect">
+            <a:avLst/>
+          </a:prstGeom>
+        </p:spPr>
+        <p:style>
+          <a:lnRef idx="2">
+            <a:schemeClr val="accent5">
+              <a:shade val="50000"/>
+            </a:schemeClr>
+          </a:lnRef>
+          <a:fillRef idx="1">
+            <a:schemeClr val="accent5"/>
+          </a:fillRef>
+          <a:effectRef idx="0">
+            <a:schemeClr val="accent5"/>
+          </a:effectRef>
+          <a:fontRef idx="minor">
+            <a:schemeClr val="lt1"/>
+          </a:fontRef>
+        </p:style>
+        <p:txBody>
+          <a:bodyPr rtlCol="0" anchor="ctr"/>
+          <a:lstStyle/>
+          <a:p>
+            <a:pPr algn="ctr"/>
+            <a:r>
+              <a:rPr lang="zh-TW" altLang="en-US" dirty="0"/>
+              <a:t>上色</a:t>
+            </a:r>
+            <a:endParaRPr lang="en-US" altLang="zh-TW" dirty="0"/>
+          </a:p>
+          <a:p>
+            <a:pPr algn="ctr"/>
+            <a:r>
+              <a:rPr lang="en-US" altLang="zh-TW" dirty="0"/>
+              <a:t>(Labeling)</a:t>
+            </a:r>
+            <a:endParaRPr lang="zh-TW" altLang="en-US" dirty="0"/>
+          </a:p>
+        </p:txBody>
+      </p:sp>
+      <p:sp>
+        <p:nvSpPr>
+          <p:cNvPr id="28" name="Rectangle 27">
+            <a:extLst>
+              <a:ext uri="{FF2B5EF4-FFF2-40B4-BE49-F238E27FC236}">
+                <a16:creationId xmlns:a16="http://schemas.microsoft.com/office/drawing/2014/main" id="{0194A11E-4E6C-4E82-8900-DA2B7E229212}"/>
+              </a:ext>
+            </a:extLst>
+          </p:cNvPr>
+          <p:cNvSpPr/>
+          <p:nvPr/>
+        </p:nvSpPr>
+        <p:spPr>
+          <a:xfrm>
+            <a:off x="4753143" y="2518641"/>
+            <a:ext cx="1440000" cy="618066"/>
+          </a:xfrm>
+          <a:prstGeom prst="rect">
+            <a:avLst/>
+          </a:prstGeom>
+        </p:spPr>
+        <p:style>
+          <a:lnRef idx="2">
+            <a:schemeClr val="accent5">
+              <a:shade val="50000"/>
+            </a:schemeClr>
+          </a:lnRef>
+          <a:fillRef idx="1">
+            <a:schemeClr val="accent5"/>
+          </a:fillRef>
+          <a:effectRef idx="0">
+            <a:schemeClr val="accent5"/>
+          </a:effectRef>
+          <a:fontRef idx="minor">
+            <a:schemeClr val="lt1"/>
+          </a:fontRef>
+        </p:style>
+        <p:txBody>
+          <a:bodyPr rtlCol="0" anchor="ctr"/>
+          <a:lstStyle/>
+          <a:p>
+            <a:pPr algn="ctr"/>
+            <a:r>
+              <a:rPr lang="zh-TW" altLang="en-US" dirty="0"/>
+              <a:t>馬路搜尋</a:t>
+            </a:r>
+          </a:p>
+        </p:txBody>
+      </p:sp>
+      <p:sp>
+        <p:nvSpPr>
+          <p:cNvPr id="29" name="Rectangle 28">
+            <a:extLst>
+              <a:ext uri="{FF2B5EF4-FFF2-40B4-BE49-F238E27FC236}">
+                <a16:creationId xmlns:a16="http://schemas.microsoft.com/office/drawing/2014/main" id="{1FDF0E32-EA4F-4E27-9904-33BCFC02D9A0}"/>
+              </a:ext>
+            </a:extLst>
+          </p:cNvPr>
+          <p:cNvSpPr/>
+          <p:nvPr/>
+        </p:nvSpPr>
+        <p:spPr>
+          <a:xfrm>
+            <a:off x="6500175" y="3676901"/>
+            <a:ext cx="1647278" cy="1078865"/>
+          </a:xfrm>
+          <a:prstGeom prst="rect">
+            <a:avLst/>
+          </a:prstGeom>
+        </p:spPr>
+        <p:style>
+          <a:lnRef idx="2">
+            <a:schemeClr val="accent5">
+              <a:shade val="50000"/>
+            </a:schemeClr>
+          </a:lnRef>
+          <a:fillRef idx="1">
+            <a:schemeClr val="accent5"/>
+          </a:fillRef>
+          <a:effectRef idx="0">
+            <a:schemeClr val="accent5"/>
+          </a:effectRef>
+          <a:fontRef idx="minor">
+            <a:schemeClr val="lt1"/>
+          </a:fontRef>
+        </p:style>
+        <p:txBody>
+          <a:bodyPr rtlCol="0" anchor="ctr"/>
+          <a:lstStyle/>
+          <a:p>
+            <a:pPr algn="ctr"/>
+            <a:r>
+              <a:rPr lang="zh-TW" altLang="en-US" dirty="0"/>
+              <a:t>值方圖前</a:t>
+            </a:r>
+            <a:r>
+              <a:rPr lang="en-US" altLang="zh-TW" dirty="0"/>
+              <a:t>N</a:t>
+            </a:r>
+            <a:r>
+              <a:rPr lang="zh-TW" altLang="en-US" dirty="0"/>
+              <a:t>大 </a:t>
+            </a:r>
+            <a:r>
+              <a:rPr lang="en-US" altLang="zh-TW" dirty="0"/>
+              <a:t>(Mode)</a:t>
+            </a:r>
+          </a:p>
+          <a:p>
+            <a:pPr algn="ctr"/>
+            <a:r>
+              <a:rPr lang="en-US" altLang="zh-TW" dirty="0"/>
+              <a:t>(</a:t>
+            </a:r>
+            <a:r>
+              <a:rPr lang="en-US" altLang="zh-TW" dirty="0" err="1"/>
+              <a:t>get_top_n_modes</a:t>
+            </a:r>
+            <a:r>
+              <a:rPr lang="en-US" altLang="zh-TW" dirty="0"/>
+              <a:t>)</a:t>
+            </a:r>
+            <a:endParaRPr lang="zh-TW" altLang="en-US" dirty="0"/>
+          </a:p>
+        </p:txBody>
+      </p:sp>
+      <p:sp>
+        <p:nvSpPr>
+          <p:cNvPr id="10" name="Rectangle 9">
+            <a:extLst>
+              <a:ext uri="{FF2B5EF4-FFF2-40B4-BE49-F238E27FC236}">
+                <a16:creationId xmlns:a16="http://schemas.microsoft.com/office/drawing/2014/main" id="{60847CBB-A3A6-4DA6-B58F-7D4CA395B3BC}"/>
+              </a:ext>
+            </a:extLst>
+          </p:cNvPr>
+          <p:cNvSpPr/>
+          <p:nvPr/>
+        </p:nvSpPr>
+        <p:spPr>
+          <a:xfrm>
+            <a:off x="5692824" y="326842"/>
+            <a:ext cx="2243666" cy="852388"/>
+          </a:xfrm>
+          <a:prstGeom prst="rect">
+            <a:avLst/>
+          </a:prstGeom>
+        </p:spPr>
+        <p:style>
+          <a:lnRef idx="2">
+            <a:schemeClr val="accent5">
+              <a:shade val="50000"/>
+            </a:schemeClr>
+          </a:lnRef>
+          <a:fillRef idx="1">
+            <a:schemeClr val="accent5"/>
+          </a:fillRef>
+          <a:effectRef idx="0">
+            <a:schemeClr val="accent5"/>
+          </a:effectRef>
+          <a:fontRef idx="minor">
+            <a:schemeClr val="lt1"/>
+          </a:fontRef>
+        </p:style>
+        <p:txBody>
+          <a:bodyPr rtlCol="0" anchor="ctr"/>
+          <a:lstStyle/>
+          <a:p>
+            <a:pPr algn="ctr"/>
+            <a:r>
+              <a:rPr lang="zh-TW" altLang="en-US" dirty="0"/>
+              <a:t>馬路分割</a:t>
+            </a:r>
+          </a:p>
+        </p:txBody>
+      </p:sp>
+      <p:cxnSp>
+        <p:nvCxnSpPr>
+          <p:cNvPr id="6" name="Connector: Elbow 5">
+            <a:extLst>
+              <a:ext uri="{FF2B5EF4-FFF2-40B4-BE49-F238E27FC236}">
+                <a16:creationId xmlns:a16="http://schemas.microsoft.com/office/drawing/2014/main" id="{5A1CAAE4-868D-4833-AC78-3AFFEA88A408}"/>
+              </a:ext>
+            </a:extLst>
+          </p:cNvPr>
+          <p:cNvCxnSpPr>
+            <a:cxnSpLocks/>
+            <a:stCxn id="10" idx="2"/>
+            <a:endCxn id="19" idx="0"/>
+          </p:cNvCxnSpPr>
+          <p:nvPr/>
+        </p:nvCxnSpPr>
+        <p:spPr>
+          <a:xfrm rot="5400000">
+            <a:off x="3634886" y="-660193"/>
+            <a:ext cx="1340348" cy="5019195"/>
+          </a:xfrm>
+          <a:prstGeom prst="bentConnector3">
+            <a:avLst>
+              <a:gd name="adj1" fmla="val 50000"/>
+            </a:avLst>
+          </a:prstGeom>
+          <a:ln w="28575">
+            <a:solidFill>
+              <a:schemeClr val="tx1"/>
+            </a:solidFill>
+            <a:tailEnd type="triangle"/>
+          </a:ln>
+        </p:spPr>
+        <p:style>
+          <a:lnRef idx="1">
+            <a:schemeClr val="accent1"/>
+          </a:lnRef>
+          <a:fillRef idx="0">
+            <a:schemeClr val="accent1"/>
+          </a:fillRef>
+          <a:effectRef idx="0">
+            <a:schemeClr val="accent1"/>
+          </a:effectRef>
+          <a:fontRef idx="minor">
+            <a:schemeClr val="tx1"/>
+          </a:fontRef>
+        </p:style>
+      </p:cxnSp>
+      <p:sp>
+        <p:nvSpPr>
+          <p:cNvPr id="19" name="Rectangle 18">
+            <a:extLst>
+              <a:ext uri="{FF2B5EF4-FFF2-40B4-BE49-F238E27FC236}">
+                <a16:creationId xmlns:a16="http://schemas.microsoft.com/office/drawing/2014/main" id="{B6290EDF-5EF2-47E7-9FFE-41B69A333D0F}"/>
+              </a:ext>
+            </a:extLst>
+          </p:cNvPr>
+          <p:cNvSpPr/>
+          <p:nvPr/>
+        </p:nvSpPr>
+        <p:spPr>
+          <a:xfrm>
+            <a:off x="895462" y="2519578"/>
+            <a:ext cx="1800000" cy="618066"/>
+          </a:xfrm>
+          <a:prstGeom prst="rect">
+            <a:avLst/>
+          </a:prstGeom>
+        </p:spPr>
+        <p:style>
+          <a:lnRef idx="2">
+            <a:schemeClr val="accent5">
+              <a:shade val="50000"/>
+            </a:schemeClr>
+          </a:lnRef>
+          <a:fillRef idx="1">
+            <a:schemeClr val="accent5"/>
+          </a:fillRef>
+          <a:effectRef idx="0">
+            <a:schemeClr val="accent5"/>
+          </a:effectRef>
+          <a:fontRef idx="minor">
+            <a:schemeClr val="lt1"/>
+          </a:fontRef>
+        </p:style>
+        <p:txBody>
+          <a:bodyPr rtlCol="0" anchor="ctr"/>
+          <a:lstStyle/>
+          <a:p>
+            <a:pPr algn="ctr"/>
+            <a:r>
+              <a:rPr lang="zh-TW" altLang="en-US" dirty="0"/>
+              <a:t>前處理</a:t>
+            </a:r>
+          </a:p>
+        </p:txBody>
+      </p:sp>
+      <p:cxnSp>
+        <p:nvCxnSpPr>
+          <p:cNvPr id="36" name="Connector: Elbow 35">
+            <a:extLst>
+              <a:ext uri="{FF2B5EF4-FFF2-40B4-BE49-F238E27FC236}">
+                <a16:creationId xmlns:a16="http://schemas.microsoft.com/office/drawing/2014/main" id="{681376B8-B122-43AE-BDFC-98CFA5F212A7}"/>
+              </a:ext>
+            </a:extLst>
+          </p:cNvPr>
+          <p:cNvCxnSpPr>
+            <a:cxnSpLocks/>
+            <a:stCxn id="10" idx="2"/>
+            <a:endCxn id="25" idx="0"/>
+          </p:cNvCxnSpPr>
+          <p:nvPr/>
+        </p:nvCxnSpPr>
+        <p:spPr>
+          <a:xfrm rot="5400000">
+            <a:off x="4588402" y="292385"/>
+            <a:ext cx="1339411" cy="3113100"/>
+          </a:xfrm>
+          <a:prstGeom prst="bentConnector3">
+            <a:avLst>
+              <a:gd name="adj1" fmla="val 50000"/>
+            </a:avLst>
+          </a:prstGeom>
+          <a:ln w="28575">
+            <a:solidFill>
+              <a:schemeClr val="tx1"/>
+            </a:solidFill>
+            <a:tailEnd type="triangle"/>
+          </a:ln>
+        </p:spPr>
+        <p:style>
+          <a:lnRef idx="1">
+            <a:schemeClr val="accent1"/>
+          </a:lnRef>
+          <a:fillRef idx="0">
+            <a:schemeClr val="accent1"/>
+          </a:fillRef>
+          <a:effectRef idx="0">
+            <a:schemeClr val="accent1"/>
+          </a:effectRef>
+          <a:fontRef idx="minor">
+            <a:schemeClr val="tx1"/>
+          </a:fontRef>
+        </p:style>
+      </p:cxnSp>
+      <p:sp>
+        <p:nvSpPr>
+          <p:cNvPr id="41" name="Rectangle 40">
+            <a:extLst>
+              <a:ext uri="{FF2B5EF4-FFF2-40B4-BE49-F238E27FC236}">
+                <a16:creationId xmlns:a16="http://schemas.microsoft.com/office/drawing/2014/main" id="{FE763125-3B1E-4DD7-A1C0-F9B063EC5445}"/>
+              </a:ext>
+            </a:extLst>
+          </p:cNvPr>
+          <p:cNvSpPr/>
+          <p:nvPr/>
+        </p:nvSpPr>
+        <p:spPr>
+          <a:xfrm>
+            <a:off x="7011629" y="2518641"/>
+            <a:ext cx="2243666" cy="853326"/>
+          </a:xfrm>
+          <a:prstGeom prst="rect">
+            <a:avLst/>
+          </a:prstGeom>
+        </p:spPr>
+        <p:style>
+          <a:lnRef idx="2">
+            <a:schemeClr val="accent5">
+              <a:shade val="50000"/>
+            </a:schemeClr>
+          </a:lnRef>
+          <a:fillRef idx="1">
+            <a:schemeClr val="accent5"/>
+          </a:fillRef>
+          <a:effectRef idx="0">
+            <a:schemeClr val="accent5"/>
+          </a:effectRef>
+          <a:fontRef idx="minor">
+            <a:schemeClr val="lt1"/>
+          </a:fontRef>
+        </p:style>
+        <p:txBody>
+          <a:bodyPr rtlCol="0" anchor="ctr"/>
+          <a:lstStyle/>
+          <a:p>
+            <a:pPr algn="ctr"/>
+            <a:r>
+              <a:rPr lang="zh-TW" altLang="en-US" dirty="0"/>
+              <a:t>紋路統計值方圖</a:t>
+            </a:r>
+            <a:endParaRPr lang="en-US" altLang="zh-TW" dirty="0"/>
+          </a:p>
+          <a:p>
+            <a:pPr algn="ctr"/>
+            <a:r>
+              <a:rPr lang="en-US" altLang="zh-TW" dirty="0"/>
+              <a:t>(</a:t>
+            </a:r>
+            <a:r>
+              <a:rPr lang="en-US" altLang="zh-TW" dirty="0" err="1"/>
+              <a:t>compute_lbp_histogram</a:t>
+            </a:r>
+            <a:r>
+              <a:rPr lang="en-US" altLang="zh-TW" dirty="0"/>
+              <a:t>)</a:t>
+            </a:r>
+            <a:endParaRPr lang="zh-TW" altLang="en-US" dirty="0"/>
+          </a:p>
+        </p:txBody>
+      </p:sp>
+      <p:cxnSp>
+        <p:nvCxnSpPr>
+          <p:cNvPr id="43" name="Connector: Elbow 42">
+            <a:extLst>
+              <a:ext uri="{FF2B5EF4-FFF2-40B4-BE49-F238E27FC236}">
+                <a16:creationId xmlns:a16="http://schemas.microsoft.com/office/drawing/2014/main" id="{1BE21781-5841-41A9-B1C4-5E6C1CFB308B}"/>
+              </a:ext>
+            </a:extLst>
+          </p:cNvPr>
+          <p:cNvCxnSpPr>
+            <a:cxnSpLocks/>
+            <a:stCxn id="10" idx="2"/>
+            <a:endCxn id="41" idx="0"/>
+          </p:cNvCxnSpPr>
+          <p:nvPr/>
+        </p:nvCxnSpPr>
+        <p:spPr>
+          <a:xfrm rot="16200000" flipH="1">
+            <a:off x="6804354" y="1189532"/>
+            <a:ext cx="1339411" cy="1318805"/>
+          </a:xfrm>
+          <a:prstGeom prst="bentConnector3">
+            <a:avLst>
+              <a:gd name="adj1" fmla="val 50000"/>
+            </a:avLst>
+          </a:prstGeom>
+          <a:ln w="28575">
+            <a:solidFill>
+              <a:schemeClr val="tx1"/>
+            </a:solidFill>
+            <a:tailEnd type="triangle"/>
+          </a:ln>
+        </p:spPr>
+        <p:style>
+          <a:lnRef idx="1">
+            <a:schemeClr val="accent1"/>
+          </a:lnRef>
+          <a:fillRef idx="0">
+            <a:schemeClr val="accent1"/>
+          </a:fillRef>
+          <a:effectRef idx="0">
+            <a:schemeClr val="accent1"/>
+          </a:effectRef>
+          <a:fontRef idx="minor">
+            <a:schemeClr val="tx1"/>
+          </a:fontRef>
+        </p:style>
+      </p:cxnSp>
+      <p:cxnSp>
+        <p:nvCxnSpPr>
+          <p:cNvPr id="49" name="Connector: Elbow 48">
+            <a:extLst>
+              <a:ext uri="{FF2B5EF4-FFF2-40B4-BE49-F238E27FC236}">
+                <a16:creationId xmlns:a16="http://schemas.microsoft.com/office/drawing/2014/main" id="{1FE4C6C4-D62D-4CA6-8CEC-5E33587678BB}"/>
+              </a:ext>
+            </a:extLst>
+          </p:cNvPr>
+          <p:cNvCxnSpPr>
+            <a:cxnSpLocks/>
+            <a:stCxn id="10" idx="2"/>
+            <a:endCxn id="28" idx="0"/>
+          </p:cNvCxnSpPr>
+          <p:nvPr/>
+        </p:nvCxnSpPr>
+        <p:spPr>
+          <a:xfrm rot="5400000">
+            <a:off x="5474195" y="1178178"/>
+            <a:ext cx="1339411" cy="1341514"/>
+          </a:xfrm>
+          <a:prstGeom prst="bentConnector3">
+            <a:avLst>
+              <a:gd name="adj1" fmla="val 50000"/>
+            </a:avLst>
+          </a:prstGeom>
+          <a:ln w="28575">
+            <a:solidFill>
+              <a:schemeClr val="tx1"/>
+            </a:solidFill>
+            <a:tailEnd type="triangle"/>
+          </a:ln>
+        </p:spPr>
+        <p:style>
+          <a:lnRef idx="1">
+            <a:schemeClr val="accent1"/>
+          </a:lnRef>
+          <a:fillRef idx="0">
+            <a:schemeClr val="accent1"/>
+          </a:fillRef>
+          <a:effectRef idx="0">
+            <a:schemeClr val="accent1"/>
+          </a:effectRef>
+          <a:fontRef idx="minor">
+            <a:schemeClr val="tx1"/>
+          </a:fontRef>
+        </p:style>
+      </p:cxnSp>
+      <p:sp>
+        <p:nvSpPr>
+          <p:cNvPr id="55" name="Rectangle 54">
+            <a:extLst>
+              <a:ext uri="{FF2B5EF4-FFF2-40B4-BE49-F238E27FC236}">
+                <a16:creationId xmlns:a16="http://schemas.microsoft.com/office/drawing/2014/main" id="{757F239F-F800-48E5-A32C-6D3A9192AB93}"/>
+              </a:ext>
+            </a:extLst>
+          </p:cNvPr>
+          <p:cNvSpPr/>
+          <p:nvPr/>
+        </p:nvSpPr>
+        <p:spPr>
+          <a:xfrm>
+            <a:off x="4578990" y="3676904"/>
+            <a:ext cx="1800000" cy="618066"/>
+          </a:xfrm>
+          <a:prstGeom prst="rect">
+            <a:avLst/>
+          </a:prstGeom>
+        </p:spPr>
+        <p:style>
+          <a:lnRef idx="2">
+            <a:schemeClr val="accent5">
+              <a:shade val="50000"/>
+            </a:schemeClr>
+          </a:lnRef>
+          <a:fillRef idx="1">
+            <a:schemeClr val="accent5"/>
+          </a:fillRef>
+          <a:effectRef idx="0">
+            <a:schemeClr val="accent5"/>
+          </a:effectRef>
+          <a:fontRef idx="minor">
+            <a:schemeClr val="lt1"/>
+          </a:fontRef>
+        </p:style>
+        <p:txBody>
+          <a:bodyPr rtlCol="0" anchor="ctr"/>
+          <a:lstStyle/>
+          <a:p>
+            <a:pPr algn="ctr"/>
+            <a:r>
+              <a:rPr lang="zh-TW" altLang="en-US" dirty="0"/>
+              <a:t>廣先搜尋</a:t>
+            </a:r>
+            <a:r>
+              <a:rPr lang="en-US" altLang="zh-TW" dirty="0"/>
+              <a:t>(</a:t>
+            </a:r>
+            <a:r>
+              <a:rPr lang="en-US" altLang="zh-TW" dirty="0" err="1"/>
+              <a:t>get_bfs_kernel</a:t>
+            </a:r>
+            <a:r>
+              <a:rPr lang="en-US" altLang="zh-TW" dirty="0"/>
+              <a:t>)</a:t>
+            </a:r>
+            <a:endParaRPr lang="zh-TW" altLang="en-US" dirty="0"/>
+          </a:p>
+        </p:txBody>
+      </p:sp>
+      <p:cxnSp>
+        <p:nvCxnSpPr>
+          <p:cNvPr id="109" name="Connector: Elbow 108">
+            <a:extLst>
+              <a:ext uri="{FF2B5EF4-FFF2-40B4-BE49-F238E27FC236}">
+                <a16:creationId xmlns:a16="http://schemas.microsoft.com/office/drawing/2014/main" id="{2821458F-6FCA-47C9-985D-F62236245139}"/>
+              </a:ext>
+            </a:extLst>
+          </p:cNvPr>
+          <p:cNvCxnSpPr>
+            <a:cxnSpLocks/>
+            <a:stCxn id="41" idx="2"/>
+            <a:endCxn id="29" idx="0"/>
+          </p:cNvCxnSpPr>
+          <p:nvPr/>
+        </p:nvCxnSpPr>
+        <p:spPr>
+          <a:xfrm rot="5400000">
+            <a:off x="7576171" y="3119610"/>
+            <a:ext cx="304934" cy="809648"/>
+          </a:xfrm>
+          <a:prstGeom prst="bentConnector3">
+            <a:avLst>
+              <a:gd name="adj1" fmla="val 50000"/>
+            </a:avLst>
+          </a:prstGeom>
+          <a:ln w="28575">
+            <a:solidFill>
+              <a:schemeClr val="tx1"/>
+            </a:solidFill>
+            <a:tailEnd type="triangle"/>
+          </a:ln>
+        </p:spPr>
+        <p:style>
+          <a:lnRef idx="1">
+            <a:schemeClr val="accent1"/>
+          </a:lnRef>
+          <a:fillRef idx="0">
+            <a:schemeClr val="accent1"/>
+          </a:fillRef>
+          <a:effectRef idx="0">
+            <a:schemeClr val="accent1"/>
+          </a:effectRef>
+          <a:fontRef idx="minor">
+            <a:schemeClr val="tx1"/>
+          </a:fontRef>
+        </p:style>
+      </p:cxnSp>
+      <p:sp>
+        <p:nvSpPr>
+          <p:cNvPr id="115" name="Rectangle 114">
+            <a:extLst>
+              <a:ext uri="{FF2B5EF4-FFF2-40B4-BE49-F238E27FC236}">
+                <a16:creationId xmlns:a16="http://schemas.microsoft.com/office/drawing/2014/main" id="{88227769-DFE2-417F-9B7F-FE946A3406B1}"/>
+              </a:ext>
+            </a:extLst>
+          </p:cNvPr>
+          <p:cNvSpPr/>
+          <p:nvPr/>
+        </p:nvSpPr>
+        <p:spPr>
+          <a:xfrm>
+            <a:off x="8242948" y="3676903"/>
+            <a:ext cx="1440000" cy="1078861"/>
+          </a:xfrm>
+          <a:prstGeom prst="rect">
+            <a:avLst/>
+          </a:prstGeom>
+        </p:spPr>
+        <p:style>
+          <a:lnRef idx="2">
+            <a:schemeClr val="accent5">
+              <a:shade val="50000"/>
+            </a:schemeClr>
+          </a:lnRef>
+          <a:fillRef idx="1">
+            <a:schemeClr val="accent5"/>
+          </a:fillRef>
+          <a:effectRef idx="0">
+            <a:schemeClr val="accent5"/>
+          </a:effectRef>
+          <a:fontRef idx="minor">
+            <a:schemeClr val="lt1"/>
+          </a:fontRef>
+        </p:style>
+        <p:txBody>
+          <a:bodyPr rtlCol="0" anchor="ctr"/>
+          <a:lstStyle/>
+          <a:p>
+            <a:pPr algn="ctr"/>
+            <a:r>
+              <a:rPr lang="en-US" altLang="zh-TW" sz="1600" dirty="0"/>
+              <a:t>Mode </a:t>
+            </a:r>
+            <a:r>
+              <a:rPr lang="zh-TW" altLang="en-US" sz="1600" dirty="0"/>
+              <a:t>距離比對</a:t>
+            </a:r>
+            <a:endParaRPr lang="en-US" altLang="zh-TW" sz="1600" dirty="0"/>
+          </a:p>
+          <a:p>
+            <a:pPr algn="ctr"/>
+            <a:r>
+              <a:rPr lang="en-US" altLang="zh-TW" sz="1600" dirty="0"/>
+              <a:t>(</a:t>
+            </a:r>
+            <a:r>
+              <a:rPr lang="en-US" altLang="zh-TW" sz="1600" dirty="0" err="1"/>
+              <a:t>dist_compare</a:t>
+            </a:r>
+            <a:r>
+              <a:rPr lang="en-US" altLang="zh-TW" sz="1600" dirty="0"/>
+              <a:t>)</a:t>
+            </a:r>
+            <a:endParaRPr lang="zh-TW" altLang="en-US" sz="1600" dirty="0"/>
+          </a:p>
+        </p:txBody>
+      </p:sp>
+      <p:cxnSp>
+        <p:nvCxnSpPr>
+          <p:cNvPr id="120" name="Connector: Elbow 119">
+            <a:extLst>
+              <a:ext uri="{FF2B5EF4-FFF2-40B4-BE49-F238E27FC236}">
+                <a16:creationId xmlns:a16="http://schemas.microsoft.com/office/drawing/2014/main" id="{5FF575A9-C470-4BCD-850A-63BA04E32426}"/>
+              </a:ext>
+            </a:extLst>
+          </p:cNvPr>
+          <p:cNvCxnSpPr>
+            <a:cxnSpLocks/>
+            <a:stCxn id="10" idx="2"/>
+            <a:endCxn id="27" idx="0"/>
+          </p:cNvCxnSpPr>
+          <p:nvPr/>
+        </p:nvCxnSpPr>
+        <p:spPr>
+          <a:xfrm rot="16200000" flipH="1">
+            <a:off x="7944535" y="49351"/>
+            <a:ext cx="1347195" cy="3606951"/>
+          </a:xfrm>
+          <a:prstGeom prst="bentConnector3">
+            <a:avLst>
+              <a:gd name="adj1" fmla="val 50000"/>
+            </a:avLst>
+          </a:prstGeom>
+          <a:ln w="28575">
+            <a:solidFill>
+              <a:schemeClr val="tx1"/>
+            </a:solidFill>
+            <a:tailEnd type="triangle"/>
+          </a:ln>
+        </p:spPr>
+        <p:style>
+          <a:lnRef idx="1">
+            <a:schemeClr val="accent1"/>
+          </a:lnRef>
+          <a:fillRef idx="0">
+            <a:schemeClr val="accent1"/>
+          </a:fillRef>
+          <a:effectRef idx="0">
+            <a:schemeClr val="accent1"/>
+          </a:effectRef>
+          <a:fontRef idx="minor">
+            <a:schemeClr val="tx1"/>
+          </a:fontRef>
+        </p:style>
+      </p:cxnSp>
+      <p:cxnSp>
+        <p:nvCxnSpPr>
+          <p:cNvPr id="45" name="Straight Arrow Connector 44">
+            <a:extLst>
+              <a:ext uri="{FF2B5EF4-FFF2-40B4-BE49-F238E27FC236}">
+                <a16:creationId xmlns:a16="http://schemas.microsoft.com/office/drawing/2014/main" id="{F2EC815F-26A7-4859-8A44-F1D95A61D878}"/>
+              </a:ext>
+            </a:extLst>
+          </p:cNvPr>
+          <p:cNvCxnSpPr>
+            <a:cxnSpLocks/>
+            <a:stCxn id="28" idx="2"/>
+            <a:endCxn id="55" idx="0"/>
+          </p:cNvCxnSpPr>
+          <p:nvPr/>
+        </p:nvCxnSpPr>
+        <p:spPr>
+          <a:xfrm>
+            <a:off x="5473143" y="3136707"/>
+            <a:ext cx="5847" cy="540197"/>
+          </a:xfrm>
+          <a:prstGeom prst="straightConnector1">
+            <a:avLst/>
+          </a:prstGeom>
+          <a:ln w="28575">
+            <a:solidFill>
+              <a:schemeClr val="tx1"/>
+            </a:solidFill>
+            <a:tailEnd type="triangle"/>
+          </a:ln>
+        </p:spPr>
+        <p:style>
+          <a:lnRef idx="1">
+            <a:schemeClr val="accent1"/>
+          </a:lnRef>
+          <a:fillRef idx="0">
+            <a:schemeClr val="accent1"/>
+          </a:fillRef>
+          <a:effectRef idx="0">
+            <a:schemeClr val="accent1"/>
+          </a:effectRef>
+          <a:fontRef idx="minor">
+            <a:schemeClr val="tx1"/>
+          </a:fontRef>
+        </p:style>
+      </p:cxnSp>
+      <p:cxnSp>
+        <p:nvCxnSpPr>
+          <p:cNvPr id="54" name="Connector: Elbow 53">
+            <a:extLst>
+              <a:ext uri="{FF2B5EF4-FFF2-40B4-BE49-F238E27FC236}">
+                <a16:creationId xmlns:a16="http://schemas.microsoft.com/office/drawing/2014/main" id="{22E40CD1-FDD5-4C66-806D-F4612E5CFC06}"/>
+              </a:ext>
+            </a:extLst>
+          </p:cNvPr>
+          <p:cNvCxnSpPr>
+            <a:cxnSpLocks/>
+            <a:stCxn id="41" idx="2"/>
+            <a:endCxn id="115" idx="0"/>
+          </p:cNvCxnSpPr>
+          <p:nvPr/>
+        </p:nvCxnSpPr>
+        <p:spPr>
+          <a:xfrm rot="16200000" flipH="1">
+            <a:off x="8395737" y="3109692"/>
+            <a:ext cx="304936" cy="829486"/>
+          </a:xfrm>
+          <a:prstGeom prst="bentConnector3">
+            <a:avLst>
+              <a:gd name="adj1" fmla="val 50000"/>
+            </a:avLst>
+          </a:prstGeom>
+          <a:ln w="28575">
+            <a:solidFill>
+              <a:schemeClr val="tx1"/>
+            </a:solidFill>
+            <a:tailEnd type="triangle"/>
+          </a:ln>
+        </p:spPr>
+        <p:style>
+          <a:lnRef idx="1">
+            <a:schemeClr val="accent1"/>
+          </a:lnRef>
+          <a:fillRef idx="0">
+            <a:schemeClr val="accent1"/>
+          </a:fillRef>
+          <a:effectRef idx="0">
+            <a:schemeClr val="accent1"/>
+          </a:effectRef>
+          <a:fontRef idx="minor">
+            <a:schemeClr val="tx1"/>
+          </a:fontRef>
+        </p:style>
+      </p:cxnSp>
+      <p:sp>
+        <p:nvSpPr>
+          <p:cNvPr id="71" name="Rectangle 70">
+            <a:extLst>
+              <a:ext uri="{FF2B5EF4-FFF2-40B4-BE49-F238E27FC236}">
+                <a16:creationId xmlns:a16="http://schemas.microsoft.com/office/drawing/2014/main" id="{B3AC97DC-B15C-4265-A376-21D2707D7072}"/>
+              </a:ext>
+            </a:extLst>
+          </p:cNvPr>
+          <p:cNvSpPr/>
+          <p:nvPr/>
+        </p:nvSpPr>
+        <p:spPr>
+          <a:xfrm>
+            <a:off x="7413462" y="5060704"/>
+            <a:ext cx="1440000" cy="900000"/>
+          </a:xfrm>
+          <a:prstGeom prst="rect">
+            <a:avLst/>
+          </a:prstGeom>
+        </p:spPr>
+        <p:style>
+          <a:lnRef idx="2">
+            <a:schemeClr val="accent5">
+              <a:shade val="50000"/>
+            </a:schemeClr>
+          </a:lnRef>
+          <a:fillRef idx="1">
+            <a:schemeClr val="accent5"/>
+          </a:fillRef>
+          <a:effectRef idx="0">
+            <a:schemeClr val="accent5"/>
+          </a:effectRef>
+          <a:fontRef idx="minor">
+            <a:schemeClr val="lt1"/>
+          </a:fontRef>
+        </p:style>
+        <p:txBody>
+          <a:bodyPr rtlCol="0" anchor="ctr"/>
+          <a:lstStyle/>
+          <a:p>
+            <a:pPr algn="ctr"/>
+            <a:r>
+              <a:rPr lang="zh-TW" altLang="en-US" dirty="0"/>
+              <a:t>前</a:t>
+            </a:r>
+            <a:r>
+              <a:rPr lang="en-US" altLang="zh-TW" dirty="0"/>
+              <a:t>N</a:t>
+            </a:r>
+            <a:r>
+              <a:rPr lang="zh-TW" altLang="en-US" dirty="0"/>
+              <a:t> </a:t>
+            </a:r>
+            <a:r>
+              <a:rPr lang="en-US" altLang="zh-TW" dirty="0"/>
+              <a:t>Mode</a:t>
+            </a:r>
+            <a:r>
+              <a:rPr lang="zh-TW" altLang="en-US" dirty="0"/>
+              <a:t> 距離</a:t>
+            </a:r>
+            <a:endParaRPr lang="en-US" altLang="zh-TW" dirty="0"/>
+          </a:p>
+        </p:txBody>
+      </p:sp>
+      <p:cxnSp>
+        <p:nvCxnSpPr>
+          <p:cNvPr id="72" name="Connector: Elbow 71">
+            <a:extLst>
+              <a:ext uri="{FF2B5EF4-FFF2-40B4-BE49-F238E27FC236}">
+                <a16:creationId xmlns:a16="http://schemas.microsoft.com/office/drawing/2014/main" id="{02F7FB69-EC37-4EE6-9129-5D51C54AA1E3}"/>
+              </a:ext>
+            </a:extLst>
+          </p:cNvPr>
+          <p:cNvCxnSpPr>
+            <a:cxnSpLocks/>
+            <a:stCxn id="29" idx="2"/>
+            <a:endCxn id="71" idx="0"/>
+          </p:cNvCxnSpPr>
+          <p:nvPr/>
+        </p:nvCxnSpPr>
+        <p:spPr>
+          <a:xfrm rot="16200000" flipH="1">
+            <a:off x="7576169" y="4503411"/>
+            <a:ext cx="304938" cy="809648"/>
+          </a:xfrm>
+          <a:prstGeom prst="bentConnector3">
+            <a:avLst>
+              <a:gd name="adj1" fmla="val 50000"/>
+            </a:avLst>
+          </a:prstGeom>
+          <a:ln w="28575">
+            <a:solidFill>
+              <a:schemeClr val="tx1"/>
+            </a:solidFill>
+            <a:tailEnd type="triangle"/>
+          </a:ln>
+        </p:spPr>
+        <p:style>
+          <a:lnRef idx="1">
+            <a:schemeClr val="accent1"/>
+          </a:lnRef>
+          <a:fillRef idx="0">
+            <a:schemeClr val="accent1"/>
+          </a:fillRef>
+          <a:effectRef idx="0">
+            <a:schemeClr val="accent1"/>
+          </a:effectRef>
+          <a:fontRef idx="minor">
+            <a:schemeClr val="tx1"/>
+          </a:fontRef>
+        </p:style>
+      </p:cxnSp>
+      <p:cxnSp>
+        <p:nvCxnSpPr>
+          <p:cNvPr id="80" name="Connector: Elbow 79">
+            <a:extLst>
+              <a:ext uri="{FF2B5EF4-FFF2-40B4-BE49-F238E27FC236}">
+                <a16:creationId xmlns:a16="http://schemas.microsoft.com/office/drawing/2014/main" id="{5B95D257-35E4-4049-AC05-6A862EB6DAD2}"/>
+              </a:ext>
+            </a:extLst>
+          </p:cNvPr>
+          <p:cNvCxnSpPr>
+            <a:cxnSpLocks/>
+            <a:stCxn id="19" idx="2"/>
+            <a:endCxn id="24" idx="0"/>
+          </p:cNvCxnSpPr>
+          <p:nvPr/>
+        </p:nvCxnSpPr>
+        <p:spPr>
+          <a:xfrm rot="16200000" flipH="1">
+            <a:off x="1904080" y="3029026"/>
+            <a:ext cx="539260" cy="756496"/>
+          </a:xfrm>
+          <a:prstGeom prst="bentConnector3">
+            <a:avLst>
+              <a:gd name="adj1" fmla="val 50000"/>
+            </a:avLst>
+          </a:prstGeom>
+          <a:ln w="28575">
+            <a:solidFill>
+              <a:schemeClr val="tx1"/>
+            </a:solidFill>
+            <a:tailEnd type="triangle"/>
+          </a:ln>
+        </p:spPr>
+        <p:style>
+          <a:lnRef idx="1">
+            <a:schemeClr val="accent1"/>
+          </a:lnRef>
+          <a:fillRef idx="0">
+            <a:schemeClr val="accent1"/>
+          </a:fillRef>
+          <a:effectRef idx="0">
+            <a:schemeClr val="accent1"/>
+          </a:effectRef>
+          <a:fontRef idx="minor">
+            <a:schemeClr val="tx1"/>
+          </a:fontRef>
+        </p:style>
+      </p:cxnSp>
+      <p:sp>
+        <p:nvSpPr>
+          <p:cNvPr id="83" name="Rectangle 82">
+            <a:extLst>
+              <a:ext uri="{FF2B5EF4-FFF2-40B4-BE49-F238E27FC236}">
+                <a16:creationId xmlns:a16="http://schemas.microsoft.com/office/drawing/2014/main" id="{F8A1B120-F393-4842-A471-B3278D0AC8C2}"/>
+              </a:ext>
+            </a:extLst>
+          </p:cNvPr>
+          <p:cNvSpPr/>
+          <p:nvPr/>
+        </p:nvSpPr>
+        <p:spPr>
+          <a:xfrm>
+            <a:off x="304749" y="3678934"/>
+            <a:ext cx="1310886" cy="618066"/>
+          </a:xfrm>
+          <a:prstGeom prst="rect">
+            <a:avLst/>
+          </a:prstGeom>
+        </p:spPr>
+        <p:style>
+          <a:lnRef idx="2">
+            <a:schemeClr val="accent5">
+              <a:shade val="50000"/>
+            </a:schemeClr>
+          </a:lnRef>
+          <a:fillRef idx="1">
+            <a:schemeClr val="accent5"/>
+          </a:fillRef>
+          <a:effectRef idx="0">
+            <a:schemeClr val="accent5"/>
+          </a:effectRef>
+          <a:fontRef idx="minor">
+            <a:schemeClr val="lt1"/>
+          </a:fontRef>
+        </p:style>
+        <p:txBody>
+          <a:bodyPr rtlCol="0" anchor="ctr"/>
+          <a:lstStyle/>
+          <a:p>
+            <a:pPr algn="ctr"/>
+            <a:r>
+              <a:rPr lang="zh-TW" altLang="en-US" dirty="0"/>
+              <a:t>灰階</a:t>
+            </a:r>
+            <a:endParaRPr lang="en-US" altLang="zh-TW" dirty="0"/>
+          </a:p>
+          <a:p>
+            <a:pPr algn="ctr"/>
+            <a:r>
+              <a:rPr lang="en-US" altLang="zh-TW" dirty="0"/>
+              <a:t>(Grayscale)</a:t>
+            </a:r>
+            <a:endParaRPr lang="zh-TW" altLang="en-US" dirty="0"/>
+          </a:p>
+        </p:txBody>
+      </p:sp>
+      <p:cxnSp>
+        <p:nvCxnSpPr>
+          <p:cNvPr id="86" name="Connector: Elbow 85">
+            <a:extLst>
+              <a:ext uri="{FF2B5EF4-FFF2-40B4-BE49-F238E27FC236}">
+                <a16:creationId xmlns:a16="http://schemas.microsoft.com/office/drawing/2014/main" id="{CC676E60-46DC-465D-9887-3294ADD6DCF3}"/>
+              </a:ext>
+            </a:extLst>
+          </p:cNvPr>
+          <p:cNvCxnSpPr>
+            <a:cxnSpLocks/>
+            <a:stCxn id="19" idx="2"/>
+            <a:endCxn id="83" idx="0"/>
+          </p:cNvCxnSpPr>
+          <p:nvPr/>
+        </p:nvCxnSpPr>
+        <p:spPr>
+          <a:xfrm rot="5400000">
+            <a:off x="1107182" y="2990654"/>
+            <a:ext cx="541290" cy="835270"/>
+          </a:xfrm>
+          <a:prstGeom prst="bentConnector3">
+            <a:avLst>
+              <a:gd name="adj1" fmla="val 50000"/>
+            </a:avLst>
+          </a:prstGeom>
+          <a:ln w="28575">
+            <a:solidFill>
+              <a:schemeClr val="tx1"/>
+            </a:solidFill>
+            <a:tailEnd type="triangle"/>
+          </a:ln>
+        </p:spPr>
+        <p:style>
+          <a:lnRef idx="1">
+            <a:schemeClr val="accent1"/>
+          </a:lnRef>
+          <a:fillRef idx="0">
+            <a:schemeClr val="accent1"/>
+          </a:fillRef>
+          <a:effectRef idx="0">
+            <a:schemeClr val="accent1"/>
+          </a:effectRef>
+          <a:fontRef idx="minor">
+            <a:schemeClr val="tx1"/>
+          </a:fontRef>
+        </p:style>
+      </p:cxnSp>
+      <p:sp>
+        <p:nvSpPr>
+          <p:cNvPr id="60" name="TextBox 59">
+            <a:extLst>
+              <a:ext uri="{FF2B5EF4-FFF2-40B4-BE49-F238E27FC236}">
+                <a16:creationId xmlns:a16="http://schemas.microsoft.com/office/drawing/2014/main" id="{F24B4C60-96B9-4E13-820C-68ABF1A7A83A}"/>
+              </a:ext>
+            </a:extLst>
+          </p:cNvPr>
+          <p:cNvSpPr txBox="1"/>
+          <p:nvPr/>
+        </p:nvSpPr>
+        <p:spPr>
+          <a:xfrm>
+            <a:off x="6361436" y="5946003"/>
+            <a:ext cx="3477604" cy="307777"/>
+          </a:xfrm>
+          <a:prstGeom prst="rect">
+            <a:avLst/>
+          </a:prstGeom>
+          <a:noFill/>
+        </p:spPr>
+        <p:txBody>
+          <a:bodyPr wrap="square">
+            <a:spAutoFit/>
+          </a:bodyPr>
+          <a:lstStyle/>
+          <a:p>
+            <a:pPr algn="ctr"/>
+            <a:r>
+              <a:rPr lang="en-US" altLang="zh-TW" sz="1400" dirty="0"/>
+              <a:t>(</a:t>
+            </a:r>
+            <a:r>
+              <a:rPr lang="en-US" altLang="zh-TW" sz="1400" dirty="0" err="1"/>
+              <a:t>euclidean_distance_top_modes_weighted</a:t>
+            </a:r>
+            <a:r>
+              <a:rPr lang="en-US" altLang="zh-TW" sz="1400" dirty="0"/>
+              <a:t>)</a:t>
+            </a:r>
+          </a:p>
+        </p:txBody>
+      </p:sp>
+    </p:spTree>
+    <p:extLst>
+      <p:ext uri="{BB962C8B-B14F-4D97-AF65-F5344CB8AC3E}">
+        <p14:creationId xmlns:p14="http://schemas.microsoft.com/office/powerpoint/2010/main" val="1395280065"/>
+      </p:ext>
+    </p:extLst>
+  </p:cSld>
+  <p:clrMapOvr>
+    <a:masterClrMapping/>
+  </p:clrMapOvr>
+</p:sld>
+</file>
+
+<file path=ppt/slides/slide4.xml><?xml version="1.0" encoding="utf-8"?>
+<p:sld xmlns:a="http://schemas.openxmlformats.org/drawingml/2006/main" xmlns:r="http://schemas.openxmlformats.org/officeDocument/2006/relationships" xmlns:p="http://schemas.openxmlformats.org/presentationml/2006/main">
+  <p:cSld>
+    <p:spTree>
+      <p:nvGrpSpPr>
+        <p:cNvPr id="1" name=""/>
+        <p:cNvGrpSpPr/>
+        <p:nvPr/>
+      </p:nvGrpSpPr>
+      <p:grpSpPr>
+        <a:xfrm>
+          <a:off x="0" y="0"/>
+          <a:ext cx="0" cy="0"/>
+          <a:chOff x="0" y="0"/>
+          <a:chExt cx="0" cy="0"/>
+        </a:xfrm>
+      </p:grpSpPr>
+      <p:grpSp>
+        <p:nvGrpSpPr>
+          <p:cNvPr id="176" name="Group 175">
+            <a:extLst>
+              <a:ext uri="{FF2B5EF4-FFF2-40B4-BE49-F238E27FC236}">
+                <a16:creationId xmlns:a16="http://schemas.microsoft.com/office/drawing/2014/main" id="{05EBFF9D-72C1-47AA-888D-75B7EEC014DC}"/>
+              </a:ext>
+            </a:extLst>
+          </p:cNvPr>
+          <p:cNvGrpSpPr/>
+          <p:nvPr/>
+        </p:nvGrpSpPr>
+        <p:grpSpPr>
+          <a:xfrm>
+            <a:off x="3228150" y="5119744"/>
+            <a:ext cx="1532109" cy="341307"/>
+            <a:chOff x="2688187" y="3295474"/>
+            <a:chExt cx="1532109" cy="341307"/>
+          </a:xfrm>
+        </p:grpSpPr>
+        <p:cxnSp>
+          <p:nvCxnSpPr>
+            <p:cNvPr id="177" name="Straight Arrow Connector 176">
+              <a:extLst>
+                <a:ext uri="{FF2B5EF4-FFF2-40B4-BE49-F238E27FC236}">
+                  <a16:creationId xmlns:a16="http://schemas.microsoft.com/office/drawing/2014/main" id="{F4E3F911-9686-4FB4-A4DF-D9AD2CAEA732}"/>
+                </a:ext>
+              </a:extLst>
+            </p:cNvPr>
+            <p:cNvCxnSpPr>
+              <a:cxnSpLocks/>
+            </p:cNvCxnSpPr>
+            <p:nvPr/>
+          </p:nvCxnSpPr>
+          <p:spPr>
+            <a:xfrm>
+              <a:off x="2688187" y="3295474"/>
+              <a:ext cx="785199" cy="0"/>
+            </a:xfrm>
+            <a:prstGeom prst="straightConnector1">
+              <a:avLst/>
+            </a:prstGeom>
+            <a:ln w="38100">
+              <a:solidFill>
+                <a:srgbClr val="0070C0"/>
+              </a:solidFill>
+              <a:tailEnd type="triangle"/>
+            </a:ln>
+          </p:spPr>
+          <p:style>
+            <a:lnRef idx="1">
+              <a:schemeClr val="accent1"/>
+            </a:lnRef>
+            <a:fillRef idx="0">
+              <a:schemeClr val="accent1"/>
+            </a:fillRef>
+            <a:effectRef idx="0">
+              <a:schemeClr val="accent1"/>
+            </a:effectRef>
+            <a:fontRef idx="minor">
+              <a:schemeClr val="tx1"/>
+            </a:fontRef>
+          </p:style>
+        </p:cxnSp>
+        <p:sp>
+          <p:nvSpPr>
+            <p:cNvPr id="178" name="TextBox 177">
+              <a:extLst>
+                <a:ext uri="{FF2B5EF4-FFF2-40B4-BE49-F238E27FC236}">
+                  <a16:creationId xmlns:a16="http://schemas.microsoft.com/office/drawing/2014/main" id="{C00A7964-02A5-43F9-A7F9-9D81343FD27E}"/>
+                </a:ext>
+              </a:extLst>
+            </p:cNvPr>
+            <p:cNvSpPr txBox="1"/>
+            <p:nvPr/>
+          </p:nvSpPr>
+          <p:spPr>
+            <a:xfrm>
+              <a:off x="2731010" y="3359782"/>
+              <a:ext cx="1489286" cy="276999"/>
+            </a:xfrm>
+            <a:prstGeom prst="rect">
+              <a:avLst/>
+            </a:prstGeom>
+            <a:noFill/>
+          </p:spPr>
+          <p:txBody>
+            <a:bodyPr wrap="square" rtlCol="0">
+              <a:spAutoFit/>
+            </a:bodyPr>
+            <a:lstStyle/>
+            <a:p>
+              <a:r>
+                <a:rPr lang="en-US" altLang="zh-TW" sz="1200" dirty="0"/>
+                <a:t>Float distances[L,W]</a:t>
+              </a:r>
+              <a:endParaRPr lang="zh-TW" altLang="en-US" sz="1200" dirty="0"/>
+            </a:p>
+          </p:txBody>
+        </p:sp>
+      </p:grpSp>
+      <p:sp>
+        <p:nvSpPr>
+          <p:cNvPr id="4" name="Rectangle 3">
+            <a:extLst>
+              <a:ext uri="{FF2B5EF4-FFF2-40B4-BE49-F238E27FC236}">
+                <a16:creationId xmlns:a16="http://schemas.microsoft.com/office/drawing/2014/main" id="{6A553043-276B-4F30-AC63-A3C4D6F4EEC6}"/>
+              </a:ext>
+            </a:extLst>
+          </p:cNvPr>
+          <p:cNvSpPr/>
+          <p:nvPr/>
+        </p:nvSpPr>
+        <p:spPr>
+          <a:xfrm>
+            <a:off x="2866832" y="3382775"/>
+            <a:ext cx="1008000" cy="648000"/>
+          </a:xfrm>
+          <a:prstGeom prst="rect">
+            <a:avLst/>
+          </a:prstGeom>
+        </p:spPr>
+        <p:style>
+          <a:lnRef idx="2">
+            <a:schemeClr val="accent5">
+              <a:shade val="50000"/>
+            </a:schemeClr>
+          </a:lnRef>
+          <a:fillRef idx="1">
+            <a:schemeClr val="accent5"/>
+          </a:fillRef>
+          <a:effectRef idx="0">
+            <a:schemeClr val="accent5"/>
+          </a:effectRef>
+          <a:fontRef idx="minor">
+            <a:schemeClr val="lt1"/>
+          </a:fontRef>
+        </p:style>
+        <p:txBody>
+          <a:bodyPr rtlCol="0" anchor="ctr"/>
+          <a:lstStyle/>
+          <a:p>
+            <a:pPr algn="ctr"/>
+            <a:r>
+              <a:rPr lang="en-US" altLang="zh-TW" dirty="0"/>
+              <a:t>Sobel</a:t>
+            </a:r>
+          </a:p>
+        </p:txBody>
+      </p:sp>
+      <p:sp>
+        <p:nvSpPr>
+          <p:cNvPr id="5" name="Rectangle 4">
+            <a:extLst>
+              <a:ext uri="{FF2B5EF4-FFF2-40B4-BE49-F238E27FC236}">
+                <a16:creationId xmlns:a16="http://schemas.microsoft.com/office/drawing/2014/main" id="{D3C53301-D70B-48E8-834C-CFC07477ACB7}"/>
+              </a:ext>
+            </a:extLst>
+          </p:cNvPr>
+          <p:cNvSpPr/>
+          <p:nvPr/>
+        </p:nvSpPr>
+        <p:spPr>
+          <a:xfrm>
+            <a:off x="6192582" y="3382774"/>
+            <a:ext cx="1008000" cy="648000"/>
+          </a:xfrm>
+          <a:prstGeom prst="rect">
+            <a:avLst/>
+          </a:prstGeom>
+        </p:spPr>
+        <p:style>
+          <a:lnRef idx="2">
+            <a:schemeClr val="accent5">
+              <a:shade val="50000"/>
+            </a:schemeClr>
+          </a:lnRef>
+          <a:fillRef idx="1">
+            <a:schemeClr val="accent5"/>
+          </a:fillRef>
+          <a:effectRef idx="0">
+            <a:schemeClr val="accent5"/>
+          </a:effectRef>
+          <a:fontRef idx="minor">
+            <a:schemeClr val="lt1"/>
+          </a:fontRef>
+        </p:style>
+        <p:txBody>
+          <a:bodyPr rtlCol="0" anchor="ctr"/>
+          <a:lstStyle/>
+          <a:p>
+            <a:pPr algn="ctr"/>
+            <a:r>
+              <a:rPr lang="en-US" altLang="zh-TW" sz="1600" dirty="0" err="1"/>
+              <a:t>get_bfs_kernel</a:t>
+            </a:r>
+            <a:endParaRPr lang="en-US" altLang="zh-TW" sz="1600" dirty="0"/>
+          </a:p>
+        </p:txBody>
+      </p:sp>
+      <p:sp>
+        <p:nvSpPr>
+          <p:cNvPr id="8" name="Rectangle 7">
+            <a:extLst>
+              <a:ext uri="{FF2B5EF4-FFF2-40B4-BE49-F238E27FC236}">
+                <a16:creationId xmlns:a16="http://schemas.microsoft.com/office/drawing/2014/main" id="{ED3A9EA6-FB28-4D69-9E87-D5F4FC2355AD}"/>
+              </a:ext>
+            </a:extLst>
+          </p:cNvPr>
+          <p:cNvSpPr/>
+          <p:nvPr/>
+        </p:nvSpPr>
+        <p:spPr>
+          <a:xfrm>
+            <a:off x="1834968" y="4623433"/>
+            <a:ext cx="1393182" cy="648000"/>
+          </a:xfrm>
+          <a:prstGeom prst="rect">
+            <a:avLst/>
+          </a:prstGeom>
+        </p:spPr>
+        <p:style>
+          <a:lnRef idx="2">
+            <a:schemeClr val="accent5">
+              <a:shade val="50000"/>
+            </a:schemeClr>
+          </a:lnRef>
+          <a:fillRef idx="1">
+            <a:schemeClr val="accent5"/>
+          </a:fillRef>
+          <a:effectRef idx="0">
+            <a:schemeClr val="accent5"/>
+          </a:effectRef>
+          <a:fontRef idx="minor">
+            <a:schemeClr val="lt1"/>
+          </a:fontRef>
+        </p:style>
+        <p:txBody>
+          <a:bodyPr rtlCol="0" anchor="ctr"/>
+          <a:lstStyle/>
+          <a:p>
+            <a:pPr algn="ctr"/>
+            <a:r>
+              <a:rPr lang="en-US" altLang="zh-TW" sz="1400" dirty="0" err="1"/>
+              <a:t>euclidean_distance_top_modes_weighted</a:t>
+            </a:r>
+            <a:endParaRPr lang="en-US" altLang="zh-TW" sz="1400" dirty="0"/>
+          </a:p>
+        </p:txBody>
+      </p:sp>
+      <p:pic>
+        <p:nvPicPr>
+          <p:cNvPr id="23" name="Picture 22">
+            <a:extLst>
+              <a:ext uri="{FF2B5EF4-FFF2-40B4-BE49-F238E27FC236}">
+                <a16:creationId xmlns:a16="http://schemas.microsoft.com/office/drawing/2014/main" id="{BA2B030E-9FDB-4819-9689-A080918F97CD}"/>
+              </a:ext>
+            </a:extLst>
+          </p:cNvPr>
+          <p:cNvPicPr>
+            <a:picLocks noChangeAspect="1"/>
+          </p:cNvPicPr>
+          <p:nvPr/>
+        </p:nvPicPr>
+        <p:blipFill>
+          <a:blip r:embed="rId2"/>
+          <a:stretch>
+            <a:fillRect/>
+          </a:stretch>
+        </p:blipFill>
+        <p:spPr>
+          <a:xfrm>
+            <a:off x="2545206" y="3308753"/>
+            <a:ext cx="359720" cy="280440"/>
+          </a:xfrm>
+          <a:prstGeom prst="rect">
+            <a:avLst/>
+          </a:prstGeom>
+        </p:spPr>
+      </p:pic>
+      <p:sp>
+        <p:nvSpPr>
+          <p:cNvPr id="28" name="TextBox 27">
+            <a:extLst>
+              <a:ext uri="{FF2B5EF4-FFF2-40B4-BE49-F238E27FC236}">
+                <a16:creationId xmlns:a16="http://schemas.microsoft.com/office/drawing/2014/main" id="{D85C1262-2B06-4484-B773-8E7F91DC6B26}"/>
+              </a:ext>
+            </a:extLst>
+          </p:cNvPr>
+          <p:cNvSpPr txBox="1"/>
+          <p:nvPr/>
+        </p:nvSpPr>
+        <p:spPr>
+          <a:xfrm>
+            <a:off x="2350570" y="3062813"/>
+            <a:ext cx="2269555" cy="276999"/>
+          </a:xfrm>
+          <a:prstGeom prst="rect">
+            <a:avLst/>
+          </a:prstGeom>
+          <a:noFill/>
+        </p:spPr>
+        <p:txBody>
+          <a:bodyPr wrap="square" rtlCol="0">
+            <a:spAutoFit/>
+          </a:bodyPr>
+          <a:lstStyle/>
+          <a:p>
+            <a:r>
+              <a:rPr lang="en-US" altLang="zh-TW" sz="1200" dirty="0"/>
+              <a:t>Sobel Kernel Size</a:t>
+            </a:r>
+            <a:endParaRPr lang="zh-TW" altLang="en-US" sz="1200" dirty="0"/>
+          </a:p>
+        </p:txBody>
+      </p:sp>
+      <p:grpSp>
+        <p:nvGrpSpPr>
+          <p:cNvPr id="15" name="Group 14">
+            <a:extLst>
+              <a:ext uri="{FF2B5EF4-FFF2-40B4-BE49-F238E27FC236}">
+                <a16:creationId xmlns:a16="http://schemas.microsoft.com/office/drawing/2014/main" id="{855C46C2-98B7-4E66-8366-3DE68ACEDF9D}"/>
+              </a:ext>
+            </a:extLst>
+          </p:cNvPr>
+          <p:cNvGrpSpPr/>
+          <p:nvPr/>
+        </p:nvGrpSpPr>
+        <p:grpSpPr>
+          <a:xfrm>
+            <a:off x="1978840" y="3900161"/>
+            <a:ext cx="1212517" cy="345062"/>
+            <a:chOff x="741476" y="3260412"/>
+            <a:chExt cx="1702263" cy="345062"/>
+          </a:xfrm>
+        </p:grpSpPr>
+        <p:cxnSp>
+          <p:nvCxnSpPr>
+            <p:cNvPr id="11" name="Straight Arrow Connector 10">
+              <a:extLst>
+                <a:ext uri="{FF2B5EF4-FFF2-40B4-BE49-F238E27FC236}">
+                  <a16:creationId xmlns:a16="http://schemas.microsoft.com/office/drawing/2014/main" id="{F1607EDC-9401-4CAC-BA2D-87C6790E9880}"/>
+                </a:ext>
+              </a:extLst>
+            </p:cNvPr>
+            <p:cNvCxnSpPr>
+              <a:cxnSpLocks/>
+            </p:cNvCxnSpPr>
+            <p:nvPr/>
+          </p:nvCxnSpPr>
+          <p:spPr>
+            <a:xfrm>
+              <a:off x="1422570" y="3260412"/>
+              <a:ext cx="588648" cy="0"/>
+            </a:xfrm>
+            <a:prstGeom prst="straightConnector1">
+              <a:avLst/>
+            </a:prstGeom>
+            <a:ln w="38100">
+              <a:solidFill>
+                <a:srgbClr val="0070C0"/>
+              </a:solidFill>
+              <a:tailEnd type="triangle"/>
+            </a:ln>
+          </p:spPr>
+          <p:style>
+            <a:lnRef idx="1">
+              <a:schemeClr val="accent1"/>
+            </a:lnRef>
+            <a:fillRef idx="0">
+              <a:schemeClr val="accent1"/>
+            </a:fillRef>
+            <a:effectRef idx="0">
+              <a:schemeClr val="accent1"/>
+            </a:effectRef>
+            <a:fontRef idx="minor">
+              <a:schemeClr val="tx1"/>
+            </a:fontRef>
+          </p:style>
+        </p:cxnSp>
+        <p:sp>
+          <p:nvSpPr>
+            <p:cNvPr id="30" name="TextBox 29">
+              <a:extLst>
+                <a:ext uri="{FF2B5EF4-FFF2-40B4-BE49-F238E27FC236}">
+                  <a16:creationId xmlns:a16="http://schemas.microsoft.com/office/drawing/2014/main" id="{BC2BF97E-D781-4E87-BDB4-A89F7A66F029}"/>
+                </a:ext>
+              </a:extLst>
+            </p:cNvPr>
+            <p:cNvSpPr txBox="1"/>
+            <p:nvPr/>
+          </p:nvSpPr>
+          <p:spPr>
+            <a:xfrm>
+              <a:off x="741476" y="3328475"/>
+              <a:ext cx="1702263" cy="276999"/>
+            </a:xfrm>
+            <a:prstGeom prst="rect">
+              <a:avLst/>
+            </a:prstGeom>
+            <a:noFill/>
+          </p:spPr>
+          <p:txBody>
+            <a:bodyPr wrap="square" rtlCol="0">
+              <a:spAutoFit/>
+            </a:bodyPr>
+            <a:lstStyle/>
+            <a:p>
+              <a:r>
+                <a:rPr lang="en-US" altLang="zh-TW" sz="1200" dirty="0"/>
+                <a:t>Grayscale Image</a:t>
+              </a:r>
+            </a:p>
+          </p:txBody>
+        </p:sp>
+      </p:grpSp>
+      <p:grpSp>
+        <p:nvGrpSpPr>
+          <p:cNvPr id="19" name="Group 18">
+            <a:extLst>
+              <a:ext uri="{FF2B5EF4-FFF2-40B4-BE49-F238E27FC236}">
+                <a16:creationId xmlns:a16="http://schemas.microsoft.com/office/drawing/2014/main" id="{6ECC5D85-43B1-4B6A-9FCE-5AE408C23E89}"/>
+              </a:ext>
+            </a:extLst>
+          </p:cNvPr>
+          <p:cNvGrpSpPr/>
+          <p:nvPr/>
+        </p:nvGrpSpPr>
+        <p:grpSpPr>
+          <a:xfrm>
+            <a:off x="3775502" y="3935223"/>
+            <a:ext cx="1051658" cy="296446"/>
+            <a:chOff x="2676772" y="3295474"/>
+            <a:chExt cx="1051658" cy="296446"/>
+          </a:xfrm>
+        </p:grpSpPr>
+        <p:cxnSp>
+          <p:nvCxnSpPr>
+            <p:cNvPr id="24" name="Straight Arrow Connector 23">
+              <a:extLst>
+                <a:ext uri="{FF2B5EF4-FFF2-40B4-BE49-F238E27FC236}">
+                  <a16:creationId xmlns:a16="http://schemas.microsoft.com/office/drawing/2014/main" id="{0D27FA63-F8F3-482A-B653-642080FE423B}"/>
+                </a:ext>
+              </a:extLst>
+            </p:cNvPr>
+            <p:cNvCxnSpPr>
+              <a:cxnSpLocks/>
+            </p:cNvCxnSpPr>
+            <p:nvPr/>
+          </p:nvCxnSpPr>
+          <p:spPr>
+            <a:xfrm>
+              <a:off x="2777997" y="3295474"/>
+              <a:ext cx="758703" cy="0"/>
+            </a:xfrm>
+            <a:prstGeom prst="straightConnector1">
+              <a:avLst/>
+            </a:prstGeom>
+            <a:ln w="38100">
+              <a:solidFill>
+                <a:srgbClr val="0070C0"/>
+              </a:solidFill>
+              <a:tailEnd type="triangle"/>
+            </a:ln>
+          </p:spPr>
+          <p:style>
+            <a:lnRef idx="1">
+              <a:schemeClr val="accent1"/>
+            </a:lnRef>
+            <a:fillRef idx="0">
+              <a:schemeClr val="accent1"/>
+            </a:fillRef>
+            <a:effectRef idx="0">
+              <a:schemeClr val="accent1"/>
+            </a:effectRef>
+            <a:fontRef idx="minor">
+              <a:schemeClr val="tx1"/>
+            </a:fontRef>
+          </p:style>
+        </p:cxnSp>
+        <p:sp>
+          <p:nvSpPr>
+            <p:cNvPr id="31" name="TextBox 30">
+              <a:extLst>
+                <a:ext uri="{FF2B5EF4-FFF2-40B4-BE49-F238E27FC236}">
+                  <a16:creationId xmlns:a16="http://schemas.microsoft.com/office/drawing/2014/main" id="{3592105E-F229-4296-A194-5FEB917B022A}"/>
+                </a:ext>
+              </a:extLst>
+            </p:cNvPr>
+            <p:cNvSpPr txBox="1"/>
+            <p:nvPr/>
+          </p:nvSpPr>
+          <p:spPr>
+            <a:xfrm>
+              <a:off x="2676772" y="3314921"/>
+              <a:ext cx="1051658" cy="276999"/>
+            </a:xfrm>
+            <a:prstGeom prst="rect">
+              <a:avLst/>
+            </a:prstGeom>
+            <a:noFill/>
+          </p:spPr>
+          <p:txBody>
+            <a:bodyPr wrap="square" rtlCol="0">
+              <a:spAutoFit/>
+            </a:bodyPr>
+            <a:lstStyle/>
+            <a:p>
+              <a:r>
+                <a:rPr lang="en-US" altLang="zh-TW" sz="1200" dirty="0"/>
+                <a:t>Sobel Image</a:t>
+              </a:r>
+              <a:endParaRPr lang="zh-TW" altLang="en-US" sz="1200" dirty="0"/>
+            </a:p>
+          </p:txBody>
+        </p:sp>
+      </p:grpSp>
+      <p:grpSp>
+        <p:nvGrpSpPr>
+          <p:cNvPr id="13" name="Group 12">
+            <a:extLst>
+              <a:ext uri="{FF2B5EF4-FFF2-40B4-BE49-F238E27FC236}">
+                <a16:creationId xmlns:a16="http://schemas.microsoft.com/office/drawing/2014/main" id="{99DD6E50-714A-45F3-A2EE-DC355D652F4D}"/>
+              </a:ext>
+            </a:extLst>
+          </p:cNvPr>
+          <p:cNvGrpSpPr/>
+          <p:nvPr/>
+        </p:nvGrpSpPr>
+        <p:grpSpPr>
+          <a:xfrm>
+            <a:off x="7169170" y="3935223"/>
+            <a:ext cx="1471562" cy="317819"/>
+            <a:chOff x="5921052" y="3295474"/>
+            <a:chExt cx="1471562" cy="317819"/>
+          </a:xfrm>
+        </p:grpSpPr>
+        <p:cxnSp>
+          <p:nvCxnSpPr>
+            <p:cNvPr id="33" name="Straight Arrow Connector 32">
+              <a:extLst>
+                <a:ext uri="{FF2B5EF4-FFF2-40B4-BE49-F238E27FC236}">
+                  <a16:creationId xmlns:a16="http://schemas.microsoft.com/office/drawing/2014/main" id="{7EDA9F99-B45B-41D7-9A7A-2A76AD46BBC6}"/>
+                </a:ext>
+              </a:extLst>
+            </p:cNvPr>
+            <p:cNvCxnSpPr>
+              <a:cxnSpLocks/>
+            </p:cNvCxnSpPr>
+            <p:nvPr/>
+          </p:nvCxnSpPr>
+          <p:spPr>
+            <a:xfrm>
+              <a:off x="5965664" y="3295474"/>
+              <a:ext cx="606594" cy="0"/>
+            </a:xfrm>
+            <a:prstGeom prst="straightConnector1">
+              <a:avLst/>
+            </a:prstGeom>
+            <a:ln w="38100">
+              <a:solidFill>
+                <a:srgbClr val="0070C0"/>
+              </a:solidFill>
+              <a:tailEnd type="triangle"/>
+            </a:ln>
+          </p:spPr>
+          <p:style>
+            <a:lnRef idx="1">
+              <a:schemeClr val="accent1"/>
+            </a:lnRef>
+            <a:fillRef idx="0">
+              <a:schemeClr val="accent1"/>
+            </a:fillRef>
+            <a:effectRef idx="0">
+              <a:schemeClr val="accent1"/>
+            </a:effectRef>
+            <a:fontRef idx="minor">
+              <a:schemeClr val="tx1"/>
+            </a:fontRef>
+          </p:style>
+        </p:cxnSp>
+        <p:sp>
+          <p:nvSpPr>
+            <p:cNvPr id="35" name="TextBox 34">
+              <a:extLst>
+                <a:ext uri="{FF2B5EF4-FFF2-40B4-BE49-F238E27FC236}">
+                  <a16:creationId xmlns:a16="http://schemas.microsoft.com/office/drawing/2014/main" id="{8151ED0C-8E49-4CFA-9531-A2A841F4A31A}"/>
+                </a:ext>
+              </a:extLst>
+            </p:cNvPr>
+            <p:cNvSpPr txBox="1"/>
+            <p:nvPr/>
+          </p:nvSpPr>
+          <p:spPr>
+            <a:xfrm>
+              <a:off x="5921052" y="3336294"/>
+              <a:ext cx="1471562" cy="276999"/>
+            </a:xfrm>
+            <a:prstGeom prst="rect">
+              <a:avLst/>
+            </a:prstGeom>
+            <a:noFill/>
+          </p:spPr>
+          <p:txBody>
+            <a:bodyPr wrap="square" rtlCol="0">
+              <a:spAutoFit/>
+            </a:bodyPr>
+            <a:lstStyle/>
+            <a:p>
+              <a:r>
+                <a:rPr lang="en-US" altLang="zh-TW" sz="1200" dirty="0"/>
+                <a:t>U8 </a:t>
+              </a:r>
+              <a:r>
+                <a:rPr lang="en-US" altLang="zh-TW" sz="1200" dirty="0" err="1"/>
+                <a:t>kernel_queue</a:t>
+              </a:r>
+              <a:r>
+                <a:rPr lang="en-US" altLang="zh-TW" sz="1200" dirty="0"/>
+                <a:t>[2] </a:t>
+              </a:r>
+              <a:endParaRPr lang="zh-TW" altLang="en-US" sz="1200" dirty="0"/>
+            </a:p>
+          </p:txBody>
+        </p:sp>
+      </p:grpSp>
+      <p:pic>
+        <p:nvPicPr>
+          <p:cNvPr id="48" name="Picture 47">
+            <a:extLst>
+              <a:ext uri="{FF2B5EF4-FFF2-40B4-BE49-F238E27FC236}">
+                <a16:creationId xmlns:a16="http://schemas.microsoft.com/office/drawing/2014/main" id="{0F228E88-B8D6-414A-9401-82A445806DAE}"/>
+              </a:ext>
+            </a:extLst>
+          </p:cNvPr>
+          <p:cNvPicPr>
+            <a:picLocks noChangeAspect="1"/>
+          </p:cNvPicPr>
+          <p:nvPr/>
+        </p:nvPicPr>
+        <p:blipFill>
+          <a:blip r:embed="rId3"/>
+          <a:stretch>
+            <a:fillRect/>
+          </a:stretch>
+        </p:blipFill>
+        <p:spPr>
+          <a:xfrm>
+            <a:off x="5887393" y="3175277"/>
+            <a:ext cx="366544" cy="489572"/>
+          </a:xfrm>
+          <a:prstGeom prst="rect">
+            <a:avLst/>
+          </a:prstGeom>
+        </p:spPr>
+      </p:pic>
+      <p:sp>
+        <p:nvSpPr>
+          <p:cNvPr id="49" name="TextBox 48">
+            <a:extLst>
+              <a:ext uri="{FF2B5EF4-FFF2-40B4-BE49-F238E27FC236}">
+                <a16:creationId xmlns:a16="http://schemas.microsoft.com/office/drawing/2014/main" id="{0E07E764-0263-41E8-B994-0B36A4B2E131}"/>
+              </a:ext>
+            </a:extLst>
+          </p:cNvPr>
+          <p:cNvSpPr txBox="1"/>
+          <p:nvPr/>
+        </p:nvSpPr>
+        <p:spPr>
+          <a:xfrm>
+            <a:off x="5637494" y="2771884"/>
+            <a:ext cx="1337736" cy="276999"/>
+          </a:xfrm>
+          <a:prstGeom prst="rect">
+            <a:avLst/>
+          </a:prstGeom>
+          <a:noFill/>
+        </p:spPr>
+        <p:txBody>
+          <a:bodyPr wrap="square" rtlCol="0">
+            <a:spAutoFit/>
+          </a:bodyPr>
+          <a:lstStyle/>
+          <a:p>
+            <a:r>
+              <a:rPr lang="en-US" altLang="zh-TW" sz="1200" dirty="0" err="1"/>
+              <a:t>kernel_size</a:t>
+            </a:r>
+            <a:endParaRPr lang="zh-TW" altLang="en-US" sz="1200" dirty="0"/>
+          </a:p>
+        </p:txBody>
+      </p:sp>
+      <p:cxnSp>
+        <p:nvCxnSpPr>
+          <p:cNvPr id="50" name="Connector: Elbow 49">
+            <a:extLst>
+              <a:ext uri="{FF2B5EF4-FFF2-40B4-BE49-F238E27FC236}">
+                <a16:creationId xmlns:a16="http://schemas.microsoft.com/office/drawing/2014/main" id="{DB5E1072-8D26-4F98-A71F-2577C6CAB862}"/>
+              </a:ext>
+            </a:extLst>
+          </p:cNvPr>
+          <p:cNvCxnSpPr>
+            <a:cxnSpLocks/>
+            <a:endCxn id="8" idx="1"/>
+          </p:cNvCxnSpPr>
+          <p:nvPr/>
+        </p:nvCxnSpPr>
+        <p:spPr>
+          <a:xfrm rot="10800000" flipV="1">
+            <a:off x="1834969" y="4363101"/>
+            <a:ext cx="8741391" cy="584331"/>
+          </a:xfrm>
+          <a:prstGeom prst="bentConnector3">
+            <a:avLst>
+              <a:gd name="adj1" fmla="val 102615"/>
+            </a:avLst>
+          </a:prstGeom>
+          <a:ln w="38100">
+            <a:solidFill>
+              <a:srgbClr val="0070C0"/>
+            </a:solidFill>
+            <a:tailEnd type="triangle"/>
+          </a:ln>
+        </p:spPr>
+        <p:style>
+          <a:lnRef idx="1">
+            <a:schemeClr val="accent1"/>
+          </a:lnRef>
+          <a:fillRef idx="0">
+            <a:schemeClr val="accent1"/>
+          </a:fillRef>
+          <a:effectRef idx="0">
+            <a:schemeClr val="accent1"/>
+          </a:effectRef>
+          <a:fontRef idx="minor">
+            <a:schemeClr val="tx1"/>
+          </a:fontRef>
+        </p:style>
+      </p:cxnSp>
+      <p:grpSp>
+        <p:nvGrpSpPr>
+          <p:cNvPr id="10" name="Group 9">
+            <a:extLst>
+              <a:ext uri="{FF2B5EF4-FFF2-40B4-BE49-F238E27FC236}">
+                <a16:creationId xmlns:a16="http://schemas.microsoft.com/office/drawing/2014/main" id="{85B3056F-2B91-4BBF-8580-88507261EE32}"/>
+              </a:ext>
+            </a:extLst>
+          </p:cNvPr>
+          <p:cNvGrpSpPr/>
+          <p:nvPr/>
+        </p:nvGrpSpPr>
+        <p:grpSpPr>
+          <a:xfrm>
+            <a:off x="5583636" y="3941482"/>
+            <a:ext cx="1363862" cy="311560"/>
+            <a:chOff x="6696666" y="3880469"/>
+            <a:chExt cx="1907524" cy="311560"/>
+          </a:xfrm>
+        </p:grpSpPr>
+        <p:cxnSp>
+          <p:nvCxnSpPr>
+            <p:cNvPr id="57" name="Straight Arrow Connector 56">
+              <a:extLst>
+                <a:ext uri="{FF2B5EF4-FFF2-40B4-BE49-F238E27FC236}">
+                  <a16:creationId xmlns:a16="http://schemas.microsoft.com/office/drawing/2014/main" id="{1EEEC336-CEE7-4BF8-9956-06C42C61CC91}"/>
+                </a:ext>
+              </a:extLst>
+            </p:cNvPr>
+            <p:cNvCxnSpPr>
+              <a:cxnSpLocks/>
+            </p:cNvCxnSpPr>
+            <p:nvPr/>
+          </p:nvCxnSpPr>
+          <p:spPr>
+            <a:xfrm>
+              <a:off x="6764968" y="3880469"/>
+              <a:ext cx="767559" cy="0"/>
+            </a:xfrm>
+            <a:prstGeom prst="straightConnector1">
+              <a:avLst/>
+            </a:prstGeom>
+            <a:ln w="38100">
+              <a:solidFill>
+                <a:srgbClr val="0070C0"/>
+              </a:solidFill>
+              <a:tailEnd type="triangle"/>
+            </a:ln>
+          </p:spPr>
+          <p:style>
+            <a:lnRef idx="1">
+              <a:schemeClr val="accent1"/>
+            </a:lnRef>
+            <a:fillRef idx="0">
+              <a:schemeClr val="accent1"/>
+            </a:fillRef>
+            <a:effectRef idx="0">
+              <a:schemeClr val="accent1"/>
+            </a:effectRef>
+            <a:fontRef idx="minor">
+              <a:schemeClr val="tx1"/>
+            </a:fontRef>
+          </p:style>
+        </p:cxnSp>
+        <p:sp>
+          <p:nvSpPr>
+            <p:cNvPr id="60" name="TextBox 59">
+              <a:extLst>
+                <a:ext uri="{FF2B5EF4-FFF2-40B4-BE49-F238E27FC236}">
+                  <a16:creationId xmlns:a16="http://schemas.microsoft.com/office/drawing/2014/main" id="{BDC88130-8D06-4CBA-A3E3-F31F66EE5ACF}"/>
+                </a:ext>
+              </a:extLst>
+            </p:cNvPr>
+            <p:cNvSpPr txBox="1"/>
+            <p:nvPr/>
+          </p:nvSpPr>
+          <p:spPr>
+            <a:xfrm>
+              <a:off x="6696666" y="3915030"/>
+              <a:ext cx="1907524" cy="276999"/>
+            </a:xfrm>
+            <a:prstGeom prst="rect">
+              <a:avLst/>
+            </a:prstGeom>
+            <a:noFill/>
+          </p:spPr>
+          <p:txBody>
+            <a:bodyPr wrap="square" rtlCol="0">
+              <a:spAutoFit/>
+            </a:bodyPr>
+            <a:lstStyle/>
+            <a:p>
+              <a:r>
+                <a:rPr lang="en-US" altLang="zh-TW" sz="1200" dirty="0"/>
+                <a:t>U8 </a:t>
+              </a:r>
+              <a:r>
+                <a:rPr lang="en-US" altLang="zh-TW" sz="1200" dirty="0" err="1"/>
+                <a:t>lbp_array</a:t>
+              </a:r>
+              <a:r>
+                <a:rPr lang="en-US" altLang="zh-TW" sz="1200" dirty="0"/>
+                <a:t>[L,W]</a:t>
+              </a:r>
+              <a:endParaRPr lang="zh-TW" altLang="en-US" sz="1200" dirty="0"/>
+            </a:p>
+          </p:txBody>
+        </p:sp>
+      </p:grpSp>
+      <p:grpSp>
+        <p:nvGrpSpPr>
+          <p:cNvPr id="36" name="Group 35">
+            <a:extLst>
+              <a:ext uri="{FF2B5EF4-FFF2-40B4-BE49-F238E27FC236}">
+                <a16:creationId xmlns:a16="http://schemas.microsoft.com/office/drawing/2014/main" id="{2CBCD9E4-A721-4F63-9355-40E114ECB8C0}"/>
+              </a:ext>
+            </a:extLst>
+          </p:cNvPr>
+          <p:cNvGrpSpPr/>
+          <p:nvPr/>
+        </p:nvGrpSpPr>
+        <p:grpSpPr>
+          <a:xfrm>
+            <a:off x="10245807" y="3868894"/>
+            <a:ext cx="330552" cy="519718"/>
+            <a:chOff x="11394088" y="2274609"/>
+            <a:chExt cx="330552" cy="519718"/>
+          </a:xfrm>
+        </p:grpSpPr>
+        <p:cxnSp>
+          <p:nvCxnSpPr>
+            <p:cNvPr id="71" name="Straight Connector 70">
+              <a:extLst>
+                <a:ext uri="{FF2B5EF4-FFF2-40B4-BE49-F238E27FC236}">
+                  <a16:creationId xmlns:a16="http://schemas.microsoft.com/office/drawing/2014/main" id="{E6169CE9-8FAE-46AC-80BC-814ADB733D3C}"/>
+                </a:ext>
+              </a:extLst>
+            </p:cNvPr>
+            <p:cNvCxnSpPr>
+              <a:cxnSpLocks/>
+            </p:cNvCxnSpPr>
+            <p:nvPr/>
+          </p:nvCxnSpPr>
+          <p:spPr>
+            <a:xfrm>
+              <a:off x="11394088" y="2291208"/>
+              <a:ext cx="330552" cy="0"/>
+            </a:xfrm>
+            <a:prstGeom prst="line">
+              <a:avLst/>
+            </a:prstGeom>
+            <a:ln w="38100">
+              <a:solidFill>
+                <a:srgbClr val="0070C0"/>
+              </a:solidFill>
+            </a:ln>
+          </p:spPr>
+          <p:style>
+            <a:lnRef idx="1">
+              <a:schemeClr val="accent1"/>
+            </a:lnRef>
+            <a:fillRef idx="0">
+              <a:schemeClr val="accent1"/>
+            </a:fillRef>
+            <a:effectRef idx="0">
+              <a:schemeClr val="accent1"/>
+            </a:effectRef>
+            <a:fontRef idx="minor">
+              <a:schemeClr val="tx1"/>
+            </a:fontRef>
+          </p:style>
+        </p:cxnSp>
+        <p:cxnSp>
+          <p:nvCxnSpPr>
+            <p:cNvPr id="73" name="Straight Connector 72">
+              <a:extLst>
+                <a:ext uri="{FF2B5EF4-FFF2-40B4-BE49-F238E27FC236}">
+                  <a16:creationId xmlns:a16="http://schemas.microsoft.com/office/drawing/2014/main" id="{7129F807-58F5-41E5-9DE5-01A62828B21B}"/>
+                </a:ext>
+              </a:extLst>
+            </p:cNvPr>
+            <p:cNvCxnSpPr>
+              <a:cxnSpLocks/>
+            </p:cNvCxnSpPr>
+            <p:nvPr/>
+          </p:nvCxnSpPr>
+          <p:spPr>
+            <a:xfrm flipV="1">
+              <a:off x="11724640" y="2274609"/>
+              <a:ext cx="0" cy="519718"/>
+            </a:xfrm>
+            <a:prstGeom prst="line">
+              <a:avLst/>
+            </a:prstGeom>
+            <a:ln w="38100">
+              <a:solidFill>
+                <a:srgbClr val="0070C0"/>
+              </a:solidFill>
+            </a:ln>
+          </p:spPr>
+          <p:style>
+            <a:lnRef idx="1">
+              <a:schemeClr val="accent1"/>
+            </a:lnRef>
+            <a:fillRef idx="0">
+              <a:schemeClr val="accent1"/>
+            </a:fillRef>
+            <a:effectRef idx="0">
+              <a:schemeClr val="accent1"/>
+            </a:effectRef>
+            <a:fontRef idx="minor">
+              <a:schemeClr val="tx1"/>
+            </a:fontRef>
+          </p:style>
+        </p:cxnSp>
+      </p:grpSp>
+      <p:sp>
+        <p:nvSpPr>
+          <p:cNvPr id="118" name="Title 1">
+            <a:extLst>
+              <a:ext uri="{FF2B5EF4-FFF2-40B4-BE49-F238E27FC236}">
+                <a16:creationId xmlns:a16="http://schemas.microsoft.com/office/drawing/2014/main" id="{09E024C2-5287-472F-9DB1-DB137478AA64}"/>
+              </a:ext>
+            </a:extLst>
+          </p:cNvPr>
+          <p:cNvSpPr>
+            <a:spLocks noGrp="1"/>
+          </p:cNvSpPr>
+          <p:nvPr>
+            <p:ph type="title"/>
+          </p:nvPr>
+        </p:nvSpPr>
+        <p:spPr>
+          <a:xfrm>
+            <a:off x="838200" y="7836"/>
+            <a:ext cx="10515600" cy="1325563"/>
+          </a:xfrm>
+        </p:spPr>
+        <p:txBody>
+          <a:bodyPr/>
+          <a:lstStyle/>
+          <a:p>
+            <a:r>
+              <a:rPr lang="en-US" altLang="zh-TW" dirty="0"/>
+              <a:t>Architecture Diagram</a:t>
+            </a:r>
+            <a:endParaRPr lang="zh-TW" altLang="en-US" dirty="0"/>
+          </a:p>
+        </p:txBody>
+      </p:sp>
+      <p:sp>
+        <p:nvSpPr>
+          <p:cNvPr id="119" name="Rectangle 118">
+            <a:extLst>
+              <a:ext uri="{FF2B5EF4-FFF2-40B4-BE49-F238E27FC236}">
+                <a16:creationId xmlns:a16="http://schemas.microsoft.com/office/drawing/2014/main" id="{B508BFA8-D5BC-4F31-AF35-01DF5F984D52}"/>
+              </a:ext>
+            </a:extLst>
+          </p:cNvPr>
+          <p:cNvSpPr/>
+          <p:nvPr/>
+        </p:nvSpPr>
+        <p:spPr>
+          <a:xfrm>
+            <a:off x="791348" y="2179864"/>
+            <a:ext cx="1329265" cy="785552"/>
+          </a:xfrm>
+          <a:prstGeom prst="rect">
+            <a:avLst/>
+          </a:prstGeom>
+          <a:solidFill>
+            <a:srgbClr val="92D050"/>
+          </a:solidFill>
+        </p:spPr>
+        <p:style>
+          <a:lnRef idx="2">
+            <a:schemeClr val="accent5">
+              <a:shade val="50000"/>
+            </a:schemeClr>
+          </a:lnRef>
+          <a:fillRef idx="1">
+            <a:schemeClr val="accent5"/>
+          </a:fillRef>
+          <a:effectRef idx="0">
+            <a:schemeClr val="accent5"/>
+          </a:effectRef>
+          <a:fontRef idx="minor">
+            <a:schemeClr val="lt1"/>
+          </a:fontRef>
+        </p:style>
+        <p:txBody>
+          <a:bodyPr rtlCol="0" anchor="ctr"/>
+          <a:lstStyle/>
+          <a:p>
+            <a:pPr algn="ctr"/>
+            <a:r>
+              <a:rPr lang="en-US" altLang="zh-TW" dirty="0"/>
+              <a:t>Param Setting</a:t>
+            </a:r>
+          </a:p>
+        </p:txBody>
+      </p:sp>
+      <p:cxnSp>
+        <p:nvCxnSpPr>
+          <p:cNvPr id="135" name="Straight Arrow Connector 134">
+            <a:extLst>
+              <a:ext uri="{FF2B5EF4-FFF2-40B4-BE49-F238E27FC236}">
+                <a16:creationId xmlns:a16="http://schemas.microsoft.com/office/drawing/2014/main" id="{4B19AD8C-231C-4DA2-890E-F7C3AA4619B1}"/>
+              </a:ext>
+            </a:extLst>
+          </p:cNvPr>
+          <p:cNvCxnSpPr>
+            <a:cxnSpLocks/>
+            <a:stCxn id="119" idx="3"/>
+          </p:cNvCxnSpPr>
+          <p:nvPr/>
+        </p:nvCxnSpPr>
+        <p:spPr>
+          <a:xfrm>
+            <a:off x="2120613" y="2572640"/>
+            <a:ext cx="762144" cy="0"/>
+          </a:xfrm>
+          <a:prstGeom prst="straightConnector1">
+            <a:avLst/>
+          </a:prstGeom>
+          <a:ln w="57150">
+            <a:solidFill>
+              <a:srgbClr val="FF0000"/>
+            </a:solidFill>
+            <a:tailEnd type="triangle"/>
+          </a:ln>
+        </p:spPr>
+        <p:style>
+          <a:lnRef idx="1">
+            <a:schemeClr val="accent1"/>
+          </a:lnRef>
+          <a:fillRef idx="0">
+            <a:schemeClr val="accent1"/>
+          </a:fillRef>
+          <a:effectRef idx="0">
+            <a:schemeClr val="accent1"/>
+          </a:effectRef>
+          <a:fontRef idx="minor">
+            <a:schemeClr val="tx1"/>
+          </a:fontRef>
+        </p:style>
+      </p:cxnSp>
+      <p:sp>
+        <p:nvSpPr>
+          <p:cNvPr id="61" name="Rectangle 60">
+            <a:extLst>
+              <a:ext uri="{FF2B5EF4-FFF2-40B4-BE49-F238E27FC236}">
+                <a16:creationId xmlns:a16="http://schemas.microsoft.com/office/drawing/2014/main" id="{54811C73-E04E-4711-A48C-675EB3340805}"/>
+              </a:ext>
+            </a:extLst>
+          </p:cNvPr>
+          <p:cNvSpPr/>
+          <p:nvPr/>
+        </p:nvSpPr>
+        <p:spPr>
+          <a:xfrm>
+            <a:off x="4613160" y="3382775"/>
+            <a:ext cx="1008000" cy="648000"/>
+          </a:xfrm>
+          <a:prstGeom prst="rect">
+            <a:avLst/>
+          </a:prstGeom>
+        </p:spPr>
+        <p:style>
+          <a:lnRef idx="2">
+            <a:schemeClr val="accent5">
+              <a:shade val="50000"/>
+            </a:schemeClr>
+          </a:lnRef>
+          <a:fillRef idx="1">
+            <a:schemeClr val="accent5"/>
+          </a:fillRef>
+          <a:effectRef idx="0">
+            <a:schemeClr val="accent5"/>
+          </a:effectRef>
+          <a:fontRef idx="minor">
+            <a:schemeClr val="lt1"/>
+          </a:fontRef>
+        </p:style>
+        <p:txBody>
+          <a:bodyPr rtlCol="0" anchor="ctr"/>
+          <a:lstStyle/>
+          <a:p>
+            <a:pPr algn="ctr"/>
+            <a:r>
+              <a:rPr lang="en-US" altLang="zh-TW" dirty="0" err="1"/>
+              <a:t>get_lbp_image</a:t>
+            </a:r>
+            <a:endParaRPr lang="en-US" altLang="zh-TW" dirty="0"/>
+          </a:p>
+        </p:txBody>
+      </p:sp>
+      <p:sp>
+        <p:nvSpPr>
+          <p:cNvPr id="63" name="Rectangle 62">
+            <a:extLst>
+              <a:ext uri="{FF2B5EF4-FFF2-40B4-BE49-F238E27FC236}">
+                <a16:creationId xmlns:a16="http://schemas.microsoft.com/office/drawing/2014/main" id="{5D5C7866-46A2-40E5-A5B0-7E7CEBE3CFD8}"/>
+              </a:ext>
+            </a:extLst>
+          </p:cNvPr>
+          <p:cNvSpPr/>
+          <p:nvPr/>
+        </p:nvSpPr>
+        <p:spPr>
+          <a:xfrm>
+            <a:off x="7808781" y="3365495"/>
+            <a:ext cx="1008000" cy="648000"/>
+          </a:xfrm>
+          <a:prstGeom prst="rect">
+            <a:avLst/>
+          </a:prstGeom>
+        </p:spPr>
+        <p:style>
+          <a:lnRef idx="2">
+            <a:schemeClr val="accent5">
+              <a:shade val="50000"/>
+            </a:schemeClr>
+          </a:lnRef>
+          <a:fillRef idx="1">
+            <a:schemeClr val="accent5"/>
+          </a:fillRef>
+          <a:effectRef idx="0">
+            <a:schemeClr val="accent5"/>
+          </a:effectRef>
+          <a:fontRef idx="minor">
+            <a:schemeClr val="lt1"/>
+          </a:fontRef>
+        </p:style>
+        <p:txBody>
+          <a:bodyPr rtlCol="0" anchor="ctr"/>
+          <a:lstStyle/>
+          <a:p>
+            <a:pPr algn="ctr"/>
+            <a:r>
+              <a:rPr lang="en-US" altLang="zh-TW" sz="1400" dirty="0" err="1"/>
+              <a:t>compute_lbp_histogram</a:t>
+            </a:r>
+            <a:endParaRPr lang="en-US" altLang="zh-TW" sz="1400" dirty="0"/>
+          </a:p>
+        </p:txBody>
+      </p:sp>
+      <p:sp>
+        <p:nvSpPr>
+          <p:cNvPr id="79" name="Rectangle 78">
+            <a:extLst>
+              <a:ext uri="{FF2B5EF4-FFF2-40B4-BE49-F238E27FC236}">
+                <a16:creationId xmlns:a16="http://schemas.microsoft.com/office/drawing/2014/main" id="{725E3AEE-CDBF-41A9-A60F-E9C1652A411C}"/>
+              </a:ext>
+            </a:extLst>
+          </p:cNvPr>
+          <p:cNvSpPr/>
+          <p:nvPr/>
+        </p:nvSpPr>
+        <p:spPr>
+          <a:xfrm>
+            <a:off x="1455981" y="3347252"/>
+            <a:ext cx="1008000" cy="648000"/>
+          </a:xfrm>
+          <a:prstGeom prst="rect">
+            <a:avLst/>
+          </a:prstGeom>
+        </p:spPr>
+        <p:style>
+          <a:lnRef idx="2">
+            <a:schemeClr val="accent5">
+              <a:shade val="50000"/>
+            </a:schemeClr>
+          </a:lnRef>
+          <a:fillRef idx="1">
+            <a:schemeClr val="accent5"/>
+          </a:fillRef>
+          <a:effectRef idx="0">
+            <a:schemeClr val="accent5"/>
+          </a:effectRef>
+          <a:fontRef idx="minor">
+            <a:schemeClr val="lt1"/>
+          </a:fontRef>
+        </p:style>
+        <p:txBody>
+          <a:bodyPr rtlCol="0" anchor="ctr"/>
+          <a:lstStyle/>
+          <a:p>
+            <a:pPr algn="ctr"/>
+            <a:r>
+              <a:rPr lang="en-US" altLang="zh-TW" sz="1600" dirty="0"/>
+              <a:t>Grayscale</a:t>
+            </a:r>
+          </a:p>
+        </p:txBody>
+      </p:sp>
+      <p:grpSp>
+        <p:nvGrpSpPr>
+          <p:cNvPr id="80" name="Group 79">
+            <a:extLst>
+              <a:ext uri="{FF2B5EF4-FFF2-40B4-BE49-F238E27FC236}">
+                <a16:creationId xmlns:a16="http://schemas.microsoft.com/office/drawing/2014/main" id="{7C600345-85C0-4870-BC4A-CA28930D7DF7}"/>
+              </a:ext>
+            </a:extLst>
+          </p:cNvPr>
+          <p:cNvGrpSpPr/>
+          <p:nvPr/>
+        </p:nvGrpSpPr>
+        <p:grpSpPr>
+          <a:xfrm>
+            <a:off x="594455" y="3900161"/>
+            <a:ext cx="1242866" cy="388718"/>
+            <a:chOff x="1141084" y="3260412"/>
+            <a:chExt cx="1242866" cy="388718"/>
+          </a:xfrm>
+        </p:grpSpPr>
+        <p:cxnSp>
+          <p:nvCxnSpPr>
+            <p:cNvPr id="81" name="Straight Arrow Connector 80">
+              <a:extLst>
+                <a:ext uri="{FF2B5EF4-FFF2-40B4-BE49-F238E27FC236}">
+                  <a16:creationId xmlns:a16="http://schemas.microsoft.com/office/drawing/2014/main" id="{1FAD3C41-3C7A-47FE-BA32-B543C28ED438}"/>
+                </a:ext>
+              </a:extLst>
+            </p:cNvPr>
+            <p:cNvCxnSpPr>
+              <a:cxnSpLocks/>
+            </p:cNvCxnSpPr>
+            <p:nvPr/>
+          </p:nvCxnSpPr>
+          <p:spPr>
+            <a:xfrm>
+              <a:off x="1365251" y="3260412"/>
+              <a:ext cx="645966" cy="0"/>
+            </a:xfrm>
+            <a:prstGeom prst="straightConnector1">
+              <a:avLst/>
+            </a:prstGeom>
+            <a:ln w="38100">
+              <a:solidFill>
+                <a:srgbClr val="0070C0"/>
+              </a:solidFill>
+              <a:tailEnd type="triangle"/>
+            </a:ln>
+          </p:spPr>
+          <p:style>
+            <a:lnRef idx="1">
+              <a:schemeClr val="accent1"/>
+            </a:lnRef>
+            <a:fillRef idx="0">
+              <a:schemeClr val="accent1"/>
+            </a:fillRef>
+            <a:effectRef idx="0">
+              <a:schemeClr val="accent1"/>
+            </a:effectRef>
+            <a:fontRef idx="minor">
+              <a:schemeClr val="tx1"/>
+            </a:fontRef>
+          </p:style>
+        </p:cxnSp>
+        <p:sp>
+          <p:nvSpPr>
+            <p:cNvPr id="82" name="TextBox 81">
+              <a:extLst>
+                <a:ext uri="{FF2B5EF4-FFF2-40B4-BE49-F238E27FC236}">
+                  <a16:creationId xmlns:a16="http://schemas.microsoft.com/office/drawing/2014/main" id="{FE9FB731-BCD6-452F-B4E0-306859D2F2B7}"/>
+                </a:ext>
+              </a:extLst>
+            </p:cNvPr>
+            <p:cNvSpPr txBox="1"/>
+            <p:nvPr/>
+          </p:nvSpPr>
+          <p:spPr>
+            <a:xfrm>
+              <a:off x="1141084" y="3372131"/>
+              <a:ext cx="1242866" cy="276999"/>
+            </a:xfrm>
+            <a:prstGeom prst="rect">
+              <a:avLst/>
+            </a:prstGeom>
+            <a:noFill/>
+          </p:spPr>
+          <p:txBody>
+            <a:bodyPr wrap="square" rtlCol="0">
+              <a:spAutoFit/>
+            </a:bodyPr>
+            <a:lstStyle/>
+            <a:p>
+              <a:r>
+                <a:rPr lang="en-US" altLang="zh-TW" sz="1200" dirty="0"/>
+                <a:t>Input Image[L,W]</a:t>
+              </a:r>
+            </a:p>
+          </p:txBody>
+        </p:sp>
+      </p:grpSp>
+      <p:pic>
+        <p:nvPicPr>
+          <p:cNvPr id="87" name="Picture 86">
+            <a:extLst>
+              <a:ext uri="{FF2B5EF4-FFF2-40B4-BE49-F238E27FC236}">
+                <a16:creationId xmlns:a16="http://schemas.microsoft.com/office/drawing/2014/main" id="{C405CFCA-8A75-481A-8312-1A2B1EB3A6E7}"/>
+              </a:ext>
+            </a:extLst>
+          </p:cNvPr>
+          <p:cNvPicPr>
+            <a:picLocks noChangeAspect="1"/>
+          </p:cNvPicPr>
+          <p:nvPr/>
+        </p:nvPicPr>
+        <p:blipFill>
+          <a:blip r:embed="rId4"/>
+          <a:stretch>
+            <a:fillRect/>
+          </a:stretch>
+        </p:blipFill>
+        <p:spPr>
+          <a:xfrm>
+            <a:off x="5778572" y="3062813"/>
+            <a:ext cx="504305" cy="514187"/>
+          </a:xfrm>
+          <a:prstGeom prst="rect">
+            <a:avLst/>
+          </a:prstGeom>
+        </p:spPr>
+      </p:pic>
+      <p:sp>
+        <p:nvSpPr>
+          <p:cNvPr id="90" name="Rectangle 89">
+            <a:extLst>
+              <a:ext uri="{FF2B5EF4-FFF2-40B4-BE49-F238E27FC236}">
+                <a16:creationId xmlns:a16="http://schemas.microsoft.com/office/drawing/2014/main" id="{F04858BB-F09D-4915-BF7D-0050E7F5DAB8}"/>
+              </a:ext>
+            </a:extLst>
+          </p:cNvPr>
+          <p:cNvSpPr/>
+          <p:nvPr/>
+        </p:nvSpPr>
+        <p:spPr>
+          <a:xfrm>
+            <a:off x="9242186" y="3347738"/>
+            <a:ext cx="1008000" cy="648000"/>
+          </a:xfrm>
+          <a:prstGeom prst="rect">
+            <a:avLst/>
+          </a:prstGeom>
+        </p:spPr>
+        <p:style>
+          <a:lnRef idx="2">
+            <a:schemeClr val="accent5">
+              <a:shade val="50000"/>
+            </a:schemeClr>
+          </a:lnRef>
+          <a:fillRef idx="1">
+            <a:schemeClr val="accent5"/>
+          </a:fillRef>
+          <a:effectRef idx="0">
+            <a:schemeClr val="accent5"/>
+          </a:effectRef>
+          <a:fontRef idx="minor">
+            <a:schemeClr val="lt1"/>
+          </a:fontRef>
+        </p:style>
+        <p:txBody>
+          <a:bodyPr rtlCol="0" anchor="ctr"/>
+          <a:lstStyle/>
+          <a:p>
+            <a:pPr algn="ctr"/>
+            <a:r>
+              <a:rPr lang="en-US" altLang="zh-TW" sz="1400"/>
+              <a:t>get_top_n_modes</a:t>
+            </a:r>
+            <a:endParaRPr lang="en-US" altLang="zh-TW" sz="1400" dirty="0"/>
+          </a:p>
+        </p:txBody>
+      </p:sp>
+      <p:grpSp>
+        <p:nvGrpSpPr>
+          <p:cNvPr id="91" name="Group 90">
+            <a:extLst>
+              <a:ext uri="{FF2B5EF4-FFF2-40B4-BE49-F238E27FC236}">
+                <a16:creationId xmlns:a16="http://schemas.microsoft.com/office/drawing/2014/main" id="{8757C6DC-6232-4732-88F8-4CD29A76468D}"/>
+              </a:ext>
+            </a:extLst>
+          </p:cNvPr>
+          <p:cNvGrpSpPr/>
+          <p:nvPr/>
+        </p:nvGrpSpPr>
+        <p:grpSpPr>
+          <a:xfrm>
+            <a:off x="8640733" y="3918871"/>
+            <a:ext cx="1242866" cy="317819"/>
+            <a:chOff x="5719818" y="3295474"/>
+            <a:chExt cx="1761518" cy="317819"/>
+          </a:xfrm>
+        </p:grpSpPr>
+        <p:cxnSp>
+          <p:nvCxnSpPr>
+            <p:cNvPr id="92" name="Straight Arrow Connector 91">
+              <a:extLst>
+                <a:ext uri="{FF2B5EF4-FFF2-40B4-BE49-F238E27FC236}">
+                  <a16:creationId xmlns:a16="http://schemas.microsoft.com/office/drawing/2014/main" id="{A2806BB6-4B0E-4020-BAF1-3F3749914BE3}"/>
+                </a:ext>
+              </a:extLst>
+            </p:cNvPr>
+            <p:cNvCxnSpPr>
+              <a:cxnSpLocks/>
+            </p:cNvCxnSpPr>
+            <p:nvPr/>
+          </p:nvCxnSpPr>
+          <p:spPr>
+            <a:xfrm>
+              <a:off x="5965664" y="3295474"/>
+              <a:ext cx="606594" cy="0"/>
+            </a:xfrm>
+            <a:prstGeom prst="straightConnector1">
+              <a:avLst/>
+            </a:prstGeom>
+            <a:ln w="38100">
+              <a:solidFill>
+                <a:srgbClr val="0070C0"/>
+              </a:solidFill>
+              <a:tailEnd type="triangle"/>
+            </a:ln>
+          </p:spPr>
+          <p:style>
+            <a:lnRef idx="1">
+              <a:schemeClr val="accent1"/>
+            </a:lnRef>
+            <a:fillRef idx="0">
+              <a:schemeClr val="accent1"/>
+            </a:fillRef>
+            <a:effectRef idx="0">
+              <a:schemeClr val="accent1"/>
+            </a:effectRef>
+            <a:fontRef idx="minor">
+              <a:schemeClr val="tx1"/>
+            </a:fontRef>
+          </p:style>
+        </p:cxnSp>
+        <p:sp>
+          <p:nvSpPr>
+            <p:cNvPr id="93" name="TextBox 92">
+              <a:extLst>
+                <a:ext uri="{FF2B5EF4-FFF2-40B4-BE49-F238E27FC236}">
+                  <a16:creationId xmlns:a16="http://schemas.microsoft.com/office/drawing/2014/main" id="{1A765B98-DBBF-40D6-83CF-1515FBB45682}"/>
+                </a:ext>
+              </a:extLst>
+            </p:cNvPr>
+            <p:cNvSpPr txBox="1"/>
+            <p:nvPr/>
+          </p:nvSpPr>
+          <p:spPr>
+            <a:xfrm>
+              <a:off x="5719818" y="3336294"/>
+              <a:ext cx="1761518" cy="276999"/>
+            </a:xfrm>
+            <a:prstGeom prst="rect">
+              <a:avLst/>
+            </a:prstGeom>
+            <a:noFill/>
+          </p:spPr>
+          <p:txBody>
+            <a:bodyPr wrap="square" rtlCol="0">
+              <a:spAutoFit/>
+            </a:bodyPr>
+            <a:lstStyle/>
+            <a:p>
+              <a:r>
+                <a:rPr lang="en-US" altLang="zh-TW" sz="1200" dirty="0"/>
+                <a:t>U8 </a:t>
+              </a:r>
+              <a:r>
+                <a:rPr lang="en-US" altLang="zh-TW" sz="1200" dirty="0" err="1"/>
+                <a:t>lbp_hist</a:t>
+              </a:r>
+              <a:r>
+                <a:rPr lang="en-US" altLang="zh-TW" sz="1200" dirty="0"/>
+                <a:t>[256]</a:t>
+              </a:r>
+              <a:endParaRPr lang="zh-TW" altLang="en-US" sz="1200" dirty="0"/>
+            </a:p>
+          </p:txBody>
+        </p:sp>
+      </p:grpSp>
+      <p:pic>
+        <p:nvPicPr>
+          <p:cNvPr id="99" name="Picture 98">
+            <a:extLst>
+              <a:ext uri="{FF2B5EF4-FFF2-40B4-BE49-F238E27FC236}">
+                <a16:creationId xmlns:a16="http://schemas.microsoft.com/office/drawing/2014/main" id="{6F2A150D-E5E3-4D58-AA8B-58A89CD7D329}"/>
+              </a:ext>
+            </a:extLst>
+          </p:cNvPr>
+          <p:cNvPicPr>
+            <a:picLocks noChangeAspect="1"/>
+          </p:cNvPicPr>
+          <p:nvPr/>
+        </p:nvPicPr>
+        <p:blipFill>
+          <a:blip r:embed="rId4"/>
+          <a:stretch>
+            <a:fillRect/>
+          </a:stretch>
+        </p:blipFill>
+        <p:spPr>
+          <a:xfrm>
+            <a:off x="8956661" y="3150758"/>
+            <a:ext cx="327170" cy="435771"/>
+          </a:xfrm>
+          <a:prstGeom prst="rect">
+            <a:avLst/>
+          </a:prstGeom>
+        </p:spPr>
+      </p:pic>
+      <p:sp>
+        <p:nvSpPr>
+          <p:cNvPr id="102" name="TextBox 101">
+            <a:extLst>
+              <a:ext uri="{FF2B5EF4-FFF2-40B4-BE49-F238E27FC236}">
+                <a16:creationId xmlns:a16="http://schemas.microsoft.com/office/drawing/2014/main" id="{40B8F33B-5743-4E49-B69D-C92AC0B0BA17}"/>
+              </a:ext>
+            </a:extLst>
+          </p:cNvPr>
+          <p:cNvSpPr txBox="1"/>
+          <p:nvPr/>
+        </p:nvSpPr>
+        <p:spPr>
+          <a:xfrm>
+            <a:off x="8813484" y="2921846"/>
+            <a:ext cx="309927" cy="276999"/>
+          </a:xfrm>
+          <a:prstGeom prst="rect">
+            <a:avLst/>
+          </a:prstGeom>
+          <a:noFill/>
+        </p:spPr>
+        <p:txBody>
+          <a:bodyPr wrap="square" rtlCol="0">
+            <a:spAutoFit/>
+          </a:bodyPr>
+          <a:lstStyle/>
+          <a:p>
+            <a:r>
+              <a:rPr lang="en-US" altLang="zh-TW" sz="1200" dirty="0"/>
+              <a:t>N</a:t>
+            </a:r>
+            <a:endParaRPr lang="zh-TW" altLang="en-US" sz="1200" dirty="0"/>
+          </a:p>
+        </p:txBody>
+      </p:sp>
+      <p:sp>
+        <p:nvSpPr>
+          <p:cNvPr id="174" name="TextBox 173">
+            <a:extLst>
+              <a:ext uri="{FF2B5EF4-FFF2-40B4-BE49-F238E27FC236}">
+                <a16:creationId xmlns:a16="http://schemas.microsoft.com/office/drawing/2014/main" id="{CC306A6F-81E6-475A-8B05-668FB7729C87}"/>
+              </a:ext>
+            </a:extLst>
+          </p:cNvPr>
+          <p:cNvSpPr txBox="1"/>
+          <p:nvPr/>
+        </p:nvSpPr>
+        <p:spPr>
+          <a:xfrm>
+            <a:off x="206188" y="5014032"/>
+            <a:ext cx="1635610" cy="461665"/>
+          </a:xfrm>
+          <a:prstGeom prst="rect">
+            <a:avLst/>
+          </a:prstGeom>
+          <a:noFill/>
+        </p:spPr>
+        <p:txBody>
+          <a:bodyPr wrap="square" rtlCol="0">
+            <a:spAutoFit/>
+          </a:bodyPr>
+          <a:lstStyle/>
+          <a:p>
+            <a:r>
+              <a:rPr lang="en-US" altLang="zh-TW" sz="1200" dirty="0"/>
+              <a:t>U8 Array top_n_indices1[N,2]</a:t>
+            </a:r>
+            <a:endParaRPr lang="zh-TW" altLang="en-US" sz="1200" dirty="0"/>
+          </a:p>
+        </p:txBody>
+      </p:sp>
+      <p:sp>
+        <p:nvSpPr>
+          <p:cNvPr id="175" name="Rectangle 174">
+            <a:extLst>
+              <a:ext uri="{FF2B5EF4-FFF2-40B4-BE49-F238E27FC236}">
+                <a16:creationId xmlns:a16="http://schemas.microsoft.com/office/drawing/2014/main" id="{E2A9BC29-0B33-4266-8BBA-C6204FA5AF57}"/>
+              </a:ext>
+            </a:extLst>
+          </p:cNvPr>
+          <p:cNvSpPr/>
+          <p:nvPr/>
+        </p:nvSpPr>
+        <p:spPr>
+          <a:xfrm>
+            <a:off x="4016775" y="4617223"/>
+            <a:ext cx="1241024" cy="648000"/>
+          </a:xfrm>
+          <a:prstGeom prst="rect">
+            <a:avLst/>
+          </a:prstGeom>
+        </p:spPr>
+        <p:style>
+          <a:lnRef idx="2">
+            <a:schemeClr val="accent5">
+              <a:shade val="50000"/>
+            </a:schemeClr>
+          </a:lnRef>
+          <a:fillRef idx="1">
+            <a:schemeClr val="accent5"/>
+          </a:fillRef>
+          <a:effectRef idx="0">
+            <a:schemeClr val="accent5"/>
+          </a:effectRef>
+          <a:fontRef idx="minor">
+            <a:schemeClr val="lt1"/>
+          </a:fontRef>
+        </p:style>
+        <p:txBody>
+          <a:bodyPr rtlCol="0" anchor="ctr"/>
+          <a:lstStyle/>
+          <a:p>
+            <a:pPr algn="ctr"/>
+            <a:r>
+              <a:rPr lang="en-US" altLang="zh-TW" sz="1400" dirty="0" err="1"/>
+              <a:t>dist_compare</a:t>
+            </a:r>
+            <a:endParaRPr lang="en-US" altLang="zh-TW" sz="1400" dirty="0"/>
+          </a:p>
+        </p:txBody>
+      </p:sp>
+      <p:pic>
+        <p:nvPicPr>
+          <p:cNvPr id="179" name="Picture 178">
+            <a:extLst>
+              <a:ext uri="{FF2B5EF4-FFF2-40B4-BE49-F238E27FC236}">
+                <a16:creationId xmlns:a16="http://schemas.microsoft.com/office/drawing/2014/main" id="{C4480E10-5F35-4D14-AF49-D5459AB5B293}"/>
+              </a:ext>
+            </a:extLst>
+          </p:cNvPr>
+          <p:cNvPicPr>
+            <a:picLocks noChangeAspect="1"/>
+          </p:cNvPicPr>
+          <p:nvPr/>
+        </p:nvPicPr>
+        <p:blipFill>
+          <a:blip r:embed="rId2"/>
+          <a:stretch>
+            <a:fillRect/>
+          </a:stretch>
+        </p:blipFill>
+        <p:spPr>
+          <a:xfrm>
+            <a:off x="3516307" y="4638097"/>
+            <a:ext cx="553507" cy="280440"/>
+          </a:xfrm>
+          <a:prstGeom prst="rect">
+            <a:avLst/>
+          </a:prstGeom>
+        </p:spPr>
+      </p:pic>
+      <p:sp>
+        <p:nvSpPr>
+          <p:cNvPr id="180" name="TextBox 179">
+            <a:extLst>
+              <a:ext uri="{FF2B5EF4-FFF2-40B4-BE49-F238E27FC236}">
+                <a16:creationId xmlns:a16="http://schemas.microsoft.com/office/drawing/2014/main" id="{664B917D-5DFC-471E-9657-1DDFB7F7057D}"/>
+              </a:ext>
+            </a:extLst>
+          </p:cNvPr>
+          <p:cNvSpPr txBox="1"/>
+          <p:nvPr/>
+        </p:nvSpPr>
+        <p:spPr>
+          <a:xfrm>
+            <a:off x="3196626" y="4392157"/>
+            <a:ext cx="2269555" cy="276999"/>
+          </a:xfrm>
+          <a:prstGeom prst="rect">
+            <a:avLst/>
+          </a:prstGeom>
+          <a:noFill/>
+        </p:spPr>
+        <p:txBody>
+          <a:bodyPr wrap="square" rtlCol="0">
+            <a:spAutoFit/>
+          </a:bodyPr>
+          <a:lstStyle/>
+          <a:p>
+            <a:r>
+              <a:rPr lang="en-US" altLang="zh-TW" sz="1200" dirty="0"/>
+              <a:t>Threshold</a:t>
+            </a:r>
+            <a:endParaRPr lang="zh-TW" altLang="en-US" sz="1200" dirty="0"/>
+          </a:p>
+        </p:txBody>
+      </p:sp>
+      <p:cxnSp>
+        <p:nvCxnSpPr>
+          <p:cNvPr id="181" name="Straight Arrow Connector 180">
+            <a:extLst>
+              <a:ext uri="{FF2B5EF4-FFF2-40B4-BE49-F238E27FC236}">
+                <a16:creationId xmlns:a16="http://schemas.microsoft.com/office/drawing/2014/main" id="{CC28693B-B9A0-49C5-A3C7-82F42028DF9E}"/>
+              </a:ext>
+            </a:extLst>
+          </p:cNvPr>
+          <p:cNvCxnSpPr>
+            <a:cxnSpLocks/>
+          </p:cNvCxnSpPr>
+          <p:nvPr/>
+        </p:nvCxnSpPr>
+        <p:spPr>
+          <a:xfrm>
+            <a:off x="5257799" y="5094283"/>
+            <a:ext cx="487830" cy="0"/>
+          </a:xfrm>
+          <a:prstGeom prst="straightConnector1">
+            <a:avLst/>
+          </a:prstGeom>
+          <a:ln w="38100">
+            <a:solidFill>
+              <a:srgbClr val="0070C0"/>
+            </a:solidFill>
+            <a:tailEnd type="triangle"/>
+          </a:ln>
+        </p:spPr>
+        <p:style>
+          <a:lnRef idx="1">
+            <a:schemeClr val="accent1"/>
+          </a:lnRef>
+          <a:fillRef idx="0">
+            <a:schemeClr val="accent1"/>
+          </a:fillRef>
+          <a:effectRef idx="0">
+            <a:schemeClr val="accent1"/>
+          </a:effectRef>
+          <a:fontRef idx="minor">
+            <a:schemeClr val="tx1"/>
+          </a:fontRef>
+        </p:style>
+      </p:cxnSp>
+      <p:sp>
+        <p:nvSpPr>
+          <p:cNvPr id="182" name="TextBox 181">
+            <a:extLst>
+              <a:ext uri="{FF2B5EF4-FFF2-40B4-BE49-F238E27FC236}">
+                <a16:creationId xmlns:a16="http://schemas.microsoft.com/office/drawing/2014/main" id="{5859EAF4-54BB-43AC-A946-21AE89C2444C}"/>
+              </a:ext>
+            </a:extLst>
+          </p:cNvPr>
+          <p:cNvSpPr txBox="1"/>
+          <p:nvPr/>
+        </p:nvSpPr>
+        <p:spPr>
+          <a:xfrm>
+            <a:off x="5280816" y="4822131"/>
+            <a:ext cx="1932965" cy="276999"/>
+          </a:xfrm>
+          <a:prstGeom prst="rect">
+            <a:avLst/>
+          </a:prstGeom>
+          <a:noFill/>
+        </p:spPr>
+        <p:txBody>
+          <a:bodyPr wrap="square" rtlCol="0">
+            <a:spAutoFit/>
+          </a:bodyPr>
+          <a:lstStyle/>
+          <a:p>
+            <a:r>
+              <a:rPr lang="en-US" altLang="zh-TW" sz="1200" dirty="0"/>
+              <a:t>U8 Image Result Mask[L,W]</a:t>
+            </a:r>
+            <a:endParaRPr lang="zh-TW" altLang="en-US" sz="1200" dirty="0"/>
+          </a:p>
+        </p:txBody>
+      </p:sp>
+      <p:grpSp>
+        <p:nvGrpSpPr>
+          <p:cNvPr id="64" name="Group 63">
+            <a:extLst>
+              <a:ext uri="{FF2B5EF4-FFF2-40B4-BE49-F238E27FC236}">
+                <a16:creationId xmlns:a16="http://schemas.microsoft.com/office/drawing/2014/main" id="{CB47365E-C99D-449D-A029-8F0283EB4825}"/>
+              </a:ext>
+            </a:extLst>
+          </p:cNvPr>
+          <p:cNvGrpSpPr/>
+          <p:nvPr/>
+        </p:nvGrpSpPr>
+        <p:grpSpPr>
+          <a:xfrm>
+            <a:off x="143435" y="4478723"/>
+            <a:ext cx="1697991" cy="461665"/>
+            <a:chOff x="690064" y="2977373"/>
+            <a:chExt cx="1697991" cy="461665"/>
+          </a:xfrm>
+        </p:grpSpPr>
+        <p:sp>
+          <p:nvSpPr>
+            <p:cNvPr id="66" name="TextBox 65">
+              <a:extLst>
+                <a:ext uri="{FF2B5EF4-FFF2-40B4-BE49-F238E27FC236}">
+                  <a16:creationId xmlns:a16="http://schemas.microsoft.com/office/drawing/2014/main" id="{328B385F-77CB-4067-94E0-6E471A886CCD}"/>
+                </a:ext>
+              </a:extLst>
+            </p:cNvPr>
+            <p:cNvSpPr txBox="1"/>
+            <p:nvPr/>
+          </p:nvSpPr>
+          <p:spPr>
+            <a:xfrm>
+              <a:off x="690064" y="2977373"/>
+              <a:ext cx="1697991" cy="461665"/>
+            </a:xfrm>
+            <a:prstGeom prst="rect">
+              <a:avLst/>
+            </a:prstGeom>
+            <a:noFill/>
+          </p:spPr>
+          <p:txBody>
+            <a:bodyPr wrap="square" rtlCol="0">
+              <a:spAutoFit/>
+            </a:bodyPr>
+            <a:lstStyle/>
+            <a:p>
+              <a:r>
+                <a:rPr lang="en-US" altLang="zh-TW" sz="1200" dirty="0"/>
+                <a:t>U8 Array top_n_indices2[N,2]</a:t>
+              </a:r>
+              <a:endParaRPr lang="zh-TW" altLang="en-US" sz="1200" dirty="0"/>
+            </a:p>
+          </p:txBody>
+        </p:sp>
+        <p:cxnSp>
+          <p:nvCxnSpPr>
+            <p:cNvPr id="65" name="Straight Arrow Connector 64">
+              <a:extLst>
+                <a:ext uri="{FF2B5EF4-FFF2-40B4-BE49-F238E27FC236}">
+                  <a16:creationId xmlns:a16="http://schemas.microsoft.com/office/drawing/2014/main" id="{464E4C5B-0805-42D3-9F1E-6BA55C2359E4}"/>
+                </a:ext>
+              </a:extLst>
+            </p:cNvPr>
+            <p:cNvCxnSpPr>
+              <a:cxnSpLocks/>
+            </p:cNvCxnSpPr>
+            <p:nvPr/>
+          </p:nvCxnSpPr>
+          <p:spPr>
+            <a:xfrm>
+              <a:off x="1365251" y="3260412"/>
+              <a:ext cx="1016346" cy="0"/>
+            </a:xfrm>
+            <a:prstGeom prst="straightConnector1">
+              <a:avLst/>
+            </a:prstGeom>
+            <a:ln w="38100">
+              <a:solidFill>
+                <a:srgbClr val="0070C0"/>
+              </a:solidFill>
+              <a:tailEnd type="triangle"/>
+            </a:ln>
+          </p:spPr>
+          <p:style>
+            <a:lnRef idx="1">
+              <a:schemeClr val="accent1"/>
+            </a:lnRef>
+            <a:fillRef idx="0">
+              <a:schemeClr val="accent1"/>
+            </a:fillRef>
+            <a:effectRef idx="0">
+              <a:schemeClr val="accent1"/>
+            </a:effectRef>
+            <a:fontRef idx="minor">
+              <a:schemeClr val="tx1"/>
+            </a:fontRef>
+          </p:style>
+        </p:cxnSp>
+      </p:grpSp>
+      <p:sp>
+        <p:nvSpPr>
+          <p:cNvPr id="68" name="TextBox 67">
+            <a:extLst>
+              <a:ext uri="{FF2B5EF4-FFF2-40B4-BE49-F238E27FC236}">
+                <a16:creationId xmlns:a16="http://schemas.microsoft.com/office/drawing/2014/main" id="{64797A23-A403-41C3-BA47-DE5E1E794CC2}"/>
+              </a:ext>
+            </a:extLst>
+          </p:cNvPr>
+          <p:cNvSpPr txBox="1"/>
+          <p:nvPr/>
+        </p:nvSpPr>
+        <p:spPr>
+          <a:xfrm>
+            <a:off x="6001551" y="3121857"/>
+            <a:ext cx="1337736" cy="276999"/>
+          </a:xfrm>
+          <a:prstGeom prst="rect">
+            <a:avLst/>
+          </a:prstGeom>
+          <a:noFill/>
+        </p:spPr>
+        <p:txBody>
+          <a:bodyPr wrap="square" rtlCol="0">
+            <a:spAutoFit/>
+          </a:bodyPr>
+          <a:lstStyle/>
+          <a:p>
+            <a:r>
+              <a:rPr lang="en-US" altLang="zh-TW" sz="1200" dirty="0" err="1"/>
+              <a:t>bfs_stride</a:t>
+            </a:r>
+            <a:endParaRPr lang="zh-TW" altLang="en-US" sz="1200" dirty="0"/>
+          </a:p>
+        </p:txBody>
+      </p:sp>
+      <p:sp>
+        <p:nvSpPr>
+          <p:cNvPr id="69" name="TextBox 68">
+            <a:extLst>
+              <a:ext uri="{FF2B5EF4-FFF2-40B4-BE49-F238E27FC236}">
+                <a16:creationId xmlns:a16="http://schemas.microsoft.com/office/drawing/2014/main" id="{92B5074B-355C-4979-8C53-7E82AC937E82}"/>
+              </a:ext>
+            </a:extLst>
+          </p:cNvPr>
+          <p:cNvSpPr txBox="1"/>
+          <p:nvPr/>
+        </p:nvSpPr>
+        <p:spPr>
+          <a:xfrm>
+            <a:off x="5801539" y="2958225"/>
+            <a:ext cx="1337736" cy="276999"/>
+          </a:xfrm>
+          <a:prstGeom prst="rect">
+            <a:avLst/>
+          </a:prstGeom>
+          <a:noFill/>
+        </p:spPr>
+        <p:txBody>
+          <a:bodyPr wrap="square" rtlCol="0">
+            <a:spAutoFit/>
+          </a:bodyPr>
+          <a:lstStyle/>
+          <a:p>
+            <a:r>
+              <a:rPr lang="en-US" altLang="zh-TW" sz="1200" dirty="0" err="1"/>
+              <a:t>kernel_center</a:t>
+            </a:r>
+            <a:endParaRPr lang="zh-TW" altLang="en-US" sz="1200" dirty="0"/>
+          </a:p>
+        </p:txBody>
+      </p:sp>
+      <p:pic>
+        <p:nvPicPr>
+          <p:cNvPr id="70" name="Picture 69">
+            <a:extLst>
+              <a:ext uri="{FF2B5EF4-FFF2-40B4-BE49-F238E27FC236}">
+                <a16:creationId xmlns:a16="http://schemas.microsoft.com/office/drawing/2014/main" id="{2DF51A17-6B7D-42EC-AB8F-9EC4EF91E7A3}"/>
+              </a:ext>
+            </a:extLst>
+          </p:cNvPr>
+          <p:cNvPicPr>
+            <a:picLocks noChangeAspect="1"/>
+          </p:cNvPicPr>
+          <p:nvPr/>
+        </p:nvPicPr>
+        <p:blipFill>
+          <a:blip r:embed="rId3"/>
+          <a:stretch>
+            <a:fillRect/>
+          </a:stretch>
+        </p:blipFill>
+        <p:spPr>
+          <a:xfrm>
+            <a:off x="6035169" y="3291930"/>
+            <a:ext cx="218767" cy="489572"/>
+          </a:xfrm>
+          <a:prstGeom prst="rect">
+            <a:avLst/>
+          </a:prstGeom>
+        </p:spPr>
+      </p:pic>
+      <p:sp>
+        <p:nvSpPr>
+          <p:cNvPr id="75" name="TextBox 74">
+            <a:extLst>
+              <a:ext uri="{FF2B5EF4-FFF2-40B4-BE49-F238E27FC236}">
+                <a16:creationId xmlns:a16="http://schemas.microsoft.com/office/drawing/2014/main" id="{BB596135-98AF-4D4C-A7DE-04D808F8D609}"/>
+              </a:ext>
+            </a:extLst>
+          </p:cNvPr>
+          <p:cNvSpPr txBox="1"/>
+          <p:nvPr/>
+        </p:nvSpPr>
+        <p:spPr>
+          <a:xfrm>
+            <a:off x="7389239" y="2941529"/>
+            <a:ext cx="1337736" cy="276999"/>
+          </a:xfrm>
+          <a:prstGeom prst="rect">
+            <a:avLst/>
+          </a:prstGeom>
+          <a:noFill/>
+        </p:spPr>
+        <p:txBody>
+          <a:bodyPr wrap="square" rtlCol="0">
+            <a:spAutoFit/>
+          </a:bodyPr>
+          <a:lstStyle/>
+          <a:p>
+            <a:r>
+              <a:rPr lang="en-US" altLang="zh-TW" sz="1200" dirty="0" err="1"/>
+              <a:t>lbp_kernel_size</a:t>
+            </a:r>
+            <a:endParaRPr lang="zh-TW" altLang="en-US" sz="1200" dirty="0"/>
+          </a:p>
+        </p:txBody>
+      </p:sp>
+      <p:sp>
+        <p:nvSpPr>
+          <p:cNvPr id="77" name="TextBox 76">
+            <a:extLst>
+              <a:ext uri="{FF2B5EF4-FFF2-40B4-BE49-F238E27FC236}">
+                <a16:creationId xmlns:a16="http://schemas.microsoft.com/office/drawing/2014/main" id="{6DDE5289-4F49-43B6-AD06-B7A85846A075}"/>
+              </a:ext>
+            </a:extLst>
+          </p:cNvPr>
+          <p:cNvSpPr txBox="1"/>
+          <p:nvPr/>
+        </p:nvSpPr>
+        <p:spPr>
+          <a:xfrm>
+            <a:off x="7553284" y="3127870"/>
+            <a:ext cx="1337736" cy="276999"/>
+          </a:xfrm>
+          <a:prstGeom prst="rect">
+            <a:avLst/>
+          </a:prstGeom>
+          <a:noFill/>
+        </p:spPr>
+        <p:txBody>
+          <a:bodyPr wrap="square" rtlCol="0">
+            <a:spAutoFit/>
+          </a:bodyPr>
+          <a:lstStyle/>
+          <a:p>
+            <a:r>
+              <a:rPr lang="en-US" altLang="zh-TW" sz="1200"/>
+              <a:t>lbp_kernel_center</a:t>
+            </a:r>
+            <a:endParaRPr lang="zh-TW" altLang="en-US" sz="1200" dirty="0"/>
+          </a:p>
+        </p:txBody>
+      </p:sp>
+      <p:pic>
+        <p:nvPicPr>
+          <p:cNvPr id="94" name="Picture 93">
+            <a:extLst>
+              <a:ext uri="{FF2B5EF4-FFF2-40B4-BE49-F238E27FC236}">
+                <a16:creationId xmlns:a16="http://schemas.microsoft.com/office/drawing/2014/main" id="{91B3F784-1DCF-4AB7-9A5D-E74AA4F78617}"/>
+              </a:ext>
+            </a:extLst>
+          </p:cNvPr>
+          <p:cNvPicPr>
+            <a:picLocks noChangeAspect="1"/>
+          </p:cNvPicPr>
+          <p:nvPr/>
+        </p:nvPicPr>
+        <p:blipFill>
+          <a:blip r:embed="rId3"/>
+          <a:stretch>
+            <a:fillRect/>
+          </a:stretch>
+        </p:blipFill>
+        <p:spPr>
+          <a:xfrm>
+            <a:off x="7471149" y="3202055"/>
+            <a:ext cx="366544" cy="489572"/>
+          </a:xfrm>
+          <a:prstGeom prst="rect">
+            <a:avLst/>
+          </a:prstGeom>
+        </p:spPr>
+      </p:pic>
+      <p:pic>
+        <p:nvPicPr>
+          <p:cNvPr id="96" name="Picture 95">
+            <a:extLst>
+              <a:ext uri="{FF2B5EF4-FFF2-40B4-BE49-F238E27FC236}">
+                <a16:creationId xmlns:a16="http://schemas.microsoft.com/office/drawing/2014/main" id="{6B7896A0-1F47-41CC-B2B3-EE04A4B2D8D6}"/>
+              </a:ext>
+            </a:extLst>
+          </p:cNvPr>
+          <p:cNvPicPr>
+            <a:picLocks noChangeAspect="1"/>
+          </p:cNvPicPr>
+          <p:nvPr/>
+        </p:nvPicPr>
+        <p:blipFill>
+          <a:blip r:embed="rId3"/>
+          <a:stretch>
+            <a:fillRect/>
+          </a:stretch>
+        </p:blipFill>
+        <p:spPr>
+          <a:xfrm>
+            <a:off x="7618925" y="3318708"/>
+            <a:ext cx="218767" cy="489572"/>
+          </a:xfrm>
+          <a:prstGeom prst="rect">
+            <a:avLst/>
+          </a:prstGeom>
+        </p:spPr>
+      </p:pic>
+    </p:spTree>
+    <p:extLst>
+      <p:ext uri="{BB962C8B-B14F-4D97-AF65-F5344CB8AC3E}">
+        <p14:creationId xmlns:p14="http://schemas.microsoft.com/office/powerpoint/2010/main" val="4286049701"/>
+      </p:ext>
+    </p:extLst>
+  </p:cSld>
+  <p:clrMapOvr>
+    <a:masterClrMapping/>
+  </p:clrMapOvr>
+</p:sld>
+</file>
+
+<file path=ppt/slides/slide5.xml><?xml version="1.0" encoding="utf-8"?>
+<p:sld xmlns:a="http://schemas.openxmlformats.org/drawingml/2006/main" xmlns:r="http://schemas.openxmlformats.org/officeDocument/2006/relationships" xmlns:p="http://schemas.openxmlformats.org/presentationml/2006/main">
+  <p:cSld>
+    <p:spTree>
+      <p:nvGrpSpPr>
+        <p:cNvPr id="1" name=""/>
+        <p:cNvGrpSpPr/>
+        <p:nvPr/>
+      </p:nvGrpSpPr>
+      <p:grpSpPr>
+        <a:xfrm>
+          <a:off x="0" y="0"/>
+          <a:ext cx="0" cy="0"/>
+          <a:chOff x="0" y="0"/>
+          <a:chExt cx="0" cy="0"/>
+        </a:xfrm>
+      </p:grpSpPr>
+      <p:sp>
+        <p:nvSpPr>
+          <p:cNvPr id="2" name="Title 1">
+            <a:extLst>
+              <a:ext uri="{FF2B5EF4-FFF2-40B4-BE49-F238E27FC236}">
+                <a16:creationId xmlns:a16="http://schemas.microsoft.com/office/drawing/2014/main" id="{E5D2891B-F272-4498-BEBE-DE4BC2C6506E}"/>
+              </a:ext>
+            </a:extLst>
+          </p:cNvPr>
+          <p:cNvSpPr>
+            <a:spLocks noGrp="1"/>
+          </p:cNvSpPr>
+          <p:nvPr>
+            <p:ph type="title"/>
+          </p:nvPr>
+        </p:nvSpPr>
+        <p:spPr>
+          <a:xfrm>
+            <a:off x="838200" y="18255"/>
+            <a:ext cx="10515600" cy="1325563"/>
+          </a:xfrm>
+        </p:spPr>
+        <p:txBody>
+          <a:bodyPr/>
+          <a:lstStyle/>
+          <a:p>
+            <a:r>
+              <a:rPr lang="en-US" altLang="zh-TW" dirty="0"/>
+              <a:t>API structure</a:t>
+            </a:r>
+            <a:endParaRPr lang="zh-TW" altLang="en-US" dirty="0"/>
+          </a:p>
+        </p:txBody>
+      </p:sp>
+      <p:sp>
+        <p:nvSpPr>
+          <p:cNvPr id="5" name="Content Placeholder 4">
+            <a:extLst>
+              <a:ext uri="{FF2B5EF4-FFF2-40B4-BE49-F238E27FC236}">
+                <a16:creationId xmlns:a16="http://schemas.microsoft.com/office/drawing/2014/main" id="{8EAB92C2-B7FD-4C97-80EC-B8EBC7A487F3}"/>
+              </a:ext>
+            </a:extLst>
+          </p:cNvPr>
+          <p:cNvSpPr>
+            <a:spLocks noGrp="1"/>
+          </p:cNvSpPr>
+          <p:nvPr>
+            <p:ph idx="1"/>
+          </p:nvPr>
+        </p:nvSpPr>
+        <p:spPr>
+          <a:xfrm>
+            <a:off x="251012" y="1009837"/>
+            <a:ext cx="11689976" cy="4351338"/>
+          </a:xfrm>
+        </p:spPr>
+        <p:txBody>
+          <a:bodyPr>
+            <a:normAutofit/>
+          </a:bodyPr>
+          <a:lstStyle/>
+          <a:p>
+            <a:pPr marL="0" indent="0">
+              <a:buNone/>
+            </a:pPr>
+            <a:r>
+              <a:rPr lang="en-US" altLang="zh-TW" sz="1800" dirty="0" err="1"/>
+              <a:t>Gray_img</a:t>
+            </a:r>
+            <a:r>
+              <a:rPr lang="en-US" altLang="zh-TW" sz="1800" dirty="0"/>
+              <a:t> = Grayscale(</a:t>
+            </a:r>
+            <a:r>
+              <a:rPr lang="en-US" altLang="zh-TW" sz="1800" dirty="0" err="1"/>
+              <a:t>Source_img</a:t>
+            </a:r>
+            <a:r>
+              <a:rPr lang="en-US" altLang="zh-TW" sz="1800" dirty="0"/>
+              <a:t>)</a:t>
+            </a:r>
+          </a:p>
+          <a:p>
+            <a:pPr marL="0" indent="0">
+              <a:buNone/>
+            </a:pPr>
+            <a:r>
+              <a:rPr lang="en-US" altLang="zh-TW" sz="1800" dirty="0" err="1"/>
+              <a:t>Sobel_img</a:t>
+            </a:r>
+            <a:r>
+              <a:rPr lang="en-US" altLang="zh-TW" sz="1800" dirty="0"/>
+              <a:t> = Sobel(</a:t>
+            </a:r>
+            <a:r>
+              <a:rPr lang="en-US" altLang="zh-TW" sz="1800" dirty="0" err="1"/>
+              <a:t>Gray_img</a:t>
+            </a:r>
+            <a:r>
+              <a:rPr lang="en-US" altLang="zh-TW" sz="1800" dirty="0"/>
+              <a:t>, </a:t>
+            </a:r>
+            <a:r>
+              <a:rPr lang="en-US" altLang="zh-TW" sz="1800" dirty="0" err="1"/>
+              <a:t>Sobel_kernel_size</a:t>
+            </a:r>
+            <a:r>
+              <a:rPr lang="en-US" altLang="zh-TW" sz="1800" dirty="0"/>
+              <a:t>)</a:t>
+            </a:r>
+          </a:p>
+          <a:p>
+            <a:pPr marL="0" indent="0">
+              <a:buNone/>
+            </a:pPr>
+            <a:r>
+              <a:rPr lang="en-US" altLang="zh-TW" sz="1800" dirty="0"/>
+              <a:t>bool[n] </a:t>
+            </a:r>
+            <a:r>
+              <a:rPr lang="en-US" altLang="zh-TW" sz="1800" dirty="0" err="1"/>
+              <a:t>is_road_array</a:t>
+            </a:r>
+            <a:endParaRPr lang="en-US" altLang="zh-TW" sz="1800" dirty="0"/>
+          </a:p>
+          <a:p>
+            <a:pPr marL="0" indent="0">
+              <a:buNone/>
+            </a:pPr>
+            <a:r>
+              <a:rPr lang="en-US" altLang="zh-TW" sz="1800" dirty="0" err="1"/>
+              <a:t>center_x</a:t>
+            </a:r>
+            <a:r>
+              <a:rPr lang="en-US" altLang="zh-TW" sz="1800" dirty="0"/>
+              <a:t>, </a:t>
+            </a:r>
+            <a:r>
+              <a:rPr lang="en-US" altLang="zh-TW" sz="1800" dirty="0" err="1"/>
+              <a:t>center_y</a:t>
+            </a:r>
+            <a:r>
+              <a:rPr lang="en-US" altLang="zh-TW" sz="1800" dirty="0"/>
+              <a:t>  // Kernel center point coordinate)</a:t>
+            </a:r>
+          </a:p>
+          <a:p>
+            <a:pPr marL="0" indent="0">
+              <a:buNone/>
+            </a:pPr>
+            <a:r>
+              <a:rPr lang="en-US" altLang="zh-TW" sz="1800" dirty="0"/>
+              <a:t>While (</a:t>
+            </a:r>
+            <a:r>
+              <a:rPr lang="en-US" altLang="zh-TW" sz="1800" dirty="0" err="1"/>
+              <a:t>is_road_array</a:t>
+            </a:r>
+            <a:r>
+              <a:rPr lang="en-US" altLang="zh-TW" sz="1800" dirty="0"/>
+              <a:t> mapped to u16) is True:</a:t>
+            </a:r>
+          </a:p>
+          <a:p>
+            <a:pPr marL="0" indent="0">
+              <a:buNone/>
+            </a:pPr>
+            <a:r>
+              <a:rPr lang="en-US" altLang="zh-TW" sz="1800" dirty="0"/>
+              <a:t>	kernel = </a:t>
+            </a:r>
+            <a:r>
+              <a:rPr lang="en-US" altLang="zh-TW" sz="1800" dirty="0" err="1"/>
+              <a:t>Get_kernel</a:t>
+            </a:r>
+            <a:r>
+              <a:rPr lang="en-US" altLang="zh-TW" sz="1800" dirty="0"/>
+              <a:t>(Sobel, k=</a:t>
+            </a:r>
+            <a:r>
+              <a:rPr lang="en-US" altLang="zh-TW" sz="1800" dirty="0" err="1"/>
+              <a:t>BFS_kernel_size</a:t>
+            </a:r>
+            <a:r>
+              <a:rPr lang="en-US" altLang="zh-TW" sz="1800" dirty="0"/>
+              <a:t>, c=[last index, middle index])</a:t>
+            </a:r>
+          </a:p>
+          <a:p>
+            <a:pPr marL="0" indent="0">
+              <a:buNone/>
+            </a:pPr>
+            <a:r>
+              <a:rPr lang="en-US" altLang="zh-TW" sz="1800" dirty="0"/>
+              <a:t>	</a:t>
+            </a:r>
+            <a:r>
+              <a:rPr lang="en-US" altLang="zh-TW" sz="1800" dirty="0" err="1"/>
+              <a:t>kernel_arr</a:t>
+            </a:r>
+            <a:r>
+              <a:rPr lang="en-US" altLang="zh-TW" sz="1800" dirty="0"/>
+              <a:t> = </a:t>
+            </a:r>
+            <a:r>
+              <a:rPr lang="en-US" altLang="zh-TW" sz="1800" dirty="0" err="1"/>
+              <a:t>kernel.Kernel_Array</a:t>
+            </a:r>
+            <a:endParaRPr lang="en-US" altLang="zh-TW" sz="1800" dirty="0"/>
+          </a:p>
+          <a:p>
+            <a:pPr marL="0" indent="0">
+              <a:buNone/>
+            </a:pPr>
+            <a:r>
+              <a:rPr lang="en-US" altLang="zh-TW" sz="1800" dirty="0"/>
+              <a:t>	</a:t>
+            </a:r>
+          </a:p>
+        </p:txBody>
+      </p:sp>
+    </p:spTree>
+    <p:extLst>
+      <p:ext uri="{BB962C8B-B14F-4D97-AF65-F5344CB8AC3E}">
+        <p14:creationId xmlns:p14="http://schemas.microsoft.com/office/powerpoint/2010/main" val="3652483277"/>
       </p:ext>
     </p:extLst>
   </p:cSld>
@@ -10194,174 +12492,180 @@
           </a:xfrm>
         </p:spPr>
         <p:txBody>
-          <a:bodyPr>
-            <a:normAutofit/>
+          <a:bodyPr/>
+          <a:lstStyle/>
+          <a:p>
+            <a:r>
+              <a:rPr lang="en-US" altLang="zh-TW" dirty="0" err="1"/>
+              <a:t>Get_kernel</a:t>
+            </a:r>
+            <a:endParaRPr lang="en-US" altLang="zh-TW" dirty="0"/>
+          </a:p>
+          <a:p>
+            <a:pPr lvl="1"/>
+            <a:r>
+              <a:rPr lang="en-US" altLang="zh-TW" dirty="0"/>
+              <a:t>Input: (u8 array) </a:t>
+            </a:r>
+            <a:r>
+              <a:rPr lang="en-US" altLang="zh-TW" dirty="0" err="1"/>
+              <a:t>Sobel_Image</a:t>
+            </a:r>
+            <a:endParaRPr lang="en-US" altLang="zh-TW" dirty="0"/>
+          </a:p>
+          <a:p>
+            <a:pPr lvl="1"/>
+            <a:r>
+              <a:rPr lang="en-US" altLang="zh-TW" dirty="0"/>
+              <a:t>Output: (Struct or Object) Kernel:</a:t>
+            </a:r>
+          </a:p>
+          <a:p>
+            <a:pPr lvl="2"/>
+            <a:r>
+              <a:rPr lang="en-US" altLang="zh-TW" dirty="0"/>
+              <a:t>(u8 array[</a:t>
+            </a:r>
+            <a:r>
+              <a:rPr lang="en-US" altLang="zh-TW" dirty="0" err="1"/>
+              <a:t>k,k</a:t>
+            </a:r>
+            <a:r>
+              <a:rPr lang="en-US" altLang="zh-TW" dirty="0"/>
+              <a:t>]) </a:t>
+            </a:r>
+            <a:r>
+              <a:rPr lang="en-US" altLang="zh-TW" dirty="0" err="1"/>
+              <a:t>Kernel_Array</a:t>
+            </a:r>
+            <a:endParaRPr lang="en-US" altLang="zh-TW" dirty="0"/>
+          </a:p>
+          <a:p>
+            <a:pPr lvl="2"/>
+            <a:r>
+              <a:rPr lang="en-US" altLang="zh-TW" dirty="0"/>
+              <a:t>(u8) </a:t>
+            </a:r>
+            <a:r>
+              <a:rPr lang="en-US" altLang="zh-TW" dirty="0" err="1"/>
+              <a:t>start_x</a:t>
+            </a:r>
+            <a:endParaRPr lang="en-US" altLang="zh-TW" dirty="0"/>
+          </a:p>
+          <a:p>
+            <a:pPr lvl="2"/>
+            <a:r>
+              <a:rPr lang="en-US" altLang="zh-TW" dirty="0"/>
+              <a:t>(u8) </a:t>
+            </a:r>
+            <a:r>
+              <a:rPr lang="en-US" altLang="zh-TW" dirty="0" err="1"/>
+              <a:t>start_y</a:t>
+            </a:r>
+            <a:endParaRPr lang="en-US" altLang="zh-TW" dirty="0"/>
+          </a:p>
+          <a:p>
+            <a:pPr lvl="2"/>
+            <a:r>
+              <a:rPr lang="en-US" altLang="zh-TW" dirty="0"/>
+              <a:t>(u8) </a:t>
+            </a:r>
+            <a:r>
+              <a:rPr lang="en-US" altLang="zh-TW" dirty="0" err="1"/>
+              <a:t>end_x</a:t>
+            </a:r>
+            <a:endParaRPr lang="en-US" altLang="zh-TW" dirty="0"/>
+          </a:p>
+          <a:p>
+            <a:pPr lvl="2"/>
+            <a:r>
+              <a:rPr lang="en-US" altLang="zh-TW" dirty="0"/>
+              <a:t>(u8) </a:t>
+            </a:r>
+            <a:r>
+              <a:rPr lang="en-US" altLang="zh-TW" dirty="0" err="1"/>
+              <a:t>end_y</a:t>
+            </a:r>
+            <a:endParaRPr lang="en-US" altLang="zh-TW" dirty="0"/>
+          </a:p>
+          <a:p>
+            <a:pPr lvl="1"/>
+            <a:r>
+              <a:rPr lang="en-US" altLang="zh-TW" dirty="0"/>
+              <a:t>Parameters: (u8) Kernel Size (k), (u8) Kernel Center[X,Y] (c[2])</a:t>
+            </a:r>
+          </a:p>
+        </p:txBody>
+      </p:sp>
+      <p:sp>
+        <p:nvSpPr>
+          <p:cNvPr id="16" name="TextBox 15">
+            <a:extLst>
+              <a:ext uri="{FF2B5EF4-FFF2-40B4-BE49-F238E27FC236}">
+                <a16:creationId xmlns:a16="http://schemas.microsoft.com/office/drawing/2014/main" id="{48892B65-2F8B-4E53-807E-272D24ED76DB}"/>
+              </a:ext>
+            </a:extLst>
+          </p:cNvPr>
+          <p:cNvSpPr txBox="1"/>
+          <p:nvPr/>
+        </p:nvSpPr>
+        <p:spPr>
+          <a:xfrm>
+            <a:off x="1752600" y="4536519"/>
+            <a:ext cx="6096000" cy="369332"/>
+          </a:xfrm>
+          <a:prstGeom prst="rect">
+            <a:avLst/>
+          </a:prstGeom>
+          <a:noFill/>
+        </p:spPr>
+        <p:txBody>
+          <a:bodyPr wrap="square">
+            <a:spAutoFit/>
           </a:bodyPr>
           <a:lstStyle/>
           <a:p>
-            <a:pPr marL="0" indent="0">
-              <a:buNone/>
-            </a:pPr>
-            <a:r>
-              <a:rPr lang="en-US" altLang="zh-TW" sz="1800" dirty="0" err="1"/>
-              <a:t>Gray_img</a:t>
-            </a:r>
-            <a:r>
-              <a:rPr lang="en-US" altLang="zh-TW" sz="1800" dirty="0"/>
-              <a:t> = Grayscale(</a:t>
-            </a:r>
-            <a:r>
-              <a:rPr lang="en-US" altLang="zh-TW" sz="1800" dirty="0" err="1"/>
-              <a:t>Source_img</a:t>
-            </a:r>
-            <a:r>
-              <a:rPr lang="en-US" altLang="zh-TW" sz="1800" dirty="0"/>
-              <a:t>)</a:t>
-            </a:r>
-          </a:p>
-          <a:p>
-            <a:pPr marL="0" indent="0">
-              <a:buNone/>
-            </a:pPr>
-            <a:r>
-              <a:rPr lang="en-US" altLang="zh-TW" sz="1800" dirty="0" err="1"/>
-              <a:t>Sobel_img</a:t>
-            </a:r>
-            <a:r>
-              <a:rPr lang="en-US" altLang="zh-TW" sz="1800" dirty="0"/>
-              <a:t> = Sobel(</a:t>
-            </a:r>
-            <a:r>
-              <a:rPr lang="en-US" altLang="zh-TW" sz="1800" dirty="0" err="1"/>
-              <a:t>Gray_img</a:t>
-            </a:r>
-            <a:r>
-              <a:rPr lang="en-US" altLang="zh-TW" sz="1800" dirty="0"/>
-              <a:t>, </a:t>
-            </a:r>
-            <a:r>
-              <a:rPr lang="en-US" altLang="zh-TW" sz="1800" dirty="0" err="1"/>
-              <a:t>Sobel_kernel_size</a:t>
-            </a:r>
-            <a:r>
-              <a:rPr lang="en-US" altLang="zh-TW" sz="1800" dirty="0"/>
-              <a:t>)</a:t>
-            </a:r>
-          </a:p>
-          <a:p>
-            <a:pPr marL="0" indent="0">
-              <a:buNone/>
-            </a:pPr>
-            <a:r>
-              <a:rPr lang="en-US" altLang="zh-TW" sz="1800" dirty="0"/>
-              <a:t>bool[n] </a:t>
-            </a:r>
-            <a:r>
-              <a:rPr lang="en-US" altLang="zh-TW" sz="1800" dirty="0" err="1"/>
-              <a:t>is_road_array</a:t>
-            </a:r>
-            <a:endParaRPr lang="en-US" altLang="zh-TW" sz="1800" dirty="0"/>
-          </a:p>
-          <a:p>
-            <a:pPr marL="0" indent="0">
-              <a:buNone/>
-            </a:pPr>
-            <a:r>
-              <a:rPr lang="en-US" altLang="zh-TW" sz="1800" dirty="0" err="1"/>
-              <a:t>center_x</a:t>
-            </a:r>
-            <a:r>
-              <a:rPr lang="en-US" altLang="zh-TW" sz="1800" dirty="0"/>
-              <a:t>, </a:t>
-            </a:r>
-            <a:r>
-              <a:rPr lang="en-US" altLang="zh-TW" sz="1800" dirty="0" err="1"/>
-              <a:t>center_y</a:t>
-            </a:r>
-            <a:r>
-              <a:rPr lang="en-US" altLang="zh-TW" sz="1800" dirty="0"/>
-              <a:t>  // Kernel center point coordinate)</a:t>
-            </a:r>
-          </a:p>
-          <a:p>
-            <a:pPr marL="0" indent="0">
-              <a:buNone/>
-            </a:pPr>
-            <a:r>
-              <a:rPr lang="en-US" altLang="zh-TW" sz="1800" dirty="0"/>
-              <a:t>While (</a:t>
-            </a:r>
-            <a:r>
-              <a:rPr lang="en-US" altLang="zh-TW" sz="1800" dirty="0" err="1"/>
-              <a:t>is_road_array</a:t>
-            </a:r>
-            <a:r>
-              <a:rPr lang="en-US" altLang="zh-TW" sz="1800" dirty="0"/>
-              <a:t> mapped to u16) is True:</a:t>
-            </a:r>
-          </a:p>
-          <a:p>
-            <a:pPr marL="0" indent="0">
-              <a:buNone/>
-            </a:pPr>
-            <a:r>
-              <a:rPr lang="en-US" altLang="zh-TW" sz="1800" dirty="0"/>
-              <a:t>	kernel = </a:t>
-            </a:r>
-            <a:r>
-              <a:rPr lang="en-US" altLang="zh-TW" sz="1800" dirty="0" err="1"/>
-              <a:t>Get_kernel</a:t>
-            </a:r>
-            <a:r>
-              <a:rPr lang="en-US" altLang="zh-TW" sz="1800" dirty="0"/>
-              <a:t>(Sobel, k=</a:t>
-            </a:r>
-            <a:r>
-              <a:rPr lang="en-US" altLang="zh-TW" sz="1800" dirty="0" err="1"/>
-              <a:t>BFS_kernel_size</a:t>
-            </a:r>
-            <a:r>
-              <a:rPr lang="en-US" altLang="zh-TW" sz="1800" dirty="0"/>
-              <a:t>, c=[last index, middle index])</a:t>
-            </a:r>
-          </a:p>
-          <a:p>
-            <a:pPr marL="0" indent="0">
-              <a:buNone/>
-            </a:pPr>
-            <a:r>
-              <a:rPr lang="en-US" altLang="zh-TW" sz="1800" dirty="0"/>
-              <a:t>	</a:t>
-            </a:r>
-            <a:r>
-              <a:rPr lang="en-US" altLang="zh-TW" sz="1800" dirty="0" err="1"/>
-              <a:t>kernel_arr</a:t>
-            </a:r>
-            <a:r>
-              <a:rPr lang="en-US" altLang="zh-TW" sz="1800" dirty="0"/>
-              <a:t> = </a:t>
-            </a:r>
-            <a:r>
-              <a:rPr lang="en-US" altLang="zh-TW" sz="1800" dirty="0" err="1"/>
-              <a:t>kernel.Kernel_Array</a:t>
-            </a:r>
-            <a:endParaRPr lang="en-US" altLang="zh-TW" sz="1800" dirty="0"/>
-          </a:p>
-          <a:p>
-            <a:pPr marL="0" indent="0">
-              <a:buNone/>
-            </a:pPr>
-            <a:r>
-              <a:rPr lang="en-US" altLang="zh-TW" sz="1800" dirty="0"/>
-              <a:t>	</a:t>
-            </a:r>
-          </a:p>
-        </p:txBody>
-      </p:sp>
+            <a:r>
+              <a:rPr lang="en-US" altLang="zh-TW" dirty="0"/>
+              <a:t>Pseudocode:</a:t>
+            </a:r>
+          </a:p>
+        </p:txBody>
+      </p:sp>
+      <p:pic>
+        <p:nvPicPr>
+          <p:cNvPr id="18" name="Picture 17">
+            <a:extLst>
+              <a:ext uri="{FF2B5EF4-FFF2-40B4-BE49-F238E27FC236}">
+                <a16:creationId xmlns:a16="http://schemas.microsoft.com/office/drawing/2014/main" id="{886A960A-2CBA-427B-8384-9162E47BB24D}"/>
+              </a:ext>
+            </a:extLst>
+          </p:cNvPr>
+          <p:cNvPicPr>
+            <a:picLocks noChangeAspect="1"/>
+          </p:cNvPicPr>
+          <p:nvPr/>
+        </p:nvPicPr>
+        <p:blipFill>
+          <a:blip r:embed="rId2"/>
+          <a:stretch>
+            <a:fillRect/>
+          </a:stretch>
+        </p:blipFill>
+        <p:spPr>
+          <a:xfrm>
+            <a:off x="1752600" y="5031270"/>
+            <a:ext cx="7607361" cy="1321487"/>
+          </a:xfrm>
+          <a:prstGeom prst="rect">
+            <a:avLst/>
+          </a:prstGeom>
+        </p:spPr>
+      </p:pic>
     </p:spTree>
     <p:extLst>
       <p:ext uri="{BB962C8B-B14F-4D97-AF65-F5344CB8AC3E}">
-        <p14:creationId xmlns:p14="http://schemas.microsoft.com/office/powerpoint/2010/main" val="3652483277"/>
+        <p14:creationId xmlns:p14="http://schemas.microsoft.com/office/powerpoint/2010/main" val="246661782"/>
       </p:ext>
     </p:extLst>
   </p:cSld>
@@ -10440,263 +12744,6 @@
         </p:nvSpPr>
         <p:spPr>
           <a:xfrm>
-            <a:off x="251012" y="1009837"/>
-            <a:ext cx="11689976" cy="4351338"/>
-          </a:xfrm>
-        </p:spPr>
-        <p:txBody>
-          <a:bodyPr/>
-          <a:lstStyle/>
-          <a:p>
-            <a:r>
-              <a:rPr lang="en-US" altLang="zh-TW" dirty="0" err="1"/>
-              <a:t>Get_kernel</a:t>
-            </a:r>
-            <a:endParaRPr lang="en-US" altLang="zh-TW" dirty="0"/>
-          </a:p>
-          <a:p>
-            <a:pPr lvl="1"/>
-            <a:r>
-              <a:rPr lang="en-US" altLang="zh-TW" dirty="0"/>
-              <a:t>Input: (u8 array) </a:t>
-            </a:r>
-            <a:r>
-              <a:rPr lang="en-US" altLang="zh-TW" dirty="0" err="1"/>
-              <a:t>Sobel_Image</a:t>
-            </a:r>
-            <a:endParaRPr lang="en-US" altLang="zh-TW" dirty="0"/>
-          </a:p>
-          <a:p>
-            <a:pPr lvl="1"/>
-            <a:r>
-              <a:rPr lang="en-US" altLang="zh-TW" dirty="0"/>
-              <a:t>Output: (Struct or Object) Kernel:</a:t>
-            </a:r>
-          </a:p>
-          <a:p>
-            <a:pPr lvl="2"/>
-            <a:r>
-              <a:rPr lang="en-US" altLang="zh-TW" dirty="0"/>
-              <a:t>(u8 array[</a:t>
-            </a:r>
-            <a:r>
-              <a:rPr lang="en-US" altLang="zh-TW" dirty="0" err="1"/>
-              <a:t>k,k</a:t>
-            </a:r>
-            <a:r>
-              <a:rPr lang="en-US" altLang="zh-TW" dirty="0"/>
-              <a:t>]) </a:t>
-            </a:r>
-            <a:r>
-              <a:rPr lang="en-US" altLang="zh-TW" dirty="0" err="1"/>
-              <a:t>Kernel_Array</a:t>
-            </a:r>
-            <a:endParaRPr lang="en-US" altLang="zh-TW" dirty="0"/>
-          </a:p>
-          <a:p>
-            <a:pPr lvl="2"/>
-            <a:r>
-              <a:rPr lang="en-US" altLang="zh-TW" dirty="0"/>
-              <a:t>(u8) </a:t>
-            </a:r>
-            <a:r>
-              <a:rPr lang="en-US" altLang="zh-TW" dirty="0" err="1"/>
-              <a:t>start_x</a:t>
-            </a:r>
-            <a:endParaRPr lang="en-US" altLang="zh-TW" dirty="0"/>
-          </a:p>
-          <a:p>
-            <a:pPr lvl="2"/>
-            <a:r>
-              <a:rPr lang="en-US" altLang="zh-TW" dirty="0"/>
-              <a:t>(u8) </a:t>
-            </a:r>
-            <a:r>
-              <a:rPr lang="en-US" altLang="zh-TW" dirty="0" err="1"/>
-              <a:t>start_y</a:t>
-            </a:r>
-            <a:endParaRPr lang="en-US" altLang="zh-TW" dirty="0"/>
-          </a:p>
-          <a:p>
-            <a:pPr lvl="2"/>
-            <a:r>
-              <a:rPr lang="en-US" altLang="zh-TW" dirty="0"/>
-              <a:t>(u8) </a:t>
-            </a:r>
-            <a:r>
-              <a:rPr lang="en-US" altLang="zh-TW" dirty="0" err="1"/>
-              <a:t>end_x</a:t>
-            </a:r>
-            <a:endParaRPr lang="en-US" altLang="zh-TW" dirty="0"/>
-          </a:p>
-          <a:p>
-            <a:pPr lvl="2"/>
-            <a:r>
-              <a:rPr lang="en-US" altLang="zh-TW" dirty="0"/>
-              <a:t>(u8) </a:t>
-            </a:r>
-            <a:r>
-              <a:rPr lang="en-US" altLang="zh-TW" dirty="0" err="1"/>
-              <a:t>end_y</a:t>
-            </a:r>
-            <a:endParaRPr lang="en-US" altLang="zh-TW" dirty="0"/>
-          </a:p>
-          <a:p>
-            <a:pPr lvl="1"/>
-            <a:r>
-              <a:rPr lang="en-US" altLang="zh-TW" dirty="0"/>
-              <a:t>Parameters: (u8) Kernel Size (k), (u8) Kernel Center[X,Y] (c[2])</a:t>
-            </a:r>
-          </a:p>
-        </p:txBody>
-      </p:sp>
-      <p:sp>
-        <p:nvSpPr>
-          <p:cNvPr id="16" name="TextBox 15">
-            <a:extLst>
-              <a:ext uri="{FF2B5EF4-FFF2-40B4-BE49-F238E27FC236}">
-                <a16:creationId xmlns:a16="http://schemas.microsoft.com/office/drawing/2014/main" id="{48892B65-2F8B-4E53-807E-272D24ED76DB}"/>
-              </a:ext>
-            </a:extLst>
-          </p:cNvPr>
-          <p:cNvSpPr txBox="1"/>
-          <p:nvPr/>
-        </p:nvSpPr>
-        <p:spPr>
-          <a:xfrm>
-            <a:off x="1752600" y="4536519"/>
-            <a:ext cx="6096000" cy="369332"/>
-          </a:xfrm>
-          <a:prstGeom prst="rect">
-            <a:avLst/>
-          </a:prstGeom>
-          <a:noFill/>
-        </p:spPr>
-        <p:txBody>
-          <a:bodyPr wrap="square">
-            <a:spAutoFit/>
-          </a:bodyPr>
-          <a:lstStyle/>
-          <a:p>
-            <a:r>
-              <a:rPr lang="en-US" altLang="zh-TW" dirty="0"/>
-              <a:t>Pseudocode:</a:t>
-            </a:r>
-          </a:p>
-        </p:txBody>
-      </p:sp>
-      <p:pic>
-        <p:nvPicPr>
-          <p:cNvPr id="18" name="Picture 17">
-            <a:extLst>
-              <a:ext uri="{FF2B5EF4-FFF2-40B4-BE49-F238E27FC236}">
-                <a16:creationId xmlns:a16="http://schemas.microsoft.com/office/drawing/2014/main" id="{886A960A-2CBA-427B-8384-9162E47BB24D}"/>
-              </a:ext>
-            </a:extLst>
-          </p:cNvPr>
-          <p:cNvPicPr>
-            <a:picLocks noChangeAspect="1"/>
-          </p:cNvPicPr>
-          <p:nvPr/>
-        </p:nvPicPr>
-        <p:blipFill>
-          <a:blip r:embed="rId2"/>
-          <a:stretch>
-            <a:fillRect/>
-          </a:stretch>
-        </p:blipFill>
-        <p:spPr>
-          <a:xfrm>
-            <a:off x="1752600" y="5031270"/>
-            <a:ext cx="7607361" cy="1321487"/>
-          </a:xfrm>
-          <a:prstGeom prst="rect">
-            <a:avLst/>
-          </a:prstGeom>
-        </p:spPr>
-      </p:pic>
-    </p:spTree>
-    <p:extLst>
-      <p:ext uri="{BB962C8B-B14F-4D97-AF65-F5344CB8AC3E}">
-        <p14:creationId xmlns:p14="http://schemas.microsoft.com/office/powerpoint/2010/main" val="246661782"/>
-      </p:ext>
-    </p:extLst>
-  </p:cSld>
-  <p:clrMapOvr>
-    <a:masterClrMapping/>
-  </p:clrMapOvr>
-</p:sld>
-</file>
-
-<file path=ppt/slides/slide8.xml><?xml version="1.0" encoding="utf-8"?>
-<p:sld xmlns:a="http://schemas.openxmlformats.org/drawingml/2006/main" xmlns:r="http://schemas.openxmlformats.org/officeDocument/2006/relationships" xmlns:p="http://schemas.openxmlformats.org/presentationml/2006/main">
-  <p:cSld>
-    <p:spTree>
-      <p:nvGrpSpPr>
-        <p:cNvPr id="1" name=""/>
-        <p:cNvGrpSpPr/>
-        <p:nvPr/>
-      </p:nvGrpSpPr>
-      <p:grpSpPr>
-        <a:xfrm>
-          <a:off x="0" y="0"/>
-          <a:ext cx="0" cy="0"/>
-          <a:chOff x="0" y="0"/>
-          <a:chExt cx="0" cy="0"/>
-        </a:xfrm>
-      </p:grpSpPr>
-      <p:sp>
-        <p:nvSpPr>
-          <p:cNvPr id="2" name="Title 1">
-            <a:extLst>
-              <a:ext uri="{FF2B5EF4-FFF2-40B4-BE49-F238E27FC236}">
-                <a16:creationId xmlns:a16="http://schemas.microsoft.com/office/drawing/2014/main" id="{E5D2891B-F272-4498-BEBE-DE4BC2C6506E}"/>
-              </a:ext>
-            </a:extLst>
-          </p:cNvPr>
-          <p:cNvSpPr>
-            <a:spLocks noGrp="1"/>
-          </p:cNvSpPr>
-          <p:nvPr>
-            <p:ph type="title"/>
-          </p:nvPr>
-        </p:nvSpPr>
-        <p:spPr>
-          <a:xfrm>
-            <a:off x="838200" y="18255"/>
-            <a:ext cx="10515600" cy="1325563"/>
-          </a:xfrm>
-        </p:spPr>
-        <p:txBody>
-          <a:bodyPr/>
-          <a:lstStyle/>
-          <a:p>
-            <a:r>
-              <a:rPr lang="en-US" altLang="zh-TW" dirty="0"/>
-              <a:t>API structure</a:t>
-            </a:r>
-            <a:endParaRPr lang="zh-TW" altLang="en-US" dirty="0"/>
-          </a:p>
-        </p:txBody>
-      </p:sp>
-      <p:sp>
-        <p:nvSpPr>
-          <p:cNvPr id="5" name="Content Placeholder 4">
-            <a:extLst>
-              <a:ext uri="{FF2B5EF4-FFF2-40B4-BE49-F238E27FC236}">
-                <a16:creationId xmlns:a16="http://schemas.microsoft.com/office/drawing/2014/main" id="{8EAB92C2-B7FD-4C97-80EC-B8EBC7A487F3}"/>
-              </a:ext>
-            </a:extLst>
-          </p:cNvPr>
-          <p:cNvSpPr>
-            <a:spLocks noGrp="1"/>
-          </p:cNvSpPr>
-          <p:nvPr>
-            <p:ph idx="1"/>
-          </p:nvPr>
-        </p:nvSpPr>
-        <p:spPr>
-          <a:xfrm>
             <a:off x="838200" y="1066781"/>
             <a:ext cx="10515600" cy="4351338"/>
           </a:xfrm>
@@ -10837,7 +12884,7 @@
 </p:sld>
 </file>
 
-<file path=ppt/slides/slide9.xml><?xml version="1.0" encoding="utf-8"?>
+<file path=ppt/slides/slide8.xml><?xml version="1.0" encoding="utf-8"?>
 <p:sld xmlns:a="http://schemas.openxmlformats.org/drawingml/2006/main" xmlns:r="http://schemas.openxmlformats.org/officeDocument/2006/relationships" xmlns:p="http://schemas.openxmlformats.org/presentationml/2006/main">
   <p:cSld>
     <p:spTree>
@@ -11340,6 +13387,200 @@
     <p:extLst>
       <p:ext uri="{BB962C8B-B14F-4D97-AF65-F5344CB8AC3E}">
         <p14:creationId xmlns:p14="http://schemas.microsoft.com/office/powerpoint/2010/main" val="1281354304"/>
+      </p:ext>
+    </p:extLst>
+  </p:cSld>
+  <p:clrMapOvr>
+    <a:masterClrMapping/>
+  </p:clrMapOvr>
+</p:sld>
+</file>
+
+<file path=ppt/slides/slide9.xml><?xml version="1.0" encoding="utf-8"?>
+<p:sld xmlns:a="http://schemas.openxmlformats.org/drawingml/2006/main" xmlns:r="http://schemas.openxmlformats.org/officeDocument/2006/relationships" xmlns:p="http://schemas.openxmlformats.org/presentationml/2006/main">
+  <p:cSld>
+    <p:spTree>
+      <p:nvGrpSpPr>
+        <p:cNvPr id="1" name=""/>
+        <p:cNvGrpSpPr/>
+        <p:nvPr/>
+      </p:nvGrpSpPr>
+      <p:grpSpPr>
+        <a:xfrm>
+          <a:off x="0" y="0"/>
+          <a:ext cx="0" cy="0"/>
+          <a:chOff x="0" y="0"/>
+          <a:chExt cx="0" cy="0"/>
+        </a:xfrm>
+      </p:grpSpPr>
+      <p:sp>
+        <p:nvSpPr>
+          <p:cNvPr id="2" name="Title 1">
+            <a:extLst>
+              <a:ext uri="{FF2B5EF4-FFF2-40B4-BE49-F238E27FC236}">
+                <a16:creationId xmlns:a16="http://schemas.microsoft.com/office/drawing/2014/main" id="{E5D2891B-F272-4498-BEBE-DE4BC2C6506E}"/>
+              </a:ext>
+            </a:extLst>
+          </p:cNvPr>
+          <p:cNvSpPr>
+            <a:spLocks noGrp="1"/>
+          </p:cNvSpPr>
+          <p:nvPr>
+            <p:ph type="title"/>
+          </p:nvPr>
+        </p:nvSpPr>
+        <p:spPr>
+          <a:xfrm>
+            <a:off x="838200" y="18255"/>
+            <a:ext cx="10515600" cy="1325563"/>
+          </a:xfrm>
+        </p:spPr>
+        <p:txBody>
+          <a:bodyPr/>
+          <a:lstStyle/>
+          <a:p>
+            <a:r>
+              <a:rPr lang="en-US" altLang="zh-TW" dirty="0"/>
+              <a:t>API structure</a:t>
+            </a:r>
+            <a:endParaRPr lang="zh-TW" altLang="en-US" dirty="0"/>
+          </a:p>
+        </p:txBody>
+      </p:sp>
+      <p:sp>
+        <p:nvSpPr>
+          <p:cNvPr id="5" name="Content Placeholder 4">
+            <a:extLst>
+              <a:ext uri="{FF2B5EF4-FFF2-40B4-BE49-F238E27FC236}">
+                <a16:creationId xmlns:a16="http://schemas.microsoft.com/office/drawing/2014/main" id="{8EAB92C2-B7FD-4C97-80EC-B8EBC7A487F3}"/>
+              </a:ext>
+            </a:extLst>
+          </p:cNvPr>
+          <p:cNvSpPr>
+            <a:spLocks noGrp="1"/>
+          </p:cNvSpPr>
+          <p:nvPr>
+            <p:ph idx="1"/>
+          </p:nvPr>
+        </p:nvSpPr>
+        <p:spPr>
+          <a:xfrm>
+            <a:off x="838200" y="1066782"/>
+            <a:ext cx="10515600" cy="1766066"/>
+          </a:xfrm>
+        </p:spPr>
+        <p:txBody>
+          <a:bodyPr>
+            <a:normAutofit/>
+          </a:bodyPr>
+          <a:lstStyle/>
+          <a:p>
+            <a:r>
+              <a:rPr lang="en-US" altLang="zh-TW" dirty="0" err="1"/>
+              <a:t>count_dist</a:t>
+            </a:r>
+            <a:endParaRPr lang="en-US" altLang="zh-TW" dirty="0"/>
+          </a:p>
+          <a:p>
+            <a:pPr lvl="1"/>
+            <a:r>
+              <a:rPr lang="en-US" altLang="zh-TW" dirty="0"/>
+              <a:t>Input: (u8) LBP_Mode_n0[N,2], (u8) LBP_Mode_n1[N,2]</a:t>
+            </a:r>
+          </a:p>
+          <a:p>
+            <a:pPr lvl="1"/>
+            <a:r>
+              <a:rPr lang="en-US" altLang="zh-TW" dirty="0"/>
+              <a:t>Output: (u16) </a:t>
+            </a:r>
+            <a:r>
+              <a:rPr lang="en-US" altLang="zh-TW" dirty="0" err="1"/>
+              <a:t>dist</a:t>
+            </a:r>
+            <a:endParaRPr lang="en-US" altLang="zh-TW" dirty="0"/>
+          </a:p>
+          <a:p>
+            <a:pPr lvl="1"/>
+            <a:r>
+              <a:rPr lang="en-US" altLang="zh-TW" dirty="0"/>
+              <a:t>Parameters: None</a:t>
+            </a:r>
+          </a:p>
+        </p:txBody>
+      </p:sp>
+      <p:sp>
+        <p:nvSpPr>
+          <p:cNvPr id="6" name="TextBox 5">
+            <a:extLst>
+              <a:ext uri="{FF2B5EF4-FFF2-40B4-BE49-F238E27FC236}">
+                <a16:creationId xmlns:a16="http://schemas.microsoft.com/office/drawing/2014/main" id="{29F0A3BD-184B-45C7-8DB5-98E6D350FD77}"/>
+              </a:ext>
+            </a:extLst>
+          </p:cNvPr>
+          <p:cNvSpPr txBox="1"/>
+          <p:nvPr/>
+        </p:nvSpPr>
+        <p:spPr>
+          <a:xfrm>
+            <a:off x="1264024" y="2718290"/>
+            <a:ext cx="7727576" cy="646331"/>
+          </a:xfrm>
+          <a:prstGeom prst="rect">
+            <a:avLst/>
+          </a:prstGeom>
+          <a:noFill/>
+        </p:spPr>
+        <p:txBody>
+          <a:bodyPr wrap="square">
+            <a:spAutoFit/>
+          </a:bodyPr>
+          <a:lstStyle/>
+          <a:p>
+            <a:r>
+              <a:rPr lang="en-US" altLang="zh-TW" dirty="0"/>
+              <a:t>Pseudocode:</a:t>
+            </a:r>
+          </a:p>
+          <a:p>
+            <a:endParaRPr lang="en-US" altLang="zh-TW" dirty="0"/>
+          </a:p>
+        </p:txBody>
+      </p:sp>
+      <p:pic>
+        <p:nvPicPr>
+          <p:cNvPr id="10" name="Picture 9">
+            <a:extLst>
+              <a:ext uri="{FF2B5EF4-FFF2-40B4-BE49-F238E27FC236}">
+                <a16:creationId xmlns:a16="http://schemas.microsoft.com/office/drawing/2014/main" id="{69DAA39D-7EE9-4AC4-8D4E-4ACF7DC14EAE}"/>
+              </a:ext>
+            </a:extLst>
+          </p:cNvPr>
+          <p:cNvPicPr>
+            <a:picLocks noChangeAspect="1"/>
+          </p:cNvPicPr>
+          <p:nvPr/>
+        </p:nvPicPr>
+        <p:blipFill>
+          <a:blip r:embed="rId2"/>
+          <a:stretch>
+            <a:fillRect/>
+          </a:stretch>
+        </p:blipFill>
+        <p:spPr>
+          <a:xfrm>
+            <a:off x="1264024" y="3041454"/>
+            <a:ext cx="8158534" cy="2247721"/>
+          </a:xfrm>
+          <a:prstGeom prst="rect">
+            <a:avLst/>
+          </a:prstGeom>
+        </p:spPr>
+      </p:pic>
+    </p:spTree>
+    <p:extLst>
+      <p:ext uri="{BB962C8B-B14F-4D97-AF65-F5344CB8AC3E}">
+        <p14:creationId xmlns:p14="http://schemas.microsoft.com/office/powerpoint/2010/main" val="1017137951"/>
       </p:ext>
     </p:extLst>
   </p:cSld>
